--- a/patterns/transaction-write.pptx
+++ b/patterns/transaction-write.pptx
@@ -9,7 +9,7 @@
   </p:notesMasterIdLst>
   <p:sldIdLst>
     <p:sldId id="403" r:id="rId2"/>
-    <p:sldId id="404" r:id="rId3"/>
+    <p:sldId id="421" r:id="rId3"/>
     <p:sldId id="405" r:id="rId4"/>
     <p:sldId id="407" r:id="rId5"/>
     <p:sldId id="408" r:id="rId6"/>
@@ -126,7 +126,7 @@
         <p14:section name="默认节" id="{1EEC304E-9EA9-44B3-83A5-4400A19A585D}">
           <p14:sldIdLst>
             <p14:sldId id="403"/>
-            <p14:sldId id="404"/>
+            <p14:sldId id="421"/>
             <p14:sldId id="405"/>
             <p14:sldId id="407"/>
             <p14:sldId id="408"/>
@@ -232,7 +232,7 @@
           <a:p>
             <a:fld id="{CAD4BD24-A097-4F9D-85E9-6A2A24CA2D98}" type="datetimeFigureOut">
               <a:rPr lang="zh-CN" altLang="en-US" smtClean="0"/>
-              <a:t>2022/3/30</a:t>
+              <a:t>2022/9/27</a:t>
             </a:fld>
             <a:endParaRPr lang="zh-CN" altLang="en-US"/>
           </a:p>
@@ -2523,10 +2523,10 @@
       </p:grpSpPr>
       <p:grpSp>
         <p:nvGrpSpPr>
-          <p:cNvPr id="7" name="Group 6">
+          <p:cNvPr id="14" name="Group 13">
             <a:extLst>
               <a:ext uri="{FF2B5EF4-FFF2-40B4-BE49-F238E27FC236}">
-                <a16:creationId xmlns:a16="http://schemas.microsoft.com/office/drawing/2014/main" id="{D3BEECD5-C92B-9F40-9501-BAC6DBFBD105}"/>
+                <a16:creationId xmlns:a16="http://schemas.microsoft.com/office/drawing/2014/main" id="{0105A7A4-D140-2B27-C3DA-7B8FA4B497A9}"/>
               </a:ext>
             </a:extLst>
           </p:cNvPr>
@@ -2535,10 +2535,10 @@
         </p:nvGrpSpPr>
         <p:grpSpPr>
           <a:xfrm>
-            <a:off x="4621180" y="1572904"/>
-            <a:ext cx="2977350" cy="4396268"/>
-            <a:chOff x="4607325" y="1572904"/>
-            <a:chExt cx="2977350" cy="4396268"/>
+            <a:off x="1701307" y="2179577"/>
+            <a:ext cx="8789386" cy="1921038"/>
+            <a:chOff x="1701307" y="2179577"/>
+            <a:chExt cx="8789386" cy="1921038"/>
           </a:xfrm>
         </p:grpSpPr>
         <p:grpSp>
@@ -2555,7 +2555,7 @@
           </p:nvGrpSpPr>
           <p:grpSpPr>
             <a:xfrm>
-              <a:off x="4607325" y="4048134"/>
+              <a:off x="7513343" y="2179577"/>
               <a:ext cx="2977350" cy="1921038"/>
               <a:chOff x="1488974" y="3906297"/>
               <a:chExt cx="1803118" cy="1325564"/>
@@ -2947,10 +2947,10 @@
           </p:nvGrpSpPr>
           <p:grpSpPr>
             <a:xfrm>
-              <a:off x="4728826" y="1572904"/>
-              <a:ext cx="2734348" cy="1644373"/>
+              <a:off x="1701307" y="2179577"/>
+              <a:ext cx="2734348" cy="1244683"/>
               <a:chOff x="9132408" y="3125108"/>
-              <a:chExt cx="2114288" cy="1134658"/>
+              <a:chExt cx="2114288" cy="858862"/>
             </a:xfrm>
           </p:grpSpPr>
           <p:sp>
@@ -3034,7 +3034,7 @@
             <p:spPr>
               <a:xfrm>
                 <a:off x="9132408" y="3553613"/>
-                <a:ext cx="2114288" cy="706153"/>
+                <a:ext cx="2114288" cy="430357"/>
               </a:xfrm>
               <a:prstGeom prst="rect">
                 <a:avLst/>
@@ -3066,6 +3066,56 @@
               <a:bodyPr rtlCol="0" anchor="ctr"/>
               <a:lstStyle/>
               <a:p>
+                <a:r>
+                  <a:rPr kumimoji="1" lang="en-US" altLang="zh-CN" sz="1600" dirty="0">
+                    <a:solidFill>
+                      <a:sysClr val="windowText" lastClr="000000"/>
+                    </a:solidFill>
+                    <a:latin typeface="DengXian" panose="02010600030101010101" pitchFamily="2" charset="-122"/>
+                    <a:ea typeface="DengXian" panose="02010600030101010101" pitchFamily="2" charset="-122"/>
+                  </a:rPr>
+                  <a:t>id</a:t>
+                </a:r>
+                <a:r>
+                  <a:rPr kumimoji="1" lang="zh-CN" altLang="en-US" sz="1600" dirty="0">
+                    <a:solidFill>
+                      <a:sysClr val="windowText" lastClr="000000"/>
+                    </a:solidFill>
+                    <a:latin typeface="DengXian" panose="02010600030101010101" pitchFamily="2" charset="-122"/>
+                    <a:ea typeface="DengXian" panose="02010600030101010101" pitchFamily="2" charset="-122"/>
+                  </a:rPr>
+                  <a:t> </a:t>
+                </a:r>
+                <a:r>
+                  <a:rPr kumimoji="1" lang="en-US" altLang="zh-CN" sz="1600" dirty="0">
+                    <a:solidFill>
+                      <a:sysClr val="windowText" lastClr="000000"/>
+                    </a:solidFill>
+                    <a:latin typeface="DengXian" panose="02010600030101010101" pitchFamily="2" charset="-122"/>
+                    <a:ea typeface="DengXian" panose="02010600030101010101" pitchFamily="2" charset="-122"/>
+                  </a:rPr>
+                  <a:t>&lt;-</a:t>
+                </a:r>
+                <a:r>
+                  <a:rPr kumimoji="1" lang="zh-CN" altLang="en-US" sz="1600" dirty="0">
+                    <a:solidFill>
+                      <a:sysClr val="windowText" lastClr="000000"/>
+                    </a:solidFill>
+                    <a:latin typeface="DengXian" panose="02010600030101010101" pitchFamily="2" charset="-122"/>
+                    <a:ea typeface="DengXian" panose="02010600030101010101" pitchFamily="2" charset="-122"/>
+                  </a:rPr>
+                  <a:t> </a:t>
+                </a:r>
+                <a:r>
+                  <a:rPr kumimoji="1" lang="en-US" altLang="zh-CN" sz="1600" dirty="0" err="1">
+                    <a:solidFill>
+                      <a:sysClr val="windowText" lastClr="000000"/>
+                    </a:solidFill>
+                    <a:latin typeface="DengXian" panose="02010600030101010101" pitchFamily="2" charset="-122"/>
+                    <a:ea typeface="DengXian" panose="02010600030101010101" pitchFamily="2" charset="-122"/>
+                  </a:rPr>
+                  <a:t>personId</a:t>
+                </a:r>
                 <a:endParaRPr kumimoji="1" lang="en-US" altLang="zh-CN" sz="1600" dirty="0">
                   <a:solidFill>
                     <a:sysClr val="windowText" lastClr="000000"/>
@@ -3083,7 +3133,7 @@
                     <a:latin typeface="DengXian" panose="02010600030101010101" pitchFamily="2" charset="-122"/>
                     <a:ea typeface="DengXian" panose="02010600030101010101" pitchFamily="2" charset="-122"/>
                   </a:rPr>
-                  <a:t>id</a:t>
+                  <a:t>name</a:t>
                 </a:r>
                 <a:r>
                   <a:rPr kumimoji="1" lang="zh-CN" altLang="en-US" sz="1600" dirty="0">
@@ -3123,135 +3173,8 @@
                     <a:latin typeface="DengXian" panose="02010600030101010101" pitchFamily="2" charset="-122"/>
                     <a:ea typeface="DengXian" panose="02010600030101010101" pitchFamily="2" charset="-122"/>
                   </a:rPr>
-                  <a:t>personId</a:t>
-                </a:r>
-                <a:endParaRPr kumimoji="1" lang="en-US" altLang="zh-CN" sz="1600" dirty="0">
-                  <a:solidFill>
-                    <a:sysClr val="windowText" lastClr="000000"/>
-                  </a:solidFill>
-                  <a:latin typeface="DengXian" panose="02010600030101010101" pitchFamily="2" charset="-122"/>
-                  <a:ea typeface="DengXian" panose="02010600030101010101" pitchFamily="2" charset="-122"/>
-                </a:endParaRPr>
-              </a:p>
-              <a:p>
-                <a:r>
-                  <a:rPr kumimoji="1" lang="en-US" altLang="zh-CN" sz="1600" dirty="0">
-                    <a:solidFill>
-                      <a:sysClr val="windowText" lastClr="000000"/>
-                    </a:solidFill>
-                    <a:latin typeface="DengXian" panose="02010600030101010101" pitchFamily="2" charset="-122"/>
-                    <a:ea typeface="DengXian" panose="02010600030101010101" pitchFamily="2" charset="-122"/>
-                  </a:rPr>
-                  <a:t>name</a:t>
-                </a:r>
-                <a:r>
-                  <a:rPr kumimoji="1" lang="zh-CN" altLang="en-US" sz="1600" dirty="0">
-                    <a:solidFill>
-                      <a:sysClr val="windowText" lastClr="000000"/>
-                    </a:solidFill>
-                    <a:latin typeface="DengXian" panose="02010600030101010101" pitchFamily="2" charset="-122"/>
-                    <a:ea typeface="DengXian" panose="02010600030101010101" pitchFamily="2" charset="-122"/>
-                  </a:rPr>
-                  <a:t> </a:t>
-                </a:r>
-                <a:r>
-                  <a:rPr kumimoji="1" lang="en-US" altLang="zh-CN" sz="1600" dirty="0">
-                    <a:solidFill>
-                      <a:sysClr val="windowText" lastClr="000000"/>
-                    </a:solidFill>
-                    <a:latin typeface="DengXian" panose="02010600030101010101" pitchFamily="2" charset="-122"/>
-                    <a:ea typeface="DengXian" panose="02010600030101010101" pitchFamily="2" charset="-122"/>
-                  </a:rPr>
-                  <a:t>&lt;-</a:t>
-                </a:r>
-                <a:r>
-                  <a:rPr kumimoji="1" lang="zh-CN" altLang="en-US" sz="1600" dirty="0">
-                    <a:solidFill>
-                      <a:sysClr val="windowText" lastClr="000000"/>
-                    </a:solidFill>
-                    <a:latin typeface="DengXian" panose="02010600030101010101" pitchFamily="2" charset="-122"/>
-                    <a:ea typeface="DengXian" panose="02010600030101010101" pitchFamily="2" charset="-122"/>
-                  </a:rPr>
-                  <a:t> </a:t>
-                </a:r>
-                <a:r>
-                  <a:rPr kumimoji="1" lang="en-US" altLang="zh-CN" sz="1600" dirty="0" err="1">
-                    <a:solidFill>
-                      <a:sysClr val="windowText" lastClr="000000"/>
-                    </a:solidFill>
-                    <a:latin typeface="DengXian" panose="02010600030101010101" pitchFamily="2" charset="-122"/>
-                    <a:ea typeface="DengXian" panose="02010600030101010101" pitchFamily="2" charset="-122"/>
-                  </a:rPr>
                   <a:t>personName</a:t>
                 </a:r>
-                <a:endParaRPr kumimoji="1" lang="en-US" altLang="zh-CN" sz="1600" dirty="0">
-                  <a:solidFill>
-                    <a:sysClr val="windowText" lastClr="000000"/>
-                  </a:solidFill>
-                  <a:latin typeface="DengXian" panose="02010600030101010101" pitchFamily="2" charset="-122"/>
-                  <a:ea typeface="DengXian" panose="02010600030101010101" pitchFamily="2" charset="-122"/>
-                </a:endParaRPr>
-              </a:p>
-              <a:p>
-                <a:r>
-                  <a:rPr kumimoji="1" lang="en-US" altLang="zh-CN" sz="1600" dirty="0" err="1">
-                    <a:solidFill>
-                      <a:sysClr val="windowText" lastClr="000000"/>
-                    </a:solidFill>
-                    <a:latin typeface="DengXian" panose="02010600030101010101" pitchFamily="2" charset="-122"/>
-                    <a:ea typeface="DengXian" panose="02010600030101010101" pitchFamily="2" charset="-122"/>
-                  </a:rPr>
-                  <a:t>isBlocked</a:t>
-                </a:r>
-                <a:r>
-                  <a:rPr kumimoji="1" lang="zh-CN" altLang="en-US" sz="1600" dirty="0">
-                    <a:solidFill>
-                      <a:sysClr val="windowText" lastClr="000000"/>
-                    </a:solidFill>
-                    <a:latin typeface="DengXian" panose="02010600030101010101" pitchFamily="2" charset="-122"/>
-                    <a:ea typeface="DengXian" panose="02010600030101010101" pitchFamily="2" charset="-122"/>
-                  </a:rPr>
-                  <a:t> </a:t>
-                </a:r>
-                <a:r>
-                  <a:rPr kumimoji="1" lang="en-US" altLang="zh-CN" sz="1600" dirty="0">
-                    <a:solidFill>
-                      <a:sysClr val="windowText" lastClr="000000"/>
-                    </a:solidFill>
-                    <a:latin typeface="DengXian" panose="02010600030101010101" pitchFamily="2" charset="-122"/>
-                    <a:ea typeface="DengXian" panose="02010600030101010101" pitchFamily="2" charset="-122"/>
-                  </a:rPr>
-                  <a:t>&lt;-</a:t>
-                </a:r>
-                <a:r>
-                  <a:rPr kumimoji="1" lang="zh-CN" altLang="en-US" sz="1600" dirty="0">
-                    <a:solidFill>
-                      <a:sysClr val="windowText" lastClr="000000"/>
-                    </a:solidFill>
-                    <a:latin typeface="DengXian" panose="02010600030101010101" pitchFamily="2" charset="-122"/>
-                    <a:ea typeface="DengXian" panose="02010600030101010101" pitchFamily="2" charset="-122"/>
-                  </a:rPr>
-                  <a:t> </a:t>
-                </a:r>
-                <a:r>
-                  <a:rPr kumimoji="1" lang="en-US" altLang="zh-CN" sz="1600" dirty="0" err="1">
-                    <a:solidFill>
-                      <a:sysClr val="windowText" lastClr="000000"/>
-                    </a:solidFill>
-                    <a:latin typeface="DengXian" panose="02010600030101010101" pitchFamily="2" charset="-122"/>
-                    <a:ea typeface="DengXian" panose="02010600030101010101" pitchFamily="2" charset="-122"/>
-                  </a:rPr>
-                  <a:t>personBlocked</a:t>
-                </a:r>
-                <a:endParaRPr kumimoji="1" lang="en-US" altLang="zh-CN" sz="1600" dirty="0">
-                  <a:solidFill>
-                    <a:sysClr val="windowText" lastClr="000000"/>
-                  </a:solidFill>
-                  <a:latin typeface="DengXian" panose="02010600030101010101" pitchFamily="2" charset="-122"/>
-                  <a:ea typeface="DengXian" panose="02010600030101010101" pitchFamily="2" charset="-122"/>
-                </a:endParaRPr>
-              </a:p>
-              <a:p>
                 <a:endParaRPr kumimoji="1" lang="en-US" altLang="zh-CN" sz="1600" dirty="0">
                   <a:solidFill>
                     <a:sysClr val="windowText" lastClr="000000"/>
@@ -3274,15 +3197,15 @@
             </p:cNvPr>
             <p:cNvCxnSpPr>
               <a:cxnSpLocks/>
-              <a:stCxn id="5" idx="0"/>
-              <a:endCxn id="16" idx="2"/>
+              <a:stCxn id="5" idx="1"/>
+              <a:endCxn id="10" idx="3"/>
             </p:cNvCxnSpPr>
             <p:nvPr/>
           </p:nvCxnSpPr>
           <p:spPr>
-            <a:xfrm flipV="1">
-              <a:off x="6096000" y="3217277"/>
-              <a:ext cx="0" cy="830857"/>
+            <a:xfrm flipH="1">
+              <a:off x="4435655" y="2491418"/>
+              <a:ext cx="3077688" cy="0"/>
             </a:xfrm>
             <a:prstGeom prst="straightConnector1">
               <a:avLst/>
@@ -3324,7 +3247,7 @@
           </p:nvSpPr>
           <p:spPr>
             <a:xfrm>
-              <a:off x="5776129" y="3450160"/>
+              <a:off x="5604460" y="2282699"/>
               <a:ext cx="639740" cy="338554"/>
             </a:xfrm>
             <a:prstGeom prst="rect">
@@ -5081,10 +5004,10 @@
       </p:grpSpPr>
       <p:grpSp>
         <p:nvGrpSpPr>
-          <p:cNvPr id="7" name="Group 6">
+          <p:cNvPr id="14" name="Group 13">
             <a:extLst>
               <a:ext uri="{FF2B5EF4-FFF2-40B4-BE49-F238E27FC236}">
-                <a16:creationId xmlns:a16="http://schemas.microsoft.com/office/drawing/2014/main" id="{9A9A4E5B-A475-834B-82FA-485CA8E1E899}"/>
+                <a16:creationId xmlns:a16="http://schemas.microsoft.com/office/drawing/2014/main" id="{0105A7A4-D140-2B27-C3DA-7B8FA4B497A9}"/>
               </a:ext>
             </a:extLst>
           </p:cNvPr>
@@ -5093,10 +5016,10 @@
         </p:nvGrpSpPr>
         <p:grpSpPr>
           <a:xfrm>
-            <a:off x="4607325" y="1690688"/>
-            <a:ext cx="2977350" cy="4396268"/>
-            <a:chOff x="1981200" y="1572904"/>
-            <a:chExt cx="2977350" cy="4396268"/>
+            <a:off x="1701307" y="2179577"/>
+            <a:ext cx="8789386" cy="1921038"/>
+            <a:chOff x="1701307" y="2179577"/>
+            <a:chExt cx="8789386" cy="1921038"/>
           </a:xfrm>
         </p:grpSpPr>
         <p:grpSp>
@@ -5113,7 +5036,7 @@
           </p:nvGrpSpPr>
           <p:grpSpPr>
             <a:xfrm>
-              <a:off x="1981200" y="4048134"/>
+              <a:off x="7513343" y="2179577"/>
               <a:ext cx="2977350" cy="1921038"/>
               <a:chOff x="1488974" y="3906297"/>
               <a:chExt cx="1803118" cy="1325564"/>
@@ -5202,7 +5125,7 @@
             </p:nvSpPr>
             <p:spPr>
               <a:xfrm>
-                <a:off x="1488975" y="4336653"/>
+                <a:off x="1488974" y="4336653"/>
                 <a:ext cx="1803117" cy="895208"/>
               </a:xfrm>
               <a:prstGeom prst="rect">
@@ -5505,10 +5428,10 @@
           </p:nvGrpSpPr>
           <p:grpSpPr>
             <a:xfrm>
-              <a:off x="2041951" y="1572904"/>
-              <a:ext cx="2855850" cy="1644373"/>
-              <a:chOff x="9085433" y="3125108"/>
-              <a:chExt cx="2208237" cy="1134658"/>
+              <a:off x="1701307" y="2179577"/>
+              <a:ext cx="2734348" cy="1244683"/>
+              <a:chOff x="9132408" y="3125108"/>
+              <a:chExt cx="2114288" cy="858862"/>
             </a:xfrm>
           </p:grpSpPr>
           <p:sp>
@@ -5525,8 +5448,8 @@
             </p:nvSpPr>
             <p:spPr>
               <a:xfrm>
-                <a:off x="9085433" y="3125108"/>
-                <a:ext cx="2208234" cy="430356"/>
+                <a:off x="9132408" y="3125108"/>
+                <a:ext cx="2114288" cy="430356"/>
               </a:xfrm>
               <a:prstGeom prst="rect">
                 <a:avLst/>
@@ -5591,8 +5514,8 @@
             </p:nvSpPr>
             <p:spPr>
               <a:xfrm>
-                <a:off x="9085435" y="3553613"/>
-                <a:ext cx="2208235" cy="706153"/>
+                <a:off x="9132408" y="3553613"/>
+                <a:ext cx="2114288" cy="430357"/>
               </a:xfrm>
               <a:prstGeom prst="rect">
                 <a:avLst/>
@@ -5624,6 +5547,56 @@
               <a:bodyPr rtlCol="0" anchor="ctr"/>
               <a:lstStyle/>
               <a:p>
+                <a:r>
+                  <a:rPr kumimoji="1" lang="en-US" altLang="zh-CN" sz="1600" dirty="0">
+                    <a:solidFill>
+                      <a:sysClr val="windowText" lastClr="000000"/>
+                    </a:solidFill>
+                    <a:latin typeface="DengXian" panose="02010600030101010101" pitchFamily="2" charset="-122"/>
+                    <a:ea typeface="DengXian" panose="02010600030101010101" pitchFamily="2" charset="-122"/>
+                  </a:rPr>
+                  <a:t>id</a:t>
+                </a:r>
+                <a:r>
+                  <a:rPr kumimoji="1" lang="zh-CN" altLang="en-US" sz="1600" dirty="0">
+                    <a:solidFill>
+                      <a:sysClr val="windowText" lastClr="000000"/>
+                    </a:solidFill>
+                    <a:latin typeface="DengXian" panose="02010600030101010101" pitchFamily="2" charset="-122"/>
+                    <a:ea typeface="DengXian" panose="02010600030101010101" pitchFamily="2" charset="-122"/>
+                  </a:rPr>
+                  <a:t> </a:t>
+                </a:r>
+                <a:r>
+                  <a:rPr kumimoji="1" lang="en-US" altLang="zh-CN" sz="1600" dirty="0">
+                    <a:solidFill>
+                      <a:sysClr val="windowText" lastClr="000000"/>
+                    </a:solidFill>
+                    <a:latin typeface="DengXian" panose="02010600030101010101" pitchFamily="2" charset="-122"/>
+                    <a:ea typeface="DengXian" panose="02010600030101010101" pitchFamily="2" charset="-122"/>
+                  </a:rPr>
+                  <a:t>&lt;-</a:t>
+                </a:r>
+                <a:r>
+                  <a:rPr kumimoji="1" lang="zh-CN" altLang="en-US" sz="1600" dirty="0">
+                    <a:solidFill>
+                      <a:sysClr val="windowText" lastClr="000000"/>
+                    </a:solidFill>
+                    <a:latin typeface="DengXian" panose="02010600030101010101" pitchFamily="2" charset="-122"/>
+                    <a:ea typeface="DengXian" panose="02010600030101010101" pitchFamily="2" charset="-122"/>
+                  </a:rPr>
+                  <a:t> </a:t>
+                </a:r>
+                <a:r>
+                  <a:rPr kumimoji="1" lang="en-US" altLang="zh-CN" sz="1600" dirty="0" err="1">
+                    <a:solidFill>
+                      <a:sysClr val="windowText" lastClr="000000"/>
+                    </a:solidFill>
+                    <a:latin typeface="DengXian" panose="02010600030101010101" pitchFamily="2" charset="-122"/>
+                    <a:ea typeface="DengXian" panose="02010600030101010101" pitchFamily="2" charset="-122"/>
+                  </a:rPr>
+                  <a:t>companyId</a:t>
+                </a:r>
                 <a:endParaRPr kumimoji="1" lang="en-US" altLang="zh-CN" sz="1600" dirty="0">
                   <a:solidFill>
                     <a:sysClr val="windowText" lastClr="000000"/>
@@ -5641,7 +5614,7 @@
                     <a:latin typeface="DengXian" panose="02010600030101010101" pitchFamily="2" charset="-122"/>
                     <a:ea typeface="DengXian" panose="02010600030101010101" pitchFamily="2" charset="-122"/>
                   </a:rPr>
-                  <a:t>id</a:t>
+                  <a:t>name</a:t>
                 </a:r>
                 <a:r>
                   <a:rPr kumimoji="1" lang="zh-CN" altLang="en-US" sz="1600" dirty="0">
@@ -5681,135 +5654,8 @@
                     <a:latin typeface="DengXian" panose="02010600030101010101" pitchFamily="2" charset="-122"/>
                     <a:ea typeface="DengXian" panose="02010600030101010101" pitchFamily="2" charset="-122"/>
                   </a:rPr>
-                  <a:t>companyId</a:t>
-                </a:r>
-                <a:endParaRPr kumimoji="1" lang="en-US" altLang="zh-CN" sz="1600" dirty="0">
-                  <a:solidFill>
-                    <a:sysClr val="windowText" lastClr="000000"/>
-                  </a:solidFill>
-                  <a:latin typeface="DengXian" panose="02010600030101010101" pitchFamily="2" charset="-122"/>
-                  <a:ea typeface="DengXian" panose="02010600030101010101" pitchFamily="2" charset="-122"/>
-                </a:endParaRPr>
-              </a:p>
-              <a:p>
-                <a:r>
-                  <a:rPr kumimoji="1" lang="en-US" altLang="zh-CN" sz="1600" dirty="0">
-                    <a:solidFill>
-                      <a:sysClr val="windowText" lastClr="000000"/>
-                    </a:solidFill>
-                    <a:latin typeface="DengXian" panose="02010600030101010101" pitchFamily="2" charset="-122"/>
-                    <a:ea typeface="DengXian" panose="02010600030101010101" pitchFamily="2" charset="-122"/>
-                  </a:rPr>
-                  <a:t>name</a:t>
-                </a:r>
-                <a:r>
-                  <a:rPr kumimoji="1" lang="zh-CN" altLang="en-US" sz="1600" dirty="0">
-                    <a:solidFill>
-                      <a:sysClr val="windowText" lastClr="000000"/>
-                    </a:solidFill>
-                    <a:latin typeface="DengXian" panose="02010600030101010101" pitchFamily="2" charset="-122"/>
-                    <a:ea typeface="DengXian" panose="02010600030101010101" pitchFamily="2" charset="-122"/>
-                  </a:rPr>
-                  <a:t> </a:t>
-                </a:r>
-                <a:r>
-                  <a:rPr kumimoji="1" lang="en-US" altLang="zh-CN" sz="1600" dirty="0">
-                    <a:solidFill>
-                      <a:sysClr val="windowText" lastClr="000000"/>
-                    </a:solidFill>
-                    <a:latin typeface="DengXian" panose="02010600030101010101" pitchFamily="2" charset="-122"/>
-                    <a:ea typeface="DengXian" panose="02010600030101010101" pitchFamily="2" charset="-122"/>
-                  </a:rPr>
-                  <a:t>&lt;-</a:t>
-                </a:r>
-                <a:r>
-                  <a:rPr kumimoji="1" lang="zh-CN" altLang="en-US" sz="1600" dirty="0">
-                    <a:solidFill>
-                      <a:sysClr val="windowText" lastClr="000000"/>
-                    </a:solidFill>
-                    <a:latin typeface="DengXian" panose="02010600030101010101" pitchFamily="2" charset="-122"/>
-                    <a:ea typeface="DengXian" panose="02010600030101010101" pitchFamily="2" charset="-122"/>
-                  </a:rPr>
-                  <a:t> </a:t>
-                </a:r>
-                <a:r>
-                  <a:rPr kumimoji="1" lang="en-US" altLang="zh-CN" sz="1600" dirty="0" err="1">
-                    <a:solidFill>
-                      <a:sysClr val="windowText" lastClr="000000"/>
-                    </a:solidFill>
-                    <a:latin typeface="DengXian" panose="02010600030101010101" pitchFamily="2" charset="-122"/>
-                    <a:ea typeface="DengXian" panose="02010600030101010101" pitchFamily="2" charset="-122"/>
-                  </a:rPr>
                   <a:t>companyName</a:t>
                 </a:r>
-                <a:endParaRPr kumimoji="1" lang="en-US" altLang="zh-CN" sz="1600" dirty="0">
-                  <a:solidFill>
-                    <a:sysClr val="windowText" lastClr="000000"/>
-                  </a:solidFill>
-                  <a:latin typeface="DengXian" panose="02010600030101010101" pitchFamily="2" charset="-122"/>
-                  <a:ea typeface="DengXian" panose="02010600030101010101" pitchFamily="2" charset="-122"/>
-                </a:endParaRPr>
-              </a:p>
-              <a:p>
-                <a:r>
-                  <a:rPr kumimoji="1" lang="en-US" altLang="zh-CN" sz="1600" dirty="0" err="1">
-                    <a:solidFill>
-                      <a:sysClr val="windowText" lastClr="000000"/>
-                    </a:solidFill>
-                    <a:latin typeface="DengXian" panose="02010600030101010101" pitchFamily="2" charset="-122"/>
-                    <a:ea typeface="DengXian" panose="02010600030101010101" pitchFamily="2" charset="-122"/>
-                  </a:rPr>
-                  <a:t>isBlocked</a:t>
-                </a:r>
-                <a:r>
-                  <a:rPr kumimoji="1" lang="zh-CN" altLang="en-US" sz="1600" dirty="0">
-                    <a:solidFill>
-                      <a:sysClr val="windowText" lastClr="000000"/>
-                    </a:solidFill>
-                    <a:latin typeface="DengXian" panose="02010600030101010101" pitchFamily="2" charset="-122"/>
-                    <a:ea typeface="DengXian" panose="02010600030101010101" pitchFamily="2" charset="-122"/>
-                  </a:rPr>
-                  <a:t> </a:t>
-                </a:r>
-                <a:r>
-                  <a:rPr kumimoji="1" lang="en-US" altLang="zh-CN" sz="1600" dirty="0">
-                    <a:solidFill>
-                      <a:sysClr val="windowText" lastClr="000000"/>
-                    </a:solidFill>
-                    <a:latin typeface="DengXian" panose="02010600030101010101" pitchFamily="2" charset="-122"/>
-                    <a:ea typeface="DengXian" panose="02010600030101010101" pitchFamily="2" charset="-122"/>
-                  </a:rPr>
-                  <a:t>&lt;-</a:t>
-                </a:r>
-                <a:r>
-                  <a:rPr kumimoji="1" lang="zh-CN" altLang="en-US" sz="1600" dirty="0">
-                    <a:solidFill>
-                      <a:sysClr val="windowText" lastClr="000000"/>
-                    </a:solidFill>
-                    <a:latin typeface="DengXian" panose="02010600030101010101" pitchFamily="2" charset="-122"/>
-                    <a:ea typeface="DengXian" panose="02010600030101010101" pitchFamily="2" charset="-122"/>
-                  </a:rPr>
-                  <a:t> </a:t>
-                </a:r>
-                <a:r>
-                  <a:rPr kumimoji="1" lang="en-US" altLang="zh-CN" sz="1600" dirty="0" err="1">
-                    <a:solidFill>
-                      <a:sysClr val="windowText" lastClr="000000"/>
-                    </a:solidFill>
-                    <a:latin typeface="DengXian" panose="02010600030101010101" pitchFamily="2" charset="-122"/>
-                    <a:ea typeface="DengXian" panose="02010600030101010101" pitchFamily="2" charset="-122"/>
-                  </a:rPr>
-                  <a:t>companyBlocked</a:t>
-                </a:r>
-                <a:endParaRPr kumimoji="1" lang="en-US" altLang="zh-CN" sz="1600" dirty="0">
-                  <a:solidFill>
-                    <a:sysClr val="windowText" lastClr="000000"/>
-                  </a:solidFill>
-                  <a:latin typeface="DengXian" panose="02010600030101010101" pitchFamily="2" charset="-122"/>
-                  <a:ea typeface="DengXian" panose="02010600030101010101" pitchFamily="2" charset="-122"/>
-                </a:endParaRPr>
-              </a:p>
-              <a:p>
                 <a:endParaRPr kumimoji="1" lang="en-US" altLang="zh-CN" sz="1600" dirty="0">
                   <a:solidFill>
                     <a:sysClr val="windowText" lastClr="000000"/>
@@ -5832,15 +5678,15 @@
             </p:cNvPr>
             <p:cNvCxnSpPr>
               <a:cxnSpLocks/>
-              <a:stCxn id="5" idx="0"/>
-              <a:endCxn id="16" idx="2"/>
+              <a:stCxn id="5" idx="1"/>
+              <a:endCxn id="10" idx="3"/>
             </p:cNvCxnSpPr>
             <p:nvPr/>
           </p:nvCxnSpPr>
           <p:spPr>
-            <a:xfrm flipV="1">
-              <a:off x="3469875" y="3217277"/>
-              <a:ext cx="3" cy="830857"/>
+            <a:xfrm flipH="1">
+              <a:off x="4435655" y="2491418"/>
+              <a:ext cx="3077688" cy="0"/>
             </a:xfrm>
             <a:prstGeom prst="straightConnector1">
               <a:avLst/>
@@ -5882,7 +5728,7 @@
           </p:nvSpPr>
           <p:spPr>
             <a:xfrm>
-              <a:off x="3150004" y="3450160"/>
+              <a:off x="5604460" y="2282699"/>
               <a:ext cx="639740" cy="338554"/>
             </a:xfrm>
             <a:prstGeom prst="rect">
@@ -5917,7 +5763,7 @@
     </p:spTree>
     <p:extLst>
       <p:ext uri="{BB962C8B-B14F-4D97-AF65-F5344CB8AC3E}">
-        <p14:creationId xmlns:p14="http://schemas.microsoft.com/office/powerpoint/2010/main" val="3060561341"/>
+        <p14:creationId xmlns:p14="http://schemas.microsoft.com/office/powerpoint/2010/main" val="3304088916"/>
       </p:ext>
     </p:extLst>
   </p:cSld>

--- a/patterns/transaction-write.pptx
+++ b/patterns/transaction-write.pptx
@@ -19,9 +19,9 @@
     <p:sldId id="413" r:id="rId10"/>
     <p:sldId id="416" r:id="rId11"/>
     <p:sldId id="417" r:id="rId12"/>
-    <p:sldId id="418" r:id="rId13"/>
-    <p:sldId id="419" r:id="rId14"/>
-    <p:sldId id="420" r:id="rId15"/>
+    <p:sldId id="420" r:id="rId13"/>
+    <p:sldId id="415" r:id="rId14"/>
+    <p:sldId id="423" r:id="rId15"/>
   </p:sldIdLst>
   <p:sldSz cx="12192000" cy="6858000"/>
   <p:notesSz cx="6858000" cy="9144000"/>
@@ -136,9 +136,9 @@
             <p14:sldId id="413"/>
             <p14:sldId id="416"/>
             <p14:sldId id="417"/>
-            <p14:sldId id="418"/>
-            <p14:sldId id="419"/>
             <p14:sldId id="420"/>
+            <p14:sldId id="415"/>
+            <p14:sldId id="423"/>
           </p14:sldIdLst>
         </p14:section>
       </p14:sectionLst>
@@ -3866,558 +3866,6 @@
       </p:grpSpPr>
       <p:grpSp>
         <p:nvGrpSpPr>
-          <p:cNvPr id="3" name="Group 2">
-            <a:extLst>
-              <a:ext uri="{FF2B5EF4-FFF2-40B4-BE49-F238E27FC236}">
-                <a16:creationId xmlns:a16="http://schemas.microsoft.com/office/drawing/2014/main" id="{D543F2FB-A178-5C43-9632-9F2D7941D522}"/>
-              </a:ext>
-            </a:extLst>
-          </p:cNvPr>
-          <p:cNvGrpSpPr/>
-          <p:nvPr/>
-        </p:nvGrpSpPr>
-        <p:grpSpPr>
-          <a:xfrm>
-            <a:off x="4607325" y="2411287"/>
-            <a:ext cx="2977350" cy="1344279"/>
-            <a:chOff x="1488974" y="3906297"/>
-            <a:chExt cx="1803118" cy="927586"/>
-          </a:xfrm>
-        </p:grpSpPr>
-        <p:sp>
-          <p:nvSpPr>
-            <p:cNvPr id="5" name="矩形 4">
-              <a:extLst>
-                <a:ext uri="{FF2B5EF4-FFF2-40B4-BE49-F238E27FC236}">
-                  <a16:creationId xmlns:a16="http://schemas.microsoft.com/office/drawing/2014/main" id="{4F7CE573-D2EE-B544-9AF9-A133E6C5E6B5}"/>
-                </a:ext>
-              </a:extLst>
-            </p:cNvPr>
-            <p:cNvSpPr/>
-            <p:nvPr/>
-          </p:nvSpPr>
-          <p:spPr>
-            <a:xfrm>
-              <a:off x="1488974" y="3906297"/>
-              <a:ext cx="1803118" cy="430356"/>
-            </a:xfrm>
-            <a:prstGeom prst="rect">
-              <a:avLst/>
-            </a:prstGeom>
-            <a:solidFill>
-              <a:srgbClr val="92D050"/>
-            </a:solidFill>
-            <a:ln w="28575">
-              <a:solidFill>
-                <a:schemeClr val="tx1"/>
-              </a:solidFill>
-            </a:ln>
-          </p:spPr>
-          <p:style>
-            <a:lnRef idx="2">
-              <a:schemeClr val="accent2">
-                <a:shade val="50000"/>
-              </a:schemeClr>
-            </a:lnRef>
-            <a:fillRef idx="1">
-              <a:schemeClr val="accent2"/>
-            </a:fillRef>
-            <a:effectRef idx="0">
-              <a:schemeClr val="accent2"/>
-            </a:effectRef>
-            <a:fontRef idx="minor">
-              <a:schemeClr val="lt1"/>
-            </a:fontRef>
-          </p:style>
-          <p:txBody>
-            <a:bodyPr rtlCol="0" anchor="ctr"/>
-            <a:lstStyle/>
-            <a:p>
-              <a:pPr algn="ctr"/>
-              <a:r>
-                <a:rPr kumimoji="1" lang="en-US" altLang="zh-CN" sz="1600" b="1" dirty="0">
-                  <a:solidFill>
-                    <a:sysClr val="windowText" lastClr="000000"/>
-                  </a:solidFill>
-                </a:rPr>
-                <a:t>Person</a:t>
-              </a:r>
-              <a:endParaRPr kumimoji="1" lang="zh-CN" altLang="en-US" sz="1600" b="1" dirty="0">
-                <a:solidFill>
-                  <a:sysClr val="windowText" lastClr="000000"/>
-                </a:solidFill>
-              </a:endParaRPr>
-            </a:p>
-          </p:txBody>
-        </p:sp>
-        <p:sp>
-          <p:nvSpPr>
-            <p:cNvPr id="6" name="矩形 5">
-              <a:extLst>
-                <a:ext uri="{FF2B5EF4-FFF2-40B4-BE49-F238E27FC236}">
-                  <a16:creationId xmlns:a16="http://schemas.microsoft.com/office/drawing/2014/main" id="{D9E4A41A-CB40-AC47-87AB-621C9DE49842}"/>
-                </a:ext>
-              </a:extLst>
-            </p:cNvPr>
-            <p:cNvSpPr/>
-            <p:nvPr/>
-          </p:nvSpPr>
-          <p:spPr>
-            <a:xfrm>
-              <a:off x="1488974" y="4336653"/>
-              <a:ext cx="1803117" cy="497230"/>
-            </a:xfrm>
-            <a:prstGeom prst="rect">
-              <a:avLst/>
-            </a:prstGeom>
-            <a:noFill/>
-            <a:ln w="28575">
-              <a:solidFill>
-                <a:schemeClr val="tx1"/>
-              </a:solidFill>
-            </a:ln>
-          </p:spPr>
-          <p:style>
-            <a:lnRef idx="2">
-              <a:schemeClr val="accent2">
-                <a:shade val="50000"/>
-              </a:schemeClr>
-            </a:lnRef>
-            <a:fillRef idx="1">
-              <a:schemeClr val="accent2"/>
-            </a:fillRef>
-            <a:effectRef idx="0">
-              <a:schemeClr val="accent2"/>
-            </a:effectRef>
-            <a:fontRef idx="minor">
-              <a:schemeClr val="lt1"/>
-            </a:fontRef>
-          </p:style>
-          <p:txBody>
-            <a:bodyPr rtlCol="0" anchor="ctr"/>
-            <a:lstStyle/>
-            <a:p>
-              <a:r>
-                <a:rPr kumimoji="1" lang="en-US" altLang="zh-CN" sz="1600" dirty="0">
-                  <a:solidFill>
-                    <a:sysClr val="windowText" lastClr="000000"/>
-                  </a:solidFill>
-                  <a:latin typeface="DengXian" panose="02010600030101010101" pitchFamily="2" charset="-122"/>
-                  <a:ea typeface="DengXian" panose="02010600030101010101" pitchFamily="2" charset="-122"/>
-                </a:rPr>
-                <a:t>id</a:t>
-              </a:r>
-              <a:r>
-                <a:rPr kumimoji="1" lang="zh-CN" altLang="en-US" sz="1600" dirty="0">
-                  <a:solidFill>
-                    <a:sysClr val="windowText" lastClr="000000"/>
-                  </a:solidFill>
-                  <a:latin typeface="DengXian" panose="02010600030101010101" pitchFamily="2" charset="-122"/>
-                  <a:ea typeface="DengXian" panose="02010600030101010101" pitchFamily="2" charset="-122"/>
-                </a:rPr>
-                <a:t> </a:t>
-              </a:r>
-              <a:r>
-                <a:rPr kumimoji="1" lang="en-US" altLang="zh-CN" sz="1600" dirty="0">
-                  <a:solidFill>
-                    <a:sysClr val="windowText" lastClr="000000"/>
-                  </a:solidFill>
-                  <a:latin typeface="DengXian" panose="02010600030101010101" pitchFamily="2" charset="-122"/>
-                  <a:ea typeface="DengXian" panose="02010600030101010101" pitchFamily="2" charset="-122"/>
-                </a:rPr>
-                <a:t>&lt;-</a:t>
-              </a:r>
-              <a:r>
-                <a:rPr kumimoji="1" lang="zh-CN" altLang="en-US" sz="1600" dirty="0">
-                  <a:solidFill>
-                    <a:sysClr val="windowText" lastClr="000000"/>
-                  </a:solidFill>
-                  <a:latin typeface="DengXian" panose="02010600030101010101" pitchFamily="2" charset="-122"/>
-                  <a:ea typeface="DengXian" panose="02010600030101010101" pitchFamily="2" charset="-122"/>
-                </a:rPr>
-                <a:t> </a:t>
-              </a:r>
-              <a:r>
-                <a:rPr kumimoji="1" lang="en-US" altLang="zh-CN" sz="1600" dirty="0" err="1">
-                  <a:solidFill>
-                    <a:sysClr val="windowText" lastClr="000000"/>
-                  </a:solidFill>
-                  <a:latin typeface="DengXian" panose="02010600030101010101" pitchFamily="2" charset="-122"/>
-                  <a:ea typeface="DengXian" panose="02010600030101010101" pitchFamily="2" charset="-122"/>
-                </a:rPr>
-                <a:t>personId</a:t>
-              </a:r>
-              <a:endParaRPr kumimoji="1" lang="en-US" altLang="zh-CN" sz="1600" dirty="0">
-                <a:solidFill>
-                  <a:sysClr val="windowText" lastClr="000000"/>
-                </a:solidFill>
-                <a:latin typeface="DengXian" panose="02010600030101010101" pitchFamily="2" charset="-122"/>
-                <a:ea typeface="DengXian" panose="02010600030101010101" pitchFamily="2" charset="-122"/>
-              </a:endParaRPr>
-            </a:p>
-            <a:p>
-              <a:r>
-                <a:rPr kumimoji="1" lang="en-US" altLang="zh-CN" sz="1600" dirty="0" err="1">
-                  <a:solidFill>
-                    <a:sysClr val="windowText" lastClr="000000"/>
-                  </a:solidFill>
-                  <a:latin typeface="DengXian" panose="02010600030101010101" pitchFamily="2" charset="-122"/>
-                  <a:ea typeface="DengXian" panose="02010600030101010101" pitchFamily="2" charset="-122"/>
-                </a:rPr>
-                <a:t>isBlocked</a:t>
-              </a:r>
-              <a:r>
-                <a:rPr kumimoji="1" lang="zh-CN" altLang="en-US" sz="1600" dirty="0">
-                  <a:solidFill>
-                    <a:sysClr val="windowText" lastClr="000000"/>
-                  </a:solidFill>
-                  <a:latin typeface="DengXian" panose="02010600030101010101" pitchFamily="2" charset="-122"/>
-                  <a:ea typeface="DengXian" panose="02010600030101010101" pitchFamily="2" charset="-122"/>
-                </a:rPr>
-                <a:t> </a:t>
-              </a:r>
-              <a:r>
-                <a:rPr kumimoji="1" lang="en-US" altLang="zh-CN" sz="1600" dirty="0">
-                  <a:solidFill>
-                    <a:sysClr val="windowText" lastClr="000000"/>
-                  </a:solidFill>
-                  <a:latin typeface="DengXian" panose="02010600030101010101" pitchFamily="2" charset="-122"/>
-                  <a:ea typeface="DengXian" panose="02010600030101010101" pitchFamily="2" charset="-122"/>
-                </a:rPr>
-                <a:t>&lt;-</a:t>
-              </a:r>
-              <a:r>
-                <a:rPr kumimoji="1" lang="zh-CN" altLang="en-US" sz="1600" dirty="0">
-                  <a:solidFill>
-                    <a:sysClr val="windowText" lastClr="000000"/>
-                  </a:solidFill>
-                  <a:latin typeface="DengXian" panose="02010600030101010101" pitchFamily="2" charset="-122"/>
-                  <a:ea typeface="DengXian" panose="02010600030101010101" pitchFamily="2" charset="-122"/>
-                </a:rPr>
-                <a:t> </a:t>
-              </a:r>
-              <a:r>
-                <a:rPr kumimoji="1" lang="en-US" altLang="zh-CN" sz="1600" b="1" dirty="0">
-                  <a:solidFill>
-                    <a:sysClr val="windowText" lastClr="000000"/>
-                  </a:solidFill>
-                  <a:latin typeface="DengXian" panose="02010600030101010101" pitchFamily="2" charset="-122"/>
-                  <a:ea typeface="DengXian" panose="02010600030101010101" pitchFamily="2" charset="-122"/>
-                </a:rPr>
-                <a:t>True</a:t>
-              </a:r>
-            </a:p>
-          </p:txBody>
-        </p:sp>
-      </p:grpSp>
-    </p:spTree>
-    <p:extLst>
-      <p:ext uri="{BB962C8B-B14F-4D97-AF65-F5344CB8AC3E}">
-        <p14:creationId xmlns:p14="http://schemas.microsoft.com/office/powerpoint/2010/main" val="1004631262"/>
-      </p:ext>
-    </p:extLst>
-  </p:cSld>
-  <p:clrMapOvr>
-    <a:masterClrMapping/>
-  </p:clrMapOvr>
-</p:sld>
-</file>
-
-<file path=ppt/slides/slide13.xml><?xml version="1.0" encoding="utf-8"?>
-<p:sld xmlns:a="http://schemas.openxmlformats.org/drawingml/2006/main" xmlns:r="http://schemas.openxmlformats.org/officeDocument/2006/relationships" xmlns:p="http://schemas.openxmlformats.org/presentationml/2006/main">
-  <p:cSld>
-    <p:spTree>
-      <p:nvGrpSpPr>
-        <p:cNvPr id="1" name=""/>
-        <p:cNvGrpSpPr/>
-        <p:nvPr/>
-      </p:nvGrpSpPr>
-      <p:grpSpPr>
-        <a:xfrm>
-          <a:off x="0" y="0"/>
-          <a:ext cx="0" cy="0"/>
-          <a:chOff x="0" y="0"/>
-          <a:chExt cx="0" cy="0"/>
-        </a:xfrm>
-      </p:grpSpPr>
-      <p:grpSp>
-        <p:nvGrpSpPr>
-          <p:cNvPr id="3" name="Group 2">
-            <a:extLst>
-              <a:ext uri="{FF2B5EF4-FFF2-40B4-BE49-F238E27FC236}">
-                <a16:creationId xmlns:a16="http://schemas.microsoft.com/office/drawing/2014/main" id="{D543F2FB-A178-5C43-9632-9F2D7941D522}"/>
-              </a:ext>
-            </a:extLst>
-          </p:cNvPr>
-          <p:cNvGrpSpPr/>
-          <p:nvPr/>
-        </p:nvGrpSpPr>
-        <p:grpSpPr>
-          <a:xfrm>
-            <a:off x="4607325" y="2411287"/>
-            <a:ext cx="2977350" cy="1344279"/>
-            <a:chOff x="1488974" y="3906297"/>
-            <a:chExt cx="1803118" cy="927586"/>
-          </a:xfrm>
-        </p:grpSpPr>
-        <p:sp>
-          <p:nvSpPr>
-            <p:cNvPr id="5" name="矩形 4">
-              <a:extLst>
-                <a:ext uri="{FF2B5EF4-FFF2-40B4-BE49-F238E27FC236}">
-                  <a16:creationId xmlns:a16="http://schemas.microsoft.com/office/drawing/2014/main" id="{4F7CE573-D2EE-B544-9AF9-A133E6C5E6B5}"/>
-                </a:ext>
-              </a:extLst>
-            </p:cNvPr>
-            <p:cNvSpPr/>
-            <p:nvPr/>
-          </p:nvSpPr>
-          <p:spPr>
-            <a:xfrm>
-              <a:off x="1488974" y="3906297"/>
-              <a:ext cx="1803118" cy="430356"/>
-            </a:xfrm>
-            <a:prstGeom prst="rect">
-              <a:avLst/>
-            </a:prstGeom>
-            <a:solidFill>
-              <a:srgbClr val="92D050"/>
-            </a:solidFill>
-            <a:ln w="28575">
-              <a:solidFill>
-                <a:schemeClr val="tx1"/>
-              </a:solidFill>
-            </a:ln>
-          </p:spPr>
-          <p:style>
-            <a:lnRef idx="2">
-              <a:schemeClr val="accent2">
-                <a:shade val="50000"/>
-              </a:schemeClr>
-            </a:lnRef>
-            <a:fillRef idx="1">
-              <a:schemeClr val="accent2"/>
-            </a:fillRef>
-            <a:effectRef idx="0">
-              <a:schemeClr val="accent2"/>
-            </a:effectRef>
-            <a:fontRef idx="minor">
-              <a:schemeClr val="lt1"/>
-            </a:fontRef>
-          </p:style>
-          <p:txBody>
-            <a:bodyPr rtlCol="0" anchor="ctr"/>
-            <a:lstStyle/>
-            <a:p>
-              <a:pPr algn="ctr"/>
-              <a:r>
-                <a:rPr kumimoji="1" lang="en-US" altLang="zh-CN" sz="1600" b="1" dirty="0">
-                  <a:solidFill>
-                    <a:sysClr val="windowText" lastClr="000000"/>
-                  </a:solidFill>
-                </a:rPr>
-                <a:t>Company</a:t>
-              </a:r>
-              <a:endParaRPr kumimoji="1" lang="zh-CN" altLang="en-US" sz="1600" b="1" dirty="0">
-                <a:solidFill>
-                  <a:sysClr val="windowText" lastClr="000000"/>
-                </a:solidFill>
-              </a:endParaRPr>
-            </a:p>
-          </p:txBody>
-        </p:sp>
-        <p:sp>
-          <p:nvSpPr>
-            <p:cNvPr id="6" name="矩形 5">
-              <a:extLst>
-                <a:ext uri="{FF2B5EF4-FFF2-40B4-BE49-F238E27FC236}">
-                  <a16:creationId xmlns:a16="http://schemas.microsoft.com/office/drawing/2014/main" id="{D9E4A41A-CB40-AC47-87AB-621C9DE49842}"/>
-                </a:ext>
-              </a:extLst>
-            </p:cNvPr>
-            <p:cNvSpPr/>
-            <p:nvPr/>
-          </p:nvSpPr>
-          <p:spPr>
-            <a:xfrm>
-              <a:off x="1488974" y="4336653"/>
-              <a:ext cx="1803117" cy="497230"/>
-            </a:xfrm>
-            <a:prstGeom prst="rect">
-              <a:avLst/>
-            </a:prstGeom>
-            <a:noFill/>
-            <a:ln w="28575">
-              <a:solidFill>
-                <a:schemeClr val="tx1"/>
-              </a:solidFill>
-            </a:ln>
-          </p:spPr>
-          <p:style>
-            <a:lnRef idx="2">
-              <a:schemeClr val="accent2">
-                <a:shade val="50000"/>
-              </a:schemeClr>
-            </a:lnRef>
-            <a:fillRef idx="1">
-              <a:schemeClr val="accent2"/>
-            </a:fillRef>
-            <a:effectRef idx="0">
-              <a:schemeClr val="accent2"/>
-            </a:effectRef>
-            <a:fontRef idx="minor">
-              <a:schemeClr val="lt1"/>
-            </a:fontRef>
-          </p:style>
-          <p:txBody>
-            <a:bodyPr rtlCol="0" anchor="ctr"/>
-            <a:lstStyle/>
-            <a:p>
-              <a:r>
-                <a:rPr kumimoji="1" lang="en-US" altLang="zh-CN" sz="1600" dirty="0">
-                  <a:solidFill>
-                    <a:sysClr val="windowText" lastClr="000000"/>
-                  </a:solidFill>
-                  <a:latin typeface="DengXian" panose="02010600030101010101" pitchFamily="2" charset="-122"/>
-                  <a:ea typeface="DengXian" panose="02010600030101010101" pitchFamily="2" charset="-122"/>
-                </a:rPr>
-                <a:t>id</a:t>
-              </a:r>
-              <a:r>
-                <a:rPr kumimoji="1" lang="zh-CN" altLang="en-US" sz="1600" dirty="0">
-                  <a:solidFill>
-                    <a:sysClr val="windowText" lastClr="000000"/>
-                  </a:solidFill>
-                  <a:latin typeface="DengXian" panose="02010600030101010101" pitchFamily="2" charset="-122"/>
-                  <a:ea typeface="DengXian" panose="02010600030101010101" pitchFamily="2" charset="-122"/>
-                </a:rPr>
-                <a:t> </a:t>
-              </a:r>
-              <a:r>
-                <a:rPr kumimoji="1" lang="en-US" altLang="zh-CN" sz="1600" dirty="0">
-                  <a:solidFill>
-                    <a:sysClr val="windowText" lastClr="000000"/>
-                  </a:solidFill>
-                  <a:latin typeface="DengXian" panose="02010600030101010101" pitchFamily="2" charset="-122"/>
-                  <a:ea typeface="DengXian" panose="02010600030101010101" pitchFamily="2" charset="-122"/>
-                </a:rPr>
-                <a:t>&lt;-</a:t>
-              </a:r>
-              <a:r>
-                <a:rPr kumimoji="1" lang="zh-CN" altLang="en-US" sz="1600" dirty="0">
-                  <a:solidFill>
-                    <a:sysClr val="windowText" lastClr="000000"/>
-                  </a:solidFill>
-                  <a:latin typeface="DengXian" panose="02010600030101010101" pitchFamily="2" charset="-122"/>
-                  <a:ea typeface="DengXian" panose="02010600030101010101" pitchFamily="2" charset="-122"/>
-                </a:rPr>
-                <a:t> </a:t>
-              </a:r>
-              <a:r>
-                <a:rPr kumimoji="1" lang="en-US" altLang="zh-CN" sz="1600" dirty="0" err="1">
-                  <a:solidFill>
-                    <a:sysClr val="windowText" lastClr="000000"/>
-                  </a:solidFill>
-                  <a:latin typeface="DengXian" panose="02010600030101010101" pitchFamily="2" charset="-122"/>
-                  <a:ea typeface="DengXian" panose="02010600030101010101" pitchFamily="2" charset="-122"/>
-                </a:rPr>
-                <a:t>companyId</a:t>
-              </a:r>
-              <a:endParaRPr kumimoji="1" lang="en-US" altLang="zh-CN" sz="1600" dirty="0">
-                <a:solidFill>
-                  <a:sysClr val="windowText" lastClr="000000"/>
-                </a:solidFill>
-                <a:latin typeface="DengXian" panose="02010600030101010101" pitchFamily="2" charset="-122"/>
-                <a:ea typeface="DengXian" panose="02010600030101010101" pitchFamily="2" charset="-122"/>
-              </a:endParaRPr>
-            </a:p>
-            <a:p>
-              <a:r>
-                <a:rPr kumimoji="1" lang="en-US" altLang="zh-CN" sz="1600" dirty="0" err="1">
-                  <a:solidFill>
-                    <a:sysClr val="windowText" lastClr="000000"/>
-                  </a:solidFill>
-                  <a:latin typeface="DengXian" panose="02010600030101010101" pitchFamily="2" charset="-122"/>
-                  <a:ea typeface="DengXian" panose="02010600030101010101" pitchFamily="2" charset="-122"/>
-                </a:rPr>
-                <a:t>isBlocked</a:t>
-              </a:r>
-              <a:r>
-                <a:rPr kumimoji="1" lang="zh-CN" altLang="en-US" sz="1600" dirty="0">
-                  <a:solidFill>
-                    <a:sysClr val="windowText" lastClr="000000"/>
-                  </a:solidFill>
-                  <a:latin typeface="DengXian" panose="02010600030101010101" pitchFamily="2" charset="-122"/>
-                  <a:ea typeface="DengXian" panose="02010600030101010101" pitchFamily="2" charset="-122"/>
-                </a:rPr>
-                <a:t> </a:t>
-              </a:r>
-              <a:r>
-                <a:rPr kumimoji="1" lang="en-US" altLang="zh-CN" sz="1600" dirty="0">
-                  <a:solidFill>
-                    <a:sysClr val="windowText" lastClr="000000"/>
-                  </a:solidFill>
-                  <a:latin typeface="DengXian" panose="02010600030101010101" pitchFamily="2" charset="-122"/>
-                  <a:ea typeface="DengXian" panose="02010600030101010101" pitchFamily="2" charset="-122"/>
-                </a:rPr>
-                <a:t>&lt;-</a:t>
-              </a:r>
-              <a:r>
-                <a:rPr kumimoji="1" lang="zh-CN" altLang="en-US" sz="1600" dirty="0">
-                  <a:solidFill>
-                    <a:sysClr val="windowText" lastClr="000000"/>
-                  </a:solidFill>
-                  <a:latin typeface="DengXian" panose="02010600030101010101" pitchFamily="2" charset="-122"/>
-                  <a:ea typeface="DengXian" panose="02010600030101010101" pitchFamily="2" charset="-122"/>
-                </a:rPr>
-                <a:t> </a:t>
-              </a:r>
-              <a:r>
-                <a:rPr kumimoji="1" lang="en-US" altLang="zh-CN" sz="1600" b="1" dirty="0">
-                  <a:solidFill>
-                    <a:sysClr val="windowText" lastClr="000000"/>
-                  </a:solidFill>
-                  <a:latin typeface="DengXian" panose="02010600030101010101" pitchFamily="2" charset="-122"/>
-                  <a:ea typeface="DengXian" panose="02010600030101010101" pitchFamily="2" charset="-122"/>
-                </a:rPr>
-                <a:t>True</a:t>
-              </a:r>
-            </a:p>
-          </p:txBody>
-        </p:sp>
-      </p:grpSp>
-    </p:spTree>
-    <p:extLst>
-      <p:ext uri="{BB962C8B-B14F-4D97-AF65-F5344CB8AC3E}">
-        <p14:creationId xmlns:p14="http://schemas.microsoft.com/office/powerpoint/2010/main" val="1574482488"/>
-      </p:ext>
-    </p:extLst>
-  </p:cSld>
-  <p:clrMapOvr>
-    <a:masterClrMapping/>
-  </p:clrMapOvr>
-</p:sld>
-</file>
-
-<file path=ppt/slides/slide14.xml><?xml version="1.0" encoding="utf-8"?>
-<p:sld xmlns:a="http://schemas.openxmlformats.org/drawingml/2006/main" xmlns:r="http://schemas.openxmlformats.org/officeDocument/2006/relationships" xmlns:p="http://schemas.openxmlformats.org/presentationml/2006/main">
-  <p:cSld>
-    <p:spTree>
-      <p:nvGrpSpPr>
-        <p:cNvPr id="1" name=""/>
-        <p:cNvGrpSpPr/>
-        <p:nvPr/>
-      </p:nvGrpSpPr>
-      <p:grpSpPr>
-        <a:xfrm>
-          <a:off x="0" y="0"/>
-          <a:ext cx="0" cy="0"/>
-          <a:chOff x="0" y="0"/>
-          <a:chExt cx="0" cy="0"/>
-        </a:xfrm>
-      </p:grpSpPr>
-      <p:grpSp>
-        <p:nvGrpSpPr>
           <p:cNvPr id="9" name="Group 8">
             <a:extLst>
               <a:ext uri="{FF2B5EF4-FFF2-40B4-BE49-F238E27FC236}">
@@ -4976,6 +4424,2171 @@
     <p:extLst>
       <p:ext uri="{BB962C8B-B14F-4D97-AF65-F5344CB8AC3E}">
         <p14:creationId xmlns:p14="http://schemas.microsoft.com/office/powerpoint/2010/main" val="57010346"/>
+      </p:ext>
+    </p:extLst>
+  </p:cSld>
+  <p:clrMapOvr>
+    <a:masterClrMapping/>
+  </p:clrMapOvr>
+</p:sld>
+</file>
+
+<file path=ppt/slides/slide13.xml><?xml version="1.0" encoding="utf-8"?>
+<p:sld xmlns:a="http://schemas.openxmlformats.org/drawingml/2006/main" xmlns:r="http://schemas.openxmlformats.org/officeDocument/2006/relationships" xmlns:p="http://schemas.openxmlformats.org/presentationml/2006/main">
+  <p:cSld>
+    <p:spTree>
+      <p:nvGrpSpPr>
+        <p:cNvPr id="1" name=""/>
+        <p:cNvGrpSpPr/>
+        <p:nvPr/>
+      </p:nvGrpSpPr>
+      <p:grpSpPr>
+        <a:xfrm>
+          <a:off x="0" y="0"/>
+          <a:ext cx="0" cy="0"/>
+          <a:chOff x="0" y="0"/>
+          <a:chExt cx="0" cy="0"/>
+        </a:xfrm>
+      </p:grpSpPr>
+      <p:grpSp>
+        <p:nvGrpSpPr>
+          <p:cNvPr id="7" name="Group 6">
+            <a:extLst>
+              <a:ext uri="{FF2B5EF4-FFF2-40B4-BE49-F238E27FC236}">
+                <a16:creationId xmlns:a16="http://schemas.microsoft.com/office/drawing/2014/main" id="{908BD0EB-2B1C-D349-A941-9B6FF8590F88}"/>
+              </a:ext>
+            </a:extLst>
+          </p:cNvPr>
+          <p:cNvGrpSpPr/>
+          <p:nvPr/>
+        </p:nvGrpSpPr>
+        <p:grpSpPr>
+          <a:xfrm>
+            <a:off x="2151117" y="1719027"/>
+            <a:ext cx="7221277" cy="3213315"/>
+            <a:chOff x="2151117" y="1719027"/>
+            <a:chExt cx="7221277" cy="3213315"/>
+          </a:xfrm>
+        </p:grpSpPr>
+        <p:sp>
+          <p:nvSpPr>
+            <p:cNvPr id="10" name="Rectangle 9">
+              <a:extLst>
+                <a:ext uri="{FF2B5EF4-FFF2-40B4-BE49-F238E27FC236}">
+                  <a16:creationId xmlns:a16="http://schemas.microsoft.com/office/drawing/2014/main" id="{B6FEE198-7C64-BF43-87DB-F86141A4C76D}"/>
+                </a:ext>
+              </a:extLst>
+            </p:cNvPr>
+            <p:cNvSpPr/>
+            <p:nvPr/>
+          </p:nvSpPr>
+          <p:spPr>
+            <a:xfrm>
+              <a:off x="2151117" y="2492688"/>
+              <a:ext cx="1611024" cy="387178"/>
+            </a:xfrm>
+            <a:prstGeom prst="rect">
+              <a:avLst/>
+            </a:prstGeom>
+            <a:solidFill>
+              <a:schemeClr val="accent6">
+                <a:lumMod val="60000"/>
+                <a:lumOff val="40000"/>
+              </a:schemeClr>
+            </a:solidFill>
+            <a:ln w="22225">
+              <a:solidFill>
+                <a:schemeClr val="tx1"/>
+              </a:solidFill>
+            </a:ln>
+          </p:spPr>
+          <p:style>
+            <a:lnRef idx="2">
+              <a:schemeClr val="accent1">
+                <a:shade val="50000"/>
+              </a:schemeClr>
+            </a:lnRef>
+            <a:fillRef idx="1">
+              <a:schemeClr val="accent1"/>
+            </a:fillRef>
+            <a:effectRef idx="0">
+              <a:schemeClr val="accent1"/>
+            </a:effectRef>
+            <a:fontRef idx="minor">
+              <a:schemeClr val="lt1"/>
+            </a:fontRef>
+          </p:style>
+          <p:txBody>
+            <a:bodyPr rtlCol="0" anchor="ctr"/>
+            <a:lstStyle/>
+            <a:p>
+              <a:pPr algn="ctr"/>
+              <a:r>
+                <a:rPr lang="en-US" altLang="zh-CN" b="1" dirty="0">
+                  <a:solidFill>
+                    <a:schemeClr val="tx1"/>
+                  </a:solidFill>
+                </a:rPr>
+                <a:t>Person</a:t>
+              </a:r>
+              <a:endParaRPr lang="en-CN" b="1" dirty="0">
+                <a:solidFill>
+                  <a:schemeClr val="tx1"/>
+                </a:solidFill>
+              </a:endParaRPr>
+            </a:p>
+          </p:txBody>
+        </p:sp>
+        <p:sp>
+          <p:nvSpPr>
+            <p:cNvPr id="13" name="Rectangle 12">
+              <a:extLst>
+                <a:ext uri="{FF2B5EF4-FFF2-40B4-BE49-F238E27FC236}">
+                  <a16:creationId xmlns:a16="http://schemas.microsoft.com/office/drawing/2014/main" id="{BE5A4E8B-4642-4241-B212-ABEFC161DEC9}"/>
+                </a:ext>
+              </a:extLst>
+            </p:cNvPr>
+            <p:cNvSpPr/>
+            <p:nvPr/>
+          </p:nvSpPr>
+          <p:spPr>
+            <a:xfrm>
+              <a:off x="2151117" y="3287372"/>
+              <a:ext cx="1611024" cy="387178"/>
+            </a:xfrm>
+            <a:prstGeom prst="rect">
+              <a:avLst/>
+            </a:prstGeom>
+            <a:solidFill>
+              <a:schemeClr val="accent6">
+                <a:lumMod val="60000"/>
+                <a:lumOff val="40000"/>
+              </a:schemeClr>
+            </a:solidFill>
+            <a:ln w="22225">
+              <a:solidFill>
+                <a:schemeClr val="tx1"/>
+              </a:solidFill>
+            </a:ln>
+          </p:spPr>
+          <p:style>
+            <a:lnRef idx="2">
+              <a:schemeClr val="accent1">
+                <a:shade val="50000"/>
+              </a:schemeClr>
+            </a:lnRef>
+            <a:fillRef idx="1">
+              <a:schemeClr val="accent1"/>
+            </a:fillRef>
+            <a:effectRef idx="0">
+              <a:schemeClr val="accent1"/>
+            </a:effectRef>
+            <a:fontRef idx="minor">
+              <a:schemeClr val="lt1"/>
+            </a:fontRef>
+          </p:style>
+          <p:txBody>
+            <a:bodyPr rtlCol="0" anchor="ctr"/>
+            <a:lstStyle/>
+            <a:p>
+              <a:pPr algn="ctr"/>
+              <a:r>
+                <a:rPr lang="en-US" altLang="zh-CN" b="1" dirty="0">
+                  <a:solidFill>
+                    <a:schemeClr val="tx1"/>
+                  </a:solidFill>
+                </a:rPr>
+                <a:t>Company</a:t>
+              </a:r>
+              <a:endParaRPr lang="en-CN" b="1" dirty="0">
+                <a:solidFill>
+                  <a:schemeClr val="tx1"/>
+                </a:solidFill>
+              </a:endParaRPr>
+            </a:p>
+          </p:txBody>
+        </p:sp>
+        <p:grpSp>
+          <p:nvGrpSpPr>
+            <p:cNvPr id="14" name="Group 13">
+              <a:extLst>
+                <a:ext uri="{FF2B5EF4-FFF2-40B4-BE49-F238E27FC236}">
+                  <a16:creationId xmlns:a16="http://schemas.microsoft.com/office/drawing/2014/main" id="{ACB91123-C8EA-224B-B28B-A7A89EF2E2BB}"/>
+                </a:ext>
+              </a:extLst>
+            </p:cNvPr>
+            <p:cNvGrpSpPr/>
+            <p:nvPr/>
+          </p:nvGrpSpPr>
+          <p:grpSpPr>
+            <a:xfrm>
+              <a:off x="5040796" y="2877234"/>
+              <a:ext cx="1618476" cy="868711"/>
+              <a:chOff x="2789712" y="3039762"/>
+              <a:chExt cx="1992353" cy="868711"/>
+            </a:xfrm>
+          </p:grpSpPr>
+          <p:sp>
+            <p:nvSpPr>
+              <p:cNvPr id="15" name="Rectangle 14">
+                <a:extLst>
+                  <a:ext uri="{FF2B5EF4-FFF2-40B4-BE49-F238E27FC236}">
+                    <a16:creationId xmlns:a16="http://schemas.microsoft.com/office/drawing/2014/main" id="{A7BE3F17-C67E-5A46-996C-67EF743EC561}"/>
+                  </a:ext>
+                </a:extLst>
+              </p:cNvPr>
+              <p:cNvSpPr/>
+              <p:nvPr/>
+            </p:nvSpPr>
+            <p:spPr>
+              <a:xfrm>
+                <a:off x="2789712" y="3429001"/>
+                <a:ext cx="1992353" cy="479472"/>
+              </a:xfrm>
+              <a:prstGeom prst="rect">
+                <a:avLst/>
+              </a:prstGeom>
+              <a:noFill/>
+              <a:ln w="22225">
+                <a:solidFill>
+                  <a:schemeClr val="tx1"/>
+                </a:solidFill>
+              </a:ln>
+            </p:spPr>
+            <p:style>
+              <a:lnRef idx="2">
+                <a:schemeClr val="accent1">
+                  <a:shade val="50000"/>
+                </a:schemeClr>
+              </a:lnRef>
+              <a:fillRef idx="1">
+                <a:schemeClr val="accent1"/>
+              </a:fillRef>
+              <a:effectRef idx="0">
+                <a:schemeClr val="accent1"/>
+              </a:effectRef>
+              <a:fontRef idx="minor">
+                <a:schemeClr val="lt1"/>
+              </a:fontRef>
+            </p:style>
+            <p:txBody>
+              <a:bodyPr rtlCol="0" anchor="ctr"/>
+              <a:lstStyle/>
+              <a:p>
+                <a:pPr algn="ctr"/>
+                <a:r>
+                  <a:rPr lang="en-US" altLang="zh-CN" sz="1400" dirty="0">
+                    <a:solidFill>
+                      <a:schemeClr val="tx1"/>
+                    </a:solidFill>
+                  </a:rPr>
+                  <a:t>id:</a:t>
+                </a:r>
+                <a:r>
+                  <a:rPr lang="zh-CN" altLang="en-US" sz="1400" dirty="0">
+                    <a:solidFill>
+                      <a:schemeClr val="tx1"/>
+                    </a:solidFill>
+                  </a:rPr>
+                  <a:t> </a:t>
+                </a:r>
+                <a:r>
+                  <a:rPr lang="en-US" altLang="zh-CN" sz="1400" dirty="0">
+                    <a:solidFill>
+                      <a:schemeClr val="tx1"/>
+                    </a:solidFill>
+                  </a:rPr>
+                  <a:t>${id}</a:t>
+                </a:r>
+              </a:p>
+            </p:txBody>
+          </p:sp>
+          <p:sp>
+            <p:nvSpPr>
+              <p:cNvPr id="16" name="Rectangle 15">
+                <a:extLst>
+                  <a:ext uri="{FF2B5EF4-FFF2-40B4-BE49-F238E27FC236}">
+                    <a16:creationId xmlns:a16="http://schemas.microsoft.com/office/drawing/2014/main" id="{E7BA5DA0-5EF3-9D45-88BA-BC5BA7F3F9AB}"/>
+                  </a:ext>
+                </a:extLst>
+              </p:cNvPr>
+              <p:cNvSpPr/>
+              <p:nvPr/>
+            </p:nvSpPr>
+            <p:spPr>
+              <a:xfrm>
+                <a:off x="2789712" y="3039762"/>
+                <a:ext cx="1992353" cy="387178"/>
+              </a:xfrm>
+              <a:prstGeom prst="rect">
+                <a:avLst/>
+              </a:prstGeom>
+              <a:solidFill>
+                <a:schemeClr val="accent1">
+                  <a:lumMod val="60000"/>
+                  <a:lumOff val="40000"/>
+                </a:schemeClr>
+              </a:solidFill>
+              <a:ln w="22225">
+                <a:solidFill>
+                  <a:schemeClr val="tx1"/>
+                </a:solidFill>
+              </a:ln>
+            </p:spPr>
+            <p:style>
+              <a:lnRef idx="2">
+                <a:schemeClr val="accent1">
+                  <a:shade val="50000"/>
+                </a:schemeClr>
+              </a:lnRef>
+              <a:fillRef idx="1">
+                <a:schemeClr val="accent1"/>
+              </a:fillRef>
+              <a:effectRef idx="0">
+                <a:schemeClr val="accent1"/>
+              </a:effectRef>
+              <a:fontRef idx="minor">
+                <a:schemeClr val="lt1"/>
+              </a:fontRef>
+            </p:style>
+            <p:txBody>
+              <a:bodyPr rtlCol="0" anchor="ctr"/>
+              <a:lstStyle/>
+              <a:p>
+                <a:pPr algn="ctr"/>
+                <a:r>
+                  <a:rPr lang="en-US" altLang="zh-CN" b="1" dirty="0">
+                    <a:solidFill>
+                      <a:schemeClr val="tx1"/>
+                    </a:solidFill>
+                  </a:rPr>
+                  <a:t>Account</a:t>
+                </a:r>
+                <a:endParaRPr lang="en-CN" b="1" dirty="0">
+                  <a:solidFill>
+                    <a:schemeClr val="tx1"/>
+                  </a:solidFill>
+                </a:endParaRPr>
+              </a:p>
+            </p:txBody>
+          </p:sp>
+        </p:grpSp>
+        <p:sp>
+          <p:nvSpPr>
+            <p:cNvPr id="22" name="Rectangle 21">
+              <a:extLst>
+                <a:ext uri="{FF2B5EF4-FFF2-40B4-BE49-F238E27FC236}">
+                  <a16:creationId xmlns:a16="http://schemas.microsoft.com/office/drawing/2014/main" id="{9A1970A5-AC37-D44A-B690-5440CAAE349C}"/>
+                </a:ext>
+              </a:extLst>
+            </p:cNvPr>
+            <p:cNvSpPr/>
+            <p:nvPr/>
+          </p:nvSpPr>
+          <p:spPr>
+            <a:xfrm>
+              <a:off x="7753918" y="2878343"/>
+              <a:ext cx="1618476" cy="387178"/>
+            </a:xfrm>
+            <a:prstGeom prst="rect">
+              <a:avLst/>
+            </a:prstGeom>
+            <a:solidFill>
+              <a:schemeClr val="accent4">
+                <a:lumMod val="60000"/>
+                <a:lumOff val="40000"/>
+              </a:schemeClr>
+            </a:solidFill>
+            <a:ln w="22225">
+              <a:solidFill>
+                <a:schemeClr val="tx1"/>
+              </a:solidFill>
+            </a:ln>
+          </p:spPr>
+          <p:style>
+            <a:lnRef idx="2">
+              <a:schemeClr val="accent1">
+                <a:shade val="50000"/>
+              </a:schemeClr>
+            </a:lnRef>
+            <a:fillRef idx="1">
+              <a:schemeClr val="accent1"/>
+            </a:fillRef>
+            <a:effectRef idx="0">
+              <a:schemeClr val="accent1"/>
+            </a:effectRef>
+            <a:fontRef idx="minor">
+              <a:schemeClr val="lt1"/>
+            </a:fontRef>
+          </p:style>
+          <p:txBody>
+            <a:bodyPr rtlCol="0" anchor="ctr"/>
+            <a:lstStyle/>
+            <a:p>
+              <a:pPr algn="ctr"/>
+              <a:r>
+                <a:rPr lang="en-US" altLang="zh-CN" b="1" dirty="0">
+                  <a:solidFill>
+                    <a:schemeClr val="tx1"/>
+                  </a:solidFill>
+                </a:rPr>
+                <a:t>Medium</a:t>
+              </a:r>
+              <a:endParaRPr lang="en-CN" b="1" dirty="0">
+                <a:solidFill>
+                  <a:schemeClr val="tx1"/>
+                </a:solidFill>
+              </a:endParaRPr>
+            </a:p>
+          </p:txBody>
+        </p:sp>
+        <p:cxnSp>
+          <p:nvCxnSpPr>
+            <p:cNvPr id="30" name="Elbow Connector 29">
+              <a:extLst>
+                <a:ext uri="{FF2B5EF4-FFF2-40B4-BE49-F238E27FC236}">
+                  <a16:creationId xmlns:a16="http://schemas.microsoft.com/office/drawing/2014/main" id="{453767E1-1D3F-0948-959E-087EE3A13395}"/>
+                </a:ext>
+              </a:extLst>
+            </p:cNvPr>
+            <p:cNvCxnSpPr>
+              <a:cxnSpLocks/>
+              <a:stCxn id="22" idx="1"/>
+              <a:endCxn id="16" idx="3"/>
+            </p:cNvCxnSpPr>
+            <p:nvPr/>
+          </p:nvCxnSpPr>
+          <p:spPr>
+            <a:xfrm rot="10800000">
+              <a:off x="6659272" y="3070824"/>
+              <a:ext cx="1094646" cy="1109"/>
+            </a:xfrm>
+            <a:prstGeom prst="bentConnector3">
+              <a:avLst/>
+            </a:prstGeom>
+            <a:ln w="19050">
+              <a:solidFill>
+                <a:schemeClr val="tx1"/>
+              </a:solidFill>
+              <a:prstDash val="solid"/>
+              <a:tailEnd type="triangle"/>
+            </a:ln>
+            <a:effectLst/>
+          </p:spPr>
+          <p:style>
+            <a:lnRef idx="1">
+              <a:schemeClr val="accent1"/>
+            </a:lnRef>
+            <a:fillRef idx="0">
+              <a:schemeClr val="accent1"/>
+            </a:fillRef>
+            <a:effectRef idx="0">
+              <a:schemeClr val="accent1"/>
+            </a:effectRef>
+            <a:fontRef idx="minor">
+              <a:schemeClr val="tx1"/>
+            </a:fontRef>
+          </p:style>
+        </p:cxnSp>
+        <p:sp>
+          <p:nvSpPr>
+            <p:cNvPr id="32" name="TextBox 31">
+              <a:extLst>
+                <a:ext uri="{FF2B5EF4-FFF2-40B4-BE49-F238E27FC236}">
+                  <a16:creationId xmlns:a16="http://schemas.microsoft.com/office/drawing/2014/main" id="{59A3ECDA-6BF6-B345-A195-B9F88BE95D7D}"/>
+                </a:ext>
+              </a:extLst>
+            </p:cNvPr>
+            <p:cNvSpPr txBox="1"/>
+            <p:nvPr/>
+          </p:nvSpPr>
+          <p:spPr>
+            <a:xfrm>
+              <a:off x="4315274" y="2705952"/>
+              <a:ext cx="501356" cy="307777"/>
+            </a:xfrm>
+            <a:prstGeom prst="rect">
+              <a:avLst/>
+            </a:prstGeom>
+            <a:noFill/>
+          </p:spPr>
+          <p:txBody>
+            <a:bodyPr wrap="none" rtlCol="0">
+              <a:spAutoFit/>
+            </a:bodyPr>
+            <a:lstStyle/>
+            <a:p>
+              <a:r>
+                <a:rPr lang="en-US" altLang="zh-CN" sz="1400" dirty="0"/>
+                <a:t>own</a:t>
+              </a:r>
+              <a:endParaRPr lang="en-CN" sz="1600" dirty="0"/>
+            </a:p>
+          </p:txBody>
+        </p:sp>
+        <p:sp>
+          <p:nvSpPr>
+            <p:cNvPr id="35" name="TextBox 34">
+              <a:extLst>
+                <a:ext uri="{FF2B5EF4-FFF2-40B4-BE49-F238E27FC236}">
+                  <a16:creationId xmlns:a16="http://schemas.microsoft.com/office/drawing/2014/main" id="{6325C393-5F86-E14C-A0C3-D733E9944141}"/>
+                </a:ext>
+              </a:extLst>
+            </p:cNvPr>
+            <p:cNvSpPr txBox="1"/>
+            <p:nvPr/>
+          </p:nvSpPr>
+          <p:spPr>
+            <a:xfrm>
+              <a:off x="6910966" y="2760289"/>
+              <a:ext cx="644728" cy="307777"/>
+            </a:xfrm>
+            <a:prstGeom prst="rect">
+              <a:avLst/>
+            </a:prstGeom>
+            <a:noFill/>
+          </p:spPr>
+          <p:txBody>
+            <a:bodyPr wrap="none" rtlCol="0">
+              <a:spAutoFit/>
+            </a:bodyPr>
+            <a:lstStyle/>
+            <a:p>
+              <a:r>
+                <a:rPr lang="en-US" altLang="zh-CN" sz="1400" dirty="0" err="1"/>
+                <a:t>signIn</a:t>
+              </a:r>
+              <a:endParaRPr lang="en-CN" sz="1400" dirty="0"/>
+            </a:p>
+          </p:txBody>
+        </p:sp>
+        <p:sp>
+          <p:nvSpPr>
+            <p:cNvPr id="41" name="Rectangle 40">
+              <a:extLst>
+                <a:ext uri="{FF2B5EF4-FFF2-40B4-BE49-F238E27FC236}">
+                  <a16:creationId xmlns:a16="http://schemas.microsoft.com/office/drawing/2014/main" id="{C805CEC5-21B7-E247-ABBB-187667AB24B0}"/>
+                </a:ext>
+              </a:extLst>
+            </p:cNvPr>
+            <p:cNvSpPr/>
+            <p:nvPr/>
+          </p:nvSpPr>
+          <p:spPr>
+            <a:xfrm>
+              <a:off x="5040745" y="4545164"/>
+              <a:ext cx="1618476" cy="387178"/>
+            </a:xfrm>
+            <a:prstGeom prst="rect">
+              <a:avLst/>
+            </a:prstGeom>
+            <a:solidFill>
+              <a:schemeClr val="accent1">
+                <a:lumMod val="60000"/>
+                <a:lumOff val="40000"/>
+              </a:schemeClr>
+            </a:solidFill>
+            <a:ln w="22225">
+              <a:solidFill>
+                <a:schemeClr val="tx1"/>
+              </a:solidFill>
+            </a:ln>
+          </p:spPr>
+          <p:style>
+            <a:lnRef idx="2">
+              <a:schemeClr val="accent1">
+                <a:shade val="50000"/>
+              </a:schemeClr>
+            </a:lnRef>
+            <a:fillRef idx="1">
+              <a:schemeClr val="accent1"/>
+            </a:fillRef>
+            <a:effectRef idx="0">
+              <a:schemeClr val="accent1"/>
+            </a:effectRef>
+            <a:fontRef idx="minor">
+              <a:schemeClr val="lt1"/>
+            </a:fontRef>
+          </p:style>
+          <p:txBody>
+            <a:bodyPr rtlCol="0" anchor="ctr"/>
+            <a:lstStyle/>
+            <a:p>
+              <a:pPr algn="ctr"/>
+              <a:r>
+                <a:rPr lang="en-US" altLang="zh-CN" b="1" dirty="0">
+                  <a:solidFill>
+                    <a:schemeClr val="tx1"/>
+                  </a:solidFill>
+                </a:rPr>
+                <a:t>Loan</a:t>
+              </a:r>
+              <a:endParaRPr lang="en-CN" b="1" dirty="0">
+                <a:solidFill>
+                  <a:schemeClr val="tx1"/>
+                </a:solidFill>
+              </a:endParaRPr>
+            </a:p>
+          </p:txBody>
+        </p:sp>
+        <p:cxnSp>
+          <p:nvCxnSpPr>
+            <p:cNvPr id="48" name="Straight Arrow Connector 47">
+              <a:extLst>
+                <a:ext uri="{FF2B5EF4-FFF2-40B4-BE49-F238E27FC236}">
+                  <a16:creationId xmlns:a16="http://schemas.microsoft.com/office/drawing/2014/main" id="{DEF26B6A-F6DC-614D-B833-5D80CBB5E0FA}"/>
+                </a:ext>
+              </a:extLst>
+            </p:cNvPr>
+            <p:cNvCxnSpPr>
+              <a:cxnSpLocks/>
+            </p:cNvCxnSpPr>
+            <p:nvPr/>
+          </p:nvCxnSpPr>
+          <p:spPr>
+            <a:xfrm flipV="1">
+              <a:off x="6061374" y="3745945"/>
+              <a:ext cx="0" cy="799219"/>
+            </a:xfrm>
+            <a:prstGeom prst="straightConnector1">
+              <a:avLst/>
+            </a:prstGeom>
+            <a:ln w="19050">
+              <a:solidFill>
+                <a:schemeClr val="tx1"/>
+              </a:solidFill>
+              <a:prstDash val="solid"/>
+              <a:tailEnd type="triangle"/>
+            </a:ln>
+            <a:effectLst/>
+          </p:spPr>
+          <p:style>
+            <a:lnRef idx="1">
+              <a:schemeClr val="accent1"/>
+            </a:lnRef>
+            <a:fillRef idx="0">
+              <a:schemeClr val="accent1"/>
+            </a:fillRef>
+            <a:effectRef idx="0">
+              <a:schemeClr val="accent1"/>
+            </a:effectRef>
+            <a:fontRef idx="minor">
+              <a:schemeClr val="tx1"/>
+            </a:fontRef>
+          </p:style>
+        </p:cxnSp>
+        <p:sp>
+          <p:nvSpPr>
+            <p:cNvPr id="51" name="TextBox 50">
+              <a:extLst>
+                <a:ext uri="{FF2B5EF4-FFF2-40B4-BE49-F238E27FC236}">
+                  <a16:creationId xmlns:a16="http://schemas.microsoft.com/office/drawing/2014/main" id="{A9EEFE6B-5C72-DB4E-8259-8211ECB467CF}"/>
+                </a:ext>
+              </a:extLst>
+            </p:cNvPr>
+            <p:cNvSpPr txBox="1"/>
+            <p:nvPr/>
+          </p:nvSpPr>
+          <p:spPr>
+            <a:xfrm>
+              <a:off x="6119155" y="3991666"/>
+              <a:ext cx="756938" cy="307777"/>
+            </a:xfrm>
+            <a:prstGeom prst="rect">
+              <a:avLst/>
+            </a:prstGeom>
+            <a:noFill/>
+          </p:spPr>
+          <p:txBody>
+            <a:bodyPr wrap="none" rtlCol="0">
+              <a:spAutoFit/>
+            </a:bodyPr>
+            <a:lstStyle/>
+            <a:p>
+              <a:r>
+                <a:rPr lang="en-US" altLang="zh-CN" sz="1400" dirty="0"/>
+                <a:t>deposit</a:t>
+              </a:r>
+              <a:endParaRPr lang="en-CN" sz="1600" dirty="0"/>
+            </a:p>
+          </p:txBody>
+        </p:sp>
+        <p:cxnSp>
+          <p:nvCxnSpPr>
+            <p:cNvPr id="58" name="Straight Arrow Connector 57">
+              <a:extLst>
+                <a:ext uri="{FF2B5EF4-FFF2-40B4-BE49-F238E27FC236}">
+                  <a16:creationId xmlns:a16="http://schemas.microsoft.com/office/drawing/2014/main" id="{B98DEA75-B1DE-EB46-BCC7-AAE8B7FAA619}"/>
+                </a:ext>
+              </a:extLst>
+            </p:cNvPr>
+            <p:cNvCxnSpPr>
+              <a:cxnSpLocks/>
+            </p:cNvCxnSpPr>
+            <p:nvPr/>
+          </p:nvCxnSpPr>
+          <p:spPr>
+            <a:xfrm>
+              <a:off x="5614854" y="3745945"/>
+              <a:ext cx="0" cy="799219"/>
+            </a:xfrm>
+            <a:prstGeom prst="straightConnector1">
+              <a:avLst/>
+            </a:prstGeom>
+            <a:ln w="19050">
+              <a:solidFill>
+                <a:schemeClr val="tx1"/>
+              </a:solidFill>
+              <a:prstDash val="solid"/>
+              <a:tailEnd type="triangle"/>
+            </a:ln>
+            <a:effectLst/>
+          </p:spPr>
+          <p:style>
+            <a:lnRef idx="1">
+              <a:schemeClr val="accent1"/>
+            </a:lnRef>
+            <a:fillRef idx="0">
+              <a:schemeClr val="accent1"/>
+            </a:fillRef>
+            <a:effectRef idx="0">
+              <a:schemeClr val="accent1"/>
+            </a:effectRef>
+            <a:fontRef idx="minor">
+              <a:schemeClr val="tx1"/>
+            </a:fontRef>
+          </p:style>
+        </p:cxnSp>
+        <p:sp>
+          <p:nvSpPr>
+            <p:cNvPr id="63" name="TextBox 62">
+              <a:extLst>
+                <a:ext uri="{FF2B5EF4-FFF2-40B4-BE49-F238E27FC236}">
+                  <a16:creationId xmlns:a16="http://schemas.microsoft.com/office/drawing/2014/main" id="{7762F5F5-5C98-B849-9DF3-987212DFF39F}"/>
+                </a:ext>
+              </a:extLst>
+            </p:cNvPr>
+            <p:cNvSpPr txBox="1"/>
+            <p:nvPr/>
+          </p:nvSpPr>
+          <p:spPr>
+            <a:xfrm>
+              <a:off x="4930826" y="3991666"/>
+              <a:ext cx="614271" cy="307777"/>
+            </a:xfrm>
+            <a:prstGeom prst="rect">
+              <a:avLst/>
+            </a:prstGeom>
+            <a:noFill/>
+          </p:spPr>
+          <p:txBody>
+            <a:bodyPr wrap="none" rtlCol="0">
+              <a:spAutoFit/>
+            </a:bodyPr>
+            <a:lstStyle/>
+            <a:p>
+              <a:r>
+                <a:rPr lang="en-US" altLang="zh-CN" sz="1400" dirty="0"/>
+                <a:t>repay</a:t>
+              </a:r>
+              <a:endParaRPr lang="en-CN" sz="1600" dirty="0"/>
+            </a:p>
+          </p:txBody>
+        </p:sp>
+        <p:sp>
+          <p:nvSpPr>
+            <p:cNvPr id="75" name="TextBox 74">
+              <a:extLst>
+                <a:ext uri="{FF2B5EF4-FFF2-40B4-BE49-F238E27FC236}">
+                  <a16:creationId xmlns:a16="http://schemas.microsoft.com/office/drawing/2014/main" id="{91CAAE9E-A59E-664E-94E7-3D704DA97893}"/>
+                </a:ext>
+              </a:extLst>
+            </p:cNvPr>
+            <p:cNvSpPr txBox="1"/>
+            <p:nvPr/>
+          </p:nvSpPr>
+          <p:spPr>
+            <a:xfrm>
+              <a:off x="4794113" y="2323736"/>
+              <a:ext cx="772969" cy="307777"/>
+            </a:xfrm>
+            <a:prstGeom prst="rect">
+              <a:avLst/>
+            </a:prstGeom>
+            <a:noFill/>
+          </p:spPr>
+          <p:txBody>
+            <a:bodyPr wrap="none" rtlCol="0">
+              <a:spAutoFit/>
+            </a:bodyPr>
+            <a:lstStyle/>
+            <a:p>
+              <a:r>
+                <a:rPr lang="en-US" altLang="zh-CN" sz="1400" dirty="0"/>
+                <a:t>transfer</a:t>
+              </a:r>
+            </a:p>
+          </p:txBody>
+        </p:sp>
+        <p:sp>
+          <p:nvSpPr>
+            <p:cNvPr id="69" name="TextBox 68">
+              <a:extLst>
+                <a:ext uri="{FF2B5EF4-FFF2-40B4-BE49-F238E27FC236}">
+                  <a16:creationId xmlns:a16="http://schemas.microsoft.com/office/drawing/2014/main" id="{87820A9B-EC1A-9248-9F80-A0E3332531E2}"/>
+                </a:ext>
+              </a:extLst>
+            </p:cNvPr>
+            <p:cNvSpPr txBox="1"/>
+            <p:nvPr/>
+          </p:nvSpPr>
+          <p:spPr>
+            <a:xfrm>
+              <a:off x="2778817" y="2916934"/>
+              <a:ext cx="348172" cy="307777"/>
+            </a:xfrm>
+            <a:prstGeom prst="rect">
+              <a:avLst/>
+            </a:prstGeom>
+            <a:noFill/>
+          </p:spPr>
+          <p:txBody>
+            <a:bodyPr wrap="none" rtlCol="0">
+              <a:spAutoFit/>
+            </a:bodyPr>
+            <a:lstStyle/>
+            <a:p>
+              <a:r>
+                <a:rPr lang="en-US" altLang="zh-CN" sz="1400" dirty="0"/>
+                <a:t>or</a:t>
+              </a:r>
+            </a:p>
+          </p:txBody>
+        </p:sp>
+        <p:sp>
+          <p:nvSpPr>
+            <p:cNvPr id="76" name="TextBox 75">
+              <a:extLst>
+                <a:ext uri="{FF2B5EF4-FFF2-40B4-BE49-F238E27FC236}">
+                  <a16:creationId xmlns:a16="http://schemas.microsoft.com/office/drawing/2014/main" id="{9685707C-7FDD-7246-A062-F467B29818B5}"/>
+                </a:ext>
+              </a:extLst>
+            </p:cNvPr>
+            <p:cNvSpPr txBox="1"/>
+            <p:nvPr/>
+          </p:nvSpPr>
+          <p:spPr>
+            <a:xfrm>
+              <a:off x="6083511" y="2323736"/>
+              <a:ext cx="885179" cy="307777"/>
+            </a:xfrm>
+            <a:prstGeom prst="rect">
+              <a:avLst/>
+            </a:prstGeom>
+            <a:noFill/>
+          </p:spPr>
+          <p:txBody>
+            <a:bodyPr wrap="none" rtlCol="0">
+              <a:spAutoFit/>
+            </a:bodyPr>
+            <a:lstStyle/>
+            <a:p>
+              <a:r>
+                <a:rPr lang="en-US" altLang="zh-CN" sz="1400" dirty="0"/>
+                <a:t>withdraw</a:t>
+              </a:r>
+              <a:endParaRPr lang="en-CN" sz="1600" dirty="0"/>
+            </a:p>
+          </p:txBody>
+        </p:sp>
+        <p:sp>
+          <p:nvSpPr>
+            <p:cNvPr id="2" name="Rectangle 1">
+              <a:extLst>
+                <a:ext uri="{FF2B5EF4-FFF2-40B4-BE49-F238E27FC236}">
+                  <a16:creationId xmlns:a16="http://schemas.microsoft.com/office/drawing/2014/main" id="{D7D70C61-7056-1FD0-66D8-7801DBF620DE}"/>
+                </a:ext>
+              </a:extLst>
+            </p:cNvPr>
+            <p:cNvSpPr/>
+            <p:nvPr/>
+          </p:nvSpPr>
+          <p:spPr>
+            <a:xfrm>
+              <a:off x="5040744" y="1719027"/>
+              <a:ext cx="1618476" cy="387178"/>
+            </a:xfrm>
+            <a:prstGeom prst="rect">
+              <a:avLst/>
+            </a:prstGeom>
+            <a:solidFill>
+              <a:schemeClr val="accent1">
+                <a:lumMod val="60000"/>
+                <a:lumOff val="40000"/>
+              </a:schemeClr>
+            </a:solidFill>
+            <a:ln w="22225">
+              <a:solidFill>
+                <a:schemeClr val="tx1"/>
+              </a:solidFill>
+            </a:ln>
+          </p:spPr>
+          <p:style>
+            <a:lnRef idx="2">
+              <a:schemeClr val="accent1">
+                <a:shade val="50000"/>
+              </a:schemeClr>
+            </a:lnRef>
+            <a:fillRef idx="1">
+              <a:schemeClr val="accent1"/>
+            </a:fillRef>
+            <a:effectRef idx="0">
+              <a:schemeClr val="accent1"/>
+            </a:effectRef>
+            <a:fontRef idx="minor">
+              <a:schemeClr val="lt1"/>
+            </a:fontRef>
+          </p:style>
+          <p:txBody>
+            <a:bodyPr rtlCol="0" anchor="ctr"/>
+            <a:lstStyle/>
+            <a:p>
+              <a:pPr algn="ctr"/>
+              <a:r>
+                <a:rPr lang="en-US" altLang="zh-CN" b="1" dirty="0">
+                  <a:solidFill>
+                    <a:schemeClr val="tx1"/>
+                  </a:solidFill>
+                </a:rPr>
+                <a:t>Account</a:t>
+              </a:r>
+              <a:endParaRPr lang="en-CN" b="1" dirty="0">
+                <a:solidFill>
+                  <a:schemeClr val="tx1"/>
+                </a:solidFill>
+              </a:endParaRPr>
+            </a:p>
+          </p:txBody>
+        </p:sp>
+        <p:cxnSp>
+          <p:nvCxnSpPr>
+            <p:cNvPr id="6" name="Elbow Connector 5">
+              <a:extLst>
+                <a:ext uri="{FF2B5EF4-FFF2-40B4-BE49-F238E27FC236}">
+                  <a16:creationId xmlns:a16="http://schemas.microsoft.com/office/drawing/2014/main" id="{D5186D0B-2958-753B-5019-A35330E1176A}"/>
+                </a:ext>
+              </a:extLst>
+            </p:cNvPr>
+            <p:cNvCxnSpPr>
+              <a:cxnSpLocks/>
+              <a:stCxn id="10" idx="3"/>
+              <a:endCxn id="16" idx="1"/>
+            </p:cNvCxnSpPr>
+            <p:nvPr/>
+          </p:nvCxnSpPr>
+          <p:spPr>
+            <a:xfrm>
+              <a:off x="3762141" y="2686277"/>
+              <a:ext cx="1278655" cy="384546"/>
+            </a:xfrm>
+            <a:prstGeom prst="bentConnector3">
+              <a:avLst>
+                <a:gd name="adj1" fmla="val 33654"/>
+              </a:avLst>
+            </a:prstGeom>
+            <a:ln w="19050">
+              <a:solidFill>
+                <a:schemeClr val="tx1"/>
+              </a:solidFill>
+              <a:tailEnd type="triangle"/>
+            </a:ln>
+            <a:effectLst/>
+          </p:spPr>
+          <p:style>
+            <a:lnRef idx="1">
+              <a:schemeClr val="accent1"/>
+            </a:lnRef>
+            <a:fillRef idx="0">
+              <a:schemeClr val="accent1"/>
+            </a:fillRef>
+            <a:effectRef idx="0">
+              <a:schemeClr val="accent1"/>
+            </a:effectRef>
+            <a:fontRef idx="minor">
+              <a:schemeClr val="tx1"/>
+            </a:fontRef>
+          </p:style>
+        </p:cxnSp>
+        <p:cxnSp>
+          <p:nvCxnSpPr>
+            <p:cNvPr id="19" name="Elbow Connector 18">
+              <a:extLst>
+                <a:ext uri="{FF2B5EF4-FFF2-40B4-BE49-F238E27FC236}">
+                  <a16:creationId xmlns:a16="http://schemas.microsoft.com/office/drawing/2014/main" id="{86E292ED-9897-5659-3CB3-1FC692B93B93}"/>
+                </a:ext>
+              </a:extLst>
+            </p:cNvPr>
+            <p:cNvCxnSpPr>
+              <a:cxnSpLocks/>
+              <a:stCxn id="13" idx="3"/>
+              <a:endCxn id="16" idx="1"/>
+            </p:cNvCxnSpPr>
+            <p:nvPr/>
+          </p:nvCxnSpPr>
+          <p:spPr>
+            <a:xfrm flipV="1">
+              <a:off x="3762141" y="3070823"/>
+              <a:ext cx="1278655" cy="410138"/>
+            </a:xfrm>
+            <a:prstGeom prst="bentConnector3">
+              <a:avLst>
+                <a:gd name="adj1" fmla="val 33654"/>
+              </a:avLst>
+            </a:prstGeom>
+            <a:ln w="19050">
+              <a:solidFill>
+                <a:schemeClr val="tx1"/>
+              </a:solidFill>
+              <a:tailEnd type="triangle"/>
+            </a:ln>
+            <a:effectLst/>
+          </p:spPr>
+          <p:style>
+            <a:lnRef idx="1">
+              <a:schemeClr val="accent1"/>
+            </a:lnRef>
+            <a:fillRef idx="0">
+              <a:schemeClr val="accent1"/>
+            </a:fillRef>
+            <a:effectRef idx="0">
+              <a:schemeClr val="accent1"/>
+            </a:effectRef>
+            <a:fontRef idx="minor">
+              <a:schemeClr val="tx1"/>
+            </a:fontRef>
+          </p:style>
+        </p:cxnSp>
+        <p:cxnSp>
+          <p:nvCxnSpPr>
+            <p:cNvPr id="44" name="Straight Arrow Connector 43">
+              <a:extLst>
+                <a:ext uri="{FF2B5EF4-FFF2-40B4-BE49-F238E27FC236}">
+                  <a16:creationId xmlns:a16="http://schemas.microsoft.com/office/drawing/2014/main" id="{CB974DCB-75A1-E15C-2059-CBB3D97AC55F}"/>
+                </a:ext>
+              </a:extLst>
+            </p:cNvPr>
+            <p:cNvCxnSpPr>
+              <a:cxnSpLocks/>
+            </p:cNvCxnSpPr>
+            <p:nvPr/>
+          </p:nvCxnSpPr>
+          <p:spPr>
+            <a:xfrm>
+              <a:off x="5614854" y="2106205"/>
+              <a:ext cx="0" cy="768969"/>
+            </a:xfrm>
+            <a:prstGeom prst="straightConnector1">
+              <a:avLst/>
+            </a:prstGeom>
+            <a:ln w="19050">
+              <a:solidFill>
+                <a:schemeClr val="tx1"/>
+              </a:solidFill>
+              <a:prstDash val="solid"/>
+              <a:headEnd type="triangle"/>
+              <a:tailEnd type="triangle"/>
+            </a:ln>
+            <a:effectLst/>
+          </p:spPr>
+          <p:style>
+            <a:lnRef idx="1">
+              <a:schemeClr val="accent1"/>
+            </a:lnRef>
+            <a:fillRef idx="0">
+              <a:schemeClr val="accent1"/>
+            </a:fillRef>
+            <a:effectRef idx="0">
+              <a:schemeClr val="accent1"/>
+            </a:effectRef>
+            <a:fontRef idx="minor">
+              <a:schemeClr val="tx1"/>
+            </a:fontRef>
+          </p:style>
+        </p:cxnSp>
+        <p:cxnSp>
+          <p:nvCxnSpPr>
+            <p:cNvPr id="57" name="Straight Arrow Connector 56">
+              <a:extLst>
+                <a:ext uri="{FF2B5EF4-FFF2-40B4-BE49-F238E27FC236}">
+                  <a16:creationId xmlns:a16="http://schemas.microsoft.com/office/drawing/2014/main" id="{1C142951-0D8F-45E6-8EDB-DCD631ED1032}"/>
+                </a:ext>
+              </a:extLst>
+            </p:cNvPr>
+            <p:cNvCxnSpPr>
+              <a:cxnSpLocks/>
+            </p:cNvCxnSpPr>
+            <p:nvPr/>
+          </p:nvCxnSpPr>
+          <p:spPr>
+            <a:xfrm flipV="1">
+              <a:off x="6049111" y="2106205"/>
+              <a:ext cx="12263" cy="768969"/>
+            </a:xfrm>
+            <a:prstGeom prst="straightConnector1">
+              <a:avLst/>
+            </a:prstGeom>
+            <a:ln w="19050">
+              <a:solidFill>
+                <a:schemeClr val="tx1"/>
+              </a:solidFill>
+              <a:prstDash val="solid"/>
+              <a:headEnd type="triangle"/>
+              <a:tailEnd type="triangle"/>
+            </a:ln>
+            <a:effectLst/>
+          </p:spPr>
+          <p:style>
+            <a:lnRef idx="1">
+              <a:schemeClr val="accent1"/>
+            </a:lnRef>
+            <a:fillRef idx="0">
+              <a:schemeClr val="accent1"/>
+            </a:fillRef>
+            <a:effectRef idx="0">
+              <a:schemeClr val="accent1"/>
+            </a:effectRef>
+            <a:fontRef idx="minor">
+              <a:schemeClr val="tx1"/>
+            </a:fontRef>
+          </p:style>
+        </p:cxnSp>
+        <p:sp>
+          <p:nvSpPr>
+            <p:cNvPr id="65" name="Multiply 64">
+              <a:extLst>
+                <a:ext uri="{FF2B5EF4-FFF2-40B4-BE49-F238E27FC236}">
+                  <a16:creationId xmlns:a16="http://schemas.microsoft.com/office/drawing/2014/main" id="{E97182F8-1AA8-5973-5AE1-5CCFDACA5F6D}"/>
+                </a:ext>
+              </a:extLst>
+            </p:cNvPr>
+            <p:cNvSpPr/>
+            <p:nvPr/>
+          </p:nvSpPr>
+          <p:spPr>
+            <a:xfrm>
+              <a:off x="6217357" y="3314550"/>
+              <a:ext cx="360000" cy="360000"/>
+            </a:xfrm>
+            <a:prstGeom prst="mathMultiply">
+              <a:avLst>
+                <a:gd name="adj1" fmla="val 12937"/>
+              </a:avLst>
+            </a:prstGeom>
+            <a:solidFill>
+              <a:srgbClr val="FF0000"/>
+            </a:solidFill>
+            <a:ln>
+              <a:noFill/>
+            </a:ln>
+          </p:spPr>
+          <p:style>
+            <a:lnRef idx="2">
+              <a:schemeClr val="accent1">
+                <a:shade val="50000"/>
+              </a:schemeClr>
+            </a:lnRef>
+            <a:fillRef idx="1">
+              <a:schemeClr val="accent1"/>
+            </a:fillRef>
+            <a:effectRef idx="0">
+              <a:schemeClr val="accent1"/>
+            </a:effectRef>
+            <a:fontRef idx="minor">
+              <a:schemeClr val="lt1"/>
+            </a:fontRef>
+          </p:style>
+          <p:txBody>
+            <a:bodyPr rtlCol="0" anchor="ctr"/>
+            <a:lstStyle/>
+            <a:p>
+              <a:pPr algn="ctr"/>
+              <a:endParaRPr lang="en-CN"/>
+            </a:p>
+          </p:txBody>
+        </p:sp>
+        <p:sp>
+          <p:nvSpPr>
+            <p:cNvPr id="66" name="Multiply 65">
+              <a:extLst>
+                <a:ext uri="{FF2B5EF4-FFF2-40B4-BE49-F238E27FC236}">
+                  <a16:creationId xmlns:a16="http://schemas.microsoft.com/office/drawing/2014/main" id="{D35B4872-4838-E224-7870-5F162EB7DE54}"/>
+                </a:ext>
+              </a:extLst>
+            </p:cNvPr>
+            <p:cNvSpPr/>
+            <p:nvPr/>
+          </p:nvSpPr>
+          <p:spPr>
+            <a:xfrm>
+              <a:off x="5460497" y="3949576"/>
+              <a:ext cx="360000" cy="360000"/>
+            </a:xfrm>
+            <a:prstGeom prst="mathMultiply">
+              <a:avLst>
+                <a:gd name="adj1" fmla="val 12937"/>
+              </a:avLst>
+            </a:prstGeom>
+            <a:solidFill>
+              <a:srgbClr val="FF0000"/>
+            </a:solidFill>
+            <a:ln>
+              <a:noFill/>
+            </a:ln>
+          </p:spPr>
+          <p:style>
+            <a:lnRef idx="2">
+              <a:schemeClr val="accent1">
+                <a:shade val="50000"/>
+              </a:schemeClr>
+            </a:lnRef>
+            <a:fillRef idx="1">
+              <a:schemeClr val="accent1"/>
+            </a:fillRef>
+            <a:effectRef idx="0">
+              <a:schemeClr val="accent1"/>
+            </a:effectRef>
+            <a:fontRef idx="minor">
+              <a:schemeClr val="lt1"/>
+            </a:fontRef>
+          </p:style>
+          <p:txBody>
+            <a:bodyPr rtlCol="0" anchor="ctr"/>
+            <a:lstStyle/>
+            <a:p>
+              <a:pPr algn="ctr"/>
+              <a:endParaRPr lang="en-CN"/>
+            </a:p>
+          </p:txBody>
+        </p:sp>
+        <p:sp>
+          <p:nvSpPr>
+            <p:cNvPr id="67" name="Multiply 66">
+              <a:extLst>
+                <a:ext uri="{FF2B5EF4-FFF2-40B4-BE49-F238E27FC236}">
+                  <a16:creationId xmlns:a16="http://schemas.microsoft.com/office/drawing/2014/main" id="{6DA58C3E-F259-11FA-D4B4-0FEBA2D9D5AD}"/>
+                </a:ext>
+              </a:extLst>
+            </p:cNvPr>
+            <p:cNvSpPr/>
+            <p:nvPr/>
+          </p:nvSpPr>
+          <p:spPr>
+            <a:xfrm>
+              <a:off x="5879973" y="3949576"/>
+              <a:ext cx="360000" cy="360000"/>
+            </a:xfrm>
+            <a:prstGeom prst="mathMultiply">
+              <a:avLst>
+                <a:gd name="adj1" fmla="val 12937"/>
+              </a:avLst>
+            </a:prstGeom>
+            <a:solidFill>
+              <a:srgbClr val="FF0000"/>
+            </a:solidFill>
+            <a:ln>
+              <a:noFill/>
+            </a:ln>
+          </p:spPr>
+          <p:style>
+            <a:lnRef idx="2">
+              <a:schemeClr val="accent1">
+                <a:shade val="50000"/>
+              </a:schemeClr>
+            </a:lnRef>
+            <a:fillRef idx="1">
+              <a:schemeClr val="accent1"/>
+            </a:fillRef>
+            <a:effectRef idx="0">
+              <a:schemeClr val="accent1"/>
+            </a:effectRef>
+            <a:fontRef idx="minor">
+              <a:schemeClr val="lt1"/>
+            </a:fontRef>
+          </p:style>
+          <p:txBody>
+            <a:bodyPr rtlCol="0" anchor="ctr"/>
+            <a:lstStyle/>
+            <a:p>
+              <a:pPr algn="ctr"/>
+              <a:endParaRPr lang="en-CN"/>
+            </a:p>
+          </p:txBody>
+        </p:sp>
+        <p:sp>
+          <p:nvSpPr>
+            <p:cNvPr id="68" name="Multiply 67">
+              <a:extLst>
+                <a:ext uri="{FF2B5EF4-FFF2-40B4-BE49-F238E27FC236}">
+                  <a16:creationId xmlns:a16="http://schemas.microsoft.com/office/drawing/2014/main" id="{4564DF66-C9BE-AD77-70A1-6AFB4B8E904D}"/>
+                </a:ext>
+              </a:extLst>
+            </p:cNvPr>
+            <p:cNvSpPr/>
+            <p:nvPr/>
+          </p:nvSpPr>
+          <p:spPr>
+            <a:xfrm>
+              <a:off x="6668025" y="2882842"/>
+              <a:ext cx="360000" cy="360000"/>
+            </a:xfrm>
+            <a:prstGeom prst="mathMultiply">
+              <a:avLst>
+                <a:gd name="adj1" fmla="val 12937"/>
+              </a:avLst>
+            </a:prstGeom>
+            <a:solidFill>
+              <a:srgbClr val="FF0000"/>
+            </a:solidFill>
+            <a:ln>
+              <a:noFill/>
+            </a:ln>
+          </p:spPr>
+          <p:style>
+            <a:lnRef idx="2">
+              <a:schemeClr val="accent1">
+                <a:shade val="50000"/>
+              </a:schemeClr>
+            </a:lnRef>
+            <a:fillRef idx="1">
+              <a:schemeClr val="accent1"/>
+            </a:fillRef>
+            <a:effectRef idx="0">
+              <a:schemeClr val="accent1"/>
+            </a:effectRef>
+            <a:fontRef idx="minor">
+              <a:schemeClr val="lt1"/>
+            </a:fontRef>
+          </p:style>
+          <p:txBody>
+            <a:bodyPr rtlCol="0" anchor="ctr"/>
+            <a:lstStyle/>
+            <a:p>
+              <a:pPr algn="ctr"/>
+              <a:endParaRPr lang="en-CN"/>
+            </a:p>
+          </p:txBody>
+        </p:sp>
+        <p:sp>
+          <p:nvSpPr>
+            <p:cNvPr id="70" name="Multiply 69">
+              <a:extLst>
+                <a:ext uri="{FF2B5EF4-FFF2-40B4-BE49-F238E27FC236}">
+                  <a16:creationId xmlns:a16="http://schemas.microsoft.com/office/drawing/2014/main" id="{2D03ADAD-5D5E-6899-4F30-2F44521C0DD8}"/>
+                </a:ext>
+              </a:extLst>
+            </p:cNvPr>
+            <p:cNvSpPr/>
+            <p:nvPr/>
+          </p:nvSpPr>
+          <p:spPr>
+            <a:xfrm>
+              <a:off x="5410968" y="2287254"/>
+              <a:ext cx="360000" cy="360000"/>
+            </a:xfrm>
+            <a:prstGeom prst="mathMultiply">
+              <a:avLst>
+                <a:gd name="adj1" fmla="val 12937"/>
+              </a:avLst>
+            </a:prstGeom>
+            <a:solidFill>
+              <a:srgbClr val="FF0000"/>
+            </a:solidFill>
+            <a:ln>
+              <a:noFill/>
+            </a:ln>
+          </p:spPr>
+          <p:style>
+            <a:lnRef idx="2">
+              <a:schemeClr val="accent1">
+                <a:shade val="50000"/>
+              </a:schemeClr>
+            </a:lnRef>
+            <a:fillRef idx="1">
+              <a:schemeClr val="accent1"/>
+            </a:fillRef>
+            <a:effectRef idx="0">
+              <a:schemeClr val="accent1"/>
+            </a:effectRef>
+            <a:fontRef idx="minor">
+              <a:schemeClr val="lt1"/>
+            </a:fontRef>
+          </p:style>
+          <p:txBody>
+            <a:bodyPr rtlCol="0" anchor="ctr"/>
+            <a:lstStyle/>
+            <a:p>
+              <a:pPr algn="ctr"/>
+              <a:endParaRPr lang="en-CN"/>
+            </a:p>
+          </p:txBody>
+        </p:sp>
+        <p:sp>
+          <p:nvSpPr>
+            <p:cNvPr id="71" name="Multiply 70">
+              <a:extLst>
+                <a:ext uri="{FF2B5EF4-FFF2-40B4-BE49-F238E27FC236}">
+                  <a16:creationId xmlns:a16="http://schemas.microsoft.com/office/drawing/2014/main" id="{AA49843C-5933-EC01-FD51-B1BB79C7C0BD}"/>
+                </a:ext>
+              </a:extLst>
+            </p:cNvPr>
+            <p:cNvSpPr/>
+            <p:nvPr/>
+          </p:nvSpPr>
+          <p:spPr>
+            <a:xfrm>
+              <a:off x="5869111" y="2287254"/>
+              <a:ext cx="360000" cy="360000"/>
+            </a:xfrm>
+            <a:prstGeom prst="mathMultiply">
+              <a:avLst>
+                <a:gd name="adj1" fmla="val 12937"/>
+              </a:avLst>
+            </a:prstGeom>
+            <a:solidFill>
+              <a:srgbClr val="FF0000"/>
+            </a:solidFill>
+            <a:ln>
+              <a:noFill/>
+            </a:ln>
+          </p:spPr>
+          <p:style>
+            <a:lnRef idx="2">
+              <a:schemeClr val="accent1">
+                <a:shade val="50000"/>
+              </a:schemeClr>
+            </a:lnRef>
+            <a:fillRef idx="1">
+              <a:schemeClr val="accent1"/>
+            </a:fillRef>
+            <a:effectRef idx="0">
+              <a:schemeClr val="accent1"/>
+            </a:effectRef>
+            <a:fontRef idx="minor">
+              <a:schemeClr val="lt1"/>
+            </a:fontRef>
+          </p:style>
+          <p:txBody>
+            <a:bodyPr rtlCol="0" anchor="ctr"/>
+            <a:lstStyle/>
+            <a:p>
+              <a:pPr algn="ctr"/>
+              <a:endParaRPr lang="en-CN"/>
+            </a:p>
+          </p:txBody>
+        </p:sp>
+        <p:sp>
+          <p:nvSpPr>
+            <p:cNvPr id="74" name="Multiply 73">
+              <a:extLst>
+                <a:ext uri="{FF2B5EF4-FFF2-40B4-BE49-F238E27FC236}">
+                  <a16:creationId xmlns:a16="http://schemas.microsoft.com/office/drawing/2014/main" id="{BAB3DD19-9DE4-C241-54F0-DC406C2D9E02}"/>
+                </a:ext>
+              </a:extLst>
+            </p:cNvPr>
+            <p:cNvSpPr/>
+            <p:nvPr/>
+          </p:nvSpPr>
+          <p:spPr>
+            <a:xfrm>
+              <a:off x="4420855" y="2901780"/>
+              <a:ext cx="360000" cy="360000"/>
+            </a:xfrm>
+            <a:prstGeom prst="mathMultiply">
+              <a:avLst>
+                <a:gd name="adj1" fmla="val 12937"/>
+              </a:avLst>
+            </a:prstGeom>
+            <a:solidFill>
+              <a:srgbClr val="FF0000"/>
+            </a:solidFill>
+            <a:ln>
+              <a:noFill/>
+            </a:ln>
+          </p:spPr>
+          <p:style>
+            <a:lnRef idx="2">
+              <a:schemeClr val="accent1">
+                <a:shade val="50000"/>
+              </a:schemeClr>
+            </a:lnRef>
+            <a:fillRef idx="1">
+              <a:schemeClr val="accent1"/>
+            </a:fillRef>
+            <a:effectRef idx="0">
+              <a:schemeClr val="accent1"/>
+            </a:effectRef>
+            <a:fontRef idx="minor">
+              <a:schemeClr val="lt1"/>
+            </a:fontRef>
+          </p:style>
+          <p:txBody>
+            <a:bodyPr rtlCol="0" anchor="ctr"/>
+            <a:lstStyle/>
+            <a:p>
+              <a:pPr algn="ctr"/>
+              <a:endParaRPr lang="en-CN"/>
+            </a:p>
+          </p:txBody>
+        </p:sp>
+        <p:sp>
+          <p:nvSpPr>
+            <p:cNvPr id="3" name="Multiply 2">
+              <a:extLst>
+                <a:ext uri="{FF2B5EF4-FFF2-40B4-BE49-F238E27FC236}">
+                  <a16:creationId xmlns:a16="http://schemas.microsoft.com/office/drawing/2014/main" id="{7419961C-942C-8F34-B869-3D907CEA8E29}"/>
+                </a:ext>
+              </a:extLst>
+            </p:cNvPr>
+            <p:cNvSpPr/>
+            <p:nvPr/>
+          </p:nvSpPr>
+          <p:spPr>
+            <a:xfrm>
+              <a:off x="6166100" y="4572342"/>
+              <a:ext cx="360000" cy="360000"/>
+            </a:xfrm>
+            <a:prstGeom prst="mathMultiply">
+              <a:avLst>
+                <a:gd name="adj1" fmla="val 12937"/>
+              </a:avLst>
+            </a:prstGeom>
+            <a:solidFill>
+              <a:srgbClr val="FF0000"/>
+            </a:solidFill>
+            <a:ln>
+              <a:noFill/>
+            </a:ln>
+          </p:spPr>
+          <p:style>
+            <a:lnRef idx="2">
+              <a:schemeClr val="accent1">
+                <a:shade val="50000"/>
+              </a:schemeClr>
+            </a:lnRef>
+            <a:fillRef idx="1">
+              <a:schemeClr val="accent1"/>
+            </a:fillRef>
+            <a:effectRef idx="0">
+              <a:schemeClr val="accent1"/>
+            </a:effectRef>
+            <a:fontRef idx="minor">
+              <a:schemeClr val="lt1"/>
+            </a:fontRef>
+          </p:style>
+          <p:txBody>
+            <a:bodyPr rtlCol="0" anchor="ctr"/>
+            <a:lstStyle/>
+            <a:p>
+              <a:pPr algn="ctr"/>
+              <a:endParaRPr lang="en-CN"/>
+            </a:p>
+          </p:txBody>
+        </p:sp>
+      </p:grpSp>
+    </p:spTree>
+    <p:extLst>
+      <p:ext uri="{BB962C8B-B14F-4D97-AF65-F5344CB8AC3E}">
+        <p14:creationId xmlns:p14="http://schemas.microsoft.com/office/powerpoint/2010/main" val="324972270"/>
+      </p:ext>
+    </p:extLst>
+  </p:cSld>
+  <p:clrMapOvr>
+    <a:masterClrMapping/>
+  </p:clrMapOvr>
+</p:sld>
+</file>
+
+<file path=ppt/slides/slide14.xml><?xml version="1.0" encoding="utf-8"?>
+<p:sld xmlns:a="http://schemas.openxmlformats.org/drawingml/2006/main" xmlns:r="http://schemas.openxmlformats.org/officeDocument/2006/relationships" xmlns:p="http://schemas.openxmlformats.org/presentationml/2006/main">
+  <p:cSld>
+    <p:spTree>
+      <p:nvGrpSpPr>
+        <p:cNvPr id="1" name=""/>
+        <p:cNvGrpSpPr/>
+        <p:nvPr/>
+      </p:nvGrpSpPr>
+      <p:grpSpPr>
+        <a:xfrm>
+          <a:off x="0" y="0"/>
+          <a:ext cx="0" cy="0"/>
+          <a:chOff x="0" y="0"/>
+          <a:chExt cx="0" cy="0"/>
+        </a:xfrm>
+      </p:grpSpPr>
+      <p:grpSp>
+        <p:nvGrpSpPr>
+          <p:cNvPr id="3" name="Group 2">
+            <a:extLst>
+              <a:ext uri="{FF2B5EF4-FFF2-40B4-BE49-F238E27FC236}">
+                <a16:creationId xmlns:a16="http://schemas.microsoft.com/office/drawing/2014/main" id="{995B16CF-8B05-5F9D-53D3-76B5B28F6578}"/>
+              </a:ext>
+            </a:extLst>
+          </p:cNvPr>
+          <p:cNvGrpSpPr/>
+          <p:nvPr/>
+        </p:nvGrpSpPr>
+        <p:grpSpPr>
+          <a:xfrm>
+            <a:off x="4920193" y="2403484"/>
+            <a:ext cx="1945267" cy="2051032"/>
+            <a:chOff x="4930826" y="3356634"/>
+            <a:chExt cx="1945267" cy="2051032"/>
+          </a:xfrm>
+        </p:grpSpPr>
+        <p:sp>
+          <p:nvSpPr>
+            <p:cNvPr id="15" name="Rectangle 14">
+              <a:extLst>
+                <a:ext uri="{FF2B5EF4-FFF2-40B4-BE49-F238E27FC236}">
+                  <a16:creationId xmlns:a16="http://schemas.microsoft.com/office/drawing/2014/main" id="{A7BE3F17-C67E-5A46-996C-67EF743EC561}"/>
+                </a:ext>
+              </a:extLst>
+            </p:cNvPr>
+            <p:cNvSpPr/>
+            <p:nvPr/>
+          </p:nvSpPr>
+          <p:spPr>
+            <a:xfrm>
+              <a:off x="5040745" y="4928194"/>
+              <a:ext cx="1618476" cy="479472"/>
+            </a:xfrm>
+            <a:prstGeom prst="rect">
+              <a:avLst/>
+            </a:prstGeom>
+            <a:noFill/>
+            <a:ln w="22225">
+              <a:solidFill>
+                <a:schemeClr val="tx1"/>
+              </a:solidFill>
+            </a:ln>
+          </p:spPr>
+          <p:style>
+            <a:lnRef idx="2">
+              <a:schemeClr val="accent1">
+                <a:shade val="50000"/>
+              </a:schemeClr>
+            </a:lnRef>
+            <a:fillRef idx="1">
+              <a:schemeClr val="accent1"/>
+            </a:fillRef>
+            <a:effectRef idx="0">
+              <a:schemeClr val="accent1"/>
+            </a:effectRef>
+            <a:fontRef idx="minor">
+              <a:schemeClr val="lt1"/>
+            </a:fontRef>
+          </p:style>
+          <p:txBody>
+            <a:bodyPr rtlCol="0" anchor="ctr"/>
+            <a:lstStyle/>
+            <a:p>
+              <a:pPr algn="ctr"/>
+              <a:r>
+                <a:rPr lang="en-US" altLang="zh-CN" sz="1400" dirty="0">
+                  <a:solidFill>
+                    <a:schemeClr val="tx1"/>
+                  </a:solidFill>
+                </a:rPr>
+                <a:t>id:</a:t>
+              </a:r>
+              <a:r>
+                <a:rPr lang="zh-CN" altLang="en-US" sz="1400" dirty="0">
+                  <a:solidFill>
+                    <a:schemeClr val="tx1"/>
+                  </a:solidFill>
+                </a:rPr>
+                <a:t> </a:t>
+              </a:r>
+              <a:r>
+                <a:rPr lang="en-US" altLang="zh-CN" sz="1400" dirty="0">
+                  <a:solidFill>
+                    <a:schemeClr val="tx1"/>
+                  </a:solidFill>
+                </a:rPr>
+                <a:t>${id}</a:t>
+              </a:r>
+            </a:p>
+          </p:txBody>
+        </p:sp>
+        <p:sp>
+          <p:nvSpPr>
+            <p:cNvPr id="16" name="Rectangle 15">
+              <a:extLst>
+                <a:ext uri="{FF2B5EF4-FFF2-40B4-BE49-F238E27FC236}">
+                  <a16:creationId xmlns:a16="http://schemas.microsoft.com/office/drawing/2014/main" id="{E7BA5DA0-5EF3-9D45-88BA-BC5BA7F3F9AB}"/>
+                </a:ext>
+              </a:extLst>
+            </p:cNvPr>
+            <p:cNvSpPr/>
+            <p:nvPr/>
+          </p:nvSpPr>
+          <p:spPr>
+            <a:xfrm>
+              <a:off x="5050039" y="3356634"/>
+              <a:ext cx="1618476" cy="387178"/>
+            </a:xfrm>
+            <a:prstGeom prst="rect">
+              <a:avLst/>
+            </a:prstGeom>
+            <a:solidFill>
+              <a:schemeClr val="accent1">
+                <a:lumMod val="60000"/>
+                <a:lumOff val="40000"/>
+              </a:schemeClr>
+            </a:solidFill>
+            <a:ln w="22225">
+              <a:solidFill>
+                <a:schemeClr val="tx1"/>
+              </a:solidFill>
+            </a:ln>
+          </p:spPr>
+          <p:style>
+            <a:lnRef idx="2">
+              <a:schemeClr val="accent1">
+                <a:shade val="50000"/>
+              </a:schemeClr>
+            </a:lnRef>
+            <a:fillRef idx="1">
+              <a:schemeClr val="accent1"/>
+            </a:fillRef>
+            <a:effectRef idx="0">
+              <a:schemeClr val="accent1"/>
+            </a:effectRef>
+            <a:fontRef idx="minor">
+              <a:schemeClr val="lt1"/>
+            </a:fontRef>
+          </p:style>
+          <p:txBody>
+            <a:bodyPr rtlCol="0" anchor="ctr"/>
+            <a:lstStyle/>
+            <a:p>
+              <a:pPr algn="ctr"/>
+              <a:r>
+                <a:rPr lang="en-US" altLang="zh-CN" b="1" dirty="0">
+                  <a:solidFill>
+                    <a:schemeClr val="tx1"/>
+                  </a:solidFill>
+                </a:rPr>
+                <a:t>Account</a:t>
+              </a:r>
+              <a:endParaRPr lang="en-CN" b="1" dirty="0">
+                <a:solidFill>
+                  <a:schemeClr val="tx1"/>
+                </a:solidFill>
+              </a:endParaRPr>
+            </a:p>
+          </p:txBody>
+        </p:sp>
+        <p:sp>
+          <p:nvSpPr>
+            <p:cNvPr id="41" name="Rectangle 40">
+              <a:extLst>
+                <a:ext uri="{FF2B5EF4-FFF2-40B4-BE49-F238E27FC236}">
+                  <a16:creationId xmlns:a16="http://schemas.microsoft.com/office/drawing/2014/main" id="{C805CEC5-21B7-E247-ABBB-187667AB24B0}"/>
+                </a:ext>
+              </a:extLst>
+            </p:cNvPr>
+            <p:cNvSpPr/>
+            <p:nvPr/>
+          </p:nvSpPr>
+          <p:spPr>
+            <a:xfrm>
+              <a:off x="5040745" y="4545164"/>
+              <a:ext cx="1618476" cy="387178"/>
+            </a:xfrm>
+            <a:prstGeom prst="rect">
+              <a:avLst/>
+            </a:prstGeom>
+            <a:solidFill>
+              <a:schemeClr val="accent1">
+                <a:lumMod val="60000"/>
+                <a:lumOff val="40000"/>
+              </a:schemeClr>
+            </a:solidFill>
+            <a:ln w="22225">
+              <a:solidFill>
+                <a:schemeClr val="tx1"/>
+              </a:solidFill>
+            </a:ln>
+          </p:spPr>
+          <p:style>
+            <a:lnRef idx="2">
+              <a:schemeClr val="accent1">
+                <a:shade val="50000"/>
+              </a:schemeClr>
+            </a:lnRef>
+            <a:fillRef idx="1">
+              <a:schemeClr val="accent1"/>
+            </a:fillRef>
+            <a:effectRef idx="0">
+              <a:schemeClr val="accent1"/>
+            </a:effectRef>
+            <a:fontRef idx="minor">
+              <a:schemeClr val="lt1"/>
+            </a:fontRef>
+          </p:style>
+          <p:txBody>
+            <a:bodyPr rtlCol="0" anchor="ctr"/>
+            <a:lstStyle/>
+            <a:p>
+              <a:pPr algn="ctr"/>
+              <a:r>
+                <a:rPr lang="en-US" altLang="zh-CN" b="1" dirty="0">
+                  <a:solidFill>
+                    <a:schemeClr val="tx1"/>
+                  </a:solidFill>
+                </a:rPr>
+                <a:t>Loan</a:t>
+              </a:r>
+              <a:endParaRPr lang="en-CN" b="1" dirty="0">
+                <a:solidFill>
+                  <a:schemeClr val="tx1"/>
+                </a:solidFill>
+              </a:endParaRPr>
+            </a:p>
+          </p:txBody>
+        </p:sp>
+        <p:cxnSp>
+          <p:nvCxnSpPr>
+            <p:cNvPr id="48" name="Straight Arrow Connector 47">
+              <a:extLst>
+                <a:ext uri="{FF2B5EF4-FFF2-40B4-BE49-F238E27FC236}">
+                  <a16:creationId xmlns:a16="http://schemas.microsoft.com/office/drawing/2014/main" id="{DEF26B6A-F6DC-614D-B833-5D80CBB5E0FA}"/>
+                </a:ext>
+              </a:extLst>
+            </p:cNvPr>
+            <p:cNvCxnSpPr>
+              <a:cxnSpLocks/>
+            </p:cNvCxnSpPr>
+            <p:nvPr/>
+          </p:nvCxnSpPr>
+          <p:spPr>
+            <a:xfrm flipV="1">
+              <a:off x="6061374" y="3745945"/>
+              <a:ext cx="0" cy="799219"/>
+            </a:xfrm>
+            <a:prstGeom prst="straightConnector1">
+              <a:avLst/>
+            </a:prstGeom>
+            <a:ln w="19050">
+              <a:solidFill>
+                <a:schemeClr val="tx1"/>
+              </a:solidFill>
+              <a:prstDash val="solid"/>
+              <a:tailEnd type="triangle"/>
+            </a:ln>
+            <a:effectLst/>
+          </p:spPr>
+          <p:style>
+            <a:lnRef idx="1">
+              <a:schemeClr val="accent1"/>
+            </a:lnRef>
+            <a:fillRef idx="0">
+              <a:schemeClr val="accent1"/>
+            </a:fillRef>
+            <a:effectRef idx="0">
+              <a:schemeClr val="accent1"/>
+            </a:effectRef>
+            <a:fontRef idx="minor">
+              <a:schemeClr val="tx1"/>
+            </a:fontRef>
+          </p:style>
+        </p:cxnSp>
+        <p:sp>
+          <p:nvSpPr>
+            <p:cNvPr id="51" name="TextBox 50">
+              <a:extLst>
+                <a:ext uri="{FF2B5EF4-FFF2-40B4-BE49-F238E27FC236}">
+                  <a16:creationId xmlns:a16="http://schemas.microsoft.com/office/drawing/2014/main" id="{A9EEFE6B-5C72-DB4E-8259-8211ECB467CF}"/>
+                </a:ext>
+              </a:extLst>
+            </p:cNvPr>
+            <p:cNvSpPr txBox="1"/>
+            <p:nvPr/>
+          </p:nvSpPr>
+          <p:spPr>
+            <a:xfrm>
+              <a:off x="6119155" y="3991666"/>
+              <a:ext cx="756938" cy="307777"/>
+            </a:xfrm>
+            <a:prstGeom prst="rect">
+              <a:avLst/>
+            </a:prstGeom>
+            <a:noFill/>
+          </p:spPr>
+          <p:txBody>
+            <a:bodyPr wrap="none" rtlCol="0">
+              <a:spAutoFit/>
+            </a:bodyPr>
+            <a:lstStyle/>
+            <a:p>
+              <a:r>
+                <a:rPr lang="en-US" altLang="zh-CN" sz="1400" dirty="0"/>
+                <a:t>deposit</a:t>
+              </a:r>
+              <a:endParaRPr lang="en-CN" sz="1600" dirty="0"/>
+            </a:p>
+          </p:txBody>
+        </p:sp>
+        <p:cxnSp>
+          <p:nvCxnSpPr>
+            <p:cNvPr id="58" name="Straight Arrow Connector 57">
+              <a:extLst>
+                <a:ext uri="{FF2B5EF4-FFF2-40B4-BE49-F238E27FC236}">
+                  <a16:creationId xmlns:a16="http://schemas.microsoft.com/office/drawing/2014/main" id="{B98DEA75-B1DE-EB46-BCC7-AAE8B7FAA619}"/>
+                </a:ext>
+              </a:extLst>
+            </p:cNvPr>
+            <p:cNvCxnSpPr>
+              <a:cxnSpLocks/>
+            </p:cNvCxnSpPr>
+            <p:nvPr/>
+          </p:nvCxnSpPr>
+          <p:spPr>
+            <a:xfrm>
+              <a:off x="5614854" y="3745945"/>
+              <a:ext cx="0" cy="799219"/>
+            </a:xfrm>
+            <a:prstGeom prst="straightConnector1">
+              <a:avLst/>
+            </a:prstGeom>
+            <a:ln w="19050">
+              <a:solidFill>
+                <a:schemeClr val="tx1"/>
+              </a:solidFill>
+              <a:prstDash val="solid"/>
+              <a:tailEnd type="triangle"/>
+            </a:ln>
+            <a:effectLst/>
+          </p:spPr>
+          <p:style>
+            <a:lnRef idx="1">
+              <a:schemeClr val="accent1"/>
+            </a:lnRef>
+            <a:fillRef idx="0">
+              <a:schemeClr val="accent1"/>
+            </a:fillRef>
+            <a:effectRef idx="0">
+              <a:schemeClr val="accent1"/>
+            </a:effectRef>
+            <a:fontRef idx="minor">
+              <a:schemeClr val="tx1"/>
+            </a:fontRef>
+          </p:style>
+        </p:cxnSp>
+        <p:sp>
+          <p:nvSpPr>
+            <p:cNvPr id="63" name="TextBox 62">
+              <a:extLst>
+                <a:ext uri="{FF2B5EF4-FFF2-40B4-BE49-F238E27FC236}">
+                  <a16:creationId xmlns:a16="http://schemas.microsoft.com/office/drawing/2014/main" id="{7762F5F5-5C98-B849-9DF3-987212DFF39F}"/>
+                </a:ext>
+              </a:extLst>
+            </p:cNvPr>
+            <p:cNvSpPr txBox="1"/>
+            <p:nvPr/>
+          </p:nvSpPr>
+          <p:spPr>
+            <a:xfrm>
+              <a:off x="4930826" y="3991666"/>
+              <a:ext cx="614271" cy="307777"/>
+            </a:xfrm>
+            <a:prstGeom prst="rect">
+              <a:avLst/>
+            </a:prstGeom>
+            <a:noFill/>
+          </p:spPr>
+          <p:txBody>
+            <a:bodyPr wrap="none" rtlCol="0">
+              <a:spAutoFit/>
+            </a:bodyPr>
+            <a:lstStyle/>
+            <a:p>
+              <a:r>
+                <a:rPr lang="en-US" altLang="zh-CN" sz="1400" dirty="0"/>
+                <a:t>repay</a:t>
+              </a:r>
+              <a:endParaRPr lang="en-CN" sz="1600" dirty="0"/>
+            </a:p>
+          </p:txBody>
+        </p:sp>
+        <p:sp>
+          <p:nvSpPr>
+            <p:cNvPr id="65" name="Multiply 64">
+              <a:extLst>
+                <a:ext uri="{FF2B5EF4-FFF2-40B4-BE49-F238E27FC236}">
+                  <a16:creationId xmlns:a16="http://schemas.microsoft.com/office/drawing/2014/main" id="{E97182F8-1AA8-5973-5AE1-5CCFDACA5F6D}"/>
+                </a:ext>
+              </a:extLst>
+            </p:cNvPr>
+            <p:cNvSpPr/>
+            <p:nvPr/>
+          </p:nvSpPr>
+          <p:spPr>
+            <a:xfrm>
+              <a:off x="6239973" y="4987930"/>
+              <a:ext cx="360000" cy="360000"/>
+            </a:xfrm>
+            <a:prstGeom prst="mathMultiply">
+              <a:avLst>
+                <a:gd name="adj1" fmla="val 12937"/>
+              </a:avLst>
+            </a:prstGeom>
+            <a:solidFill>
+              <a:srgbClr val="FF0000"/>
+            </a:solidFill>
+            <a:ln>
+              <a:noFill/>
+            </a:ln>
+          </p:spPr>
+          <p:style>
+            <a:lnRef idx="2">
+              <a:schemeClr val="accent1">
+                <a:shade val="50000"/>
+              </a:schemeClr>
+            </a:lnRef>
+            <a:fillRef idx="1">
+              <a:schemeClr val="accent1"/>
+            </a:fillRef>
+            <a:effectRef idx="0">
+              <a:schemeClr val="accent1"/>
+            </a:effectRef>
+            <a:fontRef idx="minor">
+              <a:schemeClr val="lt1"/>
+            </a:fontRef>
+          </p:style>
+          <p:txBody>
+            <a:bodyPr rtlCol="0" anchor="ctr"/>
+            <a:lstStyle/>
+            <a:p>
+              <a:pPr algn="ctr"/>
+              <a:endParaRPr lang="en-CN"/>
+            </a:p>
+          </p:txBody>
+        </p:sp>
+        <p:sp>
+          <p:nvSpPr>
+            <p:cNvPr id="66" name="Multiply 65">
+              <a:extLst>
+                <a:ext uri="{FF2B5EF4-FFF2-40B4-BE49-F238E27FC236}">
+                  <a16:creationId xmlns:a16="http://schemas.microsoft.com/office/drawing/2014/main" id="{D35B4872-4838-E224-7870-5F162EB7DE54}"/>
+                </a:ext>
+              </a:extLst>
+            </p:cNvPr>
+            <p:cNvSpPr/>
+            <p:nvPr/>
+          </p:nvSpPr>
+          <p:spPr>
+            <a:xfrm>
+              <a:off x="5460497" y="3949576"/>
+              <a:ext cx="360000" cy="360000"/>
+            </a:xfrm>
+            <a:prstGeom prst="mathMultiply">
+              <a:avLst>
+                <a:gd name="adj1" fmla="val 12937"/>
+              </a:avLst>
+            </a:prstGeom>
+            <a:solidFill>
+              <a:srgbClr val="FF0000"/>
+            </a:solidFill>
+            <a:ln>
+              <a:noFill/>
+            </a:ln>
+          </p:spPr>
+          <p:style>
+            <a:lnRef idx="2">
+              <a:schemeClr val="accent1">
+                <a:shade val="50000"/>
+              </a:schemeClr>
+            </a:lnRef>
+            <a:fillRef idx="1">
+              <a:schemeClr val="accent1"/>
+            </a:fillRef>
+            <a:effectRef idx="0">
+              <a:schemeClr val="accent1"/>
+            </a:effectRef>
+            <a:fontRef idx="minor">
+              <a:schemeClr val="lt1"/>
+            </a:fontRef>
+          </p:style>
+          <p:txBody>
+            <a:bodyPr rtlCol="0" anchor="ctr"/>
+            <a:lstStyle/>
+            <a:p>
+              <a:pPr algn="ctr"/>
+              <a:endParaRPr lang="en-CN"/>
+            </a:p>
+          </p:txBody>
+        </p:sp>
+        <p:sp>
+          <p:nvSpPr>
+            <p:cNvPr id="67" name="Multiply 66">
+              <a:extLst>
+                <a:ext uri="{FF2B5EF4-FFF2-40B4-BE49-F238E27FC236}">
+                  <a16:creationId xmlns:a16="http://schemas.microsoft.com/office/drawing/2014/main" id="{6DA58C3E-F259-11FA-D4B4-0FEBA2D9D5AD}"/>
+                </a:ext>
+              </a:extLst>
+            </p:cNvPr>
+            <p:cNvSpPr/>
+            <p:nvPr/>
+          </p:nvSpPr>
+          <p:spPr>
+            <a:xfrm>
+              <a:off x="5879973" y="3949576"/>
+              <a:ext cx="360000" cy="360000"/>
+            </a:xfrm>
+            <a:prstGeom prst="mathMultiply">
+              <a:avLst>
+                <a:gd name="adj1" fmla="val 12937"/>
+              </a:avLst>
+            </a:prstGeom>
+            <a:solidFill>
+              <a:srgbClr val="FF0000"/>
+            </a:solidFill>
+            <a:ln>
+              <a:noFill/>
+            </a:ln>
+          </p:spPr>
+          <p:style>
+            <a:lnRef idx="2">
+              <a:schemeClr val="accent1">
+                <a:shade val="50000"/>
+              </a:schemeClr>
+            </a:lnRef>
+            <a:fillRef idx="1">
+              <a:schemeClr val="accent1"/>
+            </a:fillRef>
+            <a:effectRef idx="0">
+              <a:schemeClr val="accent1"/>
+            </a:effectRef>
+            <a:fontRef idx="minor">
+              <a:schemeClr val="lt1"/>
+            </a:fontRef>
+          </p:style>
+          <p:txBody>
+            <a:bodyPr rtlCol="0" anchor="ctr"/>
+            <a:lstStyle/>
+            <a:p>
+              <a:pPr algn="ctr"/>
+              <a:endParaRPr lang="en-CN"/>
+            </a:p>
+          </p:txBody>
+        </p:sp>
+      </p:grpSp>
+    </p:spTree>
+    <p:extLst>
+      <p:ext uri="{BB962C8B-B14F-4D97-AF65-F5344CB8AC3E}">
+        <p14:creationId xmlns:p14="http://schemas.microsoft.com/office/powerpoint/2010/main" val="129068417"/>
       </p:ext>
     </p:extLst>
   </p:cSld>

--- a/patterns/transaction-write.pptx
+++ b/patterns/transaction-write.pptx
@@ -5,7 +5,7 @@
     <p:sldMasterId id="2147483648" r:id="rId1"/>
   </p:sldMasterIdLst>
   <p:notesMasterIdLst>
-    <p:notesMasterId r:id="rId16"/>
+    <p:notesMasterId r:id="rId17"/>
   </p:notesMasterIdLst>
   <p:sldIdLst>
     <p:sldId id="403" r:id="rId2"/>
@@ -22,6 +22,7 @@
     <p:sldId id="420" r:id="rId13"/>
     <p:sldId id="415" r:id="rId14"/>
     <p:sldId id="423" r:id="rId15"/>
+    <p:sldId id="424" r:id="rId16"/>
   </p:sldIdLst>
   <p:sldSz cx="12192000" cy="6858000"/>
   <p:notesSz cx="6858000" cy="9144000"/>
@@ -139,6 +140,7 @@
             <p14:sldId id="420"/>
             <p14:sldId id="415"/>
             <p14:sldId id="423"/>
+            <p14:sldId id="424"/>
           </p14:sldIdLst>
         </p14:section>
       </p14:sectionLst>
@@ -232,7 +234,7 @@
           <a:p>
             <a:fld id="{CAD4BD24-A097-4F9D-85E9-6A2A24CA2D98}" type="datetimeFigureOut">
               <a:rPr lang="zh-CN" altLang="en-US" smtClean="0"/>
-              <a:t>2022/9/27</a:t>
+              <a:t>2022/11/14</a:t>
             </a:fld>
             <a:endParaRPr lang="zh-CN" altLang="en-US"/>
           </a:p>
@@ -2523,10 +2525,10 @@
       </p:grpSpPr>
       <p:grpSp>
         <p:nvGrpSpPr>
-          <p:cNvPr id="14" name="Group 13">
+          <p:cNvPr id="4" name="Group 3">
             <a:extLst>
               <a:ext uri="{FF2B5EF4-FFF2-40B4-BE49-F238E27FC236}">
-                <a16:creationId xmlns:a16="http://schemas.microsoft.com/office/drawing/2014/main" id="{0105A7A4-D140-2B27-C3DA-7B8FA4B497A9}"/>
+                <a16:creationId xmlns:a16="http://schemas.microsoft.com/office/drawing/2014/main" id="{A37D8080-2775-FC95-E5FF-4EAE618D2A24}"/>
               </a:ext>
             </a:extLst>
           </p:cNvPr>
@@ -2587,7 +2589,7 @@
                   <a:lumOff val="40000"/>
                 </a:schemeClr>
               </a:solidFill>
-              <a:ln w="28575">
+              <a:ln w="25400">
                 <a:solidFill>
                   <a:schemeClr val="tx1"/>
                 </a:solidFill>
@@ -2651,7 +2653,7 @@
                 <a:avLst/>
               </a:prstGeom>
               <a:noFill/>
-              <a:ln w="28575">
+              <a:ln w="25400">
                 <a:solidFill>
                   <a:schemeClr val="tx1"/>
                 </a:solidFill>
@@ -2677,6 +2679,7 @@
               <a:bodyPr rtlCol="0" anchor="ctr"/>
               <a:lstStyle/>
               <a:p>
+                <a:pPr algn="ctr"/>
                 <a:endParaRPr kumimoji="1" lang="en-US" altLang="zh-CN" sz="1600" dirty="0">
                   <a:solidFill>
                     <a:sysClr val="windowText" lastClr="000000"/>
@@ -2686,6 +2689,7 @@
                 </a:endParaRPr>
               </a:p>
               <a:p>
+                <a:pPr algn="ctr"/>
                 <a:r>
                   <a:rPr kumimoji="1" lang="en-US" altLang="zh-CN" sz="1600" dirty="0">
                     <a:solidFill>
@@ -2745,6 +2749,7 @@
                 </a:endParaRPr>
               </a:p>
               <a:p>
+                <a:pPr algn="ctr"/>
                 <a:r>
                   <a:rPr kumimoji="1" lang="en-US" altLang="zh-CN" sz="1600" dirty="0" err="1">
                     <a:solidFill>
@@ -2804,6 +2809,7 @@
                 </a:endParaRPr>
               </a:p>
               <a:p>
+                <a:pPr algn="ctr"/>
                 <a:r>
                   <a:rPr kumimoji="1" lang="en-US" altLang="zh-CN" sz="1600" dirty="0" err="1">
                     <a:solidFill>
@@ -2863,6 +2869,7 @@
                 </a:endParaRPr>
               </a:p>
               <a:p>
+                <a:pPr algn="ctr"/>
                 <a:r>
                   <a:rPr kumimoji="1" lang="en-US" altLang="zh-CN" sz="1600" dirty="0">
                     <a:solidFill>
@@ -2922,6 +2929,7 @@
                 </a:endParaRPr>
               </a:p>
               <a:p>
+                <a:pPr algn="ctr"/>
                 <a:endParaRPr kumimoji="1" lang="en-US" altLang="zh-CN" sz="1600" dirty="0">
                   <a:solidFill>
                     <a:sysClr val="windowText" lastClr="000000"/>
@@ -2974,9 +2982,12 @@
                 <a:avLst/>
               </a:prstGeom>
               <a:solidFill>
-                <a:srgbClr val="92D050"/>
+                <a:schemeClr val="accent6">
+                  <a:lumMod val="60000"/>
+                  <a:lumOff val="40000"/>
+                </a:schemeClr>
               </a:solidFill>
-              <a:ln w="28575">
+              <a:ln w="25400">
                 <a:solidFill>
                   <a:schemeClr val="tx1"/>
                 </a:solidFill>
@@ -3040,7 +3051,7 @@
                 <a:avLst/>
               </a:prstGeom>
               <a:noFill/>
-              <a:ln w="28575">
+              <a:ln w="25400">
                 <a:solidFill>
                   <a:schemeClr val="tx1"/>
                 </a:solidFill>
@@ -3066,6 +3077,7 @@
               <a:bodyPr rtlCol="0" anchor="ctr"/>
               <a:lstStyle/>
               <a:p>
+                <a:pPr algn="ctr"/>
                 <a:r>
                   <a:rPr kumimoji="1" lang="en-US" altLang="zh-CN" sz="1600" dirty="0">
                     <a:solidFill>
@@ -3125,6 +3137,7 @@
                 </a:endParaRPr>
               </a:p>
               <a:p>
+                <a:pPr algn="ctr"/>
                 <a:r>
                   <a:rPr kumimoji="1" lang="en-US" altLang="zh-CN" sz="1600" dirty="0">
                     <a:solidFill>
@@ -3210,12 +3223,12 @@
             <a:prstGeom prst="straightConnector1">
               <a:avLst/>
             </a:prstGeom>
-            <a:ln w="28575">
+            <a:ln w="25400">
               <a:solidFill>
                 <a:schemeClr val="tx1"/>
               </a:solidFill>
-              <a:headEnd type="arrow" w="lg" len="med"/>
-              <a:tailEnd type="none"/>
+              <a:headEnd type="arrow" w="sm" len="lg"/>
+              <a:tailEnd type="none" w="sm" len="lg"/>
             </a:ln>
           </p:spPr>
           <p:style>
@@ -3355,7 +3368,7 @@
                 <a:lumOff val="40000"/>
               </a:schemeClr>
             </a:solidFill>
-            <a:ln w="28575">
+            <a:ln w="25400">
               <a:solidFill>
                 <a:schemeClr val="tx1"/>
               </a:solidFill>
@@ -3419,7 +3432,7 @@
               <a:avLst/>
             </a:prstGeom>
             <a:noFill/>
-            <a:ln w="28575">
+            <a:ln w="25400">
               <a:solidFill>
                 <a:schemeClr val="tx1"/>
               </a:solidFill>
@@ -3445,6 +3458,7 @@
             <a:bodyPr rtlCol="0" anchor="ctr"/>
             <a:lstStyle/>
             <a:p>
+              <a:pPr algn="ctr"/>
               <a:r>
                 <a:rPr kumimoji="1" lang="en-US" altLang="zh-CN" sz="1600" dirty="0">
                   <a:solidFill>
@@ -3504,6 +3518,7 @@
               </a:endParaRPr>
             </a:p>
             <a:p>
+              <a:pPr algn="ctr"/>
               <a:r>
                 <a:rPr kumimoji="1" lang="en-US" altLang="zh-CN" sz="1600" dirty="0" err="1">
                   <a:solidFill>
@@ -3629,9 +3644,12 @@
               <a:avLst/>
             </a:prstGeom>
             <a:solidFill>
-              <a:srgbClr val="FFC000"/>
+              <a:schemeClr val="accent4">
+                <a:lumMod val="60000"/>
+                <a:lumOff val="40000"/>
+              </a:schemeClr>
             </a:solidFill>
-            <a:ln w="28575">
+            <a:ln w="25400">
               <a:solidFill>
                 <a:schemeClr val="tx1"/>
               </a:solidFill>
@@ -3695,7 +3713,7 @@
               <a:avLst/>
             </a:prstGeom>
             <a:noFill/>
-            <a:ln w="28575">
+            <a:ln w="25400">
               <a:solidFill>
                 <a:schemeClr val="tx1"/>
               </a:solidFill>
@@ -3721,6 +3739,7 @@
             <a:bodyPr rtlCol="0" anchor="ctr"/>
             <a:lstStyle/>
             <a:p>
+              <a:pPr algn="ctr"/>
               <a:r>
                 <a:rPr kumimoji="1" lang="en-US" altLang="zh-CN" sz="1600" dirty="0">
                   <a:solidFill>
@@ -3780,6 +3799,7 @@
               </a:endParaRPr>
             </a:p>
             <a:p>
+              <a:pPr algn="ctr"/>
               <a:r>
                 <a:rPr kumimoji="1" lang="en-US" altLang="zh-CN" sz="1600" dirty="0" err="1">
                   <a:solidFill>
@@ -3925,7 +3945,10 @@
                 <a:avLst/>
               </a:prstGeom>
               <a:solidFill>
-                <a:srgbClr val="92D050"/>
+                <a:schemeClr val="accent6">
+                  <a:lumMod val="60000"/>
+                  <a:lumOff val="40000"/>
+                </a:schemeClr>
               </a:solidFill>
               <a:ln w="28575">
                 <a:solidFill>
@@ -4017,6 +4040,7 @@
               <a:bodyPr rtlCol="0" anchor="ctr"/>
               <a:lstStyle/>
               <a:p>
+                <a:pPr algn="ctr"/>
                 <a:r>
                   <a:rPr kumimoji="1" lang="en-US" altLang="zh-CN" sz="1600" dirty="0">
                     <a:solidFill>
@@ -4099,7 +4123,7 @@
               <a:solidFill>
                 <a:schemeClr val="tx1"/>
               </a:solidFill>
-              <a:headEnd type="arrow" w="lg" len="med"/>
+              <a:headEnd type="arrow" w="sm" len="lg"/>
               <a:tailEnd type="none"/>
             </a:ln>
           </p:spPr>
@@ -4273,7 +4297,10 @@
                 <a:avLst/>
               </a:prstGeom>
               <a:solidFill>
-                <a:srgbClr val="92D050"/>
+                <a:schemeClr val="accent6">
+                  <a:lumMod val="60000"/>
+                  <a:lumOff val="40000"/>
+                </a:schemeClr>
               </a:solidFill>
               <a:ln w="28575">
                 <a:solidFill>
@@ -4365,6 +4392,7 @@
               <a:bodyPr rtlCol="0" anchor="ctr"/>
               <a:lstStyle/>
               <a:p>
+                <a:pPr algn="ctr"/>
                 <a:r>
                   <a:rPr kumimoji="1" lang="en-US" altLang="zh-CN" sz="1600" dirty="0">
                     <a:solidFill>
@@ -4452,10 +4480,10 @@
       </p:grpSpPr>
       <p:grpSp>
         <p:nvGrpSpPr>
-          <p:cNvPr id="7" name="Group 6">
+          <p:cNvPr id="4" name="Group 3">
             <a:extLst>
               <a:ext uri="{FF2B5EF4-FFF2-40B4-BE49-F238E27FC236}">
-                <a16:creationId xmlns:a16="http://schemas.microsoft.com/office/drawing/2014/main" id="{908BD0EB-2B1C-D349-A941-9B6FF8590F88}"/>
+                <a16:creationId xmlns:a16="http://schemas.microsoft.com/office/drawing/2014/main" id="{79CD0E29-4F4F-E69E-8318-6AFCE74E5F33}"/>
               </a:ext>
             </a:extLst>
           </p:cNvPr>
@@ -4496,7 +4524,7 @@
                 <a:lumOff val="40000"/>
               </a:schemeClr>
             </a:solidFill>
-            <a:ln w="22225">
+            <a:ln w="25400">
               <a:solidFill>
                 <a:schemeClr val="tx1"/>
               </a:solidFill>
@@ -4560,12 +4588,11 @@
               <a:avLst/>
             </a:prstGeom>
             <a:solidFill>
-              <a:schemeClr val="accent6">
-                <a:lumMod val="60000"/>
-                <a:lumOff val="40000"/>
-              </a:schemeClr>
+              <a:srgbClr val="FF0000">
+                <a:alpha val="30000"/>
+              </a:srgbClr>
             </a:solidFill>
-            <a:ln w="22225">
+            <a:ln w="25400">
               <a:solidFill>
                 <a:schemeClr val="tx1"/>
               </a:solidFill>
@@ -4649,7 +4676,7 @@
                 <a:avLst/>
               </a:prstGeom>
               <a:noFill/>
-              <a:ln w="22225">
+              <a:ln w="25400">
                 <a:solidFill>
                   <a:schemeClr val="tx1"/>
                 </a:solidFill>
@@ -4729,7 +4756,7 @@
                   <a:lumOff val="40000"/>
                 </a:schemeClr>
               </a:solidFill>
-              <a:ln w="22225">
+              <a:ln w="25400">
                 <a:solidFill>
                   <a:schemeClr val="tx1"/>
                 </a:solidFill>
@@ -4799,7 +4826,7 @@
                 <a:lumOff val="40000"/>
               </a:schemeClr>
             </a:solidFill>
-            <a:ln w="22225">
+            <a:ln w="25400">
               <a:solidFill>
                 <a:schemeClr val="tx1"/>
               </a:solidFill>
@@ -4988,7 +5015,7 @@
                 <a:lumOff val="40000"/>
               </a:schemeClr>
             </a:solidFill>
-            <a:ln w="22225">
+            <a:ln w="25400">
               <a:solidFill>
                 <a:schemeClr val="tx1"/>
               </a:solidFill>
@@ -5327,7 +5354,7 @@
                 <a:lumOff val="40000"/>
               </a:schemeClr>
             </a:solidFill>
-            <a:ln w="22225">
+            <a:ln w="25400">
               <a:solidFill>
                 <a:schemeClr val="tx1"/>
               </a:solidFill>
@@ -6027,10 +6054,10 @@
       </p:grpSpPr>
       <p:grpSp>
         <p:nvGrpSpPr>
-          <p:cNvPr id="3" name="Group 2">
+          <p:cNvPr id="2" name="Group 1">
             <a:extLst>
               <a:ext uri="{FF2B5EF4-FFF2-40B4-BE49-F238E27FC236}">
-                <a16:creationId xmlns:a16="http://schemas.microsoft.com/office/drawing/2014/main" id="{995B16CF-8B05-5F9D-53D3-76B5B28F6578}"/>
+                <a16:creationId xmlns:a16="http://schemas.microsoft.com/office/drawing/2014/main" id="{AD3AFF57-A126-FB8B-AD58-A77239D7914E}"/>
               </a:ext>
             </a:extLst>
           </p:cNvPr>
@@ -6041,7 +6068,7 @@
           <a:xfrm>
             <a:off x="4920193" y="2403484"/>
             <a:ext cx="1945267" cy="2051032"/>
-            <a:chOff x="4930826" y="3356634"/>
+            <a:chOff x="4920193" y="2403484"/>
             <a:chExt cx="1945267" cy="2051032"/>
           </a:xfrm>
         </p:grpSpPr>
@@ -6059,14 +6086,14 @@
           </p:nvSpPr>
           <p:spPr>
             <a:xfrm>
-              <a:off x="5040745" y="4928194"/>
+              <a:off x="5030112" y="3975044"/>
               <a:ext cx="1618476" cy="479472"/>
             </a:xfrm>
             <a:prstGeom prst="rect">
               <a:avLst/>
             </a:prstGeom>
             <a:noFill/>
-            <a:ln w="22225">
+            <a:ln w="25400">
               <a:solidFill>
                 <a:schemeClr val="tx1"/>
               </a:solidFill>
@@ -6134,7 +6161,7 @@
           </p:nvSpPr>
           <p:spPr>
             <a:xfrm>
-              <a:off x="5050039" y="3356634"/>
+              <a:off x="5039406" y="2403484"/>
               <a:ext cx="1618476" cy="387178"/>
             </a:xfrm>
             <a:prstGeom prst="rect">
@@ -6146,7 +6173,7 @@
                 <a:lumOff val="40000"/>
               </a:schemeClr>
             </a:solidFill>
-            <a:ln w="22225">
+            <a:ln w="25400">
               <a:solidFill>
                 <a:schemeClr val="tx1"/>
               </a:solidFill>
@@ -6203,19 +6230,19 @@
           </p:nvSpPr>
           <p:spPr>
             <a:xfrm>
-              <a:off x="5040745" y="4545164"/>
+              <a:off x="5030112" y="3592014"/>
               <a:ext cx="1618476" cy="387178"/>
             </a:xfrm>
             <a:prstGeom prst="rect">
               <a:avLst/>
             </a:prstGeom>
             <a:solidFill>
-              <a:schemeClr val="accent1">
+              <a:schemeClr val="accent2">
                 <a:lumMod val="60000"/>
                 <a:lumOff val="40000"/>
               </a:schemeClr>
             </a:solidFill>
-            <a:ln w="22225">
+            <a:ln w="25400">
               <a:solidFill>
                 <a:schemeClr val="tx1"/>
               </a:solidFill>
@@ -6274,7 +6301,7 @@
           </p:nvCxnSpPr>
           <p:spPr>
             <a:xfrm flipV="1">
-              <a:off x="6061374" y="3745945"/>
+              <a:off x="6050741" y="2792795"/>
               <a:ext cx="0" cy="799219"/>
             </a:xfrm>
             <a:prstGeom prst="straightConnector1">
@@ -6318,7 +6345,7 @@
           </p:nvSpPr>
           <p:spPr>
             <a:xfrm>
-              <a:off x="6119155" y="3991666"/>
+              <a:off x="6108522" y="3038516"/>
               <a:ext cx="756938" cy="307777"/>
             </a:xfrm>
             <a:prstGeom prst="rect">
@@ -6356,7 +6383,7 @@
           </p:nvCxnSpPr>
           <p:spPr>
             <a:xfrm>
-              <a:off x="5614854" y="3745945"/>
+              <a:off x="5604221" y="2792795"/>
               <a:ext cx="0" cy="799219"/>
             </a:xfrm>
             <a:prstGeom prst="straightConnector1">
@@ -6400,7 +6427,7 @@
           </p:nvSpPr>
           <p:spPr>
             <a:xfrm>
-              <a:off x="4930826" y="3991666"/>
+              <a:off x="4920193" y="3038516"/>
               <a:ext cx="614271" cy="307777"/>
             </a:xfrm>
             <a:prstGeom prst="rect">
@@ -6436,7 +6463,7 @@
           </p:nvSpPr>
           <p:spPr>
             <a:xfrm>
-              <a:off x="6239973" y="4987930"/>
+              <a:off x="6229340" y="4034780"/>
               <a:ext cx="360000" cy="360000"/>
             </a:xfrm>
             <a:prstGeom prst="mathMultiply">
@@ -6490,7 +6517,7 @@
           </p:nvSpPr>
           <p:spPr>
             <a:xfrm>
-              <a:off x="5460497" y="3949576"/>
+              <a:off x="5449864" y="2996426"/>
               <a:ext cx="360000" cy="360000"/>
             </a:xfrm>
             <a:prstGeom prst="mathMultiply">
@@ -6544,7 +6571,7 @@
           </p:nvSpPr>
           <p:spPr>
             <a:xfrm>
-              <a:off x="5879973" y="3949576"/>
+              <a:off x="5869340" y="2996426"/>
               <a:ext cx="360000" cy="360000"/>
             </a:xfrm>
             <a:prstGeom prst="mathMultiply">
@@ -6598,6 +6625,657 @@
 </p:sld>
 </file>
 
+<file path=ppt/slides/slide15.xml><?xml version="1.0" encoding="utf-8"?>
+<p:sld xmlns:a="http://schemas.openxmlformats.org/drawingml/2006/main" xmlns:r="http://schemas.openxmlformats.org/officeDocument/2006/relationships" xmlns:p="http://schemas.openxmlformats.org/presentationml/2006/main">
+  <p:cSld>
+    <p:spTree>
+      <p:nvGrpSpPr>
+        <p:cNvPr id="1" name=""/>
+        <p:cNvGrpSpPr/>
+        <p:nvPr/>
+      </p:nvGrpSpPr>
+      <p:grpSpPr>
+        <a:xfrm>
+          <a:off x="0" y="0"/>
+          <a:ext cx="0" cy="0"/>
+          <a:chOff x="0" y="0"/>
+          <a:chExt cx="0" cy="0"/>
+        </a:xfrm>
+      </p:grpSpPr>
+      <p:sp>
+        <p:nvSpPr>
+          <p:cNvPr id="4" name="Rectangle 3">
+            <a:extLst>
+              <a:ext uri="{FF2B5EF4-FFF2-40B4-BE49-F238E27FC236}">
+                <a16:creationId xmlns:a16="http://schemas.microsoft.com/office/drawing/2014/main" id="{5EFB2F0D-ABB3-D995-FA04-8C359C1827B4}"/>
+              </a:ext>
+            </a:extLst>
+          </p:cNvPr>
+          <p:cNvSpPr/>
+          <p:nvPr/>
+        </p:nvSpPr>
+        <p:spPr>
+          <a:xfrm>
+            <a:off x="2468880" y="2861420"/>
+            <a:ext cx="1215845" cy="387178"/>
+          </a:xfrm>
+          <a:prstGeom prst="rect">
+            <a:avLst/>
+          </a:prstGeom>
+          <a:solidFill>
+            <a:schemeClr val="accent6">
+              <a:lumMod val="60000"/>
+              <a:lumOff val="40000"/>
+            </a:schemeClr>
+          </a:solidFill>
+          <a:ln w="22225">
+            <a:solidFill>
+              <a:schemeClr val="tx1"/>
+            </a:solidFill>
+          </a:ln>
+        </p:spPr>
+        <p:style>
+          <a:lnRef idx="2">
+            <a:schemeClr val="accent1">
+              <a:shade val="50000"/>
+            </a:schemeClr>
+          </a:lnRef>
+          <a:fillRef idx="1">
+            <a:schemeClr val="accent1"/>
+          </a:fillRef>
+          <a:effectRef idx="0">
+            <a:schemeClr val="accent1"/>
+          </a:effectRef>
+          <a:fontRef idx="minor">
+            <a:schemeClr val="lt1"/>
+          </a:fontRef>
+        </p:style>
+        <p:txBody>
+          <a:bodyPr rtlCol="0" anchor="ctr"/>
+          <a:lstStyle/>
+          <a:p>
+            <a:pPr algn="ctr"/>
+            <a:r>
+              <a:rPr lang="en-US" altLang="zh-CN" b="1" dirty="0">
+                <a:solidFill>
+                  <a:schemeClr val="tx1"/>
+                </a:solidFill>
+              </a:rPr>
+              <a:t>Person</a:t>
+            </a:r>
+            <a:endParaRPr lang="en-CN" b="1" dirty="0">
+              <a:solidFill>
+                <a:schemeClr val="tx1"/>
+              </a:solidFill>
+            </a:endParaRPr>
+          </a:p>
+        </p:txBody>
+      </p:sp>
+      <p:sp>
+        <p:nvSpPr>
+          <p:cNvPr id="5" name="Rectangle 4">
+            <a:extLst>
+              <a:ext uri="{FF2B5EF4-FFF2-40B4-BE49-F238E27FC236}">
+                <a16:creationId xmlns:a16="http://schemas.microsoft.com/office/drawing/2014/main" id="{71799D25-8F4B-3E78-7E33-C84644F1D35C}"/>
+              </a:ext>
+            </a:extLst>
+          </p:cNvPr>
+          <p:cNvSpPr/>
+          <p:nvPr/>
+        </p:nvSpPr>
+        <p:spPr>
+          <a:xfrm>
+            <a:off x="3984346" y="2861420"/>
+            <a:ext cx="1215845" cy="387178"/>
+          </a:xfrm>
+          <a:prstGeom prst="rect">
+            <a:avLst/>
+          </a:prstGeom>
+          <a:solidFill>
+            <a:srgbClr val="FF0000">
+              <a:alpha val="30000"/>
+            </a:srgbClr>
+          </a:solidFill>
+          <a:ln w="22225">
+            <a:solidFill>
+              <a:schemeClr val="tx1"/>
+            </a:solidFill>
+          </a:ln>
+        </p:spPr>
+        <p:style>
+          <a:lnRef idx="2">
+            <a:schemeClr val="accent1">
+              <a:shade val="50000"/>
+            </a:schemeClr>
+          </a:lnRef>
+          <a:fillRef idx="1">
+            <a:schemeClr val="accent1"/>
+          </a:fillRef>
+          <a:effectRef idx="0">
+            <a:schemeClr val="accent1"/>
+          </a:effectRef>
+          <a:fontRef idx="minor">
+            <a:schemeClr val="lt1"/>
+          </a:fontRef>
+        </p:style>
+        <p:txBody>
+          <a:bodyPr rtlCol="0" anchor="ctr"/>
+          <a:lstStyle/>
+          <a:p>
+            <a:pPr algn="ctr"/>
+            <a:r>
+              <a:rPr lang="en-US" altLang="zh-CN" b="1" dirty="0">
+                <a:solidFill>
+                  <a:schemeClr val="tx1"/>
+                </a:solidFill>
+              </a:rPr>
+              <a:t>Company</a:t>
+            </a:r>
+            <a:endParaRPr lang="en-CN" b="1" dirty="0">
+              <a:solidFill>
+                <a:schemeClr val="tx1"/>
+              </a:solidFill>
+            </a:endParaRPr>
+          </a:p>
+        </p:txBody>
+      </p:sp>
+      <p:sp>
+        <p:nvSpPr>
+          <p:cNvPr id="6" name="Rectangle 5">
+            <a:extLst>
+              <a:ext uri="{FF2B5EF4-FFF2-40B4-BE49-F238E27FC236}">
+                <a16:creationId xmlns:a16="http://schemas.microsoft.com/office/drawing/2014/main" id="{4C51DCB4-07F1-ACD1-2A47-E37BE04A33BA}"/>
+              </a:ext>
+            </a:extLst>
+          </p:cNvPr>
+          <p:cNvSpPr/>
+          <p:nvPr/>
+        </p:nvSpPr>
+        <p:spPr>
+          <a:xfrm>
+            <a:off x="7040605" y="2861420"/>
+            <a:ext cx="1226941" cy="387178"/>
+          </a:xfrm>
+          <a:prstGeom prst="rect">
+            <a:avLst/>
+          </a:prstGeom>
+          <a:solidFill>
+            <a:schemeClr val="accent1">
+              <a:lumMod val="60000"/>
+              <a:lumOff val="40000"/>
+            </a:schemeClr>
+          </a:solidFill>
+          <a:ln w="22225">
+            <a:solidFill>
+              <a:schemeClr val="tx1"/>
+            </a:solidFill>
+          </a:ln>
+        </p:spPr>
+        <p:style>
+          <a:lnRef idx="2">
+            <a:schemeClr val="accent1">
+              <a:shade val="50000"/>
+            </a:schemeClr>
+          </a:lnRef>
+          <a:fillRef idx="1">
+            <a:schemeClr val="accent1"/>
+          </a:fillRef>
+          <a:effectRef idx="0">
+            <a:schemeClr val="accent1"/>
+          </a:effectRef>
+          <a:fontRef idx="minor">
+            <a:schemeClr val="lt1"/>
+          </a:fontRef>
+        </p:style>
+        <p:txBody>
+          <a:bodyPr rtlCol="0" anchor="ctr"/>
+          <a:lstStyle/>
+          <a:p>
+            <a:pPr algn="ctr"/>
+            <a:r>
+              <a:rPr lang="en-US" altLang="zh-CN" b="1" dirty="0">
+                <a:solidFill>
+                  <a:schemeClr val="tx1"/>
+                </a:solidFill>
+              </a:rPr>
+              <a:t>Account</a:t>
+            </a:r>
+            <a:endParaRPr lang="en-CN" b="1" dirty="0">
+              <a:solidFill>
+                <a:schemeClr val="tx1"/>
+              </a:solidFill>
+            </a:endParaRPr>
+          </a:p>
+        </p:txBody>
+      </p:sp>
+      <p:sp>
+        <p:nvSpPr>
+          <p:cNvPr id="9" name="Rectangle 8">
+            <a:extLst>
+              <a:ext uri="{FF2B5EF4-FFF2-40B4-BE49-F238E27FC236}">
+                <a16:creationId xmlns:a16="http://schemas.microsoft.com/office/drawing/2014/main" id="{5F68F319-B446-C876-5ECA-738B6558B6E1}"/>
+              </a:ext>
+            </a:extLst>
+          </p:cNvPr>
+          <p:cNvSpPr/>
+          <p:nvPr/>
+        </p:nvSpPr>
+        <p:spPr>
+          <a:xfrm>
+            <a:off x="8567168" y="2861420"/>
+            <a:ext cx="1215845" cy="387178"/>
+          </a:xfrm>
+          <a:prstGeom prst="rect">
+            <a:avLst/>
+          </a:prstGeom>
+          <a:solidFill>
+            <a:schemeClr val="accent4">
+              <a:lumMod val="60000"/>
+              <a:lumOff val="40000"/>
+            </a:schemeClr>
+          </a:solidFill>
+          <a:ln w="22225">
+            <a:solidFill>
+              <a:schemeClr val="tx1"/>
+            </a:solidFill>
+          </a:ln>
+        </p:spPr>
+        <p:style>
+          <a:lnRef idx="2">
+            <a:schemeClr val="accent1">
+              <a:shade val="50000"/>
+            </a:schemeClr>
+          </a:lnRef>
+          <a:fillRef idx="1">
+            <a:schemeClr val="accent1"/>
+          </a:fillRef>
+          <a:effectRef idx="0">
+            <a:schemeClr val="accent1"/>
+          </a:effectRef>
+          <a:fontRef idx="minor">
+            <a:schemeClr val="lt1"/>
+          </a:fontRef>
+        </p:style>
+        <p:txBody>
+          <a:bodyPr rtlCol="0" anchor="ctr"/>
+          <a:lstStyle/>
+          <a:p>
+            <a:pPr algn="ctr"/>
+            <a:r>
+              <a:rPr lang="en-US" altLang="zh-CN" b="1" dirty="0">
+                <a:solidFill>
+                  <a:schemeClr val="tx1"/>
+                </a:solidFill>
+              </a:rPr>
+              <a:t>Medium</a:t>
+            </a:r>
+            <a:endParaRPr lang="en-CN" b="1" dirty="0">
+              <a:solidFill>
+                <a:schemeClr val="tx1"/>
+              </a:solidFill>
+            </a:endParaRPr>
+          </a:p>
+        </p:txBody>
+      </p:sp>
+      <p:sp>
+        <p:nvSpPr>
+          <p:cNvPr id="12" name="Rectangle 11">
+            <a:extLst>
+              <a:ext uri="{FF2B5EF4-FFF2-40B4-BE49-F238E27FC236}">
+                <a16:creationId xmlns:a16="http://schemas.microsoft.com/office/drawing/2014/main" id="{74363A22-BDF1-F1C7-E411-2E379C3A7160}"/>
+              </a:ext>
+            </a:extLst>
+          </p:cNvPr>
+          <p:cNvSpPr/>
+          <p:nvPr/>
+        </p:nvSpPr>
+        <p:spPr>
+          <a:xfrm>
+            <a:off x="5506920" y="2861420"/>
+            <a:ext cx="1226977" cy="387178"/>
+          </a:xfrm>
+          <a:prstGeom prst="rect">
+            <a:avLst/>
+          </a:prstGeom>
+          <a:solidFill>
+            <a:schemeClr val="accent2">
+              <a:lumMod val="60000"/>
+              <a:lumOff val="40000"/>
+            </a:schemeClr>
+          </a:solidFill>
+          <a:ln w="22225">
+            <a:solidFill>
+              <a:schemeClr val="tx1"/>
+            </a:solidFill>
+          </a:ln>
+        </p:spPr>
+        <p:style>
+          <a:lnRef idx="2">
+            <a:schemeClr val="accent1">
+              <a:shade val="50000"/>
+            </a:schemeClr>
+          </a:lnRef>
+          <a:fillRef idx="1">
+            <a:schemeClr val="accent1"/>
+          </a:fillRef>
+          <a:effectRef idx="0">
+            <a:schemeClr val="accent1"/>
+          </a:effectRef>
+          <a:fontRef idx="minor">
+            <a:schemeClr val="lt1"/>
+          </a:fontRef>
+        </p:style>
+        <p:txBody>
+          <a:bodyPr rtlCol="0" anchor="ctr"/>
+          <a:lstStyle/>
+          <a:p>
+            <a:pPr algn="ctr"/>
+            <a:r>
+              <a:rPr lang="en-US" altLang="zh-CN" b="1" dirty="0">
+                <a:solidFill>
+                  <a:schemeClr val="tx1"/>
+                </a:solidFill>
+              </a:rPr>
+              <a:t>Loan</a:t>
+            </a:r>
+            <a:endParaRPr lang="en-CN" b="1" dirty="0">
+              <a:solidFill>
+                <a:schemeClr val="tx1"/>
+              </a:solidFill>
+            </a:endParaRPr>
+          </a:p>
+        </p:txBody>
+      </p:sp>
+      <p:sp>
+        <p:nvSpPr>
+          <p:cNvPr id="2" name="文本框 12">
+            <a:extLst>
+              <a:ext uri="{FF2B5EF4-FFF2-40B4-BE49-F238E27FC236}">
+                <a16:creationId xmlns:a16="http://schemas.microsoft.com/office/drawing/2014/main" id="{F15BB429-1D1A-0E43-F714-5B25121059E2}"/>
+              </a:ext>
+            </a:extLst>
+          </p:cNvPr>
+          <p:cNvSpPr txBox="1"/>
+          <p:nvPr/>
+        </p:nvSpPr>
+        <p:spPr>
+          <a:xfrm>
+            <a:off x="2468880" y="3867488"/>
+            <a:ext cx="2583766" cy="1015663"/>
+          </a:xfrm>
+          <a:prstGeom prst="rect">
+            <a:avLst/>
+          </a:prstGeom>
+          <a:noFill/>
+        </p:spPr>
+        <p:txBody>
+          <a:bodyPr wrap="square" rtlCol="0">
+            <a:spAutoFit/>
+          </a:bodyPr>
+          <a:lstStyle/>
+          <a:p>
+            <a:r>
+              <a:rPr kumimoji="1" lang="en-US" altLang="zh-CN" sz="1200" b="1" dirty="0">
+                <a:latin typeface="DengXian" panose="02010600030101010101" pitchFamily="2" charset="-122"/>
+                <a:ea typeface="DengXian" panose="02010600030101010101" pitchFamily="2" charset="-122"/>
+              </a:rPr>
+              <a:t>Color:</a:t>
+            </a:r>
+            <a:r>
+              <a:rPr kumimoji="1" lang="zh-CN" altLang="en-US" sz="1200" b="1" dirty="0">
+                <a:latin typeface="DengXian" panose="02010600030101010101" pitchFamily="2" charset="-122"/>
+                <a:ea typeface="DengXian" panose="02010600030101010101" pitchFamily="2" charset="-122"/>
+              </a:rPr>
+              <a:t> </a:t>
+            </a:r>
+            <a:r>
+              <a:rPr kumimoji="1" lang="en-US" altLang="zh-CN" sz="1200" b="1" dirty="0">
+                <a:latin typeface="DengXian" panose="02010600030101010101" pitchFamily="2" charset="-122"/>
+                <a:ea typeface="DengXian" panose="02010600030101010101" pitchFamily="2" charset="-122"/>
+              </a:rPr>
+              <a:t>as</a:t>
+            </a:r>
+            <a:r>
+              <a:rPr kumimoji="1" lang="zh-CN" altLang="en-US" sz="1200" b="1" dirty="0">
+                <a:latin typeface="DengXian" panose="02010600030101010101" pitchFamily="2" charset="-122"/>
+                <a:ea typeface="DengXian" panose="02010600030101010101" pitchFamily="2" charset="-122"/>
+              </a:rPr>
+              <a:t> </a:t>
+            </a:r>
+            <a:r>
+              <a:rPr kumimoji="1" lang="en-US" altLang="zh-CN" sz="1200" b="1" dirty="0">
+                <a:latin typeface="DengXian" panose="02010600030101010101" pitchFamily="2" charset="-122"/>
+                <a:ea typeface="DengXian" panose="02010600030101010101" pitchFamily="2" charset="-122"/>
+              </a:rPr>
+              <a:t>above</a:t>
+            </a:r>
+          </a:p>
+          <a:p>
+            <a:r>
+              <a:rPr kumimoji="1" lang="en-US" altLang="zh-CN" sz="1200" b="1" dirty="0">
+                <a:latin typeface="DengXian" panose="02010600030101010101" pitchFamily="2" charset="-122"/>
+                <a:ea typeface="DengXian" panose="02010600030101010101" pitchFamily="2" charset="-122"/>
+              </a:rPr>
+              <a:t>Font</a:t>
+            </a:r>
+            <a:r>
+              <a:rPr kumimoji="1" lang="zh-CN" altLang="en-US" sz="1200" b="1" dirty="0">
+                <a:latin typeface="DengXian" panose="02010600030101010101" pitchFamily="2" charset="-122"/>
+                <a:ea typeface="DengXian" panose="02010600030101010101" pitchFamily="2" charset="-122"/>
+              </a:rPr>
+              <a:t> </a:t>
+            </a:r>
+            <a:r>
+              <a:rPr kumimoji="1" lang="en-US" altLang="zh-CN" sz="1200" b="1" dirty="0">
+                <a:latin typeface="DengXian" panose="02010600030101010101" pitchFamily="2" charset="-122"/>
+                <a:ea typeface="DengXian" panose="02010600030101010101" pitchFamily="2" charset="-122"/>
+              </a:rPr>
+              <a:t>size:</a:t>
+            </a:r>
+            <a:r>
+              <a:rPr kumimoji="1" lang="zh-CN" altLang="en-US" sz="1200" b="1" dirty="0">
+                <a:latin typeface="DengXian" panose="02010600030101010101" pitchFamily="2" charset="-122"/>
+                <a:ea typeface="DengXian" panose="02010600030101010101" pitchFamily="2" charset="-122"/>
+              </a:rPr>
+              <a:t> </a:t>
+            </a:r>
+            <a:r>
+              <a:rPr kumimoji="1" lang="en-US" altLang="zh-CN" sz="1200" b="1" dirty="0">
+                <a:latin typeface="DengXian" panose="02010600030101010101" pitchFamily="2" charset="-122"/>
+                <a:ea typeface="DengXian" panose="02010600030101010101" pitchFamily="2" charset="-122"/>
+              </a:rPr>
+              <a:t>12</a:t>
+            </a:r>
+          </a:p>
+          <a:p>
+            <a:r>
+              <a:rPr kumimoji="1" lang="en-US" altLang="zh-CN" sz="1200" b="1" dirty="0">
+                <a:latin typeface="DengXian" panose="02010600030101010101" pitchFamily="2" charset="-122"/>
+                <a:ea typeface="DengXian" panose="02010600030101010101" pitchFamily="2" charset="-122"/>
+              </a:rPr>
+              <a:t>Border</a:t>
+            </a:r>
+            <a:r>
+              <a:rPr kumimoji="1" lang="zh-CN" altLang="en-US" sz="1200" b="1" dirty="0">
+                <a:latin typeface="DengXian" panose="02010600030101010101" pitchFamily="2" charset="-122"/>
+                <a:ea typeface="DengXian" panose="02010600030101010101" pitchFamily="2" charset="-122"/>
+              </a:rPr>
+              <a:t> </a:t>
+            </a:r>
+            <a:r>
+              <a:rPr kumimoji="1" lang="en-US" altLang="zh-CN" sz="1200" b="1" dirty="0">
+                <a:latin typeface="DengXian" panose="02010600030101010101" pitchFamily="2" charset="-122"/>
+                <a:ea typeface="DengXian" panose="02010600030101010101" pitchFamily="2" charset="-122"/>
+              </a:rPr>
+              <a:t>width:</a:t>
+            </a:r>
+            <a:r>
+              <a:rPr kumimoji="1" lang="zh-CN" altLang="en-US" sz="1200" b="1" dirty="0">
+                <a:latin typeface="DengXian" panose="02010600030101010101" pitchFamily="2" charset="-122"/>
+                <a:ea typeface="DengXian" panose="02010600030101010101" pitchFamily="2" charset="-122"/>
+              </a:rPr>
+              <a:t> </a:t>
+            </a:r>
+            <a:r>
+              <a:rPr kumimoji="1" lang="en-US" altLang="zh-CN" sz="1200" b="1" dirty="0">
+                <a:latin typeface="DengXian" panose="02010600030101010101" pitchFamily="2" charset="-122"/>
+                <a:ea typeface="DengXian" panose="02010600030101010101" pitchFamily="2" charset="-122"/>
+              </a:rPr>
+              <a:t>2pt</a:t>
+            </a:r>
+          </a:p>
+          <a:p>
+            <a:r>
+              <a:rPr kumimoji="1" lang="en-US" altLang="zh-CN" sz="1200" b="1" dirty="0">
+                <a:latin typeface="DengXian" panose="02010600030101010101" pitchFamily="2" charset="-122"/>
+                <a:ea typeface="DengXian" panose="02010600030101010101" pitchFamily="2" charset="-122"/>
+              </a:rPr>
+              <a:t>Result:</a:t>
+            </a:r>
+            <a:r>
+              <a:rPr kumimoji="1" lang="zh-CN" altLang="en-US" sz="1200" b="1" dirty="0">
+                <a:latin typeface="DengXian" panose="02010600030101010101" pitchFamily="2" charset="-122"/>
+                <a:ea typeface="DengXian" panose="02010600030101010101" pitchFamily="2" charset="-122"/>
+              </a:rPr>
+              <a:t> </a:t>
+            </a:r>
+            <a:r>
+              <a:rPr kumimoji="1" lang="en-US" altLang="zh-CN" sz="1200" b="1" dirty="0">
+                <a:latin typeface="DengXian" panose="02010600030101010101" pitchFamily="2" charset="-122"/>
+                <a:ea typeface="DengXian" panose="02010600030101010101" pitchFamily="2" charset="-122"/>
+              </a:rPr>
+              <a:t>red</a:t>
+            </a:r>
+            <a:r>
+              <a:rPr kumimoji="1" lang="zh-CN" altLang="en-US" sz="1200" b="1" dirty="0">
+                <a:latin typeface="DengXian" panose="02010600030101010101" pitchFamily="2" charset="-122"/>
+                <a:ea typeface="DengXian" panose="02010600030101010101" pitchFamily="2" charset="-122"/>
+              </a:rPr>
+              <a:t> </a:t>
+            </a:r>
+            <a:r>
+              <a:rPr kumimoji="1" lang="en-US" altLang="zh-CN" sz="1200" b="1" dirty="0">
+                <a:latin typeface="DengXian" panose="02010600030101010101" pitchFamily="2" charset="-122"/>
+                <a:ea typeface="DengXian" panose="02010600030101010101" pitchFamily="2" charset="-122"/>
+              </a:rPr>
+              <a:t>color</a:t>
+            </a:r>
+            <a:r>
+              <a:rPr kumimoji="1" lang="zh-CN" altLang="en-US" sz="1200" b="1" dirty="0">
+                <a:latin typeface="DengXian" panose="02010600030101010101" pitchFamily="2" charset="-122"/>
+                <a:ea typeface="DengXian" panose="02010600030101010101" pitchFamily="2" charset="-122"/>
+              </a:rPr>
+              <a:t> </a:t>
+            </a:r>
+            <a:r>
+              <a:rPr kumimoji="1" lang="en-US" altLang="zh-CN" sz="1200" b="1" dirty="0">
+                <a:latin typeface="DengXian" panose="02010600030101010101" pitchFamily="2" charset="-122"/>
+                <a:ea typeface="DengXian" panose="02010600030101010101" pitchFamily="2" charset="-122"/>
+              </a:rPr>
+              <a:t>and</a:t>
+            </a:r>
+            <a:r>
+              <a:rPr kumimoji="1" lang="zh-CN" altLang="en-US" sz="1200" b="1" dirty="0">
+                <a:latin typeface="DengXian" panose="02010600030101010101" pitchFamily="2" charset="-122"/>
+                <a:ea typeface="DengXian" panose="02010600030101010101" pitchFamily="2" charset="-122"/>
+              </a:rPr>
+              <a:t> </a:t>
+            </a:r>
+            <a:r>
+              <a:rPr kumimoji="1" lang="en-US" altLang="zh-CN" sz="1200" b="1" dirty="0">
+                <a:latin typeface="DengXian" panose="02010600030101010101" pitchFamily="2" charset="-122"/>
+                <a:ea typeface="DengXian" panose="02010600030101010101" pitchFamily="2" charset="-122"/>
+              </a:rPr>
+              <a:t>bold</a:t>
+            </a:r>
+          </a:p>
+          <a:p>
+            <a:r>
+              <a:rPr kumimoji="1" lang="en-US" altLang="zh-CN" sz="1200" b="1" dirty="0" err="1">
+                <a:latin typeface="DengXian" panose="02010600030101010101" pitchFamily="2" charset="-122"/>
+                <a:ea typeface="DengXian" panose="02010600030101010101" pitchFamily="2" charset="-122"/>
+              </a:rPr>
+              <a:t>Groupby</a:t>
+            </a:r>
+            <a:r>
+              <a:rPr kumimoji="1" lang="en-US" altLang="zh-CN" sz="1200" b="1" dirty="0">
+                <a:latin typeface="DengXian" panose="02010600030101010101" pitchFamily="2" charset="-122"/>
+                <a:ea typeface="DengXian" panose="02010600030101010101" pitchFamily="2" charset="-122"/>
+              </a:rPr>
+              <a:t>:</a:t>
+            </a:r>
+            <a:r>
+              <a:rPr kumimoji="1" lang="zh-CN" altLang="en-US" sz="1200" b="1" dirty="0">
+                <a:latin typeface="DengXian" panose="02010600030101010101" pitchFamily="2" charset="-122"/>
+                <a:ea typeface="DengXian" panose="02010600030101010101" pitchFamily="2" charset="-122"/>
+              </a:rPr>
+              <a:t> </a:t>
+            </a:r>
+            <a:r>
+              <a:rPr kumimoji="1" lang="en-US" altLang="zh-CN" sz="1200" b="1" dirty="0">
+                <a:latin typeface="DengXian" panose="02010600030101010101" pitchFamily="2" charset="-122"/>
+                <a:ea typeface="DengXian" panose="02010600030101010101" pitchFamily="2" charset="-122"/>
+              </a:rPr>
+              <a:t>red</a:t>
+            </a:r>
+            <a:r>
+              <a:rPr kumimoji="1" lang="zh-CN" altLang="en-US" sz="1200" b="1" dirty="0">
+                <a:latin typeface="DengXian" panose="02010600030101010101" pitchFamily="2" charset="-122"/>
+                <a:ea typeface="DengXian" panose="02010600030101010101" pitchFamily="2" charset="-122"/>
+              </a:rPr>
+              <a:t> </a:t>
+            </a:r>
+            <a:r>
+              <a:rPr kumimoji="1" lang="en-US" altLang="zh-CN" sz="1200" b="1" dirty="0">
+                <a:latin typeface="DengXian" panose="02010600030101010101" pitchFamily="2" charset="-122"/>
+                <a:ea typeface="DengXian" panose="02010600030101010101" pitchFamily="2" charset="-122"/>
+              </a:rPr>
+              <a:t>color</a:t>
+            </a:r>
+            <a:r>
+              <a:rPr kumimoji="1" lang="zh-CN" altLang="en-US" sz="1200" b="1" dirty="0">
+                <a:latin typeface="DengXian" panose="02010600030101010101" pitchFamily="2" charset="-122"/>
+                <a:ea typeface="DengXian" panose="02010600030101010101" pitchFamily="2" charset="-122"/>
+              </a:rPr>
+              <a:t> </a:t>
+            </a:r>
+            <a:r>
+              <a:rPr kumimoji="1" lang="en-US" altLang="zh-CN" sz="1200" b="1" dirty="0">
+                <a:latin typeface="DengXian" panose="02010600030101010101" pitchFamily="2" charset="-122"/>
+                <a:ea typeface="DengXian" panose="02010600030101010101" pitchFamily="2" charset="-122"/>
+              </a:rPr>
+              <a:t>and</a:t>
+            </a:r>
+            <a:r>
+              <a:rPr kumimoji="1" lang="zh-CN" altLang="en-US" sz="1200" b="1" dirty="0">
+                <a:latin typeface="DengXian" panose="02010600030101010101" pitchFamily="2" charset="-122"/>
+                <a:ea typeface="DengXian" panose="02010600030101010101" pitchFamily="2" charset="-122"/>
+              </a:rPr>
+              <a:t> </a:t>
+            </a:r>
+            <a:r>
+              <a:rPr kumimoji="1" lang="en-US" altLang="zh-CN" sz="1200" b="1" dirty="0">
+                <a:latin typeface="DengXian" panose="02010600030101010101" pitchFamily="2" charset="-122"/>
+                <a:ea typeface="DengXian" panose="02010600030101010101" pitchFamily="2" charset="-122"/>
+              </a:rPr>
+              <a:t>bold</a:t>
+            </a:r>
+          </a:p>
+        </p:txBody>
+      </p:sp>
+    </p:spTree>
+    <p:extLst>
+      <p:ext uri="{BB962C8B-B14F-4D97-AF65-F5344CB8AC3E}">
+        <p14:creationId xmlns:p14="http://schemas.microsoft.com/office/powerpoint/2010/main" val="3265552492"/>
+      </p:ext>
+    </p:extLst>
+  </p:cSld>
+  <p:clrMapOvr>
+    <a:masterClrMapping/>
+  </p:clrMapOvr>
+</p:sld>
+</file>
+
 <file path=ppt/slides/slide2.xml><?xml version="1.0" encoding="utf-8"?>
 <p:sld xmlns:a="http://schemas.openxmlformats.org/drawingml/2006/main" xmlns:r="http://schemas.openxmlformats.org/officeDocument/2006/relationships" xmlns:p="http://schemas.openxmlformats.org/presentationml/2006/main">
   <p:cSld>
@@ -6617,10 +7295,10 @@
       </p:grpSpPr>
       <p:grpSp>
         <p:nvGrpSpPr>
-          <p:cNvPr id="14" name="Group 13">
+          <p:cNvPr id="2" name="Group 1">
             <a:extLst>
               <a:ext uri="{FF2B5EF4-FFF2-40B4-BE49-F238E27FC236}">
-                <a16:creationId xmlns:a16="http://schemas.microsoft.com/office/drawing/2014/main" id="{0105A7A4-D140-2B27-C3DA-7B8FA4B497A9}"/>
+                <a16:creationId xmlns:a16="http://schemas.microsoft.com/office/drawing/2014/main" id="{3B9AEEA8-4E45-24C2-B931-32DA0334083A}"/>
               </a:ext>
             </a:extLst>
           </p:cNvPr>
@@ -6681,7 +7359,7 @@
                   <a:lumOff val="40000"/>
                 </a:schemeClr>
               </a:solidFill>
-              <a:ln w="28575">
+              <a:ln w="25400">
                 <a:solidFill>
                   <a:schemeClr val="tx1"/>
                 </a:solidFill>
@@ -6745,7 +7423,7 @@
                 <a:avLst/>
               </a:prstGeom>
               <a:noFill/>
-              <a:ln w="28575">
+              <a:ln w="25400">
                 <a:solidFill>
                   <a:schemeClr val="tx1"/>
                 </a:solidFill>
@@ -6771,6 +7449,7 @@
               <a:bodyPr rtlCol="0" anchor="ctr"/>
               <a:lstStyle/>
               <a:p>
+                <a:pPr algn="ctr"/>
                 <a:endParaRPr kumimoji="1" lang="en-US" altLang="zh-CN" sz="1600" dirty="0">
                   <a:solidFill>
                     <a:sysClr val="windowText" lastClr="000000"/>
@@ -6780,6 +7459,7 @@
                 </a:endParaRPr>
               </a:p>
               <a:p>
+                <a:pPr algn="ctr"/>
                 <a:r>
                   <a:rPr kumimoji="1" lang="en-US" altLang="zh-CN" sz="1600" dirty="0">
                     <a:solidFill>
@@ -6839,6 +7519,7 @@
                 </a:endParaRPr>
               </a:p>
               <a:p>
+                <a:pPr algn="ctr"/>
                 <a:r>
                   <a:rPr kumimoji="1" lang="en-US" altLang="zh-CN" sz="1600" dirty="0" err="1">
                     <a:solidFill>
@@ -6898,6 +7579,7 @@
                 </a:endParaRPr>
               </a:p>
               <a:p>
+                <a:pPr algn="ctr"/>
                 <a:r>
                   <a:rPr kumimoji="1" lang="en-US" altLang="zh-CN" sz="1600" dirty="0" err="1">
                     <a:solidFill>
@@ -6957,6 +7639,7 @@
                 </a:endParaRPr>
               </a:p>
               <a:p>
+                <a:pPr algn="ctr"/>
                 <a:r>
                   <a:rPr kumimoji="1" lang="en-US" altLang="zh-CN" sz="1600" dirty="0">
                     <a:solidFill>
@@ -7016,6 +7699,7 @@
                 </a:endParaRPr>
               </a:p>
               <a:p>
+                <a:pPr algn="ctr"/>
                 <a:endParaRPr kumimoji="1" lang="en-US" altLang="zh-CN" sz="1600" dirty="0">
                   <a:solidFill>
                     <a:sysClr val="windowText" lastClr="000000"/>
@@ -7068,9 +7752,11 @@
                 <a:avLst/>
               </a:prstGeom>
               <a:solidFill>
-                <a:srgbClr val="92D050"/>
+                <a:srgbClr val="FF0000">
+                  <a:alpha val="30000"/>
+                </a:srgbClr>
               </a:solidFill>
-              <a:ln w="28575">
+              <a:ln w="25400">
                 <a:solidFill>
                   <a:schemeClr val="tx1"/>
                 </a:solidFill>
@@ -7134,7 +7820,7 @@
                 <a:avLst/>
               </a:prstGeom>
               <a:noFill/>
-              <a:ln w="28575">
+              <a:ln w="25400">
                 <a:solidFill>
                   <a:schemeClr val="tx1"/>
                 </a:solidFill>
@@ -7160,6 +7846,7 @@
               <a:bodyPr rtlCol="0" anchor="ctr"/>
               <a:lstStyle/>
               <a:p>
+                <a:pPr algn="ctr"/>
                 <a:r>
                   <a:rPr kumimoji="1" lang="en-US" altLang="zh-CN" sz="1600" dirty="0">
                     <a:solidFill>
@@ -7219,6 +7906,7 @@
                 </a:endParaRPr>
               </a:p>
               <a:p>
+                <a:pPr algn="ctr"/>
                 <a:r>
                   <a:rPr kumimoji="1" lang="en-US" altLang="zh-CN" sz="1600" dirty="0">
                     <a:solidFill>
@@ -7304,11 +7992,11 @@
             <a:prstGeom prst="straightConnector1">
               <a:avLst/>
             </a:prstGeom>
-            <a:ln w="28575">
+            <a:ln w="25400">
               <a:solidFill>
                 <a:schemeClr val="tx1"/>
               </a:solidFill>
-              <a:headEnd type="arrow" w="lg" len="med"/>
+              <a:headEnd type="arrow" w="sm" len="lg"/>
               <a:tailEnd type="none"/>
             </a:ln>
           </p:spPr>
@@ -7405,10 +8093,10 @@
       </p:grpSpPr>
       <p:grpSp>
         <p:nvGrpSpPr>
-          <p:cNvPr id="9" name="Group 8">
+          <p:cNvPr id="2" name="Group 1">
             <a:extLst>
               <a:ext uri="{FF2B5EF4-FFF2-40B4-BE49-F238E27FC236}">
-                <a16:creationId xmlns:a16="http://schemas.microsoft.com/office/drawing/2014/main" id="{647EC7D2-BD6B-B14F-8B72-4CEEFEE2CA27}"/>
+                <a16:creationId xmlns:a16="http://schemas.microsoft.com/office/drawing/2014/main" id="{92174F81-CE20-E021-05DB-3BA3CCE0B0C2}"/>
               </a:ext>
             </a:extLst>
           </p:cNvPr>
@@ -7469,7 +8157,7 @@
                   <a:lumOff val="40000"/>
                 </a:schemeClr>
               </a:solidFill>
-              <a:ln w="28575">
+              <a:ln w="25400">
                 <a:solidFill>
                   <a:schemeClr val="tx1"/>
                 </a:solidFill>
@@ -7533,7 +8221,7 @@
                 <a:avLst/>
               </a:prstGeom>
               <a:noFill/>
-              <a:ln w="28575">
+              <a:ln w="25400">
                 <a:solidFill>
                   <a:schemeClr val="tx1"/>
                 </a:solidFill>
@@ -7559,6 +8247,7 @@
               <a:bodyPr rtlCol="0" anchor="ctr"/>
               <a:lstStyle/>
               <a:p>
+                <a:pPr algn="ctr"/>
                 <a:r>
                   <a:rPr kumimoji="1" lang="en-US" altLang="zh-CN" sz="1600" dirty="0">
                     <a:solidFill>
@@ -7644,11 +8333,11 @@
             <a:prstGeom prst="straightConnector1">
               <a:avLst/>
             </a:prstGeom>
-            <a:ln w="28575">
+            <a:ln w="25400">
               <a:solidFill>
                 <a:schemeClr val="tx1"/>
               </a:solidFill>
-              <a:headEnd type="arrow" w="lg" len="med"/>
+              <a:headEnd type="arrow" w="sm" len="lg"/>
               <a:tailEnd type="none"/>
             </a:ln>
           </p:spPr>
@@ -7865,7 +8554,7 @@
                   <a:lumOff val="40000"/>
                 </a:schemeClr>
               </a:solidFill>
-              <a:ln w="28575">
+              <a:ln w="25400">
                 <a:solidFill>
                   <a:schemeClr val="tx1"/>
                 </a:solidFill>
@@ -7929,7 +8618,7 @@
                 <a:avLst/>
               </a:prstGeom>
               <a:noFill/>
-              <a:ln w="28575">
+              <a:ln w="25400">
                 <a:solidFill>
                   <a:schemeClr val="tx1"/>
                 </a:solidFill>
@@ -7955,6 +8644,7 @@
               <a:bodyPr rtlCol="0" anchor="ctr"/>
               <a:lstStyle/>
               <a:p>
+                <a:pPr algn="ctr"/>
                 <a:r>
                   <a:rPr kumimoji="1" lang="en-US" altLang="zh-CN" sz="1600" dirty="0">
                     <a:solidFill>
@@ -8049,10 +8739,10 @@
       </p:grpSpPr>
       <p:grpSp>
         <p:nvGrpSpPr>
-          <p:cNvPr id="9" name="Group 8">
+          <p:cNvPr id="2" name="Group 1">
             <a:extLst>
               <a:ext uri="{FF2B5EF4-FFF2-40B4-BE49-F238E27FC236}">
-                <a16:creationId xmlns:a16="http://schemas.microsoft.com/office/drawing/2014/main" id="{647EC7D2-BD6B-B14F-8B72-4CEEFEE2CA27}"/>
+                <a16:creationId xmlns:a16="http://schemas.microsoft.com/office/drawing/2014/main" id="{6BC33E91-8195-359A-D016-1BC90569582D}"/>
               </a:ext>
             </a:extLst>
           </p:cNvPr>
@@ -8113,7 +8803,7 @@
                   <a:lumOff val="40000"/>
                 </a:schemeClr>
               </a:solidFill>
-              <a:ln w="28575">
+              <a:ln w="25400">
                 <a:solidFill>
                   <a:schemeClr val="tx1"/>
                 </a:solidFill>
@@ -8177,7 +8867,7 @@
                 <a:avLst/>
               </a:prstGeom>
               <a:noFill/>
-              <a:ln w="28575">
+              <a:ln w="25400">
                 <a:solidFill>
                   <a:schemeClr val="tx1"/>
                 </a:solidFill>
@@ -8203,6 +8893,7 @@
               <a:bodyPr rtlCol="0" anchor="ctr"/>
               <a:lstStyle/>
               <a:p>
+                <a:pPr algn="ctr"/>
                 <a:r>
                   <a:rPr kumimoji="1" lang="en-US" altLang="zh-CN" sz="1600" dirty="0">
                     <a:solidFill>
@@ -8262,6 +8953,7 @@
                 </a:endParaRPr>
               </a:p>
               <a:p>
+                <a:pPr algn="ctr"/>
                 <a:r>
                   <a:rPr kumimoji="1" lang="en-US" altLang="zh-CN" sz="1600" dirty="0">
                     <a:solidFill>
@@ -8320,11 +9012,11 @@
             <a:prstGeom prst="straightConnector1">
               <a:avLst/>
             </a:prstGeom>
-            <a:ln w="28575">
+            <a:ln w="25400">
               <a:solidFill>
                 <a:schemeClr val="tx1"/>
               </a:solidFill>
-              <a:headEnd type="arrow" w="lg" len="med"/>
+              <a:headEnd type="arrow" w="sm" len="lg"/>
               <a:tailEnd type="none"/>
             </a:ln>
           </p:spPr>
@@ -8541,7 +9233,7 @@
                   <a:lumOff val="40000"/>
                 </a:schemeClr>
               </a:solidFill>
-              <a:ln w="28575">
+              <a:ln w="25400">
                 <a:solidFill>
                   <a:schemeClr val="tx1"/>
                 </a:solidFill>
@@ -8605,7 +9297,7 @@
                 <a:avLst/>
               </a:prstGeom>
               <a:noFill/>
-              <a:ln w="28575">
+              <a:ln w="25400">
                 <a:solidFill>
                   <a:schemeClr val="tx1"/>
                 </a:solidFill>
@@ -8631,6 +9323,7 @@
               <a:bodyPr rtlCol="0" anchor="ctr"/>
               <a:lstStyle/>
               <a:p>
+                <a:pPr algn="ctr"/>
                 <a:r>
                   <a:rPr kumimoji="1" lang="en-US" altLang="zh-CN" sz="1600" dirty="0">
                     <a:solidFill>
@@ -8725,10 +9418,10 @@
       </p:grpSpPr>
       <p:grpSp>
         <p:nvGrpSpPr>
-          <p:cNvPr id="9" name="Group 8">
+          <p:cNvPr id="2" name="Group 1">
             <a:extLst>
               <a:ext uri="{FF2B5EF4-FFF2-40B4-BE49-F238E27FC236}">
-                <a16:creationId xmlns:a16="http://schemas.microsoft.com/office/drawing/2014/main" id="{647EC7D2-BD6B-B14F-8B72-4CEEFEE2CA27}"/>
+                <a16:creationId xmlns:a16="http://schemas.microsoft.com/office/drawing/2014/main" id="{A8E8A805-4011-F060-8F01-3E8A793895C5}"/>
               </a:ext>
             </a:extLst>
           </p:cNvPr>
@@ -8789,7 +9482,7 @@
                   <a:lumOff val="40000"/>
                 </a:schemeClr>
               </a:solidFill>
-              <a:ln w="28575">
+              <a:ln w="25400">
                 <a:solidFill>
                   <a:schemeClr val="tx1"/>
                 </a:solidFill>
@@ -8853,7 +9546,7 @@
                 <a:avLst/>
               </a:prstGeom>
               <a:noFill/>
-              <a:ln w="28575">
+              <a:ln w="25400">
                 <a:solidFill>
                   <a:schemeClr val="tx1"/>
                 </a:solidFill>
@@ -8879,6 +9572,7 @@
               <a:bodyPr rtlCol="0" anchor="ctr"/>
               <a:lstStyle/>
               <a:p>
+                <a:pPr algn="ctr"/>
                 <a:r>
                   <a:rPr kumimoji="1" lang="en-US" altLang="zh-CN" sz="1600" dirty="0">
                     <a:solidFill>
@@ -8938,6 +9632,7 @@
                 </a:endParaRPr>
               </a:p>
               <a:p>
+                <a:pPr algn="ctr"/>
                 <a:r>
                   <a:rPr kumimoji="1" lang="en-US" altLang="zh-CN" sz="1600" dirty="0" err="1">
                     <a:solidFill>
@@ -9016,11 +9711,11 @@
             <a:prstGeom prst="straightConnector1">
               <a:avLst/>
             </a:prstGeom>
-            <a:ln w="28575">
+            <a:ln w="25400">
               <a:solidFill>
                 <a:schemeClr val="tx1"/>
               </a:solidFill>
-              <a:headEnd type="arrow" w="lg" len="med"/>
+              <a:headEnd type="arrow" w="sm" len="lg"/>
               <a:tailEnd type="none"/>
             </a:ln>
           </p:spPr>
@@ -9194,9 +9889,12 @@
                 <a:avLst/>
               </a:prstGeom>
               <a:solidFill>
-                <a:srgbClr val="92D050"/>
+                <a:schemeClr val="accent6">
+                  <a:lumMod val="60000"/>
+                  <a:lumOff val="40000"/>
+                </a:schemeClr>
               </a:solidFill>
-              <a:ln w="28575">
+              <a:ln w="25400">
                 <a:solidFill>
                   <a:schemeClr val="tx1"/>
                 </a:solidFill>
@@ -9260,7 +9958,7 @@
                 <a:avLst/>
               </a:prstGeom>
               <a:noFill/>
-              <a:ln w="28575">
+              <a:ln w="25400">
                 <a:solidFill>
                   <a:schemeClr val="tx1"/>
                 </a:solidFill>
@@ -9286,6 +9984,7 @@
               <a:bodyPr rtlCol="0" anchor="ctr"/>
               <a:lstStyle/>
               <a:p>
+                <a:pPr algn="ctr"/>
                 <a:r>
                   <a:rPr kumimoji="1" lang="en-US" altLang="zh-CN" sz="1600" dirty="0">
                     <a:solidFill>
@@ -9380,10 +10079,10 @@
       </p:grpSpPr>
       <p:grpSp>
         <p:nvGrpSpPr>
-          <p:cNvPr id="9" name="Group 8">
+          <p:cNvPr id="2" name="Group 1">
             <a:extLst>
               <a:ext uri="{FF2B5EF4-FFF2-40B4-BE49-F238E27FC236}">
-                <a16:creationId xmlns:a16="http://schemas.microsoft.com/office/drawing/2014/main" id="{647EC7D2-BD6B-B14F-8B72-4CEEFEE2CA27}"/>
+                <a16:creationId xmlns:a16="http://schemas.microsoft.com/office/drawing/2014/main" id="{9A97242E-F0B3-F80F-2830-863B0C559596}"/>
               </a:ext>
             </a:extLst>
           </p:cNvPr>
@@ -9444,7 +10143,7 @@
                   <a:lumOff val="40000"/>
                 </a:schemeClr>
               </a:solidFill>
-              <a:ln w="28575">
+              <a:ln w="25400">
                 <a:solidFill>
                   <a:schemeClr val="tx1"/>
                 </a:solidFill>
@@ -9508,7 +10207,7 @@
                 <a:avLst/>
               </a:prstGeom>
               <a:noFill/>
-              <a:ln w="28575">
+              <a:ln w="25400">
                 <a:solidFill>
                   <a:schemeClr val="tx1"/>
                 </a:solidFill>
@@ -9671,11 +10370,11 @@
             <a:prstGeom prst="straightConnector1">
               <a:avLst/>
             </a:prstGeom>
-            <a:ln w="28575">
+            <a:ln w="25400">
               <a:solidFill>
                 <a:schemeClr val="tx1"/>
               </a:solidFill>
-              <a:headEnd type="arrow" w="lg" len="med"/>
+              <a:headEnd type="arrow" w="sm" len="lg"/>
               <a:tailEnd type="none"/>
             </a:ln>
           </p:spPr>
@@ -9849,9 +10548,11 @@
                 <a:avLst/>
               </a:prstGeom>
               <a:solidFill>
-                <a:srgbClr val="92D050"/>
+                <a:srgbClr val="FF0000">
+                  <a:alpha val="30000"/>
+                </a:srgbClr>
               </a:solidFill>
-              <a:ln w="28575">
+              <a:ln w="25400">
                 <a:solidFill>
                   <a:schemeClr val="tx1"/>
                 </a:solidFill>
@@ -9915,7 +10616,7 @@
                 <a:avLst/>
               </a:prstGeom>
               <a:noFill/>
-              <a:ln w="28575">
+              <a:ln w="25400">
                 <a:solidFill>
                   <a:schemeClr val="tx1"/>
                 </a:solidFill>
@@ -10035,10 +10736,10 @@
       </p:grpSpPr>
       <p:grpSp>
         <p:nvGrpSpPr>
-          <p:cNvPr id="7" name="Group 6">
+          <p:cNvPr id="4" name="Group 3">
             <a:extLst>
               <a:ext uri="{FF2B5EF4-FFF2-40B4-BE49-F238E27FC236}">
-                <a16:creationId xmlns:a16="http://schemas.microsoft.com/office/drawing/2014/main" id="{7B181343-37A4-8342-B983-6E5913EF0187}"/>
+                <a16:creationId xmlns:a16="http://schemas.microsoft.com/office/drawing/2014/main" id="{DDA8FBC4-CA9C-4841-432F-D684C0A1347D}"/>
               </a:ext>
             </a:extLst>
           </p:cNvPr>
@@ -10067,10 +10768,10 @@
           </p:nvGrpSpPr>
           <p:grpSpPr>
             <a:xfrm>
-              <a:off x="1981200" y="2364297"/>
-              <a:ext cx="2977350" cy="1064696"/>
+              <a:off x="1981200" y="2364301"/>
+              <a:ext cx="2977350" cy="1064694"/>
               <a:chOff x="1488974" y="3906297"/>
-              <a:chExt cx="1803118" cy="734667"/>
+              <a:chExt cx="1803118" cy="734665"/>
             </a:xfrm>
           </p:grpSpPr>
           <p:sp>
@@ -10099,7 +10800,7 @@
                   <a:lumOff val="40000"/>
                 </a:schemeClr>
               </a:solidFill>
-              <a:ln w="28575">
+              <a:ln w="25400">
                 <a:solidFill>
                   <a:schemeClr val="tx1"/>
                 </a:solidFill>
@@ -10163,7 +10864,7 @@
                 <a:avLst/>
               </a:prstGeom>
               <a:noFill/>
-              <a:ln w="28575">
+              <a:ln w="25400">
                 <a:solidFill>
                   <a:schemeClr val="tx1"/>
                 </a:solidFill>
@@ -10189,6 +10890,7 @@
               <a:bodyPr rtlCol="0" anchor="ctr"/>
               <a:lstStyle/>
               <a:p>
+                <a:pPr algn="ctr"/>
                 <a:r>
                   <a:rPr kumimoji="1" lang="en-US" altLang="zh-CN" sz="1600" dirty="0">
                     <a:solidFill>
@@ -10264,10 +10966,10 @@
           </p:nvGrpSpPr>
           <p:grpSpPr>
             <a:xfrm>
-              <a:off x="7476451" y="2364300"/>
-              <a:ext cx="2977350" cy="1404137"/>
+              <a:off x="7476452" y="2364299"/>
+              <a:ext cx="2977349" cy="1404138"/>
               <a:chOff x="9132407" y="3125108"/>
-              <a:chExt cx="2302185" cy="968889"/>
+              <a:chExt cx="2302184" cy="968890"/>
             </a:xfrm>
           </p:grpSpPr>
           <p:sp>
@@ -10291,9 +10993,12 @@
                 <a:avLst/>
               </a:prstGeom>
               <a:solidFill>
-                <a:srgbClr val="FFC000"/>
+                <a:schemeClr val="accent4">
+                  <a:lumMod val="60000"/>
+                  <a:lumOff val="40000"/>
+                </a:schemeClr>
               </a:solidFill>
-              <a:ln w="28575">
+              <a:ln w="25400">
                 <a:solidFill>
                   <a:schemeClr val="tx1"/>
                 </a:solidFill>
@@ -10357,7 +11062,7 @@
                 <a:avLst/>
               </a:prstGeom>
               <a:noFill/>
-              <a:ln w="28575">
+              <a:ln w="25400">
                 <a:solidFill>
                   <a:schemeClr val="tx1"/>
                 </a:solidFill>
@@ -10383,6 +11088,7 @@
               <a:bodyPr rtlCol="0" anchor="ctr"/>
               <a:lstStyle/>
               <a:p>
+                <a:pPr algn="ctr"/>
                 <a:endParaRPr kumimoji="1" lang="en-US" altLang="zh-CN" sz="1600" dirty="0">
                   <a:solidFill>
                     <a:sysClr val="windowText" lastClr="000000"/>
@@ -10392,6 +11098,7 @@
                 </a:endParaRPr>
               </a:p>
               <a:p>
+                <a:pPr algn="ctr"/>
                 <a:r>
                   <a:rPr kumimoji="1" lang="en-US" altLang="zh-CN" sz="1600" dirty="0">
                     <a:solidFill>
@@ -10451,6 +11158,7 @@
                 </a:endParaRPr>
               </a:p>
               <a:p>
+                <a:pPr algn="ctr"/>
                 <a:r>
                   <a:rPr kumimoji="1" lang="en-US" altLang="zh-CN" sz="1600" dirty="0" err="1">
                     <a:solidFill>
@@ -10510,6 +11218,7 @@
                 </a:endParaRPr>
               </a:p>
               <a:p>
+                <a:pPr algn="ctr"/>
                 <a:endParaRPr kumimoji="1" lang="en-US" altLang="zh-CN" sz="1600" dirty="0">
                   <a:solidFill>
                     <a:sysClr val="windowText" lastClr="000000"/>
@@ -10545,11 +11254,11 @@
             <a:prstGeom prst="straightConnector1">
               <a:avLst/>
             </a:prstGeom>
-            <a:ln w="28575">
+            <a:ln w="25400">
               <a:solidFill>
                 <a:schemeClr val="tx1"/>
               </a:solidFill>
-              <a:headEnd type="arrow" w="lg" len="med"/>
+              <a:headEnd type="arrow" w="sm" len="lg"/>
               <a:tailEnd type="none"/>
             </a:ln>
           </p:spPr>
@@ -10715,10 +11424,10 @@
       </p:grpSpPr>
       <p:grpSp>
         <p:nvGrpSpPr>
-          <p:cNvPr id="9" name="Group 8">
+          <p:cNvPr id="2" name="Group 1">
             <a:extLst>
               <a:ext uri="{FF2B5EF4-FFF2-40B4-BE49-F238E27FC236}">
-                <a16:creationId xmlns:a16="http://schemas.microsoft.com/office/drawing/2014/main" id="{647EC7D2-BD6B-B14F-8B72-4CEEFEE2CA27}"/>
+                <a16:creationId xmlns:a16="http://schemas.microsoft.com/office/drawing/2014/main" id="{74A315EB-A0E3-8C7D-5149-B2A1EEA03A9A}"/>
               </a:ext>
             </a:extLst>
           </p:cNvPr>
@@ -10727,7 +11436,7 @@
         </p:nvGrpSpPr>
         <p:grpSpPr>
           <a:xfrm>
-            <a:off x="2003503" y="2737758"/>
+            <a:off x="1852279" y="2790825"/>
             <a:ext cx="8487442" cy="1276350"/>
             <a:chOff x="2003503" y="2737758"/>
             <a:chExt cx="8487442" cy="1276350"/>
@@ -10779,7 +11488,7 @@
                   <a:lumOff val="40000"/>
                 </a:schemeClr>
               </a:solidFill>
-              <a:ln w="28575">
+              <a:ln w="25400">
                 <a:solidFill>
                   <a:schemeClr val="tx1"/>
                 </a:solidFill>
@@ -10843,7 +11552,7 @@
                 <a:avLst/>
               </a:prstGeom>
               <a:noFill/>
-              <a:ln w="28575">
+              <a:ln w="25400">
                 <a:solidFill>
                   <a:schemeClr val="tx1"/>
                 </a:solidFill>
@@ -10869,6 +11578,7 @@
               <a:bodyPr rtlCol="0" anchor="ctr"/>
               <a:lstStyle/>
               <a:p>
+                <a:pPr algn="ctr"/>
                 <a:r>
                   <a:rPr kumimoji="1" lang="en-US" altLang="zh-CN" sz="1600" dirty="0">
                     <a:solidFill>
@@ -10954,11 +11664,11 @@
             <a:prstGeom prst="straightConnector1">
               <a:avLst/>
             </a:prstGeom>
-            <a:ln w="28575">
+            <a:ln w="25400">
               <a:solidFill>
                 <a:schemeClr val="tx1"/>
               </a:solidFill>
-              <a:headEnd type="arrow" w="lg" len="med"/>
+              <a:headEnd type="arrow" w="sm" len="lg"/>
               <a:tailEnd type="none"/>
             </a:ln>
           </p:spPr>
@@ -11170,12 +11880,12 @@
                 <a:avLst/>
               </a:prstGeom>
               <a:solidFill>
-                <a:schemeClr val="accent5">
+                <a:schemeClr val="accent2">
                   <a:lumMod val="60000"/>
                   <a:lumOff val="40000"/>
                 </a:schemeClr>
               </a:solidFill>
-              <a:ln w="28575">
+              <a:ln w="25400">
                 <a:solidFill>
                   <a:schemeClr val="tx1"/>
                 </a:solidFill>
@@ -11239,7 +11949,7 @@
                 <a:avLst/>
               </a:prstGeom>
               <a:noFill/>
-              <a:ln w="28575">
+              <a:ln w="25400">
                 <a:solidFill>
                   <a:schemeClr val="tx1"/>
                 </a:solidFill>
@@ -11265,6 +11975,7 @@
               <a:bodyPr rtlCol="0" anchor="ctr"/>
               <a:lstStyle/>
               <a:p>
+                <a:pPr algn="ctr"/>
                 <a:r>
                   <a:rPr kumimoji="1" lang="en-US" altLang="zh-CN" sz="1600" dirty="0">
                     <a:solidFill>
@@ -11359,10 +12070,10 @@
       </p:grpSpPr>
       <p:grpSp>
         <p:nvGrpSpPr>
-          <p:cNvPr id="9" name="Group 8">
+          <p:cNvPr id="2" name="Group 1">
             <a:extLst>
               <a:ext uri="{FF2B5EF4-FFF2-40B4-BE49-F238E27FC236}">
-                <a16:creationId xmlns:a16="http://schemas.microsoft.com/office/drawing/2014/main" id="{647EC7D2-BD6B-B14F-8B72-4CEEFEE2CA27}"/>
+                <a16:creationId xmlns:a16="http://schemas.microsoft.com/office/drawing/2014/main" id="{05C3A7B5-83CA-A947-0193-EF6CD621469B}"/>
               </a:ext>
             </a:extLst>
           </p:cNvPr>
@@ -11423,7 +12134,7 @@
                   <a:lumOff val="40000"/>
                 </a:schemeClr>
               </a:solidFill>
-              <a:ln w="28575">
+              <a:ln w="25400">
                 <a:solidFill>
                   <a:schemeClr val="tx1"/>
                 </a:solidFill>
@@ -11487,7 +12198,7 @@
                 <a:avLst/>
               </a:prstGeom>
               <a:noFill/>
-              <a:ln w="28575">
+              <a:ln w="25400">
                 <a:solidFill>
                   <a:schemeClr val="tx1"/>
                 </a:solidFill>
@@ -11513,6 +12224,7 @@
               <a:bodyPr rtlCol="0" anchor="ctr"/>
               <a:lstStyle/>
               <a:p>
+                <a:pPr algn="ctr"/>
                 <a:r>
                   <a:rPr kumimoji="1" lang="en-US" altLang="zh-CN" sz="1600" dirty="0">
                     <a:solidFill>
@@ -11598,11 +12310,11 @@
             <a:prstGeom prst="straightConnector1">
               <a:avLst/>
             </a:prstGeom>
-            <a:ln w="28575">
+            <a:ln w="25400">
               <a:solidFill>
                 <a:schemeClr val="tx1"/>
               </a:solidFill>
-              <a:headEnd type="arrow" w="lg" len="med"/>
+              <a:headEnd type="arrow" w="sm" len="lg"/>
               <a:tailEnd type="none"/>
             </a:ln>
           </p:spPr>
@@ -11814,12 +12526,12 @@
                 <a:avLst/>
               </a:prstGeom>
               <a:solidFill>
-                <a:schemeClr val="accent5">
+                <a:schemeClr val="accent2">
                   <a:lumMod val="60000"/>
                   <a:lumOff val="40000"/>
                 </a:schemeClr>
               </a:solidFill>
-              <a:ln w="28575">
+              <a:ln w="25400">
                 <a:solidFill>
                   <a:schemeClr val="tx1"/>
                 </a:solidFill>
@@ -11883,7 +12595,7 @@
                 <a:avLst/>
               </a:prstGeom>
               <a:noFill/>
-              <a:ln w="28575">
+              <a:ln w="25400">
                 <a:solidFill>
                   <a:schemeClr val="tx1"/>
                 </a:solidFill>
@@ -11909,6 +12621,7 @@
               <a:bodyPr rtlCol="0" anchor="ctr"/>
               <a:lstStyle/>
               <a:p>
+                <a:pPr algn="ctr"/>
                 <a:r>
                   <a:rPr kumimoji="1" lang="en-US" altLang="zh-CN" sz="1600" dirty="0">
                     <a:solidFill>

--- a/patterns/transaction-write.pptx
+++ b/patterns/transaction-write.pptx
@@ -234,7 +234,7 @@
           <a:p>
             <a:fld id="{CAD4BD24-A097-4F9D-85E9-6A2A24CA2D98}" type="datetimeFigureOut">
               <a:rPr lang="zh-CN" altLang="en-US" smtClean="0"/>
-              <a:t>2022/11/14</a:t>
+              <a:t>2022/11/17</a:t>
             </a:fld>
             <a:endParaRPr lang="zh-CN" altLang="en-US"/>
           </a:p>
@@ -3292,6 +3292,180 @@
           </p:txBody>
         </p:sp>
       </p:grpSp>
+      <p:sp>
+        <p:nvSpPr>
+          <p:cNvPr id="2" name="Cross 1">
+            <a:extLst>
+              <a:ext uri="{FF2B5EF4-FFF2-40B4-BE49-F238E27FC236}">
+                <a16:creationId xmlns:a16="http://schemas.microsoft.com/office/drawing/2014/main" id="{7F0E216C-8081-EB22-0A1C-F55CAE5567FB}"/>
+              </a:ext>
+            </a:extLst>
+          </p:cNvPr>
+          <p:cNvSpPr/>
+          <p:nvPr/>
+        </p:nvSpPr>
+        <p:spPr>
+          <a:xfrm>
+            <a:off x="1743075" y="2220077"/>
+            <a:ext cx="180000" cy="180000"/>
+          </a:xfrm>
+          <a:prstGeom prst="plus">
+            <a:avLst>
+              <a:gd name="adj" fmla="val 33021"/>
+            </a:avLst>
+          </a:prstGeom>
+          <a:solidFill>
+            <a:schemeClr val="tx1"/>
+          </a:solidFill>
+          <a:ln>
+            <a:noFill/>
+          </a:ln>
+        </p:spPr>
+        <p:style>
+          <a:lnRef idx="2">
+            <a:schemeClr val="accent1">
+              <a:shade val="50000"/>
+            </a:schemeClr>
+          </a:lnRef>
+          <a:fillRef idx="1">
+            <a:schemeClr val="accent1"/>
+          </a:fillRef>
+          <a:effectRef idx="0">
+            <a:schemeClr val="accent1"/>
+          </a:effectRef>
+          <a:fontRef idx="minor">
+            <a:schemeClr val="lt1"/>
+          </a:fontRef>
+        </p:style>
+        <p:txBody>
+          <a:bodyPr rtlCol="0" anchor="ctr"/>
+          <a:lstStyle/>
+          <a:p>
+            <a:pPr algn="ctr"/>
+            <a:endParaRPr lang="en-CN">
+              <a:solidFill>
+                <a:schemeClr val="tx1"/>
+              </a:solidFill>
+            </a:endParaRPr>
+          </a:p>
+        </p:txBody>
+      </p:sp>
+      <p:sp>
+        <p:nvSpPr>
+          <p:cNvPr id="7" name="Cross 6">
+            <a:extLst>
+              <a:ext uri="{FF2B5EF4-FFF2-40B4-BE49-F238E27FC236}">
+                <a16:creationId xmlns:a16="http://schemas.microsoft.com/office/drawing/2014/main" id="{97B94FAA-0D92-09CE-C55D-9D56B6784BFD}"/>
+              </a:ext>
+            </a:extLst>
+          </p:cNvPr>
+          <p:cNvSpPr/>
+          <p:nvPr/>
+        </p:nvSpPr>
+        <p:spPr>
+          <a:xfrm>
+            <a:off x="7552671" y="2220077"/>
+            <a:ext cx="180000" cy="180000"/>
+          </a:xfrm>
+          <a:prstGeom prst="plus">
+            <a:avLst>
+              <a:gd name="adj" fmla="val 33021"/>
+            </a:avLst>
+          </a:prstGeom>
+          <a:solidFill>
+            <a:schemeClr val="tx1"/>
+          </a:solidFill>
+          <a:ln>
+            <a:noFill/>
+          </a:ln>
+        </p:spPr>
+        <p:style>
+          <a:lnRef idx="2">
+            <a:schemeClr val="accent1">
+              <a:shade val="50000"/>
+            </a:schemeClr>
+          </a:lnRef>
+          <a:fillRef idx="1">
+            <a:schemeClr val="accent1"/>
+          </a:fillRef>
+          <a:effectRef idx="0">
+            <a:schemeClr val="accent1"/>
+          </a:effectRef>
+          <a:fontRef idx="minor">
+            <a:schemeClr val="lt1"/>
+          </a:fontRef>
+        </p:style>
+        <p:txBody>
+          <a:bodyPr rtlCol="0" anchor="ctr"/>
+          <a:lstStyle/>
+          <a:p>
+            <a:pPr algn="ctr"/>
+            <a:endParaRPr lang="en-CN">
+              <a:solidFill>
+                <a:schemeClr val="tx1"/>
+              </a:solidFill>
+            </a:endParaRPr>
+          </a:p>
+        </p:txBody>
+      </p:sp>
+      <p:sp>
+        <p:nvSpPr>
+          <p:cNvPr id="9" name="Cross 8">
+            <a:extLst>
+              <a:ext uri="{FF2B5EF4-FFF2-40B4-BE49-F238E27FC236}">
+                <a16:creationId xmlns:a16="http://schemas.microsoft.com/office/drawing/2014/main" id="{B41A4442-733B-F248-83BD-78048EADD0B0}"/>
+              </a:ext>
+            </a:extLst>
+          </p:cNvPr>
+          <p:cNvSpPr/>
+          <p:nvPr/>
+        </p:nvSpPr>
+        <p:spPr>
+          <a:xfrm>
+            <a:off x="6096000" y="2231751"/>
+            <a:ext cx="180000" cy="180000"/>
+          </a:xfrm>
+          <a:prstGeom prst="plus">
+            <a:avLst>
+              <a:gd name="adj" fmla="val 33021"/>
+            </a:avLst>
+          </a:prstGeom>
+          <a:solidFill>
+            <a:schemeClr val="tx1"/>
+          </a:solidFill>
+          <a:ln>
+            <a:noFill/>
+          </a:ln>
+        </p:spPr>
+        <p:style>
+          <a:lnRef idx="2">
+            <a:schemeClr val="accent1">
+              <a:shade val="50000"/>
+            </a:schemeClr>
+          </a:lnRef>
+          <a:fillRef idx="1">
+            <a:schemeClr val="accent1"/>
+          </a:fillRef>
+          <a:effectRef idx="0">
+            <a:schemeClr val="accent1"/>
+          </a:effectRef>
+          <a:fontRef idx="minor">
+            <a:schemeClr val="lt1"/>
+          </a:fontRef>
+        </p:style>
+        <p:txBody>
+          <a:bodyPr rtlCol="0" anchor="ctr"/>
+          <a:lstStyle/>
+          <a:p>
+            <a:pPr algn="ctr"/>
+            <a:endParaRPr lang="en-CN">
+              <a:solidFill>
+                <a:schemeClr val="tx1"/>
+              </a:solidFill>
+            </a:endParaRPr>
+          </a:p>
+        </p:txBody>
+      </p:sp>
     </p:spTree>
     <p:extLst>
       <p:ext uri="{BB962C8B-B14F-4D97-AF65-F5344CB8AC3E}">
@@ -3401,9 +3575,25 @@
                     <a:sysClr val="windowText" lastClr="000000"/>
                   </a:solidFill>
                 </a:rPr>
+                <a:t>acc:</a:t>
+              </a:r>
+              <a:r>
+                <a:rPr kumimoji="1" lang="zh-CN" altLang="en-US" b="1" dirty="0">
+                  <a:solidFill>
+                    <a:sysClr val="windowText" lastClr="000000"/>
+                  </a:solidFill>
+                </a:rPr>
+                <a:t> </a:t>
+              </a:r>
+              <a:r>
+                <a:rPr kumimoji="1" lang="en-US" altLang="zh-CN" dirty="0">
+                  <a:solidFill>
+                    <a:sysClr val="windowText" lastClr="000000"/>
+                  </a:solidFill>
+                </a:rPr>
                 <a:t>Account</a:t>
               </a:r>
-              <a:endParaRPr kumimoji="1" lang="zh-CN" altLang="en-US" sz="1600" b="1" dirty="0">
+              <a:endParaRPr kumimoji="1" lang="zh-CN" altLang="en-US" sz="1600" dirty="0">
                 <a:solidFill>
                   <a:sysClr val="windowText" lastClr="000000"/>
                 </a:solidFill>
@@ -3460,14 +3650,14 @@
             <a:p>
               <a:pPr algn="ctr"/>
               <a:r>
-                <a:rPr kumimoji="1" lang="en-US" altLang="zh-CN" sz="1600" dirty="0">
+                <a:rPr kumimoji="1" lang="en-US" altLang="zh-CN" sz="1600" dirty="0" err="1">
                   <a:solidFill>
                     <a:sysClr val="windowText" lastClr="000000"/>
                   </a:solidFill>
                   <a:latin typeface="DengXian" panose="02010600030101010101" pitchFamily="2" charset="-122"/>
                   <a:ea typeface="DengXian" panose="02010600030101010101" pitchFamily="2" charset="-122"/>
                 </a:rPr>
-                <a:t>id</a:t>
+                <a:t>acc.id</a:t>
               </a:r>
               <a:r>
                 <a:rPr kumimoji="1" lang="zh-CN" altLang="en-US" sz="1600" dirty="0">
@@ -3487,7 +3677,7 @@
                   <a:latin typeface="DengXian" panose="02010600030101010101" pitchFamily="2" charset="-122"/>
                   <a:ea typeface="DengXian" panose="02010600030101010101" pitchFamily="2" charset="-122"/>
                 </a:rPr>
-                <a:t>&lt;-</a:t>
+                <a:t>=</a:t>
               </a:r>
               <a:r>
                 <a:rPr kumimoji="1" lang="zh-CN" altLang="en-US" sz="1600" dirty="0">
@@ -3500,6 +3690,16 @@
                 <a:t> </a:t>
               </a:r>
               <a:r>
+                <a:rPr kumimoji="1" lang="en-US" altLang="zh-CN" sz="1600" dirty="0">
+                  <a:solidFill>
+                    <a:sysClr val="windowText" lastClr="000000"/>
+                  </a:solidFill>
+                  <a:latin typeface="DengXian" panose="02010600030101010101" pitchFamily="2" charset="-122"/>
+                  <a:ea typeface="DengXian" panose="02010600030101010101" pitchFamily="2" charset="-122"/>
+                </a:rPr>
+                <a:t>${</a:t>
+              </a:r>
+              <a:r>
                 <a:rPr kumimoji="1" lang="en-US" altLang="zh-CN" sz="1600" dirty="0" err="1">
                   <a:solidFill>
                     <a:sysClr val="windowText" lastClr="000000"/>
@@ -3509,13 +3709,16 @@
                 </a:rPr>
                 <a:t>accountId</a:t>
               </a:r>
-              <a:endParaRPr kumimoji="1" lang="en-US" altLang="zh-CN" sz="1600" dirty="0">
-                <a:solidFill>
-                  <a:sysClr val="windowText" lastClr="000000"/>
-                </a:solidFill>
-                <a:latin typeface="DengXian" panose="02010600030101010101" pitchFamily="2" charset="-122"/>
-                <a:ea typeface="DengXian" panose="02010600030101010101" pitchFamily="2" charset="-122"/>
-              </a:endParaRPr>
+              <a:r>
+                <a:rPr kumimoji="1" lang="en-US" altLang="zh-CN" sz="1600" dirty="0">
+                  <a:solidFill>
+                    <a:sysClr val="windowText" lastClr="000000"/>
+                  </a:solidFill>
+                  <a:latin typeface="DengXian" panose="02010600030101010101" pitchFamily="2" charset="-122"/>
+                  <a:ea typeface="DengXian" panose="02010600030101010101" pitchFamily="2" charset="-122"/>
+                </a:rPr>
+                <a:t>}</a:t>
+              </a:r>
             </a:p>
             <a:p>
               <a:pPr algn="ctr"/>
@@ -3682,9 +3885,25 @@
                     <a:sysClr val="windowText" lastClr="000000"/>
                   </a:solidFill>
                 </a:rPr>
+                <a:t>med:</a:t>
+              </a:r>
+              <a:r>
+                <a:rPr kumimoji="1" lang="zh-CN" altLang="en-US" b="1" dirty="0">
+                  <a:solidFill>
+                    <a:sysClr val="windowText" lastClr="000000"/>
+                  </a:solidFill>
+                </a:rPr>
+                <a:t> </a:t>
+              </a:r>
+              <a:r>
+                <a:rPr kumimoji="1" lang="en-US" altLang="zh-CN" dirty="0">
+                  <a:solidFill>
+                    <a:sysClr val="windowText" lastClr="000000"/>
+                  </a:solidFill>
+                </a:rPr>
                 <a:t>Medium</a:t>
               </a:r>
-              <a:endParaRPr kumimoji="1" lang="zh-CN" altLang="en-US" sz="1600" b="1" dirty="0">
+              <a:endParaRPr kumimoji="1" lang="zh-CN" altLang="en-US" sz="1600" dirty="0">
                 <a:solidFill>
                   <a:sysClr val="windowText" lastClr="000000"/>
                 </a:solidFill>
@@ -3741,14 +3960,14 @@
             <a:p>
               <a:pPr algn="ctr"/>
               <a:r>
-                <a:rPr kumimoji="1" lang="en-US" altLang="zh-CN" sz="1600" dirty="0">
+                <a:rPr kumimoji="1" lang="en-US" altLang="zh-CN" sz="1600" dirty="0" err="1">
                   <a:solidFill>
                     <a:sysClr val="windowText" lastClr="000000"/>
                   </a:solidFill>
                   <a:latin typeface="DengXian" panose="02010600030101010101" pitchFamily="2" charset="-122"/>
                   <a:ea typeface="DengXian" panose="02010600030101010101" pitchFamily="2" charset="-122"/>
                 </a:rPr>
-                <a:t>id</a:t>
+                <a:t>med.id</a:t>
               </a:r>
               <a:r>
                 <a:rPr kumimoji="1" lang="zh-CN" altLang="en-US" sz="1600" dirty="0">
@@ -3768,7 +3987,7 @@
                   <a:latin typeface="DengXian" panose="02010600030101010101" pitchFamily="2" charset="-122"/>
                   <a:ea typeface="DengXian" panose="02010600030101010101" pitchFamily="2" charset="-122"/>
                 </a:rPr>
-                <a:t>&lt;-</a:t>
+                <a:t>=</a:t>
               </a:r>
               <a:r>
                 <a:rPr kumimoji="1" lang="zh-CN" altLang="en-US" sz="1600" dirty="0">
@@ -3781,6 +4000,16 @@
                 <a:t> </a:t>
               </a:r>
               <a:r>
+                <a:rPr kumimoji="1" lang="en-US" altLang="zh-CN" sz="1600" dirty="0">
+                  <a:solidFill>
+                    <a:sysClr val="windowText" lastClr="000000"/>
+                  </a:solidFill>
+                  <a:latin typeface="DengXian" panose="02010600030101010101" pitchFamily="2" charset="-122"/>
+                  <a:ea typeface="DengXian" panose="02010600030101010101" pitchFamily="2" charset="-122"/>
+                </a:rPr>
+                <a:t>${</a:t>
+              </a:r>
+              <a:r>
                 <a:rPr kumimoji="1" lang="en-US" altLang="zh-CN" sz="1600" dirty="0" err="1">
                   <a:solidFill>
                     <a:sysClr val="windowText" lastClr="000000"/>
@@ -3790,13 +4019,16 @@
                 </a:rPr>
                 <a:t>mediumId</a:t>
               </a:r>
-              <a:endParaRPr kumimoji="1" lang="en-US" altLang="zh-CN" sz="1600" dirty="0">
-                <a:solidFill>
-                  <a:sysClr val="windowText" lastClr="000000"/>
-                </a:solidFill>
-                <a:latin typeface="DengXian" panose="02010600030101010101" pitchFamily="2" charset="-122"/>
-                <a:ea typeface="DengXian" panose="02010600030101010101" pitchFamily="2" charset="-122"/>
-              </a:endParaRPr>
+              <a:r>
+                <a:rPr kumimoji="1" lang="en-US" altLang="zh-CN" sz="1600" dirty="0">
+                  <a:solidFill>
+                    <a:sysClr val="windowText" lastClr="000000"/>
+                  </a:solidFill>
+                  <a:latin typeface="DengXian" panose="02010600030101010101" pitchFamily="2" charset="-122"/>
+                  <a:ea typeface="DengXian" panose="02010600030101010101" pitchFamily="2" charset="-122"/>
+                </a:rPr>
+                <a:t>}</a:t>
+              </a:r>
             </a:p>
             <a:p>
               <a:pPr algn="ctr"/>
@@ -3983,9 +4215,25 @@
                       <a:sysClr val="windowText" lastClr="000000"/>
                     </a:solidFill>
                   </a:rPr>
+                  <a:t>p1:</a:t>
+                </a:r>
+                <a:r>
+                  <a:rPr kumimoji="1" lang="zh-CN" altLang="en-US" b="1" dirty="0">
+                    <a:solidFill>
+                      <a:sysClr val="windowText" lastClr="000000"/>
+                    </a:solidFill>
+                  </a:rPr>
+                  <a:t> </a:t>
+                </a:r>
+                <a:r>
+                  <a:rPr kumimoji="1" lang="en-US" altLang="zh-CN" dirty="0">
+                    <a:solidFill>
+                      <a:sysClr val="windowText" lastClr="000000"/>
+                    </a:solidFill>
+                  </a:rPr>
                   <a:t>Person</a:t>
                 </a:r>
-                <a:endParaRPr kumimoji="1" lang="zh-CN" altLang="en-US" sz="1600" b="1" dirty="0">
+                <a:endParaRPr kumimoji="1" lang="zh-CN" altLang="en-US" sz="1600" dirty="0">
                   <a:solidFill>
                     <a:sysClr val="windowText" lastClr="000000"/>
                   </a:solidFill>
@@ -4049,7 +4297,7 @@
                     <a:latin typeface="DengXian" panose="02010600030101010101" pitchFamily="2" charset="-122"/>
                     <a:ea typeface="DengXian" panose="02010600030101010101" pitchFamily="2" charset="-122"/>
                   </a:rPr>
-                  <a:t>id</a:t>
+                  <a:t>p1.id</a:t>
                 </a:r>
                 <a:r>
                   <a:rPr kumimoji="1" lang="zh-CN" altLang="en-US" sz="1600" dirty="0">
@@ -4069,7 +4317,7 @@
                     <a:latin typeface="DengXian" panose="02010600030101010101" pitchFamily="2" charset="-122"/>
                     <a:ea typeface="DengXian" panose="02010600030101010101" pitchFamily="2" charset="-122"/>
                   </a:rPr>
-                  <a:t>&lt;-</a:t>
+                  <a:t>=</a:t>
                 </a:r>
                 <a:r>
                   <a:rPr kumimoji="1" lang="zh-CN" altLang="en-US" sz="1600" dirty="0">
@@ -4089,7 +4337,7 @@
                     <a:latin typeface="DengXian" panose="02010600030101010101" pitchFamily="2" charset="-122"/>
                     <a:ea typeface="DengXian" panose="02010600030101010101" pitchFamily="2" charset="-122"/>
                   </a:rPr>
-                  <a:t>pid1</a:t>
+                  <a:t>${pid1}</a:t>
                 </a:r>
               </a:p>
             </p:txBody>
@@ -4335,9 +4583,25 @@
                       <a:sysClr val="windowText" lastClr="000000"/>
                     </a:solidFill>
                   </a:rPr>
+                  <a:t>p2:</a:t>
+                </a:r>
+                <a:r>
+                  <a:rPr kumimoji="1" lang="zh-CN" altLang="en-US" b="1" dirty="0">
+                    <a:solidFill>
+                      <a:sysClr val="windowText" lastClr="000000"/>
+                    </a:solidFill>
+                  </a:rPr>
+                  <a:t> </a:t>
+                </a:r>
+                <a:r>
+                  <a:rPr kumimoji="1" lang="en-US" altLang="zh-CN" dirty="0">
+                    <a:solidFill>
+                      <a:sysClr val="windowText" lastClr="000000"/>
+                    </a:solidFill>
+                  </a:rPr>
                   <a:t>Person</a:t>
                 </a:r>
-                <a:endParaRPr kumimoji="1" lang="zh-CN" altLang="en-US" sz="1600" b="1" dirty="0">
+                <a:endParaRPr kumimoji="1" lang="zh-CN" altLang="en-US" sz="1600" dirty="0">
                   <a:solidFill>
                     <a:sysClr val="windowText" lastClr="000000"/>
                   </a:solidFill>
@@ -4401,7 +4665,7 @@
                     <a:latin typeface="DengXian" panose="02010600030101010101" pitchFamily="2" charset="-122"/>
                     <a:ea typeface="DengXian" panose="02010600030101010101" pitchFamily="2" charset="-122"/>
                   </a:rPr>
-                  <a:t>id</a:t>
+                  <a:t>p2.id</a:t>
                 </a:r>
                 <a:r>
                   <a:rPr kumimoji="1" lang="zh-CN" altLang="en-US" sz="1600" dirty="0">
@@ -4421,7 +4685,7 @@
                     <a:latin typeface="DengXian" panose="02010600030101010101" pitchFamily="2" charset="-122"/>
                     <a:ea typeface="DengXian" panose="02010600030101010101" pitchFamily="2" charset="-122"/>
                   </a:rPr>
-                  <a:t>&lt;-</a:t>
+                  <a:t>=</a:t>
                 </a:r>
                 <a:r>
                   <a:rPr kumimoji="1" lang="zh-CN" altLang="en-US" sz="1600" dirty="0">
@@ -4441,13 +4705,71 @@
                     <a:latin typeface="DengXian" panose="02010600030101010101" pitchFamily="2" charset="-122"/>
                     <a:ea typeface="DengXian" panose="02010600030101010101" pitchFamily="2" charset="-122"/>
                   </a:rPr>
-                  <a:t>pid2</a:t>
+                  <a:t>${pid2}</a:t>
                 </a:r>
               </a:p>
             </p:txBody>
           </p:sp>
         </p:grpSp>
       </p:grpSp>
+      <p:sp>
+        <p:nvSpPr>
+          <p:cNvPr id="2" name="Cross 1">
+            <a:extLst>
+              <a:ext uri="{FF2B5EF4-FFF2-40B4-BE49-F238E27FC236}">
+                <a16:creationId xmlns:a16="http://schemas.microsoft.com/office/drawing/2014/main" id="{6707C5A1-D79E-8A0D-4EAD-A5DC3BD17699}"/>
+              </a:ext>
+            </a:extLst>
+          </p:cNvPr>
+          <p:cNvSpPr/>
+          <p:nvPr/>
+        </p:nvSpPr>
+        <p:spPr>
+          <a:xfrm>
+            <a:off x="6712734" y="2767255"/>
+            <a:ext cx="180000" cy="180000"/>
+          </a:xfrm>
+          <a:prstGeom prst="plus">
+            <a:avLst>
+              <a:gd name="adj" fmla="val 33021"/>
+            </a:avLst>
+          </a:prstGeom>
+          <a:solidFill>
+            <a:schemeClr val="tx1"/>
+          </a:solidFill>
+          <a:ln>
+            <a:noFill/>
+          </a:ln>
+        </p:spPr>
+        <p:style>
+          <a:lnRef idx="2">
+            <a:schemeClr val="accent1">
+              <a:shade val="50000"/>
+            </a:schemeClr>
+          </a:lnRef>
+          <a:fillRef idx="1">
+            <a:schemeClr val="accent1"/>
+          </a:fillRef>
+          <a:effectRef idx="0">
+            <a:schemeClr val="accent1"/>
+          </a:effectRef>
+          <a:fontRef idx="minor">
+            <a:schemeClr val="lt1"/>
+          </a:fontRef>
+        </p:style>
+        <p:txBody>
+          <a:bodyPr rtlCol="0" anchor="ctr"/>
+          <a:lstStyle/>
+          <a:p>
+            <a:pPr algn="ctr"/>
+            <a:endParaRPr lang="en-CN">
+              <a:solidFill>
+                <a:schemeClr val="tx1"/>
+              </a:solidFill>
+            </a:endParaRPr>
+          </a:p>
+        </p:txBody>
+      </p:sp>
     </p:spTree>
     <p:extLst>
       <p:ext uri="{BB962C8B-B14F-4D97-AF65-F5344CB8AC3E}">
@@ -4704,12 +5026,28 @@
               <a:p>
                 <a:pPr algn="ctr"/>
                 <a:r>
+                  <a:rPr lang="en-US" altLang="zh-CN" sz="1400" dirty="0" err="1">
+                    <a:solidFill>
+                      <a:schemeClr val="tx1"/>
+                    </a:solidFill>
+                  </a:rPr>
+                  <a:t>acc.id</a:t>
+                </a:r>
+                <a:r>
+                  <a:rPr lang="zh-CN" altLang="en-US" sz="1400" dirty="0">
+                    <a:solidFill>
+                      <a:schemeClr val="tx1"/>
+                    </a:solidFill>
+                  </a:rPr>
+                  <a:t> </a:t>
+                </a:r>
+                <a:r>
                   <a:rPr lang="en-US" altLang="zh-CN" sz="1400" dirty="0">
                     <a:solidFill>
                       <a:schemeClr val="tx1"/>
                     </a:solidFill>
                   </a:rPr>
-                  <a:t>id:</a:t>
+                  <a:t>=</a:t>
                 </a:r>
                 <a:r>
                   <a:rPr lang="zh-CN" altLang="en-US" sz="1400" dirty="0">
@@ -4789,9 +5127,25 @@
                       <a:schemeClr val="tx1"/>
                     </a:solidFill>
                   </a:rPr>
+                  <a:t>acc:</a:t>
+                </a:r>
+                <a:r>
+                  <a:rPr lang="zh-CN" altLang="en-US" b="1" dirty="0">
+                    <a:solidFill>
+                      <a:schemeClr val="tx1"/>
+                    </a:solidFill>
+                  </a:rPr>
+                  <a:t> </a:t>
+                </a:r>
+                <a:r>
+                  <a:rPr lang="en-US" altLang="zh-CN" dirty="0">
+                    <a:solidFill>
+                      <a:schemeClr val="tx1"/>
+                    </a:solidFill>
+                  </a:rPr>
                   <a:t>Account</a:t>
                 </a:r>
-                <a:endParaRPr lang="en-CN" b="1" dirty="0">
+                <a:endParaRPr lang="en-CN" dirty="0">
                   <a:solidFill>
                     <a:schemeClr val="tx1"/>
                   </a:solidFill>
@@ -5603,7 +5957,7 @@
           </p:nvSpPr>
           <p:spPr>
             <a:xfrm>
-              <a:off x="6217357" y="3314550"/>
+              <a:off x="6345177" y="3314550"/>
               <a:ext cx="360000" cy="360000"/>
             </a:xfrm>
             <a:prstGeom prst="mathMultiply">
@@ -6121,12 +6475,28 @@
             <a:p>
               <a:pPr algn="ctr"/>
               <a:r>
+                <a:rPr lang="en-US" altLang="zh-CN" sz="1400" dirty="0" err="1">
+                  <a:solidFill>
+                    <a:schemeClr val="tx1"/>
+                  </a:solidFill>
+                </a:rPr>
+                <a:t>loan.id</a:t>
+              </a:r>
+              <a:r>
+                <a:rPr lang="zh-CN" altLang="en-US" sz="1400" dirty="0">
+                  <a:solidFill>
+                    <a:schemeClr val="tx1"/>
+                  </a:solidFill>
+                </a:rPr>
+                <a:t> </a:t>
+              </a:r>
+              <a:r>
                 <a:rPr lang="en-US" altLang="zh-CN" sz="1400" dirty="0">
                   <a:solidFill>
                     <a:schemeClr val="tx1"/>
                   </a:solidFill>
                 </a:rPr>
-                <a:t>id:</a:t>
+                <a:t>=</a:t>
               </a:r>
               <a:r>
                 <a:rPr lang="zh-CN" altLang="en-US" sz="1400" dirty="0">
@@ -6275,9 +6645,25 @@
                     <a:schemeClr val="tx1"/>
                   </a:solidFill>
                 </a:rPr>
+                <a:t>loan:</a:t>
+              </a:r>
+              <a:r>
+                <a:rPr lang="zh-CN" altLang="en-US" b="1" dirty="0">
+                  <a:solidFill>
+                    <a:schemeClr val="tx1"/>
+                  </a:solidFill>
+                </a:rPr>
+                <a:t> </a:t>
+              </a:r>
+              <a:r>
+                <a:rPr lang="en-US" altLang="zh-CN" dirty="0">
+                  <a:solidFill>
+                    <a:schemeClr val="tx1"/>
+                  </a:solidFill>
+                </a:rPr>
                 <a:t>Loan</a:t>
               </a:r>
-              <a:endParaRPr lang="en-CN" b="1" dirty="0">
+              <a:endParaRPr lang="en-CN" dirty="0">
                 <a:solidFill>
                   <a:schemeClr val="tx1"/>
                 </a:solidFill>
@@ -6463,7 +6849,7 @@
           </p:nvSpPr>
           <p:spPr>
             <a:xfrm>
-              <a:off x="6229340" y="4034780"/>
+              <a:off x="6347328" y="4034780"/>
               <a:ext cx="360000" cy="360000"/>
             </a:xfrm>
             <a:prstGeom prst="mathMultiply">
@@ -8061,6 +8447,180 @@
           </p:txBody>
         </p:sp>
       </p:grpSp>
+      <p:sp>
+        <p:nvSpPr>
+          <p:cNvPr id="4" name="Cross 3">
+            <a:extLst>
+              <a:ext uri="{FF2B5EF4-FFF2-40B4-BE49-F238E27FC236}">
+                <a16:creationId xmlns:a16="http://schemas.microsoft.com/office/drawing/2014/main" id="{E66C406D-8882-3D11-1F95-3D0CC42825AA}"/>
+              </a:ext>
+            </a:extLst>
+          </p:cNvPr>
+          <p:cNvSpPr/>
+          <p:nvPr/>
+        </p:nvSpPr>
+        <p:spPr>
+          <a:xfrm>
+            <a:off x="6123910" y="2207059"/>
+            <a:ext cx="180000" cy="180000"/>
+          </a:xfrm>
+          <a:prstGeom prst="plus">
+            <a:avLst>
+              <a:gd name="adj" fmla="val 33021"/>
+            </a:avLst>
+          </a:prstGeom>
+          <a:solidFill>
+            <a:schemeClr val="tx1"/>
+          </a:solidFill>
+          <a:ln>
+            <a:noFill/>
+          </a:ln>
+        </p:spPr>
+        <p:style>
+          <a:lnRef idx="2">
+            <a:schemeClr val="accent1">
+              <a:shade val="50000"/>
+            </a:schemeClr>
+          </a:lnRef>
+          <a:fillRef idx="1">
+            <a:schemeClr val="accent1"/>
+          </a:fillRef>
+          <a:effectRef idx="0">
+            <a:schemeClr val="accent1"/>
+          </a:effectRef>
+          <a:fontRef idx="minor">
+            <a:schemeClr val="lt1"/>
+          </a:fontRef>
+        </p:style>
+        <p:txBody>
+          <a:bodyPr rtlCol="0" anchor="ctr"/>
+          <a:lstStyle/>
+          <a:p>
+            <a:pPr algn="ctr"/>
+            <a:endParaRPr lang="en-CN">
+              <a:solidFill>
+                <a:schemeClr val="tx1"/>
+              </a:solidFill>
+            </a:endParaRPr>
+          </a:p>
+        </p:txBody>
+      </p:sp>
+      <p:sp>
+        <p:nvSpPr>
+          <p:cNvPr id="7" name="Cross 6">
+            <a:extLst>
+              <a:ext uri="{FF2B5EF4-FFF2-40B4-BE49-F238E27FC236}">
+                <a16:creationId xmlns:a16="http://schemas.microsoft.com/office/drawing/2014/main" id="{CBEE5D98-D7CC-D52C-FBF5-AC7899B9958A}"/>
+              </a:ext>
+            </a:extLst>
+          </p:cNvPr>
+          <p:cNvSpPr/>
+          <p:nvPr/>
+        </p:nvSpPr>
+        <p:spPr>
+          <a:xfrm>
+            <a:off x="7563221" y="2234994"/>
+            <a:ext cx="180000" cy="180000"/>
+          </a:xfrm>
+          <a:prstGeom prst="plus">
+            <a:avLst>
+              <a:gd name="adj" fmla="val 33021"/>
+            </a:avLst>
+          </a:prstGeom>
+          <a:solidFill>
+            <a:schemeClr val="tx1"/>
+          </a:solidFill>
+          <a:ln>
+            <a:noFill/>
+          </a:ln>
+        </p:spPr>
+        <p:style>
+          <a:lnRef idx="2">
+            <a:schemeClr val="accent1">
+              <a:shade val="50000"/>
+            </a:schemeClr>
+          </a:lnRef>
+          <a:fillRef idx="1">
+            <a:schemeClr val="accent1"/>
+          </a:fillRef>
+          <a:effectRef idx="0">
+            <a:schemeClr val="accent1"/>
+          </a:effectRef>
+          <a:fontRef idx="minor">
+            <a:schemeClr val="lt1"/>
+          </a:fontRef>
+        </p:style>
+        <p:txBody>
+          <a:bodyPr rtlCol="0" anchor="ctr"/>
+          <a:lstStyle/>
+          <a:p>
+            <a:pPr algn="ctr"/>
+            <a:endParaRPr lang="en-CN">
+              <a:solidFill>
+                <a:schemeClr val="tx1"/>
+              </a:solidFill>
+            </a:endParaRPr>
+          </a:p>
+        </p:txBody>
+      </p:sp>
+      <p:sp>
+        <p:nvSpPr>
+          <p:cNvPr id="9" name="Cross 8">
+            <a:extLst>
+              <a:ext uri="{FF2B5EF4-FFF2-40B4-BE49-F238E27FC236}">
+                <a16:creationId xmlns:a16="http://schemas.microsoft.com/office/drawing/2014/main" id="{F0327793-F9A8-97A3-CF62-096D5FAFD72C}"/>
+              </a:ext>
+            </a:extLst>
+          </p:cNvPr>
+          <p:cNvSpPr/>
+          <p:nvPr/>
+        </p:nvSpPr>
+        <p:spPr>
+          <a:xfrm>
+            <a:off x="1747442" y="2225162"/>
+            <a:ext cx="180000" cy="180000"/>
+          </a:xfrm>
+          <a:prstGeom prst="plus">
+            <a:avLst>
+              <a:gd name="adj" fmla="val 33021"/>
+            </a:avLst>
+          </a:prstGeom>
+          <a:solidFill>
+            <a:schemeClr val="tx1"/>
+          </a:solidFill>
+          <a:ln>
+            <a:noFill/>
+          </a:ln>
+        </p:spPr>
+        <p:style>
+          <a:lnRef idx="2">
+            <a:schemeClr val="accent1">
+              <a:shade val="50000"/>
+            </a:schemeClr>
+          </a:lnRef>
+          <a:fillRef idx="1">
+            <a:schemeClr val="accent1"/>
+          </a:fillRef>
+          <a:effectRef idx="0">
+            <a:schemeClr val="accent1"/>
+          </a:effectRef>
+          <a:fontRef idx="minor">
+            <a:schemeClr val="lt1"/>
+          </a:fontRef>
+        </p:style>
+        <p:txBody>
+          <a:bodyPr rtlCol="0" anchor="ctr"/>
+          <a:lstStyle/>
+          <a:p>
+            <a:pPr algn="ctr"/>
+            <a:endParaRPr lang="en-CN">
+              <a:solidFill>
+                <a:schemeClr val="tx1"/>
+              </a:solidFill>
+            </a:endParaRPr>
+          </a:p>
+        </p:txBody>
+      </p:sp>
     </p:spTree>
     <p:extLst>
       <p:ext uri="{BB962C8B-B14F-4D97-AF65-F5344CB8AC3E}">
@@ -8185,14 +8745,38 @@
               <a:p>
                 <a:pPr algn="ctr"/>
                 <a:r>
+                  <a:rPr kumimoji="1" lang="en-US" altLang="zh-CN" b="1" dirty="0" err="1">
+                    <a:solidFill>
+                      <a:sysClr val="windowText" lastClr="000000"/>
+                    </a:solidFill>
+                  </a:rPr>
+                  <a:t>dst</a:t>
+                </a:r>
+                <a:r>
                   <a:rPr kumimoji="1" lang="en-US" altLang="zh-CN" b="1" dirty="0">
                     <a:solidFill>
                       <a:sysClr val="windowText" lastClr="000000"/>
                     </a:solidFill>
                   </a:rPr>
+                  <a:t>:</a:t>
+                </a:r>
+                <a:r>
+                  <a:rPr kumimoji="1" lang="zh-CN" altLang="en-US" b="1" dirty="0">
+                    <a:solidFill>
+                      <a:sysClr val="windowText" lastClr="000000"/>
+                    </a:solidFill>
+                  </a:rPr>
+                  <a:t> </a:t>
+                </a:r>
+                <a:r>
+                  <a:rPr kumimoji="1" lang="en-US" altLang="zh-CN" dirty="0">
+                    <a:solidFill>
+                      <a:sysClr val="windowText" lastClr="000000"/>
+                    </a:solidFill>
+                  </a:rPr>
                   <a:t>Account</a:t>
                 </a:r>
-                <a:endParaRPr kumimoji="1" lang="zh-CN" altLang="en-US" sz="1600" b="1" dirty="0">
+                <a:endParaRPr kumimoji="1" lang="zh-CN" altLang="en-US" sz="1600" dirty="0">
                   <a:solidFill>
                     <a:sysClr val="windowText" lastClr="000000"/>
                   </a:solidFill>
@@ -8249,6 +8833,26 @@
               <a:p>
                 <a:pPr algn="ctr"/>
                 <a:r>
+                  <a:rPr kumimoji="1" lang="en-US" altLang="zh-CN" sz="1600" dirty="0" err="1">
+                    <a:solidFill>
+                      <a:sysClr val="windowText" lastClr="000000"/>
+                    </a:solidFill>
+                    <a:latin typeface="DengXian" panose="02010600030101010101" pitchFamily="2" charset="-122"/>
+                    <a:ea typeface="DengXian" panose="02010600030101010101" pitchFamily="2" charset="-122"/>
+                  </a:rPr>
+                  <a:t>dst.id</a:t>
+                </a:r>
+                <a:r>
+                  <a:rPr kumimoji="1" lang="zh-CN" altLang="en-US" sz="1600" dirty="0">
+                    <a:solidFill>
+                      <a:sysClr val="windowText" lastClr="000000"/>
+                    </a:solidFill>
+                    <a:latin typeface="DengXian" panose="02010600030101010101" pitchFamily="2" charset="-122"/>
+                    <a:ea typeface="DengXian" panose="02010600030101010101" pitchFamily="2" charset="-122"/>
+                  </a:rPr>
+                  <a:t> </a:t>
+                </a:r>
+                <a:r>
                   <a:rPr kumimoji="1" lang="en-US" altLang="zh-CN" sz="1600" dirty="0">
                     <a:solidFill>
                       <a:sysClr val="windowText" lastClr="000000"/>
@@ -8256,7 +8860,7 @@
                     <a:latin typeface="DengXian" panose="02010600030101010101" pitchFamily="2" charset="-122"/>
                     <a:ea typeface="DengXian" panose="02010600030101010101" pitchFamily="2" charset="-122"/>
                   </a:rPr>
-                  <a:t>id</a:t>
+                  <a:t>=</a:t>
                 </a:r>
                 <a:r>
                   <a:rPr kumimoji="1" lang="zh-CN" altLang="en-US" sz="1600" dirty="0">
@@ -8269,26 +8873,6 @@
                   <a:t> </a:t>
                 </a:r>
                 <a:r>
-                  <a:rPr kumimoji="1" lang="en-US" altLang="zh-CN" sz="1600" dirty="0">
-                    <a:solidFill>
-                      <a:sysClr val="windowText" lastClr="000000"/>
-                    </a:solidFill>
-                    <a:latin typeface="DengXian" panose="02010600030101010101" pitchFamily="2" charset="-122"/>
-                    <a:ea typeface="DengXian" panose="02010600030101010101" pitchFamily="2" charset="-122"/>
-                  </a:rPr>
-                  <a:t>&lt;-</a:t>
-                </a:r>
-                <a:r>
-                  <a:rPr kumimoji="1" lang="zh-CN" altLang="en-US" sz="1600" dirty="0">
-                    <a:solidFill>
-                      <a:sysClr val="windowText" lastClr="000000"/>
-                    </a:solidFill>
-                    <a:latin typeface="DengXian" panose="02010600030101010101" pitchFamily="2" charset="-122"/>
-                    <a:ea typeface="DengXian" panose="02010600030101010101" pitchFamily="2" charset="-122"/>
-                  </a:rPr>
-                  <a:t> </a:t>
-                </a:r>
-                <a:r>
                   <a:rPr kumimoji="1" lang="en-US" altLang="zh-CN" sz="1600" dirty="0" err="1">
                     <a:solidFill>
                       <a:sysClr val="windowText" lastClr="000000"/>
@@ -8296,7 +8880,7 @@
                     <a:latin typeface="DengXian" panose="02010600030101010101" pitchFamily="2" charset="-122"/>
                     <a:ea typeface="DengXian" panose="02010600030101010101" pitchFamily="2" charset="-122"/>
                   </a:rPr>
-                  <a:t>accountDstId</a:t>
+                  <a:t>dstId</a:t>
                 </a:r>
                 <a:endParaRPr kumimoji="1" lang="en-US" altLang="zh-CN" sz="1600" dirty="0">
                   <a:solidFill>
@@ -8582,14 +9166,38 @@
               <a:p>
                 <a:pPr algn="ctr"/>
                 <a:r>
+                  <a:rPr kumimoji="1" lang="en-US" altLang="zh-CN" b="1" dirty="0" err="1">
+                    <a:solidFill>
+                      <a:sysClr val="windowText" lastClr="000000"/>
+                    </a:solidFill>
+                  </a:rPr>
+                  <a:t>src</a:t>
+                </a:r>
+                <a:r>
                   <a:rPr kumimoji="1" lang="en-US" altLang="zh-CN" b="1" dirty="0">
                     <a:solidFill>
                       <a:sysClr val="windowText" lastClr="000000"/>
                     </a:solidFill>
                   </a:rPr>
+                  <a:t>:</a:t>
+                </a:r>
+                <a:r>
+                  <a:rPr kumimoji="1" lang="zh-CN" altLang="en-US" b="1" dirty="0">
+                    <a:solidFill>
+                      <a:sysClr val="windowText" lastClr="000000"/>
+                    </a:solidFill>
+                  </a:rPr>
+                  <a:t> </a:t>
+                </a:r>
+                <a:r>
+                  <a:rPr kumimoji="1" lang="en-US" altLang="zh-CN" dirty="0">
+                    <a:solidFill>
+                      <a:sysClr val="windowText" lastClr="000000"/>
+                    </a:solidFill>
+                  </a:rPr>
                   <a:t>Account</a:t>
                 </a:r>
-                <a:endParaRPr kumimoji="1" lang="zh-CN" altLang="en-US" sz="1600" b="1" dirty="0">
+                <a:endParaRPr kumimoji="1" lang="zh-CN" altLang="en-US" sz="1600" dirty="0">
                   <a:solidFill>
                     <a:sysClr val="windowText" lastClr="000000"/>
                   </a:solidFill>
@@ -8646,6 +9254,26 @@
               <a:p>
                 <a:pPr algn="ctr"/>
                 <a:r>
+                  <a:rPr kumimoji="1" lang="en-US" altLang="zh-CN" sz="1600" dirty="0" err="1">
+                    <a:solidFill>
+                      <a:sysClr val="windowText" lastClr="000000"/>
+                    </a:solidFill>
+                    <a:latin typeface="DengXian" panose="02010600030101010101" pitchFamily="2" charset="-122"/>
+                    <a:ea typeface="DengXian" panose="02010600030101010101" pitchFamily="2" charset="-122"/>
+                  </a:rPr>
+                  <a:t>src.id</a:t>
+                </a:r>
+                <a:r>
+                  <a:rPr kumimoji="1" lang="zh-CN" altLang="en-US" sz="1600" dirty="0">
+                    <a:solidFill>
+                      <a:sysClr val="windowText" lastClr="000000"/>
+                    </a:solidFill>
+                    <a:latin typeface="DengXian" panose="02010600030101010101" pitchFamily="2" charset="-122"/>
+                    <a:ea typeface="DengXian" panose="02010600030101010101" pitchFamily="2" charset="-122"/>
+                  </a:rPr>
+                  <a:t> </a:t>
+                </a:r>
+                <a:r>
                   <a:rPr kumimoji="1" lang="en-US" altLang="zh-CN" sz="1600" dirty="0">
                     <a:solidFill>
                       <a:sysClr val="windowText" lastClr="000000"/>
@@ -8653,7 +9281,7 @@
                     <a:latin typeface="DengXian" panose="02010600030101010101" pitchFamily="2" charset="-122"/>
                     <a:ea typeface="DengXian" panose="02010600030101010101" pitchFamily="2" charset="-122"/>
                   </a:rPr>
-                  <a:t>id</a:t>
+                  <a:t>=</a:t>
                 </a:r>
                 <a:r>
                   <a:rPr kumimoji="1" lang="zh-CN" altLang="en-US" sz="1600" dirty="0">
@@ -8673,17 +9301,7 @@
                     <a:latin typeface="DengXian" panose="02010600030101010101" pitchFamily="2" charset="-122"/>
                     <a:ea typeface="DengXian" panose="02010600030101010101" pitchFamily="2" charset="-122"/>
                   </a:rPr>
-                  <a:t>&lt;-</a:t>
-                </a:r>
-                <a:r>
-                  <a:rPr kumimoji="1" lang="zh-CN" altLang="en-US" sz="1600" dirty="0">
-                    <a:solidFill>
-                      <a:sysClr val="windowText" lastClr="000000"/>
-                    </a:solidFill>
-                    <a:latin typeface="DengXian" panose="02010600030101010101" pitchFamily="2" charset="-122"/>
-                    <a:ea typeface="DengXian" panose="02010600030101010101" pitchFamily="2" charset="-122"/>
-                  </a:rPr>
-                  <a:t> </a:t>
+                  <a:t>${</a:t>
                 </a:r>
                 <a:r>
                   <a:rPr kumimoji="1" lang="en-US" altLang="zh-CN" sz="1600" dirty="0" err="1">
@@ -8693,20 +9311,81 @@
                     <a:latin typeface="DengXian" panose="02010600030101010101" pitchFamily="2" charset="-122"/>
                     <a:ea typeface="DengXian" panose="02010600030101010101" pitchFamily="2" charset="-122"/>
                   </a:rPr>
-                  <a:t>accountSrcId</a:t>
-                </a:r>
-                <a:endParaRPr kumimoji="1" lang="en-US" altLang="zh-CN" sz="1600" dirty="0">
-                  <a:solidFill>
-                    <a:sysClr val="windowText" lastClr="000000"/>
-                  </a:solidFill>
-                  <a:latin typeface="DengXian" panose="02010600030101010101" pitchFamily="2" charset="-122"/>
-                  <a:ea typeface="DengXian" panose="02010600030101010101" pitchFamily="2" charset="-122"/>
-                </a:endParaRPr>
+                  <a:t>srcId</a:t>
+                </a:r>
+                <a:r>
+                  <a:rPr kumimoji="1" lang="en-US" altLang="zh-CN" sz="1600" dirty="0">
+                    <a:solidFill>
+                      <a:sysClr val="windowText" lastClr="000000"/>
+                    </a:solidFill>
+                    <a:latin typeface="DengXian" panose="02010600030101010101" pitchFamily="2" charset="-122"/>
+                    <a:ea typeface="DengXian" panose="02010600030101010101" pitchFamily="2" charset="-122"/>
+                  </a:rPr>
+                  <a:t>}</a:t>
+                </a:r>
               </a:p>
             </p:txBody>
           </p:sp>
         </p:grpSp>
       </p:grpSp>
+      <p:sp>
+        <p:nvSpPr>
+          <p:cNvPr id="4" name="Cross 3">
+            <a:extLst>
+              <a:ext uri="{FF2B5EF4-FFF2-40B4-BE49-F238E27FC236}">
+                <a16:creationId xmlns:a16="http://schemas.microsoft.com/office/drawing/2014/main" id="{9E563333-8975-3F20-BEAB-E532C034378D}"/>
+              </a:ext>
+            </a:extLst>
+          </p:cNvPr>
+          <p:cNvSpPr/>
+          <p:nvPr/>
+        </p:nvSpPr>
+        <p:spPr>
+          <a:xfrm>
+            <a:off x="6634074" y="2669261"/>
+            <a:ext cx="180000" cy="180000"/>
+          </a:xfrm>
+          <a:prstGeom prst="plus">
+            <a:avLst>
+              <a:gd name="adj" fmla="val 33021"/>
+            </a:avLst>
+          </a:prstGeom>
+          <a:solidFill>
+            <a:schemeClr val="tx1"/>
+          </a:solidFill>
+          <a:ln>
+            <a:noFill/>
+          </a:ln>
+        </p:spPr>
+        <p:style>
+          <a:lnRef idx="2">
+            <a:schemeClr val="accent1">
+              <a:shade val="50000"/>
+            </a:schemeClr>
+          </a:lnRef>
+          <a:fillRef idx="1">
+            <a:schemeClr val="accent1"/>
+          </a:fillRef>
+          <a:effectRef idx="0">
+            <a:schemeClr val="accent1"/>
+          </a:effectRef>
+          <a:fontRef idx="minor">
+            <a:schemeClr val="lt1"/>
+          </a:fontRef>
+        </p:style>
+        <p:txBody>
+          <a:bodyPr rtlCol="0" anchor="ctr"/>
+          <a:lstStyle/>
+          <a:p>
+            <a:pPr algn="ctr"/>
+            <a:endParaRPr lang="en-CN">
+              <a:solidFill>
+                <a:schemeClr val="tx1"/>
+              </a:solidFill>
+            </a:endParaRPr>
+          </a:p>
+        </p:txBody>
+      </p:sp>
     </p:spTree>
     <p:extLst>
       <p:ext uri="{BB962C8B-B14F-4D97-AF65-F5344CB8AC3E}">
@@ -8831,14 +9510,38 @@
               <a:p>
                 <a:pPr algn="ctr"/>
                 <a:r>
+                  <a:rPr kumimoji="1" lang="en-US" altLang="zh-CN" b="1" dirty="0" err="1">
+                    <a:solidFill>
+                      <a:sysClr val="windowText" lastClr="000000"/>
+                    </a:solidFill>
+                  </a:rPr>
+                  <a:t>dst</a:t>
+                </a:r>
+                <a:r>
                   <a:rPr kumimoji="1" lang="en-US" altLang="zh-CN" b="1" dirty="0">
                     <a:solidFill>
                       <a:sysClr val="windowText" lastClr="000000"/>
                     </a:solidFill>
                   </a:rPr>
+                  <a:t>:</a:t>
+                </a:r>
+                <a:r>
+                  <a:rPr kumimoji="1" lang="zh-CN" altLang="en-US" b="1" dirty="0">
+                    <a:solidFill>
+                      <a:sysClr val="windowText" lastClr="000000"/>
+                    </a:solidFill>
+                  </a:rPr>
+                  <a:t> </a:t>
+                </a:r>
+                <a:r>
+                  <a:rPr kumimoji="1" lang="en-US" altLang="zh-CN" dirty="0">
+                    <a:solidFill>
+                      <a:sysClr val="windowText" lastClr="000000"/>
+                    </a:solidFill>
+                  </a:rPr>
                   <a:t>Account</a:t>
                 </a:r>
-                <a:endParaRPr kumimoji="1" lang="zh-CN" altLang="en-US" sz="1600" b="1" dirty="0">
+                <a:endParaRPr kumimoji="1" lang="zh-CN" altLang="en-US" sz="1600" dirty="0">
                   <a:solidFill>
                     <a:sysClr val="windowText" lastClr="000000"/>
                   </a:solidFill>
@@ -8895,6 +9598,26 @@
               <a:p>
                 <a:pPr algn="ctr"/>
                 <a:r>
+                  <a:rPr kumimoji="1" lang="en-US" altLang="zh-CN" sz="1600" dirty="0" err="1">
+                    <a:solidFill>
+                      <a:sysClr val="windowText" lastClr="000000"/>
+                    </a:solidFill>
+                    <a:latin typeface="DengXian" panose="02010600030101010101" pitchFamily="2" charset="-122"/>
+                    <a:ea typeface="DengXian" panose="02010600030101010101" pitchFamily="2" charset="-122"/>
+                  </a:rPr>
+                  <a:t>dst.id</a:t>
+                </a:r>
+                <a:r>
+                  <a:rPr kumimoji="1" lang="zh-CN" altLang="en-US" sz="1600" dirty="0">
+                    <a:solidFill>
+                      <a:sysClr val="windowText" lastClr="000000"/>
+                    </a:solidFill>
+                    <a:latin typeface="DengXian" panose="02010600030101010101" pitchFamily="2" charset="-122"/>
+                    <a:ea typeface="DengXian" panose="02010600030101010101" pitchFamily="2" charset="-122"/>
+                  </a:rPr>
+                  <a:t> </a:t>
+                </a:r>
+                <a:r>
                   <a:rPr kumimoji="1" lang="en-US" altLang="zh-CN" sz="1600" dirty="0">
                     <a:solidFill>
                       <a:sysClr val="windowText" lastClr="000000"/>
@@ -8902,7 +9625,7 @@
                     <a:latin typeface="DengXian" panose="02010600030101010101" pitchFamily="2" charset="-122"/>
                     <a:ea typeface="DengXian" panose="02010600030101010101" pitchFamily="2" charset="-122"/>
                   </a:rPr>
-                  <a:t>id</a:t>
+                  <a:t>=</a:t>
                 </a:r>
                 <a:r>
                   <a:rPr kumimoji="1" lang="zh-CN" altLang="en-US" sz="1600" dirty="0">
@@ -8912,7 +9635,7 @@
                     <a:latin typeface="DengXian" panose="02010600030101010101" pitchFamily="2" charset="-122"/>
                     <a:ea typeface="DengXian" panose="02010600030101010101" pitchFamily="2" charset="-122"/>
                   </a:rPr>
-                  <a:t> </a:t>
+                  <a:t>  </a:t>
                 </a:r>
                 <a:r>
                   <a:rPr kumimoji="1" lang="en-US" altLang="zh-CN" sz="1600" dirty="0">
@@ -8922,17 +9645,7 @@
                     <a:latin typeface="DengXian" panose="02010600030101010101" pitchFamily="2" charset="-122"/>
                     <a:ea typeface="DengXian" panose="02010600030101010101" pitchFamily="2" charset="-122"/>
                   </a:rPr>
-                  <a:t>&lt;-</a:t>
-                </a:r>
-                <a:r>
-                  <a:rPr kumimoji="1" lang="zh-CN" altLang="en-US" sz="1600" dirty="0">
-                    <a:solidFill>
-                      <a:sysClr val="windowText" lastClr="000000"/>
-                    </a:solidFill>
-                    <a:latin typeface="DengXian" panose="02010600030101010101" pitchFamily="2" charset="-122"/>
-                    <a:ea typeface="DengXian" panose="02010600030101010101" pitchFamily="2" charset="-122"/>
-                  </a:rPr>
-                  <a:t> </a:t>
+                  <a:t>${</a:t>
                 </a:r>
                 <a:r>
                   <a:rPr kumimoji="1" lang="en-US" altLang="zh-CN" sz="1600" dirty="0" err="1">
@@ -8942,15 +9655,18 @@
                     <a:latin typeface="DengXian" panose="02010600030101010101" pitchFamily="2" charset="-122"/>
                     <a:ea typeface="DengXian" panose="02010600030101010101" pitchFamily="2" charset="-122"/>
                   </a:rPr>
-                  <a:t>accountDstId</a:t>
-                </a:r>
-                <a:endParaRPr kumimoji="1" lang="en-US" altLang="zh-CN" sz="1600" dirty="0">
-                  <a:solidFill>
-                    <a:sysClr val="windowText" lastClr="000000"/>
-                  </a:solidFill>
-                  <a:latin typeface="DengXian" panose="02010600030101010101" pitchFamily="2" charset="-122"/>
-                  <a:ea typeface="DengXian" panose="02010600030101010101" pitchFamily="2" charset="-122"/>
-                </a:endParaRPr>
+                  <a:t>dstId</a:t>
+                </a:r>
+                <a:r>
+                  <a:rPr kumimoji="1" lang="en-US" altLang="zh-CN" sz="1600" dirty="0">
+                    <a:solidFill>
+                      <a:sysClr val="windowText" lastClr="000000"/>
+                    </a:solidFill>
+                    <a:latin typeface="DengXian" panose="02010600030101010101" pitchFamily="2" charset="-122"/>
+                    <a:ea typeface="DengXian" panose="02010600030101010101" pitchFamily="2" charset="-122"/>
+                  </a:rPr>
+                  <a:t>}</a:t>
+                </a:r>
               </a:p>
               <a:p>
                 <a:pPr algn="ctr"/>
@@ -9261,14 +9977,38 @@
               <a:p>
                 <a:pPr algn="ctr"/>
                 <a:r>
-                  <a:rPr kumimoji="1" lang="en-US" altLang="zh-CN" b="1" dirty="0">
+                  <a:rPr kumimoji="1" lang="en-US" altLang="zh-CN" b="1" dirty="0" err="1">
+                    <a:solidFill>
+                      <a:sysClr val="windowText" lastClr="000000"/>
+                    </a:solidFill>
+                  </a:rPr>
+                  <a:t>src</a:t>
+                </a:r>
+                <a:r>
+                  <a:rPr kumimoji="1" lang="en-US" altLang="zh-CN" dirty="0">
+                    <a:solidFill>
+                      <a:sysClr val="windowText" lastClr="000000"/>
+                    </a:solidFill>
+                  </a:rPr>
+                  <a:t>:</a:t>
+                </a:r>
+                <a:r>
+                  <a:rPr kumimoji="1" lang="zh-CN" altLang="en-US" dirty="0">
+                    <a:solidFill>
+                      <a:sysClr val="windowText" lastClr="000000"/>
+                    </a:solidFill>
+                  </a:rPr>
+                  <a:t> </a:t>
+                </a:r>
+                <a:r>
+                  <a:rPr kumimoji="1" lang="en-US" altLang="zh-CN" dirty="0">
                     <a:solidFill>
                       <a:sysClr val="windowText" lastClr="000000"/>
                     </a:solidFill>
                   </a:rPr>
                   <a:t>Account</a:t>
                 </a:r>
-                <a:endParaRPr kumimoji="1" lang="zh-CN" altLang="en-US" sz="1600" b="1" dirty="0">
+                <a:endParaRPr kumimoji="1" lang="zh-CN" altLang="en-US" sz="1600" dirty="0">
                   <a:solidFill>
                     <a:sysClr val="windowText" lastClr="000000"/>
                   </a:solidFill>
@@ -9325,6 +10065,26 @@
               <a:p>
                 <a:pPr algn="ctr"/>
                 <a:r>
+                  <a:rPr kumimoji="1" lang="en-US" altLang="zh-CN" sz="1600" dirty="0" err="1">
+                    <a:solidFill>
+                      <a:sysClr val="windowText" lastClr="000000"/>
+                    </a:solidFill>
+                    <a:latin typeface="DengXian" panose="02010600030101010101" pitchFamily="2" charset="-122"/>
+                    <a:ea typeface="DengXian" panose="02010600030101010101" pitchFamily="2" charset="-122"/>
+                  </a:rPr>
+                  <a:t>src.id</a:t>
+                </a:r>
+                <a:r>
+                  <a:rPr kumimoji="1" lang="zh-CN" altLang="en-US" sz="1600" dirty="0">
+                    <a:solidFill>
+                      <a:sysClr val="windowText" lastClr="000000"/>
+                    </a:solidFill>
+                    <a:latin typeface="DengXian" panose="02010600030101010101" pitchFamily="2" charset="-122"/>
+                    <a:ea typeface="DengXian" panose="02010600030101010101" pitchFamily="2" charset="-122"/>
+                  </a:rPr>
+                  <a:t> </a:t>
+                </a:r>
+                <a:r>
                   <a:rPr kumimoji="1" lang="en-US" altLang="zh-CN" sz="1600" dirty="0">
                     <a:solidFill>
                       <a:sysClr val="windowText" lastClr="000000"/>
@@ -9332,7 +10092,7 @@
                     <a:latin typeface="DengXian" panose="02010600030101010101" pitchFamily="2" charset="-122"/>
                     <a:ea typeface="DengXian" panose="02010600030101010101" pitchFamily="2" charset="-122"/>
                   </a:rPr>
-                  <a:t>id</a:t>
+                  <a:t>=</a:t>
                 </a:r>
                 <a:r>
                   <a:rPr kumimoji="1" lang="zh-CN" altLang="en-US" sz="1600" dirty="0">
@@ -9342,7 +10102,7 @@
                     <a:latin typeface="DengXian" panose="02010600030101010101" pitchFamily="2" charset="-122"/>
                     <a:ea typeface="DengXian" panose="02010600030101010101" pitchFamily="2" charset="-122"/>
                   </a:rPr>
-                  <a:t> </a:t>
+                  <a:t>  </a:t>
                 </a:r>
                 <a:r>
                   <a:rPr kumimoji="1" lang="en-US" altLang="zh-CN" sz="1600" dirty="0">
@@ -9352,17 +10112,7 @@
                     <a:latin typeface="DengXian" panose="02010600030101010101" pitchFamily="2" charset="-122"/>
                     <a:ea typeface="DengXian" panose="02010600030101010101" pitchFamily="2" charset="-122"/>
                   </a:rPr>
-                  <a:t>&lt;-</a:t>
-                </a:r>
-                <a:r>
-                  <a:rPr kumimoji="1" lang="zh-CN" altLang="en-US" sz="1600" dirty="0">
-                    <a:solidFill>
-                      <a:sysClr val="windowText" lastClr="000000"/>
-                    </a:solidFill>
-                    <a:latin typeface="DengXian" panose="02010600030101010101" pitchFamily="2" charset="-122"/>
-                    <a:ea typeface="DengXian" panose="02010600030101010101" pitchFamily="2" charset="-122"/>
-                  </a:rPr>
-                  <a:t> </a:t>
+                  <a:t>${</a:t>
                 </a:r>
                 <a:r>
                   <a:rPr kumimoji="1" lang="en-US" altLang="zh-CN" sz="1600" dirty="0" err="1">
@@ -9372,20 +10122,81 @@
                     <a:latin typeface="DengXian" panose="02010600030101010101" pitchFamily="2" charset="-122"/>
                     <a:ea typeface="DengXian" panose="02010600030101010101" pitchFamily="2" charset="-122"/>
                   </a:rPr>
-                  <a:t>accountSrcId</a:t>
-                </a:r>
-                <a:endParaRPr kumimoji="1" lang="en-US" altLang="zh-CN" sz="1600" dirty="0">
-                  <a:solidFill>
-                    <a:sysClr val="windowText" lastClr="000000"/>
-                  </a:solidFill>
-                  <a:latin typeface="DengXian" panose="02010600030101010101" pitchFamily="2" charset="-122"/>
-                  <a:ea typeface="DengXian" panose="02010600030101010101" pitchFamily="2" charset="-122"/>
-                </a:endParaRPr>
+                  <a:t>srcId</a:t>
+                </a:r>
+                <a:r>
+                  <a:rPr kumimoji="1" lang="en-US" altLang="zh-CN" sz="1600" dirty="0">
+                    <a:solidFill>
+                      <a:sysClr val="windowText" lastClr="000000"/>
+                    </a:solidFill>
+                    <a:latin typeface="DengXian" panose="02010600030101010101" pitchFamily="2" charset="-122"/>
+                    <a:ea typeface="DengXian" panose="02010600030101010101" pitchFamily="2" charset="-122"/>
+                  </a:rPr>
+                  <a:t>}</a:t>
+                </a:r>
               </a:p>
             </p:txBody>
           </p:sp>
         </p:grpSp>
       </p:grpSp>
+      <p:sp>
+        <p:nvSpPr>
+          <p:cNvPr id="4" name="Cross 3">
+            <a:extLst>
+              <a:ext uri="{FF2B5EF4-FFF2-40B4-BE49-F238E27FC236}">
+                <a16:creationId xmlns:a16="http://schemas.microsoft.com/office/drawing/2014/main" id="{AA4FD0A5-6D66-1CD9-D307-B545467CD15B}"/>
+              </a:ext>
+            </a:extLst>
+          </p:cNvPr>
+          <p:cNvSpPr/>
+          <p:nvPr/>
+        </p:nvSpPr>
+        <p:spPr>
+          <a:xfrm>
+            <a:off x="6673402" y="2688925"/>
+            <a:ext cx="180000" cy="180000"/>
+          </a:xfrm>
+          <a:prstGeom prst="plus">
+            <a:avLst>
+              <a:gd name="adj" fmla="val 33021"/>
+            </a:avLst>
+          </a:prstGeom>
+          <a:solidFill>
+            <a:schemeClr val="tx1"/>
+          </a:solidFill>
+          <a:ln>
+            <a:noFill/>
+          </a:ln>
+        </p:spPr>
+        <p:style>
+          <a:lnRef idx="2">
+            <a:schemeClr val="accent1">
+              <a:shade val="50000"/>
+            </a:schemeClr>
+          </a:lnRef>
+          <a:fillRef idx="1">
+            <a:schemeClr val="accent1"/>
+          </a:fillRef>
+          <a:effectRef idx="0">
+            <a:schemeClr val="accent1"/>
+          </a:effectRef>
+          <a:fontRef idx="minor">
+            <a:schemeClr val="lt1"/>
+          </a:fontRef>
+        </p:style>
+        <p:txBody>
+          <a:bodyPr rtlCol="0" anchor="ctr"/>
+          <a:lstStyle/>
+          <a:p>
+            <a:pPr algn="ctr"/>
+            <a:endParaRPr lang="en-CN">
+              <a:solidFill>
+                <a:schemeClr val="tx1"/>
+              </a:solidFill>
+            </a:endParaRPr>
+          </a:p>
+        </p:txBody>
+      </p:sp>
     </p:spTree>
     <p:extLst>
       <p:ext uri="{BB962C8B-B14F-4D97-AF65-F5344CB8AC3E}">
@@ -9927,9 +10738,25 @@
                       <a:sysClr val="windowText" lastClr="000000"/>
                     </a:solidFill>
                   </a:rPr>
+                  <a:t>p:</a:t>
+                </a:r>
+                <a:r>
+                  <a:rPr kumimoji="1" lang="zh-CN" altLang="en-US" b="1" dirty="0">
+                    <a:solidFill>
+                      <a:sysClr val="windowText" lastClr="000000"/>
+                    </a:solidFill>
+                  </a:rPr>
+                  <a:t> </a:t>
+                </a:r>
+                <a:r>
+                  <a:rPr kumimoji="1" lang="en-US" altLang="zh-CN" dirty="0">
+                    <a:solidFill>
+                      <a:sysClr val="windowText" lastClr="000000"/>
+                    </a:solidFill>
+                  </a:rPr>
                   <a:t>Person</a:t>
                 </a:r>
-                <a:endParaRPr kumimoji="1" lang="zh-CN" altLang="en-US" sz="1600" b="1" dirty="0">
+                <a:endParaRPr kumimoji="1" lang="zh-CN" altLang="en-US" sz="1600" dirty="0">
                   <a:solidFill>
                     <a:sysClr val="windowText" lastClr="000000"/>
                   </a:solidFill>
@@ -9986,6 +10813,26 @@
               <a:p>
                 <a:pPr algn="ctr"/>
                 <a:r>
+                  <a:rPr kumimoji="1" lang="en-US" altLang="zh-CN" sz="1600" dirty="0" err="1">
+                    <a:solidFill>
+                      <a:sysClr val="windowText" lastClr="000000"/>
+                    </a:solidFill>
+                    <a:latin typeface="DengXian" panose="02010600030101010101" pitchFamily="2" charset="-122"/>
+                    <a:ea typeface="DengXian" panose="02010600030101010101" pitchFamily="2" charset="-122"/>
+                  </a:rPr>
+                  <a:t>p.id</a:t>
+                </a:r>
+                <a:r>
+                  <a:rPr kumimoji="1" lang="zh-CN" altLang="en-US" sz="1600" dirty="0">
+                    <a:solidFill>
+                      <a:sysClr val="windowText" lastClr="000000"/>
+                    </a:solidFill>
+                    <a:latin typeface="DengXian" panose="02010600030101010101" pitchFamily="2" charset="-122"/>
+                    <a:ea typeface="DengXian" panose="02010600030101010101" pitchFamily="2" charset="-122"/>
+                  </a:rPr>
+                  <a:t> </a:t>
+                </a:r>
+                <a:r>
                   <a:rPr kumimoji="1" lang="en-US" altLang="zh-CN" sz="1600" dirty="0">
                     <a:solidFill>
                       <a:sysClr val="windowText" lastClr="000000"/>
@@ -9993,7 +10840,7 @@
                     <a:latin typeface="DengXian" panose="02010600030101010101" pitchFamily="2" charset="-122"/>
                     <a:ea typeface="DengXian" panose="02010600030101010101" pitchFamily="2" charset="-122"/>
                   </a:rPr>
-                  <a:t>id</a:t>
+                  <a:t>=</a:t>
                 </a:r>
                 <a:r>
                   <a:rPr kumimoji="1" lang="zh-CN" altLang="en-US" sz="1600" dirty="0">
@@ -10013,17 +10860,7 @@
                     <a:latin typeface="DengXian" panose="02010600030101010101" pitchFamily="2" charset="-122"/>
                     <a:ea typeface="DengXian" panose="02010600030101010101" pitchFamily="2" charset="-122"/>
                   </a:rPr>
-                  <a:t>&lt;-</a:t>
-                </a:r>
-                <a:r>
-                  <a:rPr kumimoji="1" lang="zh-CN" altLang="en-US" sz="1600" dirty="0">
-                    <a:solidFill>
-                      <a:sysClr val="windowText" lastClr="000000"/>
-                    </a:solidFill>
-                    <a:latin typeface="DengXian" panose="02010600030101010101" pitchFamily="2" charset="-122"/>
-                    <a:ea typeface="DengXian" panose="02010600030101010101" pitchFamily="2" charset="-122"/>
-                  </a:rPr>
-                  <a:t> </a:t>
+                  <a:t>${</a:t>
                 </a:r>
                 <a:r>
                   <a:rPr kumimoji="1" lang="en-US" altLang="zh-CN" sz="1600" dirty="0" err="1">
@@ -10035,18 +10872,137 @@
                   </a:rPr>
                   <a:t>personId</a:t>
                 </a:r>
-                <a:endParaRPr kumimoji="1" lang="en-US" altLang="zh-CN" sz="1600" dirty="0">
-                  <a:solidFill>
-                    <a:sysClr val="windowText" lastClr="000000"/>
-                  </a:solidFill>
-                  <a:latin typeface="DengXian" panose="02010600030101010101" pitchFamily="2" charset="-122"/>
-                  <a:ea typeface="DengXian" panose="02010600030101010101" pitchFamily="2" charset="-122"/>
-                </a:endParaRPr>
+                <a:r>
+                  <a:rPr kumimoji="1" lang="en-US" altLang="zh-CN" sz="1600" dirty="0">
+                    <a:solidFill>
+                      <a:sysClr val="windowText" lastClr="000000"/>
+                    </a:solidFill>
+                    <a:latin typeface="DengXian" panose="02010600030101010101" pitchFamily="2" charset="-122"/>
+                    <a:ea typeface="DengXian" panose="02010600030101010101" pitchFamily="2" charset="-122"/>
+                  </a:rPr>
+                  <a:t>}</a:t>
+                </a:r>
               </a:p>
             </p:txBody>
           </p:sp>
         </p:grpSp>
       </p:grpSp>
+      <p:sp>
+        <p:nvSpPr>
+          <p:cNvPr id="4" name="Cross 3">
+            <a:extLst>
+              <a:ext uri="{FF2B5EF4-FFF2-40B4-BE49-F238E27FC236}">
+                <a16:creationId xmlns:a16="http://schemas.microsoft.com/office/drawing/2014/main" id="{EFACD865-540B-3789-BD03-29C7FE8C86A6}"/>
+              </a:ext>
+            </a:extLst>
+          </p:cNvPr>
+          <p:cNvSpPr/>
+          <p:nvPr/>
+        </p:nvSpPr>
+        <p:spPr>
+          <a:xfrm>
+            <a:off x="6575079" y="2737758"/>
+            <a:ext cx="180000" cy="180000"/>
+          </a:xfrm>
+          <a:prstGeom prst="plus">
+            <a:avLst>
+              <a:gd name="adj" fmla="val 33021"/>
+            </a:avLst>
+          </a:prstGeom>
+          <a:solidFill>
+            <a:schemeClr val="tx1"/>
+          </a:solidFill>
+          <a:ln>
+            <a:noFill/>
+          </a:ln>
+        </p:spPr>
+        <p:style>
+          <a:lnRef idx="2">
+            <a:schemeClr val="accent1">
+              <a:shade val="50000"/>
+            </a:schemeClr>
+          </a:lnRef>
+          <a:fillRef idx="1">
+            <a:schemeClr val="accent1"/>
+          </a:fillRef>
+          <a:effectRef idx="0">
+            <a:schemeClr val="accent1"/>
+          </a:effectRef>
+          <a:fontRef idx="minor">
+            <a:schemeClr val="lt1"/>
+          </a:fontRef>
+        </p:style>
+        <p:txBody>
+          <a:bodyPr rtlCol="0" anchor="ctr"/>
+          <a:lstStyle/>
+          <a:p>
+            <a:pPr algn="ctr"/>
+            <a:endParaRPr lang="en-CN">
+              <a:solidFill>
+                <a:schemeClr val="tx1"/>
+              </a:solidFill>
+            </a:endParaRPr>
+          </a:p>
+        </p:txBody>
+      </p:sp>
+      <p:sp>
+        <p:nvSpPr>
+          <p:cNvPr id="7" name="Cross 6">
+            <a:extLst>
+              <a:ext uri="{FF2B5EF4-FFF2-40B4-BE49-F238E27FC236}">
+                <a16:creationId xmlns:a16="http://schemas.microsoft.com/office/drawing/2014/main" id="{CCB71F86-1551-6A2B-DF4E-83637C9E2677}"/>
+              </a:ext>
+            </a:extLst>
+          </p:cNvPr>
+          <p:cNvSpPr/>
+          <p:nvPr/>
+        </p:nvSpPr>
+        <p:spPr>
+          <a:xfrm>
+            <a:off x="2085252" y="2917758"/>
+            <a:ext cx="180000" cy="180000"/>
+          </a:xfrm>
+          <a:prstGeom prst="plus">
+            <a:avLst>
+              <a:gd name="adj" fmla="val 33021"/>
+            </a:avLst>
+          </a:prstGeom>
+          <a:solidFill>
+            <a:schemeClr val="tx1"/>
+          </a:solidFill>
+          <a:ln>
+            <a:noFill/>
+          </a:ln>
+        </p:spPr>
+        <p:style>
+          <a:lnRef idx="2">
+            <a:schemeClr val="accent1">
+              <a:shade val="50000"/>
+            </a:schemeClr>
+          </a:lnRef>
+          <a:fillRef idx="1">
+            <a:schemeClr val="accent1"/>
+          </a:fillRef>
+          <a:effectRef idx="0">
+            <a:schemeClr val="accent1"/>
+          </a:effectRef>
+          <a:fontRef idx="minor">
+            <a:schemeClr val="lt1"/>
+          </a:fontRef>
+        </p:style>
+        <p:txBody>
+          <a:bodyPr rtlCol="0" anchor="ctr"/>
+          <a:lstStyle/>
+          <a:p>
+            <a:pPr algn="ctr"/>
+            <a:endParaRPr lang="en-CN">
+              <a:solidFill>
+                <a:schemeClr val="tx1"/>
+              </a:solidFill>
+            </a:endParaRPr>
+          </a:p>
+        </p:txBody>
+      </p:sp>
     </p:spTree>
     <p:extLst>
       <p:ext uri="{BB962C8B-B14F-4D97-AF65-F5344CB8AC3E}">
@@ -10233,6 +11189,7 @@
               <a:bodyPr rtlCol="0" anchor="ctr"/>
               <a:lstStyle/>
               <a:p>
+                <a:pPr algn="ctr"/>
                 <a:r>
                   <a:rPr kumimoji="1" lang="en-US" altLang="zh-CN" sz="1600" dirty="0">
                     <a:solidFill>
@@ -10292,6 +11249,7 @@
                 </a:endParaRPr>
               </a:p>
               <a:p>
+                <a:pPr algn="ctr"/>
                 <a:r>
                   <a:rPr kumimoji="1" lang="en-US" altLang="zh-CN" sz="1600" dirty="0" err="1">
                     <a:solidFill>
@@ -10585,9 +11543,25 @@
                       <a:sysClr val="windowText" lastClr="000000"/>
                     </a:solidFill>
                   </a:rPr>
+                  <a:t>c:</a:t>
+                </a:r>
+                <a:r>
+                  <a:rPr kumimoji="1" lang="zh-CN" altLang="en-US" b="1" dirty="0">
+                    <a:solidFill>
+                      <a:sysClr val="windowText" lastClr="000000"/>
+                    </a:solidFill>
+                  </a:rPr>
+                  <a:t> </a:t>
+                </a:r>
+                <a:r>
+                  <a:rPr kumimoji="1" lang="en-US" altLang="zh-CN" dirty="0">
+                    <a:solidFill>
+                      <a:sysClr val="windowText" lastClr="000000"/>
+                    </a:solidFill>
+                  </a:rPr>
                   <a:t>Company</a:t>
                 </a:r>
-                <a:endParaRPr kumimoji="1" lang="zh-CN" altLang="en-US" sz="1600" b="1" dirty="0">
+                <a:endParaRPr kumimoji="1" lang="zh-CN" altLang="en-US" sz="1600" dirty="0">
                   <a:solidFill>
                     <a:sysClr val="windowText" lastClr="000000"/>
                   </a:solidFill>
@@ -10642,6 +11616,27 @@
               <a:bodyPr rtlCol="0" anchor="ctr"/>
               <a:lstStyle/>
               <a:p>
+                <a:pPr algn="ctr"/>
+                <a:r>
+                  <a:rPr kumimoji="1" lang="en-US" altLang="zh-CN" sz="1600" dirty="0" err="1">
+                    <a:solidFill>
+                      <a:sysClr val="windowText" lastClr="000000"/>
+                    </a:solidFill>
+                    <a:latin typeface="DengXian" panose="02010600030101010101" pitchFamily="2" charset="-122"/>
+                    <a:ea typeface="DengXian" panose="02010600030101010101" pitchFamily="2" charset="-122"/>
+                  </a:rPr>
+                  <a:t>c.id</a:t>
+                </a:r>
+                <a:r>
+                  <a:rPr kumimoji="1" lang="zh-CN" altLang="en-US" sz="1600" dirty="0">
+                    <a:solidFill>
+                      <a:sysClr val="windowText" lastClr="000000"/>
+                    </a:solidFill>
+                    <a:latin typeface="DengXian" panose="02010600030101010101" pitchFamily="2" charset="-122"/>
+                    <a:ea typeface="DengXian" panose="02010600030101010101" pitchFamily="2" charset="-122"/>
+                  </a:rPr>
+                  <a:t> </a:t>
+                </a:r>
                 <a:r>
                   <a:rPr kumimoji="1" lang="en-US" altLang="zh-CN" sz="1600" dirty="0">
                     <a:solidFill>
@@ -10650,7 +11645,7 @@
                     <a:latin typeface="DengXian" panose="02010600030101010101" pitchFamily="2" charset="-122"/>
                     <a:ea typeface="DengXian" panose="02010600030101010101" pitchFamily="2" charset="-122"/>
                   </a:rPr>
-                  <a:t>id</a:t>
+                  <a:t>=</a:t>
                 </a:r>
                 <a:r>
                   <a:rPr kumimoji="1" lang="zh-CN" altLang="en-US" sz="1600" dirty="0">
@@ -10670,17 +11665,7 @@
                     <a:latin typeface="DengXian" panose="02010600030101010101" pitchFamily="2" charset="-122"/>
                     <a:ea typeface="DengXian" panose="02010600030101010101" pitchFamily="2" charset="-122"/>
                   </a:rPr>
-                  <a:t>&lt;-</a:t>
-                </a:r>
-                <a:r>
-                  <a:rPr kumimoji="1" lang="zh-CN" altLang="en-US" sz="1600" dirty="0">
-                    <a:solidFill>
-                      <a:sysClr val="windowText" lastClr="000000"/>
-                    </a:solidFill>
-                    <a:latin typeface="DengXian" panose="02010600030101010101" pitchFamily="2" charset="-122"/>
-                    <a:ea typeface="DengXian" panose="02010600030101010101" pitchFamily="2" charset="-122"/>
-                  </a:rPr>
-                  <a:t> </a:t>
+                  <a:t>${</a:t>
                 </a:r>
                 <a:r>
                   <a:rPr kumimoji="1" lang="en-US" altLang="zh-CN" sz="1600" dirty="0" err="1">
@@ -10692,18 +11677,137 @@
                   </a:rPr>
                   <a:t>companyId</a:t>
                 </a:r>
-                <a:endParaRPr kumimoji="1" lang="en-US" altLang="zh-CN" sz="1600" dirty="0">
-                  <a:solidFill>
-                    <a:sysClr val="windowText" lastClr="000000"/>
-                  </a:solidFill>
-                  <a:latin typeface="DengXian" panose="02010600030101010101" pitchFamily="2" charset="-122"/>
-                  <a:ea typeface="DengXian" panose="02010600030101010101" pitchFamily="2" charset="-122"/>
-                </a:endParaRPr>
+                <a:r>
+                  <a:rPr kumimoji="1" lang="en-US" altLang="zh-CN" sz="1600" dirty="0">
+                    <a:solidFill>
+                      <a:sysClr val="windowText" lastClr="000000"/>
+                    </a:solidFill>
+                    <a:latin typeface="DengXian" panose="02010600030101010101" pitchFamily="2" charset="-122"/>
+                    <a:ea typeface="DengXian" panose="02010600030101010101" pitchFamily="2" charset="-122"/>
+                  </a:rPr>
+                  <a:t>}</a:t>
+                </a:r>
               </a:p>
             </p:txBody>
           </p:sp>
         </p:grpSp>
       </p:grpSp>
+      <p:sp>
+        <p:nvSpPr>
+          <p:cNvPr id="4" name="Cross 3">
+            <a:extLst>
+              <a:ext uri="{FF2B5EF4-FFF2-40B4-BE49-F238E27FC236}">
+                <a16:creationId xmlns:a16="http://schemas.microsoft.com/office/drawing/2014/main" id="{BE35B54C-3653-6856-AAC1-4C29262540BA}"/>
+              </a:ext>
+            </a:extLst>
+          </p:cNvPr>
+          <p:cNvSpPr/>
+          <p:nvPr/>
+        </p:nvSpPr>
+        <p:spPr>
+          <a:xfrm>
+            <a:off x="6575079" y="2737758"/>
+            <a:ext cx="180000" cy="180000"/>
+          </a:xfrm>
+          <a:prstGeom prst="plus">
+            <a:avLst>
+              <a:gd name="adj" fmla="val 33021"/>
+            </a:avLst>
+          </a:prstGeom>
+          <a:solidFill>
+            <a:schemeClr val="tx1"/>
+          </a:solidFill>
+          <a:ln>
+            <a:noFill/>
+          </a:ln>
+        </p:spPr>
+        <p:style>
+          <a:lnRef idx="2">
+            <a:schemeClr val="accent1">
+              <a:shade val="50000"/>
+            </a:schemeClr>
+          </a:lnRef>
+          <a:fillRef idx="1">
+            <a:schemeClr val="accent1"/>
+          </a:fillRef>
+          <a:effectRef idx="0">
+            <a:schemeClr val="accent1"/>
+          </a:effectRef>
+          <a:fontRef idx="minor">
+            <a:schemeClr val="lt1"/>
+          </a:fontRef>
+        </p:style>
+        <p:txBody>
+          <a:bodyPr rtlCol="0" anchor="ctr"/>
+          <a:lstStyle/>
+          <a:p>
+            <a:pPr algn="ctr"/>
+            <a:endParaRPr lang="en-CN">
+              <a:solidFill>
+                <a:schemeClr val="tx1"/>
+              </a:solidFill>
+            </a:endParaRPr>
+          </a:p>
+        </p:txBody>
+      </p:sp>
+      <p:sp>
+        <p:nvSpPr>
+          <p:cNvPr id="7" name="Cross 6">
+            <a:extLst>
+              <a:ext uri="{FF2B5EF4-FFF2-40B4-BE49-F238E27FC236}">
+                <a16:creationId xmlns:a16="http://schemas.microsoft.com/office/drawing/2014/main" id="{4D81C3B3-5ED2-0845-EDB7-4FD5F3C8A947}"/>
+              </a:ext>
+            </a:extLst>
+          </p:cNvPr>
+          <p:cNvSpPr/>
+          <p:nvPr/>
+        </p:nvSpPr>
+        <p:spPr>
+          <a:xfrm>
+            <a:off x="2085252" y="2917758"/>
+            <a:ext cx="180000" cy="180000"/>
+          </a:xfrm>
+          <a:prstGeom prst="plus">
+            <a:avLst>
+              <a:gd name="adj" fmla="val 33021"/>
+            </a:avLst>
+          </a:prstGeom>
+          <a:solidFill>
+            <a:schemeClr val="tx1"/>
+          </a:solidFill>
+          <a:ln>
+            <a:noFill/>
+          </a:ln>
+        </p:spPr>
+        <p:style>
+          <a:lnRef idx="2">
+            <a:schemeClr val="accent1">
+              <a:shade val="50000"/>
+            </a:schemeClr>
+          </a:lnRef>
+          <a:fillRef idx="1">
+            <a:schemeClr val="accent1"/>
+          </a:fillRef>
+          <a:effectRef idx="0">
+            <a:schemeClr val="accent1"/>
+          </a:effectRef>
+          <a:fontRef idx="minor">
+            <a:schemeClr val="lt1"/>
+          </a:fontRef>
+        </p:style>
+        <p:txBody>
+          <a:bodyPr rtlCol="0" anchor="ctr"/>
+          <a:lstStyle/>
+          <a:p>
+            <a:pPr algn="ctr"/>
+            <a:endParaRPr lang="en-CN">
+              <a:solidFill>
+                <a:schemeClr val="tx1"/>
+              </a:solidFill>
+            </a:endParaRPr>
+          </a:p>
+        </p:txBody>
+      </p:sp>
     </p:spTree>
     <p:extLst>
       <p:ext uri="{BB962C8B-B14F-4D97-AF65-F5344CB8AC3E}">
@@ -10833,9 +11937,25 @@
                       <a:sysClr val="windowText" lastClr="000000"/>
                     </a:solidFill>
                   </a:rPr>
+                  <a:t>acc:</a:t>
+                </a:r>
+                <a:r>
+                  <a:rPr kumimoji="1" lang="zh-CN" altLang="en-US" b="1" dirty="0">
+                    <a:solidFill>
+                      <a:sysClr val="windowText" lastClr="000000"/>
+                    </a:solidFill>
+                  </a:rPr>
+                  <a:t> </a:t>
+                </a:r>
+                <a:r>
+                  <a:rPr kumimoji="1" lang="en-US" altLang="zh-CN" dirty="0">
+                    <a:solidFill>
+                      <a:sysClr val="windowText" lastClr="000000"/>
+                    </a:solidFill>
+                  </a:rPr>
                   <a:t>Account</a:t>
                 </a:r>
-                <a:endParaRPr kumimoji="1" lang="zh-CN" altLang="en-US" sz="1600" b="1" dirty="0">
+                <a:endParaRPr kumimoji="1" lang="zh-CN" altLang="en-US" sz="1600" dirty="0">
                   <a:solidFill>
                     <a:sysClr val="windowText" lastClr="000000"/>
                   </a:solidFill>
@@ -10892,6 +12012,26 @@
               <a:p>
                 <a:pPr algn="ctr"/>
                 <a:r>
+                  <a:rPr kumimoji="1" lang="en-US" altLang="zh-CN" sz="1600" dirty="0" err="1">
+                    <a:solidFill>
+                      <a:sysClr val="windowText" lastClr="000000"/>
+                    </a:solidFill>
+                    <a:latin typeface="DengXian" panose="02010600030101010101" pitchFamily="2" charset="-122"/>
+                    <a:ea typeface="DengXian" panose="02010600030101010101" pitchFamily="2" charset="-122"/>
+                  </a:rPr>
+                  <a:t>acc.id</a:t>
+                </a:r>
+                <a:r>
+                  <a:rPr kumimoji="1" lang="zh-CN" altLang="en-US" sz="1600" dirty="0">
+                    <a:solidFill>
+                      <a:sysClr val="windowText" lastClr="000000"/>
+                    </a:solidFill>
+                    <a:latin typeface="DengXian" panose="02010600030101010101" pitchFamily="2" charset="-122"/>
+                    <a:ea typeface="DengXian" panose="02010600030101010101" pitchFamily="2" charset="-122"/>
+                  </a:rPr>
+                  <a:t> </a:t>
+                </a:r>
+                <a:r>
                   <a:rPr kumimoji="1" lang="en-US" altLang="zh-CN" sz="1600" dirty="0">
                     <a:solidFill>
                       <a:sysClr val="windowText" lastClr="000000"/>
@@ -10899,7 +12039,7 @@
                     <a:latin typeface="DengXian" panose="02010600030101010101" pitchFamily="2" charset="-122"/>
                     <a:ea typeface="DengXian" panose="02010600030101010101" pitchFamily="2" charset="-122"/>
                   </a:rPr>
-                  <a:t>id</a:t>
+                  <a:t>=</a:t>
                 </a:r>
                 <a:r>
                   <a:rPr kumimoji="1" lang="zh-CN" altLang="en-US" sz="1600" dirty="0">
@@ -10919,17 +12059,7 @@
                     <a:latin typeface="DengXian" panose="02010600030101010101" pitchFamily="2" charset="-122"/>
                     <a:ea typeface="DengXian" panose="02010600030101010101" pitchFamily="2" charset="-122"/>
                   </a:rPr>
-                  <a:t>&lt;-</a:t>
-                </a:r>
-                <a:r>
-                  <a:rPr kumimoji="1" lang="zh-CN" altLang="en-US" sz="1600" dirty="0">
-                    <a:solidFill>
-                      <a:sysClr val="windowText" lastClr="000000"/>
-                    </a:solidFill>
-                    <a:latin typeface="DengXian" panose="02010600030101010101" pitchFamily="2" charset="-122"/>
-                    <a:ea typeface="DengXian" panose="02010600030101010101" pitchFamily="2" charset="-122"/>
-                  </a:rPr>
-                  <a:t> </a:t>
+                  <a:t>${</a:t>
                 </a:r>
                 <a:r>
                   <a:rPr kumimoji="1" lang="en-US" altLang="zh-CN" sz="1600" dirty="0" err="1">
@@ -10941,13 +12071,16 @@
                   </a:rPr>
                   <a:t>accountId</a:t>
                 </a:r>
-                <a:endParaRPr kumimoji="1" lang="en-US" altLang="zh-CN" sz="1600" dirty="0">
-                  <a:solidFill>
-                    <a:sysClr val="windowText" lastClr="000000"/>
-                  </a:solidFill>
-                  <a:latin typeface="DengXian" panose="02010600030101010101" pitchFamily="2" charset="-122"/>
-                  <a:ea typeface="DengXian" panose="02010600030101010101" pitchFamily="2" charset="-122"/>
-                </a:endParaRPr>
+                <a:r>
+                  <a:rPr kumimoji="1" lang="en-US" altLang="zh-CN" sz="1600" dirty="0">
+                    <a:solidFill>
+                      <a:sysClr val="windowText" lastClr="000000"/>
+                    </a:solidFill>
+                    <a:latin typeface="DengXian" panose="02010600030101010101" pitchFamily="2" charset="-122"/>
+                    <a:ea typeface="DengXian" panose="02010600030101010101" pitchFamily="2" charset="-122"/>
+                  </a:rPr>
+                  <a:t>}</a:t>
+                </a:r>
               </a:p>
             </p:txBody>
           </p:sp>
@@ -11392,6 +12525,122 @@
           </p:txBody>
         </p:sp>
       </p:grpSp>
+      <p:sp>
+        <p:nvSpPr>
+          <p:cNvPr id="2" name="Cross 1">
+            <a:extLst>
+              <a:ext uri="{FF2B5EF4-FFF2-40B4-BE49-F238E27FC236}">
+                <a16:creationId xmlns:a16="http://schemas.microsoft.com/office/drawing/2014/main" id="{2C92516A-FF90-A754-0835-287CDB73D16A}"/>
+              </a:ext>
+            </a:extLst>
+          </p:cNvPr>
+          <p:cNvSpPr/>
+          <p:nvPr/>
+        </p:nvSpPr>
+        <p:spPr>
+          <a:xfrm>
+            <a:off x="6535751" y="2236313"/>
+            <a:ext cx="180000" cy="180000"/>
+          </a:xfrm>
+          <a:prstGeom prst="plus">
+            <a:avLst>
+              <a:gd name="adj" fmla="val 33021"/>
+            </a:avLst>
+          </a:prstGeom>
+          <a:solidFill>
+            <a:schemeClr val="tx1"/>
+          </a:solidFill>
+          <a:ln>
+            <a:noFill/>
+          </a:ln>
+        </p:spPr>
+        <p:style>
+          <a:lnRef idx="2">
+            <a:schemeClr val="accent1">
+              <a:shade val="50000"/>
+            </a:schemeClr>
+          </a:lnRef>
+          <a:fillRef idx="1">
+            <a:schemeClr val="accent1"/>
+          </a:fillRef>
+          <a:effectRef idx="0">
+            <a:schemeClr val="accent1"/>
+          </a:effectRef>
+          <a:fontRef idx="minor">
+            <a:schemeClr val="lt1"/>
+          </a:fontRef>
+        </p:style>
+        <p:txBody>
+          <a:bodyPr rtlCol="0" anchor="ctr"/>
+          <a:lstStyle/>
+          <a:p>
+            <a:pPr algn="ctr"/>
+            <a:endParaRPr lang="en-CN">
+              <a:solidFill>
+                <a:schemeClr val="tx1"/>
+              </a:solidFill>
+            </a:endParaRPr>
+          </a:p>
+        </p:txBody>
+      </p:sp>
+      <p:sp>
+        <p:nvSpPr>
+          <p:cNvPr id="7" name="Cross 6">
+            <a:extLst>
+              <a:ext uri="{FF2B5EF4-FFF2-40B4-BE49-F238E27FC236}">
+                <a16:creationId xmlns:a16="http://schemas.microsoft.com/office/drawing/2014/main" id="{E28E2677-B5CC-E9CE-BDD2-8E9D216DCFC5}"/>
+              </a:ext>
+            </a:extLst>
+          </p:cNvPr>
+          <p:cNvSpPr/>
+          <p:nvPr/>
+        </p:nvSpPr>
+        <p:spPr>
+          <a:xfrm>
+            <a:off x="7561820" y="2426145"/>
+            <a:ext cx="180000" cy="180000"/>
+          </a:xfrm>
+          <a:prstGeom prst="plus">
+            <a:avLst>
+              <a:gd name="adj" fmla="val 33021"/>
+            </a:avLst>
+          </a:prstGeom>
+          <a:solidFill>
+            <a:schemeClr val="tx1"/>
+          </a:solidFill>
+          <a:ln>
+            <a:noFill/>
+          </a:ln>
+        </p:spPr>
+        <p:style>
+          <a:lnRef idx="2">
+            <a:schemeClr val="accent1">
+              <a:shade val="50000"/>
+            </a:schemeClr>
+          </a:lnRef>
+          <a:fillRef idx="1">
+            <a:schemeClr val="accent1"/>
+          </a:fillRef>
+          <a:effectRef idx="0">
+            <a:schemeClr val="accent1"/>
+          </a:effectRef>
+          <a:fontRef idx="minor">
+            <a:schemeClr val="lt1"/>
+          </a:fontRef>
+        </p:style>
+        <p:txBody>
+          <a:bodyPr rtlCol="0" anchor="ctr"/>
+          <a:lstStyle/>
+          <a:p>
+            <a:pPr algn="ctr"/>
+            <a:endParaRPr lang="en-CN">
+              <a:solidFill>
+                <a:schemeClr val="tx1"/>
+              </a:solidFill>
+            </a:endParaRPr>
+          </a:p>
+        </p:txBody>
+      </p:sp>
     </p:spTree>
     <p:extLst>
       <p:ext uri="{BB962C8B-B14F-4D97-AF65-F5344CB8AC3E}">
@@ -11521,9 +12770,25 @@
                       <a:sysClr val="windowText" lastClr="000000"/>
                     </a:solidFill>
                   </a:rPr>
+                  <a:t>acc:</a:t>
+                </a:r>
+                <a:r>
+                  <a:rPr kumimoji="1" lang="zh-CN" altLang="en-US" b="1" dirty="0">
+                    <a:solidFill>
+                      <a:sysClr val="windowText" lastClr="000000"/>
+                    </a:solidFill>
+                  </a:rPr>
+                  <a:t> </a:t>
+                </a:r>
+                <a:r>
+                  <a:rPr kumimoji="1" lang="en-US" altLang="zh-CN" dirty="0">
+                    <a:solidFill>
+                      <a:sysClr val="windowText" lastClr="000000"/>
+                    </a:solidFill>
+                  </a:rPr>
                   <a:t>Account</a:t>
                 </a:r>
-                <a:endParaRPr kumimoji="1" lang="zh-CN" altLang="en-US" sz="1600" b="1" dirty="0">
+                <a:endParaRPr kumimoji="1" lang="zh-CN" altLang="en-US" sz="1600" dirty="0">
                   <a:solidFill>
                     <a:sysClr val="windowText" lastClr="000000"/>
                   </a:solidFill>
@@ -11580,6 +12845,26 @@
               <a:p>
                 <a:pPr algn="ctr"/>
                 <a:r>
+                  <a:rPr kumimoji="1" lang="en-US" altLang="zh-CN" sz="1600" dirty="0" err="1">
+                    <a:solidFill>
+                      <a:sysClr val="windowText" lastClr="000000"/>
+                    </a:solidFill>
+                    <a:latin typeface="DengXian" panose="02010600030101010101" pitchFamily="2" charset="-122"/>
+                    <a:ea typeface="DengXian" panose="02010600030101010101" pitchFamily="2" charset="-122"/>
+                  </a:rPr>
+                  <a:t>acc.id</a:t>
+                </a:r>
+                <a:r>
+                  <a:rPr kumimoji="1" lang="zh-CN" altLang="en-US" sz="1600" dirty="0">
+                    <a:solidFill>
+                      <a:sysClr val="windowText" lastClr="000000"/>
+                    </a:solidFill>
+                    <a:latin typeface="DengXian" panose="02010600030101010101" pitchFamily="2" charset="-122"/>
+                    <a:ea typeface="DengXian" panose="02010600030101010101" pitchFamily="2" charset="-122"/>
+                  </a:rPr>
+                  <a:t> </a:t>
+                </a:r>
+                <a:r>
                   <a:rPr kumimoji="1" lang="en-US" altLang="zh-CN" sz="1600" dirty="0">
                     <a:solidFill>
                       <a:sysClr val="windowText" lastClr="000000"/>
@@ -11587,7 +12872,7 @@
                     <a:latin typeface="DengXian" panose="02010600030101010101" pitchFamily="2" charset="-122"/>
                     <a:ea typeface="DengXian" panose="02010600030101010101" pitchFamily="2" charset="-122"/>
                   </a:rPr>
-                  <a:t>id</a:t>
+                  <a:t>=</a:t>
                 </a:r>
                 <a:r>
                   <a:rPr kumimoji="1" lang="zh-CN" altLang="en-US" sz="1600" dirty="0">
@@ -11607,17 +12892,7 @@
                     <a:latin typeface="DengXian" panose="02010600030101010101" pitchFamily="2" charset="-122"/>
                     <a:ea typeface="DengXian" panose="02010600030101010101" pitchFamily="2" charset="-122"/>
                   </a:rPr>
-                  <a:t>&lt;-</a:t>
-                </a:r>
-                <a:r>
-                  <a:rPr kumimoji="1" lang="zh-CN" altLang="en-US" sz="1600" dirty="0">
-                    <a:solidFill>
-                      <a:sysClr val="windowText" lastClr="000000"/>
-                    </a:solidFill>
-                    <a:latin typeface="DengXian" panose="02010600030101010101" pitchFamily="2" charset="-122"/>
-                    <a:ea typeface="DengXian" panose="02010600030101010101" pitchFamily="2" charset="-122"/>
-                  </a:rPr>
-                  <a:t> </a:t>
+                  <a:t>${</a:t>
                 </a:r>
                 <a:r>
                   <a:rPr kumimoji="1" lang="en-US" altLang="zh-CN" sz="1600" dirty="0" err="1">
@@ -11629,13 +12904,16 @@
                   </a:rPr>
                   <a:t>accountId</a:t>
                 </a:r>
-                <a:endParaRPr kumimoji="1" lang="en-US" altLang="zh-CN" sz="1600" dirty="0">
-                  <a:solidFill>
-                    <a:sysClr val="windowText" lastClr="000000"/>
-                  </a:solidFill>
-                  <a:latin typeface="DengXian" panose="02010600030101010101" pitchFamily="2" charset="-122"/>
-                  <a:ea typeface="DengXian" panose="02010600030101010101" pitchFamily="2" charset="-122"/>
-                </a:endParaRPr>
+                <a:r>
+                  <a:rPr kumimoji="1" lang="en-US" altLang="zh-CN" sz="1600" dirty="0">
+                    <a:solidFill>
+                      <a:sysClr val="windowText" lastClr="000000"/>
+                    </a:solidFill>
+                    <a:latin typeface="DengXian" panose="02010600030101010101" pitchFamily="2" charset="-122"/>
+                    <a:ea typeface="DengXian" panose="02010600030101010101" pitchFamily="2" charset="-122"/>
+                  </a:rPr>
+                  <a:t>}</a:t>
+                </a:r>
               </a:p>
             </p:txBody>
           </p:sp>
@@ -12038,6 +13316,122 @@
           </p:sp>
         </p:grpSp>
       </p:grpSp>
+      <p:sp>
+        <p:nvSpPr>
+          <p:cNvPr id="4" name="Cross 3">
+            <a:extLst>
+              <a:ext uri="{FF2B5EF4-FFF2-40B4-BE49-F238E27FC236}">
+                <a16:creationId xmlns:a16="http://schemas.microsoft.com/office/drawing/2014/main" id="{94A17D3B-E94A-0ED9-925A-2B1A9477FA5A}"/>
+              </a:ext>
+            </a:extLst>
+          </p:cNvPr>
+          <p:cNvSpPr/>
+          <p:nvPr/>
+        </p:nvSpPr>
+        <p:spPr>
+          <a:xfrm>
+            <a:off x="6486590" y="2767255"/>
+            <a:ext cx="180000" cy="180000"/>
+          </a:xfrm>
+          <a:prstGeom prst="plus">
+            <a:avLst>
+              <a:gd name="adj" fmla="val 33021"/>
+            </a:avLst>
+          </a:prstGeom>
+          <a:solidFill>
+            <a:schemeClr val="tx1"/>
+          </a:solidFill>
+          <a:ln>
+            <a:noFill/>
+          </a:ln>
+        </p:spPr>
+        <p:style>
+          <a:lnRef idx="2">
+            <a:schemeClr val="accent1">
+              <a:shade val="50000"/>
+            </a:schemeClr>
+          </a:lnRef>
+          <a:fillRef idx="1">
+            <a:schemeClr val="accent1"/>
+          </a:fillRef>
+          <a:effectRef idx="0">
+            <a:schemeClr val="accent1"/>
+          </a:effectRef>
+          <a:fontRef idx="minor">
+            <a:schemeClr val="lt1"/>
+          </a:fontRef>
+        </p:style>
+        <p:txBody>
+          <a:bodyPr rtlCol="0" anchor="ctr"/>
+          <a:lstStyle/>
+          <a:p>
+            <a:pPr algn="ctr"/>
+            <a:endParaRPr lang="en-CN">
+              <a:solidFill>
+                <a:schemeClr val="tx1"/>
+              </a:solidFill>
+            </a:endParaRPr>
+          </a:p>
+        </p:txBody>
+      </p:sp>
+      <p:sp>
+        <p:nvSpPr>
+          <p:cNvPr id="7" name="Cross 6">
+            <a:extLst>
+              <a:ext uri="{FF2B5EF4-FFF2-40B4-BE49-F238E27FC236}">
+                <a16:creationId xmlns:a16="http://schemas.microsoft.com/office/drawing/2014/main" id="{5A219355-574B-9392-FB7C-ADE9FDBCE4AC}"/>
+              </a:ext>
+            </a:extLst>
+          </p:cNvPr>
+          <p:cNvSpPr/>
+          <p:nvPr/>
+        </p:nvSpPr>
+        <p:spPr>
+          <a:xfrm>
+            <a:off x="7453667" y="2957087"/>
+            <a:ext cx="180000" cy="180000"/>
+          </a:xfrm>
+          <a:prstGeom prst="plus">
+            <a:avLst>
+              <a:gd name="adj" fmla="val 33021"/>
+            </a:avLst>
+          </a:prstGeom>
+          <a:solidFill>
+            <a:schemeClr val="tx1"/>
+          </a:solidFill>
+          <a:ln>
+            <a:noFill/>
+          </a:ln>
+        </p:spPr>
+        <p:style>
+          <a:lnRef idx="2">
+            <a:schemeClr val="accent1">
+              <a:shade val="50000"/>
+            </a:schemeClr>
+          </a:lnRef>
+          <a:fillRef idx="1">
+            <a:schemeClr val="accent1"/>
+          </a:fillRef>
+          <a:effectRef idx="0">
+            <a:schemeClr val="accent1"/>
+          </a:effectRef>
+          <a:fontRef idx="minor">
+            <a:schemeClr val="lt1"/>
+          </a:fontRef>
+        </p:style>
+        <p:txBody>
+          <a:bodyPr rtlCol="0" anchor="ctr"/>
+          <a:lstStyle/>
+          <a:p>
+            <a:pPr algn="ctr"/>
+            <a:endParaRPr lang="en-CN">
+              <a:solidFill>
+                <a:schemeClr val="tx1"/>
+              </a:solidFill>
+            </a:endParaRPr>
+          </a:p>
+        </p:txBody>
+      </p:sp>
     </p:spTree>
     <p:extLst>
       <p:ext uri="{BB962C8B-B14F-4D97-AF65-F5344CB8AC3E}">
@@ -12167,9 +13561,25 @@
                       <a:sysClr val="windowText" lastClr="000000"/>
                     </a:solidFill>
                   </a:rPr>
+                  <a:t>acc:</a:t>
+                </a:r>
+                <a:r>
+                  <a:rPr kumimoji="1" lang="zh-CN" altLang="en-US" b="1" dirty="0">
+                    <a:solidFill>
+                      <a:sysClr val="windowText" lastClr="000000"/>
+                    </a:solidFill>
+                  </a:rPr>
+                  <a:t> </a:t>
+                </a:r>
+                <a:r>
+                  <a:rPr kumimoji="1" lang="en-US" altLang="zh-CN" dirty="0">
+                    <a:solidFill>
+                      <a:sysClr val="windowText" lastClr="000000"/>
+                    </a:solidFill>
+                  </a:rPr>
                   <a:t>Account</a:t>
                 </a:r>
-                <a:endParaRPr kumimoji="1" lang="zh-CN" altLang="en-US" sz="1600" b="1" dirty="0">
+                <a:endParaRPr kumimoji="1" lang="zh-CN" altLang="en-US" sz="1600" dirty="0">
                   <a:solidFill>
                     <a:sysClr val="windowText" lastClr="000000"/>
                   </a:solidFill>
@@ -12226,6 +13636,26 @@
               <a:p>
                 <a:pPr algn="ctr"/>
                 <a:r>
+                  <a:rPr kumimoji="1" lang="en-US" altLang="zh-CN" sz="1600" dirty="0" err="1">
+                    <a:solidFill>
+                      <a:sysClr val="windowText" lastClr="000000"/>
+                    </a:solidFill>
+                    <a:latin typeface="DengXian" panose="02010600030101010101" pitchFamily="2" charset="-122"/>
+                    <a:ea typeface="DengXian" panose="02010600030101010101" pitchFamily="2" charset="-122"/>
+                  </a:rPr>
+                  <a:t>acc.id</a:t>
+                </a:r>
+                <a:r>
+                  <a:rPr kumimoji="1" lang="zh-CN" altLang="en-US" sz="1600" dirty="0">
+                    <a:solidFill>
+                      <a:sysClr val="windowText" lastClr="000000"/>
+                    </a:solidFill>
+                    <a:latin typeface="DengXian" panose="02010600030101010101" pitchFamily="2" charset="-122"/>
+                    <a:ea typeface="DengXian" panose="02010600030101010101" pitchFamily="2" charset="-122"/>
+                  </a:rPr>
+                  <a:t> </a:t>
+                </a:r>
+                <a:r>
                   <a:rPr kumimoji="1" lang="en-US" altLang="zh-CN" sz="1600" dirty="0">
                     <a:solidFill>
                       <a:sysClr val="windowText" lastClr="000000"/>
@@ -12233,7 +13663,7 @@
                     <a:latin typeface="DengXian" panose="02010600030101010101" pitchFamily="2" charset="-122"/>
                     <a:ea typeface="DengXian" panose="02010600030101010101" pitchFamily="2" charset="-122"/>
                   </a:rPr>
-                  <a:t>id</a:t>
+                  <a:t>=</a:t>
                 </a:r>
                 <a:r>
                   <a:rPr kumimoji="1" lang="zh-CN" altLang="en-US" sz="1600" dirty="0">
@@ -12253,17 +13683,7 @@
                     <a:latin typeface="DengXian" panose="02010600030101010101" pitchFamily="2" charset="-122"/>
                     <a:ea typeface="DengXian" panose="02010600030101010101" pitchFamily="2" charset="-122"/>
                   </a:rPr>
-                  <a:t>&lt;-</a:t>
-                </a:r>
-                <a:r>
-                  <a:rPr kumimoji="1" lang="zh-CN" altLang="en-US" sz="1600" dirty="0">
-                    <a:solidFill>
-                      <a:sysClr val="windowText" lastClr="000000"/>
-                    </a:solidFill>
-                    <a:latin typeface="DengXian" panose="02010600030101010101" pitchFamily="2" charset="-122"/>
-                    <a:ea typeface="DengXian" panose="02010600030101010101" pitchFamily="2" charset="-122"/>
-                  </a:rPr>
-                  <a:t> </a:t>
+                  <a:t>${</a:t>
                 </a:r>
                 <a:r>
                   <a:rPr kumimoji="1" lang="en-US" altLang="zh-CN" sz="1600" dirty="0" err="1">
@@ -12275,13 +13695,16 @@
                   </a:rPr>
                   <a:t>accountId</a:t>
                 </a:r>
-                <a:endParaRPr kumimoji="1" lang="en-US" altLang="zh-CN" sz="1600" dirty="0">
-                  <a:solidFill>
-                    <a:sysClr val="windowText" lastClr="000000"/>
-                  </a:solidFill>
-                  <a:latin typeface="DengXian" panose="02010600030101010101" pitchFamily="2" charset="-122"/>
-                  <a:ea typeface="DengXian" panose="02010600030101010101" pitchFamily="2" charset="-122"/>
-                </a:endParaRPr>
+                <a:r>
+                  <a:rPr kumimoji="1" lang="en-US" altLang="zh-CN" sz="1600" dirty="0">
+                    <a:solidFill>
+                      <a:sysClr val="windowText" lastClr="000000"/>
+                    </a:solidFill>
+                    <a:latin typeface="DengXian" panose="02010600030101010101" pitchFamily="2" charset="-122"/>
+                    <a:ea typeface="DengXian" panose="02010600030101010101" pitchFamily="2" charset="-122"/>
+                  </a:rPr>
+                  <a:t>}</a:t>
+                </a:r>
               </a:p>
             </p:txBody>
           </p:sp>
@@ -12684,6 +14107,122 @@
           </p:sp>
         </p:grpSp>
       </p:grpSp>
+      <p:sp>
+        <p:nvSpPr>
+          <p:cNvPr id="4" name="Cross 3">
+            <a:extLst>
+              <a:ext uri="{FF2B5EF4-FFF2-40B4-BE49-F238E27FC236}">
+                <a16:creationId xmlns:a16="http://schemas.microsoft.com/office/drawing/2014/main" id="{4189C50B-BC2C-45DB-08DB-CCF56FE4A1A2}"/>
+              </a:ext>
+            </a:extLst>
+          </p:cNvPr>
+          <p:cNvSpPr/>
+          <p:nvPr/>
+        </p:nvSpPr>
+        <p:spPr>
+          <a:xfrm>
+            <a:off x="6584913" y="2767255"/>
+            <a:ext cx="180000" cy="180000"/>
+          </a:xfrm>
+          <a:prstGeom prst="plus">
+            <a:avLst>
+              <a:gd name="adj" fmla="val 33021"/>
+            </a:avLst>
+          </a:prstGeom>
+          <a:solidFill>
+            <a:schemeClr val="tx1"/>
+          </a:solidFill>
+          <a:ln>
+            <a:noFill/>
+          </a:ln>
+        </p:spPr>
+        <p:style>
+          <a:lnRef idx="2">
+            <a:schemeClr val="accent1">
+              <a:shade val="50000"/>
+            </a:schemeClr>
+          </a:lnRef>
+          <a:fillRef idx="1">
+            <a:schemeClr val="accent1"/>
+          </a:fillRef>
+          <a:effectRef idx="0">
+            <a:schemeClr val="accent1"/>
+          </a:effectRef>
+          <a:fontRef idx="minor">
+            <a:schemeClr val="lt1"/>
+          </a:fontRef>
+        </p:style>
+        <p:txBody>
+          <a:bodyPr rtlCol="0" anchor="ctr"/>
+          <a:lstStyle/>
+          <a:p>
+            <a:pPr algn="ctr"/>
+            <a:endParaRPr lang="en-CN">
+              <a:solidFill>
+                <a:schemeClr val="tx1"/>
+              </a:solidFill>
+            </a:endParaRPr>
+          </a:p>
+        </p:txBody>
+      </p:sp>
+      <p:sp>
+        <p:nvSpPr>
+          <p:cNvPr id="7" name="Cross 6">
+            <a:extLst>
+              <a:ext uri="{FF2B5EF4-FFF2-40B4-BE49-F238E27FC236}">
+                <a16:creationId xmlns:a16="http://schemas.microsoft.com/office/drawing/2014/main" id="{0141C050-1173-7F60-7772-917311FF5ED1}"/>
+              </a:ext>
+            </a:extLst>
+          </p:cNvPr>
+          <p:cNvSpPr/>
+          <p:nvPr/>
+        </p:nvSpPr>
+        <p:spPr>
+          <a:xfrm>
+            <a:off x="7591318" y="2917759"/>
+            <a:ext cx="180000" cy="180000"/>
+          </a:xfrm>
+          <a:prstGeom prst="plus">
+            <a:avLst>
+              <a:gd name="adj" fmla="val 33021"/>
+            </a:avLst>
+          </a:prstGeom>
+          <a:solidFill>
+            <a:schemeClr val="tx1"/>
+          </a:solidFill>
+          <a:ln>
+            <a:noFill/>
+          </a:ln>
+        </p:spPr>
+        <p:style>
+          <a:lnRef idx="2">
+            <a:schemeClr val="accent1">
+              <a:shade val="50000"/>
+            </a:schemeClr>
+          </a:lnRef>
+          <a:fillRef idx="1">
+            <a:schemeClr val="accent1"/>
+          </a:fillRef>
+          <a:effectRef idx="0">
+            <a:schemeClr val="accent1"/>
+          </a:effectRef>
+          <a:fontRef idx="minor">
+            <a:schemeClr val="lt1"/>
+          </a:fontRef>
+        </p:style>
+        <p:txBody>
+          <a:bodyPr rtlCol="0" anchor="ctr"/>
+          <a:lstStyle/>
+          <a:p>
+            <a:pPr algn="ctr"/>
+            <a:endParaRPr lang="en-CN">
+              <a:solidFill>
+                <a:schemeClr val="tx1"/>
+              </a:solidFill>
+            </a:endParaRPr>
+          </a:p>
+        </p:txBody>
+      </p:sp>
     </p:spTree>
     <p:extLst>
       <p:ext uri="{BB962C8B-B14F-4D97-AF65-F5344CB8AC3E}">

--- a/patterns/transaction-write.pptx
+++ b/patterns/transaction-write.pptx
@@ -234,7 +234,7 @@
           <a:p>
             <a:fld id="{CAD4BD24-A097-4F9D-85E9-6A2A24CA2D98}" type="datetimeFigureOut">
               <a:rPr lang="zh-CN" altLang="en-US" smtClean="0"/>
-              <a:t>2022/11/17</a:t>
+              <a:t>2023/1/11</a:t>
             </a:fld>
             <a:endParaRPr lang="zh-CN" altLang="en-US"/>
           </a:p>
@@ -4802,10 +4802,10 @@
       </p:grpSpPr>
       <p:grpSp>
         <p:nvGrpSpPr>
-          <p:cNvPr id="4" name="Group 3">
+          <p:cNvPr id="5" name="Group 4">
             <a:extLst>
               <a:ext uri="{FF2B5EF4-FFF2-40B4-BE49-F238E27FC236}">
-                <a16:creationId xmlns:a16="http://schemas.microsoft.com/office/drawing/2014/main" id="{79CD0E29-4F4F-E69E-8318-6AFCE74E5F33}"/>
+                <a16:creationId xmlns:a16="http://schemas.microsoft.com/office/drawing/2014/main" id="{D6D28D6A-C066-1361-42F3-8B733C379113}"/>
               </a:ext>
             </a:extLst>
           </p:cNvPr>
@@ -6408,10 +6408,10 @@
       </p:grpSpPr>
       <p:grpSp>
         <p:nvGrpSpPr>
-          <p:cNvPr id="2" name="Group 1">
+          <p:cNvPr id="14" name="Group 13">
             <a:extLst>
               <a:ext uri="{FF2B5EF4-FFF2-40B4-BE49-F238E27FC236}">
-                <a16:creationId xmlns:a16="http://schemas.microsoft.com/office/drawing/2014/main" id="{AD3AFF57-A126-FB8B-AD58-A77239D7914E}"/>
+                <a16:creationId xmlns:a16="http://schemas.microsoft.com/office/drawing/2014/main" id="{B15A6ADD-CF71-9028-A905-5B4295AC171D}"/>
               </a:ext>
             </a:extLst>
           </p:cNvPr>
@@ -6420,18 +6420,610 @@
         </p:nvGrpSpPr>
         <p:grpSpPr>
           <a:xfrm>
-            <a:off x="4920193" y="2403484"/>
-            <a:ext cx="1945267" cy="2051032"/>
-            <a:chOff x="4920193" y="2403484"/>
-            <a:chExt cx="1945267" cy="2051032"/>
+            <a:off x="3681387" y="2271404"/>
+            <a:ext cx="4667433" cy="2366244"/>
+            <a:chOff x="3681387" y="2271404"/>
+            <a:chExt cx="4667433" cy="2366244"/>
           </a:xfrm>
         </p:grpSpPr>
+        <p:grpSp>
+          <p:nvGrpSpPr>
+            <p:cNvPr id="2" name="Group 1">
+              <a:extLst>
+                <a:ext uri="{FF2B5EF4-FFF2-40B4-BE49-F238E27FC236}">
+                  <a16:creationId xmlns:a16="http://schemas.microsoft.com/office/drawing/2014/main" id="{AD3AFF57-A126-FB8B-AD58-A77239D7914E}"/>
+                </a:ext>
+              </a:extLst>
+            </p:cNvPr>
+            <p:cNvGrpSpPr/>
+            <p:nvPr/>
+          </p:nvGrpSpPr>
+          <p:grpSpPr>
+            <a:xfrm>
+              <a:off x="6403553" y="2271404"/>
+              <a:ext cx="1945267" cy="2051032"/>
+              <a:chOff x="4920193" y="2403484"/>
+              <a:chExt cx="1945267" cy="2051032"/>
+            </a:xfrm>
+          </p:grpSpPr>
+          <p:sp>
+            <p:nvSpPr>
+              <p:cNvPr id="15" name="Rectangle 14">
+                <a:extLst>
+                  <a:ext uri="{FF2B5EF4-FFF2-40B4-BE49-F238E27FC236}">
+                    <a16:creationId xmlns:a16="http://schemas.microsoft.com/office/drawing/2014/main" id="{A7BE3F17-C67E-5A46-996C-67EF743EC561}"/>
+                  </a:ext>
+                </a:extLst>
+              </p:cNvPr>
+              <p:cNvSpPr/>
+              <p:nvPr/>
+            </p:nvSpPr>
+            <p:spPr>
+              <a:xfrm>
+                <a:off x="5030112" y="3975044"/>
+                <a:ext cx="1618476" cy="479472"/>
+              </a:xfrm>
+              <a:prstGeom prst="rect">
+                <a:avLst/>
+              </a:prstGeom>
+              <a:noFill/>
+              <a:ln w="25400">
+                <a:solidFill>
+                  <a:schemeClr val="tx1"/>
+                </a:solidFill>
+              </a:ln>
+            </p:spPr>
+            <p:style>
+              <a:lnRef idx="2">
+                <a:schemeClr val="accent1">
+                  <a:shade val="50000"/>
+                </a:schemeClr>
+              </a:lnRef>
+              <a:fillRef idx="1">
+                <a:schemeClr val="accent1"/>
+              </a:fillRef>
+              <a:effectRef idx="0">
+                <a:schemeClr val="accent1"/>
+              </a:effectRef>
+              <a:fontRef idx="minor">
+                <a:schemeClr val="lt1"/>
+              </a:fontRef>
+            </p:style>
+            <p:txBody>
+              <a:bodyPr rtlCol="0" anchor="ctr"/>
+              <a:lstStyle/>
+              <a:p>
+                <a:pPr algn="ctr"/>
+                <a:r>
+                  <a:rPr lang="en-US" altLang="zh-CN" sz="1400" dirty="0" err="1">
+                    <a:solidFill>
+                      <a:schemeClr val="tx1"/>
+                    </a:solidFill>
+                  </a:rPr>
+                  <a:t>loan.id</a:t>
+                </a:r>
+                <a:r>
+                  <a:rPr lang="zh-CN" altLang="en-US" sz="1400" dirty="0">
+                    <a:solidFill>
+                      <a:schemeClr val="tx1"/>
+                    </a:solidFill>
+                  </a:rPr>
+                  <a:t> </a:t>
+                </a:r>
+                <a:r>
+                  <a:rPr lang="en-US" altLang="zh-CN" sz="1400" dirty="0">
+                    <a:solidFill>
+                      <a:schemeClr val="tx1"/>
+                    </a:solidFill>
+                  </a:rPr>
+                  <a:t>=</a:t>
+                </a:r>
+                <a:r>
+                  <a:rPr lang="zh-CN" altLang="en-US" sz="1400" dirty="0">
+                    <a:solidFill>
+                      <a:schemeClr val="tx1"/>
+                    </a:solidFill>
+                  </a:rPr>
+                  <a:t> </a:t>
+                </a:r>
+                <a:r>
+                  <a:rPr lang="en-US" altLang="zh-CN" sz="1400" dirty="0">
+                    <a:solidFill>
+                      <a:schemeClr val="tx1"/>
+                    </a:solidFill>
+                  </a:rPr>
+                  <a:t>${id}</a:t>
+                </a:r>
+              </a:p>
+            </p:txBody>
+          </p:sp>
+          <p:sp>
+            <p:nvSpPr>
+              <p:cNvPr id="16" name="Rectangle 15">
+                <a:extLst>
+                  <a:ext uri="{FF2B5EF4-FFF2-40B4-BE49-F238E27FC236}">
+                    <a16:creationId xmlns:a16="http://schemas.microsoft.com/office/drawing/2014/main" id="{E7BA5DA0-5EF3-9D45-88BA-BC5BA7F3F9AB}"/>
+                  </a:ext>
+                </a:extLst>
+              </p:cNvPr>
+              <p:cNvSpPr/>
+              <p:nvPr/>
+            </p:nvSpPr>
+            <p:spPr>
+              <a:xfrm>
+                <a:off x="5039406" y="2403484"/>
+                <a:ext cx="1618476" cy="387178"/>
+              </a:xfrm>
+              <a:prstGeom prst="rect">
+                <a:avLst/>
+              </a:prstGeom>
+              <a:solidFill>
+                <a:schemeClr val="accent1">
+                  <a:lumMod val="60000"/>
+                  <a:lumOff val="40000"/>
+                </a:schemeClr>
+              </a:solidFill>
+              <a:ln w="25400">
+                <a:solidFill>
+                  <a:schemeClr val="tx1"/>
+                </a:solidFill>
+              </a:ln>
+            </p:spPr>
+            <p:style>
+              <a:lnRef idx="2">
+                <a:schemeClr val="accent1">
+                  <a:shade val="50000"/>
+                </a:schemeClr>
+              </a:lnRef>
+              <a:fillRef idx="1">
+                <a:schemeClr val="accent1"/>
+              </a:fillRef>
+              <a:effectRef idx="0">
+                <a:schemeClr val="accent1"/>
+              </a:effectRef>
+              <a:fontRef idx="minor">
+                <a:schemeClr val="lt1"/>
+              </a:fontRef>
+            </p:style>
+            <p:txBody>
+              <a:bodyPr rtlCol="0" anchor="ctr"/>
+              <a:lstStyle/>
+              <a:p>
+                <a:pPr algn="ctr"/>
+                <a:r>
+                  <a:rPr lang="en-US" altLang="zh-CN" b="1" dirty="0">
+                    <a:solidFill>
+                      <a:schemeClr val="tx1"/>
+                    </a:solidFill>
+                  </a:rPr>
+                  <a:t>Account</a:t>
+                </a:r>
+                <a:endParaRPr lang="en-CN" b="1" dirty="0">
+                  <a:solidFill>
+                    <a:schemeClr val="tx1"/>
+                  </a:solidFill>
+                </a:endParaRPr>
+              </a:p>
+            </p:txBody>
+          </p:sp>
+          <p:sp>
+            <p:nvSpPr>
+              <p:cNvPr id="41" name="Rectangle 40">
+                <a:extLst>
+                  <a:ext uri="{FF2B5EF4-FFF2-40B4-BE49-F238E27FC236}">
+                    <a16:creationId xmlns:a16="http://schemas.microsoft.com/office/drawing/2014/main" id="{C805CEC5-21B7-E247-ABBB-187667AB24B0}"/>
+                  </a:ext>
+                </a:extLst>
+              </p:cNvPr>
+              <p:cNvSpPr/>
+              <p:nvPr/>
+            </p:nvSpPr>
+            <p:spPr>
+              <a:xfrm>
+                <a:off x="5030112" y="3592014"/>
+                <a:ext cx="1618476" cy="387178"/>
+              </a:xfrm>
+              <a:prstGeom prst="rect">
+                <a:avLst/>
+              </a:prstGeom>
+              <a:solidFill>
+                <a:schemeClr val="accent2">
+                  <a:lumMod val="60000"/>
+                  <a:lumOff val="40000"/>
+                </a:schemeClr>
+              </a:solidFill>
+              <a:ln w="25400">
+                <a:solidFill>
+                  <a:schemeClr val="tx1"/>
+                </a:solidFill>
+              </a:ln>
+            </p:spPr>
+            <p:style>
+              <a:lnRef idx="2">
+                <a:schemeClr val="accent1">
+                  <a:shade val="50000"/>
+                </a:schemeClr>
+              </a:lnRef>
+              <a:fillRef idx="1">
+                <a:schemeClr val="accent1"/>
+              </a:fillRef>
+              <a:effectRef idx="0">
+                <a:schemeClr val="accent1"/>
+              </a:effectRef>
+              <a:fontRef idx="minor">
+                <a:schemeClr val="lt1"/>
+              </a:fontRef>
+            </p:style>
+            <p:txBody>
+              <a:bodyPr rtlCol="0" anchor="ctr"/>
+              <a:lstStyle/>
+              <a:p>
+                <a:pPr algn="ctr"/>
+                <a:r>
+                  <a:rPr lang="en-US" altLang="zh-CN" b="1" dirty="0">
+                    <a:solidFill>
+                      <a:schemeClr val="tx1"/>
+                    </a:solidFill>
+                  </a:rPr>
+                  <a:t>loan:</a:t>
+                </a:r>
+                <a:r>
+                  <a:rPr lang="zh-CN" altLang="en-US" b="1" dirty="0">
+                    <a:solidFill>
+                      <a:schemeClr val="tx1"/>
+                    </a:solidFill>
+                  </a:rPr>
+                  <a:t> </a:t>
+                </a:r>
+                <a:r>
+                  <a:rPr lang="en-US" altLang="zh-CN" dirty="0">
+                    <a:solidFill>
+                      <a:schemeClr val="tx1"/>
+                    </a:solidFill>
+                  </a:rPr>
+                  <a:t>Loan</a:t>
+                </a:r>
+                <a:endParaRPr lang="en-CN" dirty="0">
+                  <a:solidFill>
+                    <a:schemeClr val="tx1"/>
+                  </a:solidFill>
+                </a:endParaRPr>
+              </a:p>
+            </p:txBody>
+          </p:sp>
+          <p:cxnSp>
+            <p:nvCxnSpPr>
+              <p:cNvPr id="48" name="Straight Arrow Connector 47">
+                <a:extLst>
+                  <a:ext uri="{FF2B5EF4-FFF2-40B4-BE49-F238E27FC236}">
+                    <a16:creationId xmlns:a16="http://schemas.microsoft.com/office/drawing/2014/main" id="{DEF26B6A-F6DC-614D-B833-5D80CBB5E0FA}"/>
+                  </a:ext>
+                </a:extLst>
+              </p:cNvPr>
+              <p:cNvCxnSpPr>
+                <a:cxnSpLocks/>
+              </p:cNvCxnSpPr>
+              <p:nvPr/>
+            </p:nvCxnSpPr>
+            <p:spPr>
+              <a:xfrm flipV="1">
+                <a:off x="6050741" y="2792795"/>
+                <a:ext cx="0" cy="799219"/>
+              </a:xfrm>
+              <a:prstGeom prst="straightConnector1">
+                <a:avLst/>
+              </a:prstGeom>
+              <a:ln w="19050">
+                <a:solidFill>
+                  <a:schemeClr val="tx1"/>
+                </a:solidFill>
+                <a:prstDash val="solid"/>
+                <a:tailEnd type="triangle"/>
+              </a:ln>
+              <a:effectLst/>
+            </p:spPr>
+            <p:style>
+              <a:lnRef idx="1">
+                <a:schemeClr val="accent1"/>
+              </a:lnRef>
+              <a:fillRef idx="0">
+                <a:schemeClr val="accent1"/>
+              </a:fillRef>
+              <a:effectRef idx="0">
+                <a:schemeClr val="accent1"/>
+              </a:effectRef>
+              <a:fontRef idx="minor">
+                <a:schemeClr val="tx1"/>
+              </a:fontRef>
+            </p:style>
+          </p:cxnSp>
+          <p:sp>
+            <p:nvSpPr>
+              <p:cNvPr id="51" name="TextBox 50">
+                <a:extLst>
+                  <a:ext uri="{FF2B5EF4-FFF2-40B4-BE49-F238E27FC236}">
+                    <a16:creationId xmlns:a16="http://schemas.microsoft.com/office/drawing/2014/main" id="{A9EEFE6B-5C72-DB4E-8259-8211ECB467CF}"/>
+                  </a:ext>
+                </a:extLst>
+              </p:cNvPr>
+              <p:cNvSpPr txBox="1"/>
+              <p:nvPr/>
+            </p:nvSpPr>
+            <p:spPr>
+              <a:xfrm>
+                <a:off x="6108522" y="3038516"/>
+                <a:ext cx="756938" cy="307777"/>
+              </a:xfrm>
+              <a:prstGeom prst="rect">
+                <a:avLst/>
+              </a:prstGeom>
+              <a:noFill/>
+            </p:spPr>
+            <p:txBody>
+              <a:bodyPr wrap="none" rtlCol="0">
+                <a:spAutoFit/>
+              </a:bodyPr>
+              <a:lstStyle/>
+              <a:p>
+                <a:r>
+                  <a:rPr lang="en-US" altLang="zh-CN" sz="1400" dirty="0"/>
+                  <a:t>deposit</a:t>
+                </a:r>
+                <a:endParaRPr lang="en-CN" sz="1600" dirty="0"/>
+              </a:p>
+            </p:txBody>
+          </p:sp>
+          <p:cxnSp>
+            <p:nvCxnSpPr>
+              <p:cNvPr id="58" name="Straight Arrow Connector 57">
+                <a:extLst>
+                  <a:ext uri="{FF2B5EF4-FFF2-40B4-BE49-F238E27FC236}">
+                    <a16:creationId xmlns:a16="http://schemas.microsoft.com/office/drawing/2014/main" id="{B98DEA75-B1DE-EB46-BCC7-AAE8B7FAA619}"/>
+                  </a:ext>
+                </a:extLst>
+              </p:cNvPr>
+              <p:cNvCxnSpPr>
+                <a:cxnSpLocks/>
+              </p:cNvCxnSpPr>
+              <p:nvPr/>
+            </p:nvCxnSpPr>
+            <p:spPr>
+              <a:xfrm>
+                <a:off x="5604221" y="2792795"/>
+                <a:ext cx="0" cy="799219"/>
+              </a:xfrm>
+              <a:prstGeom prst="straightConnector1">
+                <a:avLst/>
+              </a:prstGeom>
+              <a:ln w="19050">
+                <a:solidFill>
+                  <a:schemeClr val="tx1"/>
+                </a:solidFill>
+                <a:prstDash val="solid"/>
+                <a:tailEnd type="triangle"/>
+              </a:ln>
+              <a:effectLst/>
+            </p:spPr>
+            <p:style>
+              <a:lnRef idx="1">
+                <a:schemeClr val="accent1"/>
+              </a:lnRef>
+              <a:fillRef idx="0">
+                <a:schemeClr val="accent1"/>
+              </a:fillRef>
+              <a:effectRef idx="0">
+                <a:schemeClr val="accent1"/>
+              </a:effectRef>
+              <a:fontRef idx="minor">
+                <a:schemeClr val="tx1"/>
+              </a:fontRef>
+            </p:style>
+          </p:cxnSp>
+          <p:sp>
+            <p:nvSpPr>
+              <p:cNvPr id="63" name="TextBox 62">
+                <a:extLst>
+                  <a:ext uri="{FF2B5EF4-FFF2-40B4-BE49-F238E27FC236}">
+                    <a16:creationId xmlns:a16="http://schemas.microsoft.com/office/drawing/2014/main" id="{7762F5F5-5C98-B849-9DF3-987212DFF39F}"/>
+                  </a:ext>
+                </a:extLst>
+              </p:cNvPr>
+              <p:cNvSpPr txBox="1"/>
+              <p:nvPr/>
+            </p:nvSpPr>
+            <p:spPr>
+              <a:xfrm>
+                <a:off x="4920193" y="3038516"/>
+                <a:ext cx="614271" cy="307777"/>
+              </a:xfrm>
+              <a:prstGeom prst="rect">
+                <a:avLst/>
+              </a:prstGeom>
+              <a:noFill/>
+            </p:spPr>
+            <p:txBody>
+              <a:bodyPr wrap="none" rtlCol="0">
+                <a:spAutoFit/>
+              </a:bodyPr>
+              <a:lstStyle/>
+              <a:p>
+                <a:r>
+                  <a:rPr lang="en-US" altLang="zh-CN" sz="1400" dirty="0"/>
+                  <a:t>repay</a:t>
+                </a:r>
+                <a:endParaRPr lang="en-CN" sz="1600" dirty="0"/>
+              </a:p>
+            </p:txBody>
+          </p:sp>
+          <p:sp>
+            <p:nvSpPr>
+              <p:cNvPr id="65" name="Multiply 64">
+                <a:extLst>
+                  <a:ext uri="{FF2B5EF4-FFF2-40B4-BE49-F238E27FC236}">
+                    <a16:creationId xmlns:a16="http://schemas.microsoft.com/office/drawing/2014/main" id="{E97182F8-1AA8-5973-5AE1-5CCFDACA5F6D}"/>
+                  </a:ext>
+                </a:extLst>
+              </p:cNvPr>
+              <p:cNvSpPr/>
+              <p:nvPr/>
+            </p:nvSpPr>
+            <p:spPr>
+              <a:xfrm>
+                <a:off x="6347328" y="4034780"/>
+                <a:ext cx="360000" cy="360000"/>
+              </a:xfrm>
+              <a:prstGeom prst="mathMultiply">
+                <a:avLst>
+                  <a:gd name="adj1" fmla="val 12937"/>
+                </a:avLst>
+              </a:prstGeom>
+              <a:solidFill>
+                <a:srgbClr val="FF0000"/>
+              </a:solidFill>
+              <a:ln>
+                <a:noFill/>
+              </a:ln>
+            </p:spPr>
+            <p:style>
+              <a:lnRef idx="2">
+                <a:schemeClr val="accent1">
+                  <a:shade val="50000"/>
+                </a:schemeClr>
+              </a:lnRef>
+              <a:fillRef idx="1">
+                <a:schemeClr val="accent1"/>
+              </a:fillRef>
+              <a:effectRef idx="0">
+                <a:schemeClr val="accent1"/>
+              </a:effectRef>
+              <a:fontRef idx="minor">
+                <a:schemeClr val="lt1"/>
+              </a:fontRef>
+            </p:style>
+            <p:txBody>
+              <a:bodyPr rtlCol="0" anchor="ctr"/>
+              <a:lstStyle/>
+              <a:p>
+                <a:pPr algn="ctr"/>
+                <a:endParaRPr lang="en-CN"/>
+              </a:p>
+            </p:txBody>
+          </p:sp>
+          <p:sp>
+            <p:nvSpPr>
+              <p:cNvPr id="66" name="Multiply 65">
+                <a:extLst>
+                  <a:ext uri="{FF2B5EF4-FFF2-40B4-BE49-F238E27FC236}">
+                    <a16:creationId xmlns:a16="http://schemas.microsoft.com/office/drawing/2014/main" id="{D35B4872-4838-E224-7870-5F162EB7DE54}"/>
+                  </a:ext>
+                </a:extLst>
+              </p:cNvPr>
+              <p:cNvSpPr/>
+              <p:nvPr/>
+            </p:nvSpPr>
+            <p:spPr>
+              <a:xfrm>
+                <a:off x="5449864" y="2996426"/>
+                <a:ext cx="360000" cy="360000"/>
+              </a:xfrm>
+              <a:prstGeom prst="mathMultiply">
+                <a:avLst>
+                  <a:gd name="adj1" fmla="val 12937"/>
+                </a:avLst>
+              </a:prstGeom>
+              <a:solidFill>
+                <a:srgbClr val="FF0000"/>
+              </a:solidFill>
+              <a:ln>
+                <a:noFill/>
+              </a:ln>
+            </p:spPr>
+            <p:style>
+              <a:lnRef idx="2">
+                <a:schemeClr val="accent1">
+                  <a:shade val="50000"/>
+                </a:schemeClr>
+              </a:lnRef>
+              <a:fillRef idx="1">
+                <a:schemeClr val="accent1"/>
+              </a:fillRef>
+              <a:effectRef idx="0">
+                <a:schemeClr val="accent1"/>
+              </a:effectRef>
+              <a:fontRef idx="minor">
+                <a:schemeClr val="lt1"/>
+              </a:fontRef>
+            </p:style>
+            <p:txBody>
+              <a:bodyPr rtlCol="0" anchor="ctr"/>
+              <a:lstStyle/>
+              <a:p>
+                <a:pPr algn="ctr"/>
+                <a:endParaRPr lang="en-CN"/>
+              </a:p>
+            </p:txBody>
+          </p:sp>
+          <p:sp>
+            <p:nvSpPr>
+              <p:cNvPr id="67" name="Multiply 66">
+                <a:extLst>
+                  <a:ext uri="{FF2B5EF4-FFF2-40B4-BE49-F238E27FC236}">
+                    <a16:creationId xmlns:a16="http://schemas.microsoft.com/office/drawing/2014/main" id="{6DA58C3E-F259-11FA-D4B4-0FEBA2D9D5AD}"/>
+                  </a:ext>
+                </a:extLst>
+              </p:cNvPr>
+              <p:cNvSpPr/>
+              <p:nvPr/>
+            </p:nvSpPr>
+            <p:spPr>
+              <a:xfrm>
+                <a:off x="5869340" y="2996426"/>
+                <a:ext cx="360000" cy="360000"/>
+              </a:xfrm>
+              <a:prstGeom prst="mathMultiply">
+                <a:avLst>
+                  <a:gd name="adj1" fmla="val 12937"/>
+                </a:avLst>
+              </a:prstGeom>
+              <a:solidFill>
+                <a:srgbClr val="FF0000"/>
+              </a:solidFill>
+              <a:ln>
+                <a:noFill/>
+              </a:ln>
+            </p:spPr>
+            <p:style>
+              <a:lnRef idx="2">
+                <a:schemeClr val="accent1">
+                  <a:shade val="50000"/>
+                </a:schemeClr>
+              </a:lnRef>
+              <a:fillRef idx="1">
+                <a:schemeClr val="accent1"/>
+              </a:fillRef>
+              <a:effectRef idx="0">
+                <a:schemeClr val="accent1"/>
+              </a:effectRef>
+              <a:fontRef idx="minor">
+                <a:schemeClr val="lt1"/>
+              </a:fontRef>
+            </p:style>
+            <p:txBody>
+              <a:bodyPr rtlCol="0" anchor="ctr"/>
+              <a:lstStyle/>
+              <a:p>
+                <a:pPr algn="ctr"/>
+                <a:endParaRPr lang="en-CN"/>
+              </a:p>
+            </p:txBody>
+          </p:sp>
+        </p:grpSp>
         <p:sp>
           <p:nvSpPr>
-            <p:cNvPr id="15" name="Rectangle 14">
+            <p:cNvPr id="3" name="Rectangle 2">
               <a:extLst>
                 <a:ext uri="{FF2B5EF4-FFF2-40B4-BE49-F238E27FC236}">
-                  <a16:creationId xmlns:a16="http://schemas.microsoft.com/office/drawing/2014/main" id="{A7BE3F17-C67E-5A46-996C-67EF743EC561}"/>
+                  <a16:creationId xmlns:a16="http://schemas.microsoft.com/office/drawing/2014/main" id="{F6C22B75-5976-6A71-EA90-DBA1C10BF084}"/>
                 </a:ext>
               </a:extLst>
             </p:cNvPr>
@@ -6440,105 +7032,14 @@
           </p:nvSpPr>
           <p:spPr>
             <a:xfrm>
-              <a:off x="5030112" y="3975044"/>
-              <a:ext cx="1618476" cy="479472"/>
-            </a:xfrm>
-            <a:prstGeom prst="rect">
-              <a:avLst/>
-            </a:prstGeom>
-            <a:noFill/>
-            <a:ln w="25400">
-              <a:solidFill>
-                <a:schemeClr val="tx1"/>
-              </a:solidFill>
-            </a:ln>
-          </p:spPr>
-          <p:style>
-            <a:lnRef idx="2">
-              <a:schemeClr val="accent1">
-                <a:shade val="50000"/>
-              </a:schemeClr>
-            </a:lnRef>
-            <a:fillRef idx="1">
-              <a:schemeClr val="accent1"/>
-            </a:fillRef>
-            <a:effectRef idx="0">
-              <a:schemeClr val="accent1"/>
-            </a:effectRef>
-            <a:fontRef idx="minor">
-              <a:schemeClr val="lt1"/>
-            </a:fontRef>
-          </p:style>
-          <p:txBody>
-            <a:bodyPr rtlCol="0" anchor="ctr"/>
-            <a:lstStyle/>
-            <a:p>
-              <a:pPr algn="ctr"/>
-              <a:r>
-                <a:rPr lang="en-US" altLang="zh-CN" sz="1400" dirty="0" err="1">
-                  <a:solidFill>
-                    <a:schemeClr val="tx1"/>
-                  </a:solidFill>
-                </a:rPr>
-                <a:t>loan.id</a:t>
-              </a:r>
-              <a:r>
-                <a:rPr lang="zh-CN" altLang="en-US" sz="1400" dirty="0">
-                  <a:solidFill>
-                    <a:schemeClr val="tx1"/>
-                  </a:solidFill>
-                </a:rPr>
-                <a:t> </a:t>
-              </a:r>
-              <a:r>
-                <a:rPr lang="en-US" altLang="zh-CN" sz="1400" dirty="0">
-                  <a:solidFill>
-                    <a:schemeClr val="tx1"/>
-                  </a:solidFill>
-                </a:rPr>
-                <a:t>=</a:t>
-              </a:r>
-              <a:r>
-                <a:rPr lang="zh-CN" altLang="en-US" sz="1400" dirty="0">
-                  <a:solidFill>
-                    <a:schemeClr val="tx1"/>
-                  </a:solidFill>
-                </a:rPr>
-                <a:t> </a:t>
-              </a:r>
-              <a:r>
-                <a:rPr lang="en-US" altLang="zh-CN" sz="1400" dirty="0">
-                  <a:solidFill>
-                    <a:schemeClr val="tx1"/>
-                  </a:solidFill>
-                </a:rPr>
-                <a:t>${id}</a:t>
-              </a:r>
-            </a:p>
-          </p:txBody>
-        </p:sp>
-        <p:sp>
-          <p:nvSpPr>
-            <p:cNvPr id="16" name="Rectangle 15">
-              <a:extLst>
-                <a:ext uri="{FF2B5EF4-FFF2-40B4-BE49-F238E27FC236}">
-                  <a16:creationId xmlns:a16="http://schemas.microsoft.com/office/drawing/2014/main" id="{E7BA5DA0-5EF3-9D45-88BA-BC5BA7F3F9AB}"/>
-                </a:ext>
-              </a:extLst>
-            </p:cNvPr>
-            <p:cNvSpPr/>
-            <p:nvPr/>
-          </p:nvSpPr>
-          <p:spPr>
-            <a:xfrm>
-              <a:off x="5039406" y="2403484"/>
-              <a:ext cx="1618476" cy="387178"/>
+              <a:off x="3681387" y="3455786"/>
+              <a:ext cx="1611024" cy="387178"/>
             </a:xfrm>
             <a:prstGeom prst="rect">
               <a:avLst/>
             </a:prstGeom>
             <a:solidFill>
-              <a:schemeClr val="accent1">
+              <a:schemeClr val="accent6">
                 <a:lumMod val="60000"/>
                 <a:lumOff val="40000"/>
               </a:schemeClr>
@@ -6576,7 +7077,7 @@
                     <a:schemeClr val="tx1"/>
                   </a:solidFill>
                 </a:rPr>
-                <a:t>Account</a:t>
+                <a:t>Person</a:t>
               </a:r>
               <a:endParaRPr lang="en-CN" b="1" dirty="0">
                 <a:solidFill>
@@ -6588,10 +7089,10 @@
         </p:sp>
         <p:sp>
           <p:nvSpPr>
-            <p:cNvPr id="41" name="Rectangle 40">
+            <p:cNvPr id="4" name="Rectangle 3">
               <a:extLst>
                 <a:ext uri="{FF2B5EF4-FFF2-40B4-BE49-F238E27FC236}">
-                  <a16:creationId xmlns:a16="http://schemas.microsoft.com/office/drawing/2014/main" id="{C805CEC5-21B7-E247-ABBB-187667AB24B0}"/>
+                  <a16:creationId xmlns:a16="http://schemas.microsoft.com/office/drawing/2014/main" id="{86444C4D-9B67-3AAF-D7FA-B451C6AF389F}"/>
                 </a:ext>
               </a:extLst>
             </p:cNvPr>
@@ -6600,17 +7101,16 @@
           </p:nvSpPr>
           <p:spPr>
             <a:xfrm>
-              <a:off x="5030112" y="3592014"/>
-              <a:ext cx="1618476" cy="387178"/>
+              <a:off x="3681387" y="4250470"/>
+              <a:ext cx="1611024" cy="387178"/>
             </a:xfrm>
             <a:prstGeom prst="rect">
               <a:avLst/>
             </a:prstGeom>
             <a:solidFill>
-              <a:schemeClr val="accent2">
-                <a:lumMod val="60000"/>
-                <a:lumOff val="40000"/>
-              </a:schemeClr>
+              <a:srgbClr val="FF0000">
+                <a:alpha val="30000"/>
+              </a:srgbClr>
             </a:solidFill>
             <a:ln w="25400">
               <a:solidFill>
@@ -6645,25 +7145,9 @@
                     <a:schemeClr val="tx1"/>
                   </a:solidFill>
                 </a:rPr>
-                <a:t>loan:</a:t>
+                <a:t>Company</a:t>
               </a:r>
-              <a:r>
-                <a:rPr lang="zh-CN" altLang="en-US" b="1" dirty="0">
-                  <a:solidFill>
-                    <a:schemeClr val="tx1"/>
-                  </a:solidFill>
-                </a:rPr>
-                <a:t> </a:t>
-              </a:r>
-              <a:r>
-                <a:rPr lang="en-US" altLang="zh-CN" dirty="0">
-                  <a:solidFill>
-                    <a:schemeClr val="tx1"/>
-                  </a:solidFill>
-                </a:rPr>
-                <a:t>Loan</a:t>
-              </a:r>
-              <a:endParaRPr lang="en-CN" dirty="0">
+              <a:endParaRPr lang="en-CN" b="1" dirty="0">
                 <a:solidFill>
                   <a:schemeClr val="tx1"/>
                 </a:solidFill>
@@ -6671,33 +7155,156 @@
             </a:p>
           </p:txBody>
         </p:sp>
+        <p:sp>
+          <p:nvSpPr>
+            <p:cNvPr id="5" name="TextBox 4">
+              <a:extLst>
+                <a:ext uri="{FF2B5EF4-FFF2-40B4-BE49-F238E27FC236}">
+                  <a16:creationId xmlns:a16="http://schemas.microsoft.com/office/drawing/2014/main" id="{2BC9018A-43FD-449F-63D9-CE2256EFA7BB}"/>
+                </a:ext>
+              </a:extLst>
+            </p:cNvPr>
+            <p:cNvSpPr txBox="1"/>
+            <p:nvPr/>
+          </p:nvSpPr>
+          <p:spPr>
+            <a:xfrm>
+              <a:off x="5845544" y="3689370"/>
+              <a:ext cx="603050" cy="307777"/>
+            </a:xfrm>
+            <a:prstGeom prst="rect">
+              <a:avLst/>
+            </a:prstGeom>
+            <a:noFill/>
+          </p:spPr>
+          <p:txBody>
+            <a:bodyPr wrap="none" rtlCol="0">
+              <a:spAutoFit/>
+            </a:bodyPr>
+            <a:lstStyle/>
+            <a:p>
+              <a:r>
+                <a:rPr lang="en-US" altLang="zh-CN" sz="1400" dirty="0"/>
+                <a:t>apply</a:t>
+              </a:r>
+              <a:endParaRPr lang="en-CN" sz="1600" dirty="0"/>
+            </a:p>
+          </p:txBody>
+        </p:sp>
+        <p:sp>
+          <p:nvSpPr>
+            <p:cNvPr id="6" name="TextBox 5">
+              <a:extLst>
+                <a:ext uri="{FF2B5EF4-FFF2-40B4-BE49-F238E27FC236}">
+                  <a16:creationId xmlns:a16="http://schemas.microsoft.com/office/drawing/2014/main" id="{EB307DAF-D388-C356-20C1-C485E1185BED}"/>
+                </a:ext>
+              </a:extLst>
+            </p:cNvPr>
+            <p:cNvSpPr txBox="1"/>
+            <p:nvPr/>
+          </p:nvSpPr>
+          <p:spPr>
+            <a:xfrm>
+              <a:off x="4309087" y="3880032"/>
+              <a:ext cx="348172" cy="307777"/>
+            </a:xfrm>
+            <a:prstGeom prst="rect">
+              <a:avLst/>
+            </a:prstGeom>
+            <a:noFill/>
+          </p:spPr>
+          <p:txBody>
+            <a:bodyPr wrap="none" rtlCol="0">
+              <a:spAutoFit/>
+            </a:bodyPr>
+            <a:lstStyle/>
+            <a:p>
+              <a:r>
+                <a:rPr lang="en-US" altLang="zh-CN" sz="1400" dirty="0"/>
+                <a:t>or</a:t>
+              </a:r>
+            </a:p>
+          </p:txBody>
+        </p:sp>
         <p:cxnSp>
           <p:nvCxnSpPr>
-            <p:cNvPr id="48" name="Straight Arrow Connector 47">
+            <p:cNvPr id="7" name="Elbow Connector 6">
               <a:extLst>
                 <a:ext uri="{FF2B5EF4-FFF2-40B4-BE49-F238E27FC236}">
-                  <a16:creationId xmlns:a16="http://schemas.microsoft.com/office/drawing/2014/main" id="{DEF26B6A-F6DC-614D-B833-5D80CBB5E0FA}"/>
+                  <a16:creationId xmlns:a16="http://schemas.microsoft.com/office/drawing/2014/main" id="{5129B6BB-A768-8121-42AE-B819FCE6F370}"/>
                 </a:ext>
               </a:extLst>
             </p:cNvPr>
             <p:cNvCxnSpPr>
               <a:cxnSpLocks/>
+              <a:stCxn id="3" idx="3"/>
+              <a:endCxn id="15" idx="1"/>
+            </p:cNvCxnSpPr>
+            <p:nvPr/>
+          </p:nvCxnSpPr>
+          <p:spPr>
+            <a:xfrm>
+              <a:off x="5292411" y="3649375"/>
+              <a:ext cx="1221061" cy="433325"/>
+            </a:xfrm>
+            <a:prstGeom prst="bentConnector3">
+              <a:avLst>
+                <a:gd name="adj1" fmla="val 35023"/>
+              </a:avLst>
+            </a:prstGeom>
+            <a:ln w="19050">
+              <a:solidFill>
+                <a:schemeClr val="tx1"/>
+              </a:solidFill>
+              <a:tailEnd type="triangle"/>
+            </a:ln>
+            <a:effectLst/>
+          </p:spPr>
+          <p:style>
+            <a:lnRef idx="1">
+              <a:schemeClr val="accent1"/>
+            </a:lnRef>
+            <a:fillRef idx="0">
+              <a:schemeClr val="accent1"/>
+            </a:fillRef>
+            <a:effectRef idx="0">
+              <a:schemeClr val="accent1"/>
+            </a:effectRef>
+            <a:fontRef idx="minor">
+              <a:schemeClr val="tx1"/>
+            </a:fontRef>
+          </p:style>
+        </p:cxnSp>
+        <p:cxnSp>
+          <p:nvCxnSpPr>
+            <p:cNvPr id="8" name="Elbow Connector 7">
+              <a:extLst>
+                <a:ext uri="{FF2B5EF4-FFF2-40B4-BE49-F238E27FC236}">
+                  <a16:creationId xmlns:a16="http://schemas.microsoft.com/office/drawing/2014/main" id="{1953077A-BFC9-F561-7E9F-D5062615CF5A}"/>
+                </a:ext>
+              </a:extLst>
+            </p:cNvPr>
+            <p:cNvCxnSpPr>
+              <a:cxnSpLocks/>
+              <a:stCxn id="4" idx="3"/>
+              <a:endCxn id="15" idx="1"/>
             </p:cNvCxnSpPr>
             <p:nvPr/>
           </p:nvCxnSpPr>
           <p:spPr>
             <a:xfrm flipV="1">
-              <a:off x="6050741" y="2792795"/>
-              <a:ext cx="0" cy="799219"/>
+              <a:off x="5292411" y="4082700"/>
+              <a:ext cx="1221061" cy="361359"/>
             </a:xfrm>
-            <a:prstGeom prst="straightConnector1">
-              <a:avLst/>
+            <a:prstGeom prst="bentConnector3">
+              <a:avLst>
+                <a:gd name="adj1" fmla="val 35023"/>
+              </a:avLst>
             </a:prstGeom>
             <a:ln w="19050">
               <a:solidFill>
                 <a:schemeClr val="tx1"/>
               </a:solidFill>
-              <a:prstDash val="solid"/>
               <a:tailEnd type="triangle"/>
             </a:ln>
             <a:effectLst/>
@@ -6719,128 +7326,10 @@
         </p:cxnSp>
         <p:sp>
           <p:nvSpPr>
-            <p:cNvPr id="51" name="TextBox 50">
+            <p:cNvPr id="9" name="Multiply 8">
               <a:extLst>
                 <a:ext uri="{FF2B5EF4-FFF2-40B4-BE49-F238E27FC236}">
-                  <a16:creationId xmlns:a16="http://schemas.microsoft.com/office/drawing/2014/main" id="{A9EEFE6B-5C72-DB4E-8259-8211ECB467CF}"/>
-                </a:ext>
-              </a:extLst>
-            </p:cNvPr>
-            <p:cNvSpPr txBox="1"/>
-            <p:nvPr/>
-          </p:nvSpPr>
-          <p:spPr>
-            <a:xfrm>
-              <a:off x="6108522" y="3038516"/>
-              <a:ext cx="756938" cy="307777"/>
-            </a:xfrm>
-            <a:prstGeom prst="rect">
-              <a:avLst/>
-            </a:prstGeom>
-            <a:noFill/>
-          </p:spPr>
-          <p:txBody>
-            <a:bodyPr wrap="none" rtlCol="0">
-              <a:spAutoFit/>
-            </a:bodyPr>
-            <a:lstStyle/>
-            <a:p>
-              <a:r>
-                <a:rPr lang="en-US" altLang="zh-CN" sz="1400" dirty="0"/>
-                <a:t>deposit</a:t>
-              </a:r>
-              <a:endParaRPr lang="en-CN" sz="1600" dirty="0"/>
-            </a:p>
-          </p:txBody>
-        </p:sp>
-        <p:cxnSp>
-          <p:nvCxnSpPr>
-            <p:cNvPr id="58" name="Straight Arrow Connector 57">
-              <a:extLst>
-                <a:ext uri="{FF2B5EF4-FFF2-40B4-BE49-F238E27FC236}">
-                  <a16:creationId xmlns:a16="http://schemas.microsoft.com/office/drawing/2014/main" id="{B98DEA75-B1DE-EB46-BCC7-AAE8B7FAA619}"/>
-                </a:ext>
-              </a:extLst>
-            </p:cNvPr>
-            <p:cNvCxnSpPr>
-              <a:cxnSpLocks/>
-            </p:cNvCxnSpPr>
-            <p:nvPr/>
-          </p:nvCxnSpPr>
-          <p:spPr>
-            <a:xfrm>
-              <a:off x="5604221" y="2792795"/>
-              <a:ext cx="0" cy="799219"/>
-            </a:xfrm>
-            <a:prstGeom prst="straightConnector1">
-              <a:avLst/>
-            </a:prstGeom>
-            <a:ln w="19050">
-              <a:solidFill>
-                <a:schemeClr val="tx1"/>
-              </a:solidFill>
-              <a:prstDash val="solid"/>
-              <a:tailEnd type="triangle"/>
-            </a:ln>
-            <a:effectLst/>
-          </p:spPr>
-          <p:style>
-            <a:lnRef idx="1">
-              <a:schemeClr val="accent1"/>
-            </a:lnRef>
-            <a:fillRef idx="0">
-              <a:schemeClr val="accent1"/>
-            </a:fillRef>
-            <a:effectRef idx="0">
-              <a:schemeClr val="accent1"/>
-            </a:effectRef>
-            <a:fontRef idx="minor">
-              <a:schemeClr val="tx1"/>
-            </a:fontRef>
-          </p:style>
-        </p:cxnSp>
-        <p:sp>
-          <p:nvSpPr>
-            <p:cNvPr id="63" name="TextBox 62">
-              <a:extLst>
-                <a:ext uri="{FF2B5EF4-FFF2-40B4-BE49-F238E27FC236}">
-                  <a16:creationId xmlns:a16="http://schemas.microsoft.com/office/drawing/2014/main" id="{7762F5F5-5C98-B849-9DF3-987212DFF39F}"/>
-                </a:ext>
-              </a:extLst>
-            </p:cNvPr>
-            <p:cNvSpPr txBox="1"/>
-            <p:nvPr/>
-          </p:nvSpPr>
-          <p:spPr>
-            <a:xfrm>
-              <a:off x="4920193" y="3038516"/>
-              <a:ext cx="614271" cy="307777"/>
-            </a:xfrm>
-            <a:prstGeom prst="rect">
-              <a:avLst/>
-            </a:prstGeom>
-            <a:noFill/>
-          </p:spPr>
-          <p:txBody>
-            <a:bodyPr wrap="none" rtlCol="0">
-              <a:spAutoFit/>
-            </a:bodyPr>
-            <a:lstStyle/>
-            <a:p>
-              <a:r>
-                <a:rPr lang="en-US" altLang="zh-CN" sz="1400" dirty="0"/>
-                <a:t>repay</a:t>
-              </a:r>
-              <a:endParaRPr lang="en-CN" sz="1600" dirty="0"/>
-            </a:p>
-          </p:txBody>
-        </p:sp>
-        <p:sp>
-          <p:nvSpPr>
-            <p:cNvPr id="65" name="Multiply 64">
-              <a:extLst>
-                <a:ext uri="{FF2B5EF4-FFF2-40B4-BE49-F238E27FC236}">
-                  <a16:creationId xmlns:a16="http://schemas.microsoft.com/office/drawing/2014/main" id="{E97182F8-1AA8-5973-5AE1-5CCFDACA5F6D}"/>
+                  <a16:creationId xmlns:a16="http://schemas.microsoft.com/office/drawing/2014/main" id="{1236963E-2930-09F8-0902-493584C3395D}"/>
                 </a:ext>
               </a:extLst>
             </p:cNvPr>
@@ -6849,115 +7338,7 @@
           </p:nvSpPr>
           <p:spPr>
             <a:xfrm>
-              <a:off x="6347328" y="4034780"/>
-              <a:ext cx="360000" cy="360000"/>
-            </a:xfrm>
-            <a:prstGeom prst="mathMultiply">
-              <a:avLst>
-                <a:gd name="adj1" fmla="val 12937"/>
-              </a:avLst>
-            </a:prstGeom>
-            <a:solidFill>
-              <a:srgbClr val="FF0000"/>
-            </a:solidFill>
-            <a:ln>
-              <a:noFill/>
-            </a:ln>
-          </p:spPr>
-          <p:style>
-            <a:lnRef idx="2">
-              <a:schemeClr val="accent1">
-                <a:shade val="50000"/>
-              </a:schemeClr>
-            </a:lnRef>
-            <a:fillRef idx="1">
-              <a:schemeClr val="accent1"/>
-            </a:fillRef>
-            <a:effectRef idx="0">
-              <a:schemeClr val="accent1"/>
-            </a:effectRef>
-            <a:fontRef idx="minor">
-              <a:schemeClr val="lt1"/>
-            </a:fontRef>
-          </p:style>
-          <p:txBody>
-            <a:bodyPr rtlCol="0" anchor="ctr"/>
-            <a:lstStyle/>
-            <a:p>
-              <a:pPr algn="ctr"/>
-              <a:endParaRPr lang="en-CN"/>
-            </a:p>
-          </p:txBody>
-        </p:sp>
-        <p:sp>
-          <p:nvSpPr>
-            <p:cNvPr id="66" name="Multiply 65">
-              <a:extLst>
-                <a:ext uri="{FF2B5EF4-FFF2-40B4-BE49-F238E27FC236}">
-                  <a16:creationId xmlns:a16="http://schemas.microsoft.com/office/drawing/2014/main" id="{D35B4872-4838-E224-7870-5F162EB7DE54}"/>
-                </a:ext>
-              </a:extLst>
-            </p:cNvPr>
-            <p:cNvSpPr/>
-            <p:nvPr/>
-          </p:nvSpPr>
-          <p:spPr>
-            <a:xfrm>
-              <a:off x="5449864" y="2996426"/>
-              <a:ext cx="360000" cy="360000"/>
-            </a:xfrm>
-            <a:prstGeom prst="mathMultiply">
-              <a:avLst>
-                <a:gd name="adj1" fmla="val 12937"/>
-              </a:avLst>
-            </a:prstGeom>
-            <a:solidFill>
-              <a:srgbClr val="FF0000"/>
-            </a:solidFill>
-            <a:ln>
-              <a:noFill/>
-            </a:ln>
-          </p:spPr>
-          <p:style>
-            <a:lnRef idx="2">
-              <a:schemeClr val="accent1">
-                <a:shade val="50000"/>
-              </a:schemeClr>
-            </a:lnRef>
-            <a:fillRef idx="1">
-              <a:schemeClr val="accent1"/>
-            </a:fillRef>
-            <a:effectRef idx="0">
-              <a:schemeClr val="accent1"/>
-            </a:effectRef>
-            <a:fontRef idx="minor">
-              <a:schemeClr val="lt1"/>
-            </a:fontRef>
-          </p:style>
-          <p:txBody>
-            <a:bodyPr rtlCol="0" anchor="ctr"/>
-            <a:lstStyle/>
-            <a:p>
-              <a:pPr algn="ctr"/>
-              <a:endParaRPr lang="en-CN"/>
-            </a:p>
-          </p:txBody>
-        </p:sp>
-        <p:sp>
-          <p:nvSpPr>
-            <p:cNvPr id="67" name="Multiply 66">
-              <a:extLst>
-                <a:ext uri="{FF2B5EF4-FFF2-40B4-BE49-F238E27FC236}">
-                  <a16:creationId xmlns:a16="http://schemas.microsoft.com/office/drawing/2014/main" id="{6DA58C3E-F259-11FA-D4B4-0FEBA2D9D5AD}"/>
-                </a:ext>
-              </a:extLst>
-            </p:cNvPr>
-            <p:cNvSpPr/>
-            <p:nvPr/>
-          </p:nvSpPr>
-          <p:spPr>
-            <a:xfrm>
-              <a:off x="5869340" y="2996426"/>
+              <a:off x="5951125" y="3885198"/>
               <a:ext cx="360000" cy="360000"/>
             </a:xfrm>
             <a:prstGeom prst="mathMultiply">
@@ -8873,6 +9254,16 @@
                   <a:t> </a:t>
                 </a:r>
                 <a:r>
+                  <a:rPr kumimoji="1" lang="en-US" altLang="zh-CN" sz="1600" dirty="0">
+                    <a:solidFill>
+                      <a:sysClr val="windowText" lastClr="000000"/>
+                    </a:solidFill>
+                    <a:latin typeface="DengXian" panose="02010600030101010101" pitchFamily="2" charset="-122"/>
+                    <a:ea typeface="DengXian" panose="02010600030101010101" pitchFamily="2" charset="-122"/>
+                  </a:rPr>
+                  <a:t>${</a:t>
+                </a:r>
+                <a:r>
                   <a:rPr kumimoji="1" lang="en-US" altLang="zh-CN" sz="1600" dirty="0" err="1">
                     <a:solidFill>
                       <a:sysClr val="windowText" lastClr="000000"/>
@@ -8882,13 +9273,16 @@
                   </a:rPr>
                   <a:t>dstId</a:t>
                 </a:r>
-                <a:endParaRPr kumimoji="1" lang="en-US" altLang="zh-CN" sz="1600" dirty="0">
-                  <a:solidFill>
-                    <a:sysClr val="windowText" lastClr="000000"/>
-                  </a:solidFill>
-                  <a:latin typeface="DengXian" panose="02010600030101010101" pitchFamily="2" charset="-122"/>
-                  <a:ea typeface="DengXian" panose="02010600030101010101" pitchFamily="2" charset="-122"/>
-                </a:endParaRPr>
+                <a:r>
+                  <a:rPr kumimoji="1" lang="en-US" altLang="zh-CN" sz="1600" dirty="0">
+                    <a:solidFill>
+                      <a:sysClr val="windowText" lastClr="000000"/>
+                    </a:solidFill>
+                    <a:latin typeface="DengXian" panose="02010600030101010101" pitchFamily="2" charset="-122"/>
+                    <a:ea typeface="DengXian" panose="02010600030101010101" pitchFamily="2" charset="-122"/>
+                  </a:rPr>
+                  <a:t>}</a:t>
+                </a:r>
               </a:p>
             </p:txBody>
           </p:sp>
@@ -13112,7 +13506,7 @@
                   <a:latin typeface="DengXian" panose="02010600030101010101" pitchFamily="2" charset="-122"/>
                   <a:ea typeface="DengXian" panose="02010600030101010101" pitchFamily="2" charset="-122"/>
                 </a:rPr>
-                <a:t>amt</a:t>
+                <a:t>amount</a:t>
               </a:r>
             </a:p>
           </p:txBody>

--- a/patterns/transaction-write.pptx
+++ b/patterns/transaction-write.pptx
@@ -5,7 +5,7 @@
     <p:sldMasterId id="2147483648" r:id="rId1"/>
   </p:sldMasterIdLst>
   <p:notesMasterIdLst>
-    <p:notesMasterId r:id="rId17"/>
+    <p:notesMasterId r:id="rId18"/>
   </p:notesMasterIdLst>
   <p:sldIdLst>
     <p:sldId id="403" r:id="rId2"/>
@@ -19,10 +19,11 @@
     <p:sldId id="413" r:id="rId10"/>
     <p:sldId id="416" r:id="rId11"/>
     <p:sldId id="417" r:id="rId12"/>
-    <p:sldId id="420" r:id="rId13"/>
-    <p:sldId id="415" r:id="rId14"/>
-    <p:sldId id="423" r:id="rId15"/>
-    <p:sldId id="424" r:id="rId16"/>
+    <p:sldId id="425" r:id="rId13"/>
+    <p:sldId id="420" r:id="rId14"/>
+    <p:sldId id="415" r:id="rId15"/>
+    <p:sldId id="423" r:id="rId16"/>
+    <p:sldId id="424" r:id="rId17"/>
   </p:sldIdLst>
   <p:sldSz cx="12192000" cy="6858000"/>
   <p:notesSz cx="6858000" cy="9144000"/>
@@ -137,6 +138,7 @@
             <p14:sldId id="413"/>
             <p14:sldId id="416"/>
             <p14:sldId id="417"/>
+            <p14:sldId id="425"/>
             <p14:sldId id="420"/>
             <p14:sldId id="415"/>
             <p14:sldId id="423"/>
@@ -234,7 +236,7 @@
           <a:p>
             <a:fld id="{CAD4BD24-A097-4F9D-85E9-6A2A24CA2D98}" type="datetimeFigureOut">
               <a:rPr lang="zh-CN" altLang="en-US" smtClean="0"/>
-              <a:t>2023/1/11</a:t>
+              <a:t>2023/1/14</a:t>
             </a:fld>
             <a:endParaRPr lang="zh-CN" altLang="en-US"/>
           </a:p>
@@ -3847,6 +3849,313 @@
               <a:avLst/>
             </a:prstGeom>
             <a:solidFill>
+              <a:srgbClr val="A9D18E"/>
+            </a:solidFill>
+            <a:ln w="25400">
+              <a:solidFill>
+                <a:schemeClr val="tx1"/>
+              </a:solidFill>
+            </a:ln>
+          </p:spPr>
+          <p:style>
+            <a:lnRef idx="2">
+              <a:schemeClr val="accent2">
+                <a:shade val="50000"/>
+              </a:schemeClr>
+            </a:lnRef>
+            <a:fillRef idx="1">
+              <a:schemeClr val="accent2"/>
+            </a:fillRef>
+            <a:effectRef idx="0">
+              <a:schemeClr val="accent2"/>
+            </a:effectRef>
+            <a:fontRef idx="minor">
+              <a:schemeClr val="lt1"/>
+            </a:fontRef>
+          </p:style>
+          <p:txBody>
+            <a:bodyPr rtlCol="0" anchor="ctr"/>
+            <a:lstStyle/>
+            <a:p>
+              <a:pPr algn="ctr"/>
+              <a:r>
+                <a:rPr kumimoji="1" lang="en-US" altLang="zh-CN" b="1" dirty="0">
+                  <a:solidFill>
+                    <a:sysClr val="windowText" lastClr="000000"/>
+                  </a:solidFill>
+                </a:rPr>
+                <a:t>person:</a:t>
+              </a:r>
+              <a:r>
+                <a:rPr kumimoji="1" lang="zh-CN" altLang="en-US" b="1" dirty="0">
+                  <a:solidFill>
+                    <a:sysClr val="windowText" lastClr="000000"/>
+                  </a:solidFill>
+                </a:rPr>
+                <a:t> </a:t>
+              </a:r>
+              <a:r>
+                <a:rPr kumimoji="1" lang="en-US" altLang="zh-CN" dirty="0">
+                  <a:solidFill>
+                    <a:sysClr val="windowText" lastClr="000000"/>
+                  </a:solidFill>
+                </a:rPr>
+                <a:t>Person</a:t>
+              </a:r>
+              <a:endParaRPr kumimoji="1" lang="zh-CN" altLang="en-US" sz="1600" dirty="0">
+                <a:solidFill>
+                  <a:sysClr val="windowText" lastClr="000000"/>
+                </a:solidFill>
+              </a:endParaRPr>
+            </a:p>
+          </p:txBody>
+        </p:sp>
+        <p:sp>
+          <p:nvSpPr>
+            <p:cNvPr id="6" name="矩形 5">
+              <a:extLst>
+                <a:ext uri="{FF2B5EF4-FFF2-40B4-BE49-F238E27FC236}">
+                  <a16:creationId xmlns:a16="http://schemas.microsoft.com/office/drawing/2014/main" id="{D9E4A41A-CB40-AC47-87AB-621C9DE49842}"/>
+                </a:ext>
+              </a:extLst>
+            </p:cNvPr>
+            <p:cNvSpPr/>
+            <p:nvPr/>
+          </p:nvSpPr>
+          <p:spPr>
+            <a:xfrm>
+              <a:off x="1488974" y="4336653"/>
+              <a:ext cx="1803117" cy="497230"/>
+            </a:xfrm>
+            <a:prstGeom prst="rect">
+              <a:avLst/>
+            </a:prstGeom>
+            <a:noFill/>
+            <a:ln w="25400">
+              <a:solidFill>
+                <a:schemeClr val="tx1"/>
+              </a:solidFill>
+            </a:ln>
+          </p:spPr>
+          <p:style>
+            <a:lnRef idx="2">
+              <a:schemeClr val="accent2">
+                <a:shade val="50000"/>
+              </a:schemeClr>
+            </a:lnRef>
+            <a:fillRef idx="1">
+              <a:schemeClr val="accent2"/>
+            </a:fillRef>
+            <a:effectRef idx="0">
+              <a:schemeClr val="accent2"/>
+            </a:effectRef>
+            <a:fontRef idx="minor">
+              <a:schemeClr val="lt1"/>
+            </a:fontRef>
+          </p:style>
+          <p:txBody>
+            <a:bodyPr rtlCol="0" anchor="ctr"/>
+            <a:lstStyle/>
+            <a:p>
+              <a:pPr algn="ctr"/>
+              <a:r>
+                <a:rPr kumimoji="1" lang="en-US" altLang="zh-CN" sz="1600" dirty="0" err="1">
+                  <a:solidFill>
+                    <a:sysClr val="windowText" lastClr="000000"/>
+                  </a:solidFill>
+                  <a:latin typeface="DengXian" panose="02010600030101010101" pitchFamily="2" charset="-122"/>
+                  <a:ea typeface="DengXian" panose="02010600030101010101" pitchFamily="2" charset="-122"/>
+                </a:rPr>
+                <a:t>person.id</a:t>
+              </a:r>
+              <a:r>
+                <a:rPr kumimoji="1" lang="zh-CN" altLang="en-US" sz="1600" dirty="0">
+                  <a:solidFill>
+                    <a:sysClr val="windowText" lastClr="000000"/>
+                  </a:solidFill>
+                  <a:latin typeface="DengXian" panose="02010600030101010101" pitchFamily="2" charset="-122"/>
+                  <a:ea typeface="DengXian" panose="02010600030101010101" pitchFamily="2" charset="-122"/>
+                </a:rPr>
+                <a:t> </a:t>
+              </a:r>
+              <a:r>
+                <a:rPr kumimoji="1" lang="en-US" altLang="zh-CN" sz="1600" dirty="0">
+                  <a:solidFill>
+                    <a:sysClr val="windowText" lastClr="000000"/>
+                  </a:solidFill>
+                  <a:latin typeface="DengXian" panose="02010600030101010101" pitchFamily="2" charset="-122"/>
+                  <a:ea typeface="DengXian" panose="02010600030101010101" pitchFamily="2" charset="-122"/>
+                </a:rPr>
+                <a:t>=</a:t>
+              </a:r>
+              <a:r>
+                <a:rPr kumimoji="1" lang="zh-CN" altLang="en-US" sz="1600" dirty="0">
+                  <a:solidFill>
+                    <a:sysClr val="windowText" lastClr="000000"/>
+                  </a:solidFill>
+                  <a:latin typeface="DengXian" panose="02010600030101010101" pitchFamily="2" charset="-122"/>
+                  <a:ea typeface="DengXian" panose="02010600030101010101" pitchFamily="2" charset="-122"/>
+                </a:rPr>
+                <a:t> </a:t>
+              </a:r>
+              <a:r>
+                <a:rPr kumimoji="1" lang="en-US" altLang="zh-CN" sz="1600" dirty="0">
+                  <a:solidFill>
+                    <a:sysClr val="windowText" lastClr="000000"/>
+                  </a:solidFill>
+                  <a:latin typeface="DengXian" panose="02010600030101010101" pitchFamily="2" charset="-122"/>
+                  <a:ea typeface="DengXian" panose="02010600030101010101" pitchFamily="2" charset="-122"/>
+                </a:rPr>
+                <a:t>${</a:t>
+              </a:r>
+              <a:r>
+                <a:rPr kumimoji="1" lang="en-US" altLang="zh-CN" sz="1600" dirty="0" err="1">
+                  <a:solidFill>
+                    <a:sysClr val="windowText" lastClr="000000"/>
+                  </a:solidFill>
+                  <a:latin typeface="DengXian" panose="02010600030101010101" pitchFamily="2" charset="-122"/>
+                  <a:ea typeface="DengXian" panose="02010600030101010101" pitchFamily="2" charset="-122"/>
+                </a:rPr>
+                <a:t>personId</a:t>
+              </a:r>
+              <a:r>
+                <a:rPr kumimoji="1" lang="en-US" altLang="zh-CN" sz="1600" dirty="0">
+                  <a:solidFill>
+                    <a:sysClr val="windowText" lastClr="000000"/>
+                  </a:solidFill>
+                  <a:latin typeface="DengXian" panose="02010600030101010101" pitchFamily="2" charset="-122"/>
+                  <a:ea typeface="DengXian" panose="02010600030101010101" pitchFamily="2" charset="-122"/>
+                </a:rPr>
+                <a:t>}</a:t>
+              </a:r>
+            </a:p>
+            <a:p>
+              <a:pPr algn="ctr"/>
+              <a:r>
+                <a:rPr kumimoji="1" lang="en-US" altLang="zh-CN" sz="1600" dirty="0" err="1">
+                  <a:solidFill>
+                    <a:sysClr val="windowText" lastClr="000000"/>
+                  </a:solidFill>
+                  <a:latin typeface="DengXian" panose="02010600030101010101" pitchFamily="2" charset="-122"/>
+                  <a:ea typeface="DengXian" panose="02010600030101010101" pitchFamily="2" charset="-122"/>
+                </a:rPr>
+                <a:t>isBlocked</a:t>
+              </a:r>
+              <a:r>
+                <a:rPr kumimoji="1" lang="zh-CN" altLang="en-US" sz="1600" dirty="0">
+                  <a:solidFill>
+                    <a:sysClr val="windowText" lastClr="000000"/>
+                  </a:solidFill>
+                  <a:latin typeface="DengXian" panose="02010600030101010101" pitchFamily="2" charset="-122"/>
+                  <a:ea typeface="DengXian" panose="02010600030101010101" pitchFamily="2" charset="-122"/>
+                </a:rPr>
+                <a:t> </a:t>
+              </a:r>
+              <a:r>
+                <a:rPr kumimoji="1" lang="en-US" altLang="zh-CN" sz="1600" dirty="0">
+                  <a:solidFill>
+                    <a:sysClr val="windowText" lastClr="000000"/>
+                  </a:solidFill>
+                  <a:latin typeface="DengXian" panose="02010600030101010101" pitchFamily="2" charset="-122"/>
+                  <a:ea typeface="DengXian" panose="02010600030101010101" pitchFamily="2" charset="-122"/>
+                </a:rPr>
+                <a:t>&lt;-</a:t>
+              </a:r>
+              <a:r>
+                <a:rPr kumimoji="1" lang="zh-CN" altLang="en-US" sz="1600" dirty="0">
+                  <a:solidFill>
+                    <a:sysClr val="windowText" lastClr="000000"/>
+                  </a:solidFill>
+                  <a:latin typeface="DengXian" panose="02010600030101010101" pitchFamily="2" charset="-122"/>
+                  <a:ea typeface="DengXian" panose="02010600030101010101" pitchFamily="2" charset="-122"/>
+                </a:rPr>
+                <a:t> </a:t>
+              </a:r>
+              <a:r>
+                <a:rPr kumimoji="1" lang="en-US" altLang="zh-CN" sz="1600" b="1" dirty="0">
+                  <a:solidFill>
+                    <a:sysClr val="windowText" lastClr="000000"/>
+                  </a:solidFill>
+                  <a:latin typeface="DengXian" panose="02010600030101010101" pitchFamily="2" charset="-122"/>
+                  <a:ea typeface="DengXian" panose="02010600030101010101" pitchFamily="2" charset="-122"/>
+                </a:rPr>
+                <a:t>True</a:t>
+              </a:r>
+            </a:p>
+          </p:txBody>
+        </p:sp>
+      </p:grpSp>
+    </p:spTree>
+    <p:extLst>
+      <p:ext uri="{BB962C8B-B14F-4D97-AF65-F5344CB8AC3E}">
+        <p14:creationId xmlns:p14="http://schemas.microsoft.com/office/powerpoint/2010/main" val="3876501361"/>
+      </p:ext>
+    </p:extLst>
+  </p:cSld>
+  <p:clrMapOvr>
+    <a:masterClrMapping/>
+  </p:clrMapOvr>
+</p:sld>
+</file>
+
+<file path=ppt/slides/slide12.xml><?xml version="1.0" encoding="utf-8"?>
+<p:sld xmlns:a="http://schemas.openxmlformats.org/drawingml/2006/main" xmlns:r="http://schemas.openxmlformats.org/officeDocument/2006/relationships" xmlns:p="http://schemas.openxmlformats.org/presentationml/2006/main">
+  <p:cSld>
+    <p:spTree>
+      <p:nvGrpSpPr>
+        <p:cNvPr id="1" name=""/>
+        <p:cNvGrpSpPr/>
+        <p:nvPr/>
+      </p:nvGrpSpPr>
+      <p:grpSpPr>
+        <a:xfrm>
+          <a:off x="0" y="0"/>
+          <a:ext cx="0" cy="0"/>
+          <a:chOff x="0" y="0"/>
+          <a:chExt cx="0" cy="0"/>
+        </a:xfrm>
+      </p:grpSpPr>
+      <p:grpSp>
+        <p:nvGrpSpPr>
+          <p:cNvPr id="3" name="Group 2">
+            <a:extLst>
+              <a:ext uri="{FF2B5EF4-FFF2-40B4-BE49-F238E27FC236}">
+                <a16:creationId xmlns:a16="http://schemas.microsoft.com/office/drawing/2014/main" id="{D543F2FB-A178-5C43-9632-9F2D7941D522}"/>
+              </a:ext>
+            </a:extLst>
+          </p:cNvPr>
+          <p:cNvGrpSpPr/>
+          <p:nvPr/>
+        </p:nvGrpSpPr>
+        <p:grpSpPr>
+          <a:xfrm>
+            <a:off x="4607325" y="2411287"/>
+            <a:ext cx="2977350" cy="1344279"/>
+            <a:chOff x="1488974" y="3906297"/>
+            <a:chExt cx="1803118" cy="927586"/>
+          </a:xfrm>
+        </p:grpSpPr>
+        <p:sp>
+          <p:nvSpPr>
+            <p:cNvPr id="5" name="矩形 4">
+              <a:extLst>
+                <a:ext uri="{FF2B5EF4-FFF2-40B4-BE49-F238E27FC236}">
+                  <a16:creationId xmlns:a16="http://schemas.microsoft.com/office/drawing/2014/main" id="{4F7CE573-D2EE-B544-9AF9-A133E6C5E6B5}"/>
+                </a:ext>
+              </a:extLst>
+            </p:cNvPr>
+            <p:cNvSpPr/>
+            <p:nvPr/>
+          </p:nvSpPr>
+          <p:spPr>
+            <a:xfrm>
+              <a:off x="1488974" y="3906297"/>
+              <a:ext cx="1803118" cy="430356"/>
+            </a:xfrm>
+            <a:prstGeom prst="rect">
+              <a:avLst/>
+            </a:prstGeom>
+            <a:solidFill>
               <a:schemeClr val="accent4">
                 <a:lumMod val="60000"/>
                 <a:lumOff val="40000"/>
@@ -4089,7 +4398,7 @@
     </p:spTree>
     <p:extLst>
       <p:ext uri="{BB962C8B-B14F-4D97-AF65-F5344CB8AC3E}">
-        <p14:creationId xmlns:p14="http://schemas.microsoft.com/office/powerpoint/2010/main" val="3876501361"/>
+        <p14:creationId xmlns:p14="http://schemas.microsoft.com/office/powerpoint/2010/main" val="3938937280"/>
       </p:ext>
     </p:extLst>
   </p:cSld>
@@ -4099,7 +4408,7 @@
 </p:sld>
 </file>
 
-<file path=ppt/slides/slide12.xml><?xml version="1.0" encoding="utf-8"?>
+<file path=ppt/slides/slide13.xml><?xml version="1.0" encoding="utf-8"?>
 <p:sld xmlns:a="http://schemas.openxmlformats.org/drawingml/2006/main" xmlns:r="http://schemas.openxmlformats.org/officeDocument/2006/relationships" xmlns:p="http://schemas.openxmlformats.org/presentationml/2006/main">
   <p:cSld>
     <p:spTree>
@@ -4783,7 +5092,7 @@
 </p:sld>
 </file>
 
-<file path=ppt/slides/slide13.xml><?xml version="1.0" encoding="utf-8"?>
+<file path=ppt/slides/slide14.xml><?xml version="1.0" encoding="utf-8"?>
 <p:sld xmlns:a="http://schemas.openxmlformats.org/drawingml/2006/main" xmlns:r="http://schemas.openxmlformats.org/officeDocument/2006/relationships" xmlns:p="http://schemas.openxmlformats.org/presentationml/2006/main">
   <p:cSld>
     <p:spTree>
@@ -6389,7 +6698,7 @@
 </p:sld>
 </file>
 
-<file path=ppt/slides/slide14.xml><?xml version="1.0" encoding="utf-8"?>
+<file path=ppt/slides/slide15.xml><?xml version="1.0" encoding="utf-8"?>
 <p:sld xmlns:a="http://schemas.openxmlformats.org/drawingml/2006/main" xmlns:r="http://schemas.openxmlformats.org/officeDocument/2006/relationships" xmlns:p="http://schemas.openxmlformats.org/presentationml/2006/main">
   <p:cSld>
     <p:spTree>
@@ -7392,7 +7701,7 @@
 </p:sld>
 </file>
 
-<file path=ppt/slides/slide15.xml><?xml version="1.0" encoding="utf-8"?>
+<file path=ppt/slides/slide16.xml><?xml version="1.0" encoding="utf-8"?>
 <p:sld xmlns:a="http://schemas.openxmlformats.org/drawingml/2006/main" xmlns:r="http://schemas.openxmlformats.org/officeDocument/2006/relationships" xmlns:p="http://schemas.openxmlformats.org/presentationml/2006/main">
   <p:cSld>
     <p:spTree>

--- a/patterns/transaction-write.pptx
+++ b/patterns/transaction-write.pptx
@@ -236,7 +236,7 @@
           <a:p>
             <a:fld id="{CAD4BD24-A097-4F9D-85E9-6A2A24CA2D98}" type="datetimeFigureOut">
               <a:rPr lang="zh-CN" altLang="en-US" smtClean="0"/>
-              <a:t>2023/1/14</a:t>
+              <a:t>2023/2/23</a:t>
             </a:fld>
             <a:endParaRPr lang="zh-CN" altLang="en-US"/>
           </a:p>

--- a/patterns/transaction-write.pptx
+++ b/patterns/transaction-write.pptx
@@ -236,7 +236,7 @@
           <a:p>
             <a:fld id="{CAD4BD24-A097-4F9D-85E9-6A2A24CA2D98}" type="datetimeFigureOut">
               <a:rPr lang="zh-CN" altLang="en-US" smtClean="0"/>
-              <a:t>2023/2/23</a:t>
+              <a:t>2023/4/27</a:t>
             </a:fld>
             <a:endParaRPr lang="zh-CN" altLang="en-US"/>
           </a:p>
@@ -4729,11 +4729,11 @@
             <a:p>
               <a:pPr algn="ctr"/>
               <a:r>
-                <a:rPr kumimoji="1" lang="en-US" altLang="zh-CN" sz="1600" b="1" dirty="0" err="1">
+                <a:rPr kumimoji="1" lang="en-US" altLang="zh-CN" sz="1600" b="1">
                   <a:latin typeface="DengXian" panose="02010600030101010101" pitchFamily="2" charset="-122"/>
                   <a:ea typeface="DengXian" panose="02010600030101010101" pitchFamily="2" charset="-122"/>
                 </a:rPr>
-                <a:t>gurantee</a:t>
+                <a:t>guarantee</a:t>
               </a:r>
               <a:endParaRPr kumimoji="1" lang="en-US" altLang="zh-CN" sz="1600" dirty="0">
                 <a:latin typeface="DengXian" panose="02010600030101010101" pitchFamily="2" charset="-122"/>

--- a/patterns/transaction-write.pptx
+++ b/patterns/transaction-write.pptx
@@ -2527,10 +2527,10 @@
       </p:grpSpPr>
       <p:grpSp>
         <p:nvGrpSpPr>
-          <p:cNvPr id="4" name="Group 3">
+          <p:cNvPr id="11" name="Group 10">
             <a:extLst>
               <a:ext uri="{FF2B5EF4-FFF2-40B4-BE49-F238E27FC236}">
-                <a16:creationId xmlns:a16="http://schemas.microsoft.com/office/drawing/2014/main" id="{A37D8080-2775-FC95-E5FF-4EAE618D2A24}"/>
+                <a16:creationId xmlns:a16="http://schemas.microsoft.com/office/drawing/2014/main" id="{A43BBF47-E582-7A17-90A5-817BDFBAA6DA}"/>
               </a:ext>
             </a:extLst>
           </p:cNvPr>
@@ -3225,7 +3225,7 @@
             <a:prstGeom prst="straightConnector1">
               <a:avLst/>
             </a:prstGeom>
-            <a:ln w="25400">
+            <a:ln w="19050">
               <a:solidFill>
                 <a:schemeClr val="tx1"/>
               </a:solidFill>
@@ -3262,15 +3262,13 @@
           </p:nvSpPr>
           <p:spPr>
             <a:xfrm>
-              <a:off x="5604460" y="2282699"/>
+              <a:off x="5626231" y="2491418"/>
               <a:ext cx="639740" cy="338554"/>
             </a:xfrm>
             <a:prstGeom prst="rect">
               <a:avLst/>
             </a:prstGeom>
-            <a:solidFill>
-              <a:schemeClr val="bg1"/>
-            </a:solidFill>
+            <a:noFill/>
           </p:spPr>
           <p:txBody>
             <a:bodyPr wrap="square" rtlCol="0">
@@ -3293,181 +3291,181 @@
             </a:p>
           </p:txBody>
         </p:sp>
+        <p:sp>
+          <p:nvSpPr>
+            <p:cNvPr id="2" name="Cross 1">
+              <a:extLst>
+                <a:ext uri="{FF2B5EF4-FFF2-40B4-BE49-F238E27FC236}">
+                  <a16:creationId xmlns:a16="http://schemas.microsoft.com/office/drawing/2014/main" id="{7F0E216C-8081-EB22-0A1C-F55CAE5567FB}"/>
+                </a:ext>
+              </a:extLst>
+            </p:cNvPr>
+            <p:cNvSpPr/>
+            <p:nvPr/>
+          </p:nvSpPr>
+          <p:spPr>
+            <a:xfrm>
+              <a:off x="1743075" y="2220077"/>
+              <a:ext cx="180000" cy="180000"/>
+            </a:xfrm>
+            <a:prstGeom prst="plus">
+              <a:avLst>
+                <a:gd name="adj" fmla="val 33021"/>
+              </a:avLst>
+            </a:prstGeom>
+            <a:solidFill>
+              <a:schemeClr val="tx1"/>
+            </a:solidFill>
+            <a:ln>
+              <a:noFill/>
+            </a:ln>
+          </p:spPr>
+          <p:style>
+            <a:lnRef idx="2">
+              <a:schemeClr val="accent1">
+                <a:shade val="50000"/>
+              </a:schemeClr>
+            </a:lnRef>
+            <a:fillRef idx="1">
+              <a:schemeClr val="accent1"/>
+            </a:fillRef>
+            <a:effectRef idx="0">
+              <a:schemeClr val="accent1"/>
+            </a:effectRef>
+            <a:fontRef idx="minor">
+              <a:schemeClr val="lt1"/>
+            </a:fontRef>
+          </p:style>
+          <p:txBody>
+            <a:bodyPr rtlCol="0" anchor="ctr"/>
+            <a:lstStyle/>
+            <a:p>
+              <a:pPr algn="ctr"/>
+              <a:endParaRPr lang="en-CN">
+                <a:solidFill>
+                  <a:schemeClr val="tx1"/>
+                </a:solidFill>
+              </a:endParaRPr>
+            </a:p>
+          </p:txBody>
+        </p:sp>
+        <p:sp>
+          <p:nvSpPr>
+            <p:cNvPr id="7" name="Cross 6">
+              <a:extLst>
+                <a:ext uri="{FF2B5EF4-FFF2-40B4-BE49-F238E27FC236}">
+                  <a16:creationId xmlns:a16="http://schemas.microsoft.com/office/drawing/2014/main" id="{97B94FAA-0D92-09CE-C55D-9D56B6784BFD}"/>
+                </a:ext>
+              </a:extLst>
+            </p:cNvPr>
+            <p:cNvSpPr/>
+            <p:nvPr/>
+          </p:nvSpPr>
+          <p:spPr>
+            <a:xfrm>
+              <a:off x="7552671" y="2220077"/>
+              <a:ext cx="180000" cy="180000"/>
+            </a:xfrm>
+            <a:prstGeom prst="plus">
+              <a:avLst>
+                <a:gd name="adj" fmla="val 33021"/>
+              </a:avLst>
+            </a:prstGeom>
+            <a:solidFill>
+              <a:schemeClr val="tx1"/>
+            </a:solidFill>
+            <a:ln>
+              <a:noFill/>
+            </a:ln>
+          </p:spPr>
+          <p:style>
+            <a:lnRef idx="2">
+              <a:schemeClr val="accent1">
+                <a:shade val="50000"/>
+              </a:schemeClr>
+            </a:lnRef>
+            <a:fillRef idx="1">
+              <a:schemeClr val="accent1"/>
+            </a:fillRef>
+            <a:effectRef idx="0">
+              <a:schemeClr val="accent1"/>
+            </a:effectRef>
+            <a:fontRef idx="minor">
+              <a:schemeClr val="lt1"/>
+            </a:fontRef>
+          </p:style>
+          <p:txBody>
+            <a:bodyPr rtlCol="0" anchor="ctr"/>
+            <a:lstStyle/>
+            <a:p>
+              <a:pPr algn="ctr"/>
+              <a:endParaRPr lang="en-CN">
+                <a:solidFill>
+                  <a:schemeClr val="tx1"/>
+                </a:solidFill>
+              </a:endParaRPr>
+            </a:p>
+          </p:txBody>
+        </p:sp>
+        <p:sp>
+          <p:nvSpPr>
+            <p:cNvPr id="9" name="Cross 8">
+              <a:extLst>
+                <a:ext uri="{FF2B5EF4-FFF2-40B4-BE49-F238E27FC236}">
+                  <a16:creationId xmlns:a16="http://schemas.microsoft.com/office/drawing/2014/main" id="{B41A4442-733B-F248-83BD-78048EADD0B0}"/>
+                </a:ext>
+              </a:extLst>
+            </p:cNvPr>
+            <p:cNvSpPr/>
+            <p:nvPr/>
+          </p:nvSpPr>
+          <p:spPr>
+            <a:xfrm>
+              <a:off x="6174378" y="2519137"/>
+              <a:ext cx="180000" cy="180000"/>
+            </a:xfrm>
+            <a:prstGeom prst="plus">
+              <a:avLst>
+                <a:gd name="adj" fmla="val 33021"/>
+              </a:avLst>
+            </a:prstGeom>
+            <a:solidFill>
+              <a:schemeClr val="tx1"/>
+            </a:solidFill>
+            <a:ln>
+              <a:noFill/>
+            </a:ln>
+          </p:spPr>
+          <p:style>
+            <a:lnRef idx="2">
+              <a:schemeClr val="accent1">
+                <a:shade val="50000"/>
+              </a:schemeClr>
+            </a:lnRef>
+            <a:fillRef idx="1">
+              <a:schemeClr val="accent1"/>
+            </a:fillRef>
+            <a:effectRef idx="0">
+              <a:schemeClr val="accent1"/>
+            </a:effectRef>
+            <a:fontRef idx="minor">
+              <a:schemeClr val="lt1"/>
+            </a:fontRef>
+          </p:style>
+          <p:txBody>
+            <a:bodyPr rtlCol="0" anchor="ctr"/>
+            <a:lstStyle/>
+            <a:p>
+              <a:pPr algn="ctr"/>
+              <a:endParaRPr lang="en-CN">
+                <a:solidFill>
+                  <a:schemeClr val="tx1"/>
+                </a:solidFill>
+              </a:endParaRPr>
+            </a:p>
+          </p:txBody>
+        </p:sp>
       </p:grpSp>
-      <p:sp>
-        <p:nvSpPr>
-          <p:cNvPr id="2" name="Cross 1">
-            <a:extLst>
-              <a:ext uri="{FF2B5EF4-FFF2-40B4-BE49-F238E27FC236}">
-                <a16:creationId xmlns:a16="http://schemas.microsoft.com/office/drawing/2014/main" id="{7F0E216C-8081-EB22-0A1C-F55CAE5567FB}"/>
-              </a:ext>
-            </a:extLst>
-          </p:cNvPr>
-          <p:cNvSpPr/>
-          <p:nvPr/>
-        </p:nvSpPr>
-        <p:spPr>
-          <a:xfrm>
-            <a:off x="1743075" y="2220077"/>
-            <a:ext cx="180000" cy="180000"/>
-          </a:xfrm>
-          <a:prstGeom prst="plus">
-            <a:avLst>
-              <a:gd name="adj" fmla="val 33021"/>
-            </a:avLst>
-          </a:prstGeom>
-          <a:solidFill>
-            <a:schemeClr val="tx1"/>
-          </a:solidFill>
-          <a:ln>
-            <a:noFill/>
-          </a:ln>
-        </p:spPr>
-        <p:style>
-          <a:lnRef idx="2">
-            <a:schemeClr val="accent1">
-              <a:shade val="50000"/>
-            </a:schemeClr>
-          </a:lnRef>
-          <a:fillRef idx="1">
-            <a:schemeClr val="accent1"/>
-          </a:fillRef>
-          <a:effectRef idx="0">
-            <a:schemeClr val="accent1"/>
-          </a:effectRef>
-          <a:fontRef idx="minor">
-            <a:schemeClr val="lt1"/>
-          </a:fontRef>
-        </p:style>
-        <p:txBody>
-          <a:bodyPr rtlCol="0" anchor="ctr"/>
-          <a:lstStyle/>
-          <a:p>
-            <a:pPr algn="ctr"/>
-            <a:endParaRPr lang="en-CN">
-              <a:solidFill>
-                <a:schemeClr val="tx1"/>
-              </a:solidFill>
-            </a:endParaRPr>
-          </a:p>
-        </p:txBody>
-      </p:sp>
-      <p:sp>
-        <p:nvSpPr>
-          <p:cNvPr id="7" name="Cross 6">
-            <a:extLst>
-              <a:ext uri="{FF2B5EF4-FFF2-40B4-BE49-F238E27FC236}">
-                <a16:creationId xmlns:a16="http://schemas.microsoft.com/office/drawing/2014/main" id="{97B94FAA-0D92-09CE-C55D-9D56B6784BFD}"/>
-              </a:ext>
-            </a:extLst>
-          </p:cNvPr>
-          <p:cNvSpPr/>
-          <p:nvPr/>
-        </p:nvSpPr>
-        <p:spPr>
-          <a:xfrm>
-            <a:off x="7552671" y="2220077"/>
-            <a:ext cx="180000" cy="180000"/>
-          </a:xfrm>
-          <a:prstGeom prst="plus">
-            <a:avLst>
-              <a:gd name="adj" fmla="val 33021"/>
-            </a:avLst>
-          </a:prstGeom>
-          <a:solidFill>
-            <a:schemeClr val="tx1"/>
-          </a:solidFill>
-          <a:ln>
-            <a:noFill/>
-          </a:ln>
-        </p:spPr>
-        <p:style>
-          <a:lnRef idx="2">
-            <a:schemeClr val="accent1">
-              <a:shade val="50000"/>
-            </a:schemeClr>
-          </a:lnRef>
-          <a:fillRef idx="1">
-            <a:schemeClr val="accent1"/>
-          </a:fillRef>
-          <a:effectRef idx="0">
-            <a:schemeClr val="accent1"/>
-          </a:effectRef>
-          <a:fontRef idx="minor">
-            <a:schemeClr val="lt1"/>
-          </a:fontRef>
-        </p:style>
-        <p:txBody>
-          <a:bodyPr rtlCol="0" anchor="ctr"/>
-          <a:lstStyle/>
-          <a:p>
-            <a:pPr algn="ctr"/>
-            <a:endParaRPr lang="en-CN">
-              <a:solidFill>
-                <a:schemeClr val="tx1"/>
-              </a:solidFill>
-            </a:endParaRPr>
-          </a:p>
-        </p:txBody>
-      </p:sp>
-      <p:sp>
-        <p:nvSpPr>
-          <p:cNvPr id="9" name="Cross 8">
-            <a:extLst>
-              <a:ext uri="{FF2B5EF4-FFF2-40B4-BE49-F238E27FC236}">
-                <a16:creationId xmlns:a16="http://schemas.microsoft.com/office/drawing/2014/main" id="{B41A4442-733B-F248-83BD-78048EADD0B0}"/>
-              </a:ext>
-            </a:extLst>
-          </p:cNvPr>
-          <p:cNvSpPr/>
-          <p:nvPr/>
-        </p:nvSpPr>
-        <p:spPr>
-          <a:xfrm>
-            <a:off x="6096000" y="2231751"/>
-            <a:ext cx="180000" cy="180000"/>
-          </a:xfrm>
-          <a:prstGeom prst="plus">
-            <a:avLst>
-              <a:gd name="adj" fmla="val 33021"/>
-            </a:avLst>
-          </a:prstGeom>
-          <a:solidFill>
-            <a:schemeClr val="tx1"/>
-          </a:solidFill>
-          <a:ln>
-            <a:noFill/>
-          </a:ln>
-        </p:spPr>
-        <p:style>
-          <a:lnRef idx="2">
-            <a:schemeClr val="accent1">
-              <a:shade val="50000"/>
-            </a:schemeClr>
-          </a:lnRef>
-          <a:fillRef idx="1">
-            <a:schemeClr val="accent1"/>
-          </a:fillRef>
-          <a:effectRef idx="0">
-            <a:schemeClr val="accent1"/>
-          </a:effectRef>
-          <a:fontRef idx="minor">
-            <a:schemeClr val="lt1"/>
-          </a:fontRef>
-        </p:style>
-        <p:txBody>
-          <a:bodyPr rtlCol="0" anchor="ctr"/>
-          <a:lstStyle/>
-          <a:p>
-            <a:pPr algn="ctr"/>
-            <a:endParaRPr lang="en-CN">
-              <a:solidFill>
-                <a:schemeClr val="tx1"/>
-              </a:solidFill>
-            </a:endParaRPr>
-          </a:p>
-        </p:txBody>
-      </p:sp>
     </p:spTree>
     <p:extLst>
       <p:ext uri="{BB962C8B-B14F-4D97-AF65-F5344CB8AC3E}">
@@ -3512,7 +3510,7 @@
         </p:nvGrpSpPr>
         <p:grpSpPr>
           <a:xfrm>
-            <a:off x="4607325" y="2411287"/>
+            <a:off x="4607325" y="2763986"/>
             <a:ext cx="2977350" cy="1344279"/>
             <a:chOff x="1488974" y="3906297"/>
             <a:chExt cx="1803118" cy="927586"/>
@@ -4676,7 +4674,7 @@
             <a:prstGeom prst="straightConnector1">
               <a:avLst/>
             </a:prstGeom>
-            <a:ln w="28575">
+            <a:ln w="19050">
               <a:solidFill>
                 <a:schemeClr val="tx1"/>
               </a:solidFill>
@@ -5111,10 +5109,10 @@
       </p:grpSpPr>
       <p:grpSp>
         <p:nvGrpSpPr>
-          <p:cNvPr id="5" name="Group 4">
+          <p:cNvPr id="4" name="Group 3">
             <a:extLst>
               <a:ext uri="{FF2B5EF4-FFF2-40B4-BE49-F238E27FC236}">
-                <a16:creationId xmlns:a16="http://schemas.microsoft.com/office/drawing/2014/main" id="{D6D28D6A-C066-1361-42F3-8B733C379113}"/>
+                <a16:creationId xmlns:a16="http://schemas.microsoft.com/office/drawing/2014/main" id="{1E6EBE87-10EB-12FB-48BF-8DD1C15629A2}"/>
               </a:ext>
             </a:extLst>
           </p:cNvPr>
@@ -8371,10 +8369,10 @@
       </p:grpSpPr>
       <p:grpSp>
         <p:nvGrpSpPr>
-          <p:cNvPr id="2" name="Group 1">
+          <p:cNvPr id="11" name="Group 10">
             <a:extLst>
               <a:ext uri="{FF2B5EF4-FFF2-40B4-BE49-F238E27FC236}">
-                <a16:creationId xmlns:a16="http://schemas.microsoft.com/office/drawing/2014/main" id="{3B9AEEA8-4E45-24C2-B931-32DA0334083A}"/>
+                <a16:creationId xmlns:a16="http://schemas.microsoft.com/office/drawing/2014/main" id="{AA6334AA-C523-DDB3-A68D-CC65F75240F6}"/>
               </a:ext>
             </a:extLst>
           </p:cNvPr>
@@ -9068,7 +9066,7 @@
             <a:prstGeom prst="straightConnector1">
               <a:avLst/>
             </a:prstGeom>
-            <a:ln w="25400">
+            <a:ln w="19050">
               <a:solidFill>
                 <a:schemeClr val="tx1"/>
               </a:solidFill>
@@ -9105,15 +9103,13 @@
           </p:nvSpPr>
           <p:spPr>
             <a:xfrm>
-              <a:off x="5604460" y="2282699"/>
+              <a:off x="5611385" y="2529623"/>
               <a:ext cx="639740" cy="338554"/>
             </a:xfrm>
             <a:prstGeom prst="rect">
               <a:avLst/>
             </a:prstGeom>
-            <a:solidFill>
-              <a:schemeClr val="bg1"/>
-            </a:solidFill>
+            <a:noFill/>
           </p:spPr>
           <p:txBody>
             <a:bodyPr wrap="square" rtlCol="0">
@@ -9136,181 +9132,181 @@
             </a:p>
           </p:txBody>
         </p:sp>
+        <p:sp>
+          <p:nvSpPr>
+            <p:cNvPr id="4" name="Cross 3">
+              <a:extLst>
+                <a:ext uri="{FF2B5EF4-FFF2-40B4-BE49-F238E27FC236}">
+                  <a16:creationId xmlns:a16="http://schemas.microsoft.com/office/drawing/2014/main" id="{E66C406D-8882-3D11-1F95-3D0CC42825AA}"/>
+                </a:ext>
+              </a:extLst>
+            </p:cNvPr>
+            <p:cNvSpPr/>
+            <p:nvPr/>
+          </p:nvSpPr>
+          <p:spPr>
+            <a:xfrm>
+              <a:off x="6176161" y="2559759"/>
+              <a:ext cx="180000" cy="180000"/>
+            </a:xfrm>
+            <a:prstGeom prst="plus">
+              <a:avLst>
+                <a:gd name="adj" fmla="val 33021"/>
+              </a:avLst>
+            </a:prstGeom>
+            <a:solidFill>
+              <a:schemeClr val="tx1"/>
+            </a:solidFill>
+            <a:ln>
+              <a:noFill/>
+            </a:ln>
+          </p:spPr>
+          <p:style>
+            <a:lnRef idx="2">
+              <a:schemeClr val="accent1">
+                <a:shade val="50000"/>
+              </a:schemeClr>
+            </a:lnRef>
+            <a:fillRef idx="1">
+              <a:schemeClr val="accent1"/>
+            </a:fillRef>
+            <a:effectRef idx="0">
+              <a:schemeClr val="accent1"/>
+            </a:effectRef>
+            <a:fontRef idx="minor">
+              <a:schemeClr val="lt1"/>
+            </a:fontRef>
+          </p:style>
+          <p:txBody>
+            <a:bodyPr rtlCol="0" anchor="ctr"/>
+            <a:lstStyle/>
+            <a:p>
+              <a:pPr algn="ctr"/>
+              <a:endParaRPr lang="en-CN">
+                <a:solidFill>
+                  <a:schemeClr val="tx1"/>
+                </a:solidFill>
+              </a:endParaRPr>
+            </a:p>
+          </p:txBody>
+        </p:sp>
+        <p:sp>
+          <p:nvSpPr>
+            <p:cNvPr id="7" name="Cross 6">
+              <a:extLst>
+                <a:ext uri="{FF2B5EF4-FFF2-40B4-BE49-F238E27FC236}">
+                  <a16:creationId xmlns:a16="http://schemas.microsoft.com/office/drawing/2014/main" id="{CBEE5D98-D7CC-D52C-FBF5-AC7899B9958A}"/>
+                </a:ext>
+              </a:extLst>
+            </p:cNvPr>
+            <p:cNvSpPr/>
+            <p:nvPr/>
+          </p:nvSpPr>
+          <p:spPr>
+            <a:xfrm>
+              <a:off x="7563221" y="2234994"/>
+              <a:ext cx="180000" cy="180000"/>
+            </a:xfrm>
+            <a:prstGeom prst="plus">
+              <a:avLst>
+                <a:gd name="adj" fmla="val 33021"/>
+              </a:avLst>
+            </a:prstGeom>
+            <a:solidFill>
+              <a:schemeClr val="tx1"/>
+            </a:solidFill>
+            <a:ln>
+              <a:noFill/>
+            </a:ln>
+          </p:spPr>
+          <p:style>
+            <a:lnRef idx="2">
+              <a:schemeClr val="accent1">
+                <a:shade val="50000"/>
+              </a:schemeClr>
+            </a:lnRef>
+            <a:fillRef idx="1">
+              <a:schemeClr val="accent1"/>
+            </a:fillRef>
+            <a:effectRef idx="0">
+              <a:schemeClr val="accent1"/>
+            </a:effectRef>
+            <a:fontRef idx="minor">
+              <a:schemeClr val="lt1"/>
+            </a:fontRef>
+          </p:style>
+          <p:txBody>
+            <a:bodyPr rtlCol="0" anchor="ctr"/>
+            <a:lstStyle/>
+            <a:p>
+              <a:pPr algn="ctr"/>
+              <a:endParaRPr lang="en-CN">
+                <a:solidFill>
+                  <a:schemeClr val="tx1"/>
+                </a:solidFill>
+              </a:endParaRPr>
+            </a:p>
+          </p:txBody>
+        </p:sp>
+        <p:sp>
+          <p:nvSpPr>
+            <p:cNvPr id="9" name="Cross 8">
+              <a:extLst>
+                <a:ext uri="{FF2B5EF4-FFF2-40B4-BE49-F238E27FC236}">
+                  <a16:creationId xmlns:a16="http://schemas.microsoft.com/office/drawing/2014/main" id="{F0327793-F9A8-97A3-CF62-096D5FAFD72C}"/>
+                </a:ext>
+              </a:extLst>
+            </p:cNvPr>
+            <p:cNvSpPr/>
+            <p:nvPr/>
+          </p:nvSpPr>
+          <p:spPr>
+            <a:xfrm>
+              <a:off x="1747442" y="2225162"/>
+              <a:ext cx="180000" cy="180000"/>
+            </a:xfrm>
+            <a:prstGeom prst="plus">
+              <a:avLst>
+                <a:gd name="adj" fmla="val 33021"/>
+              </a:avLst>
+            </a:prstGeom>
+            <a:solidFill>
+              <a:schemeClr val="tx1"/>
+            </a:solidFill>
+            <a:ln>
+              <a:noFill/>
+            </a:ln>
+          </p:spPr>
+          <p:style>
+            <a:lnRef idx="2">
+              <a:schemeClr val="accent1">
+                <a:shade val="50000"/>
+              </a:schemeClr>
+            </a:lnRef>
+            <a:fillRef idx="1">
+              <a:schemeClr val="accent1"/>
+            </a:fillRef>
+            <a:effectRef idx="0">
+              <a:schemeClr val="accent1"/>
+            </a:effectRef>
+            <a:fontRef idx="minor">
+              <a:schemeClr val="lt1"/>
+            </a:fontRef>
+          </p:style>
+          <p:txBody>
+            <a:bodyPr rtlCol="0" anchor="ctr"/>
+            <a:lstStyle/>
+            <a:p>
+              <a:pPr algn="ctr"/>
+              <a:endParaRPr lang="en-CN">
+                <a:solidFill>
+                  <a:schemeClr val="tx1"/>
+                </a:solidFill>
+              </a:endParaRPr>
+            </a:p>
+          </p:txBody>
+        </p:sp>
       </p:grpSp>
-      <p:sp>
-        <p:nvSpPr>
-          <p:cNvPr id="4" name="Cross 3">
-            <a:extLst>
-              <a:ext uri="{FF2B5EF4-FFF2-40B4-BE49-F238E27FC236}">
-                <a16:creationId xmlns:a16="http://schemas.microsoft.com/office/drawing/2014/main" id="{E66C406D-8882-3D11-1F95-3D0CC42825AA}"/>
-              </a:ext>
-            </a:extLst>
-          </p:cNvPr>
-          <p:cNvSpPr/>
-          <p:nvPr/>
-        </p:nvSpPr>
-        <p:spPr>
-          <a:xfrm>
-            <a:off x="6123910" y="2207059"/>
-            <a:ext cx="180000" cy="180000"/>
-          </a:xfrm>
-          <a:prstGeom prst="plus">
-            <a:avLst>
-              <a:gd name="adj" fmla="val 33021"/>
-            </a:avLst>
-          </a:prstGeom>
-          <a:solidFill>
-            <a:schemeClr val="tx1"/>
-          </a:solidFill>
-          <a:ln>
-            <a:noFill/>
-          </a:ln>
-        </p:spPr>
-        <p:style>
-          <a:lnRef idx="2">
-            <a:schemeClr val="accent1">
-              <a:shade val="50000"/>
-            </a:schemeClr>
-          </a:lnRef>
-          <a:fillRef idx="1">
-            <a:schemeClr val="accent1"/>
-          </a:fillRef>
-          <a:effectRef idx="0">
-            <a:schemeClr val="accent1"/>
-          </a:effectRef>
-          <a:fontRef idx="minor">
-            <a:schemeClr val="lt1"/>
-          </a:fontRef>
-        </p:style>
-        <p:txBody>
-          <a:bodyPr rtlCol="0" anchor="ctr"/>
-          <a:lstStyle/>
-          <a:p>
-            <a:pPr algn="ctr"/>
-            <a:endParaRPr lang="en-CN">
-              <a:solidFill>
-                <a:schemeClr val="tx1"/>
-              </a:solidFill>
-            </a:endParaRPr>
-          </a:p>
-        </p:txBody>
-      </p:sp>
-      <p:sp>
-        <p:nvSpPr>
-          <p:cNvPr id="7" name="Cross 6">
-            <a:extLst>
-              <a:ext uri="{FF2B5EF4-FFF2-40B4-BE49-F238E27FC236}">
-                <a16:creationId xmlns:a16="http://schemas.microsoft.com/office/drawing/2014/main" id="{CBEE5D98-D7CC-D52C-FBF5-AC7899B9958A}"/>
-              </a:ext>
-            </a:extLst>
-          </p:cNvPr>
-          <p:cNvSpPr/>
-          <p:nvPr/>
-        </p:nvSpPr>
-        <p:spPr>
-          <a:xfrm>
-            <a:off x="7563221" y="2234994"/>
-            <a:ext cx="180000" cy="180000"/>
-          </a:xfrm>
-          <a:prstGeom prst="plus">
-            <a:avLst>
-              <a:gd name="adj" fmla="val 33021"/>
-            </a:avLst>
-          </a:prstGeom>
-          <a:solidFill>
-            <a:schemeClr val="tx1"/>
-          </a:solidFill>
-          <a:ln>
-            <a:noFill/>
-          </a:ln>
-        </p:spPr>
-        <p:style>
-          <a:lnRef idx="2">
-            <a:schemeClr val="accent1">
-              <a:shade val="50000"/>
-            </a:schemeClr>
-          </a:lnRef>
-          <a:fillRef idx="1">
-            <a:schemeClr val="accent1"/>
-          </a:fillRef>
-          <a:effectRef idx="0">
-            <a:schemeClr val="accent1"/>
-          </a:effectRef>
-          <a:fontRef idx="minor">
-            <a:schemeClr val="lt1"/>
-          </a:fontRef>
-        </p:style>
-        <p:txBody>
-          <a:bodyPr rtlCol="0" anchor="ctr"/>
-          <a:lstStyle/>
-          <a:p>
-            <a:pPr algn="ctr"/>
-            <a:endParaRPr lang="en-CN">
-              <a:solidFill>
-                <a:schemeClr val="tx1"/>
-              </a:solidFill>
-            </a:endParaRPr>
-          </a:p>
-        </p:txBody>
-      </p:sp>
-      <p:sp>
-        <p:nvSpPr>
-          <p:cNvPr id="9" name="Cross 8">
-            <a:extLst>
-              <a:ext uri="{FF2B5EF4-FFF2-40B4-BE49-F238E27FC236}">
-                <a16:creationId xmlns:a16="http://schemas.microsoft.com/office/drawing/2014/main" id="{F0327793-F9A8-97A3-CF62-096D5FAFD72C}"/>
-              </a:ext>
-            </a:extLst>
-          </p:cNvPr>
-          <p:cNvSpPr/>
-          <p:nvPr/>
-        </p:nvSpPr>
-        <p:spPr>
-          <a:xfrm>
-            <a:off x="1747442" y="2225162"/>
-            <a:ext cx="180000" cy="180000"/>
-          </a:xfrm>
-          <a:prstGeom prst="plus">
-            <a:avLst>
-              <a:gd name="adj" fmla="val 33021"/>
-            </a:avLst>
-          </a:prstGeom>
-          <a:solidFill>
-            <a:schemeClr val="tx1"/>
-          </a:solidFill>
-          <a:ln>
-            <a:noFill/>
-          </a:ln>
-        </p:spPr>
-        <p:style>
-          <a:lnRef idx="2">
-            <a:schemeClr val="accent1">
-              <a:shade val="50000"/>
-            </a:schemeClr>
-          </a:lnRef>
-          <a:fillRef idx="1">
-            <a:schemeClr val="accent1"/>
-          </a:fillRef>
-          <a:effectRef idx="0">
-            <a:schemeClr val="accent1"/>
-          </a:effectRef>
-          <a:fontRef idx="minor">
-            <a:schemeClr val="lt1"/>
-          </a:fontRef>
-        </p:style>
-        <p:txBody>
-          <a:bodyPr rtlCol="0" anchor="ctr"/>
-          <a:lstStyle/>
-          <a:p>
-            <a:pPr algn="ctr"/>
-            <a:endParaRPr lang="en-CN">
-              <a:solidFill>
-                <a:schemeClr val="tx1"/>
-              </a:solidFill>
-            </a:endParaRPr>
-          </a:p>
-        </p:txBody>
-      </p:sp>
     </p:spTree>
     <p:extLst>
       <p:ext uri="{BB962C8B-B14F-4D97-AF65-F5344CB8AC3E}">
@@ -9620,7 +9616,7 @@
             <a:prstGeom prst="straightConnector1">
               <a:avLst/>
             </a:prstGeom>
-            <a:ln w="25400">
+            <a:ln w="19050">
               <a:solidFill>
                 <a:schemeClr val="tx1"/>
               </a:solidFill>
@@ -10121,10 +10117,10 @@
       </p:grpSpPr>
       <p:grpSp>
         <p:nvGrpSpPr>
-          <p:cNvPr id="2" name="Group 1">
+          <p:cNvPr id="7" name="Group 6">
             <a:extLst>
               <a:ext uri="{FF2B5EF4-FFF2-40B4-BE49-F238E27FC236}">
-                <a16:creationId xmlns:a16="http://schemas.microsoft.com/office/drawing/2014/main" id="{6BC33E91-8195-359A-D016-1BC90569582D}"/>
+                <a16:creationId xmlns:a16="http://schemas.microsoft.com/office/drawing/2014/main" id="{D17C54BB-4B81-21F7-5131-8FA1325DC9ED}"/>
               </a:ext>
             </a:extLst>
           </p:cNvPr>
@@ -10133,10 +10129,10 @@
         </p:nvGrpSpPr>
         <p:grpSpPr>
           <a:xfrm>
-            <a:off x="2003503" y="2737758"/>
-            <a:ext cx="8487442" cy="1276350"/>
-            <a:chOff x="2003503" y="2737758"/>
-            <a:chExt cx="8487442" cy="1276350"/>
+            <a:off x="2003503" y="2688925"/>
+            <a:ext cx="8487442" cy="1325183"/>
+            <a:chOff x="2003503" y="2688925"/>
+            <a:chExt cx="8487442" cy="1325183"/>
           </a:xfrm>
         </p:grpSpPr>
         <p:grpSp>
@@ -10431,7 +10427,7 @@
             <a:prstGeom prst="straightConnector1">
               <a:avLst/>
             </a:prstGeom>
-            <a:ln w="25400">
+            <a:ln w="19050">
               <a:solidFill>
                 <a:schemeClr val="tx1"/>
               </a:solidFill>
@@ -10841,65 +10837,65 @@
             </p:txBody>
           </p:sp>
         </p:grpSp>
+        <p:sp>
+          <p:nvSpPr>
+            <p:cNvPr id="4" name="Cross 3">
+              <a:extLst>
+                <a:ext uri="{FF2B5EF4-FFF2-40B4-BE49-F238E27FC236}">
+                  <a16:creationId xmlns:a16="http://schemas.microsoft.com/office/drawing/2014/main" id="{AA4FD0A5-6D66-1CD9-D307-B545467CD15B}"/>
+                </a:ext>
+              </a:extLst>
+            </p:cNvPr>
+            <p:cNvSpPr/>
+            <p:nvPr/>
+          </p:nvSpPr>
+          <p:spPr>
+            <a:xfrm>
+              <a:off x="6673402" y="2688925"/>
+              <a:ext cx="180000" cy="180000"/>
+            </a:xfrm>
+            <a:prstGeom prst="plus">
+              <a:avLst>
+                <a:gd name="adj" fmla="val 33021"/>
+              </a:avLst>
+            </a:prstGeom>
+            <a:solidFill>
+              <a:schemeClr val="tx1"/>
+            </a:solidFill>
+            <a:ln>
+              <a:noFill/>
+            </a:ln>
+          </p:spPr>
+          <p:style>
+            <a:lnRef idx="2">
+              <a:schemeClr val="accent1">
+                <a:shade val="50000"/>
+              </a:schemeClr>
+            </a:lnRef>
+            <a:fillRef idx="1">
+              <a:schemeClr val="accent1"/>
+            </a:fillRef>
+            <a:effectRef idx="0">
+              <a:schemeClr val="accent1"/>
+            </a:effectRef>
+            <a:fontRef idx="minor">
+              <a:schemeClr val="lt1"/>
+            </a:fontRef>
+          </p:style>
+          <p:txBody>
+            <a:bodyPr rtlCol="0" anchor="ctr"/>
+            <a:lstStyle/>
+            <a:p>
+              <a:pPr algn="ctr"/>
+              <a:endParaRPr lang="en-CN">
+                <a:solidFill>
+                  <a:schemeClr val="tx1"/>
+                </a:solidFill>
+              </a:endParaRPr>
+            </a:p>
+          </p:txBody>
+        </p:sp>
       </p:grpSp>
-      <p:sp>
-        <p:nvSpPr>
-          <p:cNvPr id="4" name="Cross 3">
-            <a:extLst>
-              <a:ext uri="{FF2B5EF4-FFF2-40B4-BE49-F238E27FC236}">
-                <a16:creationId xmlns:a16="http://schemas.microsoft.com/office/drawing/2014/main" id="{AA4FD0A5-6D66-1CD9-D307-B545467CD15B}"/>
-              </a:ext>
-            </a:extLst>
-          </p:cNvPr>
-          <p:cNvSpPr/>
-          <p:nvPr/>
-        </p:nvSpPr>
-        <p:spPr>
-          <a:xfrm>
-            <a:off x="6673402" y="2688925"/>
-            <a:ext cx="180000" cy="180000"/>
-          </a:xfrm>
-          <a:prstGeom prst="plus">
-            <a:avLst>
-              <a:gd name="adj" fmla="val 33021"/>
-            </a:avLst>
-          </a:prstGeom>
-          <a:solidFill>
-            <a:schemeClr val="tx1"/>
-          </a:solidFill>
-          <a:ln>
-            <a:noFill/>
-          </a:ln>
-        </p:spPr>
-        <p:style>
-          <a:lnRef idx="2">
-            <a:schemeClr val="accent1">
-              <a:shade val="50000"/>
-            </a:schemeClr>
-          </a:lnRef>
-          <a:fillRef idx="1">
-            <a:schemeClr val="accent1"/>
-          </a:fillRef>
-          <a:effectRef idx="0">
-            <a:schemeClr val="accent1"/>
-          </a:effectRef>
-          <a:fontRef idx="minor">
-            <a:schemeClr val="lt1"/>
-          </a:fontRef>
-        </p:style>
-        <p:txBody>
-          <a:bodyPr rtlCol="0" anchor="ctr"/>
-          <a:lstStyle/>
-          <a:p>
-            <a:pPr algn="ctr"/>
-            <a:endParaRPr lang="en-CN">
-              <a:solidFill>
-                <a:schemeClr val="tx1"/>
-              </a:solidFill>
-            </a:endParaRPr>
-          </a:p>
-        </p:txBody>
-      </p:sp>
     </p:spTree>
     <p:extLst>
       <p:ext uri="{BB962C8B-B14F-4D97-AF65-F5344CB8AC3E}">
@@ -10932,10 +10928,10 @@
       </p:grpSpPr>
       <p:grpSp>
         <p:nvGrpSpPr>
-          <p:cNvPr id="2" name="Group 1">
+          <p:cNvPr id="9" name="Group 8">
             <a:extLst>
               <a:ext uri="{FF2B5EF4-FFF2-40B4-BE49-F238E27FC236}">
-                <a16:creationId xmlns:a16="http://schemas.microsoft.com/office/drawing/2014/main" id="{A8E8A805-4011-F060-8F01-3E8A793895C5}"/>
+                <a16:creationId xmlns:a16="http://schemas.microsoft.com/office/drawing/2014/main" id="{6F6CCAE4-34F3-BFD3-3EF9-7057885B1849}"/>
               </a:ext>
             </a:extLst>
           </p:cNvPr>
@@ -11225,7 +11221,7 @@
             <a:prstGeom prst="straightConnector1">
               <a:avLst/>
             </a:prstGeom>
-            <a:ln w="25400">
+            <a:ln w="19050">
               <a:solidFill>
                 <a:schemeClr val="tx1"/>
               </a:solidFill>
@@ -11589,123 +11585,123 @@
             </p:txBody>
           </p:sp>
         </p:grpSp>
+        <p:sp>
+          <p:nvSpPr>
+            <p:cNvPr id="4" name="Cross 3">
+              <a:extLst>
+                <a:ext uri="{FF2B5EF4-FFF2-40B4-BE49-F238E27FC236}">
+                  <a16:creationId xmlns:a16="http://schemas.microsoft.com/office/drawing/2014/main" id="{EFACD865-540B-3789-BD03-29C7FE8C86A6}"/>
+                </a:ext>
+              </a:extLst>
+            </p:cNvPr>
+            <p:cNvSpPr/>
+            <p:nvPr/>
+          </p:nvSpPr>
+          <p:spPr>
+            <a:xfrm>
+              <a:off x="6575079" y="2737758"/>
+              <a:ext cx="180000" cy="180000"/>
+            </a:xfrm>
+            <a:prstGeom prst="plus">
+              <a:avLst>
+                <a:gd name="adj" fmla="val 33021"/>
+              </a:avLst>
+            </a:prstGeom>
+            <a:solidFill>
+              <a:schemeClr val="tx1"/>
+            </a:solidFill>
+            <a:ln>
+              <a:noFill/>
+            </a:ln>
+          </p:spPr>
+          <p:style>
+            <a:lnRef idx="2">
+              <a:schemeClr val="accent1">
+                <a:shade val="50000"/>
+              </a:schemeClr>
+            </a:lnRef>
+            <a:fillRef idx="1">
+              <a:schemeClr val="accent1"/>
+            </a:fillRef>
+            <a:effectRef idx="0">
+              <a:schemeClr val="accent1"/>
+            </a:effectRef>
+            <a:fontRef idx="minor">
+              <a:schemeClr val="lt1"/>
+            </a:fontRef>
+          </p:style>
+          <p:txBody>
+            <a:bodyPr rtlCol="0" anchor="ctr"/>
+            <a:lstStyle/>
+            <a:p>
+              <a:pPr algn="ctr"/>
+              <a:endParaRPr lang="en-CN">
+                <a:solidFill>
+                  <a:schemeClr val="tx1"/>
+                </a:solidFill>
+              </a:endParaRPr>
+            </a:p>
+          </p:txBody>
+        </p:sp>
+        <p:sp>
+          <p:nvSpPr>
+            <p:cNvPr id="7" name="Cross 6">
+              <a:extLst>
+                <a:ext uri="{FF2B5EF4-FFF2-40B4-BE49-F238E27FC236}">
+                  <a16:creationId xmlns:a16="http://schemas.microsoft.com/office/drawing/2014/main" id="{CCB71F86-1551-6A2B-DF4E-83637C9E2677}"/>
+                </a:ext>
+              </a:extLst>
+            </p:cNvPr>
+            <p:cNvSpPr/>
+            <p:nvPr/>
+          </p:nvSpPr>
+          <p:spPr>
+            <a:xfrm>
+              <a:off x="2085252" y="2917758"/>
+              <a:ext cx="180000" cy="180000"/>
+            </a:xfrm>
+            <a:prstGeom prst="plus">
+              <a:avLst>
+                <a:gd name="adj" fmla="val 33021"/>
+              </a:avLst>
+            </a:prstGeom>
+            <a:solidFill>
+              <a:schemeClr val="tx1"/>
+            </a:solidFill>
+            <a:ln>
+              <a:noFill/>
+            </a:ln>
+          </p:spPr>
+          <p:style>
+            <a:lnRef idx="2">
+              <a:schemeClr val="accent1">
+                <a:shade val="50000"/>
+              </a:schemeClr>
+            </a:lnRef>
+            <a:fillRef idx="1">
+              <a:schemeClr val="accent1"/>
+            </a:fillRef>
+            <a:effectRef idx="0">
+              <a:schemeClr val="accent1"/>
+            </a:effectRef>
+            <a:fontRef idx="minor">
+              <a:schemeClr val="lt1"/>
+            </a:fontRef>
+          </p:style>
+          <p:txBody>
+            <a:bodyPr rtlCol="0" anchor="ctr"/>
+            <a:lstStyle/>
+            <a:p>
+              <a:pPr algn="ctr"/>
+              <a:endParaRPr lang="en-CN">
+                <a:solidFill>
+                  <a:schemeClr val="tx1"/>
+                </a:solidFill>
+              </a:endParaRPr>
+            </a:p>
+          </p:txBody>
+        </p:sp>
       </p:grpSp>
-      <p:sp>
-        <p:nvSpPr>
-          <p:cNvPr id="4" name="Cross 3">
-            <a:extLst>
-              <a:ext uri="{FF2B5EF4-FFF2-40B4-BE49-F238E27FC236}">
-                <a16:creationId xmlns:a16="http://schemas.microsoft.com/office/drawing/2014/main" id="{EFACD865-540B-3789-BD03-29C7FE8C86A6}"/>
-              </a:ext>
-            </a:extLst>
-          </p:cNvPr>
-          <p:cNvSpPr/>
-          <p:nvPr/>
-        </p:nvSpPr>
-        <p:spPr>
-          <a:xfrm>
-            <a:off x="6575079" y="2737758"/>
-            <a:ext cx="180000" cy="180000"/>
-          </a:xfrm>
-          <a:prstGeom prst="plus">
-            <a:avLst>
-              <a:gd name="adj" fmla="val 33021"/>
-            </a:avLst>
-          </a:prstGeom>
-          <a:solidFill>
-            <a:schemeClr val="tx1"/>
-          </a:solidFill>
-          <a:ln>
-            <a:noFill/>
-          </a:ln>
-        </p:spPr>
-        <p:style>
-          <a:lnRef idx="2">
-            <a:schemeClr val="accent1">
-              <a:shade val="50000"/>
-            </a:schemeClr>
-          </a:lnRef>
-          <a:fillRef idx="1">
-            <a:schemeClr val="accent1"/>
-          </a:fillRef>
-          <a:effectRef idx="0">
-            <a:schemeClr val="accent1"/>
-          </a:effectRef>
-          <a:fontRef idx="minor">
-            <a:schemeClr val="lt1"/>
-          </a:fontRef>
-        </p:style>
-        <p:txBody>
-          <a:bodyPr rtlCol="0" anchor="ctr"/>
-          <a:lstStyle/>
-          <a:p>
-            <a:pPr algn="ctr"/>
-            <a:endParaRPr lang="en-CN">
-              <a:solidFill>
-                <a:schemeClr val="tx1"/>
-              </a:solidFill>
-            </a:endParaRPr>
-          </a:p>
-        </p:txBody>
-      </p:sp>
-      <p:sp>
-        <p:nvSpPr>
-          <p:cNvPr id="7" name="Cross 6">
-            <a:extLst>
-              <a:ext uri="{FF2B5EF4-FFF2-40B4-BE49-F238E27FC236}">
-                <a16:creationId xmlns:a16="http://schemas.microsoft.com/office/drawing/2014/main" id="{CCB71F86-1551-6A2B-DF4E-83637C9E2677}"/>
-              </a:ext>
-            </a:extLst>
-          </p:cNvPr>
-          <p:cNvSpPr/>
-          <p:nvPr/>
-        </p:nvSpPr>
-        <p:spPr>
-          <a:xfrm>
-            <a:off x="2085252" y="2917758"/>
-            <a:ext cx="180000" cy="180000"/>
-          </a:xfrm>
-          <a:prstGeom prst="plus">
-            <a:avLst>
-              <a:gd name="adj" fmla="val 33021"/>
-            </a:avLst>
-          </a:prstGeom>
-          <a:solidFill>
-            <a:schemeClr val="tx1"/>
-          </a:solidFill>
-          <a:ln>
-            <a:noFill/>
-          </a:ln>
-        </p:spPr>
-        <p:style>
-          <a:lnRef idx="2">
-            <a:schemeClr val="accent1">
-              <a:shade val="50000"/>
-            </a:schemeClr>
-          </a:lnRef>
-          <a:fillRef idx="1">
-            <a:schemeClr val="accent1"/>
-          </a:fillRef>
-          <a:effectRef idx="0">
-            <a:schemeClr val="accent1"/>
-          </a:effectRef>
-          <a:fontRef idx="minor">
-            <a:schemeClr val="lt1"/>
-          </a:fontRef>
-        </p:style>
-        <p:txBody>
-          <a:bodyPr rtlCol="0" anchor="ctr"/>
-          <a:lstStyle/>
-          <a:p>
-            <a:pPr algn="ctr"/>
-            <a:endParaRPr lang="en-CN">
-              <a:solidFill>
-                <a:schemeClr val="tx1"/>
-              </a:solidFill>
-            </a:endParaRPr>
-          </a:p>
-        </p:txBody>
-      </p:sp>
     </p:spTree>
     <p:extLst>
       <p:ext uri="{BB962C8B-B14F-4D97-AF65-F5344CB8AC3E}">
@@ -11738,10 +11734,10 @@
       </p:grpSpPr>
       <p:grpSp>
         <p:nvGrpSpPr>
-          <p:cNvPr id="2" name="Group 1">
+          <p:cNvPr id="8" name="Group 7">
             <a:extLst>
               <a:ext uri="{FF2B5EF4-FFF2-40B4-BE49-F238E27FC236}">
-                <a16:creationId xmlns:a16="http://schemas.microsoft.com/office/drawing/2014/main" id="{9A97242E-F0B3-F80F-2830-863B0C559596}"/>
+                <a16:creationId xmlns:a16="http://schemas.microsoft.com/office/drawing/2014/main" id="{882CA3E6-EF37-B73D-B453-0B360DE5D8BE}"/>
               </a:ext>
             </a:extLst>
           </p:cNvPr>
@@ -12031,7 +12027,7 @@
             <a:prstGeom prst="straightConnector1">
               <a:avLst/>
             </a:prstGeom>
-            <a:ln w="25400">
+            <a:ln w="19050">
               <a:solidFill>
                 <a:schemeClr val="tx1"/>
               </a:solidFill>
@@ -12394,123 +12390,123 @@
             </p:txBody>
           </p:sp>
         </p:grpSp>
+        <p:sp>
+          <p:nvSpPr>
+            <p:cNvPr id="4" name="Cross 3">
+              <a:extLst>
+                <a:ext uri="{FF2B5EF4-FFF2-40B4-BE49-F238E27FC236}">
+                  <a16:creationId xmlns:a16="http://schemas.microsoft.com/office/drawing/2014/main" id="{BE35B54C-3653-6856-AAC1-4C29262540BA}"/>
+                </a:ext>
+              </a:extLst>
+            </p:cNvPr>
+            <p:cNvSpPr/>
+            <p:nvPr/>
+          </p:nvSpPr>
+          <p:spPr>
+            <a:xfrm>
+              <a:off x="6575079" y="2737758"/>
+              <a:ext cx="180000" cy="180000"/>
+            </a:xfrm>
+            <a:prstGeom prst="plus">
+              <a:avLst>
+                <a:gd name="adj" fmla="val 33021"/>
+              </a:avLst>
+            </a:prstGeom>
+            <a:solidFill>
+              <a:schemeClr val="tx1"/>
+            </a:solidFill>
+            <a:ln>
+              <a:noFill/>
+            </a:ln>
+          </p:spPr>
+          <p:style>
+            <a:lnRef idx="2">
+              <a:schemeClr val="accent1">
+                <a:shade val="50000"/>
+              </a:schemeClr>
+            </a:lnRef>
+            <a:fillRef idx="1">
+              <a:schemeClr val="accent1"/>
+            </a:fillRef>
+            <a:effectRef idx="0">
+              <a:schemeClr val="accent1"/>
+            </a:effectRef>
+            <a:fontRef idx="minor">
+              <a:schemeClr val="lt1"/>
+            </a:fontRef>
+          </p:style>
+          <p:txBody>
+            <a:bodyPr rtlCol="0" anchor="ctr"/>
+            <a:lstStyle/>
+            <a:p>
+              <a:pPr algn="ctr"/>
+              <a:endParaRPr lang="en-CN">
+                <a:solidFill>
+                  <a:schemeClr val="tx1"/>
+                </a:solidFill>
+              </a:endParaRPr>
+            </a:p>
+          </p:txBody>
+        </p:sp>
+        <p:sp>
+          <p:nvSpPr>
+            <p:cNvPr id="7" name="Cross 6">
+              <a:extLst>
+                <a:ext uri="{FF2B5EF4-FFF2-40B4-BE49-F238E27FC236}">
+                  <a16:creationId xmlns:a16="http://schemas.microsoft.com/office/drawing/2014/main" id="{4D81C3B3-5ED2-0845-EDB7-4FD5F3C8A947}"/>
+                </a:ext>
+              </a:extLst>
+            </p:cNvPr>
+            <p:cNvSpPr/>
+            <p:nvPr/>
+          </p:nvSpPr>
+          <p:spPr>
+            <a:xfrm>
+              <a:off x="2085252" y="2917758"/>
+              <a:ext cx="180000" cy="180000"/>
+            </a:xfrm>
+            <a:prstGeom prst="plus">
+              <a:avLst>
+                <a:gd name="adj" fmla="val 33021"/>
+              </a:avLst>
+            </a:prstGeom>
+            <a:solidFill>
+              <a:schemeClr val="tx1"/>
+            </a:solidFill>
+            <a:ln>
+              <a:noFill/>
+            </a:ln>
+          </p:spPr>
+          <p:style>
+            <a:lnRef idx="2">
+              <a:schemeClr val="accent1">
+                <a:shade val="50000"/>
+              </a:schemeClr>
+            </a:lnRef>
+            <a:fillRef idx="1">
+              <a:schemeClr val="accent1"/>
+            </a:fillRef>
+            <a:effectRef idx="0">
+              <a:schemeClr val="accent1"/>
+            </a:effectRef>
+            <a:fontRef idx="minor">
+              <a:schemeClr val="lt1"/>
+            </a:fontRef>
+          </p:style>
+          <p:txBody>
+            <a:bodyPr rtlCol="0" anchor="ctr"/>
+            <a:lstStyle/>
+            <a:p>
+              <a:pPr algn="ctr"/>
+              <a:endParaRPr lang="en-CN">
+                <a:solidFill>
+                  <a:schemeClr val="tx1"/>
+                </a:solidFill>
+              </a:endParaRPr>
+            </a:p>
+          </p:txBody>
+        </p:sp>
       </p:grpSp>
-      <p:sp>
-        <p:nvSpPr>
-          <p:cNvPr id="4" name="Cross 3">
-            <a:extLst>
-              <a:ext uri="{FF2B5EF4-FFF2-40B4-BE49-F238E27FC236}">
-                <a16:creationId xmlns:a16="http://schemas.microsoft.com/office/drawing/2014/main" id="{BE35B54C-3653-6856-AAC1-4C29262540BA}"/>
-              </a:ext>
-            </a:extLst>
-          </p:cNvPr>
-          <p:cNvSpPr/>
-          <p:nvPr/>
-        </p:nvSpPr>
-        <p:spPr>
-          <a:xfrm>
-            <a:off x="6575079" y="2737758"/>
-            <a:ext cx="180000" cy="180000"/>
-          </a:xfrm>
-          <a:prstGeom prst="plus">
-            <a:avLst>
-              <a:gd name="adj" fmla="val 33021"/>
-            </a:avLst>
-          </a:prstGeom>
-          <a:solidFill>
-            <a:schemeClr val="tx1"/>
-          </a:solidFill>
-          <a:ln>
-            <a:noFill/>
-          </a:ln>
-        </p:spPr>
-        <p:style>
-          <a:lnRef idx="2">
-            <a:schemeClr val="accent1">
-              <a:shade val="50000"/>
-            </a:schemeClr>
-          </a:lnRef>
-          <a:fillRef idx="1">
-            <a:schemeClr val="accent1"/>
-          </a:fillRef>
-          <a:effectRef idx="0">
-            <a:schemeClr val="accent1"/>
-          </a:effectRef>
-          <a:fontRef idx="minor">
-            <a:schemeClr val="lt1"/>
-          </a:fontRef>
-        </p:style>
-        <p:txBody>
-          <a:bodyPr rtlCol="0" anchor="ctr"/>
-          <a:lstStyle/>
-          <a:p>
-            <a:pPr algn="ctr"/>
-            <a:endParaRPr lang="en-CN">
-              <a:solidFill>
-                <a:schemeClr val="tx1"/>
-              </a:solidFill>
-            </a:endParaRPr>
-          </a:p>
-        </p:txBody>
-      </p:sp>
-      <p:sp>
-        <p:nvSpPr>
-          <p:cNvPr id="7" name="Cross 6">
-            <a:extLst>
-              <a:ext uri="{FF2B5EF4-FFF2-40B4-BE49-F238E27FC236}">
-                <a16:creationId xmlns:a16="http://schemas.microsoft.com/office/drawing/2014/main" id="{4D81C3B3-5ED2-0845-EDB7-4FD5F3C8A947}"/>
-              </a:ext>
-            </a:extLst>
-          </p:cNvPr>
-          <p:cNvSpPr/>
-          <p:nvPr/>
-        </p:nvSpPr>
-        <p:spPr>
-          <a:xfrm>
-            <a:off x="2085252" y="2917758"/>
-            <a:ext cx="180000" cy="180000"/>
-          </a:xfrm>
-          <a:prstGeom prst="plus">
-            <a:avLst>
-              <a:gd name="adj" fmla="val 33021"/>
-            </a:avLst>
-          </a:prstGeom>
-          <a:solidFill>
-            <a:schemeClr val="tx1"/>
-          </a:solidFill>
-          <a:ln>
-            <a:noFill/>
-          </a:ln>
-        </p:spPr>
-        <p:style>
-          <a:lnRef idx="2">
-            <a:schemeClr val="accent1">
-              <a:shade val="50000"/>
-            </a:schemeClr>
-          </a:lnRef>
-          <a:fillRef idx="1">
-            <a:schemeClr val="accent1"/>
-          </a:fillRef>
-          <a:effectRef idx="0">
-            <a:schemeClr val="accent1"/>
-          </a:effectRef>
-          <a:fontRef idx="minor">
-            <a:schemeClr val="lt1"/>
-          </a:fontRef>
-        </p:style>
-        <p:txBody>
-          <a:bodyPr rtlCol="0" anchor="ctr"/>
-          <a:lstStyle/>
-          <a:p>
-            <a:pPr algn="ctr"/>
-            <a:endParaRPr lang="en-CN">
-              <a:solidFill>
-                <a:schemeClr val="tx1"/>
-              </a:solidFill>
-            </a:endParaRPr>
-          </a:p>
-        </p:txBody>
-      </p:sp>
     </p:spTree>
     <p:extLst>
       <p:ext uri="{BB962C8B-B14F-4D97-AF65-F5344CB8AC3E}">
@@ -12543,10 +12539,10 @@
       </p:grpSpPr>
       <p:grpSp>
         <p:nvGrpSpPr>
-          <p:cNvPr id="4" name="Group 3">
+          <p:cNvPr id="8" name="Group 7">
             <a:extLst>
               <a:ext uri="{FF2B5EF4-FFF2-40B4-BE49-F238E27FC236}">
-                <a16:creationId xmlns:a16="http://schemas.microsoft.com/office/drawing/2014/main" id="{DDA8FBC4-CA9C-4841-432F-D684C0A1347D}"/>
+                <a16:creationId xmlns:a16="http://schemas.microsoft.com/office/drawing/2014/main" id="{F3431A2C-ADD4-45DA-332A-E93E49E74140}"/>
               </a:ext>
             </a:extLst>
           </p:cNvPr>
@@ -12555,10 +12551,10 @@
         </p:nvGrpSpPr>
         <p:grpSpPr>
           <a:xfrm>
-            <a:off x="1981200" y="2247425"/>
-            <a:ext cx="8472601" cy="1521012"/>
-            <a:chOff x="1981200" y="2247425"/>
-            <a:chExt cx="8472601" cy="1521012"/>
+            <a:off x="1981200" y="2876394"/>
+            <a:ext cx="8472601" cy="1532124"/>
+            <a:chOff x="1981200" y="2876394"/>
+            <a:chExt cx="8472601" cy="1532124"/>
           </a:xfrm>
         </p:grpSpPr>
         <p:grpSp>
@@ -12575,7 +12571,7 @@
           </p:nvGrpSpPr>
           <p:grpSpPr>
             <a:xfrm>
-              <a:off x="1981200" y="2364301"/>
+              <a:off x="1981200" y="3004382"/>
               <a:ext cx="2977350" cy="1064694"/>
               <a:chOff x="1488974" y="3906297"/>
               <a:chExt cx="1803118" cy="734665"/>
@@ -12802,7 +12798,7 @@
           </p:nvGrpSpPr>
           <p:grpSpPr>
             <a:xfrm>
-              <a:off x="7476452" y="2364299"/>
+              <a:off x="7476452" y="3004380"/>
               <a:ext cx="2977349" cy="1404138"/>
               <a:chOff x="9132407" y="3125108"/>
               <a:chExt cx="2302184" cy="968890"/>
@@ -13084,13 +13080,13 @@
           </p:nvCxnSpPr>
           <p:spPr>
             <a:xfrm>
-              <a:off x="4958550" y="2676138"/>
+              <a:off x="4958550" y="3316219"/>
               <a:ext cx="2517901" cy="3"/>
             </a:xfrm>
             <a:prstGeom prst="straightConnector1">
               <a:avLst/>
             </a:prstGeom>
-            <a:ln w="25400">
+            <a:ln w="19050">
               <a:solidFill>
                 <a:schemeClr val="tx1"/>
               </a:solidFill>
@@ -13127,7 +13123,7 @@
           </p:nvSpPr>
           <p:spPr>
             <a:xfrm>
-              <a:off x="5188809" y="2247425"/>
+              <a:off x="5188809" y="2887506"/>
               <a:ext cx="2057383" cy="338554"/>
             </a:xfrm>
             <a:prstGeom prst="rect">
@@ -13170,7 +13166,7 @@
           </p:nvSpPr>
           <p:spPr>
             <a:xfrm>
-              <a:off x="5070083" y="2766302"/>
+              <a:off x="5070083" y="3406383"/>
               <a:ext cx="2294832" cy="307777"/>
             </a:xfrm>
             <a:prstGeom prst="rect">
@@ -13227,123 +13223,123 @@
             </a:p>
           </p:txBody>
         </p:sp>
+        <p:sp>
+          <p:nvSpPr>
+            <p:cNvPr id="2" name="Cross 1">
+              <a:extLst>
+                <a:ext uri="{FF2B5EF4-FFF2-40B4-BE49-F238E27FC236}">
+                  <a16:creationId xmlns:a16="http://schemas.microsoft.com/office/drawing/2014/main" id="{2C92516A-FF90-A754-0835-287CDB73D16A}"/>
+                </a:ext>
+              </a:extLst>
+            </p:cNvPr>
+            <p:cNvSpPr/>
+            <p:nvPr/>
+          </p:nvSpPr>
+          <p:spPr>
+            <a:xfrm>
+              <a:off x="6535751" y="2876394"/>
+              <a:ext cx="180000" cy="180000"/>
+            </a:xfrm>
+            <a:prstGeom prst="plus">
+              <a:avLst>
+                <a:gd name="adj" fmla="val 33021"/>
+              </a:avLst>
+            </a:prstGeom>
+            <a:solidFill>
+              <a:schemeClr val="tx1"/>
+            </a:solidFill>
+            <a:ln>
+              <a:noFill/>
+            </a:ln>
+          </p:spPr>
+          <p:style>
+            <a:lnRef idx="2">
+              <a:schemeClr val="accent1">
+                <a:shade val="50000"/>
+              </a:schemeClr>
+            </a:lnRef>
+            <a:fillRef idx="1">
+              <a:schemeClr val="accent1"/>
+            </a:fillRef>
+            <a:effectRef idx="0">
+              <a:schemeClr val="accent1"/>
+            </a:effectRef>
+            <a:fontRef idx="minor">
+              <a:schemeClr val="lt1"/>
+            </a:fontRef>
+          </p:style>
+          <p:txBody>
+            <a:bodyPr rtlCol="0" anchor="ctr"/>
+            <a:lstStyle/>
+            <a:p>
+              <a:pPr algn="ctr"/>
+              <a:endParaRPr lang="en-CN">
+                <a:solidFill>
+                  <a:schemeClr val="tx1"/>
+                </a:solidFill>
+              </a:endParaRPr>
+            </a:p>
+          </p:txBody>
+        </p:sp>
+        <p:sp>
+          <p:nvSpPr>
+            <p:cNvPr id="7" name="Cross 6">
+              <a:extLst>
+                <a:ext uri="{FF2B5EF4-FFF2-40B4-BE49-F238E27FC236}">
+                  <a16:creationId xmlns:a16="http://schemas.microsoft.com/office/drawing/2014/main" id="{E28E2677-B5CC-E9CE-BDD2-8E9D216DCFC5}"/>
+                </a:ext>
+              </a:extLst>
+            </p:cNvPr>
+            <p:cNvSpPr/>
+            <p:nvPr/>
+          </p:nvSpPr>
+          <p:spPr>
+            <a:xfrm>
+              <a:off x="7561820" y="3066226"/>
+              <a:ext cx="180000" cy="180000"/>
+            </a:xfrm>
+            <a:prstGeom prst="plus">
+              <a:avLst>
+                <a:gd name="adj" fmla="val 33021"/>
+              </a:avLst>
+            </a:prstGeom>
+            <a:solidFill>
+              <a:schemeClr val="tx1"/>
+            </a:solidFill>
+            <a:ln>
+              <a:noFill/>
+            </a:ln>
+          </p:spPr>
+          <p:style>
+            <a:lnRef idx="2">
+              <a:schemeClr val="accent1">
+                <a:shade val="50000"/>
+              </a:schemeClr>
+            </a:lnRef>
+            <a:fillRef idx="1">
+              <a:schemeClr val="accent1"/>
+            </a:fillRef>
+            <a:effectRef idx="0">
+              <a:schemeClr val="accent1"/>
+            </a:effectRef>
+            <a:fontRef idx="minor">
+              <a:schemeClr val="lt1"/>
+            </a:fontRef>
+          </p:style>
+          <p:txBody>
+            <a:bodyPr rtlCol="0" anchor="ctr"/>
+            <a:lstStyle/>
+            <a:p>
+              <a:pPr algn="ctr"/>
+              <a:endParaRPr lang="en-CN">
+                <a:solidFill>
+                  <a:schemeClr val="tx1"/>
+                </a:solidFill>
+              </a:endParaRPr>
+            </a:p>
+          </p:txBody>
+        </p:sp>
       </p:grpSp>
-      <p:sp>
-        <p:nvSpPr>
-          <p:cNvPr id="2" name="Cross 1">
-            <a:extLst>
-              <a:ext uri="{FF2B5EF4-FFF2-40B4-BE49-F238E27FC236}">
-                <a16:creationId xmlns:a16="http://schemas.microsoft.com/office/drawing/2014/main" id="{2C92516A-FF90-A754-0835-287CDB73D16A}"/>
-              </a:ext>
-            </a:extLst>
-          </p:cNvPr>
-          <p:cNvSpPr/>
-          <p:nvPr/>
-        </p:nvSpPr>
-        <p:spPr>
-          <a:xfrm>
-            <a:off x="6535751" y="2236313"/>
-            <a:ext cx="180000" cy="180000"/>
-          </a:xfrm>
-          <a:prstGeom prst="plus">
-            <a:avLst>
-              <a:gd name="adj" fmla="val 33021"/>
-            </a:avLst>
-          </a:prstGeom>
-          <a:solidFill>
-            <a:schemeClr val="tx1"/>
-          </a:solidFill>
-          <a:ln>
-            <a:noFill/>
-          </a:ln>
-        </p:spPr>
-        <p:style>
-          <a:lnRef idx="2">
-            <a:schemeClr val="accent1">
-              <a:shade val="50000"/>
-            </a:schemeClr>
-          </a:lnRef>
-          <a:fillRef idx="1">
-            <a:schemeClr val="accent1"/>
-          </a:fillRef>
-          <a:effectRef idx="0">
-            <a:schemeClr val="accent1"/>
-          </a:effectRef>
-          <a:fontRef idx="minor">
-            <a:schemeClr val="lt1"/>
-          </a:fontRef>
-        </p:style>
-        <p:txBody>
-          <a:bodyPr rtlCol="0" anchor="ctr"/>
-          <a:lstStyle/>
-          <a:p>
-            <a:pPr algn="ctr"/>
-            <a:endParaRPr lang="en-CN">
-              <a:solidFill>
-                <a:schemeClr val="tx1"/>
-              </a:solidFill>
-            </a:endParaRPr>
-          </a:p>
-        </p:txBody>
-      </p:sp>
-      <p:sp>
-        <p:nvSpPr>
-          <p:cNvPr id="7" name="Cross 6">
-            <a:extLst>
-              <a:ext uri="{FF2B5EF4-FFF2-40B4-BE49-F238E27FC236}">
-                <a16:creationId xmlns:a16="http://schemas.microsoft.com/office/drawing/2014/main" id="{E28E2677-B5CC-E9CE-BDD2-8E9D216DCFC5}"/>
-              </a:ext>
-            </a:extLst>
-          </p:cNvPr>
-          <p:cNvSpPr/>
-          <p:nvPr/>
-        </p:nvSpPr>
-        <p:spPr>
-          <a:xfrm>
-            <a:off x="7561820" y="2426145"/>
-            <a:ext cx="180000" cy="180000"/>
-          </a:xfrm>
-          <a:prstGeom prst="plus">
-            <a:avLst>
-              <a:gd name="adj" fmla="val 33021"/>
-            </a:avLst>
-          </a:prstGeom>
-          <a:solidFill>
-            <a:schemeClr val="tx1"/>
-          </a:solidFill>
-          <a:ln>
-            <a:noFill/>
-          </a:ln>
-        </p:spPr>
-        <p:style>
-          <a:lnRef idx="2">
-            <a:schemeClr val="accent1">
-              <a:shade val="50000"/>
-            </a:schemeClr>
-          </a:lnRef>
-          <a:fillRef idx="1">
-            <a:schemeClr val="accent1"/>
-          </a:fillRef>
-          <a:effectRef idx="0">
-            <a:schemeClr val="accent1"/>
-          </a:effectRef>
-          <a:fontRef idx="minor">
-            <a:schemeClr val="lt1"/>
-          </a:fontRef>
-        </p:style>
-        <p:txBody>
-          <a:bodyPr rtlCol="0" anchor="ctr"/>
-          <a:lstStyle/>
-          <a:p>
-            <a:pPr algn="ctr"/>
-            <a:endParaRPr lang="en-CN">
-              <a:solidFill>
-                <a:schemeClr val="tx1"/>
-              </a:solidFill>
-            </a:endParaRPr>
-          </a:p>
-        </p:txBody>
-      </p:sp>
     </p:spTree>
     <p:extLst>
       <p:ext uri="{BB962C8B-B14F-4D97-AF65-F5344CB8AC3E}">
@@ -13376,10 +13372,10 @@
       </p:grpSpPr>
       <p:grpSp>
         <p:nvGrpSpPr>
-          <p:cNvPr id="2" name="Group 1">
+          <p:cNvPr id="8" name="Group 7">
             <a:extLst>
               <a:ext uri="{FF2B5EF4-FFF2-40B4-BE49-F238E27FC236}">
-                <a16:creationId xmlns:a16="http://schemas.microsoft.com/office/drawing/2014/main" id="{74A315EB-A0E3-8C7D-5149-B2A1EEA03A9A}"/>
+                <a16:creationId xmlns:a16="http://schemas.microsoft.com/office/drawing/2014/main" id="{CBF08C8C-D120-6F9C-0240-3F6845DBB350}"/>
               </a:ext>
             </a:extLst>
           </p:cNvPr>
@@ -13388,10 +13384,10 @@
         </p:nvGrpSpPr>
         <p:grpSpPr>
           <a:xfrm>
-            <a:off x="1852279" y="2790825"/>
-            <a:ext cx="8487442" cy="1276350"/>
-            <a:chOff x="2003503" y="2737758"/>
-            <a:chExt cx="8487442" cy="1276350"/>
+            <a:off x="1878405" y="2897885"/>
+            <a:ext cx="8487442" cy="1299920"/>
+            <a:chOff x="1878405" y="2897885"/>
+            <a:chExt cx="8487442" cy="1299920"/>
           </a:xfrm>
         </p:grpSpPr>
         <p:grpSp>
@@ -13408,7 +13404,7 @@
           </p:nvGrpSpPr>
           <p:grpSpPr>
             <a:xfrm>
-              <a:off x="2003503" y="2854630"/>
+              <a:off x="1878405" y="3038327"/>
               <a:ext cx="2977350" cy="1159478"/>
               <a:chOff x="1488974" y="3906297"/>
               <a:chExt cx="1803118" cy="800069"/>
@@ -13639,13 +13635,13 @@
           </p:nvCxnSpPr>
           <p:spPr>
             <a:xfrm flipV="1">
-              <a:off x="4980853" y="3161102"/>
+              <a:off x="4855755" y="3344799"/>
               <a:ext cx="2532742" cy="5369"/>
             </a:xfrm>
             <a:prstGeom prst="straightConnector1">
               <a:avLst/>
             </a:prstGeom>
-            <a:ln w="25400">
+            <a:ln w="19050">
               <a:solidFill>
                 <a:schemeClr val="tx1"/>
               </a:solidFill>
@@ -13682,7 +13678,7 @@
           </p:nvSpPr>
           <p:spPr>
             <a:xfrm>
-              <a:off x="5211112" y="2737758"/>
+              <a:off x="5086014" y="2921455"/>
               <a:ext cx="2057383" cy="338554"/>
             </a:xfrm>
             <a:prstGeom prst="rect">
@@ -13725,7 +13721,7 @@
           </p:nvSpPr>
           <p:spPr>
             <a:xfrm>
-              <a:off x="5092386" y="3256635"/>
+              <a:off x="4967288" y="3440332"/>
               <a:ext cx="2294832" cy="523220"/>
             </a:xfrm>
             <a:prstGeom prst="rect">
@@ -13834,7 +13830,7 @@
           </p:nvGrpSpPr>
           <p:grpSpPr>
             <a:xfrm>
-              <a:off x="7513595" y="2849261"/>
+              <a:off x="7388497" y="3032958"/>
               <a:ext cx="2977350" cy="1159478"/>
               <a:chOff x="1488974" y="3906297"/>
               <a:chExt cx="1803118" cy="800069"/>
@@ -14018,123 +14014,123 @@
             </p:txBody>
           </p:sp>
         </p:grpSp>
+        <p:sp>
+          <p:nvSpPr>
+            <p:cNvPr id="4" name="Cross 3">
+              <a:extLst>
+                <a:ext uri="{FF2B5EF4-FFF2-40B4-BE49-F238E27FC236}">
+                  <a16:creationId xmlns:a16="http://schemas.microsoft.com/office/drawing/2014/main" id="{94A17D3B-E94A-0ED9-925A-2B1A9477FA5A}"/>
+                </a:ext>
+              </a:extLst>
+            </p:cNvPr>
+            <p:cNvSpPr/>
+            <p:nvPr/>
+          </p:nvSpPr>
+          <p:spPr>
+            <a:xfrm>
+              <a:off x="6512716" y="2897885"/>
+              <a:ext cx="180000" cy="180000"/>
+            </a:xfrm>
+            <a:prstGeom prst="plus">
+              <a:avLst>
+                <a:gd name="adj" fmla="val 33021"/>
+              </a:avLst>
+            </a:prstGeom>
+            <a:solidFill>
+              <a:schemeClr val="tx1"/>
+            </a:solidFill>
+            <a:ln>
+              <a:noFill/>
+            </a:ln>
+          </p:spPr>
+          <p:style>
+            <a:lnRef idx="2">
+              <a:schemeClr val="accent1">
+                <a:shade val="50000"/>
+              </a:schemeClr>
+            </a:lnRef>
+            <a:fillRef idx="1">
+              <a:schemeClr val="accent1"/>
+            </a:fillRef>
+            <a:effectRef idx="0">
+              <a:schemeClr val="accent1"/>
+            </a:effectRef>
+            <a:fontRef idx="minor">
+              <a:schemeClr val="lt1"/>
+            </a:fontRef>
+          </p:style>
+          <p:txBody>
+            <a:bodyPr rtlCol="0" anchor="ctr"/>
+            <a:lstStyle/>
+            <a:p>
+              <a:pPr algn="ctr"/>
+              <a:endParaRPr lang="en-CN">
+                <a:solidFill>
+                  <a:schemeClr val="tx1"/>
+                </a:solidFill>
+              </a:endParaRPr>
+            </a:p>
+          </p:txBody>
+        </p:sp>
+        <p:sp>
+          <p:nvSpPr>
+            <p:cNvPr id="7" name="Cross 6">
+              <a:extLst>
+                <a:ext uri="{FF2B5EF4-FFF2-40B4-BE49-F238E27FC236}">
+                  <a16:creationId xmlns:a16="http://schemas.microsoft.com/office/drawing/2014/main" id="{5A219355-574B-9392-FB7C-ADE9FDBCE4AC}"/>
+                </a:ext>
+              </a:extLst>
+            </p:cNvPr>
+            <p:cNvSpPr/>
+            <p:nvPr/>
+          </p:nvSpPr>
+          <p:spPr>
+            <a:xfrm>
+              <a:off x="7479793" y="3087717"/>
+              <a:ext cx="180000" cy="180000"/>
+            </a:xfrm>
+            <a:prstGeom prst="plus">
+              <a:avLst>
+                <a:gd name="adj" fmla="val 33021"/>
+              </a:avLst>
+            </a:prstGeom>
+            <a:solidFill>
+              <a:schemeClr val="tx1"/>
+            </a:solidFill>
+            <a:ln>
+              <a:noFill/>
+            </a:ln>
+          </p:spPr>
+          <p:style>
+            <a:lnRef idx="2">
+              <a:schemeClr val="accent1">
+                <a:shade val="50000"/>
+              </a:schemeClr>
+            </a:lnRef>
+            <a:fillRef idx="1">
+              <a:schemeClr val="accent1"/>
+            </a:fillRef>
+            <a:effectRef idx="0">
+              <a:schemeClr val="accent1"/>
+            </a:effectRef>
+            <a:fontRef idx="minor">
+              <a:schemeClr val="lt1"/>
+            </a:fontRef>
+          </p:style>
+          <p:txBody>
+            <a:bodyPr rtlCol="0" anchor="ctr"/>
+            <a:lstStyle/>
+            <a:p>
+              <a:pPr algn="ctr"/>
+              <a:endParaRPr lang="en-CN">
+                <a:solidFill>
+                  <a:schemeClr val="tx1"/>
+                </a:solidFill>
+              </a:endParaRPr>
+            </a:p>
+          </p:txBody>
+        </p:sp>
       </p:grpSp>
-      <p:sp>
-        <p:nvSpPr>
-          <p:cNvPr id="4" name="Cross 3">
-            <a:extLst>
-              <a:ext uri="{FF2B5EF4-FFF2-40B4-BE49-F238E27FC236}">
-                <a16:creationId xmlns:a16="http://schemas.microsoft.com/office/drawing/2014/main" id="{94A17D3B-E94A-0ED9-925A-2B1A9477FA5A}"/>
-              </a:ext>
-            </a:extLst>
-          </p:cNvPr>
-          <p:cNvSpPr/>
-          <p:nvPr/>
-        </p:nvSpPr>
-        <p:spPr>
-          <a:xfrm>
-            <a:off x="6486590" y="2767255"/>
-            <a:ext cx="180000" cy="180000"/>
-          </a:xfrm>
-          <a:prstGeom prst="plus">
-            <a:avLst>
-              <a:gd name="adj" fmla="val 33021"/>
-            </a:avLst>
-          </a:prstGeom>
-          <a:solidFill>
-            <a:schemeClr val="tx1"/>
-          </a:solidFill>
-          <a:ln>
-            <a:noFill/>
-          </a:ln>
-        </p:spPr>
-        <p:style>
-          <a:lnRef idx="2">
-            <a:schemeClr val="accent1">
-              <a:shade val="50000"/>
-            </a:schemeClr>
-          </a:lnRef>
-          <a:fillRef idx="1">
-            <a:schemeClr val="accent1"/>
-          </a:fillRef>
-          <a:effectRef idx="0">
-            <a:schemeClr val="accent1"/>
-          </a:effectRef>
-          <a:fontRef idx="minor">
-            <a:schemeClr val="lt1"/>
-          </a:fontRef>
-        </p:style>
-        <p:txBody>
-          <a:bodyPr rtlCol="0" anchor="ctr"/>
-          <a:lstStyle/>
-          <a:p>
-            <a:pPr algn="ctr"/>
-            <a:endParaRPr lang="en-CN">
-              <a:solidFill>
-                <a:schemeClr val="tx1"/>
-              </a:solidFill>
-            </a:endParaRPr>
-          </a:p>
-        </p:txBody>
-      </p:sp>
-      <p:sp>
-        <p:nvSpPr>
-          <p:cNvPr id="7" name="Cross 6">
-            <a:extLst>
-              <a:ext uri="{FF2B5EF4-FFF2-40B4-BE49-F238E27FC236}">
-                <a16:creationId xmlns:a16="http://schemas.microsoft.com/office/drawing/2014/main" id="{5A219355-574B-9392-FB7C-ADE9FDBCE4AC}"/>
-              </a:ext>
-            </a:extLst>
-          </p:cNvPr>
-          <p:cNvSpPr/>
-          <p:nvPr/>
-        </p:nvSpPr>
-        <p:spPr>
-          <a:xfrm>
-            <a:off x="7453667" y="2957087"/>
-            <a:ext cx="180000" cy="180000"/>
-          </a:xfrm>
-          <a:prstGeom prst="plus">
-            <a:avLst>
-              <a:gd name="adj" fmla="val 33021"/>
-            </a:avLst>
-          </a:prstGeom>
-          <a:solidFill>
-            <a:schemeClr val="tx1"/>
-          </a:solidFill>
-          <a:ln>
-            <a:noFill/>
-          </a:ln>
-        </p:spPr>
-        <p:style>
-          <a:lnRef idx="2">
-            <a:schemeClr val="accent1">
-              <a:shade val="50000"/>
-            </a:schemeClr>
-          </a:lnRef>
-          <a:fillRef idx="1">
-            <a:schemeClr val="accent1"/>
-          </a:fillRef>
-          <a:effectRef idx="0">
-            <a:schemeClr val="accent1"/>
-          </a:effectRef>
-          <a:fontRef idx="minor">
-            <a:schemeClr val="lt1"/>
-          </a:fontRef>
-        </p:style>
-        <p:txBody>
-          <a:bodyPr rtlCol="0" anchor="ctr"/>
-          <a:lstStyle/>
-          <a:p>
-            <a:pPr algn="ctr"/>
-            <a:endParaRPr lang="en-CN">
-              <a:solidFill>
-                <a:schemeClr val="tx1"/>
-              </a:solidFill>
-            </a:endParaRPr>
-          </a:p>
-        </p:txBody>
-      </p:sp>
     </p:spTree>
     <p:extLst>
       <p:ext uri="{BB962C8B-B14F-4D97-AF65-F5344CB8AC3E}">
@@ -14167,10 +14163,10 @@
       </p:grpSpPr>
       <p:grpSp>
         <p:nvGrpSpPr>
-          <p:cNvPr id="2" name="Group 1">
+          <p:cNvPr id="8" name="Group 7">
             <a:extLst>
               <a:ext uri="{FF2B5EF4-FFF2-40B4-BE49-F238E27FC236}">
-                <a16:creationId xmlns:a16="http://schemas.microsoft.com/office/drawing/2014/main" id="{05C3A7B5-83CA-A947-0193-EF6CD621469B}"/>
+                <a16:creationId xmlns:a16="http://schemas.microsoft.com/office/drawing/2014/main" id="{42099A22-0AF1-084D-7874-17BE566DE353}"/>
               </a:ext>
             </a:extLst>
           </p:cNvPr>
@@ -14179,9 +14175,9 @@
         </p:nvGrpSpPr>
         <p:grpSpPr>
           <a:xfrm>
-            <a:off x="2003503" y="2737758"/>
+            <a:off x="1833684" y="2985955"/>
             <a:ext cx="8487442" cy="1276350"/>
-            <a:chOff x="2003503" y="2737758"/>
+            <a:chOff x="1833684" y="2985955"/>
             <a:chExt cx="8487442" cy="1276350"/>
           </a:xfrm>
         </p:grpSpPr>
@@ -14199,7 +14195,7 @@
           </p:nvGrpSpPr>
           <p:grpSpPr>
             <a:xfrm>
-              <a:off x="2003503" y="2854630"/>
+              <a:off x="1833684" y="3102827"/>
               <a:ext cx="2977350" cy="1159478"/>
               <a:chOff x="1488974" y="3906297"/>
               <a:chExt cx="1803118" cy="800069"/>
@@ -14430,13 +14426,13 @@
           </p:nvCxnSpPr>
           <p:spPr>
             <a:xfrm flipH="1">
-              <a:off x="4980853" y="3161102"/>
+              <a:off x="4811034" y="3409299"/>
               <a:ext cx="2532742" cy="5369"/>
             </a:xfrm>
             <a:prstGeom prst="straightConnector1">
               <a:avLst/>
             </a:prstGeom>
-            <a:ln w="25400">
+            <a:ln w="19050">
               <a:solidFill>
                 <a:schemeClr val="tx1"/>
               </a:solidFill>
@@ -14473,7 +14469,7 @@
           </p:nvSpPr>
           <p:spPr>
             <a:xfrm>
-              <a:off x="5211112" y="2737758"/>
+              <a:off x="5041293" y="2985955"/>
               <a:ext cx="2057383" cy="338554"/>
             </a:xfrm>
             <a:prstGeom prst="rect">
@@ -14516,7 +14512,7 @@
           </p:nvSpPr>
           <p:spPr>
             <a:xfrm>
-              <a:off x="5092386" y="3256635"/>
+              <a:off x="4922567" y="3504832"/>
               <a:ext cx="2294832" cy="523220"/>
             </a:xfrm>
             <a:prstGeom prst="rect">
@@ -14625,7 +14621,7 @@
           </p:nvGrpSpPr>
           <p:grpSpPr>
             <a:xfrm>
-              <a:off x="7513595" y="2849261"/>
+              <a:off x="7343776" y="3097458"/>
               <a:ext cx="2977350" cy="1159478"/>
               <a:chOff x="1488974" y="3906297"/>
               <a:chExt cx="1803118" cy="800069"/>
@@ -14809,123 +14805,123 @@
             </p:txBody>
           </p:sp>
         </p:grpSp>
+        <p:sp>
+          <p:nvSpPr>
+            <p:cNvPr id="4" name="Cross 3">
+              <a:extLst>
+                <a:ext uri="{FF2B5EF4-FFF2-40B4-BE49-F238E27FC236}">
+                  <a16:creationId xmlns:a16="http://schemas.microsoft.com/office/drawing/2014/main" id="{4189C50B-BC2C-45DB-08DB-CCF56FE4A1A2}"/>
+                </a:ext>
+              </a:extLst>
+            </p:cNvPr>
+            <p:cNvSpPr/>
+            <p:nvPr/>
+          </p:nvSpPr>
+          <p:spPr>
+            <a:xfrm>
+              <a:off x="6415094" y="3015452"/>
+              <a:ext cx="180000" cy="180000"/>
+            </a:xfrm>
+            <a:prstGeom prst="plus">
+              <a:avLst>
+                <a:gd name="adj" fmla="val 33021"/>
+              </a:avLst>
+            </a:prstGeom>
+            <a:solidFill>
+              <a:schemeClr val="tx1"/>
+            </a:solidFill>
+            <a:ln>
+              <a:noFill/>
+            </a:ln>
+          </p:spPr>
+          <p:style>
+            <a:lnRef idx="2">
+              <a:schemeClr val="accent1">
+                <a:shade val="50000"/>
+              </a:schemeClr>
+            </a:lnRef>
+            <a:fillRef idx="1">
+              <a:schemeClr val="accent1"/>
+            </a:fillRef>
+            <a:effectRef idx="0">
+              <a:schemeClr val="accent1"/>
+            </a:effectRef>
+            <a:fontRef idx="minor">
+              <a:schemeClr val="lt1"/>
+            </a:fontRef>
+          </p:style>
+          <p:txBody>
+            <a:bodyPr rtlCol="0" anchor="ctr"/>
+            <a:lstStyle/>
+            <a:p>
+              <a:pPr algn="ctr"/>
+              <a:endParaRPr lang="en-CN">
+                <a:solidFill>
+                  <a:schemeClr val="tx1"/>
+                </a:solidFill>
+              </a:endParaRPr>
+            </a:p>
+          </p:txBody>
+        </p:sp>
+        <p:sp>
+          <p:nvSpPr>
+            <p:cNvPr id="7" name="Cross 6">
+              <a:extLst>
+                <a:ext uri="{FF2B5EF4-FFF2-40B4-BE49-F238E27FC236}">
+                  <a16:creationId xmlns:a16="http://schemas.microsoft.com/office/drawing/2014/main" id="{0141C050-1173-7F60-7772-917311FF5ED1}"/>
+                </a:ext>
+              </a:extLst>
+            </p:cNvPr>
+            <p:cNvSpPr/>
+            <p:nvPr/>
+          </p:nvSpPr>
+          <p:spPr>
+            <a:xfrm>
+              <a:off x="7421499" y="3165956"/>
+              <a:ext cx="180000" cy="180000"/>
+            </a:xfrm>
+            <a:prstGeom prst="plus">
+              <a:avLst>
+                <a:gd name="adj" fmla="val 33021"/>
+              </a:avLst>
+            </a:prstGeom>
+            <a:solidFill>
+              <a:schemeClr val="tx1"/>
+            </a:solidFill>
+            <a:ln>
+              <a:noFill/>
+            </a:ln>
+          </p:spPr>
+          <p:style>
+            <a:lnRef idx="2">
+              <a:schemeClr val="accent1">
+                <a:shade val="50000"/>
+              </a:schemeClr>
+            </a:lnRef>
+            <a:fillRef idx="1">
+              <a:schemeClr val="accent1"/>
+            </a:fillRef>
+            <a:effectRef idx="0">
+              <a:schemeClr val="accent1"/>
+            </a:effectRef>
+            <a:fontRef idx="minor">
+              <a:schemeClr val="lt1"/>
+            </a:fontRef>
+          </p:style>
+          <p:txBody>
+            <a:bodyPr rtlCol="0" anchor="ctr"/>
+            <a:lstStyle/>
+            <a:p>
+              <a:pPr algn="ctr"/>
+              <a:endParaRPr lang="en-CN">
+                <a:solidFill>
+                  <a:schemeClr val="tx1"/>
+                </a:solidFill>
+              </a:endParaRPr>
+            </a:p>
+          </p:txBody>
+        </p:sp>
       </p:grpSp>
-      <p:sp>
-        <p:nvSpPr>
-          <p:cNvPr id="4" name="Cross 3">
-            <a:extLst>
-              <a:ext uri="{FF2B5EF4-FFF2-40B4-BE49-F238E27FC236}">
-                <a16:creationId xmlns:a16="http://schemas.microsoft.com/office/drawing/2014/main" id="{4189C50B-BC2C-45DB-08DB-CCF56FE4A1A2}"/>
-              </a:ext>
-            </a:extLst>
-          </p:cNvPr>
-          <p:cNvSpPr/>
-          <p:nvPr/>
-        </p:nvSpPr>
-        <p:spPr>
-          <a:xfrm>
-            <a:off x="6584913" y="2767255"/>
-            <a:ext cx="180000" cy="180000"/>
-          </a:xfrm>
-          <a:prstGeom prst="plus">
-            <a:avLst>
-              <a:gd name="adj" fmla="val 33021"/>
-            </a:avLst>
-          </a:prstGeom>
-          <a:solidFill>
-            <a:schemeClr val="tx1"/>
-          </a:solidFill>
-          <a:ln>
-            <a:noFill/>
-          </a:ln>
-        </p:spPr>
-        <p:style>
-          <a:lnRef idx="2">
-            <a:schemeClr val="accent1">
-              <a:shade val="50000"/>
-            </a:schemeClr>
-          </a:lnRef>
-          <a:fillRef idx="1">
-            <a:schemeClr val="accent1"/>
-          </a:fillRef>
-          <a:effectRef idx="0">
-            <a:schemeClr val="accent1"/>
-          </a:effectRef>
-          <a:fontRef idx="minor">
-            <a:schemeClr val="lt1"/>
-          </a:fontRef>
-        </p:style>
-        <p:txBody>
-          <a:bodyPr rtlCol="0" anchor="ctr"/>
-          <a:lstStyle/>
-          <a:p>
-            <a:pPr algn="ctr"/>
-            <a:endParaRPr lang="en-CN">
-              <a:solidFill>
-                <a:schemeClr val="tx1"/>
-              </a:solidFill>
-            </a:endParaRPr>
-          </a:p>
-        </p:txBody>
-      </p:sp>
-      <p:sp>
-        <p:nvSpPr>
-          <p:cNvPr id="7" name="Cross 6">
-            <a:extLst>
-              <a:ext uri="{FF2B5EF4-FFF2-40B4-BE49-F238E27FC236}">
-                <a16:creationId xmlns:a16="http://schemas.microsoft.com/office/drawing/2014/main" id="{0141C050-1173-7F60-7772-917311FF5ED1}"/>
-              </a:ext>
-            </a:extLst>
-          </p:cNvPr>
-          <p:cNvSpPr/>
-          <p:nvPr/>
-        </p:nvSpPr>
-        <p:spPr>
-          <a:xfrm>
-            <a:off x="7591318" y="2917759"/>
-            <a:ext cx="180000" cy="180000"/>
-          </a:xfrm>
-          <a:prstGeom prst="plus">
-            <a:avLst>
-              <a:gd name="adj" fmla="val 33021"/>
-            </a:avLst>
-          </a:prstGeom>
-          <a:solidFill>
-            <a:schemeClr val="tx1"/>
-          </a:solidFill>
-          <a:ln>
-            <a:noFill/>
-          </a:ln>
-        </p:spPr>
-        <p:style>
-          <a:lnRef idx="2">
-            <a:schemeClr val="accent1">
-              <a:shade val="50000"/>
-            </a:schemeClr>
-          </a:lnRef>
-          <a:fillRef idx="1">
-            <a:schemeClr val="accent1"/>
-          </a:fillRef>
-          <a:effectRef idx="0">
-            <a:schemeClr val="accent1"/>
-          </a:effectRef>
-          <a:fontRef idx="minor">
-            <a:schemeClr val="lt1"/>
-          </a:fontRef>
-        </p:style>
-        <p:txBody>
-          <a:bodyPr rtlCol="0" anchor="ctr"/>
-          <a:lstStyle/>
-          <a:p>
-            <a:pPr algn="ctr"/>
-            <a:endParaRPr lang="en-CN">
-              <a:solidFill>
-                <a:schemeClr val="tx1"/>
-              </a:solidFill>
-            </a:endParaRPr>
-          </a:p>
-        </p:txBody>
-      </p:sp>
     </p:spTree>
     <p:extLst>
       <p:ext uri="{BB962C8B-B14F-4D97-AF65-F5344CB8AC3E}">

--- a/patterns/transaction-write.pptx
+++ b/patterns/transaction-write.pptx
@@ -236,7 +236,7 @@
           <a:p>
             <a:fld id="{CAD4BD24-A097-4F9D-85E9-6A2A24CA2D98}" type="datetimeFigureOut">
               <a:rPr lang="zh-CN" altLang="en-US" smtClean="0"/>
-              <a:t>2023/4/27</a:t>
+              <a:t>2023/4/28</a:t>
             </a:fld>
             <a:endParaRPr lang="zh-CN" altLang="en-US"/>
           </a:p>
@@ -13811,7 +13811,7 @@
                   <a:latin typeface="DengXian" panose="02010600030101010101" pitchFamily="2" charset="-122"/>
                   <a:ea typeface="DengXian" panose="02010600030101010101" pitchFamily="2" charset="-122"/>
                 </a:rPr>
-                <a:t>amount</a:t>
+                <a:t>amt</a:t>
               </a:r>
             </a:p>
           </p:txBody>
@@ -13895,9 +13895,25 @@
                       <a:sysClr val="windowText" lastClr="000000"/>
                     </a:solidFill>
                   </a:rPr>
+                  <a:t>loan:</a:t>
+                </a:r>
+                <a:r>
+                  <a:rPr kumimoji="1" lang="zh-CN" altLang="en-US" b="1" dirty="0">
+                    <a:solidFill>
+                      <a:sysClr val="windowText" lastClr="000000"/>
+                    </a:solidFill>
+                  </a:rPr>
+                  <a:t> </a:t>
+                </a:r>
+                <a:r>
+                  <a:rPr kumimoji="1" lang="en-US" altLang="zh-CN" dirty="0">
+                    <a:solidFill>
+                      <a:sysClr val="windowText" lastClr="000000"/>
+                    </a:solidFill>
+                  </a:rPr>
                   <a:t>Loan</a:t>
                 </a:r>
-                <a:endParaRPr kumimoji="1" lang="zh-CN" altLang="en-US" sz="1600" b="1" dirty="0">
+                <a:endParaRPr kumimoji="1" lang="zh-CN" altLang="en-US" sz="1600" dirty="0">
                   <a:solidFill>
                     <a:sysClr val="windowText" lastClr="000000"/>
                   </a:solidFill>

--- a/patterns/transaction-write.pptx
+++ b/patterns/transaction-write.pptx
@@ -236,7 +236,7 @@
           <a:p>
             <a:fld id="{CAD4BD24-A097-4F9D-85E9-6A2A24CA2D98}" type="datetimeFigureOut">
               <a:rPr lang="zh-CN" altLang="en-US" smtClean="0"/>
-              <a:t>2023/2/23</a:t>
+              <a:t>2023/4/28</a:t>
             </a:fld>
             <a:endParaRPr lang="zh-CN" altLang="en-US"/>
           </a:p>
@@ -2527,10 +2527,10 @@
       </p:grpSpPr>
       <p:grpSp>
         <p:nvGrpSpPr>
-          <p:cNvPr id="4" name="Group 3">
+          <p:cNvPr id="11" name="Group 10">
             <a:extLst>
               <a:ext uri="{FF2B5EF4-FFF2-40B4-BE49-F238E27FC236}">
-                <a16:creationId xmlns:a16="http://schemas.microsoft.com/office/drawing/2014/main" id="{A37D8080-2775-FC95-E5FF-4EAE618D2A24}"/>
+                <a16:creationId xmlns:a16="http://schemas.microsoft.com/office/drawing/2014/main" id="{A43BBF47-E582-7A17-90A5-817BDFBAA6DA}"/>
               </a:ext>
             </a:extLst>
           </p:cNvPr>
@@ -3225,7 +3225,7 @@
             <a:prstGeom prst="straightConnector1">
               <a:avLst/>
             </a:prstGeom>
-            <a:ln w="25400">
+            <a:ln w="19050">
               <a:solidFill>
                 <a:schemeClr val="tx1"/>
               </a:solidFill>
@@ -3262,15 +3262,13 @@
           </p:nvSpPr>
           <p:spPr>
             <a:xfrm>
-              <a:off x="5604460" y="2282699"/>
+              <a:off x="5626231" y="2491418"/>
               <a:ext cx="639740" cy="338554"/>
             </a:xfrm>
             <a:prstGeom prst="rect">
               <a:avLst/>
             </a:prstGeom>
-            <a:solidFill>
-              <a:schemeClr val="bg1"/>
-            </a:solidFill>
+            <a:noFill/>
           </p:spPr>
           <p:txBody>
             <a:bodyPr wrap="square" rtlCol="0">
@@ -3293,181 +3291,181 @@
             </a:p>
           </p:txBody>
         </p:sp>
+        <p:sp>
+          <p:nvSpPr>
+            <p:cNvPr id="2" name="Cross 1">
+              <a:extLst>
+                <a:ext uri="{FF2B5EF4-FFF2-40B4-BE49-F238E27FC236}">
+                  <a16:creationId xmlns:a16="http://schemas.microsoft.com/office/drawing/2014/main" id="{7F0E216C-8081-EB22-0A1C-F55CAE5567FB}"/>
+                </a:ext>
+              </a:extLst>
+            </p:cNvPr>
+            <p:cNvSpPr/>
+            <p:nvPr/>
+          </p:nvSpPr>
+          <p:spPr>
+            <a:xfrm>
+              <a:off x="1743075" y="2220077"/>
+              <a:ext cx="180000" cy="180000"/>
+            </a:xfrm>
+            <a:prstGeom prst="plus">
+              <a:avLst>
+                <a:gd name="adj" fmla="val 33021"/>
+              </a:avLst>
+            </a:prstGeom>
+            <a:solidFill>
+              <a:schemeClr val="tx1"/>
+            </a:solidFill>
+            <a:ln>
+              <a:noFill/>
+            </a:ln>
+          </p:spPr>
+          <p:style>
+            <a:lnRef idx="2">
+              <a:schemeClr val="accent1">
+                <a:shade val="50000"/>
+              </a:schemeClr>
+            </a:lnRef>
+            <a:fillRef idx="1">
+              <a:schemeClr val="accent1"/>
+            </a:fillRef>
+            <a:effectRef idx="0">
+              <a:schemeClr val="accent1"/>
+            </a:effectRef>
+            <a:fontRef idx="minor">
+              <a:schemeClr val="lt1"/>
+            </a:fontRef>
+          </p:style>
+          <p:txBody>
+            <a:bodyPr rtlCol="0" anchor="ctr"/>
+            <a:lstStyle/>
+            <a:p>
+              <a:pPr algn="ctr"/>
+              <a:endParaRPr lang="en-CN">
+                <a:solidFill>
+                  <a:schemeClr val="tx1"/>
+                </a:solidFill>
+              </a:endParaRPr>
+            </a:p>
+          </p:txBody>
+        </p:sp>
+        <p:sp>
+          <p:nvSpPr>
+            <p:cNvPr id="7" name="Cross 6">
+              <a:extLst>
+                <a:ext uri="{FF2B5EF4-FFF2-40B4-BE49-F238E27FC236}">
+                  <a16:creationId xmlns:a16="http://schemas.microsoft.com/office/drawing/2014/main" id="{97B94FAA-0D92-09CE-C55D-9D56B6784BFD}"/>
+                </a:ext>
+              </a:extLst>
+            </p:cNvPr>
+            <p:cNvSpPr/>
+            <p:nvPr/>
+          </p:nvSpPr>
+          <p:spPr>
+            <a:xfrm>
+              <a:off x="7552671" y="2220077"/>
+              <a:ext cx="180000" cy="180000"/>
+            </a:xfrm>
+            <a:prstGeom prst="plus">
+              <a:avLst>
+                <a:gd name="adj" fmla="val 33021"/>
+              </a:avLst>
+            </a:prstGeom>
+            <a:solidFill>
+              <a:schemeClr val="tx1"/>
+            </a:solidFill>
+            <a:ln>
+              <a:noFill/>
+            </a:ln>
+          </p:spPr>
+          <p:style>
+            <a:lnRef idx="2">
+              <a:schemeClr val="accent1">
+                <a:shade val="50000"/>
+              </a:schemeClr>
+            </a:lnRef>
+            <a:fillRef idx="1">
+              <a:schemeClr val="accent1"/>
+            </a:fillRef>
+            <a:effectRef idx="0">
+              <a:schemeClr val="accent1"/>
+            </a:effectRef>
+            <a:fontRef idx="minor">
+              <a:schemeClr val="lt1"/>
+            </a:fontRef>
+          </p:style>
+          <p:txBody>
+            <a:bodyPr rtlCol="0" anchor="ctr"/>
+            <a:lstStyle/>
+            <a:p>
+              <a:pPr algn="ctr"/>
+              <a:endParaRPr lang="en-CN">
+                <a:solidFill>
+                  <a:schemeClr val="tx1"/>
+                </a:solidFill>
+              </a:endParaRPr>
+            </a:p>
+          </p:txBody>
+        </p:sp>
+        <p:sp>
+          <p:nvSpPr>
+            <p:cNvPr id="9" name="Cross 8">
+              <a:extLst>
+                <a:ext uri="{FF2B5EF4-FFF2-40B4-BE49-F238E27FC236}">
+                  <a16:creationId xmlns:a16="http://schemas.microsoft.com/office/drawing/2014/main" id="{B41A4442-733B-F248-83BD-78048EADD0B0}"/>
+                </a:ext>
+              </a:extLst>
+            </p:cNvPr>
+            <p:cNvSpPr/>
+            <p:nvPr/>
+          </p:nvSpPr>
+          <p:spPr>
+            <a:xfrm>
+              <a:off x="6174378" y="2519137"/>
+              <a:ext cx="180000" cy="180000"/>
+            </a:xfrm>
+            <a:prstGeom prst="plus">
+              <a:avLst>
+                <a:gd name="adj" fmla="val 33021"/>
+              </a:avLst>
+            </a:prstGeom>
+            <a:solidFill>
+              <a:schemeClr val="tx1"/>
+            </a:solidFill>
+            <a:ln>
+              <a:noFill/>
+            </a:ln>
+          </p:spPr>
+          <p:style>
+            <a:lnRef idx="2">
+              <a:schemeClr val="accent1">
+                <a:shade val="50000"/>
+              </a:schemeClr>
+            </a:lnRef>
+            <a:fillRef idx="1">
+              <a:schemeClr val="accent1"/>
+            </a:fillRef>
+            <a:effectRef idx="0">
+              <a:schemeClr val="accent1"/>
+            </a:effectRef>
+            <a:fontRef idx="minor">
+              <a:schemeClr val="lt1"/>
+            </a:fontRef>
+          </p:style>
+          <p:txBody>
+            <a:bodyPr rtlCol="0" anchor="ctr"/>
+            <a:lstStyle/>
+            <a:p>
+              <a:pPr algn="ctr"/>
+              <a:endParaRPr lang="en-CN">
+                <a:solidFill>
+                  <a:schemeClr val="tx1"/>
+                </a:solidFill>
+              </a:endParaRPr>
+            </a:p>
+          </p:txBody>
+        </p:sp>
       </p:grpSp>
-      <p:sp>
-        <p:nvSpPr>
-          <p:cNvPr id="2" name="Cross 1">
-            <a:extLst>
-              <a:ext uri="{FF2B5EF4-FFF2-40B4-BE49-F238E27FC236}">
-                <a16:creationId xmlns:a16="http://schemas.microsoft.com/office/drawing/2014/main" id="{7F0E216C-8081-EB22-0A1C-F55CAE5567FB}"/>
-              </a:ext>
-            </a:extLst>
-          </p:cNvPr>
-          <p:cNvSpPr/>
-          <p:nvPr/>
-        </p:nvSpPr>
-        <p:spPr>
-          <a:xfrm>
-            <a:off x="1743075" y="2220077"/>
-            <a:ext cx="180000" cy="180000"/>
-          </a:xfrm>
-          <a:prstGeom prst="plus">
-            <a:avLst>
-              <a:gd name="adj" fmla="val 33021"/>
-            </a:avLst>
-          </a:prstGeom>
-          <a:solidFill>
-            <a:schemeClr val="tx1"/>
-          </a:solidFill>
-          <a:ln>
-            <a:noFill/>
-          </a:ln>
-        </p:spPr>
-        <p:style>
-          <a:lnRef idx="2">
-            <a:schemeClr val="accent1">
-              <a:shade val="50000"/>
-            </a:schemeClr>
-          </a:lnRef>
-          <a:fillRef idx="1">
-            <a:schemeClr val="accent1"/>
-          </a:fillRef>
-          <a:effectRef idx="0">
-            <a:schemeClr val="accent1"/>
-          </a:effectRef>
-          <a:fontRef idx="minor">
-            <a:schemeClr val="lt1"/>
-          </a:fontRef>
-        </p:style>
-        <p:txBody>
-          <a:bodyPr rtlCol="0" anchor="ctr"/>
-          <a:lstStyle/>
-          <a:p>
-            <a:pPr algn="ctr"/>
-            <a:endParaRPr lang="en-CN">
-              <a:solidFill>
-                <a:schemeClr val="tx1"/>
-              </a:solidFill>
-            </a:endParaRPr>
-          </a:p>
-        </p:txBody>
-      </p:sp>
-      <p:sp>
-        <p:nvSpPr>
-          <p:cNvPr id="7" name="Cross 6">
-            <a:extLst>
-              <a:ext uri="{FF2B5EF4-FFF2-40B4-BE49-F238E27FC236}">
-                <a16:creationId xmlns:a16="http://schemas.microsoft.com/office/drawing/2014/main" id="{97B94FAA-0D92-09CE-C55D-9D56B6784BFD}"/>
-              </a:ext>
-            </a:extLst>
-          </p:cNvPr>
-          <p:cNvSpPr/>
-          <p:nvPr/>
-        </p:nvSpPr>
-        <p:spPr>
-          <a:xfrm>
-            <a:off x="7552671" y="2220077"/>
-            <a:ext cx="180000" cy="180000"/>
-          </a:xfrm>
-          <a:prstGeom prst="plus">
-            <a:avLst>
-              <a:gd name="adj" fmla="val 33021"/>
-            </a:avLst>
-          </a:prstGeom>
-          <a:solidFill>
-            <a:schemeClr val="tx1"/>
-          </a:solidFill>
-          <a:ln>
-            <a:noFill/>
-          </a:ln>
-        </p:spPr>
-        <p:style>
-          <a:lnRef idx="2">
-            <a:schemeClr val="accent1">
-              <a:shade val="50000"/>
-            </a:schemeClr>
-          </a:lnRef>
-          <a:fillRef idx="1">
-            <a:schemeClr val="accent1"/>
-          </a:fillRef>
-          <a:effectRef idx="0">
-            <a:schemeClr val="accent1"/>
-          </a:effectRef>
-          <a:fontRef idx="minor">
-            <a:schemeClr val="lt1"/>
-          </a:fontRef>
-        </p:style>
-        <p:txBody>
-          <a:bodyPr rtlCol="0" anchor="ctr"/>
-          <a:lstStyle/>
-          <a:p>
-            <a:pPr algn="ctr"/>
-            <a:endParaRPr lang="en-CN">
-              <a:solidFill>
-                <a:schemeClr val="tx1"/>
-              </a:solidFill>
-            </a:endParaRPr>
-          </a:p>
-        </p:txBody>
-      </p:sp>
-      <p:sp>
-        <p:nvSpPr>
-          <p:cNvPr id="9" name="Cross 8">
-            <a:extLst>
-              <a:ext uri="{FF2B5EF4-FFF2-40B4-BE49-F238E27FC236}">
-                <a16:creationId xmlns:a16="http://schemas.microsoft.com/office/drawing/2014/main" id="{B41A4442-733B-F248-83BD-78048EADD0B0}"/>
-              </a:ext>
-            </a:extLst>
-          </p:cNvPr>
-          <p:cNvSpPr/>
-          <p:nvPr/>
-        </p:nvSpPr>
-        <p:spPr>
-          <a:xfrm>
-            <a:off x="6096000" y="2231751"/>
-            <a:ext cx="180000" cy="180000"/>
-          </a:xfrm>
-          <a:prstGeom prst="plus">
-            <a:avLst>
-              <a:gd name="adj" fmla="val 33021"/>
-            </a:avLst>
-          </a:prstGeom>
-          <a:solidFill>
-            <a:schemeClr val="tx1"/>
-          </a:solidFill>
-          <a:ln>
-            <a:noFill/>
-          </a:ln>
-        </p:spPr>
-        <p:style>
-          <a:lnRef idx="2">
-            <a:schemeClr val="accent1">
-              <a:shade val="50000"/>
-            </a:schemeClr>
-          </a:lnRef>
-          <a:fillRef idx="1">
-            <a:schemeClr val="accent1"/>
-          </a:fillRef>
-          <a:effectRef idx="0">
-            <a:schemeClr val="accent1"/>
-          </a:effectRef>
-          <a:fontRef idx="minor">
-            <a:schemeClr val="lt1"/>
-          </a:fontRef>
-        </p:style>
-        <p:txBody>
-          <a:bodyPr rtlCol="0" anchor="ctr"/>
-          <a:lstStyle/>
-          <a:p>
-            <a:pPr algn="ctr"/>
-            <a:endParaRPr lang="en-CN">
-              <a:solidFill>
-                <a:schemeClr val="tx1"/>
-              </a:solidFill>
-            </a:endParaRPr>
-          </a:p>
-        </p:txBody>
-      </p:sp>
     </p:spTree>
     <p:extLst>
       <p:ext uri="{BB962C8B-B14F-4D97-AF65-F5344CB8AC3E}">
@@ -3512,7 +3510,7 @@
         </p:nvGrpSpPr>
         <p:grpSpPr>
           <a:xfrm>
-            <a:off x="4607325" y="2411287"/>
+            <a:off x="4607325" y="2763986"/>
             <a:ext cx="2977350" cy="1344279"/>
             <a:chOff x="1488974" y="3906297"/>
             <a:chExt cx="1803118" cy="927586"/>
@@ -4676,7 +4674,7 @@
             <a:prstGeom prst="straightConnector1">
               <a:avLst/>
             </a:prstGeom>
-            <a:ln w="28575">
+            <a:ln w="19050">
               <a:solidFill>
                 <a:schemeClr val="tx1"/>
               </a:solidFill>
@@ -4729,11 +4727,11 @@
             <a:p>
               <a:pPr algn="ctr"/>
               <a:r>
-                <a:rPr kumimoji="1" lang="en-US" altLang="zh-CN" sz="1600" b="1" dirty="0" err="1">
+                <a:rPr kumimoji="1" lang="en-US" altLang="zh-CN" sz="1600" b="1">
                   <a:latin typeface="DengXian" panose="02010600030101010101" pitchFamily="2" charset="-122"/>
                   <a:ea typeface="DengXian" panose="02010600030101010101" pitchFamily="2" charset="-122"/>
                 </a:rPr>
-                <a:t>gurantee</a:t>
+                <a:t>guarantee</a:t>
               </a:r>
               <a:endParaRPr kumimoji="1" lang="en-US" altLang="zh-CN" sz="1600" dirty="0">
                 <a:latin typeface="DengXian" panose="02010600030101010101" pitchFamily="2" charset="-122"/>
@@ -5111,10 +5109,10 @@
       </p:grpSpPr>
       <p:grpSp>
         <p:nvGrpSpPr>
-          <p:cNvPr id="5" name="Group 4">
+          <p:cNvPr id="4" name="Group 3">
             <a:extLst>
               <a:ext uri="{FF2B5EF4-FFF2-40B4-BE49-F238E27FC236}">
-                <a16:creationId xmlns:a16="http://schemas.microsoft.com/office/drawing/2014/main" id="{D6D28D6A-C066-1361-42F3-8B733C379113}"/>
+                <a16:creationId xmlns:a16="http://schemas.microsoft.com/office/drawing/2014/main" id="{1E6EBE87-10EB-12FB-48BF-8DD1C15629A2}"/>
               </a:ext>
             </a:extLst>
           </p:cNvPr>
@@ -8371,10 +8369,10 @@
       </p:grpSpPr>
       <p:grpSp>
         <p:nvGrpSpPr>
-          <p:cNvPr id="2" name="Group 1">
+          <p:cNvPr id="11" name="Group 10">
             <a:extLst>
               <a:ext uri="{FF2B5EF4-FFF2-40B4-BE49-F238E27FC236}">
-                <a16:creationId xmlns:a16="http://schemas.microsoft.com/office/drawing/2014/main" id="{3B9AEEA8-4E45-24C2-B931-32DA0334083A}"/>
+                <a16:creationId xmlns:a16="http://schemas.microsoft.com/office/drawing/2014/main" id="{AA6334AA-C523-DDB3-A68D-CC65F75240F6}"/>
               </a:ext>
             </a:extLst>
           </p:cNvPr>
@@ -9068,7 +9066,7 @@
             <a:prstGeom prst="straightConnector1">
               <a:avLst/>
             </a:prstGeom>
-            <a:ln w="25400">
+            <a:ln w="19050">
               <a:solidFill>
                 <a:schemeClr val="tx1"/>
               </a:solidFill>
@@ -9105,15 +9103,13 @@
           </p:nvSpPr>
           <p:spPr>
             <a:xfrm>
-              <a:off x="5604460" y="2282699"/>
+              <a:off x="5611385" y="2529623"/>
               <a:ext cx="639740" cy="338554"/>
             </a:xfrm>
             <a:prstGeom prst="rect">
               <a:avLst/>
             </a:prstGeom>
-            <a:solidFill>
-              <a:schemeClr val="bg1"/>
-            </a:solidFill>
+            <a:noFill/>
           </p:spPr>
           <p:txBody>
             <a:bodyPr wrap="square" rtlCol="0">
@@ -9136,181 +9132,181 @@
             </a:p>
           </p:txBody>
         </p:sp>
+        <p:sp>
+          <p:nvSpPr>
+            <p:cNvPr id="4" name="Cross 3">
+              <a:extLst>
+                <a:ext uri="{FF2B5EF4-FFF2-40B4-BE49-F238E27FC236}">
+                  <a16:creationId xmlns:a16="http://schemas.microsoft.com/office/drawing/2014/main" id="{E66C406D-8882-3D11-1F95-3D0CC42825AA}"/>
+                </a:ext>
+              </a:extLst>
+            </p:cNvPr>
+            <p:cNvSpPr/>
+            <p:nvPr/>
+          </p:nvSpPr>
+          <p:spPr>
+            <a:xfrm>
+              <a:off x="6176161" y="2559759"/>
+              <a:ext cx="180000" cy="180000"/>
+            </a:xfrm>
+            <a:prstGeom prst="plus">
+              <a:avLst>
+                <a:gd name="adj" fmla="val 33021"/>
+              </a:avLst>
+            </a:prstGeom>
+            <a:solidFill>
+              <a:schemeClr val="tx1"/>
+            </a:solidFill>
+            <a:ln>
+              <a:noFill/>
+            </a:ln>
+          </p:spPr>
+          <p:style>
+            <a:lnRef idx="2">
+              <a:schemeClr val="accent1">
+                <a:shade val="50000"/>
+              </a:schemeClr>
+            </a:lnRef>
+            <a:fillRef idx="1">
+              <a:schemeClr val="accent1"/>
+            </a:fillRef>
+            <a:effectRef idx="0">
+              <a:schemeClr val="accent1"/>
+            </a:effectRef>
+            <a:fontRef idx="minor">
+              <a:schemeClr val="lt1"/>
+            </a:fontRef>
+          </p:style>
+          <p:txBody>
+            <a:bodyPr rtlCol="0" anchor="ctr"/>
+            <a:lstStyle/>
+            <a:p>
+              <a:pPr algn="ctr"/>
+              <a:endParaRPr lang="en-CN">
+                <a:solidFill>
+                  <a:schemeClr val="tx1"/>
+                </a:solidFill>
+              </a:endParaRPr>
+            </a:p>
+          </p:txBody>
+        </p:sp>
+        <p:sp>
+          <p:nvSpPr>
+            <p:cNvPr id="7" name="Cross 6">
+              <a:extLst>
+                <a:ext uri="{FF2B5EF4-FFF2-40B4-BE49-F238E27FC236}">
+                  <a16:creationId xmlns:a16="http://schemas.microsoft.com/office/drawing/2014/main" id="{CBEE5D98-D7CC-D52C-FBF5-AC7899B9958A}"/>
+                </a:ext>
+              </a:extLst>
+            </p:cNvPr>
+            <p:cNvSpPr/>
+            <p:nvPr/>
+          </p:nvSpPr>
+          <p:spPr>
+            <a:xfrm>
+              <a:off x="7563221" y="2234994"/>
+              <a:ext cx="180000" cy="180000"/>
+            </a:xfrm>
+            <a:prstGeom prst="plus">
+              <a:avLst>
+                <a:gd name="adj" fmla="val 33021"/>
+              </a:avLst>
+            </a:prstGeom>
+            <a:solidFill>
+              <a:schemeClr val="tx1"/>
+            </a:solidFill>
+            <a:ln>
+              <a:noFill/>
+            </a:ln>
+          </p:spPr>
+          <p:style>
+            <a:lnRef idx="2">
+              <a:schemeClr val="accent1">
+                <a:shade val="50000"/>
+              </a:schemeClr>
+            </a:lnRef>
+            <a:fillRef idx="1">
+              <a:schemeClr val="accent1"/>
+            </a:fillRef>
+            <a:effectRef idx="0">
+              <a:schemeClr val="accent1"/>
+            </a:effectRef>
+            <a:fontRef idx="minor">
+              <a:schemeClr val="lt1"/>
+            </a:fontRef>
+          </p:style>
+          <p:txBody>
+            <a:bodyPr rtlCol="0" anchor="ctr"/>
+            <a:lstStyle/>
+            <a:p>
+              <a:pPr algn="ctr"/>
+              <a:endParaRPr lang="en-CN">
+                <a:solidFill>
+                  <a:schemeClr val="tx1"/>
+                </a:solidFill>
+              </a:endParaRPr>
+            </a:p>
+          </p:txBody>
+        </p:sp>
+        <p:sp>
+          <p:nvSpPr>
+            <p:cNvPr id="9" name="Cross 8">
+              <a:extLst>
+                <a:ext uri="{FF2B5EF4-FFF2-40B4-BE49-F238E27FC236}">
+                  <a16:creationId xmlns:a16="http://schemas.microsoft.com/office/drawing/2014/main" id="{F0327793-F9A8-97A3-CF62-096D5FAFD72C}"/>
+                </a:ext>
+              </a:extLst>
+            </p:cNvPr>
+            <p:cNvSpPr/>
+            <p:nvPr/>
+          </p:nvSpPr>
+          <p:spPr>
+            <a:xfrm>
+              <a:off x="1747442" y="2225162"/>
+              <a:ext cx="180000" cy="180000"/>
+            </a:xfrm>
+            <a:prstGeom prst="plus">
+              <a:avLst>
+                <a:gd name="adj" fmla="val 33021"/>
+              </a:avLst>
+            </a:prstGeom>
+            <a:solidFill>
+              <a:schemeClr val="tx1"/>
+            </a:solidFill>
+            <a:ln>
+              <a:noFill/>
+            </a:ln>
+          </p:spPr>
+          <p:style>
+            <a:lnRef idx="2">
+              <a:schemeClr val="accent1">
+                <a:shade val="50000"/>
+              </a:schemeClr>
+            </a:lnRef>
+            <a:fillRef idx="1">
+              <a:schemeClr val="accent1"/>
+            </a:fillRef>
+            <a:effectRef idx="0">
+              <a:schemeClr val="accent1"/>
+            </a:effectRef>
+            <a:fontRef idx="minor">
+              <a:schemeClr val="lt1"/>
+            </a:fontRef>
+          </p:style>
+          <p:txBody>
+            <a:bodyPr rtlCol="0" anchor="ctr"/>
+            <a:lstStyle/>
+            <a:p>
+              <a:pPr algn="ctr"/>
+              <a:endParaRPr lang="en-CN">
+                <a:solidFill>
+                  <a:schemeClr val="tx1"/>
+                </a:solidFill>
+              </a:endParaRPr>
+            </a:p>
+          </p:txBody>
+        </p:sp>
       </p:grpSp>
-      <p:sp>
-        <p:nvSpPr>
-          <p:cNvPr id="4" name="Cross 3">
-            <a:extLst>
-              <a:ext uri="{FF2B5EF4-FFF2-40B4-BE49-F238E27FC236}">
-                <a16:creationId xmlns:a16="http://schemas.microsoft.com/office/drawing/2014/main" id="{E66C406D-8882-3D11-1F95-3D0CC42825AA}"/>
-              </a:ext>
-            </a:extLst>
-          </p:cNvPr>
-          <p:cNvSpPr/>
-          <p:nvPr/>
-        </p:nvSpPr>
-        <p:spPr>
-          <a:xfrm>
-            <a:off x="6123910" y="2207059"/>
-            <a:ext cx="180000" cy="180000"/>
-          </a:xfrm>
-          <a:prstGeom prst="plus">
-            <a:avLst>
-              <a:gd name="adj" fmla="val 33021"/>
-            </a:avLst>
-          </a:prstGeom>
-          <a:solidFill>
-            <a:schemeClr val="tx1"/>
-          </a:solidFill>
-          <a:ln>
-            <a:noFill/>
-          </a:ln>
-        </p:spPr>
-        <p:style>
-          <a:lnRef idx="2">
-            <a:schemeClr val="accent1">
-              <a:shade val="50000"/>
-            </a:schemeClr>
-          </a:lnRef>
-          <a:fillRef idx="1">
-            <a:schemeClr val="accent1"/>
-          </a:fillRef>
-          <a:effectRef idx="0">
-            <a:schemeClr val="accent1"/>
-          </a:effectRef>
-          <a:fontRef idx="minor">
-            <a:schemeClr val="lt1"/>
-          </a:fontRef>
-        </p:style>
-        <p:txBody>
-          <a:bodyPr rtlCol="0" anchor="ctr"/>
-          <a:lstStyle/>
-          <a:p>
-            <a:pPr algn="ctr"/>
-            <a:endParaRPr lang="en-CN">
-              <a:solidFill>
-                <a:schemeClr val="tx1"/>
-              </a:solidFill>
-            </a:endParaRPr>
-          </a:p>
-        </p:txBody>
-      </p:sp>
-      <p:sp>
-        <p:nvSpPr>
-          <p:cNvPr id="7" name="Cross 6">
-            <a:extLst>
-              <a:ext uri="{FF2B5EF4-FFF2-40B4-BE49-F238E27FC236}">
-                <a16:creationId xmlns:a16="http://schemas.microsoft.com/office/drawing/2014/main" id="{CBEE5D98-D7CC-D52C-FBF5-AC7899B9958A}"/>
-              </a:ext>
-            </a:extLst>
-          </p:cNvPr>
-          <p:cNvSpPr/>
-          <p:nvPr/>
-        </p:nvSpPr>
-        <p:spPr>
-          <a:xfrm>
-            <a:off x="7563221" y="2234994"/>
-            <a:ext cx="180000" cy="180000"/>
-          </a:xfrm>
-          <a:prstGeom prst="plus">
-            <a:avLst>
-              <a:gd name="adj" fmla="val 33021"/>
-            </a:avLst>
-          </a:prstGeom>
-          <a:solidFill>
-            <a:schemeClr val="tx1"/>
-          </a:solidFill>
-          <a:ln>
-            <a:noFill/>
-          </a:ln>
-        </p:spPr>
-        <p:style>
-          <a:lnRef idx="2">
-            <a:schemeClr val="accent1">
-              <a:shade val="50000"/>
-            </a:schemeClr>
-          </a:lnRef>
-          <a:fillRef idx="1">
-            <a:schemeClr val="accent1"/>
-          </a:fillRef>
-          <a:effectRef idx="0">
-            <a:schemeClr val="accent1"/>
-          </a:effectRef>
-          <a:fontRef idx="minor">
-            <a:schemeClr val="lt1"/>
-          </a:fontRef>
-        </p:style>
-        <p:txBody>
-          <a:bodyPr rtlCol="0" anchor="ctr"/>
-          <a:lstStyle/>
-          <a:p>
-            <a:pPr algn="ctr"/>
-            <a:endParaRPr lang="en-CN">
-              <a:solidFill>
-                <a:schemeClr val="tx1"/>
-              </a:solidFill>
-            </a:endParaRPr>
-          </a:p>
-        </p:txBody>
-      </p:sp>
-      <p:sp>
-        <p:nvSpPr>
-          <p:cNvPr id="9" name="Cross 8">
-            <a:extLst>
-              <a:ext uri="{FF2B5EF4-FFF2-40B4-BE49-F238E27FC236}">
-                <a16:creationId xmlns:a16="http://schemas.microsoft.com/office/drawing/2014/main" id="{F0327793-F9A8-97A3-CF62-096D5FAFD72C}"/>
-              </a:ext>
-            </a:extLst>
-          </p:cNvPr>
-          <p:cNvSpPr/>
-          <p:nvPr/>
-        </p:nvSpPr>
-        <p:spPr>
-          <a:xfrm>
-            <a:off x="1747442" y="2225162"/>
-            <a:ext cx="180000" cy="180000"/>
-          </a:xfrm>
-          <a:prstGeom prst="plus">
-            <a:avLst>
-              <a:gd name="adj" fmla="val 33021"/>
-            </a:avLst>
-          </a:prstGeom>
-          <a:solidFill>
-            <a:schemeClr val="tx1"/>
-          </a:solidFill>
-          <a:ln>
-            <a:noFill/>
-          </a:ln>
-        </p:spPr>
-        <p:style>
-          <a:lnRef idx="2">
-            <a:schemeClr val="accent1">
-              <a:shade val="50000"/>
-            </a:schemeClr>
-          </a:lnRef>
-          <a:fillRef idx="1">
-            <a:schemeClr val="accent1"/>
-          </a:fillRef>
-          <a:effectRef idx="0">
-            <a:schemeClr val="accent1"/>
-          </a:effectRef>
-          <a:fontRef idx="minor">
-            <a:schemeClr val="lt1"/>
-          </a:fontRef>
-        </p:style>
-        <p:txBody>
-          <a:bodyPr rtlCol="0" anchor="ctr"/>
-          <a:lstStyle/>
-          <a:p>
-            <a:pPr algn="ctr"/>
-            <a:endParaRPr lang="en-CN">
-              <a:solidFill>
-                <a:schemeClr val="tx1"/>
-              </a:solidFill>
-            </a:endParaRPr>
-          </a:p>
-        </p:txBody>
-      </p:sp>
     </p:spTree>
     <p:extLst>
       <p:ext uri="{BB962C8B-B14F-4D97-AF65-F5344CB8AC3E}">
@@ -9620,7 +9616,7 @@
             <a:prstGeom prst="straightConnector1">
               <a:avLst/>
             </a:prstGeom>
-            <a:ln w="25400">
+            <a:ln w="19050">
               <a:solidFill>
                 <a:schemeClr val="tx1"/>
               </a:solidFill>
@@ -10121,10 +10117,10 @@
       </p:grpSpPr>
       <p:grpSp>
         <p:nvGrpSpPr>
-          <p:cNvPr id="2" name="Group 1">
+          <p:cNvPr id="7" name="Group 6">
             <a:extLst>
               <a:ext uri="{FF2B5EF4-FFF2-40B4-BE49-F238E27FC236}">
-                <a16:creationId xmlns:a16="http://schemas.microsoft.com/office/drawing/2014/main" id="{6BC33E91-8195-359A-D016-1BC90569582D}"/>
+                <a16:creationId xmlns:a16="http://schemas.microsoft.com/office/drawing/2014/main" id="{D17C54BB-4B81-21F7-5131-8FA1325DC9ED}"/>
               </a:ext>
             </a:extLst>
           </p:cNvPr>
@@ -10133,10 +10129,10 @@
         </p:nvGrpSpPr>
         <p:grpSpPr>
           <a:xfrm>
-            <a:off x="2003503" y="2737758"/>
-            <a:ext cx="8487442" cy="1276350"/>
-            <a:chOff x="2003503" y="2737758"/>
-            <a:chExt cx="8487442" cy="1276350"/>
+            <a:off x="2003503" y="2688925"/>
+            <a:ext cx="8487442" cy="1325183"/>
+            <a:chOff x="2003503" y="2688925"/>
+            <a:chExt cx="8487442" cy="1325183"/>
           </a:xfrm>
         </p:grpSpPr>
         <p:grpSp>
@@ -10431,7 +10427,7 @@
             <a:prstGeom prst="straightConnector1">
               <a:avLst/>
             </a:prstGeom>
-            <a:ln w="25400">
+            <a:ln w="19050">
               <a:solidFill>
                 <a:schemeClr val="tx1"/>
               </a:solidFill>
@@ -10841,65 +10837,65 @@
             </p:txBody>
           </p:sp>
         </p:grpSp>
+        <p:sp>
+          <p:nvSpPr>
+            <p:cNvPr id="4" name="Cross 3">
+              <a:extLst>
+                <a:ext uri="{FF2B5EF4-FFF2-40B4-BE49-F238E27FC236}">
+                  <a16:creationId xmlns:a16="http://schemas.microsoft.com/office/drawing/2014/main" id="{AA4FD0A5-6D66-1CD9-D307-B545467CD15B}"/>
+                </a:ext>
+              </a:extLst>
+            </p:cNvPr>
+            <p:cNvSpPr/>
+            <p:nvPr/>
+          </p:nvSpPr>
+          <p:spPr>
+            <a:xfrm>
+              <a:off x="6673402" y="2688925"/>
+              <a:ext cx="180000" cy="180000"/>
+            </a:xfrm>
+            <a:prstGeom prst="plus">
+              <a:avLst>
+                <a:gd name="adj" fmla="val 33021"/>
+              </a:avLst>
+            </a:prstGeom>
+            <a:solidFill>
+              <a:schemeClr val="tx1"/>
+            </a:solidFill>
+            <a:ln>
+              <a:noFill/>
+            </a:ln>
+          </p:spPr>
+          <p:style>
+            <a:lnRef idx="2">
+              <a:schemeClr val="accent1">
+                <a:shade val="50000"/>
+              </a:schemeClr>
+            </a:lnRef>
+            <a:fillRef idx="1">
+              <a:schemeClr val="accent1"/>
+            </a:fillRef>
+            <a:effectRef idx="0">
+              <a:schemeClr val="accent1"/>
+            </a:effectRef>
+            <a:fontRef idx="minor">
+              <a:schemeClr val="lt1"/>
+            </a:fontRef>
+          </p:style>
+          <p:txBody>
+            <a:bodyPr rtlCol="0" anchor="ctr"/>
+            <a:lstStyle/>
+            <a:p>
+              <a:pPr algn="ctr"/>
+              <a:endParaRPr lang="en-CN">
+                <a:solidFill>
+                  <a:schemeClr val="tx1"/>
+                </a:solidFill>
+              </a:endParaRPr>
+            </a:p>
+          </p:txBody>
+        </p:sp>
       </p:grpSp>
-      <p:sp>
-        <p:nvSpPr>
-          <p:cNvPr id="4" name="Cross 3">
-            <a:extLst>
-              <a:ext uri="{FF2B5EF4-FFF2-40B4-BE49-F238E27FC236}">
-                <a16:creationId xmlns:a16="http://schemas.microsoft.com/office/drawing/2014/main" id="{AA4FD0A5-6D66-1CD9-D307-B545467CD15B}"/>
-              </a:ext>
-            </a:extLst>
-          </p:cNvPr>
-          <p:cNvSpPr/>
-          <p:nvPr/>
-        </p:nvSpPr>
-        <p:spPr>
-          <a:xfrm>
-            <a:off x="6673402" y="2688925"/>
-            <a:ext cx="180000" cy="180000"/>
-          </a:xfrm>
-          <a:prstGeom prst="plus">
-            <a:avLst>
-              <a:gd name="adj" fmla="val 33021"/>
-            </a:avLst>
-          </a:prstGeom>
-          <a:solidFill>
-            <a:schemeClr val="tx1"/>
-          </a:solidFill>
-          <a:ln>
-            <a:noFill/>
-          </a:ln>
-        </p:spPr>
-        <p:style>
-          <a:lnRef idx="2">
-            <a:schemeClr val="accent1">
-              <a:shade val="50000"/>
-            </a:schemeClr>
-          </a:lnRef>
-          <a:fillRef idx="1">
-            <a:schemeClr val="accent1"/>
-          </a:fillRef>
-          <a:effectRef idx="0">
-            <a:schemeClr val="accent1"/>
-          </a:effectRef>
-          <a:fontRef idx="minor">
-            <a:schemeClr val="lt1"/>
-          </a:fontRef>
-        </p:style>
-        <p:txBody>
-          <a:bodyPr rtlCol="0" anchor="ctr"/>
-          <a:lstStyle/>
-          <a:p>
-            <a:pPr algn="ctr"/>
-            <a:endParaRPr lang="en-CN">
-              <a:solidFill>
-                <a:schemeClr val="tx1"/>
-              </a:solidFill>
-            </a:endParaRPr>
-          </a:p>
-        </p:txBody>
-      </p:sp>
     </p:spTree>
     <p:extLst>
       <p:ext uri="{BB962C8B-B14F-4D97-AF65-F5344CB8AC3E}">
@@ -10932,10 +10928,10 @@
       </p:grpSpPr>
       <p:grpSp>
         <p:nvGrpSpPr>
-          <p:cNvPr id="2" name="Group 1">
+          <p:cNvPr id="9" name="Group 8">
             <a:extLst>
               <a:ext uri="{FF2B5EF4-FFF2-40B4-BE49-F238E27FC236}">
-                <a16:creationId xmlns:a16="http://schemas.microsoft.com/office/drawing/2014/main" id="{A8E8A805-4011-F060-8F01-3E8A793895C5}"/>
+                <a16:creationId xmlns:a16="http://schemas.microsoft.com/office/drawing/2014/main" id="{6F6CCAE4-34F3-BFD3-3EF9-7057885B1849}"/>
               </a:ext>
             </a:extLst>
           </p:cNvPr>
@@ -11225,7 +11221,7 @@
             <a:prstGeom prst="straightConnector1">
               <a:avLst/>
             </a:prstGeom>
-            <a:ln w="25400">
+            <a:ln w="19050">
               <a:solidFill>
                 <a:schemeClr val="tx1"/>
               </a:solidFill>
@@ -11589,123 +11585,123 @@
             </p:txBody>
           </p:sp>
         </p:grpSp>
+        <p:sp>
+          <p:nvSpPr>
+            <p:cNvPr id="4" name="Cross 3">
+              <a:extLst>
+                <a:ext uri="{FF2B5EF4-FFF2-40B4-BE49-F238E27FC236}">
+                  <a16:creationId xmlns:a16="http://schemas.microsoft.com/office/drawing/2014/main" id="{EFACD865-540B-3789-BD03-29C7FE8C86A6}"/>
+                </a:ext>
+              </a:extLst>
+            </p:cNvPr>
+            <p:cNvSpPr/>
+            <p:nvPr/>
+          </p:nvSpPr>
+          <p:spPr>
+            <a:xfrm>
+              <a:off x="6575079" y="2737758"/>
+              <a:ext cx="180000" cy="180000"/>
+            </a:xfrm>
+            <a:prstGeom prst="plus">
+              <a:avLst>
+                <a:gd name="adj" fmla="val 33021"/>
+              </a:avLst>
+            </a:prstGeom>
+            <a:solidFill>
+              <a:schemeClr val="tx1"/>
+            </a:solidFill>
+            <a:ln>
+              <a:noFill/>
+            </a:ln>
+          </p:spPr>
+          <p:style>
+            <a:lnRef idx="2">
+              <a:schemeClr val="accent1">
+                <a:shade val="50000"/>
+              </a:schemeClr>
+            </a:lnRef>
+            <a:fillRef idx="1">
+              <a:schemeClr val="accent1"/>
+            </a:fillRef>
+            <a:effectRef idx="0">
+              <a:schemeClr val="accent1"/>
+            </a:effectRef>
+            <a:fontRef idx="minor">
+              <a:schemeClr val="lt1"/>
+            </a:fontRef>
+          </p:style>
+          <p:txBody>
+            <a:bodyPr rtlCol="0" anchor="ctr"/>
+            <a:lstStyle/>
+            <a:p>
+              <a:pPr algn="ctr"/>
+              <a:endParaRPr lang="en-CN">
+                <a:solidFill>
+                  <a:schemeClr val="tx1"/>
+                </a:solidFill>
+              </a:endParaRPr>
+            </a:p>
+          </p:txBody>
+        </p:sp>
+        <p:sp>
+          <p:nvSpPr>
+            <p:cNvPr id="7" name="Cross 6">
+              <a:extLst>
+                <a:ext uri="{FF2B5EF4-FFF2-40B4-BE49-F238E27FC236}">
+                  <a16:creationId xmlns:a16="http://schemas.microsoft.com/office/drawing/2014/main" id="{CCB71F86-1551-6A2B-DF4E-83637C9E2677}"/>
+                </a:ext>
+              </a:extLst>
+            </p:cNvPr>
+            <p:cNvSpPr/>
+            <p:nvPr/>
+          </p:nvSpPr>
+          <p:spPr>
+            <a:xfrm>
+              <a:off x="2085252" y="2917758"/>
+              <a:ext cx="180000" cy="180000"/>
+            </a:xfrm>
+            <a:prstGeom prst="plus">
+              <a:avLst>
+                <a:gd name="adj" fmla="val 33021"/>
+              </a:avLst>
+            </a:prstGeom>
+            <a:solidFill>
+              <a:schemeClr val="tx1"/>
+            </a:solidFill>
+            <a:ln>
+              <a:noFill/>
+            </a:ln>
+          </p:spPr>
+          <p:style>
+            <a:lnRef idx="2">
+              <a:schemeClr val="accent1">
+                <a:shade val="50000"/>
+              </a:schemeClr>
+            </a:lnRef>
+            <a:fillRef idx="1">
+              <a:schemeClr val="accent1"/>
+            </a:fillRef>
+            <a:effectRef idx="0">
+              <a:schemeClr val="accent1"/>
+            </a:effectRef>
+            <a:fontRef idx="minor">
+              <a:schemeClr val="lt1"/>
+            </a:fontRef>
+          </p:style>
+          <p:txBody>
+            <a:bodyPr rtlCol="0" anchor="ctr"/>
+            <a:lstStyle/>
+            <a:p>
+              <a:pPr algn="ctr"/>
+              <a:endParaRPr lang="en-CN">
+                <a:solidFill>
+                  <a:schemeClr val="tx1"/>
+                </a:solidFill>
+              </a:endParaRPr>
+            </a:p>
+          </p:txBody>
+        </p:sp>
       </p:grpSp>
-      <p:sp>
-        <p:nvSpPr>
-          <p:cNvPr id="4" name="Cross 3">
-            <a:extLst>
-              <a:ext uri="{FF2B5EF4-FFF2-40B4-BE49-F238E27FC236}">
-                <a16:creationId xmlns:a16="http://schemas.microsoft.com/office/drawing/2014/main" id="{EFACD865-540B-3789-BD03-29C7FE8C86A6}"/>
-              </a:ext>
-            </a:extLst>
-          </p:cNvPr>
-          <p:cNvSpPr/>
-          <p:nvPr/>
-        </p:nvSpPr>
-        <p:spPr>
-          <a:xfrm>
-            <a:off x="6575079" y="2737758"/>
-            <a:ext cx="180000" cy="180000"/>
-          </a:xfrm>
-          <a:prstGeom prst="plus">
-            <a:avLst>
-              <a:gd name="adj" fmla="val 33021"/>
-            </a:avLst>
-          </a:prstGeom>
-          <a:solidFill>
-            <a:schemeClr val="tx1"/>
-          </a:solidFill>
-          <a:ln>
-            <a:noFill/>
-          </a:ln>
-        </p:spPr>
-        <p:style>
-          <a:lnRef idx="2">
-            <a:schemeClr val="accent1">
-              <a:shade val="50000"/>
-            </a:schemeClr>
-          </a:lnRef>
-          <a:fillRef idx="1">
-            <a:schemeClr val="accent1"/>
-          </a:fillRef>
-          <a:effectRef idx="0">
-            <a:schemeClr val="accent1"/>
-          </a:effectRef>
-          <a:fontRef idx="minor">
-            <a:schemeClr val="lt1"/>
-          </a:fontRef>
-        </p:style>
-        <p:txBody>
-          <a:bodyPr rtlCol="0" anchor="ctr"/>
-          <a:lstStyle/>
-          <a:p>
-            <a:pPr algn="ctr"/>
-            <a:endParaRPr lang="en-CN">
-              <a:solidFill>
-                <a:schemeClr val="tx1"/>
-              </a:solidFill>
-            </a:endParaRPr>
-          </a:p>
-        </p:txBody>
-      </p:sp>
-      <p:sp>
-        <p:nvSpPr>
-          <p:cNvPr id="7" name="Cross 6">
-            <a:extLst>
-              <a:ext uri="{FF2B5EF4-FFF2-40B4-BE49-F238E27FC236}">
-                <a16:creationId xmlns:a16="http://schemas.microsoft.com/office/drawing/2014/main" id="{CCB71F86-1551-6A2B-DF4E-83637C9E2677}"/>
-              </a:ext>
-            </a:extLst>
-          </p:cNvPr>
-          <p:cNvSpPr/>
-          <p:nvPr/>
-        </p:nvSpPr>
-        <p:spPr>
-          <a:xfrm>
-            <a:off x="2085252" y="2917758"/>
-            <a:ext cx="180000" cy="180000"/>
-          </a:xfrm>
-          <a:prstGeom prst="plus">
-            <a:avLst>
-              <a:gd name="adj" fmla="val 33021"/>
-            </a:avLst>
-          </a:prstGeom>
-          <a:solidFill>
-            <a:schemeClr val="tx1"/>
-          </a:solidFill>
-          <a:ln>
-            <a:noFill/>
-          </a:ln>
-        </p:spPr>
-        <p:style>
-          <a:lnRef idx="2">
-            <a:schemeClr val="accent1">
-              <a:shade val="50000"/>
-            </a:schemeClr>
-          </a:lnRef>
-          <a:fillRef idx="1">
-            <a:schemeClr val="accent1"/>
-          </a:fillRef>
-          <a:effectRef idx="0">
-            <a:schemeClr val="accent1"/>
-          </a:effectRef>
-          <a:fontRef idx="minor">
-            <a:schemeClr val="lt1"/>
-          </a:fontRef>
-        </p:style>
-        <p:txBody>
-          <a:bodyPr rtlCol="0" anchor="ctr"/>
-          <a:lstStyle/>
-          <a:p>
-            <a:pPr algn="ctr"/>
-            <a:endParaRPr lang="en-CN">
-              <a:solidFill>
-                <a:schemeClr val="tx1"/>
-              </a:solidFill>
-            </a:endParaRPr>
-          </a:p>
-        </p:txBody>
-      </p:sp>
     </p:spTree>
     <p:extLst>
       <p:ext uri="{BB962C8B-B14F-4D97-AF65-F5344CB8AC3E}">
@@ -11738,10 +11734,10 @@
       </p:grpSpPr>
       <p:grpSp>
         <p:nvGrpSpPr>
-          <p:cNvPr id="2" name="Group 1">
+          <p:cNvPr id="8" name="Group 7">
             <a:extLst>
               <a:ext uri="{FF2B5EF4-FFF2-40B4-BE49-F238E27FC236}">
-                <a16:creationId xmlns:a16="http://schemas.microsoft.com/office/drawing/2014/main" id="{9A97242E-F0B3-F80F-2830-863B0C559596}"/>
+                <a16:creationId xmlns:a16="http://schemas.microsoft.com/office/drawing/2014/main" id="{882CA3E6-EF37-B73D-B453-0B360DE5D8BE}"/>
               </a:ext>
             </a:extLst>
           </p:cNvPr>
@@ -12031,7 +12027,7 @@
             <a:prstGeom prst="straightConnector1">
               <a:avLst/>
             </a:prstGeom>
-            <a:ln w="25400">
+            <a:ln w="19050">
               <a:solidFill>
                 <a:schemeClr val="tx1"/>
               </a:solidFill>
@@ -12394,123 +12390,123 @@
             </p:txBody>
           </p:sp>
         </p:grpSp>
+        <p:sp>
+          <p:nvSpPr>
+            <p:cNvPr id="4" name="Cross 3">
+              <a:extLst>
+                <a:ext uri="{FF2B5EF4-FFF2-40B4-BE49-F238E27FC236}">
+                  <a16:creationId xmlns:a16="http://schemas.microsoft.com/office/drawing/2014/main" id="{BE35B54C-3653-6856-AAC1-4C29262540BA}"/>
+                </a:ext>
+              </a:extLst>
+            </p:cNvPr>
+            <p:cNvSpPr/>
+            <p:nvPr/>
+          </p:nvSpPr>
+          <p:spPr>
+            <a:xfrm>
+              <a:off x="6575079" y="2737758"/>
+              <a:ext cx="180000" cy="180000"/>
+            </a:xfrm>
+            <a:prstGeom prst="plus">
+              <a:avLst>
+                <a:gd name="adj" fmla="val 33021"/>
+              </a:avLst>
+            </a:prstGeom>
+            <a:solidFill>
+              <a:schemeClr val="tx1"/>
+            </a:solidFill>
+            <a:ln>
+              <a:noFill/>
+            </a:ln>
+          </p:spPr>
+          <p:style>
+            <a:lnRef idx="2">
+              <a:schemeClr val="accent1">
+                <a:shade val="50000"/>
+              </a:schemeClr>
+            </a:lnRef>
+            <a:fillRef idx="1">
+              <a:schemeClr val="accent1"/>
+            </a:fillRef>
+            <a:effectRef idx="0">
+              <a:schemeClr val="accent1"/>
+            </a:effectRef>
+            <a:fontRef idx="minor">
+              <a:schemeClr val="lt1"/>
+            </a:fontRef>
+          </p:style>
+          <p:txBody>
+            <a:bodyPr rtlCol="0" anchor="ctr"/>
+            <a:lstStyle/>
+            <a:p>
+              <a:pPr algn="ctr"/>
+              <a:endParaRPr lang="en-CN">
+                <a:solidFill>
+                  <a:schemeClr val="tx1"/>
+                </a:solidFill>
+              </a:endParaRPr>
+            </a:p>
+          </p:txBody>
+        </p:sp>
+        <p:sp>
+          <p:nvSpPr>
+            <p:cNvPr id="7" name="Cross 6">
+              <a:extLst>
+                <a:ext uri="{FF2B5EF4-FFF2-40B4-BE49-F238E27FC236}">
+                  <a16:creationId xmlns:a16="http://schemas.microsoft.com/office/drawing/2014/main" id="{4D81C3B3-5ED2-0845-EDB7-4FD5F3C8A947}"/>
+                </a:ext>
+              </a:extLst>
+            </p:cNvPr>
+            <p:cNvSpPr/>
+            <p:nvPr/>
+          </p:nvSpPr>
+          <p:spPr>
+            <a:xfrm>
+              <a:off x="2085252" y="2917758"/>
+              <a:ext cx="180000" cy="180000"/>
+            </a:xfrm>
+            <a:prstGeom prst="plus">
+              <a:avLst>
+                <a:gd name="adj" fmla="val 33021"/>
+              </a:avLst>
+            </a:prstGeom>
+            <a:solidFill>
+              <a:schemeClr val="tx1"/>
+            </a:solidFill>
+            <a:ln>
+              <a:noFill/>
+            </a:ln>
+          </p:spPr>
+          <p:style>
+            <a:lnRef idx="2">
+              <a:schemeClr val="accent1">
+                <a:shade val="50000"/>
+              </a:schemeClr>
+            </a:lnRef>
+            <a:fillRef idx="1">
+              <a:schemeClr val="accent1"/>
+            </a:fillRef>
+            <a:effectRef idx="0">
+              <a:schemeClr val="accent1"/>
+            </a:effectRef>
+            <a:fontRef idx="minor">
+              <a:schemeClr val="lt1"/>
+            </a:fontRef>
+          </p:style>
+          <p:txBody>
+            <a:bodyPr rtlCol="0" anchor="ctr"/>
+            <a:lstStyle/>
+            <a:p>
+              <a:pPr algn="ctr"/>
+              <a:endParaRPr lang="en-CN">
+                <a:solidFill>
+                  <a:schemeClr val="tx1"/>
+                </a:solidFill>
+              </a:endParaRPr>
+            </a:p>
+          </p:txBody>
+        </p:sp>
       </p:grpSp>
-      <p:sp>
-        <p:nvSpPr>
-          <p:cNvPr id="4" name="Cross 3">
-            <a:extLst>
-              <a:ext uri="{FF2B5EF4-FFF2-40B4-BE49-F238E27FC236}">
-                <a16:creationId xmlns:a16="http://schemas.microsoft.com/office/drawing/2014/main" id="{BE35B54C-3653-6856-AAC1-4C29262540BA}"/>
-              </a:ext>
-            </a:extLst>
-          </p:cNvPr>
-          <p:cNvSpPr/>
-          <p:nvPr/>
-        </p:nvSpPr>
-        <p:spPr>
-          <a:xfrm>
-            <a:off x="6575079" y="2737758"/>
-            <a:ext cx="180000" cy="180000"/>
-          </a:xfrm>
-          <a:prstGeom prst="plus">
-            <a:avLst>
-              <a:gd name="adj" fmla="val 33021"/>
-            </a:avLst>
-          </a:prstGeom>
-          <a:solidFill>
-            <a:schemeClr val="tx1"/>
-          </a:solidFill>
-          <a:ln>
-            <a:noFill/>
-          </a:ln>
-        </p:spPr>
-        <p:style>
-          <a:lnRef idx="2">
-            <a:schemeClr val="accent1">
-              <a:shade val="50000"/>
-            </a:schemeClr>
-          </a:lnRef>
-          <a:fillRef idx="1">
-            <a:schemeClr val="accent1"/>
-          </a:fillRef>
-          <a:effectRef idx="0">
-            <a:schemeClr val="accent1"/>
-          </a:effectRef>
-          <a:fontRef idx="minor">
-            <a:schemeClr val="lt1"/>
-          </a:fontRef>
-        </p:style>
-        <p:txBody>
-          <a:bodyPr rtlCol="0" anchor="ctr"/>
-          <a:lstStyle/>
-          <a:p>
-            <a:pPr algn="ctr"/>
-            <a:endParaRPr lang="en-CN">
-              <a:solidFill>
-                <a:schemeClr val="tx1"/>
-              </a:solidFill>
-            </a:endParaRPr>
-          </a:p>
-        </p:txBody>
-      </p:sp>
-      <p:sp>
-        <p:nvSpPr>
-          <p:cNvPr id="7" name="Cross 6">
-            <a:extLst>
-              <a:ext uri="{FF2B5EF4-FFF2-40B4-BE49-F238E27FC236}">
-                <a16:creationId xmlns:a16="http://schemas.microsoft.com/office/drawing/2014/main" id="{4D81C3B3-5ED2-0845-EDB7-4FD5F3C8A947}"/>
-              </a:ext>
-            </a:extLst>
-          </p:cNvPr>
-          <p:cNvSpPr/>
-          <p:nvPr/>
-        </p:nvSpPr>
-        <p:spPr>
-          <a:xfrm>
-            <a:off x="2085252" y="2917758"/>
-            <a:ext cx="180000" cy="180000"/>
-          </a:xfrm>
-          <a:prstGeom prst="plus">
-            <a:avLst>
-              <a:gd name="adj" fmla="val 33021"/>
-            </a:avLst>
-          </a:prstGeom>
-          <a:solidFill>
-            <a:schemeClr val="tx1"/>
-          </a:solidFill>
-          <a:ln>
-            <a:noFill/>
-          </a:ln>
-        </p:spPr>
-        <p:style>
-          <a:lnRef idx="2">
-            <a:schemeClr val="accent1">
-              <a:shade val="50000"/>
-            </a:schemeClr>
-          </a:lnRef>
-          <a:fillRef idx="1">
-            <a:schemeClr val="accent1"/>
-          </a:fillRef>
-          <a:effectRef idx="0">
-            <a:schemeClr val="accent1"/>
-          </a:effectRef>
-          <a:fontRef idx="minor">
-            <a:schemeClr val="lt1"/>
-          </a:fontRef>
-        </p:style>
-        <p:txBody>
-          <a:bodyPr rtlCol="0" anchor="ctr"/>
-          <a:lstStyle/>
-          <a:p>
-            <a:pPr algn="ctr"/>
-            <a:endParaRPr lang="en-CN">
-              <a:solidFill>
-                <a:schemeClr val="tx1"/>
-              </a:solidFill>
-            </a:endParaRPr>
-          </a:p>
-        </p:txBody>
-      </p:sp>
     </p:spTree>
     <p:extLst>
       <p:ext uri="{BB962C8B-B14F-4D97-AF65-F5344CB8AC3E}">
@@ -12543,10 +12539,10 @@
       </p:grpSpPr>
       <p:grpSp>
         <p:nvGrpSpPr>
-          <p:cNvPr id="4" name="Group 3">
+          <p:cNvPr id="8" name="Group 7">
             <a:extLst>
               <a:ext uri="{FF2B5EF4-FFF2-40B4-BE49-F238E27FC236}">
-                <a16:creationId xmlns:a16="http://schemas.microsoft.com/office/drawing/2014/main" id="{DDA8FBC4-CA9C-4841-432F-D684C0A1347D}"/>
+                <a16:creationId xmlns:a16="http://schemas.microsoft.com/office/drawing/2014/main" id="{F3431A2C-ADD4-45DA-332A-E93E49E74140}"/>
               </a:ext>
             </a:extLst>
           </p:cNvPr>
@@ -12555,10 +12551,10 @@
         </p:nvGrpSpPr>
         <p:grpSpPr>
           <a:xfrm>
-            <a:off x="1981200" y="2247425"/>
-            <a:ext cx="8472601" cy="1521012"/>
-            <a:chOff x="1981200" y="2247425"/>
-            <a:chExt cx="8472601" cy="1521012"/>
+            <a:off x="1981200" y="2876394"/>
+            <a:ext cx="8472601" cy="1532124"/>
+            <a:chOff x="1981200" y="2876394"/>
+            <a:chExt cx="8472601" cy="1532124"/>
           </a:xfrm>
         </p:grpSpPr>
         <p:grpSp>
@@ -12575,7 +12571,7 @@
           </p:nvGrpSpPr>
           <p:grpSpPr>
             <a:xfrm>
-              <a:off x="1981200" y="2364301"/>
+              <a:off x="1981200" y="3004382"/>
               <a:ext cx="2977350" cy="1064694"/>
               <a:chOff x="1488974" y="3906297"/>
               <a:chExt cx="1803118" cy="734665"/>
@@ -12802,7 +12798,7 @@
           </p:nvGrpSpPr>
           <p:grpSpPr>
             <a:xfrm>
-              <a:off x="7476452" y="2364299"/>
+              <a:off x="7476452" y="3004380"/>
               <a:ext cx="2977349" cy="1404138"/>
               <a:chOff x="9132407" y="3125108"/>
               <a:chExt cx="2302184" cy="968890"/>
@@ -13084,13 +13080,13 @@
           </p:nvCxnSpPr>
           <p:spPr>
             <a:xfrm>
-              <a:off x="4958550" y="2676138"/>
+              <a:off x="4958550" y="3316219"/>
               <a:ext cx="2517901" cy="3"/>
             </a:xfrm>
             <a:prstGeom prst="straightConnector1">
               <a:avLst/>
             </a:prstGeom>
-            <a:ln w="25400">
+            <a:ln w="19050">
               <a:solidFill>
                 <a:schemeClr val="tx1"/>
               </a:solidFill>
@@ -13127,7 +13123,7 @@
           </p:nvSpPr>
           <p:spPr>
             <a:xfrm>
-              <a:off x="5188809" y="2247425"/>
+              <a:off x="5188809" y="2887506"/>
               <a:ext cx="2057383" cy="338554"/>
             </a:xfrm>
             <a:prstGeom prst="rect">
@@ -13170,7 +13166,7 @@
           </p:nvSpPr>
           <p:spPr>
             <a:xfrm>
-              <a:off x="5070083" y="2766302"/>
+              <a:off x="5070083" y="3406383"/>
               <a:ext cx="2294832" cy="307777"/>
             </a:xfrm>
             <a:prstGeom prst="rect">
@@ -13227,123 +13223,123 @@
             </a:p>
           </p:txBody>
         </p:sp>
+        <p:sp>
+          <p:nvSpPr>
+            <p:cNvPr id="2" name="Cross 1">
+              <a:extLst>
+                <a:ext uri="{FF2B5EF4-FFF2-40B4-BE49-F238E27FC236}">
+                  <a16:creationId xmlns:a16="http://schemas.microsoft.com/office/drawing/2014/main" id="{2C92516A-FF90-A754-0835-287CDB73D16A}"/>
+                </a:ext>
+              </a:extLst>
+            </p:cNvPr>
+            <p:cNvSpPr/>
+            <p:nvPr/>
+          </p:nvSpPr>
+          <p:spPr>
+            <a:xfrm>
+              <a:off x="6535751" y="2876394"/>
+              <a:ext cx="180000" cy="180000"/>
+            </a:xfrm>
+            <a:prstGeom prst="plus">
+              <a:avLst>
+                <a:gd name="adj" fmla="val 33021"/>
+              </a:avLst>
+            </a:prstGeom>
+            <a:solidFill>
+              <a:schemeClr val="tx1"/>
+            </a:solidFill>
+            <a:ln>
+              <a:noFill/>
+            </a:ln>
+          </p:spPr>
+          <p:style>
+            <a:lnRef idx="2">
+              <a:schemeClr val="accent1">
+                <a:shade val="50000"/>
+              </a:schemeClr>
+            </a:lnRef>
+            <a:fillRef idx="1">
+              <a:schemeClr val="accent1"/>
+            </a:fillRef>
+            <a:effectRef idx="0">
+              <a:schemeClr val="accent1"/>
+            </a:effectRef>
+            <a:fontRef idx="minor">
+              <a:schemeClr val="lt1"/>
+            </a:fontRef>
+          </p:style>
+          <p:txBody>
+            <a:bodyPr rtlCol="0" anchor="ctr"/>
+            <a:lstStyle/>
+            <a:p>
+              <a:pPr algn="ctr"/>
+              <a:endParaRPr lang="en-CN">
+                <a:solidFill>
+                  <a:schemeClr val="tx1"/>
+                </a:solidFill>
+              </a:endParaRPr>
+            </a:p>
+          </p:txBody>
+        </p:sp>
+        <p:sp>
+          <p:nvSpPr>
+            <p:cNvPr id="7" name="Cross 6">
+              <a:extLst>
+                <a:ext uri="{FF2B5EF4-FFF2-40B4-BE49-F238E27FC236}">
+                  <a16:creationId xmlns:a16="http://schemas.microsoft.com/office/drawing/2014/main" id="{E28E2677-B5CC-E9CE-BDD2-8E9D216DCFC5}"/>
+                </a:ext>
+              </a:extLst>
+            </p:cNvPr>
+            <p:cNvSpPr/>
+            <p:nvPr/>
+          </p:nvSpPr>
+          <p:spPr>
+            <a:xfrm>
+              <a:off x="7561820" y="3066226"/>
+              <a:ext cx="180000" cy="180000"/>
+            </a:xfrm>
+            <a:prstGeom prst="plus">
+              <a:avLst>
+                <a:gd name="adj" fmla="val 33021"/>
+              </a:avLst>
+            </a:prstGeom>
+            <a:solidFill>
+              <a:schemeClr val="tx1"/>
+            </a:solidFill>
+            <a:ln>
+              <a:noFill/>
+            </a:ln>
+          </p:spPr>
+          <p:style>
+            <a:lnRef idx="2">
+              <a:schemeClr val="accent1">
+                <a:shade val="50000"/>
+              </a:schemeClr>
+            </a:lnRef>
+            <a:fillRef idx="1">
+              <a:schemeClr val="accent1"/>
+            </a:fillRef>
+            <a:effectRef idx="0">
+              <a:schemeClr val="accent1"/>
+            </a:effectRef>
+            <a:fontRef idx="minor">
+              <a:schemeClr val="lt1"/>
+            </a:fontRef>
+          </p:style>
+          <p:txBody>
+            <a:bodyPr rtlCol="0" anchor="ctr"/>
+            <a:lstStyle/>
+            <a:p>
+              <a:pPr algn="ctr"/>
+              <a:endParaRPr lang="en-CN">
+                <a:solidFill>
+                  <a:schemeClr val="tx1"/>
+                </a:solidFill>
+              </a:endParaRPr>
+            </a:p>
+          </p:txBody>
+        </p:sp>
       </p:grpSp>
-      <p:sp>
-        <p:nvSpPr>
-          <p:cNvPr id="2" name="Cross 1">
-            <a:extLst>
-              <a:ext uri="{FF2B5EF4-FFF2-40B4-BE49-F238E27FC236}">
-                <a16:creationId xmlns:a16="http://schemas.microsoft.com/office/drawing/2014/main" id="{2C92516A-FF90-A754-0835-287CDB73D16A}"/>
-              </a:ext>
-            </a:extLst>
-          </p:cNvPr>
-          <p:cNvSpPr/>
-          <p:nvPr/>
-        </p:nvSpPr>
-        <p:spPr>
-          <a:xfrm>
-            <a:off x="6535751" y="2236313"/>
-            <a:ext cx="180000" cy="180000"/>
-          </a:xfrm>
-          <a:prstGeom prst="plus">
-            <a:avLst>
-              <a:gd name="adj" fmla="val 33021"/>
-            </a:avLst>
-          </a:prstGeom>
-          <a:solidFill>
-            <a:schemeClr val="tx1"/>
-          </a:solidFill>
-          <a:ln>
-            <a:noFill/>
-          </a:ln>
-        </p:spPr>
-        <p:style>
-          <a:lnRef idx="2">
-            <a:schemeClr val="accent1">
-              <a:shade val="50000"/>
-            </a:schemeClr>
-          </a:lnRef>
-          <a:fillRef idx="1">
-            <a:schemeClr val="accent1"/>
-          </a:fillRef>
-          <a:effectRef idx="0">
-            <a:schemeClr val="accent1"/>
-          </a:effectRef>
-          <a:fontRef idx="minor">
-            <a:schemeClr val="lt1"/>
-          </a:fontRef>
-        </p:style>
-        <p:txBody>
-          <a:bodyPr rtlCol="0" anchor="ctr"/>
-          <a:lstStyle/>
-          <a:p>
-            <a:pPr algn="ctr"/>
-            <a:endParaRPr lang="en-CN">
-              <a:solidFill>
-                <a:schemeClr val="tx1"/>
-              </a:solidFill>
-            </a:endParaRPr>
-          </a:p>
-        </p:txBody>
-      </p:sp>
-      <p:sp>
-        <p:nvSpPr>
-          <p:cNvPr id="7" name="Cross 6">
-            <a:extLst>
-              <a:ext uri="{FF2B5EF4-FFF2-40B4-BE49-F238E27FC236}">
-                <a16:creationId xmlns:a16="http://schemas.microsoft.com/office/drawing/2014/main" id="{E28E2677-B5CC-E9CE-BDD2-8E9D216DCFC5}"/>
-              </a:ext>
-            </a:extLst>
-          </p:cNvPr>
-          <p:cNvSpPr/>
-          <p:nvPr/>
-        </p:nvSpPr>
-        <p:spPr>
-          <a:xfrm>
-            <a:off x="7561820" y="2426145"/>
-            <a:ext cx="180000" cy="180000"/>
-          </a:xfrm>
-          <a:prstGeom prst="plus">
-            <a:avLst>
-              <a:gd name="adj" fmla="val 33021"/>
-            </a:avLst>
-          </a:prstGeom>
-          <a:solidFill>
-            <a:schemeClr val="tx1"/>
-          </a:solidFill>
-          <a:ln>
-            <a:noFill/>
-          </a:ln>
-        </p:spPr>
-        <p:style>
-          <a:lnRef idx="2">
-            <a:schemeClr val="accent1">
-              <a:shade val="50000"/>
-            </a:schemeClr>
-          </a:lnRef>
-          <a:fillRef idx="1">
-            <a:schemeClr val="accent1"/>
-          </a:fillRef>
-          <a:effectRef idx="0">
-            <a:schemeClr val="accent1"/>
-          </a:effectRef>
-          <a:fontRef idx="minor">
-            <a:schemeClr val="lt1"/>
-          </a:fontRef>
-        </p:style>
-        <p:txBody>
-          <a:bodyPr rtlCol="0" anchor="ctr"/>
-          <a:lstStyle/>
-          <a:p>
-            <a:pPr algn="ctr"/>
-            <a:endParaRPr lang="en-CN">
-              <a:solidFill>
-                <a:schemeClr val="tx1"/>
-              </a:solidFill>
-            </a:endParaRPr>
-          </a:p>
-        </p:txBody>
-      </p:sp>
     </p:spTree>
     <p:extLst>
       <p:ext uri="{BB962C8B-B14F-4D97-AF65-F5344CB8AC3E}">
@@ -13376,10 +13372,10 @@
       </p:grpSpPr>
       <p:grpSp>
         <p:nvGrpSpPr>
-          <p:cNvPr id="2" name="Group 1">
+          <p:cNvPr id="8" name="Group 7">
             <a:extLst>
               <a:ext uri="{FF2B5EF4-FFF2-40B4-BE49-F238E27FC236}">
-                <a16:creationId xmlns:a16="http://schemas.microsoft.com/office/drawing/2014/main" id="{74A315EB-A0E3-8C7D-5149-B2A1EEA03A9A}"/>
+                <a16:creationId xmlns:a16="http://schemas.microsoft.com/office/drawing/2014/main" id="{CBF08C8C-D120-6F9C-0240-3F6845DBB350}"/>
               </a:ext>
             </a:extLst>
           </p:cNvPr>
@@ -13388,10 +13384,10 @@
         </p:nvGrpSpPr>
         <p:grpSpPr>
           <a:xfrm>
-            <a:off x="1852279" y="2790825"/>
-            <a:ext cx="8487442" cy="1276350"/>
-            <a:chOff x="2003503" y="2737758"/>
-            <a:chExt cx="8487442" cy="1276350"/>
+            <a:off x="1878405" y="2897885"/>
+            <a:ext cx="8487442" cy="1299920"/>
+            <a:chOff x="1878405" y="2897885"/>
+            <a:chExt cx="8487442" cy="1299920"/>
           </a:xfrm>
         </p:grpSpPr>
         <p:grpSp>
@@ -13408,7 +13404,7 @@
           </p:nvGrpSpPr>
           <p:grpSpPr>
             <a:xfrm>
-              <a:off x="2003503" y="2854630"/>
+              <a:off x="1878405" y="3038327"/>
               <a:ext cx="2977350" cy="1159478"/>
               <a:chOff x="1488974" y="3906297"/>
               <a:chExt cx="1803118" cy="800069"/>
@@ -13639,13 +13635,13 @@
           </p:nvCxnSpPr>
           <p:spPr>
             <a:xfrm flipV="1">
-              <a:off x="4980853" y="3161102"/>
+              <a:off x="4855755" y="3344799"/>
               <a:ext cx="2532742" cy="5369"/>
             </a:xfrm>
             <a:prstGeom prst="straightConnector1">
               <a:avLst/>
             </a:prstGeom>
-            <a:ln w="25400">
+            <a:ln w="19050">
               <a:solidFill>
                 <a:schemeClr val="tx1"/>
               </a:solidFill>
@@ -13682,7 +13678,7 @@
           </p:nvSpPr>
           <p:spPr>
             <a:xfrm>
-              <a:off x="5211112" y="2737758"/>
+              <a:off x="5086014" y="2921455"/>
               <a:ext cx="2057383" cy="338554"/>
             </a:xfrm>
             <a:prstGeom prst="rect">
@@ -13725,798 +13721,7 @@
           </p:nvSpPr>
           <p:spPr>
             <a:xfrm>
-              <a:off x="5092386" y="3256635"/>
-              <a:ext cx="2294832" cy="523220"/>
-            </a:xfrm>
-            <a:prstGeom prst="rect">
-              <a:avLst/>
-            </a:prstGeom>
-            <a:noFill/>
-          </p:spPr>
-          <p:txBody>
-            <a:bodyPr wrap="square" rtlCol="0">
-              <a:spAutoFit/>
-            </a:bodyPr>
-            <a:lstStyle/>
-            <a:p>
-              <a:pPr algn="ctr"/>
-              <a:r>
-                <a:rPr kumimoji="1" lang="en-US" altLang="zh-CN" sz="1400" dirty="0">
-                  <a:latin typeface="DengXian" panose="02010600030101010101" pitchFamily="2" charset="-122"/>
-                  <a:ea typeface="DengXian" panose="02010600030101010101" pitchFamily="2" charset="-122"/>
-                </a:rPr>
-                <a:t>timestamp</a:t>
-              </a:r>
-              <a:r>
-                <a:rPr kumimoji="1" lang="zh-CN" altLang="en-US" sz="1400" dirty="0">
-                  <a:latin typeface="DengXian" panose="02010600030101010101" pitchFamily="2" charset="-122"/>
-                  <a:ea typeface="DengXian" panose="02010600030101010101" pitchFamily="2" charset="-122"/>
-                </a:rPr>
-                <a:t> </a:t>
-              </a:r>
-              <a:r>
-                <a:rPr kumimoji="1" lang="en-US" altLang="zh-CN" sz="1400" dirty="0">
-                  <a:latin typeface="DengXian" panose="02010600030101010101" pitchFamily="2" charset="-122"/>
-                  <a:ea typeface="DengXian" panose="02010600030101010101" pitchFamily="2" charset="-122"/>
-                </a:rPr>
-                <a:t>&lt;-</a:t>
-              </a:r>
-              <a:r>
-                <a:rPr kumimoji="1" lang="zh-CN" altLang="en-US" sz="1400" dirty="0">
-                  <a:latin typeface="DengXian" panose="02010600030101010101" pitchFamily="2" charset="-122"/>
-                  <a:ea typeface="DengXian" panose="02010600030101010101" pitchFamily="2" charset="-122"/>
-                </a:rPr>
-                <a:t> </a:t>
-              </a:r>
-              <a:r>
-                <a:rPr kumimoji="1" lang="en-US" altLang="zh-CN" sz="1400" dirty="0" err="1">
-                  <a:latin typeface="DengXian" panose="02010600030101010101" pitchFamily="2" charset="-122"/>
-                  <a:ea typeface="DengXian" panose="02010600030101010101" pitchFamily="2" charset="-122"/>
-                </a:rPr>
-                <a:t>currentTime</a:t>
-              </a:r>
-              <a:endParaRPr kumimoji="1" lang="en-US" altLang="zh-CN" sz="1400" dirty="0">
-                <a:latin typeface="DengXian" panose="02010600030101010101" pitchFamily="2" charset="-122"/>
-                <a:ea typeface="DengXian" panose="02010600030101010101" pitchFamily="2" charset="-122"/>
-              </a:endParaRPr>
-            </a:p>
-            <a:p>
-              <a:pPr algn="ctr"/>
-              <a:r>
-                <a:rPr kumimoji="1" lang="en-US" altLang="zh-CN" sz="1400" dirty="0">
-                  <a:latin typeface="DengXian" panose="02010600030101010101" pitchFamily="2" charset="-122"/>
-                  <a:ea typeface="DengXian" panose="02010600030101010101" pitchFamily="2" charset="-122"/>
-                </a:rPr>
-                <a:t>amount</a:t>
-              </a:r>
-              <a:r>
-                <a:rPr kumimoji="1" lang="zh-CN" altLang="en-US" sz="1400" dirty="0">
-                  <a:latin typeface="DengXian" panose="02010600030101010101" pitchFamily="2" charset="-122"/>
-                  <a:ea typeface="DengXian" panose="02010600030101010101" pitchFamily="2" charset="-122"/>
-                </a:rPr>
-                <a:t> </a:t>
-              </a:r>
-              <a:r>
-                <a:rPr kumimoji="1" lang="en-US" altLang="zh-CN" sz="1400" dirty="0">
-                  <a:latin typeface="DengXian" panose="02010600030101010101" pitchFamily="2" charset="-122"/>
-                  <a:ea typeface="DengXian" panose="02010600030101010101" pitchFamily="2" charset="-122"/>
-                </a:rPr>
-                <a:t>&lt;-</a:t>
-              </a:r>
-              <a:r>
-                <a:rPr kumimoji="1" lang="zh-CN" altLang="en-US" sz="1400" dirty="0">
-                  <a:latin typeface="DengXian" panose="02010600030101010101" pitchFamily="2" charset="-122"/>
-                  <a:ea typeface="DengXian" panose="02010600030101010101" pitchFamily="2" charset="-122"/>
-                </a:rPr>
-                <a:t> </a:t>
-              </a:r>
-              <a:r>
-                <a:rPr kumimoji="1" lang="en-US" altLang="zh-CN" sz="1400" dirty="0">
-                  <a:latin typeface="DengXian" panose="02010600030101010101" pitchFamily="2" charset="-122"/>
-                  <a:ea typeface="DengXian" panose="02010600030101010101" pitchFamily="2" charset="-122"/>
-                </a:rPr>
-                <a:t>amount</a:t>
-              </a:r>
-            </a:p>
-          </p:txBody>
-        </p:sp>
-        <p:grpSp>
-          <p:nvGrpSpPr>
-            <p:cNvPr id="19" name="Group 18">
-              <a:extLst>
-                <a:ext uri="{FF2B5EF4-FFF2-40B4-BE49-F238E27FC236}">
-                  <a16:creationId xmlns:a16="http://schemas.microsoft.com/office/drawing/2014/main" id="{CB52BBC1-C4CE-8642-A108-879A9B82D3D7}"/>
-                </a:ext>
-              </a:extLst>
-            </p:cNvPr>
-            <p:cNvGrpSpPr/>
-            <p:nvPr/>
-          </p:nvGrpSpPr>
-          <p:grpSpPr>
-            <a:xfrm>
-              <a:off x="7513595" y="2849261"/>
-              <a:ext cx="2977350" cy="1159478"/>
-              <a:chOff x="1488974" y="3906297"/>
-              <a:chExt cx="1803118" cy="800069"/>
-            </a:xfrm>
-          </p:grpSpPr>
-          <p:sp>
-            <p:nvSpPr>
-              <p:cNvPr id="20" name="矩形 4">
-                <a:extLst>
-                  <a:ext uri="{FF2B5EF4-FFF2-40B4-BE49-F238E27FC236}">
-                    <a16:creationId xmlns:a16="http://schemas.microsoft.com/office/drawing/2014/main" id="{F1D97759-78F2-F74F-94A8-9E052A4A9460}"/>
-                  </a:ext>
-                </a:extLst>
-              </p:cNvPr>
-              <p:cNvSpPr/>
-              <p:nvPr/>
-            </p:nvSpPr>
-            <p:spPr>
-              <a:xfrm>
-                <a:off x="1488974" y="3906297"/>
-                <a:ext cx="1803118" cy="430356"/>
-              </a:xfrm>
-              <a:prstGeom prst="rect">
-                <a:avLst/>
-              </a:prstGeom>
-              <a:solidFill>
-                <a:schemeClr val="accent2">
-                  <a:lumMod val="60000"/>
-                  <a:lumOff val="40000"/>
-                </a:schemeClr>
-              </a:solidFill>
-              <a:ln w="25400">
-                <a:solidFill>
-                  <a:schemeClr val="tx1"/>
-                </a:solidFill>
-              </a:ln>
-            </p:spPr>
-            <p:style>
-              <a:lnRef idx="2">
-                <a:schemeClr val="accent2">
-                  <a:shade val="50000"/>
-                </a:schemeClr>
-              </a:lnRef>
-              <a:fillRef idx="1">
-                <a:schemeClr val="accent2"/>
-              </a:fillRef>
-              <a:effectRef idx="0">
-                <a:schemeClr val="accent2"/>
-              </a:effectRef>
-              <a:fontRef idx="minor">
-                <a:schemeClr val="lt1"/>
-              </a:fontRef>
-            </p:style>
-            <p:txBody>
-              <a:bodyPr rtlCol="0" anchor="ctr"/>
-              <a:lstStyle/>
-              <a:p>
-                <a:pPr algn="ctr"/>
-                <a:r>
-                  <a:rPr kumimoji="1" lang="en-US" altLang="zh-CN" b="1" dirty="0">
-                    <a:solidFill>
-                      <a:sysClr val="windowText" lastClr="000000"/>
-                    </a:solidFill>
-                  </a:rPr>
-                  <a:t>Loan</a:t>
-                </a:r>
-                <a:endParaRPr kumimoji="1" lang="zh-CN" altLang="en-US" sz="1600" b="1" dirty="0">
-                  <a:solidFill>
-                    <a:sysClr val="windowText" lastClr="000000"/>
-                  </a:solidFill>
-                </a:endParaRPr>
-              </a:p>
-            </p:txBody>
-          </p:sp>
-          <p:sp>
-            <p:nvSpPr>
-              <p:cNvPr id="25" name="矩形 5">
-                <a:extLst>
-                  <a:ext uri="{FF2B5EF4-FFF2-40B4-BE49-F238E27FC236}">
-                    <a16:creationId xmlns:a16="http://schemas.microsoft.com/office/drawing/2014/main" id="{D82F4FBE-796F-284B-BD68-423A9E362735}"/>
-                  </a:ext>
-                </a:extLst>
-              </p:cNvPr>
-              <p:cNvSpPr/>
-              <p:nvPr/>
-            </p:nvSpPr>
-            <p:spPr>
-              <a:xfrm>
-                <a:off x="1488974" y="4336653"/>
-                <a:ext cx="1803117" cy="369713"/>
-              </a:xfrm>
-              <a:prstGeom prst="rect">
-                <a:avLst/>
-              </a:prstGeom>
-              <a:noFill/>
-              <a:ln w="25400">
-                <a:solidFill>
-                  <a:schemeClr val="tx1"/>
-                </a:solidFill>
-              </a:ln>
-            </p:spPr>
-            <p:style>
-              <a:lnRef idx="2">
-                <a:schemeClr val="accent2">
-                  <a:shade val="50000"/>
-                </a:schemeClr>
-              </a:lnRef>
-              <a:fillRef idx="1">
-                <a:schemeClr val="accent2"/>
-              </a:fillRef>
-              <a:effectRef idx="0">
-                <a:schemeClr val="accent2"/>
-              </a:effectRef>
-              <a:fontRef idx="minor">
-                <a:schemeClr val="lt1"/>
-              </a:fontRef>
-            </p:style>
-            <p:txBody>
-              <a:bodyPr rtlCol="0" anchor="ctr"/>
-              <a:lstStyle/>
-              <a:p>
-                <a:pPr algn="ctr"/>
-                <a:r>
-                  <a:rPr kumimoji="1" lang="en-US" altLang="zh-CN" sz="1600" dirty="0">
-                    <a:solidFill>
-                      <a:sysClr val="windowText" lastClr="000000"/>
-                    </a:solidFill>
-                    <a:latin typeface="DengXian" panose="02010600030101010101" pitchFamily="2" charset="-122"/>
-                    <a:ea typeface="DengXian" panose="02010600030101010101" pitchFamily="2" charset="-122"/>
-                  </a:rPr>
-                  <a:t>id</a:t>
-                </a:r>
-                <a:r>
-                  <a:rPr kumimoji="1" lang="zh-CN" altLang="en-US" sz="1600" dirty="0">
-                    <a:solidFill>
-                      <a:sysClr val="windowText" lastClr="000000"/>
-                    </a:solidFill>
-                    <a:latin typeface="DengXian" panose="02010600030101010101" pitchFamily="2" charset="-122"/>
-                    <a:ea typeface="DengXian" panose="02010600030101010101" pitchFamily="2" charset="-122"/>
-                  </a:rPr>
-                  <a:t> </a:t>
-                </a:r>
-                <a:r>
-                  <a:rPr kumimoji="1" lang="en-US" altLang="zh-CN" sz="1600" dirty="0">
-                    <a:solidFill>
-                      <a:sysClr val="windowText" lastClr="000000"/>
-                    </a:solidFill>
-                    <a:latin typeface="DengXian" panose="02010600030101010101" pitchFamily="2" charset="-122"/>
-                    <a:ea typeface="DengXian" panose="02010600030101010101" pitchFamily="2" charset="-122"/>
-                  </a:rPr>
-                  <a:t>&lt;-</a:t>
-                </a:r>
-                <a:r>
-                  <a:rPr kumimoji="1" lang="zh-CN" altLang="en-US" sz="1600" dirty="0">
-                    <a:solidFill>
-                      <a:sysClr val="windowText" lastClr="000000"/>
-                    </a:solidFill>
-                    <a:latin typeface="DengXian" panose="02010600030101010101" pitchFamily="2" charset="-122"/>
-                    <a:ea typeface="DengXian" panose="02010600030101010101" pitchFamily="2" charset="-122"/>
-                  </a:rPr>
-                  <a:t> </a:t>
-                </a:r>
-                <a:r>
-                  <a:rPr kumimoji="1" lang="en-US" altLang="zh-CN" sz="1600" dirty="0" err="1">
-                    <a:solidFill>
-                      <a:sysClr val="windowText" lastClr="000000"/>
-                    </a:solidFill>
-                    <a:latin typeface="DengXian" panose="02010600030101010101" pitchFamily="2" charset="-122"/>
-                    <a:ea typeface="DengXian" panose="02010600030101010101" pitchFamily="2" charset="-122"/>
-                  </a:rPr>
-                  <a:t>loanId</a:t>
-                </a:r>
-                <a:endParaRPr kumimoji="1" lang="en-US" altLang="zh-CN" sz="1600" dirty="0">
-                  <a:solidFill>
-                    <a:sysClr val="windowText" lastClr="000000"/>
-                  </a:solidFill>
-                  <a:latin typeface="DengXian" panose="02010600030101010101" pitchFamily="2" charset="-122"/>
-                  <a:ea typeface="DengXian" panose="02010600030101010101" pitchFamily="2" charset="-122"/>
-                </a:endParaRPr>
-              </a:p>
-            </p:txBody>
-          </p:sp>
-        </p:grpSp>
-      </p:grpSp>
-      <p:sp>
-        <p:nvSpPr>
-          <p:cNvPr id="4" name="Cross 3">
-            <a:extLst>
-              <a:ext uri="{FF2B5EF4-FFF2-40B4-BE49-F238E27FC236}">
-                <a16:creationId xmlns:a16="http://schemas.microsoft.com/office/drawing/2014/main" id="{94A17D3B-E94A-0ED9-925A-2B1A9477FA5A}"/>
-              </a:ext>
-            </a:extLst>
-          </p:cNvPr>
-          <p:cNvSpPr/>
-          <p:nvPr/>
-        </p:nvSpPr>
-        <p:spPr>
-          <a:xfrm>
-            <a:off x="6486590" y="2767255"/>
-            <a:ext cx="180000" cy="180000"/>
-          </a:xfrm>
-          <a:prstGeom prst="plus">
-            <a:avLst>
-              <a:gd name="adj" fmla="val 33021"/>
-            </a:avLst>
-          </a:prstGeom>
-          <a:solidFill>
-            <a:schemeClr val="tx1"/>
-          </a:solidFill>
-          <a:ln>
-            <a:noFill/>
-          </a:ln>
-        </p:spPr>
-        <p:style>
-          <a:lnRef idx="2">
-            <a:schemeClr val="accent1">
-              <a:shade val="50000"/>
-            </a:schemeClr>
-          </a:lnRef>
-          <a:fillRef idx="1">
-            <a:schemeClr val="accent1"/>
-          </a:fillRef>
-          <a:effectRef idx="0">
-            <a:schemeClr val="accent1"/>
-          </a:effectRef>
-          <a:fontRef idx="minor">
-            <a:schemeClr val="lt1"/>
-          </a:fontRef>
-        </p:style>
-        <p:txBody>
-          <a:bodyPr rtlCol="0" anchor="ctr"/>
-          <a:lstStyle/>
-          <a:p>
-            <a:pPr algn="ctr"/>
-            <a:endParaRPr lang="en-CN">
-              <a:solidFill>
-                <a:schemeClr val="tx1"/>
-              </a:solidFill>
-            </a:endParaRPr>
-          </a:p>
-        </p:txBody>
-      </p:sp>
-      <p:sp>
-        <p:nvSpPr>
-          <p:cNvPr id="7" name="Cross 6">
-            <a:extLst>
-              <a:ext uri="{FF2B5EF4-FFF2-40B4-BE49-F238E27FC236}">
-                <a16:creationId xmlns:a16="http://schemas.microsoft.com/office/drawing/2014/main" id="{5A219355-574B-9392-FB7C-ADE9FDBCE4AC}"/>
-              </a:ext>
-            </a:extLst>
-          </p:cNvPr>
-          <p:cNvSpPr/>
-          <p:nvPr/>
-        </p:nvSpPr>
-        <p:spPr>
-          <a:xfrm>
-            <a:off x="7453667" y="2957087"/>
-            <a:ext cx="180000" cy="180000"/>
-          </a:xfrm>
-          <a:prstGeom prst="plus">
-            <a:avLst>
-              <a:gd name="adj" fmla="val 33021"/>
-            </a:avLst>
-          </a:prstGeom>
-          <a:solidFill>
-            <a:schemeClr val="tx1"/>
-          </a:solidFill>
-          <a:ln>
-            <a:noFill/>
-          </a:ln>
-        </p:spPr>
-        <p:style>
-          <a:lnRef idx="2">
-            <a:schemeClr val="accent1">
-              <a:shade val="50000"/>
-            </a:schemeClr>
-          </a:lnRef>
-          <a:fillRef idx="1">
-            <a:schemeClr val="accent1"/>
-          </a:fillRef>
-          <a:effectRef idx="0">
-            <a:schemeClr val="accent1"/>
-          </a:effectRef>
-          <a:fontRef idx="minor">
-            <a:schemeClr val="lt1"/>
-          </a:fontRef>
-        </p:style>
-        <p:txBody>
-          <a:bodyPr rtlCol="0" anchor="ctr"/>
-          <a:lstStyle/>
-          <a:p>
-            <a:pPr algn="ctr"/>
-            <a:endParaRPr lang="en-CN">
-              <a:solidFill>
-                <a:schemeClr val="tx1"/>
-              </a:solidFill>
-            </a:endParaRPr>
-          </a:p>
-        </p:txBody>
-      </p:sp>
-    </p:spTree>
-    <p:extLst>
-      <p:ext uri="{BB962C8B-B14F-4D97-AF65-F5344CB8AC3E}">
-        <p14:creationId xmlns:p14="http://schemas.microsoft.com/office/powerpoint/2010/main" val="33099864"/>
-      </p:ext>
-    </p:extLst>
-  </p:cSld>
-  <p:clrMapOvr>
-    <a:masterClrMapping/>
-  </p:clrMapOvr>
-</p:sld>
-</file>
-
-<file path=ppt/slides/slide9.xml><?xml version="1.0" encoding="utf-8"?>
-<p:sld xmlns:a="http://schemas.openxmlformats.org/drawingml/2006/main" xmlns:r="http://schemas.openxmlformats.org/officeDocument/2006/relationships" xmlns:p="http://schemas.openxmlformats.org/presentationml/2006/main">
-  <p:cSld>
-    <p:spTree>
-      <p:nvGrpSpPr>
-        <p:cNvPr id="1" name=""/>
-        <p:cNvGrpSpPr/>
-        <p:nvPr/>
-      </p:nvGrpSpPr>
-      <p:grpSpPr>
-        <a:xfrm>
-          <a:off x="0" y="0"/>
-          <a:ext cx="0" cy="0"/>
-          <a:chOff x="0" y="0"/>
-          <a:chExt cx="0" cy="0"/>
-        </a:xfrm>
-      </p:grpSpPr>
-      <p:grpSp>
-        <p:nvGrpSpPr>
-          <p:cNvPr id="2" name="Group 1">
-            <a:extLst>
-              <a:ext uri="{FF2B5EF4-FFF2-40B4-BE49-F238E27FC236}">
-                <a16:creationId xmlns:a16="http://schemas.microsoft.com/office/drawing/2014/main" id="{05C3A7B5-83CA-A947-0193-EF6CD621469B}"/>
-              </a:ext>
-            </a:extLst>
-          </p:cNvPr>
-          <p:cNvGrpSpPr/>
-          <p:nvPr/>
-        </p:nvGrpSpPr>
-        <p:grpSpPr>
-          <a:xfrm>
-            <a:off x="2003503" y="2737758"/>
-            <a:ext cx="8487442" cy="1276350"/>
-            <a:chOff x="2003503" y="2737758"/>
-            <a:chExt cx="8487442" cy="1276350"/>
-          </a:xfrm>
-        </p:grpSpPr>
-        <p:grpSp>
-          <p:nvGrpSpPr>
-            <p:cNvPr id="3" name="Group 2">
-              <a:extLst>
-                <a:ext uri="{FF2B5EF4-FFF2-40B4-BE49-F238E27FC236}">
-                  <a16:creationId xmlns:a16="http://schemas.microsoft.com/office/drawing/2014/main" id="{D543F2FB-A178-5C43-9632-9F2D7941D522}"/>
-                </a:ext>
-              </a:extLst>
-            </p:cNvPr>
-            <p:cNvGrpSpPr/>
-            <p:nvPr/>
-          </p:nvGrpSpPr>
-          <p:grpSpPr>
-            <a:xfrm>
-              <a:off x="2003503" y="2854630"/>
-              <a:ext cx="2977350" cy="1159478"/>
-              <a:chOff x="1488974" y="3906297"/>
-              <a:chExt cx="1803118" cy="800069"/>
-            </a:xfrm>
-          </p:grpSpPr>
-          <p:sp>
-            <p:nvSpPr>
-              <p:cNvPr id="5" name="矩形 4">
-                <a:extLst>
-                  <a:ext uri="{FF2B5EF4-FFF2-40B4-BE49-F238E27FC236}">
-                    <a16:creationId xmlns:a16="http://schemas.microsoft.com/office/drawing/2014/main" id="{4F7CE573-D2EE-B544-9AF9-A133E6C5E6B5}"/>
-                  </a:ext>
-                </a:extLst>
-              </p:cNvPr>
-              <p:cNvSpPr/>
-              <p:nvPr/>
-            </p:nvSpPr>
-            <p:spPr>
-              <a:xfrm>
-                <a:off x="1488974" y="3906297"/>
-                <a:ext cx="1803118" cy="430356"/>
-              </a:xfrm>
-              <a:prstGeom prst="rect">
-                <a:avLst/>
-              </a:prstGeom>
-              <a:solidFill>
-                <a:schemeClr val="accent5">
-                  <a:lumMod val="60000"/>
-                  <a:lumOff val="40000"/>
-                </a:schemeClr>
-              </a:solidFill>
-              <a:ln w="25400">
-                <a:solidFill>
-                  <a:schemeClr val="tx1"/>
-                </a:solidFill>
-              </a:ln>
-            </p:spPr>
-            <p:style>
-              <a:lnRef idx="2">
-                <a:schemeClr val="accent2">
-                  <a:shade val="50000"/>
-                </a:schemeClr>
-              </a:lnRef>
-              <a:fillRef idx="1">
-                <a:schemeClr val="accent2"/>
-              </a:fillRef>
-              <a:effectRef idx="0">
-                <a:schemeClr val="accent2"/>
-              </a:effectRef>
-              <a:fontRef idx="minor">
-                <a:schemeClr val="lt1"/>
-              </a:fontRef>
-            </p:style>
-            <p:txBody>
-              <a:bodyPr rtlCol="0" anchor="ctr"/>
-              <a:lstStyle/>
-              <a:p>
-                <a:pPr algn="ctr"/>
-                <a:r>
-                  <a:rPr kumimoji="1" lang="en-US" altLang="zh-CN" b="1" dirty="0">
-                    <a:solidFill>
-                      <a:sysClr val="windowText" lastClr="000000"/>
-                    </a:solidFill>
-                  </a:rPr>
-                  <a:t>acc:</a:t>
-                </a:r>
-                <a:r>
-                  <a:rPr kumimoji="1" lang="zh-CN" altLang="en-US" b="1" dirty="0">
-                    <a:solidFill>
-                      <a:sysClr val="windowText" lastClr="000000"/>
-                    </a:solidFill>
-                  </a:rPr>
-                  <a:t> </a:t>
-                </a:r>
-                <a:r>
-                  <a:rPr kumimoji="1" lang="en-US" altLang="zh-CN" dirty="0">
-                    <a:solidFill>
-                      <a:sysClr val="windowText" lastClr="000000"/>
-                    </a:solidFill>
-                  </a:rPr>
-                  <a:t>Account</a:t>
-                </a:r>
-                <a:endParaRPr kumimoji="1" lang="zh-CN" altLang="en-US" sz="1600" dirty="0">
-                  <a:solidFill>
-                    <a:sysClr val="windowText" lastClr="000000"/>
-                  </a:solidFill>
-                </a:endParaRPr>
-              </a:p>
-            </p:txBody>
-          </p:sp>
-          <p:sp>
-            <p:nvSpPr>
-              <p:cNvPr id="6" name="矩形 5">
-                <a:extLst>
-                  <a:ext uri="{FF2B5EF4-FFF2-40B4-BE49-F238E27FC236}">
-                    <a16:creationId xmlns:a16="http://schemas.microsoft.com/office/drawing/2014/main" id="{D9E4A41A-CB40-AC47-87AB-621C9DE49842}"/>
-                  </a:ext>
-                </a:extLst>
-              </p:cNvPr>
-              <p:cNvSpPr/>
-              <p:nvPr/>
-            </p:nvSpPr>
-            <p:spPr>
-              <a:xfrm>
-                <a:off x="1488974" y="4336653"/>
-                <a:ext cx="1803117" cy="369713"/>
-              </a:xfrm>
-              <a:prstGeom prst="rect">
-                <a:avLst/>
-              </a:prstGeom>
-              <a:noFill/>
-              <a:ln w="25400">
-                <a:solidFill>
-                  <a:schemeClr val="tx1"/>
-                </a:solidFill>
-              </a:ln>
-            </p:spPr>
-            <p:style>
-              <a:lnRef idx="2">
-                <a:schemeClr val="accent2">
-                  <a:shade val="50000"/>
-                </a:schemeClr>
-              </a:lnRef>
-              <a:fillRef idx="1">
-                <a:schemeClr val="accent2"/>
-              </a:fillRef>
-              <a:effectRef idx="0">
-                <a:schemeClr val="accent2"/>
-              </a:effectRef>
-              <a:fontRef idx="minor">
-                <a:schemeClr val="lt1"/>
-              </a:fontRef>
-            </p:style>
-            <p:txBody>
-              <a:bodyPr rtlCol="0" anchor="ctr"/>
-              <a:lstStyle/>
-              <a:p>
-                <a:pPr algn="ctr"/>
-                <a:r>
-                  <a:rPr kumimoji="1" lang="en-US" altLang="zh-CN" sz="1600" dirty="0" err="1">
-                    <a:solidFill>
-                      <a:sysClr val="windowText" lastClr="000000"/>
-                    </a:solidFill>
-                    <a:latin typeface="DengXian" panose="02010600030101010101" pitchFamily="2" charset="-122"/>
-                    <a:ea typeface="DengXian" panose="02010600030101010101" pitchFamily="2" charset="-122"/>
-                  </a:rPr>
-                  <a:t>acc.id</a:t>
-                </a:r>
-                <a:r>
-                  <a:rPr kumimoji="1" lang="zh-CN" altLang="en-US" sz="1600" dirty="0">
-                    <a:solidFill>
-                      <a:sysClr val="windowText" lastClr="000000"/>
-                    </a:solidFill>
-                    <a:latin typeface="DengXian" panose="02010600030101010101" pitchFamily="2" charset="-122"/>
-                    <a:ea typeface="DengXian" panose="02010600030101010101" pitchFamily="2" charset="-122"/>
-                  </a:rPr>
-                  <a:t> </a:t>
-                </a:r>
-                <a:r>
-                  <a:rPr kumimoji="1" lang="en-US" altLang="zh-CN" sz="1600" dirty="0">
-                    <a:solidFill>
-                      <a:sysClr val="windowText" lastClr="000000"/>
-                    </a:solidFill>
-                    <a:latin typeface="DengXian" panose="02010600030101010101" pitchFamily="2" charset="-122"/>
-                    <a:ea typeface="DengXian" panose="02010600030101010101" pitchFamily="2" charset="-122"/>
-                  </a:rPr>
-                  <a:t>=</a:t>
-                </a:r>
-                <a:r>
-                  <a:rPr kumimoji="1" lang="zh-CN" altLang="en-US" sz="1600" dirty="0">
-                    <a:solidFill>
-                      <a:sysClr val="windowText" lastClr="000000"/>
-                    </a:solidFill>
-                    <a:latin typeface="DengXian" panose="02010600030101010101" pitchFamily="2" charset="-122"/>
-                    <a:ea typeface="DengXian" panose="02010600030101010101" pitchFamily="2" charset="-122"/>
-                  </a:rPr>
-                  <a:t> </a:t>
-                </a:r>
-                <a:r>
-                  <a:rPr kumimoji="1" lang="en-US" altLang="zh-CN" sz="1600" dirty="0">
-                    <a:solidFill>
-                      <a:sysClr val="windowText" lastClr="000000"/>
-                    </a:solidFill>
-                    <a:latin typeface="DengXian" panose="02010600030101010101" pitchFamily="2" charset="-122"/>
-                    <a:ea typeface="DengXian" panose="02010600030101010101" pitchFamily="2" charset="-122"/>
-                  </a:rPr>
-                  <a:t>${</a:t>
-                </a:r>
-                <a:r>
-                  <a:rPr kumimoji="1" lang="en-US" altLang="zh-CN" sz="1600" dirty="0" err="1">
-                    <a:solidFill>
-                      <a:sysClr val="windowText" lastClr="000000"/>
-                    </a:solidFill>
-                    <a:latin typeface="DengXian" panose="02010600030101010101" pitchFamily="2" charset="-122"/>
-                    <a:ea typeface="DengXian" panose="02010600030101010101" pitchFamily="2" charset="-122"/>
-                  </a:rPr>
-                  <a:t>accountId</a:t>
-                </a:r>
-                <a:r>
-                  <a:rPr kumimoji="1" lang="en-US" altLang="zh-CN" sz="1600" dirty="0">
-                    <a:solidFill>
-                      <a:sysClr val="windowText" lastClr="000000"/>
-                    </a:solidFill>
-                    <a:latin typeface="DengXian" panose="02010600030101010101" pitchFamily="2" charset="-122"/>
-                    <a:ea typeface="DengXian" panose="02010600030101010101" pitchFamily="2" charset="-122"/>
-                  </a:rPr>
-                  <a:t>}</a:t>
-                </a:r>
-              </a:p>
-            </p:txBody>
-          </p:sp>
-        </p:grpSp>
-        <p:cxnSp>
-          <p:nvCxnSpPr>
-            <p:cNvPr id="24" name="直线箭头连接符 6" descr="jytjh">
-              <a:extLst>
-                <a:ext uri="{FF2B5EF4-FFF2-40B4-BE49-F238E27FC236}">
-                  <a16:creationId xmlns:a16="http://schemas.microsoft.com/office/drawing/2014/main" id="{3DA09880-1005-9344-94A5-98749DDEA913}"/>
-                </a:ext>
-              </a:extLst>
-            </p:cNvPr>
-            <p:cNvCxnSpPr>
-              <a:cxnSpLocks/>
-              <a:stCxn id="20" idx="1"/>
-              <a:endCxn id="5" idx="3"/>
-            </p:cNvCxnSpPr>
-            <p:nvPr/>
-          </p:nvCxnSpPr>
-          <p:spPr>
-            <a:xfrm flipH="1">
-              <a:off x="4980853" y="3161102"/>
-              <a:ext cx="2532742" cy="5369"/>
-            </a:xfrm>
-            <a:prstGeom prst="straightConnector1">
-              <a:avLst/>
-            </a:prstGeom>
-            <a:ln w="25400">
-              <a:solidFill>
-                <a:schemeClr val="tx1"/>
-              </a:solidFill>
-              <a:headEnd type="arrow" w="sm" len="lg"/>
-              <a:tailEnd type="none"/>
-            </a:ln>
-          </p:spPr>
-          <p:style>
-            <a:lnRef idx="1">
-              <a:schemeClr val="accent1"/>
-            </a:lnRef>
-            <a:fillRef idx="0">
-              <a:schemeClr val="accent1"/>
-            </a:fillRef>
-            <a:effectRef idx="0">
-              <a:schemeClr val="accent1"/>
-            </a:effectRef>
-            <a:fontRef idx="minor">
-              <a:schemeClr val="tx1"/>
-            </a:fontRef>
-          </p:style>
-        </p:cxnSp>
-        <p:sp>
-          <p:nvSpPr>
-            <p:cNvPr id="28" name="文本框 7">
-              <a:extLst>
-                <a:ext uri="{FF2B5EF4-FFF2-40B4-BE49-F238E27FC236}">
-                  <a16:creationId xmlns:a16="http://schemas.microsoft.com/office/drawing/2014/main" id="{6DE928EA-B974-BB48-AC67-2225429003BC}"/>
-                </a:ext>
-              </a:extLst>
-            </p:cNvPr>
-            <p:cNvSpPr txBox="1"/>
-            <p:nvPr/>
-          </p:nvSpPr>
-          <p:spPr>
-            <a:xfrm>
-              <a:off x="5211112" y="2737758"/>
-              <a:ext cx="2057383" cy="338554"/>
-            </a:xfrm>
-            <a:prstGeom prst="rect">
-              <a:avLst/>
-            </a:prstGeom>
-            <a:noFill/>
-          </p:spPr>
-          <p:txBody>
-            <a:bodyPr wrap="square" rtlCol="0">
-              <a:spAutoFit/>
-            </a:bodyPr>
-            <a:lstStyle/>
-            <a:p>
-              <a:pPr algn="ctr"/>
-              <a:r>
-                <a:rPr kumimoji="1" lang="en-US" altLang="zh-CN" sz="1600" b="1" dirty="0">
-                  <a:latin typeface="DengXian" panose="02010600030101010101" pitchFamily="2" charset="-122"/>
-                  <a:ea typeface="DengXian" panose="02010600030101010101" pitchFamily="2" charset="-122"/>
-                </a:rPr>
-                <a:t>repay</a:t>
-              </a:r>
-              <a:endParaRPr kumimoji="1" lang="en-US" altLang="zh-CN" sz="1600" dirty="0">
-                <a:latin typeface="DengXian" panose="02010600030101010101" pitchFamily="2" charset="-122"/>
-                <a:ea typeface="DengXian" panose="02010600030101010101" pitchFamily="2" charset="-122"/>
-              </a:endParaRPr>
-            </a:p>
-          </p:txBody>
-        </p:sp>
-        <p:sp>
-          <p:nvSpPr>
-            <p:cNvPr id="32" name="文本框 7">
-              <a:extLst>
-                <a:ext uri="{FF2B5EF4-FFF2-40B4-BE49-F238E27FC236}">
-                  <a16:creationId xmlns:a16="http://schemas.microsoft.com/office/drawing/2014/main" id="{DAE693AC-E3B8-214C-BA31-8102FC1A750D}"/>
-                </a:ext>
-              </a:extLst>
-            </p:cNvPr>
-            <p:cNvSpPr txBox="1"/>
-            <p:nvPr/>
-          </p:nvSpPr>
-          <p:spPr>
-            <a:xfrm>
-              <a:off x="5092386" y="3256635"/>
+              <a:off x="4967288" y="3440332"/>
               <a:ext cx="2294832" cy="523220"/>
             </a:xfrm>
             <a:prstGeom prst="rect">
@@ -14625,7 +13830,7 @@
           </p:nvGrpSpPr>
           <p:grpSpPr>
             <a:xfrm>
-              <a:off x="7513595" y="2849261"/>
+              <a:off x="7388497" y="3032958"/>
               <a:ext cx="2977350" cy="1159478"/>
               <a:chOff x="1488974" y="3906297"/>
               <a:chExt cx="1803118" cy="800069"/>
@@ -14690,6 +13895,813 @@
                       <a:sysClr val="windowText" lastClr="000000"/>
                     </a:solidFill>
                   </a:rPr>
+                  <a:t>loan:</a:t>
+                </a:r>
+                <a:r>
+                  <a:rPr kumimoji="1" lang="zh-CN" altLang="en-US" b="1" dirty="0">
+                    <a:solidFill>
+                      <a:sysClr val="windowText" lastClr="000000"/>
+                    </a:solidFill>
+                  </a:rPr>
+                  <a:t> </a:t>
+                </a:r>
+                <a:r>
+                  <a:rPr kumimoji="1" lang="en-US" altLang="zh-CN" dirty="0">
+                    <a:solidFill>
+                      <a:sysClr val="windowText" lastClr="000000"/>
+                    </a:solidFill>
+                  </a:rPr>
+                  <a:t>Loan</a:t>
+                </a:r>
+                <a:endParaRPr kumimoji="1" lang="zh-CN" altLang="en-US" sz="1600" dirty="0">
+                  <a:solidFill>
+                    <a:sysClr val="windowText" lastClr="000000"/>
+                  </a:solidFill>
+                </a:endParaRPr>
+              </a:p>
+            </p:txBody>
+          </p:sp>
+          <p:sp>
+            <p:nvSpPr>
+              <p:cNvPr id="25" name="矩形 5">
+                <a:extLst>
+                  <a:ext uri="{FF2B5EF4-FFF2-40B4-BE49-F238E27FC236}">
+                    <a16:creationId xmlns:a16="http://schemas.microsoft.com/office/drawing/2014/main" id="{D82F4FBE-796F-284B-BD68-423A9E362735}"/>
+                  </a:ext>
+                </a:extLst>
+              </p:cNvPr>
+              <p:cNvSpPr/>
+              <p:nvPr/>
+            </p:nvSpPr>
+            <p:spPr>
+              <a:xfrm>
+                <a:off x="1488974" y="4336653"/>
+                <a:ext cx="1803117" cy="369713"/>
+              </a:xfrm>
+              <a:prstGeom prst="rect">
+                <a:avLst/>
+              </a:prstGeom>
+              <a:noFill/>
+              <a:ln w="25400">
+                <a:solidFill>
+                  <a:schemeClr val="tx1"/>
+                </a:solidFill>
+              </a:ln>
+            </p:spPr>
+            <p:style>
+              <a:lnRef idx="2">
+                <a:schemeClr val="accent2">
+                  <a:shade val="50000"/>
+                </a:schemeClr>
+              </a:lnRef>
+              <a:fillRef idx="1">
+                <a:schemeClr val="accent2"/>
+              </a:fillRef>
+              <a:effectRef idx="0">
+                <a:schemeClr val="accent2"/>
+              </a:effectRef>
+              <a:fontRef idx="minor">
+                <a:schemeClr val="lt1"/>
+              </a:fontRef>
+            </p:style>
+            <p:txBody>
+              <a:bodyPr rtlCol="0" anchor="ctr"/>
+              <a:lstStyle/>
+              <a:p>
+                <a:pPr algn="ctr"/>
+                <a:r>
+                  <a:rPr kumimoji="1" lang="en-US" altLang="zh-CN" sz="1600" dirty="0">
+                    <a:solidFill>
+                      <a:sysClr val="windowText" lastClr="000000"/>
+                    </a:solidFill>
+                    <a:latin typeface="DengXian" panose="02010600030101010101" pitchFamily="2" charset="-122"/>
+                    <a:ea typeface="DengXian" panose="02010600030101010101" pitchFamily="2" charset="-122"/>
+                  </a:rPr>
+                  <a:t>id</a:t>
+                </a:r>
+                <a:r>
+                  <a:rPr kumimoji="1" lang="zh-CN" altLang="en-US" sz="1600" dirty="0">
+                    <a:solidFill>
+                      <a:sysClr val="windowText" lastClr="000000"/>
+                    </a:solidFill>
+                    <a:latin typeface="DengXian" panose="02010600030101010101" pitchFamily="2" charset="-122"/>
+                    <a:ea typeface="DengXian" panose="02010600030101010101" pitchFamily="2" charset="-122"/>
+                  </a:rPr>
+                  <a:t> </a:t>
+                </a:r>
+                <a:r>
+                  <a:rPr kumimoji="1" lang="en-US" altLang="zh-CN" sz="1600" dirty="0">
+                    <a:solidFill>
+                      <a:sysClr val="windowText" lastClr="000000"/>
+                    </a:solidFill>
+                    <a:latin typeface="DengXian" panose="02010600030101010101" pitchFamily="2" charset="-122"/>
+                    <a:ea typeface="DengXian" panose="02010600030101010101" pitchFamily="2" charset="-122"/>
+                  </a:rPr>
+                  <a:t>&lt;-</a:t>
+                </a:r>
+                <a:r>
+                  <a:rPr kumimoji="1" lang="zh-CN" altLang="en-US" sz="1600" dirty="0">
+                    <a:solidFill>
+                      <a:sysClr val="windowText" lastClr="000000"/>
+                    </a:solidFill>
+                    <a:latin typeface="DengXian" panose="02010600030101010101" pitchFamily="2" charset="-122"/>
+                    <a:ea typeface="DengXian" panose="02010600030101010101" pitchFamily="2" charset="-122"/>
+                  </a:rPr>
+                  <a:t> </a:t>
+                </a:r>
+                <a:r>
+                  <a:rPr kumimoji="1" lang="en-US" altLang="zh-CN" sz="1600" dirty="0" err="1">
+                    <a:solidFill>
+                      <a:sysClr val="windowText" lastClr="000000"/>
+                    </a:solidFill>
+                    <a:latin typeface="DengXian" panose="02010600030101010101" pitchFamily="2" charset="-122"/>
+                    <a:ea typeface="DengXian" panose="02010600030101010101" pitchFamily="2" charset="-122"/>
+                  </a:rPr>
+                  <a:t>loanId</a:t>
+                </a:r>
+                <a:endParaRPr kumimoji="1" lang="en-US" altLang="zh-CN" sz="1600" dirty="0">
+                  <a:solidFill>
+                    <a:sysClr val="windowText" lastClr="000000"/>
+                  </a:solidFill>
+                  <a:latin typeface="DengXian" panose="02010600030101010101" pitchFamily="2" charset="-122"/>
+                  <a:ea typeface="DengXian" panose="02010600030101010101" pitchFamily="2" charset="-122"/>
+                </a:endParaRPr>
+              </a:p>
+            </p:txBody>
+          </p:sp>
+        </p:grpSp>
+        <p:sp>
+          <p:nvSpPr>
+            <p:cNvPr id="4" name="Cross 3">
+              <a:extLst>
+                <a:ext uri="{FF2B5EF4-FFF2-40B4-BE49-F238E27FC236}">
+                  <a16:creationId xmlns:a16="http://schemas.microsoft.com/office/drawing/2014/main" id="{94A17D3B-E94A-0ED9-925A-2B1A9477FA5A}"/>
+                </a:ext>
+              </a:extLst>
+            </p:cNvPr>
+            <p:cNvSpPr/>
+            <p:nvPr/>
+          </p:nvSpPr>
+          <p:spPr>
+            <a:xfrm>
+              <a:off x="6512716" y="2897885"/>
+              <a:ext cx="180000" cy="180000"/>
+            </a:xfrm>
+            <a:prstGeom prst="plus">
+              <a:avLst>
+                <a:gd name="adj" fmla="val 33021"/>
+              </a:avLst>
+            </a:prstGeom>
+            <a:solidFill>
+              <a:schemeClr val="tx1"/>
+            </a:solidFill>
+            <a:ln>
+              <a:noFill/>
+            </a:ln>
+          </p:spPr>
+          <p:style>
+            <a:lnRef idx="2">
+              <a:schemeClr val="accent1">
+                <a:shade val="50000"/>
+              </a:schemeClr>
+            </a:lnRef>
+            <a:fillRef idx="1">
+              <a:schemeClr val="accent1"/>
+            </a:fillRef>
+            <a:effectRef idx="0">
+              <a:schemeClr val="accent1"/>
+            </a:effectRef>
+            <a:fontRef idx="minor">
+              <a:schemeClr val="lt1"/>
+            </a:fontRef>
+          </p:style>
+          <p:txBody>
+            <a:bodyPr rtlCol="0" anchor="ctr"/>
+            <a:lstStyle/>
+            <a:p>
+              <a:pPr algn="ctr"/>
+              <a:endParaRPr lang="en-CN">
+                <a:solidFill>
+                  <a:schemeClr val="tx1"/>
+                </a:solidFill>
+              </a:endParaRPr>
+            </a:p>
+          </p:txBody>
+        </p:sp>
+        <p:sp>
+          <p:nvSpPr>
+            <p:cNvPr id="7" name="Cross 6">
+              <a:extLst>
+                <a:ext uri="{FF2B5EF4-FFF2-40B4-BE49-F238E27FC236}">
+                  <a16:creationId xmlns:a16="http://schemas.microsoft.com/office/drawing/2014/main" id="{5A219355-574B-9392-FB7C-ADE9FDBCE4AC}"/>
+                </a:ext>
+              </a:extLst>
+            </p:cNvPr>
+            <p:cNvSpPr/>
+            <p:nvPr/>
+          </p:nvSpPr>
+          <p:spPr>
+            <a:xfrm>
+              <a:off x="7479793" y="3087717"/>
+              <a:ext cx="180000" cy="180000"/>
+            </a:xfrm>
+            <a:prstGeom prst="plus">
+              <a:avLst>
+                <a:gd name="adj" fmla="val 33021"/>
+              </a:avLst>
+            </a:prstGeom>
+            <a:solidFill>
+              <a:schemeClr val="tx1"/>
+            </a:solidFill>
+            <a:ln>
+              <a:noFill/>
+            </a:ln>
+          </p:spPr>
+          <p:style>
+            <a:lnRef idx="2">
+              <a:schemeClr val="accent1">
+                <a:shade val="50000"/>
+              </a:schemeClr>
+            </a:lnRef>
+            <a:fillRef idx="1">
+              <a:schemeClr val="accent1"/>
+            </a:fillRef>
+            <a:effectRef idx="0">
+              <a:schemeClr val="accent1"/>
+            </a:effectRef>
+            <a:fontRef idx="minor">
+              <a:schemeClr val="lt1"/>
+            </a:fontRef>
+          </p:style>
+          <p:txBody>
+            <a:bodyPr rtlCol="0" anchor="ctr"/>
+            <a:lstStyle/>
+            <a:p>
+              <a:pPr algn="ctr"/>
+              <a:endParaRPr lang="en-CN">
+                <a:solidFill>
+                  <a:schemeClr val="tx1"/>
+                </a:solidFill>
+              </a:endParaRPr>
+            </a:p>
+          </p:txBody>
+        </p:sp>
+      </p:grpSp>
+    </p:spTree>
+    <p:extLst>
+      <p:ext uri="{BB962C8B-B14F-4D97-AF65-F5344CB8AC3E}">
+        <p14:creationId xmlns:p14="http://schemas.microsoft.com/office/powerpoint/2010/main" val="33099864"/>
+      </p:ext>
+    </p:extLst>
+  </p:cSld>
+  <p:clrMapOvr>
+    <a:masterClrMapping/>
+  </p:clrMapOvr>
+</p:sld>
+</file>
+
+<file path=ppt/slides/slide9.xml><?xml version="1.0" encoding="utf-8"?>
+<p:sld xmlns:a="http://schemas.openxmlformats.org/drawingml/2006/main" xmlns:r="http://schemas.openxmlformats.org/officeDocument/2006/relationships" xmlns:p="http://schemas.openxmlformats.org/presentationml/2006/main">
+  <p:cSld>
+    <p:spTree>
+      <p:nvGrpSpPr>
+        <p:cNvPr id="1" name=""/>
+        <p:cNvGrpSpPr/>
+        <p:nvPr/>
+      </p:nvGrpSpPr>
+      <p:grpSpPr>
+        <a:xfrm>
+          <a:off x="0" y="0"/>
+          <a:ext cx="0" cy="0"/>
+          <a:chOff x="0" y="0"/>
+          <a:chExt cx="0" cy="0"/>
+        </a:xfrm>
+      </p:grpSpPr>
+      <p:grpSp>
+        <p:nvGrpSpPr>
+          <p:cNvPr id="8" name="Group 7">
+            <a:extLst>
+              <a:ext uri="{FF2B5EF4-FFF2-40B4-BE49-F238E27FC236}">
+                <a16:creationId xmlns:a16="http://schemas.microsoft.com/office/drawing/2014/main" id="{42099A22-0AF1-084D-7874-17BE566DE353}"/>
+              </a:ext>
+            </a:extLst>
+          </p:cNvPr>
+          <p:cNvGrpSpPr/>
+          <p:nvPr/>
+        </p:nvGrpSpPr>
+        <p:grpSpPr>
+          <a:xfrm>
+            <a:off x="1833684" y="2985955"/>
+            <a:ext cx="8487442" cy="1276350"/>
+            <a:chOff x="1833684" y="2985955"/>
+            <a:chExt cx="8487442" cy="1276350"/>
+          </a:xfrm>
+        </p:grpSpPr>
+        <p:grpSp>
+          <p:nvGrpSpPr>
+            <p:cNvPr id="3" name="Group 2">
+              <a:extLst>
+                <a:ext uri="{FF2B5EF4-FFF2-40B4-BE49-F238E27FC236}">
+                  <a16:creationId xmlns:a16="http://schemas.microsoft.com/office/drawing/2014/main" id="{D543F2FB-A178-5C43-9632-9F2D7941D522}"/>
+                </a:ext>
+              </a:extLst>
+            </p:cNvPr>
+            <p:cNvGrpSpPr/>
+            <p:nvPr/>
+          </p:nvGrpSpPr>
+          <p:grpSpPr>
+            <a:xfrm>
+              <a:off x="1833684" y="3102827"/>
+              <a:ext cx="2977350" cy="1159478"/>
+              <a:chOff x="1488974" y="3906297"/>
+              <a:chExt cx="1803118" cy="800069"/>
+            </a:xfrm>
+          </p:grpSpPr>
+          <p:sp>
+            <p:nvSpPr>
+              <p:cNvPr id="5" name="矩形 4">
+                <a:extLst>
+                  <a:ext uri="{FF2B5EF4-FFF2-40B4-BE49-F238E27FC236}">
+                    <a16:creationId xmlns:a16="http://schemas.microsoft.com/office/drawing/2014/main" id="{4F7CE573-D2EE-B544-9AF9-A133E6C5E6B5}"/>
+                  </a:ext>
+                </a:extLst>
+              </p:cNvPr>
+              <p:cNvSpPr/>
+              <p:nvPr/>
+            </p:nvSpPr>
+            <p:spPr>
+              <a:xfrm>
+                <a:off x="1488974" y="3906297"/>
+                <a:ext cx="1803118" cy="430356"/>
+              </a:xfrm>
+              <a:prstGeom prst="rect">
+                <a:avLst/>
+              </a:prstGeom>
+              <a:solidFill>
+                <a:schemeClr val="accent5">
+                  <a:lumMod val="60000"/>
+                  <a:lumOff val="40000"/>
+                </a:schemeClr>
+              </a:solidFill>
+              <a:ln w="25400">
+                <a:solidFill>
+                  <a:schemeClr val="tx1"/>
+                </a:solidFill>
+              </a:ln>
+            </p:spPr>
+            <p:style>
+              <a:lnRef idx="2">
+                <a:schemeClr val="accent2">
+                  <a:shade val="50000"/>
+                </a:schemeClr>
+              </a:lnRef>
+              <a:fillRef idx="1">
+                <a:schemeClr val="accent2"/>
+              </a:fillRef>
+              <a:effectRef idx="0">
+                <a:schemeClr val="accent2"/>
+              </a:effectRef>
+              <a:fontRef idx="minor">
+                <a:schemeClr val="lt1"/>
+              </a:fontRef>
+            </p:style>
+            <p:txBody>
+              <a:bodyPr rtlCol="0" anchor="ctr"/>
+              <a:lstStyle/>
+              <a:p>
+                <a:pPr algn="ctr"/>
+                <a:r>
+                  <a:rPr kumimoji="1" lang="en-US" altLang="zh-CN" b="1" dirty="0">
+                    <a:solidFill>
+                      <a:sysClr val="windowText" lastClr="000000"/>
+                    </a:solidFill>
+                  </a:rPr>
+                  <a:t>acc:</a:t>
+                </a:r>
+                <a:r>
+                  <a:rPr kumimoji="1" lang="zh-CN" altLang="en-US" b="1" dirty="0">
+                    <a:solidFill>
+                      <a:sysClr val="windowText" lastClr="000000"/>
+                    </a:solidFill>
+                  </a:rPr>
+                  <a:t> </a:t>
+                </a:r>
+                <a:r>
+                  <a:rPr kumimoji="1" lang="en-US" altLang="zh-CN" dirty="0">
+                    <a:solidFill>
+                      <a:sysClr val="windowText" lastClr="000000"/>
+                    </a:solidFill>
+                  </a:rPr>
+                  <a:t>Account</a:t>
+                </a:r>
+                <a:endParaRPr kumimoji="1" lang="zh-CN" altLang="en-US" sz="1600" dirty="0">
+                  <a:solidFill>
+                    <a:sysClr val="windowText" lastClr="000000"/>
+                  </a:solidFill>
+                </a:endParaRPr>
+              </a:p>
+            </p:txBody>
+          </p:sp>
+          <p:sp>
+            <p:nvSpPr>
+              <p:cNvPr id="6" name="矩形 5">
+                <a:extLst>
+                  <a:ext uri="{FF2B5EF4-FFF2-40B4-BE49-F238E27FC236}">
+                    <a16:creationId xmlns:a16="http://schemas.microsoft.com/office/drawing/2014/main" id="{D9E4A41A-CB40-AC47-87AB-621C9DE49842}"/>
+                  </a:ext>
+                </a:extLst>
+              </p:cNvPr>
+              <p:cNvSpPr/>
+              <p:nvPr/>
+            </p:nvSpPr>
+            <p:spPr>
+              <a:xfrm>
+                <a:off x="1488974" y="4336653"/>
+                <a:ext cx="1803117" cy="369713"/>
+              </a:xfrm>
+              <a:prstGeom prst="rect">
+                <a:avLst/>
+              </a:prstGeom>
+              <a:noFill/>
+              <a:ln w="25400">
+                <a:solidFill>
+                  <a:schemeClr val="tx1"/>
+                </a:solidFill>
+              </a:ln>
+            </p:spPr>
+            <p:style>
+              <a:lnRef idx="2">
+                <a:schemeClr val="accent2">
+                  <a:shade val="50000"/>
+                </a:schemeClr>
+              </a:lnRef>
+              <a:fillRef idx="1">
+                <a:schemeClr val="accent2"/>
+              </a:fillRef>
+              <a:effectRef idx="0">
+                <a:schemeClr val="accent2"/>
+              </a:effectRef>
+              <a:fontRef idx="minor">
+                <a:schemeClr val="lt1"/>
+              </a:fontRef>
+            </p:style>
+            <p:txBody>
+              <a:bodyPr rtlCol="0" anchor="ctr"/>
+              <a:lstStyle/>
+              <a:p>
+                <a:pPr algn="ctr"/>
+                <a:r>
+                  <a:rPr kumimoji="1" lang="en-US" altLang="zh-CN" sz="1600" dirty="0" err="1">
+                    <a:solidFill>
+                      <a:sysClr val="windowText" lastClr="000000"/>
+                    </a:solidFill>
+                    <a:latin typeface="DengXian" panose="02010600030101010101" pitchFamily="2" charset="-122"/>
+                    <a:ea typeface="DengXian" panose="02010600030101010101" pitchFamily="2" charset="-122"/>
+                  </a:rPr>
+                  <a:t>acc.id</a:t>
+                </a:r>
+                <a:r>
+                  <a:rPr kumimoji="1" lang="zh-CN" altLang="en-US" sz="1600" dirty="0">
+                    <a:solidFill>
+                      <a:sysClr val="windowText" lastClr="000000"/>
+                    </a:solidFill>
+                    <a:latin typeface="DengXian" panose="02010600030101010101" pitchFamily="2" charset="-122"/>
+                    <a:ea typeface="DengXian" panose="02010600030101010101" pitchFamily="2" charset="-122"/>
+                  </a:rPr>
+                  <a:t> </a:t>
+                </a:r>
+                <a:r>
+                  <a:rPr kumimoji="1" lang="en-US" altLang="zh-CN" sz="1600" dirty="0">
+                    <a:solidFill>
+                      <a:sysClr val="windowText" lastClr="000000"/>
+                    </a:solidFill>
+                    <a:latin typeface="DengXian" panose="02010600030101010101" pitchFamily="2" charset="-122"/>
+                    <a:ea typeface="DengXian" panose="02010600030101010101" pitchFamily="2" charset="-122"/>
+                  </a:rPr>
+                  <a:t>=</a:t>
+                </a:r>
+                <a:r>
+                  <a:rPr kumimoji="1" lang="zh-CN" altLang="en-US" sz="1600" dirty="0">
+                    <a:solidFill>
+                      <a:sysClr val="windowText" lastClr="000000"/>
+                    </a:solidFill>
+                    <a:latin typeface="DengXian" panose="02010600030101010101" pitchFamily="2" charset="-122"/>
+                    <a:ea typeface="DengXian" panose="02010600030101010101" pitchFamily="2" charset="-122"/>
+                  </a:rPr>
+                  <a:t> </a:t>
+                </a:r>
+                <a:r>
+                  <a:rPr kumimoji="1" lang="en-US" altLang="zh-CN" sz="1600" dirty="0">
+                    <a:solidFill>
+                      <a:sysClr val="windowText" lastClr="000000"/>
+                    </a:solidFill>
+                    <a:latin typeface="DengXian" panose="02010600030101010101" pitchFamily="2" charset="-122"/>
+                    <a:ea typeface="DengXian" panose="02010600030101010101" pitchFamily="2" charset="-122"/>
+                  </a:rPr>
+                  <a:t>${</a:t>
+                </a:r>
+                <a:r>
+                  <a:rPr kumimoji="1" lang="en-US" altLang="zh-CN" sz="1600" dirty="0" err="1">
+                    <a:solidFill>
+                      <a:sysClr val="windowText" lastClr="000000"/>
+                    </a:solidFill>
+                    <a:latin typeface="DengXian" panose="02010600030101010101" pitchFamily="2" charset="-122"/>
+                    <a:ea typeface="DengXian" panose="02010600030101010101" pitchFamily="2" charset="-122"/>
+                  </a:rPr>
+                  <a:t>accountId</a:t>
+                </a:r>
+                <a:r>
+                  <a:rPr kumimoji="1" lang="en-US" altLang="zh-CN" sz="1600" dirty="0">
+                    <a:solidFill>
+                      <a:sysClr val="windowText" lastClr="000000"/>
+                    </a:solidFill>
+                    <a:latin typeface="DengXian" panose="02010600030101010101" pitchFamily="2" charset="-122"/>
+                    <a:ea typeface="DengXian" panose="02010600030101010101" pitchFamily="2" charset="-122"/>
+                  </a:rPr>
+                  <a:t>}</a:t>
+                </a:r>
+              </a:p>
+            </p:txBody>
+          </p:sp>
+        </p:grpSp>
+        <p:cxnSp>
+          <p:nvCxnSpPr>
+            <p:cNvPr id="24" name="直线箭头连接符 6" descr="jytjh">
+              <a:extLst>
+                <a:ext uri="{FF2B5EF4-FFF2-40B4-BE49-F238E27FC236}">
+                  <a16:creationId xmlns:a16="http://schemas.microsoft.com/office/drawing/2014/main" id="{3DA09880-1005-9344-94A5-98749DDEA913}"/>
+                </a:ext>
+              </a:extLst>
+            </p:cNvPr>
+            <p:cNvCxnSpPr>
+              <a:cxnSpLocks/>
+              <a:stCxn id="20" idx="1"/>
+              <a:endCxn id="5" idx="3"/>
+            </p:cNvCxnSpPr>
+            <p:nvPr/>
+          </p:nvCxnSpPr>
+          <p:spPr>
+            <a:xfrm flipH="1">
+              <a:off x="4811034" y="3409299"/>
+              <a:ext cx="2532742" cy="5369"/>
+            </a:xfrm>
+            <a:prstGeom prst="straightConnector1">
+              <a:avLst/>
+            </a:prstGeom>
+            <a:ln w="19050">
+              <a:solidFill>
+                <a:schemeClr val="tx1"/>
+              </a:solidFill>
+              <a:headEnd type="arrow" w="sm" len="lg"/>
+              <a:tailEnd type="none"/>
+            </a:ln>
+          </p:spPr>
+          <p:style>
+            <a:lnRef idx="1">
+              <a:schemeClr val="accent1"/>
+            </a:lnRef>
+            <a:fillRef idx="0">
+              <a:schemeClr val="accent1"/>
+            </a:fillRef>
+            <a:effectRef idx="0">
+              <a:schemeClr val="accent1"/>
+            </a:effectRef>
+            <a:fontRef idx="minor">
+              <a:schemeClr val="tx1"/>
+            </a:fontRef>
+          </p:style>
+        </p:cxnSp>
+        <p:sp>
+          <p:nvSpPr>
+            <p:cNvPr id="28" name="文本框 7">
+              <a:extLst>
+                <a:ext uri="{FF2B5EF4-FFF2-40B4-BE49-F238E27FC236}">
+                  <a16:creationId xmlns:a16="http://schemas.microsoft.com/office/drawing/2014/main" id="{6DE928EA-B974-BB48-AC67-2225429003BC}"/>
+                </a:ext>
+              </a:extLst>
+            </p:cNvPr>
+            <p:cNvSpPr txBox="1"/>
+            <p:nvPr/>
+          </p:nvSpPr>
+          <p:spPr>
+            <a:xfrm>
+              <a:off x="5041293" y="2985955"/>
+              <a:ext cx="2057383" cy="338554"/>
+            </a:xfrm>
+            <a:prstGeom prst="rect">
+              <a:avLst/>
+            </a:prstGeom>
+            <a:noFill/>
+          </p:spPr>
+          <p:txBody>
+            <a:bodyPr wrap="square" rtlCol="0">
+              <a:spAutoFit/>
+            </a:bodyPr>
+            <a:lstStyle/>
+            <a:p>
+              <a:pPr algn="ctr"/>
+              <a:r>
+                <a:rPr kumimoji="1" lang="en-US" altLang="zh-CN" sz="1600" b="1" dirty="0">
+                  <a:latin typeface="DengXian" panose="02010600030101010101" pitchFamily="2" charset="-122"/>
+                  <a:ea typeface="DengXian" panose="02010600030101010101" pitchFamily="2" charset="-122"/>
+                </a:rPr>
+                <a:t>repay</a:t>
+              </a:r>
+              <a:endParaRPr kumimoji="1" lang="en-US" altLang="zh-CN" sz="1600" dirty="0">
+                <a:latin typeface="DengXian" panose="02010600030101010101" pitchFamily="2" charset="-122"/>
+                <a:ea typeface="DengXian" panose="02010600030101010101" pitchFamily="2" charset="-122"/>
+              </a:endParaRPr>
+            </a:p>
+          </p:txBody>
+        </p:sp>
+        <p:sp>
+          <p:nvSpPr>
+            <p:cNvPr id="32" name="文本框 7">
+              <a:extLst>
+                <a:ext uri="{FF2B5EF4-FFF2-40B4-BE49-F238E27FC236}">
+                  <a16:creationId xmlns:a16="http://schemas.microsoft.com/office/drawing/2014/main" id="{DAE693AC-E3B8-214C-BA31-8102FC1A750D}"/>
+                </a:ext>
+              </a:extLst>
+            </p:cNvPr>
+            <p:cNvSpPr txBox="1"/>
+            <p:nvPr/>
+          </p:nvSpPr>
+          <p:spPr>
+            <a:xfrm>
+              <a:off x="4922567" y="3504832"/>
+              <a:ext cx="2294832" cy="523220"/>
+            </a:xfrm>
+            <a:prstGeom prst="rect">
+              <a:avLst/>
+            </a:prstGeom>
+            <a:noFill/>
+          </p:spPr>
+          <p:txBody>
+            <a:bodyPr wrap="square" rtlCol="0">
+              <a:spAutoFit/>
+            </a:bodyPr>
+            <a:lstStyle/>
+            <a:p>
+              <a:pPr algn="ctr"/>
+              <a:r>
+                <a:rPr kumimoji="1" lang="en-US" altLang="zh-CN" sz="1400" dirty="0">
+                  <a:latin typeface="DengXian" panose="02010600030101010101" pitchFamily="2" charset="-122"/>
+                  <a:ea typeface="DengXian" panose="02010600030101010101" pitchFamily="2" charset="-122"/>
+                </a:rPr>
+                <a:t>timestamp</a:t>
+              </a:r>
+              <a:r>
+                <a:rPr kumimoji="1" lang="zh-CN" altLang="en-US" sz="1400" dirty="0">
+                  <a:latin typeface="DengXian" panose="02010600030101010101" pitchFamily="2" charset="-122"/>
+                  <a:ea typeface="DengXian" panose="02010600030101010101" pitchFamily="2" charset="-122"/>
+                </a:rPr>
+                <a:t> </a:t>
+              </a:r>
+              <a:r>
+                <a:rPr kumimoji="1" lang="en-US" altLang="zh-CN" sz="1400" dirty="0">
+                  <a:latin typeface="DengXian" panose="02010600030101010101" pitchFamily="2" charset="-122"/>
+                  <a:ea typeface="DengXian" panose="02010600030101010101" pitchFamily="2" charset="-122"/>
+                </a:rPr>
+                <a:t>&lt;-</a:t>
+              </a:r>
+              <a:r>
+                <a:rPr kumimoji="1" lang="zh-CN" altLang="en-US" sz="1400" dirty="0">
+                  <a:latin typeface="DengXian" panose="02010600030101010101" pitchFamily="2" charset="-122"/>
+                  <a:ea typeface="DengXian" panose="02010600030101010101" pitchFamily="2" charset="-122"/>
+                </a:rPr>
+                <a:t> </a:t>
+              </a:r>
+              <a:r>
+                <a:rPr kumimoji="1" lang="en-US" altLang="zh-CN" sz="1400" dirty="0" err="1">
+                  <a:latin typeface="DengXian" panose="02010600030101010101" pitchFamily="2" charset="-122"/>
+                  <a:ea typeface="DengXian" panose="02010600030101010101" pitchFamily="2" charset="-122"/>
+                </a:rPr>
+                <a:t>currentTime</a:t>
+              </a:r>
+              <a:endParaRPr kumimoji="1" lang="en-US" altLang="zh-CN" sz="1400" dirty="0">
+                <a:latin typeface="DengXian" panose="02010600030101010101" pitchFamily="2" charset="-122"/>
+                <a:ea typeface="DengXian" panose="02010600030101010101" pitchFamily="2" charset="-122"/>
+              </a:endParaRPr>
+            </a:p>
+            <a:p>
+              <a:pPr algn="ctr"/>
+              <a:r>
+                <a:rPr kumimoji="1" lang="en-US" altLang="zh-CN" sz="1400" dirty="0">
+                  <a:latin typeface="DengXian" panose="02010600030101010101" pitchFamily="2" charset="-122"/>
+                  <a:ea typeface="DengXian" panose="02010600030101010101" pitchFamily="2" charset="-122"/>
+                </a:rPr>
+                <a:t>amount</a:t>
+              </a:r>
+              <a:r>
+                <a:rPr kumimoji="1" lang="zh-CN" altLang="en-US" sz="1400" dirty="0">
+                  <a:latin typeface="DengXian" panose="02010600030101010101" pitchFamily="2" charset="-122"/>
+                  <a:ea typeface="DengXian" panose="02010600030101010101" pitchFamily="2" charset="-122"/>
+                </a:rPr>
+                <a:t> </a:t>
+              </a:r>
+              <a:r>
+                <a:rPr kumimoji="1" lang="en-US" altLang="zh-CN" sz="1400" dirty="0">
+                  <a:latin typeface="DengXian" panose="02010600030101010101" pitchFamily="2" charset="-122"/>
+                  <a:ea typeface="DengXian" panose="02010600030101010101" pitchFamily="2" charset="-122"/>
+                </a:rPr>
+                <a:t>&lt;-</a:t>
+              </a:r>
+              <a:r>
+                <a:rPr kumimoji="1" lang="zh-CN" altLang="en-US" sz="1400" dirty="0">
+                  <a:latin typeface="DengXian" panose="02010600030101010101" pitchFamily="2" charset="-122"/>
+                  <a:ea typeface="DengXian" panose="02010600030101010101" pitchFamily="2" charset="-122"/>
+                </a:rPr>
+                <a:t> </a:t>
+              </a:r>
+              <a:r>
+                <a:rPr kumimoji="1" lang="en-US" altLang="zh-CN" sz="1400" dirty="0">
+                  <a:latin typeface="DengXian" panose="02010600030101010101" pitchFamily="2" charset="-122"/>
+                  <a:ea typeface="DengXian" panose="02010600030101010101" pitchFamily="2" charset="-122"/>
+                </a:rPr>
+                <a:t>amt</a:t>
+              </a:r>
+            </a:p>
+          </p:txBody>
+        </p:sp>
+        <p:grpSp>
+          <p:nvGrpSpPr>
+            <p:cNvPr id="19" name="Group 18">
+              <a:extLst>
+                <a:ext uri="{FF2B5EF4-FFF2-40B4-BE49-F238E27FC236}">
+                  <a16:creationId xmlns:a16="http://schemas.microsoft.com/office/drawing/2014/main" id="{CB52BBC1-C4CE-8642-A108-879A9B82D3D7}"/>
+                </a:ext>
+              </a:extLst>
+            </p:cNvPr>
+            <p:cNvGrpSpPr/>
+            <p:nvPr/>
+          </p:nvGrpSpPr>
+          <p:grpSpPr>
+            <a:xfrm>
+              <a:off x="7343776" y="3097458"/>
+              <a:ext cx="2977350" cy="1159478"/>
+              <a:chOff x="1488974" y="3906297"/>
+              <a:chExt cx="1803118" cy="800069"/>
+            </a:xfrm>
+          </p:grpSpPr>
+          <p:sp>
+            <p:nvSpPr>
+              <p:cNvPr id="20" name="矩形 4">
+                <a:extLst>
+                  <a:ext uri="{FF2B5EF4-FFF2-40B4-BE49-F238E27FC236}">
+                    <a16:creationId xmlns:a16="http://schemas.microsoft.com/office/drawing/2014/main" id="{F1D97759-78F2-F74F-94A8-9E052A4A9460}"/>
+                  </a:ext>
+                </a:extLst>
+              </p:cNvPr>
+              <p:cNvSpPr/>
+              <p:nvPr/>
+            </p:nvSpPr>
+            <p:spPr>
+              <a:xfrm>
+                <a:off x="1488974" y="3906297"/>
+                <a:ext cx="1803118" cy="430356"/>
+              </a:xfrm>
+              <a:prstGeom prst="rect">
+                <a:avLst/>
+              </a:prstGeom>
+              <a:solidFill>
+                <a:schemeClr val="accent2">
+                  <a:lumMod val="60000"/>
+                  <a:lumOff val="40000"/>
+                </a:schemeClr>
+              </a:solidFill>
+              <a:ln w="25400">
+                <a:solidFill>
+                  <a:schemeClr val="tx1"/>
+                </a:solidFill>
+              </a:ln>
+            </p:spPr>
+            <p:style>
+              <a:lnRef idx="2">
+                <a:schemeClr val="accent2">
+                  <a:shade val="50000"/>
+                </a:schemeClr>
+              </a:lnRef>
+              <a:fillRef idx="1">
+                <a:schemeClr val="accent2"/>
+              </a:fillRef>
+              <a:effectRef idx="0">
+                <a:schemeClr val="accent2"/>
+              </a:effectRef>
+              <a:fontRef idx="minor">
+                <a:schemeClr val="lt1"/>
+              </a:fontRef>
+            </p:style>
+            <p:txBody>
+              <a:bodyPr rtlCol="0" anchor="ctr"/>
+              <a:lstStyle/>
+              <a:p>
+                <a:pPr algn="ctr"/>
+                <a:r>
+                  <a:rPr kumimoji="1" lang="en-US" altLang="zh-CN" b="1" dirty="0">
+                    <a:solidFill>
+                      <a:sysClr val="windowText" lastClr="000000"/>
+                    </a:solidFill>
+                  </a:rPr>
                   <a:t>Loan</a:t>
                 </a:r>
                 <a:endParaRPr kumimoji="1" lang="zh-CN" altLang="en-US" sz="1600" b="1" dirty="0">
@@ -14809,123 +14821,123 @@
             </p:txBody>
           </p:sp>
         </p:grpSp>
+        <p:sp>
+          <p:nvSpPr>
+            <p:cNvPr id="4" name="Cross 3">
+              <a:extLst>
+                <a:ext uri="{FF2B5EF4-FFF2-40B4-BE49-F238E27FC236}">
+                  <a16:creationId xmlns:a16="http://schemas.microsoft.com/office/drawing/2014/main" id="{4189C50B-BC2C-45DB-08DB-CCF56FE4A1A2}"/>
+                </a:ext>
+              </a:extLst>
+            </p:cNvPr>
+            <p:cNvSpPr/>
+            <p:nvPr/>
+          </p:nvSpPr>
+          <p:spPr>
+            <a:xfrm>
+              <a:off x="6415094" y="3015452"/>
+              <a:ext cx="180000" cy="180000"/>
+            </a:xfrm>
+            <a:prstGeom prst="plus">
+              <a:avLst>
+                <a:gd name="adj" fmla="val 33021"/>
+              </a:avLst>
+            </a:prstGeom>
+            <a:solidFill>
+              <a:schemeClr val="tx1"/>
+            </a:solidFill>
+            <a:ln>
+              <a:noFill/>
+            </a:ln>
+          </p:spPr>
+          <p:style>
+            <a:lnRef idx="2">
+              <a:schemeClr val="accent1">
+                <a:shade val="50000"/>
+              </a:schemeClr>
+            </a:lnRef>
+            <a:fillRef idx="1">
+              <a:schemeClr val="accent1"/>
+            </a:fillRef>
+            <a:effectRef idx="0">
+              <a:schemeClr val="accent1"/>
+            </a:effectRef>
+            <a:fontRef idx="minor">
+              <a:schemeClr val="lt1"/>
+            </a:fontRef>
+          </p:style>
+          <p:txBody>
+            <a:bodyPr rtlCol="0" anchor="ctr"/>
+            <a:lstStyle/>
+            <a:p>
+              <a:pPr algn="ctr"/>
+              <a:endParaRPr lang="en-CN">
+                <a:solidFill>
+                  <a:schemeClr val="tx1"/>
+                </a:solidFill>
+              </a:endParaRPr>
+            </a:p>
+          </p:txBody>
+        </p:sp>
+        <p:sp>
+          <p:nvSpPr>
+            <p:cNvPr id="7" name="Cross 6">
+              <a:extLst>
+                <a:ext uri="{FF2B5EF4-FFF2-40B4-BE49-F238E27FC236}">
+                  <a16:creationId xmlns:a16="http://schemas.microsoft.com/office/drawing/2014/main" id="{0141C050-1173-7F60-7772-917311FF5ED1}"/>
+                </a:ext>
+              </a:extLst>
+            </p:cNvPr>
+            <p:cNvSpPr/>
+            <p:nvPr/>
+          </p:nvSpPr>
+          <p:spPr>
+            <a:xfrm>
+              <a:off x="7421499" y="3165956"/>
+              <a:ext cx="180000" cy="180000"/>
+            </a:xfrm>
+            <a:prstGeom prst="plus">
+              <a:avLst>
+                <a:gd name="adj" fmla="val 33021"/>
+              </a:avLst>
+            </a:prstGeom>
+            <a:solidFill>
+              <a:schemeClr val="tx1"/>
+            </a:solidFill>
+            <a:ln>
+              <a:noFill/>
+            </a:ln>
+          </p:spPr>
+          <p:style>
+            <a:lnRef idx="2">
+              <a:schemeClr val="accent1">
+                <a:shade val="50000"/>
+              </a:schemeClr>
+            </a:lnRef>
+            <a:fillRef idx="1">
+              <a:schemeClr val="accent1"/>
+            </a:fillRef>
+            <a:effectRef idx="0">
+              <a:schemeClr val="accent1"/>
+            </a:effectRef>
+            <a:fontRef idx="minor">
+              <a:schemeClr val="lt1"/>
+            </a:fontRef>
+          </p:style>
+          <p:txBody>
+            <a:bodyPr rtlCol="0" anchor="ctr"/>
+            <a:lstStyle/>
+            <a:p>
+              <a:pPr algn="ctr"/>
+              <a:endParaRPr lang="en-CN">
+                <a:solidFill>
+                  <a:schemeClr val="tx1"/>
+                </a:solidFill>
+              </a:endParaRPr>
+            </a:p>
+          </p:txBody>
+        </p:sp>
       </p:grpSp>
-      <p:sp>
-        <p:nvSpPr>
-          <p:cNvPr id="4" name="Cross 3">
-            <a:extLst>
-              <a:ext uri="{FF2B5EF4-FFF2-40B4-BE49-F238E27FC236}">
-                <a16:creationId xmlns:a16="http://schemas.microsoft.com/office/drawing/2014/main" id="{4189C50B-BC2C-45DB-08DB-CCF56FE4A1A2}"/>
-              </a:ext>
-            </a:extLst>
-          </p:cNvPr>
-          <p:cNvSpPr/>
-          <p:nvPr/>
-        </p:nvSpPr>
-        <p:spPr>
-          <a:xfrm>
-            <a:off x="6584913" y="2767255"/>
-            <a:ext cx="180000" cy="180000"/>
-          </a:xfrm>
-          <a:prstGeom prst="plus">
-            <a:avLst>
-              <a:gd name="adj" fmla="val 33021"/>
-            </a:avLst>
-          </a:prstGeom>
-          <a:solidFill>
-            <a:schemeClr val="tx1"/>
-          </a:solidFill>
-          <a:ln>
-            <a:noFill/>
-          </a:ln>
-        </p:spPr>
-        <p:style>
-          <a:lnRef idx="2">
-            <a:schemeClr val="accent1">
-              <a:shade val="50000"/>
-            </a:schemeClr>
-          </a:lnRef>
-          <a:fillRef idx="1">
-            <a:schemeClr val="accent1"/>
-          </a:fillRef>
-          <a:effectRef idx="0">
-            <a:schemeClr val="accent1"/>
-          </a:effectRef>
-          <a:fontRef idx="minor">
-            <a:schemeClr val="lt1"/>
-          </a:fontRef>
-        </p:style>
-        <p:txBody>
-          <a:bodyPr rtlCol="0" anchor="ctr"/>
-          <a:lstStyle/>
-          <a:p>
-            <a:pPr algn="ctr"/>
-            <a:endParaRPr lang="en-CN">
-              <a:solidFill>
-                <a:schemeClr val="tx1"/>
-              </a:solidFill>
-            </a:endParaRPr>
-          </a:p>
-        </p:txBody>
-      </p:sp>
-      <p:sp>
-        <p:nvSpPr>
-          <p:cNvPr id="7" name="Cross 6">
-            <a:extLst>
-              <a:ext uri="{FF2B5EF4-FFF2-40B4-BE49-F238E27FC236}">
-                <a16:creationId xmlns:a16="http://schemas.microsoft.com/office/drawing/2014/main" id="{0141C050-1173-7F60-7772-917311FF5ED1}"/>
-              </a:ext>
-            </a:extLst>
-          </p:cNvPr>
-          <p:cNvSpPr/>
-          <p:nvPr/>
-        </p:nvSpPr>
-        <p:spPr>
-          <a:xfrm>
-            <a:off x="7591318" y="2917759"/>
-            <a:ext cx="180000" cy="180000"/>
-          </a:xfrm>
-          <a:prstGeom prst="plus">
-            <a:avLst>
-              <a:gd name="adj" fmla="val 33021"/>
-            </a:avLst>
-          </a:prstGeom>
-          <a:solidFill>
-            <a:schemeClr val="tx1"/>
-          </a:solidFill>
-          <a:ln>
-            <a:noFill/>
-          </a:ln>
-        </p:spPr>
-        <p:style>
-          <a:lnRef idx="2">
-            <a:schemeClr val="accent1">
-              <a:shade val="50000"/>
-            </a:schemeClr>
-          </a:lnRef>
-          <a:fillRef idx="1">
-            <a:schemeClr val="accent1"/>
-          </a:fillRef>
-          <a:effectRef idx="0">
-            <a:schemeClr val="accent1"/>
-          </a:effectRef>
-          <a:fontRef idx="minor">
-            <a:schemeClr val="lt1"/>
-          </a:fontRef>
-        </p:style>
-        <p:txBody>
-          <a:bodyPr rtlCol="0" anchor="ctr"/>
-          <a:lstStyle/>
-          <a:p>
-            <a:pPr algn="ctr"/>
-            <a:endParaRPr lang="en-CN">
-              <a:solidFill>
-                <a:schemeClr val="tx1"/>
-              </a:solidFill>
-            </a:endParaRPr>
-          </a:p>
-        </p:txBody>
-      </p:sp>
     </p:spTree>
     <p:extLst>
       <p:ext uri="{BB962C8B-B14F-4D97-AF65-F5344CB8AC3E}">

--- a/patterns/transaction-write.pptx
+++ b/patterns/transaction-write.pptx
@@ -19,11 +19,11 @@
     <p:sldId id="413" r:id="rId10"/>
     <p:sldId id="416" r:id="rId11"/>
     <p:sldId id="417" r:id="rId12"/>
-    <p:sldId id="425" r:id="rId13"/>
-    <p:sldId id="420" r:id="rId14"/>
-    <p:sldId id="415" r:id="rId15"/>
+    <p:sldId id="420" r:id="rId13"/>
+    <p:sldId id="415" r:id="rId14"/>
+    <p:sldId id="424" r:id="rId15"/>
     <p:sldId id="423" r:id="rId16"/>
-    <p:sldId id="424" r:id="rId17"/>
+    <p:sldId id="425" r:id="rId17"/>
   </p:sldIdLst>
   <p:sldSz cx="12192000" cy="6858000"/>
   <p:notesSz cx="6858000" cy="9144000"/>
@@ -138,11 +138,11 @@
             <p14:sldId id="413"/>
             <p14:sldId id="416"/>
             <p14:sldId id="417"/>
-            <p14:sldId id="425"/>
             <p14:sldId id="420"/>
             <p14:sldId id="415"/>
+            <p14:sldId id="424"/>
             <p14:sldId id="423"/>
-            <p14:sldId id="424"/>
+            <p14:sldId id="425"/>
           </p14:sldIdLst>
         </p14:section>
       </p14:sectionLst>
@@ -236,7 +236,7 @@
           <a:p>
             <a:fld id="{CAD4BD24-A097-4F9D-85E9-6A2A24CA2D98}" type="datetimeFigureOut">
               <a:rPr lang="zh-CN" altLang="en-US" smtClean="0"/>
-              <a:t>2023/4/28</a:t>
+              <a:t>2023/4/30</a:t>
             </a:fld>
             <a:endParaRPr lang="zh-CN" altLang="en-US"/>
           </a:p>
@@ -2733,6 +2733,16 @@
                   <a:t> </a:t>
                 </a:r>
                 <a:r>
+                  <a:rPr kumimoji="1" lang="en-US" altLang="zh-CN" sz="1600" dirty="0">
+                    <a:solidFill>
+                      <a:sysClr val="windowText" lastClr="000000"/>
+                    </a:solidFill>
+                    <a:latin typeface="DengXian" panose="02010600030101010101" pitchFamily="2" charset="-122"/>
+                    <a:ea typeface="DengXian" panose="02010600030101010101" pitchFamily="2" charset="-122"/>
+                  </a:rPr>
+                  <a:t>${</a:t>
+                </a:r>
+                <a:r>
                   <a:rPr kumimoji="1" lang="en-US" altLang="zh-CN" sz="1600" dirty="0" err="1">
                     <a:solidFill>
                       <a:sysClr val="windowText" lastClr="000000"/>
@@ -2742,13 +2752,16 @@
                   </a:rPr>
                   <a:t>accountId</a:t>
                 </a:r>
-                <a:endParaRPr kumimoji="1" lang="en-US" altLang="zh-CN" sz="1600" dirty="0">
-                  <a:solidFill>
-                    <a:sysClr val="windowText" lastClr="000000"/>
-                  </a:solidFill>
-                  <a:latin typeface="DengXian" panose="02010600030101010101" pitchFamily="2" charset="-122"/>
-                  <a:ea typeface="DengXian" panose="02010600030101010101" pitchFamily="2" charset="-122"/>
-                </a:endParaRPr>
+                <a:r>
+                  <a:rPr kumimoji="1" lang="en-US" altLang="zh-CN" sz="1600" dirty="0">
+                    <a:solidFill>
+                      <a:sysClr val="windowText" lastClr="000000"/>
+                    </a:solidFill>
+                    <a:latin typeface="DengXian" panose="02010600030101010101" pitchFamily="2" charset="-122"/>
+                    <a:ea typeface="DengXian" panose="02010600030101010101" pitchFamily="2" charset="-122"/>
+                  </a:rPr>
+                  <a:t>}</a:t>
+                </a:r>
               </a:p>
               <a:p>
                 <a:pPr algn="ctr"/>
@@ -2793,22 +2806,15 @@
                   <a:t> </a:t>
                 </a:r>
                 <a:r>
-                  <a:rPr kumimoji="1" lang="en-US" altLang="zh-CN" sz="1600" dirty="0" err="1">
-                    <a:solidFill>
-                      <a:sysClr val="windowText" lastClr="000000"/>
-                    </a:solidFill>
-                    <a:latin typeface="DengXian" panose="02010600030101010101" pitchFamily="2" charset="-122"/>
-                    <a:ea typeface="DengXian" panose="02010600030101010101" pitchFamily="2" charset="-122"/>
-                  </a:rPr>
-                  <a:t>currentTime</a:t>
-                </a:r>
-                <a:endParaRPr kumimoji="1" lang="en-US" altLang="zh-CN" sz="1600" dirty="0">
-                  <a:solidFill>
-                    <a:sysClr val="windowText" lastClr="000000"/>
-                  </a:solidFill>
-                  <a:latin typeface="DengXian" panose="02010600030101010101" pitchFamily="2" charset="-122"/>
-                  <a:ea typeface="DengXian" panose="02010600030101010101" pitchFamily="2" charset="-122"/>
-                </a:endParaRPr>
+                  <a:rPr kumimoji="1" lang="en-US" altLang="zh-CN" sz="1600" dirty="0">
+                    <a:solidFill>
+                      <a:sysClr val="windowText" lastClr="000000"/>
+                    </a:solidFill>
+                    <a:latin typeface="DengXian" panose="02010600030101010101" pitchFamily="2" charset="-122"/>
+                    <a:ea typeface="DengXian" panose="02010600030101010101" pitchFamily="2" charset="-122"/>
+                  </a:rPr>
+                  <a:t>${time}</a:t>
+                </a:r>
               </a:p>
               <a:p>
                 <a:pPr algn="ctr"/>
@@ -2853,6 +2859,16 @@
                   <a:t> </a:t>
                 </a:r>
                 <a:r>
+                  <a:rPr kumimoji="1" lang="en-US" altLang="zh-CN" sz="1600" dirty="0">
+                    <a:solidFill>
+                      <a:sysClr val="windowText" lastClr="000000"/>
+                    </a:solidFill>
+                    <a:latin typeface="DengXian" panose="02010600030101010101" pitchFamily="2" charset="-122"/>
+                    <a:ea typeface="DengXian" panose="02010600030101010101" pitchFamily="2" charset="-122"/>
+                  </a:rPr>
+                  <a:t>${</a:t>
+                </a:r>
+                <a:r>
                   <a:rPr kumimoji="1" lang="en-US" altLang="zh-CN" sz="1600" dirty="0" err="1">
                     <a:solidFill>
                       <a:sysClr val="windowText" lastClr="000000"/>
@@ -2862,13 +2878,16 @@
                   </a:rPr>
                   <a:t>accountBlocked</a:t>
                 </a:r>
-                <a:endParaRPr kumimoji="1" lang="en-US" altLang="zh-CN" sz="1600" dirty="0">
-                  <a:solidFill>
-                    <a:sysClr val="windowText" lastClr="000000"/>
-                  </a:solidFill>
-                  <a:latin typeface="DengXian" panose="02010600030101010101" pitchFamily="2" charset="-122"/>
-                  <a:ea typeface="DengXian" panose="02010600030101010101" pitchFamily="2" charset="-122"/>
-                </a:endParaRPr>
+                <a:r>
+                  <a:rPr kumimoji="1" lang="en-US" altLang="zh-CN" sz="1600" dirty="0">
+                    <a:solidFill>
+                      <a:sysClr val="windowText" lastClr="000000"/>
+                    </a:solidFill>
+                    <a:latin typeface="DengXian" panose="02010600030101010101" pitchFamily="2" charset="-122"/>
+                    <a:ea typeface="DengXian" panose="02010600030101010101" pitchFamily="2" charset="-122"/>
+                  </a:rPr>
+                  <a:t>}</a:t>
+                </a:r>
               </a:p>
               <a:p>
                 <a:pPr algn="ctr"/>
@@ -2913,6 +2932,16 @@
                   <a:t> </a:t>
                 </a:r>
                 <a:r>
+                  <a:rPr kumimoji="1" lang="en-US" altLang="zh-CN" sz="1600" dirty="0">
+                    <a:solidFill>
+                      <a:sysClr val="windowText" lastClr="000000"/>
+                    </a:solidFill>
+                    <a:latin typeface="DengXian" panose="02010600030101010101" pitchFamily="2" charset="-122"/>
+                    <a:ea typeface="DengXian" panose="02010600030101010101" pitchFamily="2" charset="-122"/>
+                  </a:rPr>
+                  <a:t>${</a:t>
+                </a:r>
+                <a:r>
                   <a:rPr kumimoji="1" lang="en-US" altLang="zh-CN" sz="1600" dirty="0" err="1">
                     <a:solidFill>
                       <a:sysClr val="windowText" lastClr="000000"/>
@@ -2922,13 +2951,16 @@
                   </a:rPr>
                   <a:t>accountType</a:t>
                 </a:r>
-                <a:endParaRPr kumimoji="1" lang="en-US" altLang="zh-CN" sz="1600" dirty="0">
-                  <a:solidFill>
-                    <a:sysClr val="windowText" lastClr="000000"/>
-                  </a:solidFill>
-                  <a:latin typeface="DengXian" panose="02010600030101010101" pitchFamily="2" charset="-122"/>
-                  <a:ea typeface="DengXian" panose="02010600030101010101" pitchFamily="2" charset="-122"/>
-                </a:endParaRPr>
+                <a:r>
+                  <a:rPr kumimoji="1" lang="en-US" altLang="zh-CN" sz="1600" dirty="0">
+                    <a:solidFill>
+                      <a:sysClr val="windowText" lastClr="000000"/>
+                    </a:solidFill>
+                    <a:latin typeface="DengXian" panose="02010600030101010101" pitchFamily="2" charset="-122"/>
+                    <a:ea typeface="DengXian" panose="02010600030101010101" pitchFamily="2" charset="-122"/>
+                  </a:rPr>
+                  <a:t>}</a:t>
+                </a:r>
               </a:p>
               <a:p>
                 <a:pPr algn="ctr"/>
@@ -3121,6 +3153,16 @@
                   <a:t> </a:t>
                 </a:r>
                 <a:r>
+                  <a:rPr kumimoji="1" lang="en-US" altLang="zh-CN" sz="1600" dirty="0">
+                    <a:solidFill>
+                      <a:sysClr val="windowText" lastClr="000000"/>
+                    </a:solidFill>
+                    <a:latin typeface="DengXian" panose="02010600030101010101" pitchFamily="2" charset="-122"/>
+                    <a:ea typeface="DengXian" panose="02010600030101010101" pitchFamily="2" charset="-122"/>
+                  </a:rPr>
+                  <a:t>${</a:t>
+                </a:r>
+                <a:r>
                   <a:rPr kumimoji="1" lang="en-US" altLang="zh-CN" sz="1600" dirty="0" err="1">
                     <a:solidFill>
                       <a:sysClr val="windowText" lastClr="000000"/>
@@ -3130,13 +3172,16 @@
                   </a:rPr>
                   <a:t>personId</a:t>
                 </a:r>
-                <a:endParaRPr kumimoji="1" lang="en-US" altLang="zh-CN" sz="1600" dirty="0">
-                  <a:solidFill>
-                    <a:sysClr val="windowText" lastClr="000000"/>
-                  </a:solidFill>
-                  <a:latin typeface="DengXian" panose="02010600030101010101" pitchFamily="2" charset="-122"/>
-                  <a:ea typeface="DengXian" panose="02010600030101010101" pitchFamily="2" charset="-122"/>
-                </a:endParaRPr>
+                <a:r>
+                  <a:rPr kumimoji="1" lang="en-US" altLang="zh-CN" sz="1600" dirty="0">
+                    <a:solidFill>
+                      <a:sysClr val="windowText" lastClr="000000"/>
+                    </a:solidFill>
+                    <a:latin typeface="DengXian" panose="02010600030101010101" pitchFamily="2" charset="-122"/>
+                    <a:ea typeface="DengXian" panose="02010600030101010101" pitchFamily="2" charset="-122"/>
+                  </a:rPr>
+                  <a:t>}</a:t>
+                </a:r>
               </a:p>
               <a:p>
                 <a:pPr algn="ctr"/>
@@ -3181,6 +3226,16 @@
                   <a:t> </a:t>
                 </a:r>
                 <a:r>
+                  <a:rPr kumimoji="1" lang="en-US" altLang="zh-CN" sz="1600" dirty="0">
+                    <a:solidFill>
+                      <a:sysClr val="windowText" lastClr="000000"/>
+                    </a:solidFill>
+                    <a:latin typeface="DengXian" panose="02010600030101010101" pitchFamily="2" charset="-122"/>
+                    <a:ea typeface="DengXian" panose="02010600030101010101" pitchFamily="2" charset="-122"/>
+                  </a:rPr>
+                  <a:t>${</a:t>
+                </a:r>
+                <a:r>
                   <a:rPr kumimoji="1" lang="en-US" altLang="zh-CN" sz="1600" dirty="0" err="1">
                     <a:solidFill>
                       <a:sysClr val="windowText" lastClr="000000"/>
@@ -3190,13 +3245,16 @@
                   </a:rPr>
                   <a:t>personName</a:t>
                 </a:r>
-                <a:endParaRPr kumimoji="1" lang="en-US" altLang="zh-CN" sz="1600" dirty="0">
-                  <a:solidFill>
-                    <a:sysClr val="windowText" lastClr="000000"/>
-                  </a:solidFill>
-                  <a:latin typeface="DengXian" panose="02010600030101010101" pitchFamily="2" charset="-122"/>
-                  <a:ea typeface="DengXian" panose="02010600030101010101" pitchFamily="2" charset="-122"/>
-                </a:endParaRPr>
+                <a:r>
+                  <a:rPr kumimoji="1" lang="en-US" altLang="zh-CN" sz="1600" dirty="0">
+                    <a:solidFill>
+                      <a:sysClr val="windowText" lastClr="000000"/>
+                    </a:solidFill>
+                    <a:latin typeface="DengXian" panose="02010600030101010101" pitchFamily="2" charset="-122"/>
+                    <a:ea typeface="DengXian" panose="02010600030101010101" pitchFamily="2" charset="-122"/>
+                  </a:rPr>
+                  <a:t>}</a:t>
+                </a:r>
               </a:p>
             </p:txBody>
           </p:sp>
@@ -4115,316 +4173,6 @@
       </p:grpSpPr>
       <p:grpSp>
         <p:nvGrpSpPr>
-          <p:cNvPr id="3" name="Group 2">
-            <a:extLst>
-              <a:ext uri="{FF2B5EF4-FFF2-40B4-BE49-F238E27FC236}">
-                <a16:creationId xmlns:a16="http://schemas.microsoft.com/office/drawing/2014/main" id="{D543F2FB-A178-5C43-9632-9F2D7941D522}"/>
-              </a:ext>
-            </a:extLst>
-          </p:cNvPr>
-          <p:cNvGrpSpPr/>
-          <p:nvPr/>
-        </p:nvGrpSpPr>
-        <p:grpSpPr>
-          <a:xfrm>
-            <a:off x="4607325" y="2411287"/>
-            <a:ext cx="2977350" cy="1344279"/>
-            <a:chOff x="1488974" y="3906297"/>
-            <a:chExt cx="1803118" cy="927586"/>
-          </a:xfrm>
-        </p:grpSpPr>
-        <p:sp>
-          <p:nvSpPr>
-            <p:cNvPr id="5" name="矩形 4">
-              <a:extLst>
-                <a:ext uri="{FF2B5EF4-FFF2-40B4-BE49-F238E27FC236}">
-                  <a16:creationId xmlns:a16="http://schemas.microsoft.com/office/drawing/2014/main" id="{4F7CE573-D2EE-B544-9AF9-A133E6C5E6B5}"/>
-                </a:ext>
-              </a:extLst>
-            </p:cNvPr>
-            <p:cNvSpPr/>
-            <p:nvPr/>
-          </p:nvSpPr>
-          <p:spPr>
-            <a:xfrm>
-              <a:off x="1488974" y="3906297"/>
-              <a:ext cx="1803118" cy="430356"/>
-            </a:xfrm>
-            <a:prstGeom prst="rect">
-              <a:avLst/>
-            </a:prstGeom>
-            <a:solidFill>
-              <a:schemeClr val="accent4">
-                <a:lumMod val="60000"/>
-                <a:lumOff val="40000"/>
-              </a:schemeClr>
-            </a:solidFill>
-            <a:ln w="25400">
-              <a:solidFill>
-                <a:schemeClr val="tx1"/>
-              </a:solidFill>
-            </a:ln>
-          </p:spPr>
-          <p:style>
-            <a:lnRef idx="2">
-              <a:schemeClr val="accent2">
-                <a:shade val="50000"/>
-              </a:schemeClr>
-            </a:lnRef>
-            <a:fillRef idx="1">
-              <a:schemeClr val="accent2"/>
-            </a:fillRef>
-            <a:effectRef idx="0">
-              <a:schemeClr val="accent2"/>
-            </a:effectRef>
-            <a:fontRef idx="minor">
-              <a:schemeClr val="lt1"/>
-            </a:fontRef>
-          </p:style>
-          <p:txBody>
-            <a:bodyPr rtlCol="0" anchor="ctr"/>
-            <a:lstStyle/>
-            <a:p>
-              <a:pPr algn="ctr"/>
-              <a:r>
-                <a:rPr kumimoji="1" lang="en-US" altLang="zh-CN" b="1" dirty="0">
-                  <a:solidFill>
-                    <a:sysClr val="windowText" lastClr="000000"/>
-                  </a:solidFill>
-                </a:rPr>
-                <a:t>med:</a:t>
-              </a:r>
-              <a:r>
-                <a:rPr kumimoji="1" lang="zh-CN" altLang="en-US" b="1" dirty="0">
-                  <a:solidFill>
-                    <a:sysClr val="windowText" lastClr="000000"/>
-                  </a:solidFill>
-                </a:rPr>
-                <a:t> </a:t>
-              </a:r>
-              <a:r>
-                <a:rPr kumimoji="1" lang="en-US" altLang="zh-CN" dirty="0">
-                  <a:solidFill>
-                    <a:sysClr val="windowText" lastClr="000000"/>
-                  </a:solidFill>
-                </a:rPr>
-                <a:t>Medium</a:t>
-              </a:r>
-              <a:endParaRPr kumimoji="1" lang="zh-CN" altLang="en-US" sz="1600" dirty="0">
-                <a:solidFill>
-                  <a:sysClr val="windowText" lastClr="000000"/>
-                </a:solidFill>
-              </a:endParaRPr>
-            </a:p>
-          </p:txBody>
-        </p:sp>
-        <p:sp>
-          <p:nvSpPr>
-            <p:cNvPr id="6" name="矩形 5">
-              <a:extLst>
-                <a:ext uri="{FF2B5EF4-FFF2-40B4-BE49-F238E27FC236}">
-                  <a16:creationId xmlns:a16="http://schemas.microsoft.com/office/drawing/2014/main" id="{D9E4A41A-CB40-AC47-87AB-621C9DE49842}"/>
-                </a:ext>
-              </a:extLst>
-            </p:cNvPr>
-            <p:cNvSpPr/>
-            <p:nvPr/>
-          </p:nvSpPr>
-          <p:spPr>
-            <a:xfrm>
-              <a:off x="1488974" y="4336653"/>
-              <a:ext cx="1803117" cy="497230"/>
-            </a:xfrm>
-            <a:prstGeom prst="rect">
-              <a:avLst/>
-            </a:prstGeom>
-            <a:noFill/>
-            <a:ln w="25400">
-              <a:solidFill>
-                <a:schemeClr val="tx1"/>
-              </a:solidFill>
-            </a:ln>
-          </p:spPr>
-          <p:style>
-            <a:lnRef idx="2">
-              <a:schemeClr val="accent2">
-                <a:shade val="50000"/>
-              </a:schemeClr>
-            </a:lnRef>
-            <a:fillRef idx="1">
-              <a:schemeClr val="accent2"/>
-            </a:fillRef>
-            <a:effectRef idx="0">
-              <a:schemeClr val="accent2"/>
-            </a:effectRef>
-            <a:fontRef idx="minor">
-              <a:schemeClr val="lt1"/>
-            </a:fontRef>
-          </p:style>
-          <p:txBody>
-            <a:bodyPr rtlCol="0" anchor="ctr"/>
-            <a:lstStyle/>
-            <a:p>
-              <a:pPr algn="ctr"/>
-              <a:r>
-                <a:rPr kumimoji="1" lang="en-US" altLang="zh-CN" sz="1600" dirty="0" err="1">
-                  <a:solidFill>
-                    <a:sysClr val="windowText" lastClr="000000"/>
-                  </a:solidFill>
-                  <a:latin typeface="DengXian" panose="02010600030101010101" pitchFamily="2" charset="-122"/>
-                  <a:ea typeface="DengXian" panose="02010600030101010101" pitchFamily="2" charset="-122"/>
-                </a:rPr>
-                <a:t>med.id</a:t>
-              </a:r>
-              <a:r>
-                <a:rPr kumimoji="1" lang="zh-CN" altLang="en-US" sz="1600" dirty="0">
-                  <a:solidFill>
-                    <a:sysClr val="windowText" lastClr="000000"/>
-                  </a:solidFill>
-                  <a:latin typeface="DengXian" panose="02010600030101010101" pitchFamily="2" charset="-122"/>
-                  <a:ea typeface="DengXian" panose="02010600030101010101" pitchFamily="2" charset="-122"/>
-                </a:rPr>
-                <a:t> </a:t>
-              </a:r>
-              <a:r>
-                <a:rPr kumimoji="1" lang="en-US" altLang="zh-CN" sz="1600" dirty="0">
-                  <a:solidFill>
-                    <a:sysClr val="windowText" lastClr="000000"/>
-                  </a:solidFill>
-                  <a:latin typeface="DengXian" panose="02010600030101010101" pitchFamily="2" charset="-122"/>
-                  <a:ea typeface="DengXian" panose="02010600030101010101" pitchFamily="2" charset="-122"/>
-                </a:rPr>
-                <a:t>=</a:t>
-              </a:r>
-              <a:r>
-                <a:rPr kumimoji="1" lang="zh-CN" altLang="en-US" sz="1600" dirty="0">
-                  <a:solidFill>
-                    <a:sysClr val="windowText" lastClr="000000"/>
-                  </a:solidFill>
-                  <a:latin typeface="DengXian" panose="02010600030101010101" pitchFamily="2" charset="-122"/>
-                  <a:ea typeface="DengXian" panose="02010600030101010101" pitchFamily="2" charset="-122"/>
-                </a:rPr>
-                <a:t> </a:t>
-              </a:r>
-              <a:r>
-                <a:rPr kumimoji="1" lang="en-US" altLang="zh-CN" sz="1600" dirty="0">
-                  <a:solidFill>
-                    <a:sysClr val="windowText" lastClr="000000"/>
-                  </a:solidFill>
-                  <a:latin typeface="DengXian" panose="02010600030101010101" pitchFamily="2" charset="-122"/>
-                  <a:ea typeface="DengXian" panose="02010600030101010101" pitchFamily="2" charset="-122"/>
-                </a:rPr>
-                <a:t>${</a:t>
-              </a:r>
-              <a:r>
-                <a:rPr kumimoji="1" lang="en-US" altLang="zh-CN" sz="1600" dirty="0" err="1">
-                  <a:solidFill>
-                    <a:sysClr val="windowText" lastClr="000000"/>
-                  </a:solidFill>
-                  <a:latin typeface="DengXian" panose="02010600030101010101" pitchFamily="2" charset="-122"/>
-                  <a:ea typeface="DengXian" panose="02010600030101010101" pitchFamily="2" charset="-122"/>
-                </a:rPr>
-                <a:t>mediumId</a:t>
-              </a:r>
-              <a:r>
-                <a:rPr kumimoji="1" lang="en-US" altLang="zh-CN" sz="1600" dirty="0">
-                  <a:solidFill>
-                    <a:sysClr val="windowText" lastClr="000000"/>
-                  </a:solidFill>
-                  <a:latin typeface="DengXian" panose="02010600030101010101" pitchFamily="2" charset="-122"/>
-                  <a:ea typeface="DengXian" panose="02010600030101010101" pitchFamily="2" charset="-122"/>
-                </a:rPr>
-                <a:t>}</a:t>
-              </a:r>
-            </a:p>
-            <a:p>
-              <a:pPr algn="ctr"/>
-              <a:r>
-                <a:rPr kumimoji="1" lang="en-US" altLang="zh-CN" sz="1600" dirty="0" err="1">
-                  <a:solidFill>
-                    <a:sysClr val="windowText" lastClr="000000"/>
-                  </a:solidFill>
-                  <a:latin typeface="DengXian" panose="02010600030101010101" pitchFamily="2" charset="-122"/>
-                  <a:ea typeface="DengXian" panose="02010600030101010101" pitchFamily="2" charset="-122"/>
-                </a:rPr>
-                <a:t>isBlocked</a:t>
-              </a:r>
-              <a:r>
-                <a:rPr kumimoji="1" lang="zh-CN" altLang="en-US" sz="1600" dirty="0">
-                  <a:solidFill>
-                    <a:sysClr val="windowText" lastClr="000000"/>
-                  </a:solidFill>
-                  <a:latin typeface="DengXian" panose="02010600030101010101" pitchFamily="2" charset="-122"/>
-                  <a:ea typeface="DengXian" panose="02010600030101010101" pitchFamily="2" charset="-122"/>
-                </a:rPr>
-                <a:t> </a:t>
-              </a:r>
-              <a:r>
-                <a:rPr kumimoji="1" lang="en-US" altLang="zh-CN" sz="1600" dirty="0">
-                  <a:solidFill>
-                    <a:sysClr val="windowText" lastClr="000000"/>
-                  </a:solidFill>
-                  <a:latin typeface="DengXian" panose="02010600030101010101" pitchFamily="2" charset="-122"/>
-                  <a:ea typeface="DengXian" panose="02010600030101010101" pitchFamily="2" charset="-122"/>
-                </a:rPr>
-                <a:t>&lt;-</a:t>
-              </a:r>
-              <a:r>
-                <a:rPr kumimoji="1" lang="zh-CN" altLang="en-US" sz="1600" dirty="0">
-                  <a:solidFill>
-                    <a:sysClr val="windowText" lastClr="000000"/>
-                  </a:solidFill>
-                  <a:latin typeface="DengXian" panose="02010600030101010101" pitchFamily="2" charset="-122"/>
-                  <a:ea typeface="DengXian" panose="02010600030101010101" pitchFamily="2" charset="-122"/>
-                </a:rPr>
-                <a:t> </a:t>
-              </a:r>
-              <a:r>
-                <a:rPr kumimoji="1" lang="en-US" altLang="zh-CN" sz="1600" b="1" dirty="0">
-                  <a:solidFill>
-                    <a:sysClr val="windowText" lastClr="000000"/>
-                  </a:solidFill>
-                  <a:latin typeface="DengXian" panose="02010600030101010101" pitchFamily="2" charset="-122"/>
-                  <a:ea typeface="DengXian" panose="02010600030101010101" pitchFamily="2" charset="-122"/>
-                </a:rPr>
-                <a:t>True</a:t>
-              </a:r>
-            </a:p>
-          </p:txBody>
-        </p:sp>
-      </p:grpSp>
-    </p:spTree>
-    <p:extLst>
-      <p:ext uri="{BB962C8B-B14F-4D97-AF65-F5344CB8AC3E}">
-        <p14:creationId xmlns:p14="http://schemas.microsoft.com/office/powerpoint/2010/main" val="3938937280"/>
-      </p:ext>
-    </p:extLst>
-  </p:cSld>
-  <p:clrMapOvr>
-    <a:masterClrMapping/>
-  </p:clrMapOvr>
-</p:sld>
-</file>
-
-<file path=ppt/slides/slide13.xml><?xml version="1.0" encoding="utf-8"?>
-<p:sld xmlns:a="http://schemas.openxmlformats.org/drawingml/2006/main" xmlns:r="http://schemas.openxmlformats.org/officeDocument/2006/relationships" xmlns:p="http://schemas.openxmlformats.org/presentationml/2006/main">
-  <p:cSld>
-    <p:spTree>
-      <p:nvGrpSpPr>
-        <p:cNvPr id="1" name=""/>
-        <p:cNvGrpSpPr/>
-        <p:nvPr/>
-      </p:nvGrpSpPr>
-      <p:grpSpPr>
-        <a:xfrm>
-          <a:off x="0" y="0"/>
-          <a:ext cx="0" cy="0"/>
-          <a:chOff x="0" y="0"/>
-          <a:chExt cx="0" cy="0"/>
-        </a:xfrm>
-      </p:grpSpPr>
-      <p:grpSp>
-        <p:nvGrpSpPr>
           <p:cNvPr id="9" name="Group 8">
             <a:extLst>
               <a:ext uri="{FF2B5EF4-FFF2-40B4-BE49-F238E27FC236}">
@@ -5090,7 +4838,7 @@
 </p:sld>
 </file>
 
-<file path=ppt/slides/slide14.xml><?xml version="1.0" encoding="utf-8"?>
+<file path=ppt/slides/slide13.xml><?xml version="1.0" encoding="utf-8"?>
 <p:sld xmlns:a="http://schemas.openxmlformats.org/drawingml/2006/main" xmlns:r="http://schemas.openxmlformats.org/officeDocument/2006/relationships" xmlns:p="http://schemas.openxmlformats.org/presentationml/2006/main">
   <p:cSld>
     <p:spTree>
@@ -5370,8 +5118,23 @@
                       <a:schemeClr val="tx1"/>
                     </a:solidFill>
                   </a:rPr>
-                  <a:t>${id}</a:t>
-                </a:r>
+                  <a:t>${id</a:t>
+                </a:r>
+                <a:r>
+                  <a:rPr kumimoji="1" lang="en-US" altLang="zh-CN" sz="1400" dirty="0">
+                    <a:solidFill>
+                      <a:sysClr val="windowText" lastClr="000000"/>
+                    </a:solidFill>
+                    <a:latin typeface="DengXian" panose="02010600030101010101" pitchFamily="2" charset="-122"/>
+                    <a:ea typeface="DengXian" panose="02010600030101010101" pitchFamily="2" charset="-122"/>
+                  </a:rPr>
+                  <a:t>}</a:t>
+                </a:r>
+                <a:endParaRPr lang="en-US" altLang="zh-CN" sz="1400" dirty="0">
+                  <a:solidFill>
+                    <a:schemeClr val="tx1"/>
+                  </a:solidFill>
+                </a:endParaRPr>
               </a:p>
             </p:txBody>
           </p:sp>
@@ -6696,1010 +6459,7 @@
 </p:sld>
 </file>
 
-<file path=ppt/slides/slide15.xml><?xml version="1.0" encoding="utf-8"?>
-<p:sld xmlns:a="http://schemas.openxmlformats.org/drawingml/2006/main" xmlns:r="http://schemas.openxmlformats.org/officeDocument/2006/relationships" xmlns:p="http://schemas.openxmlformats.org/presentationml/2006/main">
-  <p:cSld>
-    <p:spTree>
-      <p:nvGrpSpPr>
-        <p:cNvPr id="1" name=""/>
-        <p:cNvGrpSpPr/>
-        <p:nvPr/>
-      </p:nvGrpSpPr>
-      <p:grpSpPr>
-        <a:xfrm>
-          <a:off x="0" y="0"/>
-          <a:ext cx="0" cy="0"/>
-          <a:chOff x="0" y="0"/>
-          <a:chExt cx="0" cy="0"/>
-        </a:xfrm>
-      </p:grpSpPr>
-      <p:grpSp>
-        <p:nvGrpSpPr>
-          <p:cNvPr id="14" name="Group 13">
-            <a:extLst>
-              <a:ext uri="{FF2B5EF4-FFF2-40B4-BE49-F238E27FC236}">
-                <a16:creationId xmlns:a16="http://schemas.microsoft.com/office/drawing/2014/main" id="{B15A6ADD-CF71-9028-A905-5B4295AC171D}"/>
-              </a:ext>
-            </a:extLst>
-          </p:cNvPr>
-          <p:cNvGrpSpPr/>
-          <p:nvPr/>
-        </p:nvGrpSpPr>
-        <p:grpSpPr>
-          <a:xfrm>
-            <a:off x="3681387" y="2271404"/>
-            <a:ext cx="4667433" cy="2366244"/>
-            <a:chOff x="3681387" y="2271404"/>
-            <a:chExt cx="4667433" cy="2366244"/>
-          </a:xfrm>
-        </p:grpSpPr>
-        <p:grpSp>
-          <p:nvGrpSpPr>
-            <p:cNvPr id="2" name="Group 1">
-              <a:extLst>
-                <a:ext uri="{FF2B5EF4-FFF2-40B4-BE49-F238E27FC236}">
-                  <a16:creationId xmlns:a16="http://schemas.microsoft.com/office/drawing/2014/main" id="{AD3AFF57-A126-FB8B-AD58-A77239D7914E}"/>
-                </a:ext>
-              </a:extLst>
-            </p:cNvPr>
-            <p:cNvGrpSpPr/>
-            <p:nvPr/>
-          </p:nvGrpSpPr>
-          <p:grpSpPr>
-            <a:xfrm>
-              <a:off x="6403553" y="2271404"/>
-              <a:ext cx="1945267" cy="2051032"/>
-              <a:chOff x="4920193" y="2403484"/>
-              <a:chExt cx="1945267" cy="2051032"/>
-            </a:xfrm>
-          </p:grpSpPr>
-          <p:sp>
-            <p:nvSpPr>
-              <p:cNvPr id="15" name="Rectangle 14">
-                <a:extLst>
-                  <a:ext uri="{FF2B5EF4-FFF2-40B4-BE49-F238E27FC236}">
-                    <a16:creationId xmlns:a16="http://schemas.microsoft.com/office/drawing/2014/main" id="{A7BE3F17-C67E-5A46-996C-67EF743EC561}"/>
-                  </a:ext>
-                </a:extLst>
-              </p:cNvPr>
-              <p:cNvSpPr/>
-              <p:nvPr/>
-            </p:nvSpPr>
-            <p:spPr>
-              <a:xfrm>
-                <a:off x="5030112" y="3975044"/>
-                <a:ext cx="1618476" cy="479472"/>
-              </a:xfrm>
-              <a:prstGeom prst="rect">
-                <a:avLst/>
-              </a:prstGeom>
-              <a:noFill/>
-              <a:ln w="25400">
-                <a:solidFill>
-                  <a:schemeClr val="tx1"/>
-                </a:solidFill>
-              </a:ln>
-            </p:spPr>
-            <p:style>
-              <a:lnRef idx="2">
-                <a:schemeClr val="accent1">
-                  <a:shade val="50000"/>
-                </a:schemeClr>
-              </a:lnRef>
-              <a:fillRef idx="1">
-                <a:schemeClr val="accent1"/>
-              </a:fillRef>
-              <a:effectRef idx="0">
-                <a:schemeClr val="accent1"/>
-              </a:effectRef>
-              <a:fontRef idx="minor">
-                <a:schemeClr val="lt1"/>
-              </a:fontRef>
-            </p:style>
-            <p:txBody>
-              <a:bodyPr rtlCol="0" anchor="ctr"/>
-              <a:lstStyle/>
-              <a:p>
-                <a:pPr algn="ctr"/>
-                <a:r>
-                  <a:rPr lang="en-US" altLang="zh-CN" sz="1400" dirty="0" err="1">
-                    <a:solidFill>
-                      <a:schemeClr val="tx1"/>
-                    </a:solidFill>
-                  </a:rPr>
-                  <a:t>loan.id</a:t>
-                </a:r>
-                <a:r>
-                  <a:rPr lang="zh-CN" altLang="en-US" sz="1400" dirty="0">
-                    <a:solidFill>
-                      <a:schemeClr val="tx1"/>
-                    </a:solidFill>
-                  </a:rPr>
-                  <a:t> </a:t>
-                </a:r>
-                <a:r>
-                  <a:rPr lang="en-US" altLang="zh-CN" sz="1400" dirty="0">
-                    <a:solidFill>
-                      <a:schemeClr val="tx1"/>
-                    </a:solidFill>
-                  </a:rPr>
-                  <a:t>=</a:t>
-                </a:r>
-                <a:r>
-                  <a:rPr lang="zh-CN" altLang="en-US" sz="1400" dirty="0">
-                    <a:solidFill>
-                      <a:schemeClr val="tx1"/>
-                    </a:solidFill>
-                  </a:rPr>
-                  <a:t> </a:t>
-                </a:r>
-                <a:r>
-                  <a:rPr lang="en-US" altLang="zh-CN" sz="1400" dirty="0">
-                    <a:solidFill>
-                      <a:schemeClr val="tx1"/>
-                    </a:solidFill>
-                  </a:rPr>
-                  <a:t>${id}</a:t>
-                </a:r>
-              </a:p>
-            </p:txBody>
-          </p:sp>
-          <p:sp>
-            <p:nvSpPr>
-              <p:cNvPr id="16" name="Rectangle 15">
-                <a:extLst>
-                  <a:ext uri="{FF2B5EF4-FFF2-40B4-BE49-F238E27FC236}">
-                    <a16:creationId xmlns:a16="http://schemas.microsoft.com/office/drawing/2014/main" id="{E7BA5DA0-5EF3-9D45-88BA-BC5BA7F3F9AB}"/>
-                  </a:ext>
-                </a:extLst>
-              </p:cNvPr>
-              <p:cNvSpPr/>
-              <p:nvPr/>
-            </p:nvSpPr>
-            <p:spPr>
-              <a:xfrm>
-                <a:off x="5039406" y="2403484"/>
-                <a:ext cx="1618476" cy="387178"/>
-              </a:xfrm>
-              <a:prstGeom prst="rect">
-                <a:avLst/>
-              </a:prstGeom>
-              <a:solidFill>
-                <a:schemeClr val="accent1">
-                  <a:lumMod val="60000"/>
-                  <a:lumOff val="40000"/>
-                </a:schemeClr>
-              </a:solidFill>
-              <a:ln w="25400">
-                <a:solidFill>
-                  <a:schemeClr val="tx1"/>
-                </a:solidFill>
-              </a:ln>
-            </p:spPr>
-            <p:style>
-              <a:lnRef idx="2">
-                <a:schemeClr val="accent1">
-                  <a:shade val="50000"/>
-                </a:schemeClr>
-              </a:lnRef>
-              <a:fillRef idx="1">
-                <a:schemeClr val="accent1"/>
-              </a:fillRef>
-              <a:effectRef idx="0">
-                <a:schemeClr val="accent1"/>
-              </a:effectRef>
-              <a:fontRef idx="minor">
-                <a:schemeClr val="lt1"/>
-              </a:fontRef>
-            </p:style>
-            <p:txBody>
-              <a:bodyPr rtlCol="0" anchor="ctr"/>
-              <a:lstStyle/>
-              <a:p>
-                <a:pPr algn="ctr"/>
-                <a:r>
-                  <a:rPr lang="en-US" altLang="zh-CN" b="1" dirty="0">
-                    <a:solidFill>
-                      <a:schemeClr val="tx1"/>
-                    </a:solidFill>
-                  </a:rPr>
-                  <a:t>Account</a:t>
-                </a:r>
-                <a:endParaRPr lang="en-CN" b="1" dirty="0">
-                  <a:solidFill>
-                    <a:schemeClr val="tx1"/>
-                  </a:solidFill>
-                </a:endParaRPr>
-              </a:p>
-            </p:txBody>
-          </p:sp>
-          <p:sp>
-            <p:nvSpPr>
-              <p:cNvPr id="41" name="Rectangle 40">
-                <a:extLst>
-                  <a:ext uri="{FF2B5EF4-FFF2-40B4-BE49-F238E27FC236}">
-                    <a16:creationId xmlns:a16="http://schemas.microsoft.com/office/drawing/2014/main" id="{C805CEC5-21B7-E247-ABBB-187667AB24B0}"/>
-                  </a:ext>
-                </a:extLst>
-              </p:cNvPr>
-              <p:cNvSpPr/>
-              <p:nvPr/>
-            </p:nvSpPr>
-            <p:spPr>
-              <a:xfrm>
-                <a:off x="5030112" y="3592014"/>
-                <a:ext cx="1618476" cy="387178"/>
-              </a:xfrm>
-              <a:prstGeom prst="rect">
-                <a:avLst/>
-              </a:prstGeom>
-              <a:solidFill>
-                <a:schemeClr val="accent2">
-                  <a:lumMod val="60000"/>
-                  <a:lumOff val="40000"/>
-                </a:schemeClr>
-              </a:solidFill>
-              <a:ln w="25400">
-                <a:solidFill>
-                  <a:schemeClr val="tx1"/>
-                </a:solidFill>
-              </a:ln>
-            </p:spPr>
-            <p:style>
-              <a:lnRef idx="2">
-                <a:schemeClr val="accent1">
-                  <a:shade val="50000"/>
-                </a:schemeClr>
-              </a:lnRef>
-              <a:fillRef idx="1">
-                <a:schemeClr val="accent1"/>
-              </a:fillRef>
-              <a:effectRef idx="0">
-                <a:schemeClr val="accent1"/>
-              </a:effectRef>
-              <a:fontRef idx="minor">
-                <a:schemeClr val="lt1"/>
-              </a:fontRef>
-            </p:style>
-            <p:txBody>
-              <a:bodyPr rtlCol="0" anchor="ctr"/>
-              <a:lstStyle/>
-              <a:p>
-                <a:pPr algn="ctr"/>
-                <a:r>
-                  <a:rPr lang="en-US" altLang="zh-CN" b="1" dirty="0">
-                    <a:solidFill>
-                      <a:schemeClr val="tx1"/>
-                    </a:solidFill>
-                  </a:rPr>
-                  <a:t>loan:</a:t>
-                </a:r>
-                <a:r>
-                  <a:rPr lang="zh-CN" altLang="en-US" b="1" dirty="0">
-                    <a:solidFill>
-                      <a:schemeClr val="tx1"/>
-                    </a:solidFill>
-                  </a:rPr>
-                  <a:t> </a:t>
-                </a:r>
-                <a:r>
-                  <a:rPr lang="en-US" altLang="zh-CN" dirty="0">
-                    <a:solidFill>
-                      <a:schemeClr val="tx1"/>
-                    </a:solidFill>
-                  </a:rPr>
-                  <a:t>Loan</a:t>
-                </a:r>
-                <a:endParaRPr lang="en-CN" dirty="0">
-                  <a:solidFill>
-                    <a:schemeClr val="tx1"/>
-                  </a:solidFill>
-                </a:endParaRPr>
-              </a:p>
-            </p:txBody>
-          </p:sp>
-          <p:cxnSp>
-            <p:nvCxnSpPr>
-              <p:cNvPr id="48" name="Straight Arrow Connector 47">
-                <a:extLst>
-                  <a:ext uri="{FF2B5EF4-FFF2-40B4-BE49-F238E27FC236}">
-                    <a16:creationId xmlns:a16="http://schemas.microsoft.com/office/drawing/2014/main" id="{DEF26B6A-F6DC-614D-B833-5D80CBB5E0FA}"/>
-                  </a:ext>
-                </a:extLst>
-              </p:cNvPr>
-              <p:cNvCxnSpPr>
-                <a:cxnSpLocks/>
-              </p:cNvCxnSpPr>
-              <p:nvPr/>
-            </p:nvCxnSpPr>
-            <p:spPr>
-              <a:xfrm flipV="1">
-                <a:off x="6050741" y="2792795"/>
-                <a:ext cx="0" cy="799219"/>
-              </a:xfrm>
-              <a:prstGeom prst="straightConnector1">
-                <a:avLst/>
-              </a:prstGeom>
-              <a:ln w="19050">
-                <a:solidFill>
-                  <a:schemeClr val="tx1"/>
-                </a:solidFill>
-                <a:prstDash val="solid"/>
-                <a:tailEnd type="triangle"/>
-              </a:ln>
-              <a:effectLst/>
-            </p:spPr>
-            <p:style>
-              <a:lnRef idx="1">
-                <a:schemeClr val="accent1"/>
-              </a:lnRef>
-              <a:fillRef idx="0">
-                <a:schemeClr val="accent1"/>
-              </a:fillRef>
-              <a:effectRef idx="0">
-                <a:schemeClr val="accent1"/>
-              </a:effectRef>
-              <a:fontRef idx="minor">
-                <a:schemeClr val="tx1"/>
-              </a:fontRef>
-            </p:style>
-          </p:cxnSp>
-          <p:sp>
-            <p:nvSpPr>
-              <p:cNvPr id="51" name="TextBox 50">
-                <a:extLst>
-                  <a:ext uri="{FF2B5EF4-FFF2-40B4-BE49-F238E27FC236}">
-                    <a16:creationId xmlns:a16="http://schemas.microsoft.com/office/drawing/2014/main" id="{A9EEFE6B-5C72-DB4E-8259-8211ECB467CF}"/>
-                  </a:ext>
-                </a:extLst>
-              </p:cNvPr>
-              <p:cNvSpPr txBox="1"/>
-              <p:nvPr/>
-            </p:nvSpPr>
-            <p:spPr>
-              <a:xfrm>
-                <a:off x="6108522" y="3038516"/>
-                <a:ext cx="756938" cy="307777"/>
-              </a:xfrm>
-              <a:prstGeom prst="rect">
-                <a:avLst/>
-              </a:prstGeom>
-              <a:noFill/>
-            </p:spPr>
-            <p:txBody>
-              <a:bodyPr wrap="none" rtlCol="0">
-                <a:spAutoFit/>
-              </a:bodyPr>
-              <a:lstStyle/>
-              <a:p>
-                <a:r>
-                  <a:rPr lang="en-US" altLang="zh-CN" sz="1400" dirty="0"/>
-                  <a:t>deposit</a:t>
-                </a:r>
-                <a:endParaRPr lang="en-CN" sz="1600" dirty="0"/>
-              </a:p>
-            </p:txBody>
-          </p:sp>
-          <p:cxnSp>
-            <p:nvCxnSpPr>
-              <p:cNvPr id="58" name="Straight Arrow Connector 57">
-                <a:extLst>
-                  <a:ext uri="{FF2B5EF4-FFF2-40B4-BE49-F238E27FC236}">
-                    <a16:creationId xmlns:a16="http://schemas.microsoft.com/office/drawing/2014/main" id="{B98DEA75-B1DE-EB46-BCC7-AAE8B7FAA619}"/>
-                  </a:ext>
-                </a:extLst>
-              </p:cNvPr>
-              <p:cNvCxnSpPr>
-                <a:cxnSpLocks/>
-              </p:cNvCxnSpPr>
-              <p:nvPr/>
-            </p:nvCxnSpPr>
-            <p:spPr>
-              <a:xfrm>
-                <a:off x="5604221" y="2792795"/>
-                <a:ext cx="0" cy="799219"/>
-              </a:xfrm>
-              <a:prstGeom prst="straightConnector1">
-                <a:avLst/>
-              </a:prstGeom>
-              <a:ln w="19050">
-                <a:solidFill>
-                  <a:schemeClr val="tx1"/>
-                </a:solidFill>
-                <a:prstDash val="solid"/>
-                <a:tailEnd type="triangle"/>
-              </a:ln>
-              <a:effectLst/>
-            </p:spPr>
-            <p:style>
-              <a:lnRef idx="1">
-                <a:schemeClr val="accent1"/>
-              </a:lnRef>
-              <a:fillRef idx="0">
-                <a:schemeClr val="accent1"/>
-              </a:fillRef>
-              <a:effectRef idx="0">
-                <a:schemeClr val="accent1"/>
-              </a:effectRef>
-              <a:fontRef idx="minor">
-                <a:schemeClr val="tx1"/>
-              </a:fontRef>
-            </p:style>
-          </p:cxnSp>
-          <p:sp>
-            <p:nvSpPr>
-              <p:cNvPr id="63" name="TextBox 62">
-                <a:extLst>
-                  <a:ext uri="{FF2B5EF4-FFF2-40B4-BE49-F238E27FC236}">
-                    <a16:creationId xmlns:a16="http://schemas.microsoft.com/office/drawing/2014/main" id="{7762F5F5-5C98-B849-9DF3-987212DFF39F}"/>
-                  </a:ext>
-                </a:extLst>
-              </p:cNvPr>
-              <p:cNvSpPr txBox="1"/>
-              <p:nvPr/>
-            </p:nvSpPr>
-            <p:spPr>
-              <a:xfrm>
-                <a:off x="4920193" y="3038516"/>
-                <a:ext cx="614271" cy="307777"/>
-              </a:xfrm>
-              <a:prstGeom prst="rect">
-                <a:avLst/>
-              </a:prstGeom>
-              <a:noFill/>
-            </p:spPr>
-            <p:txBody>
-              <a:bodyPr wrap="none" rtlCol="0">
-                <a:spAutoFit/>
-              </a:bodyPr>
-              <a:lstStyle/>
-              <a:p>
-                <a:r>
-                  <a:rPr lang="en-US" altLang="zh-CN" sz="1400" dirty="0"/>
-                  <a:t>repay</a:t>
-                </a:r>
-                <a:endParaRPr lang="en-CN" sz="1600" dirty="0"/>
-              </a:p>
-            </p:txBody>
-          </p:sp>
-          <p:sp>
-            <p:nvSpPr>
-              <p:cNvPr id="65" name="Multiply 64">
-                <a:extLst>
-                  <a:ext uri="{FF2B5EF4-FFF2-40B4-BE49-F238E27FC236}">
-                    <a16:creationId xmlns:a16="http://schemas.microsoft.com/office/drawing/2014/main" id="{E97182F8-1AA8-5973-5AE1-5CCFDACA5F6D}"/>
-                  </a:ext>
-                </a:extLst>
-              </p:cNvPr>
-              <p:cNvSpPr/>
-              <p:nvPr/>
-            </p:nvSpPr>
-            <p:spPr>
-              <a:xfrm>
-                <a:off x="6347328" y="4034780"/>
-                <a:ext cx="360000" cy="360000"/>
-              </a:xfrm>
-              <a:prstGeom prst="mathMultiply">
-                <a:avLst>
-                  <a:gd name="adj1" fmla="val 12937"/>
-                </a:avLst>
-              </a:prstGeom>
-              <a:solidFill>
-                <a:srgbClr val="FF0000"/>
-              </a:solidFill>
-              <a:ln>
-                <a:noFill/>
-              </a:ln>
-            </p:spPr>
-            <p:style>
-              <a:lnRef idx="2">
-                <a:schemeClr val="accent1">
-                  <a:shade val="50000"/>
-                </a:schemeClr>
-              </a:lnRef>
-              <a:fillRef idx="1">
-                <a:schemeClr val="accent1"/>
-              </a:fillRef>
-              <a:effectRef idx="0">
-                <a:schemeClr val="accent1"/>
-              </a:effectRef>
-              <a:fontRef idx="minor">
-                <a:schemeClr val="lt1"/>
-              </a:fontRef>
-            </p:style>
-            <p:txBody>
-              <a:bodyPr rtlCol="0" anchor="ctr"/>
-              <a:lstStyle/>
-              <a:p>
-                <a:pPr algn="ctr"/>
-                <a:endParaRPr lang="en-CN"/>
-              </a:p>
-            </p:txBody>
-          </p:sp>
-          <p:sp>
-            <p:nvSpPr>
-              <p:cNvPr id="66" name="Multiply 65">
-                <a:extLst>
-                  <a:ext uri="{FF2B5EF4-FFF2-40B4-BE49-F238E27FC236}">
-                    <a16:creationId xmlns:a16="http://schemas.microsoft.com/office/drawing/2014/main" id="{D35B4872-4838-E224-7870-5F162EB7DE54}"/>
-                  </a:ext>
-                </a:extLst>
-              </p:cNvPr>
-              <p:cNvSpPr/>
-              <p:nvPr/>
-            </p:nvSpPr>
-            <p:spPr>
-              <a:xfrm>
-                <a:off x="5449864" y="2996426"/>
-                <a:ext cx="360000" cy="360000"/>
-              </a:xfrm>
-              <a:prstGeom prst="mathMultiply">
-                <a:avLst>
-                  <a:gd name="adj1" fmla="val 12937"/>
-                </a:avLst>
-              </a:prstGeom>
-              <a:solidFill>
-                <a:srgbClr val="FF0000"/>
-              </a:solidFill>
-              <a:ln>
-                <a:noFill/>
-              </a:ln>
-            </p:spPr>
-            <p:style>
-              <a:lnRef idx="2">
-                <a:schemeClr val="accent1">
-                  <a:shade val="50000"/>
-                </a:schemeClr>
-              </a:lnRef>
-              <a:fillRef idx="1">
-                <a:schemeClr val="accent1"/>
-              </a:fillRef>
-              <a:effectRef idx="0">
-                <a:schemeClr val="accent1"/>
-              </a:effectRef>
-              <a:fontRef idx="minor">
-                <a:schemeClr val="lt1"/>
-              </a:fontRef>
-            </p:style>
-            <p:txBody>
-              <a:bodyPr rtlCol="0" anchor="ctr"/>
-              <a:lstStyle/>
-              <a:p>
-                <a:pPr algn="ctr"/>
-                <a:endParaRPr lang="en-CN"/>
-              </a:p>
-            </p:txBody>
-          </p:sp>
-          <p:sp>
-            <p:nvSpPr>
-              <p:cNvPr id="67" name="Multiply 66">
-                <a:extLst>
-                  <a:ext uri="{FF2B5EF4-FFF2-40B4-BE49-F238E27FC236}">
-                    <a16:creationId xmlns:a16="http://schemas.microsoft.com/office/drawing/2014/main" id="{6DA58C3E-F259-11FA-D4B4-0FEBA2D9D5AD}"/>
-                  </a:ext>
-                </a:extLst>
-              </p:cNvPr>
-              <p:cNvSpPr/>
-              <p:nvPr/>
-            </p:nvSpPr>
-            <p:spPr>
-              <a:xfrm>
-                <a:off x="5869340" y="2996426"/>
-                <a:ext cx="360000" cy="360000"/>
-              </a:xfrm>
-              <a:prstGeom prst="mathMultiply">
-                <a:avLst>
-                  <a:gd name="adj1" fmla="val 12937"/>
-                </a:avLst>
-              </a:prstGeom>
-              <a:solidFill>
-                <a:srgbClr val="FF0000"/>
-              </a:solidFill>
-              <a:ln>
-                <a:noFill/>
-              </a:ln>
-            </p:spPr>
-            <p:style>
-              <a:lnRef idx="2">
-                <a:schemeClr val="accent1">
-                  <a:shade val="50000"/>
-                </a:schemeClr>
-              </a:lnRef>
-              <a:fillRef idx="1">
-                <a:schemeClr val="accent1"/>
-              </a:fillRef>
-              <a:effectRef idx="0">
-                <a:schemeClr val="accent1"/>
-              </a:effectRef>
-              <a:fontRef idx="minor">
-                <a:schemeClr val="lt1"/>
-              </a:fontRef>
-            </p:style>
-            <p:txBody>
-              <a:bodyPr rtlCol="0" anchor="ctr"/>
-              <a:lstStyle/>
-              <a:p>
-                <a:pPr algn="ctr"/>
-                <a:endParaRPr lang="en-CN"/>
-              </a:p>
-            </p:txBody>
-          </p:sp>
-        </p:grpSp>
-        <p:sp>
-          <p:nvSpPr>
-            <p:cNvPr id="3" name="Rectangle 2">
-              <a:extLst>
-                <a:ext uri="{FF2B5EF4-FFF2-40B4-BE49-F238E27FC236}">
-                  <a16:creationId xmlns:a16="http://schemas.microsoft.com/office/drawing/2014/main" id="{F6C22B75-5976-6A71-EA90-DBA1C10BF084}"/>
-                </a:ext>
-              </a:extLst>
-            </p:cNvPr>
-            <p:cNvSpPr/>
-            <p:nvPr/>
-          </p:nvSpPr>
-          <p:spPr>
-            <a:xfrm>
-              <a:off x="3681387" y="3455786"/>
-              <a:ext cx="1611024" cy="387178"/>
-            </a:xfrm>
-            <a:prstGeom prst="rect">
-              <a:avLst/>
-            </a:prstGeom>
-            <a:solidFill>
-              <a:schemeClr val="accent6">
-                <a:lumMod val="60000"/>
-                <a:lumOff val="40000"/>
-              </a:schemeClr>
-            </a:solidFill>
-            <a:ln w="25400">
-              <a:solidFill>
-                <a:schemeClr val="tx1"/>
-              </a:solidFill>
-            </a:ln>
-          </p:spPr>
-          <p:style>
-            <a:lnRef idx="2">
-              <a:schemeClr val="accent1">
-                <a:shade val="50000"/>
-              </a:schemeClr>
-            </a:lnRef>
-            <a:fillRef idx="1">
-              <a:schemeClr val="accent1"/>
-            </a:fillRef>
-            <a:effectRef idx="0">
-              <a:schemeClr val="accent1"/>
-            </a:effectRef>
-            <a:fontRef idx="minor">
-              <a:schemeClr val="lt1"/>
-            </a:fontRef>
-          </p:style>
-          <p:txBody>
-            <a:bodyPr rtlCol="0" anchor="ctr"/>
-            <a:lstStyle/>
-            <a:p>
-              <a:pPr algn="ctr"/>
-              <a:r>
-                <a:rPr lang="en-US" altLang="zh-CN" b="1" dirty="0">
-                  <a:solidFill>
-                    <a:schemeClr val="tx1"/>
-                  </a:solidFill>
-                </a:rPr>
-                <a:t>Person</a:t>
-              </a:r>
-              <a:endParaRPr lang="en-CN" b="1" dirty="0">
-                <a:solidFill>
-                  <a:schemeClr val="tx1"/>
-                </a:solidFill>
-              </a:endParaRPr>
-            </a:p>
-          </p:txBody>
-        </p:sp>
-        <p:sp>
-          <p:nvSpPr>
-            <p:cNvPr id="4" name="Rectangle 3">
-              <a:extLst>
-                <a:ext uri="{FF2B5EF4-FFF2-40B4-BE49-F238E27FC236}">
-                  <a16:creationId xmlns:a16="http://schemas.microsoft.com/office/drawing/2014/main" id="{86444C4D-9B67-3AAF-D7FA-B451C6AF389F}"/>
-                </a:ext>
-              </a:extLst>
-            </p:cNvPr>
-            <p:cNvSpPr/>
-            <p:nvPr/>
-          </p:nvSpPr>
-          <p:spPr>
-            <a:xfrm>
-              <a:off x="3681387" y="4250470"/>
-              <a:ext cx="1611024" cy="387178"/>
-            </a:xfrm>
-            <a:prstGeom prst="rect">
-              <a:avLst/>
-            </a:prstGeom>
-            <a:solidFill>
-              <a:srgbClr val="FF0000">
-                <a:alpha val="30000"/>
-              </a:srgbClr>
-            </a:solidFill>
-            <a:ln w="25400">
-              <a:solidFill>
-                <a:schemeClr val="tx1"/>
-              </a:solidFill>
-            </a:ln>
-          </p:spPr>
-          <p:style>
-            <a:lnRef idx="2">
-              <a:schemeClr val="accent1">
-                <a:shade val="50000"/>
-              </a:schemeClr>
-            </a:lnRef>
-            <a:fillRef idx="1">
-              <a:schemeClr val="accent1"/>
-            </a:fillRef>
-            <a:effectRef idx="0">
-              <a:schemeClr val="accent1"/>
-            </a:effectRef>
-            <a:fontRef idx="minor">
-              <a:schemeClr val="lt1"/>
-            </a:fontRef>
-          </p:style>
-          <p:txBody>
-            <a:bodyPr rtlCol="0" anchor="ctr"/>
-            <a:lstStyle/>
-            <a:p>
-              <a:pPr algn="ctr"/>
-              <a:r>
-                <a:rPr lang="en-US" altLang="zh-CN" b="1" dirty="0">
-                  <a:solidFill>
-                    <a:schemeClr val="tx1"/>
-                  </a:solidFill>
-                </a:rPr>
-                <a:t>Company</a:t>
-              </a:r>
-              <a:endParaRPr lang="en-CN" b="1" dirty="0">
-                <a:solidFill>
-                  <a:schemeClr val="tx1"/>
-                </a:solidFill>
-              </a:endParaRPr>
-            </a:p>
-          </p:txBody>
-        </p:sp>
-        <p:sp>
-          <p:nvSpPr>
-            <p:cNvPr id="5" name="TextBox 4">
-              <a:extLst>
-                <a:ext uri="{FF2B5EF4-FFF2-40B4-BE49-F238E27FC236}">
-                  <a16:creationId xmlns:a16="http://schemas.microsoft.com/office/drawing/2014/main" id="{2BC9018A-43FD-449F-63D9-CE2256EFA7BB}"/>
-                </a:ext>
-              </a:extLst>
-            </p:cNvPr>
-            <p:cNvSpPr txBox="1"/>
-            <p:nvPr/>
-          </p:nvSpPr>
-          <p:spPr>
-            <a:xfrm>
-              <a:off x="5845544" y="3689370"/>
-              <a:ext cx="603050" cy="307777"/>
-            </a:xfrm>
-            <a:prstGeom prst="rect">
-              <a:avLst/>
-            </a:prstGeom>
-            <a:noFill/>
-          </p:spPr>
-          <p:txBody>
-            <a:bodyPr wrap="none" rtlCol="0">
-              <a:spAutoFit/>
-            </a:bodyPr>
-            <a:lstStyle/>
-            <a:p>
-              <a:r>
-                <a:rPr lang="en-US" altLang="zh-CN" sz="1400" dirty="0"/>
-                <a:t>apply</a:t>
-              </a:r>
-              <a:endParaRPr lang="en-CN" sz="1600" dirty="0"/>
-            </a:p>
-          </p:txBody>
-        </p:sp>
-        <p:sp>
-          <p:nvSpPr>
-            <p:cNvPr id="6" name="TextBox 5">
-              <a:extLst>
-                <a:ext uri="{FF2B5EF4-FFF2-40B4-BE49-F238E27FC236}">
-                  <a16:creationId xmlns:a16="http://schemas.microsoft.com/office/drawing/2014/main" id="{EB307DAF-D388-C356-20C1-C485E1185BED}"/>
-                </a:ext>
-              </a:extLst>
-            </p:cNvPr>
-            <p:cNvSpPr txBox="1"/>
-            <p:nvPr/>
-          </p:nvSpPr>
-          <p:spPr>
-            <a:xfrm>
-              <a:off x="4309087" y="3880032"/>
-              <a:ext cx="348172" cy="307777"/>
-            </a:xfrm>
-            <a:prstGeom prst="rect">
-              <a:avLst/>
-            </a:prstGeom>
-            <a:noFill/>
-          </p:spPr>
-          <p:txBody>
-            <a:bodyPr wrap="none" rtlCol="0">
-              <a:spAutoFit/>
-            </a:bodyPr>
-            <a:lstStyle/>
-            <a:p>
-              <a:r>
-                <a:rPr lang="en-US" altLang="zh-CN" sz="1400" dirty="0"/>
-                <a:t>or</a:t>
-              </a:r>
-            </a:p>
-          </p:txBody>
-        </p:sp>
-        <p:cxnSp>
-          <p:nvCxnSpPr>
-            <p:cNvPr id="7" name="Elbow Connector 6">
-              <a:extLst>
-                <a:ext uri="{FF2B5EF4-FFF2-40B4-BE49-F238E27FC236}">
-                  <a16:creationId xmlns:a16="http://schemas.microsoft.com/office/drawing/2014/main" id="{5129B6BB-A768-8121-42AE-B819FCE6F370}"/>
-                </a:ext>
-              </a:extLst>
-            </p:cNvPr>
-            <p:cNvCxnSpPr>
-              <a:cxnSpLocks/>
-              <a:stCxn id="3" idx="3"/>
-              <a:endCxn id="15" idx="1"/>
-            </p:cNvCxnSpPr>
-            <p:nvPr/>
-          </p:nvCxnSpPr>
-          <p:spPr>
-            <a:xfrm>
-              <a:off x="5292411" y="3649375"/>
-              <a:ext cx="1221061" cy="433325"/>
-            </a:xfrm>
-            <a:prstGeom prst="bentConnector3">
-              <a:avLst>
-                <a:gd name="adj1" fmla="val 35023"/>
-              </a:avLst>
-            </a:prstGeom>
-            <a:ln w="19050">
-              <a:solidFill>
-                <a:schemeClr val="tx1"/>
-              </a:solidFill>
-              <a:tailEnd type="triangle"/>
-            </a:ln>
-            <a:effectLst/>
-          </p:spPr>
-          <p:style>
-            <a:lnRef idx="1">
-              <a:schemeClr val="accent1"/>
-            </a:lnRef>
-            <a:fillRef idx="0">
-              <a:schemeClr val="accent1"/>
-            </a:fillRef>
-            <a:effectRef idx="0">
-              <a:schemeClr val="accent1"/>
-            </a:effectRef>
-            <a:fontRef idx="minor">
-              <a:schemeClr val="tx1"/>
-            </a:fontRef>
-          </p:style>
-        </p:cxnSp>
-        <p:cxnSp>
-          <p:nvCxnSpPr>
-            <p:cNvPr id="8" name="Elbow Connector 7">
-              <a:extLst>
-                <a:ext uri="{FF2B5EF4-FFF2-40B4-BE49-F238E27FC236}">
-                  <a16:creationId xmlns:a16="http://schemas.microsoft.com/office/drawing/2014/main" id="{1953077A-BFC9-F561-7E9F-D5062615CF5A}"/>
-                </a:ext>
-              </a:extLst>
-            </p:cNvPr>
-            <p:cNvCxnSpPr>
-              <a:cxnSpLocks/>
-              <a:stCxn id="4" idx="3"/>
-              <a:endCxn id="15" idx="1"/>
-            </p:cNvCxnSpPr>
-            <p:nvPr/>
-          </p:nvCxnSpPr>
-          <p:spPr>
-            <a:xfrm flipV="1">
-              <a:off x="5292411" y="4082700"/>
-              <a:ext cx="1221061" cy="361359"/>
-            </a:xfrm>
-            <a:prstGeom prst="bentConnector3">
-              <a:avLst>
-                <a:gd name="adj1" fmla="val 35023"/>
-              </a:avLst>
-            </a:prstGeom>
-            <a:ln w="19050">
-              <a:solidFill>
-                <a:schemeClr val="tx1"/>
-              </a:solidFill>
-              <a:tailEnd type="triangle"/>
-            </a:ln>
-            <a:effectLst/>
-          </p:spPr>
-          <p:style>
-            <a:lnRef idx="1">
-              <a:schemeClr val="accent1"/>
-            </a:lnRef>
-            <a:fillRef idx="0">
-              <a:schemeClr val="accent1"/>
-            </a:fillRef>
-            <a:effectRef idx="0">
-              <a:schemeClr val="accent1"/>
-            </a:effectRef>
-            <a:fontRef idx="minor">
-              <a:schemeClr val="tx1"/>
-            </a:fontRef>
-          </p:style>
-        </p:cxnSp>
-        <p:sp>
-          <p:nvSpPr>
-            <p:cNvPr id="9" name="Multiply 8">
-              <a:extLst>
-                <a:ext uri="{FF2B5EF4-FFF2-40B4-BE49-F238E27FC236}">
-                  <a16:creationId xmlns:a16="http://schemas.microsoft.com/office/drawing/2014/main" id="{1236963E-2930-09F8-0902-493584C3395D}"/>
-                </a:ext>
-              </a:extLst>
-            </p:cNvPr>
-            <p:cNvSpPr/>
-            <p:nvPr/>
-          </p:nvSpPr>
-          <p:spPr>
-            <a:xfrm>
-              <a:off x="5951125" y="3885198"/>
-              <a:ext cx="360000" cy="360000"/>
-            </a:xfrm>
-            <a:prstGeom prst="mathMultiply">
-              <a:avLst>
-                <a:gd name="adj1" fmla="val 12937"/>
-              </a:avLst>
-            </a:prstGeom>
-            <a:solidFill>
-              <a:srgbClr val="FF0000"/>
-            </a:solidFill>
-            <a:ln>
-              <a:noFill/>
-            </a:ln>
-          </p:spPr>
-          <p:style>
-            <a:lnRef idx="2">
-              <a:schemeClr val="accent1">
-                <a:shade val="50000"/>
-              </a:schemeClr>
-            </a:lnRef>
-            <a:fillRef idx="1">
-              <a:schemeClr val="accent1"/>
-            </a:fillRef>
-            <a:effectRef idx="0">
-              <a:schemeClr val="accent1"/>
-            </a:effectRef>
-            <a:fontRef idx="minor">
-              <a:schemeClr val="lt1"/>
-            </a:fontRef>
-          </p:style>
-          <p:txBody>
-            <a:bodyPr rtlCol="0" anchor="ctr"/>
-            <a:lstStyle/>
-            <a:p>
-              <a:pPr algn="ctr"/>
-              <a:endParaRPr lang="en-CN"/>
-            </a:p>
-          </p:txBody>
-        </p:sp>
-      </p:grpSp>
-    </p:spTree>
-    <p:extLst>
-      <p:ext uri="{BB962C8B-B14F-4D97-AF65-F5344CB8AC3E}">
-        <p14:creationId xmlns:p14="http://schemas.microsoft.com/office/powerpoint/2010/main" val="129068417"/>
-      </p:ext>
-    </p:extLst>
-  </p:cSld>
-  <p:clrMapOvr>
-    <a:masterClrMapping/>
-  </p:clrMapOvr>
-</p:sld>
-</file>
-
-<file path=ppt/slides/slide16.xml><?xml version="1.0" encoding="utf-8"?>
+<file path=ppt/slides/slide14.xml><?xml version="1.0" encoding="utf-8"?>
 <p:sld xmlns:a="http://schemas.openxmlformats.org/drawingml/2006/main" xmlns:r="http://schemas.openxmlformats.org/officeDocument/2006/relationships" xmlns:p="http://schemas.openxmlformats.org/presentationml/2006/main">
   <p:cSld>
     <p:spTree>
@@ -8350,6 +7110,1316 @@
 </p:sld>
 </file>
 
+<file path=ppt/slides/slide15.xml><?xml version="1.0" encoding="utf-8"?>
+<p:sld xmlns:a="http://schemas.openxmlformats.org/drawingml/2006/main" xmlns:r="http://schemas.openxmlformats.org/officeDocument/2006/relationships" xmlns:p="http://schemas.openxmlformats.org/presentationml/2006/main" show="0">
+  <p:cSld>
+    <p:spTree>
+      <p:nvGrpSpPr>
+        <p:cNvPr id="1" name=""/>
+        <p:cNvGrpSpPr/>
+        <p:nvPr/>
+      </p:nvGrpSpPr>
+      <p:grpSpPr>
+        <a:xfrm>
+          <a:off x="0" y="0"/>
+          <a:ext cx="0" cy="0"/>
+          <a:chOff x="0" y="0"/>
+          <a:chExt cx="0" cy="0"/>
+        </a:xfrm>
+      </p:grpSpPr>
+      <p:grpSp>
+        <p:nvGrpSpPr>
+          <p:cNvPr id="14" name="Group 13">
+            <a:extLst>
+              <a:ext uri="{FF2B5EF4-FFF2-40B4-BE49-F238E27FC236}">
+                <a16:creationId xmlns:a16="http://schemas.microsoft.com/office/drawing/2014/main" id="{B15A6ADD-CF71-9028-A905-5B4295AC171D}"/>
+              </a:ext>
+            </a:extLst>
+          </p:cNvPr>
+          <p:cNvGrpSpPr/>
+          <p:nvPr/>
+        </p:nvGrpSpPr>
+        <p:grpSpPr>
+          <a:xfrm>
+            <a:off x="3681387" y="2271404"/>
+            <a:ext cx="4667433" cy="2366244"/>
+            <a:chOff x="3681387" y="2271404"/>
+            <a:chExt cx="4667433" cy="2366244"/>
+          </a:xfrm>
+        </p:grpSpPr>
+        <p:grpSp>
+          <p:nvGrpSpPr>
+            <p:cNvPr id="2" name="Group 1">
+              <a:extLst>
+                <a:ext uri="{FF2B5EF4-FFF2-40B4-BE49-F238E27FC236}">
+                  <a16:creationId xmlns:a16="http://schemas.microsoft.com/office/drawing/2014/main" id="{AD3AFF57-A126-FB8B-AD58-A77239D7914E}"/>
+                </a:ext>
+              </a:extLst>
+            </p:cNvPr>
+            <p:cNvGrpSpPr/>
+            <p:nvPr/>
+          </p:nvGrpSpPr>
+          <p:grpSpPr>
+            <a:xfrm>
+              <a:off x="6403553" y="2271404"/>
+              <a:ext cx="1945267" cy="2051032"/>
+              <a:chOff x="4920193" y="2403484"/>
+              <a:chExt cx="1945267" cy="2051032"/>
+            </a:xfrm>
+          </p:grpSpPr>
+          <p:sp>
+            <p:nvSpPr>
+              <p:cNvPr id="15" name="Rectangle 14">
+                <a:extLst>
+                  <a:ext uri="{FF2B5EF4-FFF2-40B4-BE49-F238E27FC236}">
+                    <a16:creationId xmlns:a16="http://schemas.microsoft.com/office/drawing/2014/main" id="{A7BE3F17-C67E-5A46-996C-67EF743EC561}"/>
+                  </a:ext>
+                </a:extLst>
+              </p:cNvPr>
+              <p:cNvSpPr/>
+              <p:nvPr/>
+            </p:nvSpPr>
+            <p:spPr>
+              <a:xfrm>
+                <a:off x="5030112" y="3975044"/>
+                <a:ext cx="1618476" cy="479472"/>
+              </a:xfrm>
+              <a:prstGeom prst="rect">
+                <a:avLst/>
+              </a:prstGeom>
+              <a:noFill/>
+              <a:ln w="25400">
+                <a:solidFill>
+                  <a:schemeClr val="tx1"/>
+                </a:solidFill>
+              </a:ln>
+            </p:spPr>
+            <p:style>
+              <a:lnRef idx="2">
+                <a:schemeClr val="accent1">
+                  <a:shade val="50000"/>
+                </a:schemeClr>
+              </a:lnRef>
+              <a:fillRef idx="1">
+                <a:schemeClr val="accent1"/>
+              </a:fillRef>
+              <a:effectRef idx="0">
+                <a:schemeClr val="accent1"/>
+              </a:effectRef>
+              <a:fontRef idx="minor">
+                <a:schemeClr val="lt1"/>
+              </a:fontRef>
+            </p:style>
+            <p:txBody>
+              <a:bodyPr rtlCol="0" anchor="ctr"/>
+              <a:lstStyle/>
+              <a:p>
+                <a:pPr algn="ctr"/>
+                <a:r>
+                  <a:rPr lang="en-US" altLang="zh-CN" sz="1400" dirty="0" err="1">
+                    <a:solidFill>
+                      <a:schemeClr val="tx1"/>
+                    </a:solidFill>
+                  </a:rPr>
+                  <a:t>loan.id</a:t>
+                </a:r>
+                <a:r>
+                  <a:rPr lang="zh-CN" altLang="en-US" sz="1400" dirty="0">
+                    <a:solidFill>
+                      <a:schemeClr val="tx1"/>
+                    </a:solidFill>
+                  </a:rPr>
+                  <a:t> </a:t>
+                </a:r>
+                <a:r>
+                  <a:rPr lang="en-US" altLang="zh-CN" sz="1400" dirty="0">
+                    <a:solidFill>
+                      <a:schemeClr val="tx1"/>
+                    </a:solidFill>
+                  </a:rPr>
+                  <a:t>=</a:t>
+                </a:r>
+                <a:r>
+                  <a:rPr lang="zh-CN" altLang="en-US" sz="1400" dirty="0">
+                    <a:solidFill>
+                      <a:schemeClr val="tx1"/>
+                    </a:solidFill>
+                  </a:rPr>
+                  <a:t> </a:t>
+                </a:r>
+                <a:r>
+                  <a:rPr lang="en-US" altLang="zh-CN" sz="1400" dirty="0">
+                    <a:solidFill>
+                      <a:schemeClr val="tx1"/>
+                    </a:solidFill>
+                  </a:rPr>
+                  <a:t>${{id}</a:t>
+                </a:r>
+              </a:p>
+            </p:txBody>
+          </p:sp>
+          <p:sp>
+            <p:nvSpPr>
+              <p:cNvPr id="16" name="Rectangle 15">
+                <a:extLst>
+                  <a:ext uri="{FF2B5EF4-FFF2-40B4-BE49-F238E27FC236}">
+                    <a16:creationId xmlns:a16="http://schemas.microsoft.com/office/drawing/2014/main" id="{E7BA5DA0-5EF3-9D45-88BA-BC5BA7F3F9AB}"/>
+                  </a:ext>
+                </a:extLst>
+              </p:cNvPr>
+              <p:cNvSpPr/>
+              <p:nvPr/>
+            </p:nvSpPr>
+            <p:spPr>
+              <a:xfrm>
+                <a:off x="5039406" y="2403484"/>
+                <a:ext cx="1618476" cy="387178"/>
+              </a:xfrm>
+              <a:prstGeom prst="rect">
+                <a:avLst/>
+              </a:prstGeom>
+              <a:solidFill>
+                <a:schemeClr val="accent1">
+                  <a:lumMod val="60000"/>
+                  <a:lumOff val="40000"/>
+                </a:schemeClr>
+              </a:solidFill>
+              <a:ln w="25400">
+                <a:solidFill>
+                  <a:schemeClr val="tx1"/>
+                </a:solidFill>
+              </a:ln>
+            </p:spPr>
+            <p:style>
+              <a:lnRef idx="2">
+                <a:schemeClr val="accent1">
+                  <a:shade val="50000"/>
+                </a:schemeClr>
+              </a:lnRef>
+              <a:fillRef idx="1">
+                <a:schemeClr val="accent1"/>
+              </a:fillRef>
+              <a:effectRef idx="0">
+                <a:schemeClr val="accent1"/>
+              </a:effectRef>
+              <a:fontRef idx="minor">
+                <a:schemeClr val="lt1"/>
+              </a:fontRef>
+            </p:style>
+            <p:txBody>
+              <a:bodyPr rtlCol="0" anchor="ctr"/>
+              <a:lstStyle/>
+              <a:p>
+                <a:pPr algn="ctr"/>
+                <a:r>
+                  <a:rPr lang="en-US" altLang="zh-CN" b="1" dirty="0">
+                    <a:solidFill>
+                      <a:schemeClr val="tx1"/>
+                    </a:solidFill>
+                  </a:rPr>
+                  <a:t>Account</a:t>
+                </a:r>
+                <a:endParaRPr lang="en-CN" b="1" dirty="0">
+                  <a:solidFill>
+                    <a:schemeClr val="tx1"/>
+                  </a:solidFill>
+                </a:endParaRPr>
+              </a:p>
+            </p:txBody>
+          </p:sp>
+          <p:sp>
+            <p:nvSpPr>
+              <p:cNvPr id="41" name="Rectangle 40">
+                <a:extLst>
+                  <a:ext uri="{FF2B5EF4-FFF2-40B4-BE49-F238E27FC236}">
+                    <a16:creationId xmlns:a16="http://schemas.microsoft.com/office/drawing/2014/main" id="{C805CEC5-21B7-E247-ABBB-187667AB24B0}"/>
+                  </a:ext>
+                </a:extLst>
+              </p:cNvPr>
+              <p:cNvSpPr/>
+              <p:nvPr/>
+            </p:nvSpPr>
+            <p:spPr>
+              <a:xfrm>
+                <a:off x="5030112" y="3592014"/>
+                <a:ext cx="1618476" cy="387178"/>
+              </a:xfrm>
+              <a:prstGeom prst="rect">
+                <a:avLst/>
+              </a:prstGeom>
+              <a:solidFill>
+                <a:schemeClr val="accent2">
+                  <a:lumMod val="60000"/>
+                  <a:lumOff val="40000"/>
+                </a:schemeClr>
+              </a:solidFill>
+              <a:ln w="25400">
+                <a:solidFill>
+                  <a:schemeClr val="tx1"/>
+                </a:solidFill>
+              </a:ln>
+            </p:spPr>
+            <p:style>
+              <a:lnRef idx="2">
+                <a:schemeClr val="accent1">
+                  <a:shade val="50000"/>
+                </a:schemeClr>
+              </a:lnRef>
+              <a:fillRef idx="1">
+                <a:schemeClr val="accent1"/>
+              </a:fillRef>
+              <a:effectRef idx="0">
+                <a:schemeClr val="accent1"/>
+              </a:effectRef>
+              <a:fontRef idx="minor">
+                <a:schemeClr val="lt1"/>
+              </a:fontRef>
+            </p:style>
+            <p:txBody>
+              <a:bodyPr rtlCol="0" anchor="ctr"/>
+              <a:lstStyle/>
+              <a:p>
+                <a:pPr algn="ctr"/>
+                <a:r>
+                  <a:rPr lang="en-US" altLang="zh-CN" b="1" dirty="0">
+                    <a:solidFill>
+                      <a:schemeClr val="tx1"/>
+                    </a:solidFill>
+                  </a:rPr>
+                  <a:t>loan:</a:t>
+                </a:r>
+                <a:r>
+                  <a:rPr lang="zh-CN" altLang="en-US" b="1" dirty="0">
+                    <a:solidFill>
+                      <a:schemeClr val="tx1"/>
+                    </a:solidFill>
+                  </a:rPr>
+                  <a:t> </a:t>
+                </a:r>
+                <a:r>
+                  <a:rPr lang="en-US" altLang="zh-CN" dirty="0">
+                    <a:solidFill>
+                      <a:schemeClr val="tx1"/>
+                    </a:solidFill>
+                  </a:rPr>
+                  <a:t>Loan</a:t>
+                </a:r>
+                <a:endParaRPr lang="en-CN" dirty="0">
+                  <a:solidFill>
+                    <a:schemeClr val="tx1"/>
+                  </a:solidFill>
+                </a:endParaRPr>
+              </a:p>
+            </p:txBody>
+          </p:sp>
+          <p:cxnSp>
+            <p:nvCxnSpPr>
+              <p:cNvPr id="48" name="Straight Arrow Connector 47">
+                <a:extLst>
+                  <a:ext uri="{FF2B5EF4-FFF2-40B4-BE49-F238E27FC236}">
+                    <a16:creationId xmlns:a16="http://schemas.microsoft.com/office/drawing/2014/main" id="{DEF26B6A-F6DC-614D-B833-5D80CBB5E0FA}"/>
+                  </a:ext>
+                </a:extLst>
+              </p:cNvPr>
+              <p:cNvCxnSpPr>
+                <a:cxnSpLocks/>
+              </p:cNvCxnSpPr>
+              <p:nvPr/>
+            </p:nvCxnSpPr>
+            <p:spPr>
+              <a:xfrm flipV="1">
+                <a:off x="6050741" y="2792795"/>
+                <a:ext cx="0" cy="799219"/>
+              </a:xfrm>
+              <a:prstGeom prst="straightConnector1">
+                <a:avLst/>
+              </a:prstGeom>
+              <a:ln w="19050">
+                <a:solidFill>
+                  <a:schemeClr val="tx1"/>
+                </a:solidFill>
+                <a:prstDash val="solid"/>
+                <a:tailEnd type="triangle"/>
+              </a:ln>
+              <a:effectLst/>
+            </p:spPr>
+            <p:style>
+              <a:lnRef idx="1">
+                <a:schemeClr val="accent1"/>
+              </a:lnRef>
+              <a:fillRef idx="0">
+                <a:schemeClr val="accent1"/>
+              </a:fillRef>
+              <a:effectRef idx="0">
+                <a:schemeClr val="accent1"/>
+              </a:effectRef>
+              <a:fontRef idx="minor">
+                <a:schemeClr val="tx1"/>
+              </a:fontRef>
+            </p:style>
+          </p:cxnSp>
+          <p:sp>
+            <p:nvSpPr>
+              <p:cNvPr id="51" name="TextBox 50">
+                <a:extLst>
+                  <a:ext uri="{FF2B5EF4-FFF2-40B4-BE49-F238E27FC236}">
+                    <a16:creationId xmlns:a16="http://schemas.microsoft.com/office/drawing/2014/main" id="{A9EEFE6B-5C72-DB4E-8259-8211ECB467CF}"/>
+                  </a:ext>
+                </a:extLst>
+              </p:cNvPr>
+              <p:cNvSpPr txBox="1"/>
+              <p:nvPr/>
+            </p:nvSpPr>
+            <p:spPr>
+              <a:xfrm>
+                <a:off x="6108522" y="3038516"/>
+                <a:ext cx="756938" cy="307777"/>
+              </a:xfrm>
+              <a:prstGeom prst="rect">
+                <a:avLst/>
+              </a:prstGeom>
+              <a:noFill/>
+            </p:spPr>
+            <p:txBody>
+              <a:bodyPr wrap="none" rtlCol="0">
+                <a:spAutoFit/>
+              </a:bodyPr>
+              <a:lstStyle/>
+              <a:p>
+                <a:r>
+                  <a:rPr lang="en-US" altLang="zh-CN" sz="1400" dirty="0"/>
+                  <a:t>deposit</a:t>
+                </a:r>
+                <a:endParaRPr lang="en-CN" sz="1600" dirty="0"/>
+              </a:p>
+            </p:txBody>
+          </p:sp>
+          <p:cxnSp>
+            <p:nvCxnSpPr>
+              <p:cNvPr id="58" name="Straight Arrow Connector 57">
+                <a:extLst>
+                  <a:ext uri="{FF2B5EF4-FFF2-40B4-BE49-F238E27FC236}">
+                    <a16:creationId xmlns:a16="http://schemas.microsoft.com/office/drawing/2014/main" id="{B98DEA75-B1DE-EB46-BCC7-AAE8B7FAA619}"/>
+                  </a:ext>
+                </a:extLst>
+              </p:cNvPr>
+              <p:cNvCxnSpPr>
+                <a:cxnSpLocks/>
+              </p:cNvCxnSpPr>
+              <p:nvPr/>
+            </p:nvCxnSpPr>
+            <p:spPr>
+              <a:xfrm>
+                <a:off x="5604221" y="2792795"/>
+                <a:ext cx="0" cy="799219"/>
+              </a:xfrm>
+              <a:prstGeom prst="straightConnector1">
+                <a:avLst/>
+              </a:prstGeom>
+              <a:ln w="19050">
+                <a:solidFill>
+                  <a:schemeClr val="tx1"/>
+                </a:solidFill>
+                <a:prstDash val="solid"/>
+                <a:tailEnd type="triangle"/>
+              </a:ln>
+              <a:effectLst/>
+            </p:spPr>
+            <p:style>
+              <a:lnRef idx="1">
+                <a:schemeClr val="accent1"/>
+              </a:lnRef>
+              <a:fillRef idx="0">
+                <a:schemeClr val="accent1"/>
+              </a:fillRef>
+              <a:effectRef idx="0">
+                <a:schemeClr val="accent1"/>
+              </a:effectRef>
+              <a:fontRef idx="minor">
+                <a:schemeClr val="tx1"/>
+              </a:fontRef>
+            </p:style>
+          </p:cxnSp>
+          <p:sp>
+            <p:nvSpPr>
+              <p:cNvPr id="63" name="TextBox 62">
+                <a:extLst>
+                  <a:ext uri="{FF2B5EF4-FFF2-40B4-BE49-F238E27FC236}">
+                    <a16:creationId xmlns:a16="http://schemas.microsoft.com/office/drawing/2014/main" id="{7762F5F5-5C98-B849-9DF3-987212DFF39F}"/>
+                  </a:ext>
+                </a:extLst>
+              </p:cNvPr>
+              <p:cNvSpPr txBox="1"/>
+              <p:nvPr/>
+            </p:nvSpPr>
+            <p:spPr>
+              <a:xfrm>
+                <a:off x="4920193" y="3038516"/>
+                <a:ext cx="614271" cy="307777"/>
+              </a:xfrm>
+              <a:prstGeom prst="rect">
+                <a:avLst/>
+              </a:prstGeom>
+              <a:noFill/>
+            </p:spPr>
+            <p:txBody>
+              <a:bodyPr wrap="none" rtlCol="0">
+                <a:spAutoFit/>
+              </a:bodyPr>
+              <a:lstStyle/>
+              <a:p>
+                <a:r>
+                  <a:rPr lang="en-US" altLang="zh-CN" sz="1400" dirty="0"/>
+                  <a:t>repay</a:t>
+                </a:r>
+                <a:endParaRPr lang="en-CN" sz="1600" dirty="0"/>
+              </a:p>
+            </p:txBody>
+          </p:sp>
+          <p:sp>
+            <p:nvSpPr>
+              <p:cNvPr id="65" name="Multiply 64">
+                <a:extLst>
+                  <a:ext uri="{FF2B5EF4-FFF2-40B4-BE49-F238E27FC236}">
+                    <a16:creationId xmlns:a16="http://schemas.microsoft.com/office/drawing/2014/main" id="{E97182F8-1AA8-5973-5AE1-5CCFDACA5F6D}"/>
+                  </a:ext>
+                </a:extLst>
+              </p:cNvPr>
+              <p:cNvSpPr/>
+              <p:nvPr/>
+            </p:nvSpPr>
+            <p:spPr>
+              <a:xfrm>
+                <a:off x="6347328" y="4034780"/>
+                <a:ext cx="360000" cy="360000"/>
+              </a:xfrm>
+              <a:prstGeom prst="mathMultiply">
+                <a:avLst>
+                  <a:gd name="adj1" fmla="val 12937"/>
+                </a:avLst>
+              </a:prstGeom>
+              <a:solidFill>
+                <a:srgbClr val="FF0000"/>
+              </a:solidFill>
+              <a:ln>
+                <a:noFill/>
+              </a:ln>
+            </p:spPr>
+            <p:style>
+              <a:lnRef idx="2">
+                <a:schemeClr val="accent1">
+                  <a:shade val="50000"/>
+                </a:schemeClr>
+              </a:lnRef>
+              <a:fillRef idx="1">
+                <a:schemeClr val="accent1"/>
+              </a:fillRef>
+              <a:effectRef idx="0">
+                <a:schemeClr val="accent1"/>
+              </a:effectRef>
+              <a:fontRef idx="minor">
+                <a:schemeClr val="lt1"/>
+              </a:fontRef>
+            </p:style>
+            <p:txBody>
+              <a:bodyPr rtlCol="0" anchor="ctr"/>
+              <a:lstStyle/>
+              <a:p>
+                <a:pPr algn="ctr"/>
+                <a:endParaRPr lang="en-CN"/>
+              </a:p>
+            </p:txBody>
+          </p:sp>
+          <p:sp>
+            <p:nvSpPr>
+              <p:cNvPr id="66" name="Multiply 65">
+                <a:extLst>
+                  <a:ext uri="{FF2B5EF4-FFF2-40B4-BE49-F238E27FC236}">
+                    <a16:creationId xmlns:a16="http://schemas.microsoft.com/office/drawing/2014/main" id="{D35B4872-4838-E224-7870-5F162EB7DE54}"/>
+                  </a:ext>
+                </a:extLst>
+              </p:cNvPr>
+              <p:cNvSpPr/>
+              <p:nvPr/>
+            </p:nvSpPr>
+            <p:spPr>
+              <a:xfrm>
+                <a:off x="5449864" y="2996426"/>
+                <a:ext cx="360000" cy="360000"/>
+              </a:xfrm>
+              <a:prstGeom prst="mathMultiply">
+                <a:avLst>
+                  <a:gd name="adj1" fmla="val 12937"/>
+                </a:avLst>
+              </a:prstGeom>
+              <a:solidFill>
+                <a:srgbClr val="FF0000"/>
+              </a:solidFill>
+              <a:ln>
+                <a:noFill/>
+              </a:ln>
+            </p:spPr>
+            <p:style>
+              <a:lnRef idx="2">
+                <a:schemeClr val="accent1">
+                  <a:shade val="50000"/>
+                </a:schemeClr>
+              </a:lnRef>
+              <a:fillRef idx="1">
+                <a:schemeClr val="accent1"/>
+              </a:fillRef>
+              <a:effectRef idx="0">
+                <a:schemeClr val="accent1"/>
+              </a:effectRef>
+              <a:fontRef idx="minor">
+                <a:schemeClr val="lt1"/>
+              </a:fontRef>
+            </p:style>
+            <p:txBody>
+              <a:bodyPr rtlCol="0" anchor="ctr"/>
+              <a:lstStyle/>
+              <a:p>
+                <a:pPr algn="ctr"/>
+                <a:endParaRPr lang="en-CN"/>
+              </a:p>
+            </p:txBody>
+          </p:sp>
+          <p:sp>
+            <p:nvSpPr>
+              <p:cNvPr id="67" name="Multiply 66">
+                <a:extLst>
+                  <a:ext uri="{FF2B5EF4-FFF2-40B4-BE49-F238E27FC236}">
+                    <a16:creationId xmlns:a16="http://schemas.microsoft.com/office/drawing/2014/main" id="{6DA58C3E-F259-11FA-D4B4-0FEBA2D9D5AD}"/>
+                  </a:ext>
+                </a:extLst>
+              </p:cNvPr>
+              <p:cNvSpPr/>
+              <p:nvPr/>
+            </p:nvSpPr>
+            <p:spPr>
+              <a:xfrm>
+                <a:off x="5869340" y="2996426"/>
+                <a:ext cx="360000" cy="360000"/>
+              </a:xfrm>
+              <a:prstGeom prst="mathMultiply">
+                <a:avLst>
+                  <a:gd name="adj1" fmla="val 12937"/>
+                </a:avLst>
+              </a:prstGeom>
+              <a:solidFill>
+                <a:srgbClr val="FF0000"/>
+              </a:solidFill>
+              <a:ln>
+                <a:noFill/>
+              </a:ln>
+            </p:spPr>
+            <p:style>
+              <a:lnRef idx="2">
+                <a:schemeClr val="accent1">
+                  <a:shade val="50000"/>
+                </a:schemeClr>
+              </a:lnRef>
+              <a:fillRef idx="1">
+                <a:schemeClr val="accent1"/>
+              </a:fillRef>
+              <a:effectRef idx="0">
+                <a:schemeClr val="accent1"/>
+              </a:effectRef>
+              <a:fontRef idx="minor">
+                <a:schemeClr val="lt1"/>
+              </a:fontRef>
+            </p:style>
+            <p:txBody>
+              <a:bodyPr rtlCol="0" anchor="ctr"/>
+              <a:lstStyle/>
+              <a:p>
+                <a:pPr algn="ctr"/>
+                <a:endParaRPr lang="en-CN"/>
+              </a:p>
+            </p:txBody>
+          </p:sp>
+        </p:grpSp>
+        <p:sp>
+          <p:nvSpPr>
+            <p:cNvPr id="3" name="Rectangle 2">
+              <a:extLst>
+                <a:ext uri="{FF2B5EF4-FFF2-40B4-BE49-F238E27FC236}">
+                  <a16:creationId xmlns:a16="http://schemas.microsoft.com/office/drawing/2014/main" id="{F6C22B75-5976-6A71-EA90-DBA1C10BF084}"/>
+                </a:ext>
+              </a:extLst>
+            </p:cNvPr>
+            <p:cNvSpPr/>
+            <p:nvPr/>
+          </p:nvSpPr>
+          <p:spPr>
+            <a:xfrm>
+              <a:off x="3681387" y="3455786"/>
+              <a:ext cx="1611024" cy="387178"/>
+            </a:xfrm>
+            <a:prstGeom prst="rect">
+              <a:avLst/>
+            </a:prstGeom>
+            <a:solidFill>
+              <a:schemeClr val="accent6">
+                <a:lumMod val="60000"/>
+                <a:lumOff val="40000"/>
+              </a:schemeClr>
+            </a:solidFill>
+            <a:ln w="25400">
+              <a:solidFill>
+                <a:schemeClr val="tx1"/>
+              </a:solidFill>
+            </a:ln>
+          </p:spPr>
+          <p:style>
+            <a:lnRef idx="2">
+              <a:schemeClr val="accent1">
+                <a:shade val="50000"/>
+              </a:schemeClr>
+            </a:lnRef>
+            <a:fillRef idx="1">
+              <a:schemeClr val="accent1"/>
+            </a:fillRef>
+            <a:effectRef idx="0">
+              <a:schemeClr val="accent1"/>
+            </a:effectRef>
+            <a:fontRef idx="minor">
+              <a:schemeClr val="lt1"/>
+            </a:fontRef>
+          </p:style>
+          <p:txBody>
+            <a:bodyPr rtlCol="0" anchor="ctr"/>
+            <a:lstStyle/>
+            <a:p>
+              <a:pPr algn="ctr"/>
+              <a:r>
+                <a:rPr lang="en-US" altLang="zh-CN" b="1" dirty="0">
+                  <a:solidFill>
+                    <a:schemeClr val="tx1"/>
+                  </a:solidFill>
+                </a:rPr>
+                <a:t>Person</a:t>
+              </a:r>
+              <a:endParaRPr lang="en-CN" b="1" dirty="0">
+                <a:solidFill>
+                  <a:schemeClr val="tx1"/>
+                </a:solidFill>
+              </a:endParaRPr>
+            </a:p>
+          </p:txBody>
+        </p:sp>
+        <p:sp>
+          <p:nvSpPr>
+            <p:cNvPr id="4" name="Rectangle 3">
+              <a:extLst>
+                <a:ext uri="{FF2B5EF4-FFF2-40B4-BE49-F238E27FC236}">
+                  <a16:creationId xmlns:a16="http://schemas.microsoft.com/office/drawing/2014/main" id="{86444C4D-9B67-3AAF-D7FA-B451C6AF389F}"/>
+                </a:ext>
+              </a:extLst>
+            </p:cNvPr>
+            <p:cNvSpPr/>
+            <p:nvPr/>
+          </p:nvSpPr>
+          <p:spPr>
+            <a:xfrm>
+              <a:off x="3681387" y="4250470"/>
+              <a:ext cx="1611024" cy="387178"/>
+            </a:xfrm>
+            <a:prstGeom prst="rect">
+              <a:avLst/>
+            </a:prstGeom>
+            <a:solidFill>
+              <a:srgbClr val="FF0000">
+                <a:alpha val="30000"/>
+              </a:srgbClr>
+            </a:solidFill>
+            <a:ln w="25400">
+              <a:solidFill>
+                <a:schemeClr val="tx1"/>
+              </a:solidFill>
+            </a:ln>
+          </p:spPr>
+          <p:style>
+            <a:lnRef idx="2">
+              <a:schemeClr val="accent1">
+                <a:shade val="50000"/>
+              </a:schemeClr>
+            </a:lnRef>
+            <a:fillRef idx="1">
+              <a:schemeClr val="accent1"/>
+            </a:fillRef>
+            <a:effectRef idx="0">
+              <a:schemeClr val="accent1"/>
+            </a:effectRef>
+            <a:fontRef idx="minor">
+              <a:schemeClr val="lt1"/>
+            </a:fontRef>
+          </p:style>
+          <p:txBody>
+            <a:bodyPr rtlCol="0" anchor="ctr"/>
+            <a:lstStyle/>
+            <a:p>
+              <a:pPr algn="ctr"/>
+              <a:r>
+                <a:rPr lang="en-US" altLang="zh-CN" b="1" dirty="0">
+                  <a:solidFill>
+                    <a:schemeClr val="tx1"/>
+                  </a:solidFill>
+                </a:rPr>
+                <a:t>Company</a:t>
+              </a:r>
+              <a:endParaRPr lang="en-CN" b="1" dirty="0">
+                <a:solidFill>
+                  <a:schemeClr val="tx1"/>
+                </a:solidFill>
+              </a:endParaRPr>
+            </a:p>
+          </p:txBody>
+        </p:sp>
+        <p:sp>
+          <p:nvSpPr>
+            <p:cNvPr id="5" name="TextBox 4">
+              <a:extLst>
+                <a:ext uri="{FF2B5EF4-FFF2-40B4-BE49-F238E27FC236}">
+                  <a16:creationId xmlns:a16="http://schemas.microsoft.com/office/drawing/2014/main" id="{2BC9018A-43FD-449F-63D9-CE2256EFA7BB}"/>
+                </a:ext>
+              </a:extLst>
+            </p:cNvPr>
+            <p:cNvSpPr txBox="1"/>
+            <p:nvPr/>
+          </p:nvSpPr>
+          <p:spPr>
+            <a:xfrm>
+              <a:off x="5845544" y="3689370"/>
+              <a:ext cx="603050" cy="307777"/>
+            </a:xfrm>
+            <a:prstGeom prst="rect">
+              <a:avLst/>
+            </a:prstGeom>
+            <a:noFill/>
+          </p:spPr>
+          <p:txBody>
+            <a:bodyPr wrap="none" rtlCol="0">
+              <a:spAutoFit/>
+            </a:bodyPr>
+            <a:lstStyle/>
+            <a:p>
+              <a:r>
+                <a:rPr lang="en-US" altLang="zh-CN" sz="1400" dirty="0"/>
+                <a:t>apply</a:t>
+              </a:r>
+              <a:endParaRPr lang="en-CN" sz="1600" dirty="0"/>
+            </a:p>
+          </p:txBody>
+        </p:sp>
+        <p:sp>
+          <p:nvSpPr>
+            <p:cNvPr id="6" name="TextBox 5">
+              <a:extLst>
+                <a:ext uri="{FF2B5EF4-FFF2-40B4-BE49-F238E27FC236}">
+                  <a16:creationId xmlns:a16="http://schemas.microsoft.com/office/drawing/2014/main" id="{EB307DAF-D388-C356-20C1-C485E1185BED}"/>
+                </a:ext>
+              </a:extLst>
+            </p:cNvPr>
+            <p:cNvSpPr txBox="1"/>
+            <p:nvPr/>
+          </p:nvSpPr>
+          <p:spPr>
+            <a:xfrm>
+              <a:off x="4309087" y="3880032"/>
+              <a:ext cx="348172" cy="307777"/>
+            </a:xfrm>
+            <a:prstGeom prst="rect">
+              <a:avLst/>
+            </a:prstGeom>
+            <a:noFill/>
+          </p:spPr>
+          <p:txBody>
+            <a:bodyPr wrap="none" rtlCol="0">
+              <a:spAutoFit/>
+            </a:bodyPr>
+            <a:lstStyle/>
+            <a:p>
+              <a:r>
+                <a:rPr lang="en-US" altLang="zh-CN" sz="1400" dirty="0"/>
+                <a:t>or</a:t>
+              </a:r>
+            </a:p>
+          </p:txBody>
+        </p:sp>
+        <p:cxnSp>
+          <p:nvCxnSpPr>
+            <p:cNvPr id="7" name="Elbow Connector 6">
+              <a:extLst>
+                <a:ext uri="{FF2B5EF4-FFF2-40B4-BE49-F238E27FC236}">
+                  <a16:creationId xmlns:a16="http://schemas.microsoft.com/office/drawing/2014/main" id="{5129B6BB-A768-8121-42AE-B819FCE6F370}"/>
+                </a:ext>
+              </a:extLst>
+            </p:cNvPr>
+            <p:cNvCxnSpPr>
+              <a:cxnSpLocks/>
+              <a:stCxn id="3" idx="3"/>
+              <a:endCxn id="15" idx="1"/>
+            </p:cNvCxnSpPr>
+            <p:nvPr/>
+          </p:nvCxnSpPr>
+          <p:spPr>
+            <a:xfrm>
+              <a:off x="5292411" y="3649375"/>
+              <a:ext cx="1221061" cy="433325"/>
+            </a:xfrm>
+            <a:prstGeom prst="bentConnector3">
+              <a:avLst>
+                <a:gd name="adj1" fmla="val 35023"/>
+              </a:avLst>
+            </a:prstGeom>
+            <a:ln w="19050">
+              <a:solidFill>
+                <a:schemeClr val="tx1"/>
+              </a:solidFill>
+              <a:tailEnd type="triangle"/>
+            </a:ln>
+            <a:effectLst/>
+          </p:spPr>
+          <p:style>
+            <a:lnRef idx="1">
+              <a:schemeClr val="accent1"/>
+            </a:lnRef>
+            <a:fillRef idx="0">
+              <a:schemeClr val="accent1"/>
+            </a:fillRef>
+            <a:effectRef idx="0">
+              <a:schemeClr val="accent1"/>
+            </a:effectRef>
+            <a:fontRef idx="minor">
+              <a:schemeClr val="tx1"/>
+            </a:fontRef>
+          </p:style>
+        </p:cxnSp>
+        <p:cxnSp>
+          <p:nvCxnSpPr>
+            <p:cNvPr id="8" name="Elbow Connector 7">
+              <a:extLst>
+                <a:ext uri="{FF2B5EF4-FFF2-40B4-BE49-F238E27FC236}">
+                  <a16:creationId xmlns:a16="http://schemas.microsoft.com/office/drawing/2014/main" id="{1953077A-BFC9-F561-7E9F-D5062615CF5A}"/>
+                </a:ext>
+              </a:extLst>
+            </p:cNvPr>
+            <p:cNvCxnSpPr>
+              <a:cxnSpLocks/>
+              <a:stCxn id="4" idx="3"/>
+              <a:endCxn id="15" idx="1"/>
+            </p:cNvCxnSpPr>
+            <p:nvPr/>
+          </p:nvCxnSpPr>
+          <p:spPr>
+            <a:xfrm flipV="1">
+              <a:off x="5292411" y="4082700"/>
+              <a:ext cx="1221061" cy="361359"/>
+            </a:xfrm>
+            <a:prstGeom prst="bentConnector3">
+              <a:avLst>
+                <a:gd name="adj1" fmla="val 35023"/>
+              </a:avLst>
+            </a:prstGeom>
+            <a:ln w="19050">
+              <a:solidFill>
+                <a:schemeClr val="tx1"/>
+              </a:solidFill>
+              <a:tailEnd type="triangle"/>
+            </a:ln>
+            <a:effectLst/>
+          </p:spPr>
+          <p:style>
+            <a:lnRef idx="1">
+              <a:schemeClr val="accent1"/>
+            </a:lnRef>
+            <a:fillRef idx="0">
+              <a:schemeClr val="accent1"/>
+            </a:fillRef>
+            <a:effectRef idx="0">
+              <a:schemeClr val="accent1"/>
+            </a:effectRef>
+            <a:fontRef idx="minor">
+              <a:schemeClr val="tx1"/>
+            </a:fontRef>
+          </p:style>
+        </p:cxnSp>
+        <p:sp>
+          <p:nvSpPr>
+            <p:cNvPr id="9" name="Multiply 8">
+              <a:extLst>
+                <a:ext uri="{FF2B5EF4-FFF2-40B4-BE49-F238E27FC236}">
+                  <a16:creationId xmlns:a16="http://schemas.microsoft.com/office/drawing/2014/main" id="{1236963E-2930-09F8-0902-493584C3395D}"/>
+                </a:ext>
+              </a:extLst>
+            </p:cNvPr>
+            <p:cNvSpPr/>
+            <p:nvPr/>
+          </p:nvSpPr>
+          <p:spPr>
+            <a:xfrm>
+              <a:off x="5951125" y="3885198"/>
+              <a:ext cx="360000" cy="360000"/>
+            </a:xfrm>
+            <a:prstGeom prst="mathMultiply">
+              <a:avLst>
+                <a:gd name="adj1" fmla="val 12937"/>
+              </a:avLst>
+            </a:prstGeom>
+            <a:solidFill>
+              <a:srgbClr val="FF0000"/>
+            </a:solidFill>
+            <a:ln>
+              <a:noFill/>
+            </a:ln>
+          </p:spPr>
+          <p:style>
+            <a:lnRef idx="2">
+              <a:schemeClr val="accent1">
+                <a:shade val="50000"/>
+              </a:schemeClr>
+            </a:lnRef>
+            <a:fillRef idx="1">
+              <a:schemeClr val="accent1"/>
+            </a:fillRef>
+            <a:effectRef idx="0">
+              <a:schemeClr val="accent1"/>
+            </a:effectRef>
+            <a:fontRef idx="minor">
+              <a:schemeClr val="lt1"/>
+            </a:fontRef>
+          </p:style>
+          <p:txBody>
+            <a:bodyPr rtlCol="0" anchor="ctr"/>
+            <a:lstStyle/>
+            <a:p>
+              <a:pPr algn="ctr"/>
+              <a:endParaRPr lang="en-CN"/>
+            </a:p>
+          </p:txBody>
+        </p:sp>
+      </p:grpSp>
+    </p:spTree>
+    <p:extLst>
+      <p:ext uri="{BB962C8B-B14F-4D97-AF65-F5344CB8AC3E}">
+        <p14:creationId xmlns:p14="http://schemas.microsoft.com/office/powerpoint/2010/main" val="129068417"/>
+      </p:ext>
+    </p:extLst>
+  </p:cSld>
+  <p:clrMapOvr>
+    <a:masterClrMapping/>
+  </p:clrMapOvr>
+</p:sld>
+</file>
+
+<file path=ppt/slides/slide16.xml><?xml version="1.0" encoding="utf-8"?>
+<p:sld xmlns:a="http://schemas.openxmlformats.org/drawingml/2006/main" xmlns:r="http://schemas.openxmlformats.org/officeDocument/2006/relationships" xmlns:p="http://schemas.openxmlformats.org/presentationml/2006/main" show="0">
+  <p:cSld>
+    <p:spTree>
+      <p:nvGrpSpPr>
+        <p:cNvPr id="1" name=""/>
+        <p:cNvGrpSpPr/>
+        <p:nvPr/>
+      </p:nvGrpSpPr>
+      <p:grpSpPr>
+        <a:xfrm>
+          <a:off x="0" y="0"/>
+          <a:ext cx="0" cy="0"/>
+          <a:chOff x="0" y="0"/>
+          <a:chExt cx="0" cy="0"/>
+        </a:xfrm>
+      </p:grpSpPr>
+      <p:grpSp>
+        <p:nvGrpSpPr>
+          <p:cNvPr id="3" name="Group 2">
+            <a:extLst>
+              <a:ext uri="{FF2B5EF4-FFF2-40B4-BE49-F238E27FC236}">
+                <a16:creationId xmlns:a16="http://schemas.microsoft.com/office/drawing/2014/main" id="{D543F2FB-A178-5C43-9632-9F2D7941D522}"/>
+              </a:ext>
+            </a:extLst>
+          </p:cNvPr>
+          <p:cNvGrpSpPr/>
+          <p:nvPr/>
+        </p:nvGrpSpPr>
+        <p:grpSpPr>
+          <a:xfrm>
+            <a:off x="4607325" y="2411287"/>
+            <a:ext cx="2977350" cy="1344279"/>
+            <a:chOff x="1488974" y="3906297"/>
+            <a:chExt cx="1803118" cy="927586"/>
+          </a:xfrm>
+        </p:grpSpPr>
+        <p:sp>
+          <p:nvSpPr>
+            <p:cNvPr id="5" name="矩形 4">
+              <a:extLst>
+                <a:ext uri="{FF2B5EF4-FFF2-40B4-BE49-F238E27FC236}">
+                  <a16:creationId xmlns:a16="http://schemas.microsoft.com/office/drawing/2014/main" id="{4F7CE573-D2EE-B544-9AF9-A133E6C5E6B5}"/>
+                </a:ext>
+              </a:extLst>
+            </p:cNvPr>
+            <p:cNvSpPr/>
+            <p:nvPr/>
+          </p:nvSpPr>
+          <p:spPr>
+            <a:xfrm>
+              <a:off x="1488974" y="3906297"/>
+              <a:ext cx="1803118" cy="430356"/>
+            </a:xfrm>
+            <a:prstGeom prst="rect">
+              <a:avLst/>
+            </a:prstGeom>
+            <a:solidFill>
+              <a:schemeClr val="accent4">
+                <a:lumMod val="60000"/>
+                <a:lumOff val="40000"/>
+              </a:schemeClr>
+            </a:solidFill>
+            <a:ln w="25400">
+              <a:solidFill>
+                <a:schemeClr val="tx1"/>
+              </a:solidFill>
+            </a:ln>
+          </p:spPr>
+          <p:style>
+            <a:lnRef idx="2">
+              <a:schemeClr val="accent2">
+                <a:shade val="50000"/>
+              </a:schemeClr>
+            </a:lnRef>
+            <a:fillRef idx="1">
+              <a:schemeClr val="accent2"/>
+            </a:fillRef>
+            <a:effectRef idx="0">
+              <a:schemeClr val="accent2"/>
+            </a:effectRef>
+            <a:fontRef idx="minor">
+              <a:schemeClr val="lt1"/>
+            </a:fontRef>
+          </p:style>
+          <p:txBody>
+            <a:bodyPr rtlCol="0" anchor="ctr"/>
+            <a:lstStyle/>
+            <a:p>
+              <a:pPr algn="ctr"/>
+              <a:r>
+                <a:rPr kumimoji="1" lang="en-US" altLang="zh-CN" b="1" dirty="0">
+                  <a:solidFill>
+                    <a:sysClr val="windowText" lastClr="000000"/>
+                  </a:solidFill>
+                </a:rPr>
+                <a:t>med:</a:t>
+              </a:r>
+              <a:r>
+                <a:rPr kumimoji="1" lang="zh-CN" altLang="en-US" b="1" dirty="0">
+                  <a:solidFill>
+                    <a:sysClr val="windowText" lastClr="000000"/>
+                  </a:solidFill>
+                </a:rPr>
+                <a:t> </a:t>
+              </a:r>
+              <a:r>
+                <a:rPr kumimoji="1" lang="en-US" altLang="zh-CN" dirty="0">
+                  <a:solidFill>
+                    <a:sysClr val="windowText" lastClr="000000"/>
+                  </a:solidFill>
+                </a:rPr>
+                <a:t>Medium</a:t>
+              </a:r>
+              <a:endParaRPr kumimoji="1" lang="zh-CN" altLang="en-US" sz="1600" dirty="0">
+                <a:solidFill>
+                  <a:sysClr val="windowText" lastClr="000000"/>
+                </a:solidFill>
+              </a:endParaRPr>
+            </a:p>
+          </p:txBody>
+        </p:sp>
+        <p:sp>
+          <p:nvSpPr>
+            <p:cNvPr id="6" name="矩形 5">
+              <a:extLst>
+                <a:ext uri="{FF2B5EF4-FFF2-40B4-BE49-F238E27FC236}">
+                  <a16:creationId xmlns:a16="http://schemas.microsoft.com/office/drawing/2014/main" id="{D9E4A41A-CB40-AC47-87AB-621C9DE49842}"/>
+                </a:ext>
+              </a:extLst>
+            </p:cNvPr>
+            <p:cNvSpPr/>
+            <p:nvPr/>
+          </p:nvSpPr>
+          <p:spPr>
+            <a:xfrm>
+              <a:off x="1488974" y="4336653"/>
+              <a:ext cx="1803117" cy="497230"/>
+            </a:xfrm>
+            <a:prstGeom prst="rect">
+              <a:avLst/>
+            </a:prstGeom>
+            <a:noFill/>
+            <a:ln w="25400">
+              <a:solidFill>
+                <a:schemeClr val="tx1"/>
+              </a:solidFill>
+            </a:ln>
+          </p:spPr>
+          <p:style>
+            <a:lnRef idx="2">
+              <a:schemeClr val="accent2">
+                <a:shade val="50000"/>
+              </a:schemeClr>
+            </a:lnRef>
+            <a:fillRef idx="1">
+              <a:schemeClr val="accent2"/>
+            </a:fillRef>
+            <a:effectRef idx="0">
+              <a:schemeClr val="accent2"/>
+            </a:effectRef>
+            <a:fontRef idx="minor">
+              <a:schemeClr val="lt1"/>
+            </a:fontRef>
+          </p:style>
+          <p:txBody>
+            <a:bodyPr rtlCol="0" anchor="ctr"/>
+            <a:lstStyle/>
+            <a:p>
+              <a:pPr algn="ctr"/>
+              <a:r>
+                <a:rPr kumimoji="1" lang="en-US" altLang="zh-CN" sz="1600" dirty="0" err="1">
+                  <a:solidFill>
+                    <a:sysClr val="windowText" lastClr="000000"/>
+                  </a:solidFill>
+                  <a:latin typeface="DengXian" panose="02010600030101010101" pitchFamily="2" charset="-122"/>
+                  <a:ea typeface="DengXian" panose="02010600030101010101" pitchFamily="2" charset="-122"/>
+                </a:rPr>
+                <a:t>med.id</a:t>
+              </a:r>
+              <a:r>
+                <a:rPr kumimoji="1" lang="zh-CN" altLang="en-US" sz="1600" dirty="0">
+                  <a:solidFill>
+                    <a:sysClr val="windowText" lastClr="000000"/>
+                  </a:solidFill>
+                  <a:latin typeface="DengXian" panose="02010600030101010101" pitchFamily="2" charset="-122"/>
+                  <a:ea typeface="DengXian" panose="02010600030101010101" pitchFamily="2" charset="-122"/>
+                </a:rPr>
+                <a:t> </a:t>
+              </a:r>
+              <a:r>
+                <a:rPr kumimoji="1" lang="en-US" altLang="zh-CN" sz="1600" dirty="0">
+                  <a:solidFill>
+                    <a:sysClr val="windowText" lastClr="000000"/>
+                  </a:solidFill>
+                  <a:latin typeface="DengXian" panose="02010600030101010101" pitchFamily="2" charset="-122"/>
+                  <a:ea typeface="DengXian" panose="02010600030101010101" pitchFamily="2" charset="-122"/>
+                </a:rPr>
+                <a:t>=</a:t>
+              </a:r>
+              <a:r>
+                <a:rPr kumimoji="1" lang="zh-CN" altLang="en-US" sz="1600" dirty="0">
+                  <a:solidFill>
+                    <a:sysClr val="windowText" lastClr="000000"/>
+                  </a:solidFill>
+                  <a:latin typeface="DengXian" panose="02010600030101010101" pitchFamily="2" charset="-122"/>
+                  <a:ea typeface="DengXian" panose="02010600030101010101" pitchFamily="2" charset="-122"/>
+                </a:rPr>
+                <a:t> </a:t>
+              </a:r>
+              <a:r>
+                <a:rPr kumimoji="1" lang="en-US" altLang="zh-CN" sz="1600" dirty="0">
+                  <a:solidFill>
+                    <a:sysClr val="windowText" lastClr="000000"/>
+                  </a:solidFill>
+                  <a:latin typeface="DengXian" panose="02010600030101010101" pitchFamily="2" charset="-122"/>
+                  <a:ea typeface="DengXian" panose="02010600030101010101" pitchFamily="2" charset="-122"/>
+                </a:rPr>
+                <a:t>${</a:t>
+              </a:r>
+              <a:r>
+                <a:rPr kumimoji="1" lang="en-US" altLang="zh-CN" sz="1600" dirty="0" err="1">
+                  <a:solidFill>
+                    <a:sysClr val="windowText" lastClr="000000"/>
+                  </a:solidFill>
+                  <a:latin typeface="DengXian" panose="02010600030101010101" pitchFamily="2" charset="-122"/>
+                  <a:ea typeface="DengXian" panose="02010600030101010101" pitchFamily="2" charset="-122"/>
+                </a:rPr>
+                <a:t>mediumId</a:t>
+              </a:r>
+              <a:endParaRPr kumimoji="1" lang="en-US" altLang="zh-CN" sz="1600" dirty="0">
+                <a:solidFill>
+                  <a:sysClr val="windowText" lastClr="000000"/>
+                </a:solidFill>
+                <a:latin typeface="DengXian" panose="02010600030101010101" pitchFamily="2" charset="-122"/>
+                <a:ea typeface="DengXian" panose="02010600030101010101" pitchFamily="2" charset="-122"/>
+              </a:endParaRPr>
+            </a:p>
+            <a:p>
+              <a:pPr algn="ctr"/>
+              <a:r>
+                <a:rPr kumimoji="1" lang="en-US" altLang="zh-CN" sz="1600" dirty="0" err="1">
+                  <a:solidFill>
+                    <a:sysClr val="windowText" lastClr="000000"/>
+                  </a:solidFill>
+                  <a:latin typeface="DengXian" panose="02010600030101010101" pitchFamily="2" charset="-122"/>
+                  <a:ea typeface="DengXian" panose="02010600030101010101" pitchFamily="2" charset="-122"/>
+                </a:rPr>
+                <a:t>isBlocked</a:t>
+              </a:r>
+              <a:r>
+                <a:rPr kumimoji="1" lang="zh-CN" altLang="en-US" sz="1600" dirty="0">
+                  <a:solidFill>
+                    <a:sysClr val="windowText" lastClr="000000"/>
+                  </a:solidFill>
+                  <a:latin typeface="DengXian" panose="02010600030101010101" pitchFamily="2" charset="-122"/>
+                  <a:ea typeface="DengXian" panose="02010600030101010101" pitchFamily="2" charset="-122"/>
+                </a:rPr>
+                <a:t> </a:t>
+              </a:r>
+              <a:r>
+                <a:rPr kumimoji="1" lang="en-US" altLang="zh-CN" sz="1600" dirty="0">
+                  <a:solidFill>
+                    <a:sysClr val="windowText" lastClr="000000"/>
+                  </a:solidFill>
+                  <a:latin typeface="DengXian" panose="02010600030101010101" pitchFamily="2" charset="-122"/>
+                  <a:ea typeface="DengXian" panose="02010600030101010101" pitchFamily="2" charset="-122"/>
+                </a:rPr>
+                <a:t>&lt;-</a:t>
+              </a:r>
+              <a:r>
+                <a:rPr kumimoji="1" lang="zh-CN" altLang="en-US" sz="1600" dirty="0">
+                  <a:solidFill>
+                    <a:sysClr val="windowText" lastClr="000000"/>
+                  </a:solidFill>
+                  <a:latin typeface="DengXian" panose="02010600030101010101" pitchFamily="2" charset="-122"/>
+                  <a:ea typeface="DengXian" panose="02010600030101010101" pitchFamily="2" charset="-122"/>
+                </a:rPr>
+                <a:t> </a:t>
+              </a:r>
+              <a:r>
+                <a:rPr kumimoji="1" lang="en-US" altLang="zh-CN" sz="1600" b="1" dirty="0">
+                  <a:solidFill>
+                    <a:sysClr val="windowText" lastClr="000000"/>
+                  </a:solidFill>
+                  <a:latin typeface="DengXian" panose="02010600030101010101" pitchFamily="2" charset="-122"/>
+                  <a:ea typeface="DengXian" panose="02010600030101010101" pitchFamily="2" charset="-122"/>
+                </a:rPr>
+                <a:t>True</a:t>
+              </a:r>
+            </a:p>
+          </p:txBody>
+        </p:sp>
+      </p:grpSp>
+    </p:spTree>
+    <p:extLst>
+      <p:ext uri="{BB962C8B-B14F-4D97-AF65-F5344CB8AC3E}">
+        <p14:creationId xmlns:p14="http://schemas.microsoft.com/office/powerpoint/2010/main" val="3938937280"/>
+      </p:ext>
+    </p:extLst>
+  </p:cSld>
+  <p:clrMapOvr>
+    <a:masterClrMapping/>
+  </p:clrMapOvr>
+</p:sld>
+</file>
+
 <file path=ppt/slides/slide2.xml><?xml version="1.0" encoding="utf-8"?>
 <p:sld xmlns:a="http://schemas.openxmlformats.org/drawingml/2006/main" xmlns:r="http://schemas.openxmlformats.org/officeDocument/2006/relationships" xmlns:p="http://schemas.openxmlformats.org/presentationml/2006/main">
   <p:cSld>
@@ -8575,6 +8645,16 @@
                   <a:t> </a:t>
                 </a:r>
                 <a:r>
+                  <a:rPr kumimoji="1" lang="en-US" altLang="zh-CN" sz="1600" dirty="0">
+                    <a:solidFill>
+                      <a:sysClr val="windowText" lastClr="000000"/>
+                    </a:solidFill>
+                    <a:latin typeface="DengXian" panose="02010600030101010101" pitchFamily="2" charset="-122"/>
+                    <a:ea typeface="DengXian" panose="02010600030101010101" pitchFamily="2" charset="-122"/>
+                  </a:rPr>
+                  <a:t>${</a:t>
+                </a:r>
+                <a:r>
                   <a:rPr kumimoji="1" lang="en-US" altLang="zh-CN" sz="1600" dirty="0" err="1">
                     <a:solidFill>
                       <a:sysClr val="windowText" lastClr="000000"/>
@@ -8584,13 +8664,16 @@
                   </a:rPr>
                   <a:t>accountId</a:t>
                 </a:r>
-                <a:endParaRPr kumimoji="1" lang="en-US" altLang="zh-CN" sz="1600" dirty="0">
-                  <a:solidFill>
-                    <a:sysClr val="windowText" lastClr="000000"/>
-                  </a:solidFill>
-                  <a:latin typeface="DengXian" panose="02010600030101010101" pitchFamily="2" charset="-122"/>
-                  <a:ea typeface="DengXian" panose="02010600030101010101" pitchFamily="2" charset="-122"/>
-                </a:endParaRPr>
+                <a:r>
+                  <a:rPr kumimoji="1" lang="en-US" altLang="zh-CN" sz="1600" dirty="0">
+                    <a:solidFill>
+                      <a:sysClr val="windowText" lastClr="000000"/>
+                    </a:solidFill>
+                    <a:latin typeface="DengXian" panose="02010600030101010101" pitchFamily="2" charset="-122"/>
+                    <a:ea typeface="DengXian" panose="02010600030101010101" pitchFamily="2" charset="-122"/>
+                  </a:rPr>
+                  <a:t>}</a:t>
+                </a:r>
               </a:p>
               <a:p>
                 <a:pPr algn="ctr"/>
@@ -8635,22 +8718,15 @@
                   <a:t> </a:t>
                 </a:r>
                 <a:r>
-                  <a:rPr kumimoji="1" lang="en-US" altLang="zh-CN" sz="1600" dirty="0" err="1">
-                    <a:solidFill>
-                      <a:sysClr val="windowText" lastClr="000000"/>
-                    </a:solidFill>
-                    <a:latin typeface="DengXian" panose="02010600030101010101" pitchFamily="2" charset="-122"/>
-                    <a:ea typeface="DengXian" panose="02010600030101010101" pitchFamily="2" charset="-122"/>
-                  </a:rPr>
-                  <a:t>currentTime</a:t>
-                </a:r>
-                <a:endParaRPr kumimoji="1" lang="en-US" altLang="zh-CN" sz="1600" dirty="0">
-                  <a:solidFill>
-                    <a:sysClr val="windowText" lastClr="000000"/>
-                  </a:solidFill>
-                  <a:latin typeface="DengXian" panose="02010600030101010101" pitchFamily="2" charset="-122"/>
-                  <a:ea typeface="DengXian" panose="02010600030101010101" pitchFamily="2" charset="-122"/>
-                </a:endParaRPr>
+                  <a:rPr kumimoji="1" lang="en-US" altLang="zh-CN" sz="1600" dirty="0">
+                    <a:solidFill>
+                      <a:sysClr val="windowText" lastClr="000000"/>
+                    </a:solidFill>
+                    <a:latin typeface="DengXian" panose="02010600030101010101" pitchFamily="2" charset="-122"/>
+                    <a:ea typeface="DengXian" panose="02010600030101010101" pitchFamily="2" charset="-122"/>
+                  </a:rPr>
+                  <a:t>${time}</a:t>
+                </a:r>
               </a:p>
               <a:p>
                 <a:pPr algn="ctr"/>
@@ -8695,6 +8771,16 @@
                   <a:t> </a:t>
                 </a:r>
                 <a:r>
+                  <a:rPr kumimoji="1" lang="en-US" altLang="zh-CN" sz="1600" dirty="0">
+                    <a:solidFill>
+                      <a:sysClr val="windowText" lastClr="000000"/>
+                    </a:solidFill>
+                    <a:latin typeface="DengXian" panose="02010600030101010101" pitchFamily="2" charset="-122"/>
+                    <a:ea typeface="DengXian" panose="02010600030101010101" pitchFamily="2" charset="-122"/>
+                  </a:rPr>
+                  <a:t>${</a:t>
+                </a:r>
+                <a:r>
                   <a:rPr kumimoji="1" lang="en-US" altLang="zh-CN" sz="1600" dirty="0" err="1">
                     <a:solidFill>
                       <a:sysClr val="windowText" lastClr="000000"/>
@@ -8704,13 +8790,16 @@
                   </a:rPr>
                   <a:t>accountBlocked</a:t>
                 </a:r>
-                <a:endParaRPr kumimoji="1" lang="en-US" altLang="zh-CN" sz="1600" dirty="0">
-                  <a:solidFill>
-                    <a:sysClr val="windowText" lastClr="000000"/>
-                  </a:solidFill>
-                  <a:latin typeface="DengXian" panose="02010600030101010101" pitchFamily="2" charset="-122"/>
-                  <a:ea typeface="DengXian" panose="02010600030101010101" pitchFamily="2" charset="-122"/>
-                </a:endParaRPr>
+                <a:r>
+                  <a:rPr kumimoji="1" lang="en-US" altLang="zh-CN" sz="1600" dirty="0">
+                    <a:solidFill>
+                      <a:sysClr val="windowText" lastClr="000000"/>
+                    </a:solidFill>
+                    <a:latin typeface="DengXian" panose="02010600030101010101" pitchFamily="2" charset="-122"/>
+                    <a:ea typeface="DengXian" panose="02010600030101010101" pitchFamily="2" charset="-122"/>
+                  </a:rPr>
+                  <a:t>}</a:t>
+                </a:r>
               </a:p>
               <a:p>
                 <a:pPr algn="ctr"/>
@@ -8755,6 +8844,16 @@
                   <a:t> </a:t>
                 </a:r>
                 <a:r>
+                  <a:rPr kumimoji="1" lang="en-US" altLang="zh-CN" sz="1600" dirty="0">
+                    <a:solidFill>
+                      <a:sysClr val="windowText" lastClr="000000"/>
+                    </a:solidFill>
+                    <a:latin typeface="DengXian" panose="02010600030101010101" pitchFamily="2" charset="-122"/>
+                    <a:ea typeface="DengXian" panose="02010600030101010101" pitchFamily="2" charset="-122"/>
+                  </a:rPr>
+                  <a:t>${</a:t>
+                </a:r>
+                <a:r>
                   <a:rPr kumimoji="1" lang="en-US" altLang="zh-CN" sz="1600" dirty="0" err="1">
                     <a:solidFill>
                       <a:sysClr val="windowText" lastClr="000000"/>
@@ -8764,13 +8863,16 @@
                   </a:rPr>
                   <a:t>accountType</a:t>
                 </a:r>
-                <a:endParaRPr kumimoji="1" lang="en-US" altLang="zh-CN" sz="1600" dirty="0">
-                  <a:solidFill>
-                    <a:sysClr val="windowText" lastClr="000000"/>
-                  </a:solidFill>
-                  <a:latin typeface="DengXian" panose="02010600030101010101" pitchFamily="2" charset="-122"/>
-                  <a:ea typeface="DengXian" panose="02010600030101010101" pitchFamily="2" charset="-122"/>
-                </a:endParaRPr>
+                <a:r>
+                  <a:rPr kumimoji="1" lang="en-US" altLang="zh-CN" sz="1600" dirty="0">
+                    <a:solidFill>
+                      <a:sysClr val="windowText" lastClr="000000"/>
+                    </a:solidFill>
+                    <a:latin typeface="DengXian" panose="02010600030101010101" pitchFamily="2" charset="-122"/>
+                    <a:ea typeface="DengXian" panose="02010600030101010101" pitchFamily="2" charset="-122"/>
+                  </a:rPr>
+                  <a:t>}</a:t>
+                </a:r>
               </a:p>
               <a:p>
                 <a:pPr algn="ctr"/>
@@ -8962,6 +9064,16 @@
                   <a:t> </a:t>
                 </a:r>
                 <a:r>
+                  <a:rPr kumimoji="1" lang="en-US" altLang="zh-CN" sz="1600" dirty="0">
+                    <a:solidFill>
+                      <a:sysClr val="windowText" lastClr="000000"/>
+                    </a:solidFill>
+                    <a:latin typeface="DengXian" panose="02010600030101010101" pitchFamily="2" charset="-122"/>
+                    <a:ea typeface="DengXian" panose="02010600030101010101" pitchFamily="2" charset="-122"/>
+                  </a:rPr>
+                  <a:t>${</a:t>
+                </a:r>
+                <a:r>
                   <a:rPr kumimoji="1" lang="en-US" altLang="zh-CN" sz="1600" dirty="0" err="1">
                     <a:solidFill>
                       <a:sysClr val="windowText" lastClr="000000"/>
@@ -8971,13 +9083,16 @@
                   </a:rPr>
                   <a:t>companyId</a:t>
                 </a:r>
-                <a:endParaRPr kumimoji="1" lang="en-US" altLang="zh-CN" sz="1600" dirty="0">
-                  <a:solidFill>
-                    <a:sysClr val="windowText" lastClr="000000"/>
-                  </a:solidFill>
-                  <a:latin typeface="DengXian" panose="02010600030101010101" pitchFamily="2" charset="-122"/>
-                  <a:ea typeface="DengXian" panose="02010600030101010101" pitchFamily="2" charset="-122"/>
-                </a:endParaRPr>
+                <a:r>
+                  <a:rPr kumimoji="1" lang="en-US" altLang="zh-CN" sz="1600" dirty="0">
+                    <a:solidFill>
+                      <a:sysClr val="windowText" lastClr="000000"/>
+                    </a:solidFill>
+                    <a:latin typeface="DengXian" panose="02010600030101010101" pitchFamily="2" charset="-122"/>
+                    <a:ea typeface="DengXian" panose="02010600030101010101" pitchFamily="2" charset="-122"/>
+                  </a:rPr>
+                  <a:t>}</a:t>
+                </a:r>
               </a:p>
               <a:p>
                 <a:pPr algn="ctr"/>
@@ -9022,6 +9137,16 @@
                   <a:t> </a:t>
                 </a:r>
                 <a:r>
+                  <a:rPr kumimoji="1" lang="en-US" altLang="zh-CN" sz="1600" dirty="0">
+                    <a:solidFill>
+                      <a:sysClr val="windowText" lastClr="000000"/>
+                    </a:solidFill>
+                    <a:latin typeface="DengXian" panose="02010600030101010101" pitchFamily="2" charset="-122"/>
+                    <a:ea typeface="DengXian" panose="02010600030101010101" pitchFamily="2" charset="-122"/>
+                  </a:rPr>
+                  <a:t>${</a:t>
+                </a:r>
+                <a:r>
                   <a:rPr kumimoji="1" lang="en-US" altLang="zh-CN" sz="1600" dirty="0" err="1">
                     <a:solidFill>
                       <a:sysClr val="windowText" lastClr="000000"/>
@@ -9031,13 +9156,16 @@
                   </a:rPr>
                   <a:t>companyName</a:t>
                 </a:r>
-                <a:endParaRPr kumimoji="1" lang="en-US" altLang="zh-CN" sz="1600" dirty="0">
-                  <a:solidFill>
-                    <a:sysClr val="windowText" lastClr="000000"/>
-                  </a:solidFill>
-                  <a:latin typeface="DengXian" panose="02010600030101010101" pitchFamily="2" charset="-122"/>
-                  <a:ea typeface="DengXian" panose="02010600030101010101" pitchFamily="2" charset="-122"/>
-                </a:endParaRPr>
+                <a:r>
+                  <a:rPr kumimoji="1" lang="en-US" altLang="zh-CN" sz="1600" dirty="0">
+                    <a:solidFill>
+                      <a:sysClr val="windowText" lastClr="000000"/>
+                    </a:solidFill>
+                    <a:latin typeface="DengXian" panose="02010600030101010101" pitchFamily="2" charset="-122"/>
+                    <a:ea typeface="DengXian" panose="02010600030101010101" pitchFamily="2" charset="-122"/>
+                  </a:rPr>
+                  <a:t>}</a:t>
+                </a:r>
               </a:p>
             </p:txBody>
           </p:sp>
@@ -9740,11 +9868,21 @@
                 <a:t> </a:t>
               </a:r>
               <a:r>
-                <a:rPr kumimoji="1" lang="en-US" altLang="zh-CN" sz="1400" dirty="0" err="1">
+                <a:rPr kumimoji="1" lang="en-US" altLang="zh-CN" sz="1400" dirty="0">
                   <a:latin typeface="DengXian" panose="02010600030101010101" pitchFamily="2" charset="-122"/>
                   <a:ea typeface="DengXian" panose="02010600030101010101" pitchFamily="2" charset="-122"/>
                 </a:rPr>
-                <a:t>currentTime</a:t>
+                <a:t>${time</a:t>
+              </a:r>
+              <a:r>
+                <a:rPr kumimoji="1" lang="en-US" altLang="zh-CN" sz="1400" dirty="0">
+                  <a:solidFill>
+                    <a:sysClr val="windowText" lastClr="000000"/>
+                  </a:solidFill>
+                  <a:latin typeface="DengXian" panose="02010600030101010101" pitchFamily="2" charset="-122"/>
+                  <a:ea typeface="DengXian" panose="02010600030101010101" pitchFamily="2" charset="-122"/>
+                </a:rPr>
+                <a:t>}</a:t>
               </a:r>
               <a:endParaRPr kumimoji="1" lang="en-US" altLang="zh-CN" sz="1400" dirty="0">
                 <a:latin typeface="DengXian" panose="02010600030101010101" pitchFamily="2" charset="-122"/>
@@ -9786,8 +9924,22 @@
                   <a:latin typeface="DengXian" panose="02010600030101010101" pitchFamily="2" charset="-122"/>
                   <a:ea typeface="DengXian" panose="02010600030101010101" pitchFamily="2" charset="-122"/>
                 </a:rPr>
-                <a:t>amt</a:t>
+                <a:t>${amount</a:t>
               </a:r>
+              <a:r>
+                <a:rPr kumimoji="1" lang="en-US" altLang="zh-CN" sz="1400" dirty="0">
+                  <a:solidFill>
+                    <a:sysClr val="windowText" lastClr="000000"/>
+                  </a:solidFill>
+                  <a:latin typeface="DengXian" panose="02010600030101010101" pitchFamily="2" charset="-122"/>
+                  <a:ea typeface="DengXian" panose="02010600030101010101" pitchFamily="2" charset="-122"/>
+                </a:rPr>
+                <a:t>}</a:t>
+              </a:r>
+              <a:endParaRPr kumimoji="1" lang="en-US" altLang="zh-CN" sz="1400" dirty="0">
+                <a:latin typeface="DengXian" panose="02010600030101010101" pitchFamily="2" charset="-122"/>
+                <a:ea typeface="DengXian" panose="02010600030101010101" pitchFamily="2" charset="-122"/>
+              </a:endParaRPr>
             </a:p>
           </p:txBody>
         </p:sp>
@@ -10551,11 +10703,21 @@
                 <a:t> </a:t>
               </a:r>
               <a:r>
-                <a:rPr kumimoji="1" lang="en-US" altLang="zh-CN" sz="1400" dirty="0" err="1">
+                <a:rPr kumimoji="1" lang="en-US" altLang="zh-CN" sz="1400" dirty="0">
                   <a:latin typeface="DengXian" panose="02010600030101010101" pitchFamily="2" charset="-122"/>
                   <a:ea typeface="DengXian" panose="02010600030101010101" pitchFamily="2" charset="-122"/>
                 </a:rPr>
-                <a:t>currentTime</a:t>
+                <a:t>${time</a:t>
+              </a:r>
+              <a:r>
+                <a:rPr kumimoji="1" lang="en-US" altLang="zh-CN" sz="1400" dirty="0">
+                  <a:solidFill>
+                    <a:sysClr val="windowText" lastClr="000000"/>
+                  </a:solidFill>
+                  <a:latin typeface="DengXian" panose="02010600030101010101" pitchFamily="2" charset="-122"/>
+                  <a:ea typeface="DengXian" panose="02010600030101010101" pitchFamily="2" charset="-122"/>
+                </a:rPr>
+                <a:t>}</a:t>
               </a:r>
               <a:endParaRPr kumimoji="1" lang="en-US" altLang="zh-CN" sz="1400" dirty="0">
                 <a:latin typeface="DengXian" panose="02010600030101010101" pitchFamily="2" charset="-122"/>
@@ -10597,8 +10759,22 @@
                   <a:latin typeface="DengXian" panose="02010600030101010101" pitchFamily="2" charset="-122"/>
                   <a:ea typeface="DengXian" panose="02010600030101010101" pitchFamily="2" charset="-122"/>
                 </a:rPr>
-                <a:t>amt</a:t>
+                <a:t>${amount</a:t>
               </a:r>
+              <a:r>
+                <a:rPr kumimoji="1" lang="en-US" altLang="zh-CN" sz="1400" dirty="0">
+                  <a:solidFill>
+                    <a:sysClr val="windowText" lastClr="000000"/>
+                  </a:solidFill>
+                  <a:latin typeface="DengXian" panose="02010600030101010101" pitchFamily="2" charset="-122"/>
+                  <a:ea typeface="DengXian" panose="02010600030101010101" pitchFamily="2" charset="-122"/>
+                </a:rPr>
+                <a:t>}</a:t>
+              </a:r>
+              <a:endParaRPr kumimoji="1" lang="en-US" altLang="zh-CN" sz="1400" dirty="0">
+                <a:latin typeface="DengXian" panose="02010600030101010101" pitchFamily="2" charset="-122"/>
+                <a:ea typeface="DengXian" panose="02010600030101010101" pitchFamily="2" charset="-122"/>
+              </a:endParaRPr>
             </a:p>
           </p:txBody>
         </p:sp>
@@ -11124,6 +11300,16 @@
                   <a:t> </a:t>
                 </a:r>
                 <a:r>
+                  <a:rPr kumimoji="1" lang="en-US" altLang="zh-CN" sz="1600" dirty="0">
+                    <a:solidFill>
+                      <a:sysClr val="windowText" lastClr="000000"/>
+                    </a:solidFill>
+                    <a:latin typeface="DengXian" panose="02010600030101010101" pitchFamily="2" charset="-122"/>
+                    <a:ea typeface="DengXian" panose="02010600030101010101" pitchFamily="2" charset="-122"/>
+                  </a:rPr>
+                  <a:t>${</a:t>
+                </a:r>
+                <a:r>
                   <a:rPr kumimoji="1" lang="en-US" altLang="zh-CN" sz="1600" dirty="0" err="1">
                     <a:solidFill>
                       <a:sysClr val="windowText" lastClr="000000"/>
@@ -11133,13 +11319,16 @@
                   </a:rPr>
                   <a:t>loanId</a:t>
                 </a:r>
-                <a:endParaRPr kumimoji="1" lang="en-US" altLang="zh-CN" sz="1600" dirty="0">
-                  <a:solidFill>
-                    <a:sysClr val="windowText" lastClr="000000"/>
-                  </a:solidFill>
-                  <a:latin typeface="DengXian" panose="02010600030101010101" pitchFamily="2" charset="-122"/>
-                  <a:ea typeface="DengXian" panose="02010600030101010101" pitchFamily="2" charset="-122"/>
-                </a:endParaRPr>
+                <a:r>
+                  <a:rPr kumimoji="1" lang="en-US" altLang="zh-CN" sz="1600" dirty="0">
+                    <a:solidFill>
+                      <a:sysClr val="windowText" lastClr="000000"/>
+                    </a:solidFill>
+                    <a:latin typeface="DengXian" panose="02010600030101010101" pitchFamily="2" charset="-122"/>
+                    <a:ea typeface="DengXian" panose="02010600030101010101" pitchFamily="2" charset="-122"/>
+                  </a:rPr>
+                  <a:t>}</a:t>
+                </a:r>
               </a:p>
               <a:p>
                 <a:pPr algn="ctr"/>
@@ -11191,7 +11380,7 @@
                     <a:latin typeface="DengXian" panose="02010600030101010101" pitchFamily="2" charset="-122"/>
                     <a:ea typeface="DengXian" panose="02010600030101010101" pitchFamily="2" charset="-122"/>
                   </a:rPr>
-                  <a:t>amount</a:t>
+                  <a:t>${amount}</a:t>
                 </a:r>
               </a:p>
             </p:txBody>
@@ -11345,16 +11534,12 @@
                 <a:t> </a:t>
               </a:r>
               <a:r>
-                <a:rPr kumimoji="1" lang="en-US" altLang="zh-CN" sz="1400" dirty="0" err="1">
+                <a:rPr kumimoji="1" lang="en-US" altLang="zh-CN" sz="1400" dirty="0">
                   <a:latin typeface="DengXian" panose="02010600030101010101" pitchFamily="2" charset="-122"/>
                   <a:ea typeface="DengXian" panose="02010600030101010101" pitchFamily="2" charset="-122"/>
                 </a:rPr>
-                <a:t>currentTime</a:t>
+                <a:t>${time</a:t>
               </a:r>
-              <a:endParaRPr kumimoji="1" lang="en-US" altLang="zh-CN" sz="1400" dirty="0">
-                <a:latin typeface="DengXian" panose="02010600030101010101" pitchFamily="2" charset="-122"/>
-                <a:ea typeface="DengXian" panose="02010600030101010101" pitchFamily="2" charset="-122"/>
-              </a:endParaRPr>
             </a:p>
           </p:txBody>
         </p:sp>
@@ -11930,6 +12115,16 @@
                   <a:t> </a:t>
                 </a:r>
                 <a:r>
+                  <a:rPr kumimoji="1" lang="en-US" altLang="zh-CN" sz="1600" dirty="0">
+                    <a:solidFill>
+                      <a:sysClr val="windowText" lastClr="000000"/>
+                    </a:solidFill>
+                    <a:latin typeface="DengXian" panose="02010600030101010101" pitchFamily="2" charset="-122"/>
+                    <a:ea typeface="DengXian" panose="02010600030101010101" pitchFamily="2" charset="-122"/>
+                  </a:rPr>
+                  <a:t>${</a:t>
+                </a:r>
+                <a:r>
                   <a:rPr kumimoji="1" lang="en-US" altLang="zh-CN" sz="1600" dirty="0" err="1">
                     <a:solidFill>
                       <a:sysClr val="windowText" lastClr="000000"/>
@@ -11939,13 +12134,16 @@
                   </a:rPr>
                   <a:t>loanId</a:t>
                 </a:r>
-                <a:endParaRPr kumimoji="1" lang="en-US" altLang="zh-CN" sz="1600" dirty="0">
-                  <a:solidFill>
-                    <a:sysClr val="windowText" lastClr="000000"/>
-                  </a:solidFill>
-                  <a:latin typeface="DengXian" panose="02010600030101010101" pitchFamily="2" charset="-122"/>
-                  <a:ea typeface="DengXian" panose="02010600030101010101" pitchFamily="2" charset="-122"/>
-                </a:endParaRPr>
+                <a:r>
+                  <a:rPr kumimoji="1" lang="en-US" altLang="zh-CN" sz="1600" dirty="0">
+                    <a:solidFill>
+                      <a:sysClr val="windowText" lastClr="000000"/>
+                    </a:solidFill>
+                    <a:latin typeface="DengXian" panose="02010600030101010101" pitchFamily="2" charset="-122"/>
+                    <a:ea typeface="DengXian" panose="02010600030101010101" pitchFamily="2" charset="-122"/>
+                  </a:rPr>
+                  <a:t>}</a:t>
+                </a:r>
               </a:p>
               <a:p>
                 <a:pPr algn="ctr"/>
@@ -11997,7 +12195,7 @@
                     <a:latin typeface="DengXian" panose="02010600030101010101" pitchFamily="2" charset="-122"/>
                     <a:ea typeface="DengXian" panose="02010600030101010101" pitchFamily="2" charset="-122"/>
                   </a:rPr>
-                  <a:t>amount</a:t>
+                  <a:t>${amount}</a:t>
                 </a:r>
               </a:p>
             </p:txBody>
@@ -12151,11 +12349,21 @@
                 <a:t> </a:t>
               </a:r>
               <a:r>
-                <a:rPr kumimoji="1" lang="en-US" altLang="zh-CN" sz="1400" dirty="0" err="1">
+                <a:rPr kumimoji="1" lang="en-US" altLang="zh-CN" sz="1400" dirty="0">
                   <a:latin typeface="DengXian" panose="02010600030101010101" pitchFamily="2" charset="-122"/>
                   <a:ea typeface="DengXian" panose="02010600030101010101" pitchFamily="2" charset="-122"/>
                 </a:rPr>
-                <a:t>currentTime</a:t>
+                <a:t>${time</a:t>
+              </a:r>
+              <a:r>
+                <a:rPr kumimoji="1" lang="en-US" altLang="zh-CN" sz="1400" dirty="0">
+                  <a:solidFill>
+                    <a:sysClr val="windowText" lastClr="000000"/>
+                  </a:solidFill>
+                  <a:latin typeface="DengXian" panose="02010600030101010101" pitchFamily="2" charset="-122"/>
+                  <a:ea typeface="DengXian" panose="02010600030101010101" pitchFamily="2" charset="-122"/>
+                </a:rPr>
+                <a:t>}</a:t>
               </a:r>
               <a:endParaRPr kumimoji="1" lang="en-US" altLang="zh-CN" sz="1400" dirty="0">
                 <a:latin typeface="DengXian" panose="02010600030101010101" pitchFamily="2" charset="-122"/>
@@ -12972,6 +13180,16 @@
                   <a:t> </a:t>
                 </a:r>
                 <a:r>
+                  <a:rPr kumimoji="1" lang="en-US" altLang="zh-CN" sz="1600" dirty="0">
+                    <a:solidFill>
+                      <a:sysClr val="windowText" lastClr="000000"/>
+                    </a:solidFill>
+                    <a:latin typeface="DengXian" panose="02010600030101010101" pitchFamily="2" charset="-122"/>
+                    <a:ea typeface="DengXian" panose="02010600030101010101" pitchFamily="2" charset="-122"/>
+                  </a:rPr>
+                  <a:t>${</a:t>
+                </a:r>
+                <a:r>
                   <a:rPr kumimoji="1" lang="en-US" altLang="zh-CN" sz="1600" dirty="0" err="1">
                     <a:solidFill>
                       <a:sysClr val="windowText" lastClr="000000"/>
@@ -12981,13 +13199,16 @@
                   </a:rPr>
                   <a:t>mediumId</a:t>
                 </a:r>
-                <a:endParaRPr kumimoji="1" lang="en-US" altLang="zh-CN" sz="1600" dirty="0">
-                  <a:solidFill>
-                    <a:sysClr val="windowText" lastClr="000000"/>
-                  </a:solidFill>
-                  <a:latin typeface="DengXian" panose="02010600030101010101" pitchFamily="2" charset="-122"/>
-                  <a:ea typeface="DengXian" panose="02010600030101010101" pitchFamily="2" charset="-122"/>
-                </a:endParaRPr>
+                <a:r>
+                  <a:rPr kumimoji="1" lang="en-US" altLang="zh-CN" sz="1600" dirty="0">
+                    <a:solidFill>
+                      <a:sysClr val="windowText" lastClr="000000"/>
+                    </a:solidFill>
+                    <a:latin typeface="DengXian" panose="02010600030101010101" pitchFamily="2" charset="-122"/>
+                    <a:ea typeface="DengXian" panose="02010600030101010101" pitchFamily="2" charset="-122"/>
+                  </a:rPr>
+                  <a:t>}</a:t>
+                </a:r>
               </a:p>
               <a:p>
                 <a:pPr algn="ctr"/>
@@ -13032,6 +13253,16 @@
                   <a:t> </a:t>
                 </a:r>
                 <a:r>
+                  <a:rPr kumimoji="1" lang="en-US" altLang="zh-CN" sz="1600" dirty="0">
+                    <a:solidFill>
+                      <a:sysClr val="windowText" lastClr="000000"/>
+                    </a:solidFill>
+                    <a:latin typeface="DengXian" panose="02010600030101010101" pitchFamily="2" charset="-122"/>
+                    <a:ea typeface="DengXian" panose="02010600030101010101" pitchFamily="2" charset="-122"/>
+                  </a:rPr>
+                  <a:t>${</a:t>
+                </a:r>
+                <a:r>
                   <a:rPr kumimoji="1" lang="en-US" altLang="zh-CN" sz="1600" dirty="0" err="1">
                     <a:solidFill>
                       <a:sysClr val="windowText" lastClr="000000"/>
@@ -13041,13 +13272,16 @@
                   </a:rPr>
                   <a:t>mediumBlocked</a:t>
                 </a:r>
-                <a:endParaRPr kumimoji="1" lang="en-US" altLang="zh-CN" sz="1600" dirty="0">
-                  <a:solidFill>
-                    <a:sysClr val="windowText" lastClr="000000"/>
-                  </a:solidFill>
-                  <a:latin typeface="DengXian" panose="02010600030101010101" pitchFamily="2" charset="-122"/>
-                  <a:ea typeface="DengXian" panose="02010600030101010101" pitchFamily="2" charset="-122"/>
-                </a:endParaRPr>
+                <a:r>
+                  <a:rPr kumimoji="1" lang="en-US" altLang="zh-CN" sz="1600" dirty="0">
+                    <a:solidFill>
+                      <a:sysClr val="windowText" lastClr="000000"/>
+                    </a:solidFill>
+                    <a:latin typeface="DengXian" panose="02010600030101010101" pitchFamily="2" charset="-122"/>
+                    <a:ea typeface="DengXian" panose="02010600030101010101" pitchFamily="2" charset="-122"/>
+                  </a:rPr>
+                  <a:t>}</a:t>
+                </a:r>
               </a:p>
               <a:p>
                 <a:pPr algn="ctr"/>
@@ -13210,11 +13444,21 @@
                 <a:t> </a:t>
               </a:r>
               <a:r>
-                <a:rPr kumimoji="1" lang="en-US" altLang="zh-CN" sz="1400" dirty="0" err="1">
+                <a:rPr kumimoji="1" lang="en-US" altLang="zh-CN" sz="1400" dirty="0">
                   <a:latin typeface="DengXian" panose="02010600030101010101" pitchFamily="2" charset="-122"/>
                   <a:ea typeface="DengXian" panose="02010600030101010101" pitchFamily="2" charset="-122"/>
                 </a:rPr>
-                <a:t>currentTime</a:t>
+                <a:t>${time</a:t>
+              </a:r>
+              <a:r>
+                <a:rPr kumimoji="1" lang="en-US" altLang="zh-CN" sz="1400" dirty="0">
+                  <a:solidFill>
+                    <a:sysClr val="windowText" lastClr="000000"/>
+                  </a:solidFill>
+                  <a:latin typeface="DengXian" panose="02010600030101010101" pitchFamily="2" charset="-122"/>
+                  <a:ea typeface="DengXian" panose="02010600030101010101" pitchFamily="2" charset="-122"/>
+                </a:rPr>
+                <a:t>}</a:t>
               </a:r>
               <a:endParaRPr kumimoji="1" lang="en-US" altLang="zh-CN" sz="1400" dirty="0">
                 <a:latin typeface="DengXian" panose="02010600030101010101" pitchFamily="2" charset="-122"/>
@@ -13765,11 +14009,21 @@
                 <a:t> </a:t>
               </a:r>
               <a:r>
-                <a:rPr kumimoji="1" lang="en-US" altLang="zh-CN" sz="1400" dirty="0" err="1">
+                <a:rPr kumimoji="1" lang="en-US" altLang="zh-CN" sz="1400" dirty="0">
                   <a:latin typeface="DengXian" panose="02010600030101010101" pitchFamily="2" charset="-122"/>
                   <a:ea typeface="DengXian" panose="02010600030101010101" pitchFamily="2" charset="-122"/>
                 </a:rPr>
-                <a:t>currentTime</a:t>
+                <a:t>${time</a:t>
+              </a:r>
+              <a:r>
+                <a:rPr kumimoji="1" lang="en-US" altLang="zh-CN" sz="1400" dirty="0">
+                  <a:solidFill>
+                    <a:sysClr val="windowText" lastClr="000000"/>
+                  </a:solidFill>
+                  <a:latin typeface="DengXian" panose="02010600030101010101" pitchFamily="2" charset="-122"/>
+                  <a:ea typeface="DengXian" panose="02010600030101010101" pitchFamily="2" charset="-122"/>
+                </a:rPr>
+                <a:t>}</a:t>
               </a:r>
               <a:endParaRPr kumimoji="1" lang="en-US" altLang="zh-CN" sz="1400" dirty="0">
                 <a:latin typeface="DengXian" panose="02010600030101010101" pitchFamily="2" charset="-122"/>
@@ -13811,8 +14065,22 @@
                   <a:latin typeface="DengXian" panose="02010600030101010101" pitchFamily="2" charset="-122"/>
                   <a:ea typeface="DengXian" panose="02010600030101010101" pitchFamily="2" charset="-122"/>
                 </a:rPr>
-                <a:t>amt</a:t>
+                <a:t>${amount</a:t>
               </a:r>
+              <a:r>
+                <a:rPr kumimoji="1" lang="en-US" altLang="zh-CN" sz="1400" dirty="0">
+                  <a:solidFill>
+                    <a:sysClr val="windowText" lastClr="000000"/>
+                  </a:solidFill>
+                  <a:latin typeface="DengXian" panose="02010600030101010101" pitchFamily="2" charset="-122"/>
+                  <a:ea typeface="DengXian" panose="02010600030101010101" pitchFamily="2" charset="-122"/>
+                </a:rPr>
+                <a:t>}</a:t>
+              </a:r>
+              <a:endParaRPr kumimoji="1" lang="en-US" altLang="zh-CN" sz="1400" dirty="0">
+                <a:latin typeface="DengXian" panose="02010600030101010101" pitchFamily="2" charset="-122"/>
+                <a:ea typeface="DengXian" panose="02010600030101010101" pitchFamily="2" charset="-122"/>
+              </a:endParaRPr>
             </a:p>
           </p:txBody>
         </p:sp>
@@ -14010,6 +14278,16 @@
                   <a:t> </a:t>
                 </a:r>
                 <a:r>
+                  <a:rPr kumimoji="1" lang="en-US" altLang="zh-CN" sz="1600" dirty="0">
+                    <a:solidFill>
+                      <a:sysClr val="windowText" lastClr="000000"/>
+                    </a:solidFill>
+                    <a:latin typeface="DengXian" panose="02010600030101010101" pitchFamily="2" charset="-122"/>
+                    <a:ea typeface="DengXian" panose="02010600030101010101" pitchFamily="2" charset="-122"/>
+                  </a:rPr>
+                  <a:t>${</a:t>
+                </a:r>
+                <a:r>
                   <a:rPr kumimoji="1" lang="en-US" altLang="zh-CN" sz="1600" dirty="0" err="1">
                     <a:solidFill>
                       <a:sysClr val="windowText" lastClr="000000"/>
@@ -14019,13 +14297,16 @@
                   </a:rPr>
                   <a:t>loanId</a:t>
                 </a:r>
-                <a:endParaRPr kumimoji="1" lang="en-US" altLang="zh-CN" sz="1600" dirty="0">
-                  <a:solidFill>
-                    <a:sysClr val="windowText" lastClr="000000"/>
-                  </a:solidFill>
-                  <a:latin typeface="DengXian" panose="02010600030101010101" pitchFamily="2" charset="-122"/>
-                  <a:ea typeface="DengXian" panose="02010600030101010101" pitchFamily="2" charset="-122"/>
-                </a:endParaRPr>
+                <a:r>
+                  <a:rPr kumimoji="1" lang="en-US" altLang="zh-CN" sz="1600" dirty="0">
+                    <a:solidFill>
+                      <a:sysClr val="windowText" lastClr="000000"/>
+                    </a:solidFill>
+                    <a:latin typeface="DengXian" panose="02010600030101010101" pitchFamily="2" charset="-122"/>
+                    <a:ea typeface="DengXian" panose="02010600030101010101" pitchFamily="2" charset="-122"/>
+                  </a:rPr>
+                  <a:t>}</a:t>
+                </a:r>
               </a:p>
             </p:txBody>
           </p:sp>
@@ -14572,11 +14853,21 @@
                 <a:t> </a:t>
               </a:r>
               <a:r>
-                <a:rPr kumimoji="1" lang="en-US" altLang="zh-CN" sz="1400" dirty="0" err="1">
+                <a:rPr kumimoji="1" lang="en-US" altLang="zh-CN" sz="1400" dirty="0">
                   <a:latin typeface="DengXian" panose="02010600030101010101" pitchFamily="2" charset="-122"/>
                   <a:ea typeface="DengXian" panose="02010600030101010101" pitchFamily="2" charset="-122"/>
                 </a:rPr>
-                <a:t>currentTime</a:t>
+                <a:t>${time</a:t>
+              </a:r>
+              <a:r>
+                <a:rPr kumimoji="1" lang="en-US" altLang="zh-CN" sz="1400" dirty="0">
+                  <a:solidFill>
+                    <a:sysClr val="windowText" lastClr="000000"/>
+                  </a:solidFill>
+                  <a:latin typeface="DengXian" panose="02010600030101010101" pitchFamily="2" charset="-122"/>
+                  <a:ea typeface="DengXian" panose="02010600030101010101" pitchFamily="2" charset="-122"/>
+                </a:rPr>
+                <a:t>}</a:t>
               </a:r>
               <a:endParaRPr kumimoji="1" lang="en-US" altLang="zh-CN" sz="1400" dirty="0">
                 <a:latin typeface="DengXian" panose="02010600030101010101" pitchFamily="2" charset="-122"/>
@@ -14618,8 +14909,22 @@
                   <a:latin typeface="DengXian" panose="02010600030101010101" pitchFamily="2" charset="-122"/>
                   <a:ea typeface="DengXian" panose="02010600030101010101" pitchFamily="2" charset="-122"/>
                 </a:rPr>
-                <a:t>amt</a:t>
+                <a:t>${amount</a:t>
               </a:r>
+              <a:r>
+                <a:rPr kumimoji="1" lang="en-US" altLang="zh-CN" sz="1400" dirty="0">
+                  <a:solidFill>
+                    <a:sysClr val="windowText" lastClr="000000"/>
+                  </a:solidFill>
+                  <a:latin typeface="DengXian" panose="02010600030101010101" pitchFamily="2" charset="-122"/>
+                  <a:ea typeface="DengXian" panose="02010600030101010101" pitchFamily="2" charset="-122"/>
+                </a:rPr>
+                <a:t>}</a:t>
+              </a:r>
+              <a:endParaRPr kumimoji="1" lang="en-US" altLang="zh-CN" sz="1400" dirty="0">
+                <a:latin typeface="DengXian" panose="02010600030101010101" pitchFamily="2" charset="-122"/>
+                <a:ea typeface="DengXian" panose="02010600030101010101" pitchFamily="2" charset="-122"/>
+              </a:endParaRPr>
             </a:p>
           </p:txBody>
         </p:sp>
@@ -14801,6 +15106,16 @@
                   <a:t> </a:t>
                 </a:r>
                 <a:r>
+                  <a:rPr kumimoji="1" lang="en-US" altLang="zh-CN" sz="1600" dirty="0">
+                    <a:solidFill>
+                      <a:sysClr val="windowText" lastClr="000000"/>
+                    </a:solidFill>
+                    <a:latin typeface="DengXian" panose="02010600030101010101" pitchFamily="2" charset="-122"/>
+                    <a:ea typeface="DengXian" panose="02010600030101010101" pitchFamily="2" charset="-122"/>
+                  </a:rPr>
+                  <a:t>${</a:t>
+                </a:r>
+                <a:r>
                   <a:rPr kumimoji="1" lang="en-US" altLang="zh-CN" sz="1600" dirty="0" err="1">
                     <a:solidFill>
                       <a:sysClr val="windowText" lastClr="000000"/>
@@ -14810,13 +15125,16 @@
                   </a:rPr>
                   <a:t>loanId</a:t>
                 </a:r>
-                <a:endParaRPr kumimoji="1" lang="en-US" altLang="zh-CN" sz="1600" dirty="0">
-                  <a:solidFill>
-                    <a:sysClr val="windowText" lastClr="000000"/>
-                  </a:solidFill>
-                  <a:latin typeface="DengXian" panose="02010600030101010101" pitchFamily="2" charset="-122"/>
-                  <a:ea typeface="DengXian" panose="02010600030101010101" pitchFamily="2" charset="-122"/>
-                </a:endParaRPr>
+                <a:r>
+                  <a:rPr kumimoji="1" lang="en-US" altLang="zh-CN" sz="1600" dirty="0">
+                    <a:solidFill>
+                      <a:sysClr val="windowText" lastClr="000000"/>
+                    </a:solidFill>
+                    <a:latin typeface="DengXian" panose="02010600030101010101" pitchFamily="2" charset="-122"/>
+                    <a:ea typeface="DengXian" panose="02010600030101010101" pitchFamily="2" charset="-122"/>
+                  </a:rPr>
+                  <a:t>}</a:t>
+                </a:r>
               </a:p>
             </p:txBody>
           </p:sp>

--- a/patterns/transaction-write.pptx
+++ b/patterns/transaction-write.pptx
@@ -7833,7 +7833,7 @@
         <p:spPr>
           <a:xfrm>
             <a:off x="4315460" y="2705735"/>
-            <a:ext cx="501650" cy="307975"/>
+            <a:ext cx="527050" cy="306705"/>
           </a:xfrm>
           <a:prstGeom prst="rect">
             <a:avLst/>
@@ -7847,10 +7847,10 @@
           <a:lstStyle/>
           <a:p>
             <a:r>
-              <a:rPr lang="en-US" altLang="zh-CN" sz="1400" dirty="0"/>
+              <a:rPr lang="en-US" altLang="zh-CN" sz="1400" b="1" dirty="0"/>
               <a:t>own</a:t>
             </a:r>
-            <a:endParaRPr lang="en-US" sz="1600" dirty="0"/>
+            <a:endParaRPr lang="en-US" altLang="zh-CN" sz="1400" b="1" dirty="0"/>
           </a:p>
         </p:txBody>
       </p:sp>
@@ -7863,7 +7863,7 @@
         <p:spPr>
           <a:xfrm>
             <a:off x="6910705" y="2760345"/>
-            <a:ext cx="644525" cy="307975"/>
+            <a:ext cx="672465" cy="306705"/>
           </a:xfrm>
           <a:prstGeom prst="rect">
             <a:avLst/>
@@ -7877,10 +7877,10 @@
           <a:lstStyle/>
           <a:p>
             <a:r>
-              <a:rPr lang="en-US" altLang="zh-CN" sz="1400" dirty="0" err="1"/>
+              <a:rPr lang="en-US" altLang="zh-CN" sz="1400" b="1" dirty="0" err="1"/>
               <a:t>signIn</a:t>
             </a:r>
-            <a:endParaRPr lang="en-US" sz="1400" dirty="0"/>
+            <a:endParaRPr lang="en-US" altLang="zh-CN" sz="1400" b="1" dirty="0" err="1"/>
           </a:p>
         </p:txBody>
       </p:sp>
@@ -7994,7 +7994,7 @@
         <p:spPr>
           <a:xfrm>
             <a:off x="6118860" y="3991610"/>
-            <a:ext cx="756920" cy="307975"/>
+            <a:ext cx="785495" cy="306705"/>
           </a:xfrm>
           <a:prstGeom prst="rect">
             <a:avLst/>
@@ -8008,10 +8008,10 @@
           <a:lstStyle/>
           <a:p>
             <a:r>
-              <a:rPr lang="en-US" altLang="zh-CN" sz="1400" dirty="0"/>
+              <a:rPr lang="en-US" altLang="zh-CN" sz="1400" b="1" dirty="0"/>
               <a:t>deposit</a:t>
             </a:r>
-            <a:endParaRPr lang="en-US" sz="1600" dirty="0"/>
+            <a:endParaRPr lang="en-US" altLang="zh-CN" sz="1400" b="1" dirty="0"/>
           </a:p>
         </p:txBody>
       </p:sp>
@@ -8062,7 +8062,7 @@
         <p:spPr>
           <a:xfrm>
             <a:off x="4930775" y="3991610"/>
-            <a:ext cx="614045" cy="307975"/>
+            <a:ext cx="633730" cy="306705"/>
           </a:xfrm>
           <a:prstGeom prst="rect">
             <a:avLst/>
@@ -8076,10 +8076,10 @@
           <a:lstStyle/>
           <a:p>
             <a:r>
-              <a:rPr lang="en-US" altLang="zh-CN" sz="1400" dirty="0"/>
+              <a:rPr lang="en-US" altLang="zh-CN" sz="1400" b="1" dirty="0"/>
               <a:t>repay</a:t>
             </a:r>
-            <a:endParaRPr lang="en-US" sz="1600" dirty="0"/>
+            <a:endParaRPr lang="en-US" altLang="zh-CN" sz="1400" b="1" dirty="0"/>
           </a:p>
         </p:txBody>
       </p:sp>
@@ -8091,8 +8091,8 @@
         </p:nvSpPr>
         <p:spPr>
           <a:xfrm>
-            <a:off x="4794250" y="2323465"/>
-            <a:ext cx="772795" cy="307975"/>
+            <a:off x="4784725" y="2323465"/>
+            <a:ext cx="808355" cy="306705"/>
           </a:xfrm>
           <a:prstGeom prst="rect">
             <a:avLst/>
@@ -8106,10 +8106,10 @@
           <a:lstStyle/>
           <a:p>
             <a:r>
-              <a:rPr lang="en-US" altLang="zh-CN" sz="1400" dirty="0"/>
+              <a:rPr lang="en-US" altLang="zh-CN" sz="1400" b="1" dirty="0"/>
               <a:t>transfer</a:t>
             </a:r>
-            <a:endParaRPr lang="en-US" altLang="zh-CN" sz="1400" dirty="0"/>
+            <a:endParaRPr lang="en-US" altLang="zh-CN" sz="1400" b="1" dirty="0"/>
           </a:p>
         </p:txBody>
       </p:sp>
@@ -8152,7 +8152,7 @@
         <p:spPr>
           <a:xfrm>
             <a:off x="6083300" y="2323465"/>
-            <a:ext cx="885190" cy="307975"/>
+            <a:ext cx="932180" cy="306705"/>
           </a:xfrm>
           <a:prstGeom prst="rect">
             <a:avLst/>
@@ -8166,10 +8166,10 @@
           <a:lstStyle/>
           <a:p>
             <a:r>
-              <a:rPr lang="en-US" altLang="zh-CN" sz="1400" dirty="0"/>
+              <a:rPr lang="en-US" altLang="zh-CN" sz="1400" b="1" dirty="0"/>
               <a:t>withdraw</a:t>
             </a:r>
-            <a:endParaRPr lang="en-US" sz="1600" dirty="0"/>
+            <a:endParaRPr lang="en-US" altLang="zh-CN" sz="1400" b="1" dirty="0"/>
           </a:p>
         </p:txBody>
       </p:sp>
@@ -12976,58 +12976,6 @@
         <p:spPr>
           <a:xfrm>
             <a:off x="7563485" y="2235200"/>
-            <a:ext cx="179705" cy="179705"/>
-          </a:xfrm>
-          <a:prstGeom prst="plus">
-            <a:avLst>
-              <a:gd name="adj" fmla="val 33021"/>
-            </a:avLst>
-          </a:prstGeom>
-          <a:solidFill>
-            <a:schemeClr val="tx1"/>
-          </a:solidFill>
-          <a:ln>
-            <a:noFill/>
-          </a:ln>
-        </p:spPr>
-        <p:style>
-          <a:lnRef idx="2">
-            <a:schemeClr val="accent1">
-              <a:shade val="50000"/>
-            </a:schemeClr>
-          </a:lnRef>
-          <a:fillRef idx="1">
-            <a:schemeClr val="accent1"/>
-          </a:fillRef>
-          <a:effectRef idx="0">
-            <a:schemeClr val="accent1"/>
-          </a:effectRef>
-          <a:fontRef idx="minor">
-            <a:schemeClr val="lt1"/>
-          </a:fontRef>
-        </p:style>
-        <p:txBody>
-          <a:bodyPr rtlCol="0" anchor="ctr"/>
-          <a:lstStyle/>
-          <a:p>
-            <a:pPr algn="ctr"/>
-            <a:endParaRPr lang="en-US">
-              <a:solidFill>
-                <a:schemeClr val="tx1"/>
-              </a:solidFill>
-            </a:endParaRPr>
-          </a:p>
-        </p:txBody>
-      </p:sp>
-      <p:sp>
-        <p:nvSpPr>
-          <p:cNvPr id="9" name="Cross 8"/>
-          <p:cNvSpPr/>
-          <p:nvPr/>
-        </p:nvSpPr>
-        <p:spPr>
-          <a:xfrm>
-            <a:off x="1747520" y="2225040"/>
             <a:ext cx="179705" cy="179705"/>
           </a:xfrm>
           <a:prstGeom prst="plus">

--- a/patterns/transaction-write.pptx
+++ b/patterns/transaction-write.pptx
@@ -5,7 +5,7 @@
     <p:sldMasterId id="2147483648" r:id="rId1"/>
   </p:sldMasterIdLst>
   <p:notesMasterIdLst>
-    <p:notesMasterId r:id="rId23"/>
+    <p:notesMasterId r:id="rId25"/>
   </p:notesMasterIdLst>
   <p:sldIdLst>
     <p:sldId id="417" r:id="rId3"/>
@@ -25,14 +25,16 @@
     <p:sldId id="444" r:id="rId17"/>
     <p:sldId id="410" r:id="rId18"/>
     <p:sldId id="415" r:id="rId19"/>
-    <p:sldId id="424" r:id="rId20"/>
-    <p:sldId id="423" r:id="rId21"/>
-    <p:sldId id="425" r:id="rId22"/>
+    <p:sldId id="455" r:id="rId20"/>
+    <p:sldId id="456" r:id="rId21"/>
+    <p:sldId id="424" r:id="rId22"/>
+    <p:sldId id="423" r:id="rId23"/>
+    <p:sldId id="425" r:id="rId24"/>
   </p:sldIdLst>
   <p:sldSz cx="12192000" cy="6858000"/>
   <p:notesSz cx="6858000" cy="9144000"/>
   <p:custDataLst>
-    <p:tags r:id="rId27"/>
+    <p:tags r:id="rId29"/>
   </p:custDataLst>
   <p:defaultTextStyle>
     <a:defPPr>
@@ -151,6 +153,8 @@
             <p14:sldId id="444"/>
             <p14:sldId id="410"/>
             <p14:sldId id="415"/>
+            <p14:sldId id="455"/>
+            <p14:sldId id="456"/>
             <p14:sldId id="424"/>
             <p14:sldId id="423"/>
             <p14:sldId id="425"/>
@@ -8811,6 +8815,922 @@
       </p:grpSpPr>
       <p:sp>
         <p:nvSpPr>
+          <p:cNvPr id="5" name="矩形 4"/>
+          <p:cNvSpPr/>
+          <p:nvPr/>
+        </p:nvSpPr>
+        <p:spPr>
+          <a:xfrm>
+            <a:off x="4607560" y="2411095"/>
+            <a:ext cx="2977515" cy="623570"/>
+          </a:xfrm>
+          <a:prstGeom prst="rect">
+            <a:avLst/>
+          </a:prstGeom>
+          <a:solidFill>
+            <a:srgbClr val="A9D18E"/>
+          </a:solidFill>
+          <a:ln w="25400">
+            <a:solidFill>
+              <a:schemeClr val="tx1"/>
+            </a:solidFill>
+          </a:ln>
+        </p:spPr>
+        <p:style>
+          <a:lnRef idx="2">
+            <a:schemeClr val="accent2">
+              <a:shade val="50000"/>
+            </a:schemeClr>
+          </a:lnRef>
+          <a:fillRef idx="1">
+            <a:schemeClr val="accent2"/>
+          </a:fillRef>
+          <a:effectRef idx="0">
+            <a:schemeClr val="accent2"/>
+          </a:effectRef>
+          <a:fontRef idx="minor">
+            <a:schemeClr val="lt1"/>
+          </a:fontRef>
+        </p:style>
+        <p:txBody>
+          <a:bodyPr rtlCol="0" anchor="ctr"/>
+          <a:lstStyle/>
+          <a:p>
+            <a:pPr algn="ctr"/>
+            <a:r>
+              <a:rPr kumimoji="1" lang="en-US" altLang="zh-CN" b="1" dirty="0">
+                <a:solidFill>
+                  <a:sysClr val="windowText" lastClr="000000"/>
+                </a:solidFill>
+              </a:rPr>
+              <a:t>Person</a:t>
+            </a:r>
+            <a:endParaRPr kumimoji="1" lang="en-US" altLang="zh-CN" sz="1600" b="1" dirty="0">
+              <a:solidFill>
+                <a:sysClr val="windowText" lastClr="000000"/>
+              </a:solidFill>
+            </a:endParaRPr>
+          </a:p>
+        </p:txBody>
+      </p:sp>
+      <p:sp>
+        <p:nvSpPr>
+          <p:cNvPr id="6" name="矩形 5"/>
+          <p:cNvSpPr/>
+          <p:nvPr/>
+        </p:nvSpPr>
+        <p:spPr>
+          <a:xfrm>
+            <a:off x="4607560" y="3034665"/>
+            <a:ext cx="2977515" cy="849630"/>
+          </a:xfrm>
+          <a:prstGeom prst="rect">
+            <a:avLst/>
+          </a:prstGeom>
+          <a:noFill/>
+          <a:ln w="25400">
+            <a:solidFill>
+              <a:schemeClr val="tx1"/>
+            </a:solidFill>
+          </a:ln>
+        </p:spPr>
+        <p:style>
+          <a:lnRef idx="2">
+            <a:schemeClr val="accent2">
+              <a:shade val="50000"/>
+            </a:schemeClr>
+          </a:lnRef>
+          <a:fillRef idx="1">
+            <a:schemeClr val="accent2"/>
+          </a:fillRef>
+          <a:effectRef idx="0">
+            <a:schemeClr val="accent2"/>
+          </a:effectRef>
+          <a:fontRef idx="minor">
+            <a:schemeClr val="lt1"/>
+          </a:fontRef>
+        </p:style>
+        <p:txBody>
+          <a:bodyPr rtlCol="0" anchor="ctr"/>
+          <a:lstStyle/>
+          <a:p>
+            <a:pPr algn="ctr"/>
+            <a:r>
+              <a:rPr kumimoji="1" lang="en-US" altLang="zh-CN" sz="1600" dirty="0" err="1">
+                <a:solidFill>
+                  <a:sysClr val="windowText" lastClr="000000"/>
+                </a:solidFill>
+                <a:latin typeface="等线" panose="02010600030101010101" pitchFamily="2" charset="-122"/>
+                <a:ea typeface="等线" panose="02010600030101010101" pitchFamily="2" charset="-122"/>
+              </a:rPr>
+              <a:t>id</a:t>
+            </a:r>
+            <a:r>
+              <a:rPr kumimoji="1" lang="zh-CN" altLang="en-US" sz="1600" dirty="0">
+                <a:solidFill>
+                  <a:sysClr val="windowText" lastClr="000000"/>
+                </a:solidFill>
+                <a:latin typeface="等线" panose="02010600030101010101" pitchFamily="2" charset="-122"/>
+                <a:ea typeface="等线" panose="02010600030101010101" pitchFamily="2" charset="-122"/>
+              </a:rPr>
+              <a:t> </a:t>
+            </a:r>
+            <a:r>
+              <a:rPr kumimoji="1" lang="en-US" altLang="zh-CN" sz="1600" dirty="0">
+                <a:solidFill>
+                  <a:sysClr val="windowText" lastClr="000000"/>
+                </a:solidFill>
+                <a:latin typeface="等线" panose="02010600030101010101" pitchFamily="2" charset="-122"/>
+                <a:ea typeface="等线" panose="02010600030101010101" pitchFamily="2" charset="-122"/>
+              </a:rPr>
+              <a:t>=</a:t>
+            </a:r>
+            <a:r>
+              <a:rPr kumimoji="1" lang="zh-CN" altLang="en-US" sz="1600" dirty="0">
+                <a:solidFill>
+                  <a:sysClr val="windowText" lastClr="000000"/>
+                </a:solidFill>
+                <a:latin typeface="等线" panose="02010600030101010101" pitchFamily="2" charset="-122"/>
+                <a:ea typeface="等线" panose="02010600030101010101" pitchFamily="2" charset="-122"/>
+              </a:rPr>
+              <a:t> </a:t>
+            </a:r>
+            <a:r>
+              <a:rPr kumimoji="1" lang="en-US" altLang="zh-CN" sz="1600" dirty="0">
+                <a:solidFill>
+                  <a:sysClr val="windowText" lastClr="000000"/>
+                </a:solidFill>
+                <a:latin typeface="等线" panose="02010600030101010101" pitchFamily="2" charset="-122"/>
+                <a:ea typeface="等线" panose="02010600030101010101" pitchFamily="2" charset="-122"/>
+              </a:rPr>
+              <a:t>${</a:t>
+            </a:r>
+            <a:r>
+              <a:rPr kumimoji="1" lang="en-US" altLang="zh-CN" sz="1600" dirty="0" err="1">
+                <a:solidFill>
+                  <a:sysClr val="windowText" lastClr="000000"/>
+                </a:solidFill>
+                <a:latin typeface="等线" panose="02010600030101010101" pitchFamily="2" charset="-122"/>
+                <a:ea typeface="等线" panose="02010600030101010101" pitchFamily="2" charset="-122"/>
+              </a:rPr>
+              <a:t>personId</a:t>
+            </a:r>
+            <a:r>
+              <a:rPr kumimoji="1" lang="en-US" altLang="zh-CN" sz="1600" dirty="0">
+                <a:solidFill>
+                  <a:sysClr val="windowText" lastClr="000000"/>
+                </a:solidFill>
+                <a:latin typeface="等线" panose="02010600030101010101" pitchFamily="2" charset="-122"/>
+                <a:ea typeface="等线" panose="02010600030101010101" pitchFamily="2" charset="-122"/>
+              </a:rPr>
+              <a:t>}</a:t>
+            </a:r>
+            <a:endParaRPr kumimoji="1" lang="en-US" altLang="zh-CN" sz="1600" dirty="0">
+              <a:solidFill>
+                <a:sysClr val="windowText" lastClr="000000"/>
+              </a:solidFill>
+              <a:latin typeface="等线" panose="02010600030101010101" pitchFamily="2" charset="-122"/>
+              <a:ea typeface="等线" panose="02010600030101010101" pitchFamily="2" charset="-122"/>
+            </a:endParaRPr>
+          </a:p>
+          <a:p>
+            <a:pPr algn="ctr"/>
+            <a:r>
+              <a:rPr kumimoji="1" lang="en-US" altLang="zh-CN" sz="1600" dirty="0" err="1">
+                <a:solidFill>
+                  <a:sysClr val="windowText" lastClr="000000"/>
+                </a:solidFill>
+                <a:latin typeface="等线" panose="02010600030101010101" pitchFamily="2" charset="-122"/>
+                <a:ea typeface="等线" panose="02010600030101010101" pitchFamily="2" charset="-122"/>
+              </a:rPr>
+              <a:t>isBlocked</a:t>
+            </a:r>
+            <a:r>
+              <a:rPr kumimoji="1" lang="zh-CN" altLang="en-US" sz="1600" dirty="0">
+                <a:solidFill>
+                  <a:sysClr val="windowText" lastClr="000000"/>
+                </a:solidFill>
+                <a:latin typeface="等线" panose="02010600030101010101" pitchFamily="2" charset="-122"/>
+                <a:ea typeface="等线" panose="02010600030101010101" pitchFamily="2" charset="-122"/>
+              </a:rPr>
+              <a:t> </a:t>
+            </a:r>
+            <a:r>
+              <a:rPr kumimoji="1" lang="en-US" altLang="zh-CN" sz="1600" dirty="0">
+                <a:solidFill>
+                  <a:sysClr val="windowText" lastClr="000000"/>
+                </a:solidFill>
+                <a:latin typeface="等线" panose="02010600030101010101" pitchFamily="2" charset="-122"/>
+                <a:ea typeface="等线" panose="02010600030101010101" pitchFamily="2" charset="-122"/>
+                <a:sym typeface="+mn-ea"/>
+              </a:rPr>
+              <a:t>&lt;- </a:t>
+            </a:r>
+            <a:r>
+              <a:rPr kumimoji="1" lang="en-US" sz="1600" dirty="0">
+                <a:solidFill>
+                  <a:sysClr val="windowText" lastClr="000000"/>
+                </a:solidFill>
+                <a:latin typeface="等线" panose="02010600030101010101" pitchFamily="2" charset="-122"/>
+                <a:ea typeface="等线" panose="02010600030101010101" pitchFamily="2" charset="-122"/>
+              </a:rPr>
+              <a:t>true</a:t>
+            </a:r>
+            <a:endParaRPr kumimoji="1" lang="en-US" altLang="zh-CN" sz="1600" b="1" dirty="0">
+              <a:solidFill>
+                <a:sysClr val="windowText" lastClr="000000"/>
+              </a:solidFill>
+              <a:latin typeface="等线" panose="02010600030101010101" pitchFamily="2" charset="-122"/>
+              <a:ea typeface="等线" panose="02010600030101010101" pitchFamily="2" charset="-122"/>
+            </a:endParaRPr>
+          </a:p>
+        </p:txBody>
+      </p:sp>
+    </p:spTree>
+  </p:cSld>
+  <p:clrMapOvr>
+    <a:masterClrMapping/>
+  </p:clrMapOvr>
+</p:sld>
+</file>
+
+<file path=ppt/slides/slide19.xml><?xml version="1.0" encoding="utf-8"?>
+<p:sld xmlns:a="http://schemas.openxmlformats.org/drawingml/2006/main" xmlns:r="http://schemas.openxmlformats.org/officeDocument/2006/relationships" xmlns:p="http://schemas.openxmlformats.org/presentationml/2006/main">
+  <p:cSld>
+    <p:spTree>
+      <p:nvGrpSpPr>
+        <p:cNvPr id="1" name=""/>
+        <p:cNvGrpSpPr/>
+        <p:nvPr/>
+      </p:nvGrpSpPr>
+      <p:grpSpPr>
+        <a:xfrm>
+          <a:off x="0" y="0"/>
+          <a:ext cx="0" cy="0"/>
+          <a:chOff x="0" y="0"/>
+          <a:chExt cx="0" cy="0"/>
+        </a:xfrm>
+      </p:grpSpPr>
+      <p:sp>
+        <p:nvSpPr>
+          <p:cNvPr id="6" name="矩形 5"/>
+          <p:cNvSpPr/>
+          <p:nvPr/>
+        </p:nvSpPr>
+        <p:spPr>
+          <a:xfrm>
+            <a:off x="4607560" y="3034665"/>
+            <a:ext cx="2977515" cy="849630"/>
+          </a:xfrm>
+          <a:prstGeom prst="rect">
+            <a:avLst/>
+          </a:prstGeom>
+          <a:noFill/>
+          <a:ln w="25400">
+            <a:solidFill>
+              <a:schemeClr val="tx1"/>
+            </a:solidFill>
+          </a:ln>
+        </p:spPr>
+        <p:style>
+          <a:lnRef idx="2">
+            <a:schemeClr val="accent2">
+              <a:shade val="50000"/>
+            </a:schemeClr>
+          </a:lnRef>
+          <a:fillRef idx="1">
+            <a:schemeClr val="accent2"/>
+          </a:fillRef>
+          <a:effectRef idx="0">
+            <a:schemeClr val="accent2"/>
+          </a:effectRef>
+          <a:fontRef idx="minor">
+            <a:schemeClr val="lt1"/>
+          </a:fontRef>
+        </p:style>
+        <p:txBody>
+          <a:bodyPr rtlCol="0" anchor="ctr"/>
+          <a:lstStyle/>
+          <a:p>
+            <a:pPr algn="ctr"/>
+            <a:r>
+              <a:rPr kumimoji="1" lang="en-US" altLang="zh-CN" sz="1600" dirty="0" err="1">
+                <a:solidFill>
+                  <a:sysClr val="windowText" lastClr="000000"/>
+                </a:solidFill>
+                <a:latin typeface="等线" panose="02010600030101010101" pitchFamily="2" charset="-122"/>
+                <a:ea typeface="等线" panose="02010600030101010101" pitchFamily="2" charset="-122"/>
+              </a:rPr>
+              <a:t>id</a:t>
+            </a:r>
+            <a:r>
+              <a:rPr kumimoji="1" lang="zh-CN" altLang="en-US" sz="1600" dirty="0">
+                <a:solidFill>
+                  <a:sysClr val="windowText" lastClr="000000"/>
+                </a:solidFill>
+                <a:latin typeface="等线" panose="02010600030101010101" pitchFamily="2" charset="-122"/>
+                <a:ea typeface="等线" panose="02010600030101010101" pitchFamily="2" charset="-122"/>
+              </a:rPr>
+              <a:t> </a:t>
+            </a:r>
+            <a:r>
+              <a:rPr kumimoji="1" lang="en-US" altLang="zh-CN" sz="1600" dirty="0">
+                <a:solidFill>
+                  <a:sysClr val="windowText" lastClr="000000"/>
+                </a:solidFill>
+                <a:latin typeface="等线" panose="02010600030101010101" pitchFamily="2" charset="-122"/>
+                <a:ea typeface="等线" panose="02010600030101010101" pitchFamily="2" charset="-122"/>
+              </a:rPr>
+              <a:t>=</a:t>
+            </a:r>
+            <a:r>
+              <a:rPr kumimoji="1" lang="zh-CN" altLang="en-US" sz="1600" dirty="0">
+                <a:solidFill>
+                  <a:sysClr val="windowText" lastClr="000000"/>
+                </a:solidFill>
+                <a:latin typeface="等线" panose="02010600030101010101" pitchFamily="2" charset="-122"/>
+                <a:ea typeface="等线" panose="02010600030101010101" pitchFamily="2" charset="-122"/>
+              </a:rPr>
+              <a:t> </a:t>
+            </a:r>
+            <a:r>
+              <a:rPr kumimoji="1" lang="en-US" altLang="zh-CN" sz="1600" dirty="0">
+                <a:solidFill>
+                  <a:sysClr val="windowText" lastClr="000000"/>
+                </a:solidFill>
+                <a:latin typeface="等线" panose="02010600030101010101" pitchFamily="2" charset="-122"/>
+                <a:ea typeface="等线" panose="02010600030101010101" pitchFamily="2" charset="-122"/>
+              </a:rPr>
+              <a:t>${</a:t>
+            </a:r>
+            <a:r>
+              <a:rPr kumimoji="1" lang="en-US" altLang="zh-CN" sz="1600" dirty="0" err="1">
+                <a:solidFill>
+                  <a:sysClr val="windowText" lastClr="000000"/>
+                </a:solidFill>
+                <a:latin typeface="等线" panose="02010600030101010101" pitchFamily="2" charset="-122"/>
+                <a:ea typeface="等线" panose="02010600030101010101" pitchFamily="2" charset="-122"/>
+              </a:rPr>
+              <a:t>companyId</a:t>
+            </a:r>
+            <a:r>
+              <a:rPr kumimoji="1" lang="en-US" altLang="zh-CN" sz="1600" dirty="0">
+                <a:solidFill>
+                  <a:sysClr val="windowText" lastClr="000000"/>
+                </a:solidFill>
+                <a:latin typeface="等线" panose="02010600030101010101" pitchFamily="2" charset="-122"/>
+                <a:ea typeface="等线" panose="02010600030101010101" pitchFamily="2" charset="-122"/>
+              </a:rPr>
+              <a:t>}</a:t>
+            </a:r>
+            <a:endParaRPr kumimoji="1" lang="en-US" altLang="zh-CN" sz="1600" dirty="0">
+              <a:solidFill>
+                <a:sysClr val="windowText" lastClr="000000"/>
+              </a:solidFill>
+              <a:latin typeface="等线" panose="02010600030101010101" pitchFamily="2" charset="-122"/>
+              <a:ea typeface="等线" panose="02010600030101010101" pitchFamily="2" charset="-122"/>
+            </a:endParaRPr>
+          </a:p>
+          <a:p>
+            <a:pPr algn="ctr"/>
+            <a:r>
+              <a:rPr kumimoji="1" lang="en-US" altLang="zh-CN" sz="1600" dirty="0" err="1">
+                <a:solidFill>
+                  <a:sysClr val="windowText" lastClr="000000"/>
+                </a:solidFill>
+                <a:latin typeface="等线" panose="02010600030101010101" pitchFamily="2" charset="-122"/>
+                <a:ea typeface="等线" panose="02010600030101010101" pitchFamily="2" charset="-122"/>
+              </a:rPr>
+              <a:t>isBlocked</a:t>
+            </a:r>
+            <a:r>
+              <a:rPr kumimoji="1" lang="zh-CN" altLang="en-US" sz="1600" dirty="0">
+                <a:solidFill>
+                  <a:sysClr val="windowText" lastClr="000000"/>
+                </a:solidFill>
+                <a:latin typeface="等线" panose="02010600030101010101" pitchFamily="2" charset="-122"/>
+                <a:ea typeface="等线" panose="02010600030101010101" pitchFamily="2" charset="-122"/>
+              </a:rPr>
+              <a:t> </a:t>
+            </a:r>
+            <a:r>
+              <a:rPr kumimoji="1" lang="en-US" altLang="zh-CN" sz="1600" dirty="0">
+                <a:solidFill>
+                  <a:sysClr val="windowText" lastClr="000000"/>
+                </a:solidFill>
+                <a:latin typeface="等线" panose="02010600030101010101" pitchFamily="2" charset="-122"/>
+                <a:ea typeface="等线" panose="02010600030101010101" pitchFamily="2" charset="-122"/>
+                <a:sym typeface="+mn-ea"/>
+              </a:rPr>
+              <a:t>&lt;- </a:t>
+            </a:r>
+            <a:r>
+              <a:rPr kumimoji="1" lang="en-US" sz="1600" dirty="0">
+                <a:solidFill>
+                  <a:sysClr val="windowText" lastClr="000000"/>
+                </a:solidFill>
+                <a:latin typeface="等线" panose="02010600030101010101" pitchFamily="2" charset="-122"/>
+                <a:ea typeface="等线" panose="02010600030101010101" pitchFamily="2" charset="-122"/>
+              </a:rPr>
+              <a:t>true</a:t>
+            </a:r>
+            <a:endParaRPr kumimoji="1" lang="en-US" altLang="zh-CN" sz="1600" b="1" dirty="0">
+              <a:solidFill>
+                <a:sysClr val="windowText" lastClr="000000"/>
+              </a:solidFill>
+              <a:latin typeface="等线" panose="02010600030101010101" pitchFamily="2" charset="-122"/>
+              <a:ea typeface="等线" panose="02010600030101010101" pitchFamily="2" charset="-122"/>
+            </a:endParaRPr>
+          </a:p>
+        </p:txBody>
+      </p:sp>
+      <p:sp>
+        <p:nvSpPr>
+          <p:cNvPr id="4" name="矩形 3"/>
+          <p:cNvSpPr/>
+          <p:nvPr>
+            <p:custDataLst>
+              <p:tags r:id="rId1"/>
+            </p:custDataLst>
+          </p:nvPr>
+        </p:nvSpPr>
+        <p:spPr>
+          <a:xfrm>
+            <a:off x="4607560" y="2411095"/>
+            <a:ext cx="2978150" cy="623570"/>
+          </a:xfrm>
+          <a:prstGeom prst="rect">
+            <a:avLst/>
+          </a:prstGeom>
+          <a:solidFill>
+            <a:srgbClr val="FF0000">
+              <a:alpha val="30000"/>
+            </a:srgbClr>
+          </a:solidFill>
+          <a:ln w="25400">
+            <a:solidFill>
+              <a:schemeClr val="tx1"/>
+            </a:solidFill>
+          </a:ln>
+        </p:spPr>
+        <p:style>
+          <a:lnRef idx="2">
+            <a:schemeClr val="accent2">
+              <a:shade val="50000"/>
+            </a:schemeClr>
+          </a:lnRef>
+          <a:fillRef idx="1">
+            <a:schemeClr val="accent2"/>
+          </a:fillRef>
+          <a:effectRef idx="0">
+            <a:schemeClr val="accent2"/>
+          </a:effectRef>
+          <a:fontRef idx="minor">
+            <a:schemeClr val="lt1"/>
+          </a:fontRef>
+        </p:style>
+        <p:txBody>
+          <a:bodyPr rtlCol="0" anchor="ctr"/>
+          <a:p>
+            <a:pPr algn="ctr"/>
+            <a:r>
+              <a:rPr kumimoji="1" lang="en-US" altLang="zh-CN" b="1" dirty="0">
+                <a:solidFill>
+                  <a:sysClr val="windowText" lastClr="000000"/>
+                </a:solidFill>
+              </a:rPr>
+              <a:t>Company</a:t>
+            </a:r>
+            <a:endParaRPr kumimoji="1" lang="zh-CN" altLang="en-US" sz="1600" b="1" dirty="0">
+              <a:solidFill>
+                <a:sysClr val="windowText" lastClr="000000"/>
+              </a:solidFill>
+            </a:endParaRPr>
+          </a:p>
+        </p:txBody>
+      </p:sp>
+    </p:spTree>
+  </p:cSld>
+  <p:clrMapOvr>
+    <a:masterClrMapping/>
+  </p:clrMapOvr>
+</p:sld>
+</file>
+
+<file path=ppt/slides/slide2.xml><?xml version="1.0" encoding="utf-8"?>
+<p:sld xmlns:a="http://schemas.openxmlformats.org/drawingml/2006/main" xmlns:r="http://schemas.openxmlformats.org/officeDocument/2006/relationships" xmlns:p="http://schemas.openxmlformats.org/presentationml/2006/main">
+  <p:cSld>
+    <p:spTree>
+      <p:nvGrpSpPr>
+        <p:cNvPr id="1" name=""/>
+        <p:cNvGrpSpPr/>
+        <p:nvPr/>
+      </p:nvGrpSpPr>
+      <p:grpSpPr>
+        <a:xfrm>
+          <a:off x="0" y="0"/>
+          <a:ext cx="0" cy="0"/>
+          <a:chOff x="0" y="0"/>
+          <a:chExt cx="0" cy="0"/>
+        </a:xfrm>
+      </p:grpSpPr>
+      <p:sp>
+        <p:nvSpPr>
+          <p:cNvPr id="11" name="矩形 10"/>
+          <p:cNvSpPr/>
+          <p:nvPr>
+            <p:custDataLst>
+              <p:tags r:id="rId1"/>
+            </p:custDataLst>
+          </p:nvPr>
+        </p:nvSpPr>
+        <p:spPr>
+          <a:xfrm>
+            <a:off x="4607560" y="3034665"/>
+            <a:ext cx="2977515" cy="849630"/>
+          </a:xfrm>
+          <a:prstGeom prst="rect">
+            <a:avLst/>
+          </a:prstGeom>
+          <a:noFill/>
+          <a:ln w="25400">
+            <a:solidFill>
+              <a:schemeClr val="tx1"/>
+            </a:solidFill>
+          </a:ln>
+        </p:spPr>
+        <p:style>
+          <a:lnRef idx="2">
+            <a:schemeClr val="accent2">
+              <a:shade val="50000"/>
+            </a:schemeClr>
+          </a:lnRef>
+          <a:fillRef idx="1">
+            <a:schemeClr val="accent2"/>
+          </a:fillRef>
+          <a:effectRef idx="0">
+            <a:schemeClr val="accent2"/>
+          </a:effectRef>
+          <a:fontRef idx="minor">
+            <a:schemeClr val="lt1"/>
+          </a:fontRef>
+        </p:style>
+        <p:txBody>
+          <a:bodyPr rtlCol="0" anchor="ctr"/>
+          <a:lstStyle/>
+          <a:p>
+            <a:pPr algn="ctr"/>
+            <a:r>
+              <a:rPr kumimoji="1" lang="en-US" altLang="zh-CN" sz="1600" dirty="0" err="1">
+                <a:solidFill>
+                  <a:sysClr val="windowText" lastClr="000000"/>
+                </a:solidFill>
+                <a:latin typeface="等线" panose="02010600030101010101" pitchFamily="2" charset="-122"/>
+                <a:ea typeface="等线" panose="02010600030101010101" pitchFamily="2" charset="-122"/>
+              </a:rPr>
+              <a:t>id</a:t>
+            </a:r>
+            <a:r>
+              <a:rPr kumimoji="1" lang="zh-CN" altLang="en-US" sz="1600" dirty="0">
+                <a:solidFill>
+                  <a:sysClr val="windowText" lastClr="000000"/>
+                </a:solidFill>
+                <a:latin typeface="等线" panose="02010600030101010101" pitchFamily="2" charset="-122"/>
+                <a:ea typeface="等线" panose="02010600030101010101" pitchFamily="2" charset="-122"/>
+              </a:rPr>
+              <a:t> </a:t>
+            </a:r>
+            <a:r>
+              <a:rPr kumimoji="1" lang="en-US" altLang="zh-CN" sz="1600" dirty="0">
+                <a:solidFill>
+                  <a:sysClr val="windowText" lastClr="000000"/>
+                </a:solidFill>
+                <a:latin typeface="等线" panose="02010600030101010101" pitchFamily="2" charset="-122"/>
+                <a:ea typeface="等线" panose="02010600030101010101" pitchFamily="2" charset="-122"/>
+                <a:sym typeface="+mn-ea"/>
+              </a:rPr>
+              <a:t>&lt;- </a:t>
+            </a:r>
+            <a:r>
+              <a:rPr kumimoji="1" lang="en-US" altLang="zh-CN" sz="1600" dirty="0">
+                <a:solidFill>
+                  <a:sysClr val="windowText" lastClr="000000"/>
+                </a:solidFill>
+                <a:latin typeface="等线" panose="02010600030101010101" pitchFamily="2" charset="-122"/>
+                <a:ea typeface="等线" panose="02010600030101010101" pitchFamily="2" charset="-122"/>
+              </a:rPr>
+              <a:t>${</a:t>
+            </a:r>
+            <a:r>
+              <a:rPr kumimoji="1" lang="en-US" altLang="zh-CN" sz="1600" dirty="0" err="1">
+                <a:solidFill>
+                  <a:sysClr val="windowText" lastClr="000000"/>
+                </a:solidFill>
+                <a:latin typeface="等线" panose="02010600030101010101" pitchFamily="2" charset="-122"/>
+                <a:ea typeface="等线" panose="02010600030101010101" pitchFamily="2" charset="-122"/>
+              </a:rPr>
+              <a:t>company</a:t>
+            </a:r>
+            <a:r>
+              <a:rPr kumimoji="1" lang="en-US" altLang="zh-CN" sz="1600" dirty="0" err="1">
+                <a:solidFill>
+                  <a:sysClr val="windowText" lastClr="000000"/>
+                </a:solidFill>
+                <a:latin typeface="等线" panose="02010600030101010101" pitchFamily="2" charset="-122"/>
+                <a:ea typeface="等线" panose="02010600030101010101" pitchFamily="2" charset="-122"/>
+              </a:rPr>
+              <a:t>Id</a:t>
+            </a:r>
+            <a:r>
+              <a:rPr kumimoji="1" lang="en-US" altLang="zh-CN" sz="1600" dirty="0">
+                <a:solidFill>
+                  <a:sysClr val="windowText" lastClr="000000"/>
+                </a:solidFill>
+                <a:latin typeface="等线" panose="02010600030101010101" pitchFamily="2" charset="-122"/>
+                <a:ea typeface="等线" panose="02010600030101010101" pitchFamily="2" charset="-122"/>
+              </a:rPr>
+              <a:t>}</a:t>
+            </a:r>
+            <a:endParaRPr kumimoji="1" lang="en-US" altLang="zh-CN" sz="1600" dirty="0">
+              <a:solidFill>
+                <a:sysClr val="windowText" lastClr="000000"/>
+              </a:solidFill>
+              <a:latin typeface="等线" panose="02010600030101010101" pitchFamily="2" charset="-122"/>
+              <a:ea typeface="等线" panose="02010600030101010101" pitchFamily="2" charset="-122"/>
+            </a:endParaRPr>
+          </a:p>
+          <a:p>
+            <a:pPr algn="ctr"/>
+            <a:r>
+              <a:rPr kumimoji="1" lang="en-US" altLang="zh-CN" sz="1600" dirty="0">
+                <a:solidFill>
+                  <a:sysClr val="windowText" lastClr="000000"/>
+                </a:solidFill>
+                <a:latin typeface="等线" panose="02010600030101010101" pitchFamily="2" charset="-122"/>
+                <a:ea typeface="等线" panose="02010600030101010101" pitchFamily="2" charset="-122"/>
+              </a:rPr>
+              <a:t>name </a:t>
+            </a:r>
+            <a:r>
+              <a:rPr kumimoji="1" lang="en-US" altLang="zh-CN" sz="1600" dirty="0">
+                <a:solidFill>
+                  <a:sysClr val="windowText" lastClr="000000"/>
+                </a:solidFill>
+                <a:latin typeface="等线" panose="02010600030101010101" pitchFamily="2" charset="-122"/>
+                <a:ea typeface="等线" panose="02010600030101010101" pitchFamily="2" charset="-122"/>
+                <a:sym typeface="+mn-ea"/>
+              </a:rPr>
+              <a:t>&lt;- </a:t>
+            </a:r>
+            <a:r>
+              <a:rPr kumimoji="1" lang="en-US" altLang="zh-CN" sz="1600" dirty="0">
+                <a:solidFill>
+                  <a:sysClr val="windowText" lastClr="000000"/>
+                </a:solidFill>
+                <a:latin typeface="等线" panose="02010600030101010101" pitchFamily="2" charset="-122"/>
+                <a:ea typeface="等线" panose="02010600030101010101" pitchFamily="2" charset="-122"/>
+              </a:rPr>
+              <a:t>${</a:t>
+            </a:r>
+            <a:r>
+              <a:rPr kumimoji="1" lang="en-US" altLang="zh-CN" sz="1600" dirty="0" err="1">
+                <a:solidFill>
+                  <a:sysClr val="windowText" lastClr="000000"/>
+                </a:solidFill>
+                <a:latin typeface="等线" panose="02010600030101010101" pitchFamily="2" charset="-122"/>
+                <a:ea typeface="等线" panose="02010600030101010101" pitchFamily="2" charset="-122"/>
+                <a:sym typeface="+mn-ea"/>
+              </a:rPr>
+              <a:t>company</a:t>
+            </a:r>
+            <a:r>
+              <a:rPr kumimoji="1" lang="en-US" altLang="zh-CN" sz="1600" dirty="0">
+                <a:solidFill>
+                  <a:sysClr val="windowText" lastClr="000000"/>
+                </a:solidFill>
+                <a:latin typeface="等线" panose="02010600030101010101" pitchFamily="2" charset="-122"/>
+                <a:ea typeface="等线" panose="02010600030101010101" pitchFamily="2" charset="-122"/>
+              </a:rPr>
+              <a:t>Name}</a:t>
+            </a:r>
+            <a:endParaRPr kumimoji="1" lang="en-US" altLang="zh-CN" sz="1600" dirty="0">
+              <a:solidFill>
+                <a:sysClr val="windowText" lastClr="000000"/>
+              </a:solidFill>
+              <a:latin typeface="等线" panose="02010600030101010101" pitchFamily="2" charset="-122"/>
+              <a:ea typeface="等线" panose="02010600030101010101" pitchFamily="2" charset="-122"/>
+            </a:endParaRPr>
+          </a:p>
+          <a:p>
+            <a:pPr algn="ctr"/>
+            <a:r>
+              <a:rPr kumimoji="1" lang="en-US" altLang="zh-CN" sz="1600" dirty="0" err="1">
+                <a:solidFill>
+                  <a:sysClr val="windowText" lastClr="000000"/>
+                </a:solidFill>
+                <a:latin typeface="等线" panose="02010600030101010101" pitchFamily="2" charset="-122"/>
+                <a:ea typeface="等线" panose="02010600030101010101" pitchFamily="2" charset="-122"/>
+              </a:rPr>
+              <a:t>isBlocked</a:t>
+            </a:r>
+            <a:r>
+              <a:rPr kumimoji="1" lang="zh-CN" altLang="en-US" sz="1600" dirty="0">
+                <a:solidFill>
+                  <a:sysClr val="windowText" lastClr="000000"/>
+                </a:solidFill>
+                <a:latin typeface="等线" panose="02010600030101010101" pitchFamily="2" charset="-122"/>
+                <a:ea typeface="等线" panose="02010600030101010101" pitchFamily="2" charset="-122"/>
+              </a:rPr>
+              <a:t> </a:t>
+            </a:r>
+            <a:r>
+              <a:rPr kumimoji="1" lang="en-US" altLang="zh-CN" sz="1600" dirty="0">
+                <a:solidFill>
+                  <a:sysClr val="windowText" lastClr="000000"/>
+                </a:solidFill>
+                <a:latin typeface="等线" panose="02010600030101010101" pitchFamily="2" charset="-122"/>
+                <a:ea typeface="等线" panose="02010600030101010101" pitchFamily="2" charset="-122"/>
+                <a:sym typeface="+mn-ea"/>
+              </a:rPr>
+              <a:t>&lt;- </a:t>
+            </a:r>
+            <a:r>
+              <a:rPr kumimoji="1" lang="en-US" sz="1600" dirty="0">
+                <a:solidFill>
+                  <a:sysClr val="windowText" lastClr="000000"/>
+                </a:solidFill>
+                <a:latin typeface="等线" panose="02010600030101010101" pitchFamily="2" charset="-122"/>
+                <a:ea typeface="等线" panose="02010600030101010101" pitchFamily="2" charset="-122"/>
+              </a:rPr>
+              <a:t>$</a:t>
+            </a:r>
+            <a:r>
+              <a:rPr kumimoji="1" lang="en-US" altLang="zh-CN" sz="1600" dirty="0">
+                <a:solidFill>
+                  <a:sysClr val="windowText" lastClr="000000"/>
+                </a:solidFill>
+                <a:latin typeface="等线" panose="02010600030101010101" pitchFamily="2" charset="-122"/>
+                <a:ea typeface="等线" panose="02010600030101010101" pitchFamily="2" charset="-122"/>
+              </a:rPr>
+              <a:t>{isBlocked}</a:t>
+            </a:r>
+            <a:endParaRPr kumimoji="1" lang="en-US" altLang="zh-CN" sz="1600" b="1" dirty="0">
+              <a:solidFill>
+                <a:sysClr val="windowText" lastClr="000000"/>
+              </a:solidFill>
+              <a:latin typeface="等线" panose="02010600030101010101" pitchFamily="2" charset="-122"/>
+              <a:ea typeface="等线" panose="02010600030101010101" pitchFamily="2" charset="-122"/>
+            </a:endParaRPr>
+          </a:p>
+        </p:txBody>
+      </p:sp>
+      <p:sp>
+        <p:nvSpPr>
+          <p:cNvPr id="12" name="矩形 11"/>
+          <p:cNvSpPr/>
+          <p:nvPr>
+            <p:custDataLst>
+              <p:tags r:id="rId2"/>
+            </p:custDataLst>
+          </p:nvPr>
+        </p:nvSpPr>
+        <p:spPr>
+          <a:xfrm>
+            <a:off x="4607560" y="2411095"/>
+            <a:ext cx="2978150" cy="623570"/>
+          </a:xfrm>
+          <a:prstGeom prst="rect">
+            <a:avLst/>
+          </a:prstGeom>
+          <a:solidFill>
+            <a:srgbClr val="FF0000">
+              <a:alpha val="30000"/>
+            </a:srgbClr>
+          </a:solidFill>
+          <a:ln w="25400">
+            <a:solidFill>
+              <a:schemeClr val="tx1"/>
+            </a:solidFill>
+          </a:ln>
+        </p:spPr>
+        <p:style>
+          <a:lnRef idx="2">
+            <a:schemeClr val="accent2">
+              <a:shade val="50000"/>
+            </a:schemeClr>
+          </a:lnRef>
+          <a:fillRef idx="1">
+            <a:schemeClr val="accent2"/>
+          </a:fillRef>
+          <a:effectRef idx="0">
+            <a:schemeClr val="accent2"/>
+          </a:effectRef>
+          <a:fontRef idx="minor">
+            <a:schemeClr val="lt1"/>
+          </a:fontRef>
+        </p:style>
+        <p:txBody>
+          <a:bodyPr rtlCol="0" anchor="ctr"/>
+          <a:p>
+            <a:pPr algn="ctr"/>
+            <a:r>
+              <a:rPr kumimoji="1" lang="en-US" altLang="zh-CN" b="1" dirty="0">
+                <a:solidFill>
+                  <a:sysClr val="windowText" lastClr="000000"/>
+                </a:solidFill>
+              </a:rPr>
+              <a:t>Company</a:t>
+            </a:r>
+            <a:endParaRPr kumimoji="1" lang="zh-CN" altLang="en-US" sz="1600" b="1" dirty="0">
+              <a:solidFill>
+                <a:sysClr val="windowText" lastClr="000000"/>
+              </a:solidFill>
+            </a:endParaRPr>
+          </a:p>
+        </p:txBody>
+      </p:sp>
+      <p:sp>
+        <p:nvSpPr>
+          <p:cNvPr id="13" name="Cross 8"/>
+          <p:cNvSpPr/>
+          <p:nvPr>
+            <p:custDataLst>
+              <p:tags r:id="rId3"/>
+            </p:custDataLst>
+          </p:nvPr>
+        </p:nvSpPr>
+        <p:spPr>
+          <a:xfrm>
+            <a:off x="4658360" y="2472690"/>
+            <a:ext cx="179705" cy="179705"/>
+          </a:xfrm>
+          <a:prstGeom prst="plus">
+            <a:avLst>
+              <a:gd name="adj" fmla="val 33021"/>
+            </a:avLst>
+          </a:prstGeom>
+          <a:solidFill>
+            <a:schemeClr val="tx1"/>
+          </a:solidFill>
+          <a:ln>
+            <a:noFill/>
+          </a:ln>
+        </p:spPr>
+        <p:style>
+          <a:lnRef idx="2">
+            <a:schemeClr val="accent1">
+              <a:shade val="50000"/>
+            </a:schemeClr>
+          </a:lnRef>
+          <a:fillRef idx="1">
+            <a:schemeClr val="accent1"/>
+          </a:fillRef>
+          <a:effectRef idx="0">
+            <a:schemeClr val="accent1"/>
+          </a:effectRef>
+          <a:fontRef idx="minor">
+            <a:schemeClr val="lt1"/>
+          </a:fontRef>
+        </p:style>
+        <p:txBody>
+          <a:bodyPr rtlCol="0" anchor="ctr"/>
+          <a:p>
+            <a:pPr algn="ctr"/>
+            <a:endParaRPr lang="en-US">
+              <a:solidFill>
+                <a:schemeClr val="tx1"/>
+              </a:solidFill>
+            </a:endParaRPr>
+          </a:p>
+        </p:txBody>
+      </p:sp>
+    </p:spTree>
+  </p:cSld>
+  <p:clrMapOvr>
+    <a:masterClrMapping/>
+  </p:clrMapOvr>
+</p:sld>
+</file>
+
+<file path=ppt/slides/slide20.xml><?xml version="1.0" encoding="utf-8"?>
+<p:sld xmlns:a="http://schemas.openxmlformats.org/drawingml/2006/main" xmlns:r="http://schemas.openxmlformats.org/officeDocument/2006/relationships" xmlns:p="http://schemas.openxmlformats.org/presentationml/2006/main">
+  <p:cSld>
+    <p:spTree>
+      <p:nvGrpSpPr>
+        <p:cNvPr id="1" name=""/>
+        <p:cNvGrpSpPr/>
+        <p:nvPr/>
+      </p:nvGrpSpPr>
+      <p:grpSpPr>
+        <a:xfrm>
+          <a:off x="0" y="0"/>
+          <a:ext cx="0" cy="0"/>
+          <a:chOff x="0" y="0"/>
+          <a:chExt cx="0" cy="0"/>
+        </a:xfrm>
+      </p:grpSpPr>
+      <p:sp>
+        <p:nvSpPr>
           <p:cNvPr id="4" name="Rectangle 3"/>
           <p:cNvSpPr/>
           <p:nvPr/>
@@ -9422,7 +10342,7 @@
 </p:sld>
 </file>
 
-<file path=ppt/slides/slide19.xml><?xml version="1.0" encoding="utf-8"?>
+<file path=ppt/slides/slide21.xml><?xml version="1.0" encoding="utf-8"?>
 <p:sld xmlns:a="http://schemas.openxmlformats.org/drawingml/2006/main" xmlns:r="http://schemas.openxmlformats.org/officeDocument/2006/relationships" xmlns:p="http://schemas.openxmlformats.org/presentationml/2006/main" show="0">
   <p:cSld>
     <p:spTree>
@@ -10307,402 +11227,7 @@
 </p:sld>
 </file>
 
-<file path=ppt/slides/slide2.xml><?xml version="1.0" encoding="utf-8"?>
-<p:sld xmlns:a="http://schemas.openxmlformats.org/drawingml/2006/main" xmlns:r="http://schemas.openxmlformats.org/officeDocument/2006/relationships" xmlns:p="http://schemas.openxmlformats.org/presentationml/2006/main">
-  <p:cSld>
-    <p:spTree>
-      <p:nvGrpSpPr>
-        <p:cNvPr id="1" name=""/>
-        <p:cNvGrpSpPr/>
-        <p:nvPr/>
-      </p:nvGrpSpPr>
-      <p:grpSpPr>
-        <a:xfrm>
-          <a:off x="0" y="0"/>
-          <a:ext cx="0" cy="0"/>
-          <a:chOff x="0" y="0"/>
-          <a:chExt cx="0" cy="0"/>
-        </a:xfrm>
-      </p:grpSpPr>
-      <p:sp>
-        <p:nvSpPr>
-          <p:cNvPr id="11" name="矩形 10"/>
-          <p:cNvSpPr/>
-          <p:nvPr>
-            <p:custDataLst>
-              <p:tags r:id="rId1"/>
-            </p:custDataLst>
-          </p:nvPr>
-        </p:nvSpPr>
-        <p:spPr>
-          <a:xfrm>
-            <a:off x="4607560" y="3034665"/>
-            <a:ext cx="2977515" cy="849630"/>
-          </a:xfrm>
-          <a:prstGeom prst="rect">
-            <a:avLst/>
-          </a:prstGeom>
-          <a:noFill/>
-          <a:ln w="25400">
-            <a:solidFill>
-              <a:schemeClr val="tx1"/>
-            </a:solidFill>
-          </a:ln>
-        </p:spPr>
-        <p:style>
-          <a:lnRef idx="2">
-            <a:schemeClr val="accent2">
-              <a:shade val="50000"/>
-            </a:schemeClr>
-          </a:lnRef>
-          <a:fillRef idx="1">
-            <a:schemeClr val="accent2"/>
-          </a:fillRef>
-          <a:effectRef idx="0">
-            <a:schemeClr val="accent2"/>
-          </a:effectRef>
-          <a:fontRef idx="minor">
-            <a:schemeClr val="lt1"/>
-          </a:fontRef>
-        </p:style>
-        <p:txBody>
-          <a:bodyPr rtlCol="0" anchor="ctr"/>
-          <a:lstStyle/>
-          <a:p>
-            <a:pPr algn="ctr"/>
-            <a:r>
-              <a:rPr kumimoji="1" lang="en-US" altLang="zh-CN" sz="1600" dirty="0" err="1">
-                <a:solidFill>
-                  <a:sysClr val="windowText" lastClr="000000"/>
-                </a:solidFill>
-                <a:latin typeface="等线" panose="02010600030101010101" pitchFamily="2" charset="-122"/>
-                <a:ea typeface="等线" panose="02010600030101010101" pitchFamily="2" charset="-122"/>
-              </a:rPr>
-              <a:t>id</a:t>
-            </a:r>
-            <a:r>
-              <a:rPr kumimoji="1" lang="zh-CN" altLang="en-US" sz="1600" dirty="0">
-                <a:solidFill>
-                  <a:sysClr val="windowText" lastClr="000000"/>
-                </a:solidFill>
-                <a:latin typeface="等线" panose="02010600030101010101" pitchFamily="2" charset="-122"/>
-                <a:ea typeface="等线" panose="02010600030101010101" pitchFamily="2" charset="-122"/>
-              </a:rPr>
-              <a:t> </a:t>
-            </a:r>
-            <a:r>
-              <a:rPr kumimoji="1" lang="en-US" altLang="zh-CN" sz="1600" dirty="0">
-                <a:solidFill>
-                  <a:sysClr val="windowText" lastClr="000000"/>
-                </a:solidFill>
-                <a:latin typeface="等线" panose="02010600030101010101" pitchFamily="2" charset="-122"/>
-                <a:ea typeface="等线" panose="02010600030101010101" pitchFamily="2" charset="-122"/>
-                <a:sym typeface="+mn-ea"/>
-              </a:rPr>
-              <a:t>&lt;- </a:t>
-            </a:r>
-            <a:r>
-              <a:rPr kumimoji="1" lang="en-US" altLang="zh-CN" sz="1600" dirty="0">
-                <a:solidFill>
-                  <a:sysClr val="windowText" lastClr="000000"/>
-                </a:solidFill>
-                <a:latin typeface="等线" panose="02010600030101010101" pitchFamily="2" charset="-122"/>
-                <a:ea typeface="等线" panose="02010600030101010101" pitchFamily="2" charset="-122"/>
-              </a:rPr>
-              <a:t>${</a:t>
-            </a:r>
-            <a:r>
-              <a:rPr kumimoji="1" lang="en-US" altLang="zh-CN" sz="1600" dirty="0" err="1">
-                <a:solidFill>
-                  <a:sysClr val="windowText" lastClr="000000"/>
-                </a:solidFill>
-                <a:latin typeface="等线" panose="02010600030101010101" pitchFamily="2" charset="-122"/>
-                <a:ea typeface="等线" panose="02010600030101010101" pitchFamily="2" charset="-122"/>
-              </a:rPr>
-              <a:t>company</a:t>
-            </a:r>
-            <a:r>
-              <a:rPr kumimoji="1" lang="en-US" altLang="zh-CN" sz="1600" dirty="0" err="1">
-                <a:solidFill>
-                  <a:sysClr val="windowText" lastClr="000000"/>
-                </a:solidFill>
-                <a:latin typeface="等线" panose="02010600030101010101" pitchFamily="2" charset="-122"/>
-                <a:ea typeface="等线" panose="02010600030101010101" pitchFamily="2" charset="-122"/>
-              </a:rPr>
-              <a:t>Id</a:t>
-            </a:r>
-            <a:r>
-              <a:rPr kumimoji="1" lang="en-US" altLang="zh-CN" sz="1600" dirty="0">
-                <a:solidFill>
-                  <a:sysClr val="windowText" lastClr="000000"/>
-                </a:solidFill>
-                <a:latin typeface="等线" panose="02010600030101010101" pitchFamily="2" charset="-122"/>
-                <a:ea typeface="等线" panose="02010600030101010101" pitchFamily="2" charset="-122"/>
-              </a:rPr>
-              <a:t>}</a:t>
-            </a:r>
-            <a:endParaRPr kumimoji="1" lang="en-US" altLang="zh-CN" sz="1600" dirty="0">
-              <a:solidFill>
-                <a:sysClr val="windowText" lastClr="000000"/>
-              </a:solidFill>
-              <a:latin typeface="等线" panose="02010600030101010101" pitchFamily="2" charset="-122"/>
-              <a:ea typeface="等线" panose="02010600030101010101" pitchFamily="2" charset="-122"/>
-            </a:endParaRPr>
-          </a:p>
-          <a:p>
-            <a:pPr algn="ctr"/>
-            <a:r>
-              <a:rPr kumimoji="1" lang="en-US" altLang="zh-CN" sz="1600" dirty="0">
-                <a:solidFill>
-                  <a:sysClr val="windowText" lastClr="000000"/>
-                </a:solidFill>
-                <a:latin typeface="等线" panose="02010600030101010101" pitchFamily="2" charset="-122"/>
-                <a:ea typeface="等线" panose="02010600030101010101" pitchFamily="2" charset="-122"/>
-              </a:rPr>
-              <a:t>name </a:t>
-            </a:r>
-            <a:r>
-              <a:rPr kumimoji="1" lang="en-US" altLang="zh-CN" sz="1600" dirty="0">
-                <a:solidFill>
-                  <a:sysClr val="windowText" lastClr="000000"/>
-                </a:solidFill>
-                <a:latin typeface="等线" panose="02010600030101010101" pitchFamily="2" charset="-122"/>
-                <a:ea typeface="等线" panose="02010600030101010101" pitchFamily="2" charset="-122"/>
-                <a:sym typeface="+mn-ea"/>
-              </a:rPr>
-              <a:t>&lt;- </a:t>
-            </a:r>
-            <a:r>
-              <a:rPr kumimoji="1" lang="en-US" altLang="zh-CN" sz="1600" dirty="0">
-                <a:solidFill>
-                  <a:sysClr val="windowText" lastClr="000000"/>
-                </a:solidFill>
-                <a:latin typeface="等线" panose="02010600030101010101" pitchFamily="2" charset="-122"/>
-                <a:ea typeface="等线" panose="02010600030101010101" pitchFamily="2" charset="-122"/>
-              </a:rPr>
-              <a:t>${</a:t>
-            </a:r>
-            <a:r>
-              <a:rPr kumimoji="1" lang="en-US" altLang="zh-CN" sz="1600" dirty="0" err="1">
-                <a:solidFill>
-                  <a:sysClr val="windowText" lastClr="000000"/>
-                </a:solidFill>
-                <a:latin typeface="等线" panose="02010600030101010101" pitchFamily="2" charset="-122"/>
-                <a:ea typeface="等线" panose="02010600030101010101" pitchFamily="2" charset="-122"/>
-                <a:sym typeface="+mn-ea"/>
-              </a:rPr>
-              <a:t>company</a:t>
-            </a:r>
-            <a:r>
-              <a:rPr kumimoji="1" lang="en-US" altLang="zh-CN" sz="1600" dirty="0">
-                <a:solidFill>
-                  <a:sysClr val="windowText" lastClr="000000"/>
-                </a:solidFill>
-                <a:latin typeface="等线" panose="02010600030101010101" pitchFamily="2" charset="-122"/>
-                <a:ea typeface="等线" panose="02010600030101010101" pitchFamily="2" charset="-122"/>
-              </a:rPr>
-              <a:t>Name}</a:t>
-            </a:r>
-            <a:endParaRPr kumimoji="1" lang="en-US" altLang="zh-CN" sz="1600" dirty="0">
-              <a:solidFill>
-                <a:sysClr val="windowText" lastClr="000000"/>
-              </a:solidFill>
-              <a:latin typeface="等线" panose="02010600030101010101" pitchFamily="2" charset="-122"/>
-              <a:ea typeface="等线" panose="02010600030101010101" pitchFamily="2" charset="-122"/>
-            </a:endParaRPr>
-          </a:p>
-          <a:p>
-            <a:pPr algn="ctr"/>
-            <a:r>
-              <a:rPr kumimoji="1" lang="en-US" altLang="zh-CN" sz="1600" dirty="0" err="1">
-                <a:solidFill>
-                  <a:sysClr val="windowText" lastClr="000000"/>
-                </a:solidFill>
-                <a:latin typeface="等线" panose="02010600030101010101" pitchFamily="2" charset="-122"/>
-                <a:ea typeface="等线" panose="02010600030101010101" pitchFamily="2" charset="-122"/>
-              </a:rPr>
-              <a:t>isBlocked</a:t>
-            </a:r>
-            <a:r>
-              <a:rPr kumimoji="1" lang="zh-CN" altLang="en-US" sz="1600" dirty="0">
-                <a:solidFill>
-                  <a:sysClr val="windowText" lastClr="000000"/>
-                </a:solidFill>
-                <a:latin typeface="等线" panose="02010600030101010101" pitchFamily="2" charset="-122"/>
-                <a:ea typeface="等线" panose="02010600030101010101" pitchFamily="2" charset="-122"/>
-              </a:rPr>
-              <a:t> </a:t>
-            </a:r>
-            <a:r>
-              <a:rPr kumimoji="1" lang="en-US" altLang="zh-CN" sz="1600" dirty="0">
-                <a:solidFill>
-                  <a:sysClr val="windowText" lastClr="000000"/>
-                </a:solidFill>
-                <a:latin typeface="等线" panose="02010600030101010101" pitchFamily="2" charset="-122"/>
-                <a:ea typeface="等线" panose="02010600030101010101" pitchFamily="2" charset="-122"/>
-                <a:sym typeface="+mn-ea"/>
-              </a:rPr>
-              <a:t>&lt;- </a:t>
-            </a:r>
-            <a:r>
-              <a:rPr kumimoji="1" lang="en-US" sz="1600" dirty="0">
-                <a:solidFill>
-                  <a:sysClr val="windowText" lastClr="000000"/>
-                </a:solidFill>
-                <a:latin typeface="等线" panose="02010600030101010101" pitchFamily="2" charset="-122"/>
-                <a:ea typeface="等线" panose="02010600030101010101" pitchFamily="2" charset="-122"/>
-              </a:rPr>
-              <a:t>$</a:t>
-            </a:r>
-            <a:r>
-              <a:rPr kumimoji="1" lang="en-US" altLang="zh-CN" sz="1600" dirty="0">
-                <a:solidFill>
-                  <a:sysClr val="windowText" lastClr="000000"/>
-                </a:solidFill>
-                <a:latin typeface="等线" panose="02010600030101010101" pitchFamily="2" charset="-122"/>
-                <a:ea typeface="等线" panose="02010600030101010101" pitchFamily="2" charset="-122"/>
-              </a:rPr>
-              <a:t>{isBlocked}</a:t>
-            </a:r>
-            <a:endParaRPr kumimoji="1" lang="en-US" altLang="zh-CN" sz="1600" b="1" dirty="0">
-              <a:solidFill>
-                <a:sysClr val="windowText" lastClr="000000"/>
-              </a:solidFill>
-              <a:latin typeface="等线" panose="02010600030101010101" pitchFamily="2" charset="-122"/>
-              <a:ea typeface="等线" panose="02010600030101010101" pitchFamily="2" charset="-122"/>
-            </a:endParaRPr>
-          </a:p>
-        </p:txBody>
-      </p:sp>
-      <p:sp>
-        <p:nvSpPr>
-          <p:cNvPr id="12" name="矩形 11"/>
-          <p:cNvSpPr/>
-          <p:nvPr>
-            <p:custDataLst>
-              <p:tags r:id="rId2"/>
-            </p:custDataLst>
-          </p:nvPr>
-        </p:nvSpPr>
-        <p:spPr>
-          <a:xfrm>
-            <a:off x="4607560" y="2411095"/>
-            <a:ext cx="2978150" cy="623570"/>
-          </a:xfrm>
-          <a:prstGeom prst="rect">
-            <a:avLst/>
-          </a:prstGeom>
-          <a:solidFill>
-            <a:srgbClr val="FF0000">
-              <a:alpha val="30000"/>
-            </a:srgbClr>
-          </a:solidFill>
-          <a:ln w="25400">
-            <a:solidFill>
-              <a:schemeClr val="tx1"/>
-            </a:solidFill>
-          </a:ln>
-        </p:spPr>
-        <p:style>
-          <a:lnRef idx="2">
-            <a:schemeClr val="accent2">
-              <a:shade val="50000"/>
-            </a:schemeClr>
-          </a:lnRef>
-          <a:fillRef idx="1">
-            <a:schemeClr val="accent2"/>
-          </a:fillRef>
-          <a:effectRef idx="0">
-            <a:schemeClr val="accent2"/>
-          </a:effectRef>
-          <a:fontRef idx="minor">
-            <a:schemeClr val="lt1"/>
-          </a:fontRef>
-        </p:style>
-        <p:txBody>
-          <a:bodyPr rtlCol="0" anchor="ctr"/>
-          <a:p>
-            <a:pPr algn="ctr"/>
-            <a:r>
-              <a:rPr kumimoji="1" lang="en-US" altLang="zh-CN" b="1" dirty="0">
-                <a:solidFill>
-                  <a:sysClr val="windowText" lastClr="000000"/>
-                </a:solidFill>
-              </a:rPr>
-              <a:t>Company</a:t>
-            </a:r>
-            <a:endParaRPr kumimoji="1" lang="zh-CN" altLang="en-US" sz="1600" b="1" dirty="0">
-              <a:solidFill>
-                <a:sysClr val="windowText" lastClr="000000"/>
-              </a:solidFill>
-            </a:endParaRPr>
-          </a:p>
-        </p:txBody>
-      </p:sp>
-      <p:sp>
-        <p:nvSpPr>
-          <p:cNvPr id="13" name="Cross 8"/>
-          <p:cNvSpPr/>
-          <p:nvPr>
-            <p:custDataLst>
-              <p:tags r:id="rId3"/>
-            </p:custDataLst>
-          </p:nvPr>
-        </p:nvSpPr>
-        <p:spPr>
-          <a:xfrm>
-            <a:off x="4658360" y="2472690"/>
-            <a:ext cx="179705" cy="179705"/>
-          </a:xfrm>
-          <a:prstGeom prst="plus">
-            <a:avLst>
-              <a:gd name="adj" fmla="val 33021"/>
-            </a:avLst>
-          </a:prstGeom>
-          <a:solidFill>
-            <a:schemeClr val="tx1"/>
-          </a:solidFill>
-          <a:ln>
-            <a:noFill/>
-          </a:ln>
-        </p:spPr>
-        <p:style>
-          <a:lnRef idx="2">
-            <a:schemeClr val="accent1">
-              <a:shade val="50000"/>
-            </a:schemeClr>
-          </a:lnRef>
-          <a:fillRef idx="1">
-            <a:schemeClr val="accent1"/>
-          </a:fillRef>
-          <a:effectRef idx="0">
-            <a:schemeClr val="accent1"/>
-          </a:effectRef>
-          <a:fontRef idx="minor">
-            <a:schemeClr val="lt1"/>
-          </a:fontRef>
-        </p:style>
-        <p:txBody>
-          <a:bodyPr rtlCol="0" anchor="ctr"/>
-          <a:p>
-            <a:pPr algn="ctr"/>
-            <a:endParaRPr lang="en-US">
-              <a:solidFill>
-                <a:schemeClr val="tx1"/>
-              </a:solidFill>
-            </a:endParaRPr>
-          </a:p>
-        </p:txBody>
-      </p:sp>
-    </p:spTree>
-  </p:cSld>
-  <p:clrMapOvr>
-    <a:masterClrMapping/>
-  </p:clrMapOvr>
-</p:sld>
-</file>
-
-<file path=ppt/slides/slide20.xml><?xml version="1.0" encoding="utf-8"?>
+<file path=ppt/slides/slide22.xml><?xml version="1.0" encoding="utf-8"?>
 <p:sld xmlns:a="http://schemas.openxmlformats.org/drawingml/2006/main" xmlns:r="http://schemas.openxmlformats.org/officeDocument/2006/relationships" xmlns:p="http://schemas.openxmlformats.org/presentationml/2006/main" show="0">
   <p:cSld>
     <p:spTree>
@@ -15737,6 +16262,12 @@
 </file>
 
 <file path=ppt/tags/tag14.xml><?xml version="1.0" encoding="utf-8"?>
+<p:tagLst xmlns:p="http://schemas.openxmlformats.org/presentationml/2006/main">
+  <p:tag name="KSO_WM_BEAUTIFY_FLAG" val=""/>
+</p:tagLst>
+</file>
+
+<file path=ppt/tags/tag15.xml><?xml version="1.0" encoding="utf-8"?>
 <p:tagLst xmlns:p="http://schemas.openxmlformats.org/presentationml/2006/main">
   <p:tag name="KSO_WPP_MARK_KEY" val="e5407a5c-3aa7-4a3f-8c63-acb26ca22cb2"/>
   <p:tag name="COMMONDATA" val="eyJoZGlkIjoiY2UzZmQ1NDYyMTk1MjkyNjAxNzY5ZmQ2ZjBmNmY2NWYifQ=="/>

--- a/patterns/transaction-write.pptx
+++ b/patterns/transaction-write.pptx
@@ -5,36 +5,36 @@
     <p:sldMasterId id="2147483648" r:id="rId1"/>
   </p:sldMasterIdLst>
   <p:notesMasterIdLst>
-    <p:notesMasterId r:id="rId25"/>
+    <p:notesMasterId r:id="rId24"/>
   </p:notesMasterIdLst>
   <p:sldIdLst>
-    <p:sldId id="417" r:id="rId3"/>
-    <p:sldId id="436" r:id="rId4"/>
-    <p:sldId id="437" r:id="rId5"/>
-    <p:sldId id="403" r:id="rId6"/>
-    <p:sldId id="421" r:id="rId7"/>
-    <p:sldId id="408" r:id="rId8"/>
-    <p:sldId id="438" r:id="rId9"/>
-    <p:sldId id="439" r:id="rId10"/>
-    <p:sldId id="440" r:id="rId11"/>
-    <p:sldId id="441" r:id="rId12"/>
-    <p:sldId id="442" r:id="rId13"/>
-    <p:sldId id="407" r:id="rId14"/>
-    <p:sldId id="443" r:id="rId15"/>
-    <p:sldId id="413" r:id="rId16"/>
-    <p:sldId id="444" r:id="rId17"/>
-    <p:sldId id="410" r:id="rId18"/>
-    <p:sldId id="415" r:id="rId19"/>
+    <p:sldId id="417" r:id="rId2"/>
+    <p:sldId id="436" r:id="rId3"/>
+    <p:sldId id="437" r:id="rId4"/>
+    <p:sldId id="403" r:id="rId5"/>
+    <p:sldId id="421" r:id="rId6"/>
+    <p:sldId id="408" r:id="rId7"/>
+    <p:sldId id="438" r:id="rId8"/>
+    <p:sldId id="439" r:id="rId9"/>
+    <p:sldId id="440" r:id="rId10"/>
+    <p:sldId id="441" r:id="rId11"/>
+    <p:sldId id="442" r:id="rId12"/>
+    <p:sldId id="407" r:id="rId13"/>
+    <p:sldId id="443" r:id="rId14"/>
+    <p:sldId id="413" r:id="rId15"/>
+    <p:sldId id="444" r:id="rId16"/>
+    <p:sldId id="410" r:id="rId17"/>
+    <p:sldId id="415" r:id="rId18"/>
+    <p:sldId id="456" r:id="rId19"/>
     <p:sldId id="455" r:id="rId20"/>
-    <p:sldId id="456" r:id="rId21"/>
-    <p:sldId id="424" r:id="rId22"/>
-    <p:sldId id="423" r:id="rId23"/>
-    <p:sldId id="425" r:id="rId24"/>
+    <p:sldId id="424" r:id="rId21"/>
+    <p:sldId id="423" r:id="rId22"/>
+    <p:sldId id="425" r:id="rId23"/>
   </p:sldIdLst>
   <p:sldSz cx="12192000" cy="6858000"/>
   <p:notesSz cx="6858000" cy="9144000"/>
   <p:custDataLst>
-    <p:tags r:id="rId29"/>
+    <p:tags r:id="rId25"/>
   </p:custDataLst>
   <p:defaultTextStyle>
     <a:defPPr>
@@ -153,14 +153,17 @@
             <p14:sldId id="444"/>
             <p14:sldId id="410"/>
             <p14:sldId id="415"/>
+            <p14:sldId id="456"/>
             <p14:sldId id="455"/>
-            <p14:sldId id="456"/>
             <p14:sldId id="424"/>
             <p14:sldId id="423"/>
             <p14:sldId id="425"/>
           </p14:sldIdLst>
         </p14:section>
       </p14:sectionLst>
+    </p:ext>
+    <p:ext uri="{EFAFB233-063F-42B5-8137-9DF3F51BA10A}">
+      <p15:sldGuideLst xmlns:p15="http://schemas.microsoft.com/office/powerpoint/2012/main"/>
     </p:ext>
   </p:extLst>
 </p:presentation>
@@ -248,6 +251,7 @@
           <a:p>
             <a:fld id="{CAD4BD24-A097-4F9D-85E9-6A2A24CA2D98}" type="datetimeFigureOut">
               <a:rPr lang="zh-CN" altLang="en-US" smtClean="0"/>
+              <a:t>2023/6/1</a:t>
             </a:fld>
             <a:endParaRPr lang="zh-CN" altLang="en-US"/>
           </a:p>
@@ -314,7 +318,6 @@
               <a:rPr lang="zh-CN" altLang="en-US"/>
               <a:t>单击此处编辑母版文本样式</a:t>
             </a:r>
-            <a:endParaRPr lang="zh-CN" altLang="en-US"/>
           </a:p>
           <a:p>
             <a:pPr lvl="1"/>
@@ -322,7 +325,6 @@
               <a:rPr lang="zh-CN" altLang="en-US"/>
               <a:t>第二级</a:t>
             </a:r>
-            <a:endParaRPr lang="zh-CN" altLang="en-US"/>
           </a:p>
           <a:p>
             <a:pPr lvl="2"/>
@@ -330,7 +332,6 @@
               <a:rPr lang="zh-CN" altLang="en-US"/>
               <a:t>第三级</a:t>
             </a:r>
-            <a:endParaRPr lang="zh-CN" altLang="en-US"/>
           </a:p>
           <a:p>
             <a:pPr lvl="3"/>
@@ -338,7 +339,6 @@
               <a:rPr lang="zh-CN" altLang="en-US"/>
               <a:t>第四级</a:t>
             </a:r>
-            <a:endParaRPr lang="zh-CN" altLang="en-US"/>
           </a:p>
           <a:p>
             <a:pPr lvl="4"/>
@@ -346,7 +346,6 @@
               <a:rPr lang="zh-CN" altLang="en-US"/>
               <a:t>第五级</a:t>
             </a:r>
-            <a:endParaRPr lang="zh-CN" altLang="en-US"/>
           </a:p>
         </p:txBody>
       </p:sp>
@@ -410,6 +409,7 @@
           <a:p>
             <a:fld id="{4F292EE1-EB42-416D-BE21-6D6219010E5F}" type="slidenum">
               <a:rPr lang="zh-CN" altLang="en-US" smtClean="0"/>
+              <a:t>‹#›</a:t>
             </a:fld>
             <a:endParaRPr lang="zh-CN" altLang="en-US"/>
           </a:p>
@@ -558,7 +558,6 @@
               <a:rPr lang="zh-CN" altLang="en-US"/>
               <a:t>单击此处编辑母版标题样式</a:t>
             </a:r>
-            <a:endParaRPr lang="zh-CN" altLang="en-US"/>
           </a:p>
         </p:txBody>
       </p:sp>
@@ -623,7 +622,6 @@
               <a:rPr lang="zh-CN" altLang="en-US"/>
               <a:t>单击此处编辑母版副标题样式</a:t>
             </a:r>
-            <a:endParaRPr lang="zh-CN" altLang="en-US"/>
           </a:p>
         </p:txBody>
       </p:sp>
@@ -671,7 +669,6 @@
               <a:rPr lang="zh-CN" altLang="en-US"/>
               <a:t>单击此处编辑母版标题样式</a:t>
             </a:r>
-            <a:endParaRPr lang="zh-CN" altLang="en-US"/>
           </a:p>
         </p:txBody>
       </p:sp>
@@ -695,7 +692,6 @@
               <a:rPr lang="zh-CN" altLang="en-US"/>
               <a:t>编辑母版文本样式</a:t>
             </a:r>
-            <a:endParaRPr lang="zh-CN" altLang="en-US"/>
           </a:p>
           <a:p>
             <a:pPr lvl="1"/>
@@ -703,7 +699,6 @@
               <a:rPr lang="zh-CN" altLang="en-US"/>
               <a:t>第二级</a:t>
             </a:r>
-            <a:endParaRPr lang="zh-CN" altLang="en-US"/>
           </a:p>
           <a:p>
             <a:pPr lvl="2"/>
@@ -711,7 +706,6 @@
               <a:rPr lang="zh-CN" altLang="en-US"/>
               <a:t>第三级</a:t>
             </a:r>
-            <a:endParaRPr lang="zh-CN" altLang="en-US"/>
           </a:p>
           <a:p>
             <a:pPr lvl="3"/>
@@ -719,7 +713,6 @@
               <a:rPr lang="zh-CN" altLang="en-US"/>
               <a:t>第四级</a:t>
             </a:r>
-            <a:endParaRPr lang="zh-CN" altLang="en-US"/>
           </a:p>
           <a:p>
             <a:pPr lvl="4"/>
@@ -727,7 +720,6 @@
               <a:rPr lang="zh-CN" altLang="en-US"/>
               <a:t>第五级</a:t>
             </a:r>
-            <a:endParaRPr lang="zh-CN" altLang="en-US"/>
           </a:p>
         </p:txBody>
       </p:sp>
@@ -780,7 +772,6 @@
               <a:rPr lang="zh-CN" altLang="en-US"/>
               <a:t>单击此处编辑母版标题样式</a:t>
             </a:r>
-            <a:endParaRPr lang="zh-CN" altLang="en-US"/>
           </a:p>
         </p:txBody>
       </p:sp>
@@ -809,7 +800,6 @@
               <a:rPr lang="zh-CN" altLang="en-US"/>
               <a:t>编辑母版文本样式</a:t>
             </a:r>
-            <a:endParaRPr lang="zh-CN" altLang="en-US"/>
           </a:p>
           <a:p>
             <a:pPr lvl="1"/>
@@ -817,7 +807,6 @@
               <a:rPr lang="zh-CN" altLang="en-US"/>
               <a:t>第二级</a:t>
             </a:r>
-            <a:endParaRPr lang="zh-CN" altLang="en-US"/>
           </a:p>
           <a:p>
             <a:pPr lvl="2"/>
@@ -825,7 +814,6 @@
               <a:rPr lang="zh-CN" altLang="en-US"/>
               <a:t>第三级</a:t>
             </a:r>
-            <a:endParaRPr lang="zh-CN" altLang="en-US"/>
           </a:p>
           <a:p>
             <a:pPr lvl="3"/>
@@ -833,7 +821,6 @@
               <a:rPr lang="zh-CN" altLang="en-US"/>
               <a:t>第四级</a:t>
             </a:r>
-            <a:endParaRPr lang="zh-CN" altLang="en-US"/>
           </a:p>
           <a:p>
             <a:pPr lvl="4"/>
@@ -841,7 +828,6 @@
               <a:rPr lang="zh-CN" altLang="en-US"/>
               <a:t>第五级</a:t>
             </a:r>
-            <a:endParaRPr lang="zh-CN" altLang="en-US"/>
           </a:p>
         </p:txBody>
       </p:sp>
@@ -889,7 +875,6 @@
               <a:rPr lang="zh-CN" altLang="en-US"/>
               <a:t>单击此处编辑母版标题样式</a:t>
             </a:r>
-            <a:endParaRPr lang="zh-CN" altLang="en-US"/>
           </a:p>
         </p:txBody>
       </p:sp>
@@ -913,7 +898,6 @@
               <a:rPr lang="zh-CN" altLang="en-US"/>
               <a:t>编辑母版文本样式</a:t>
             </a:r>
-            <a:endParaRPr lang="zh-CN" altLang="en-US"/>
           </a:p>
           <a:p>
             <a:pPr lvl="1"/>
@@ -921,7 +905,6 @@
               <a:rPr lang="zh-CN" altLang="en-US"/>
               <a:t>第二级</a:t>
             </a:r>
-            <a:endParaRPr lang="zh-CN" altLang="en-US"/>
           </a:p>
           <a:p>
             <a:pPr lvl="2"/>
@@ -929,7 +912,6 @@
               <a:rPr lang="zh-CN" altLang="en-US"/>
               <a:t>第三级</a:t>
             </a:r>
-            <a:endParaRPr lang="zh-CN" altLang="en-US"/>
           </a:p>
           <a:p>
             <a:pPr lvl="3"/>
@@ -937,7 +919,6 @@
               <a:rPr lang="zh-CN" altLang="en-US"/>
               <a:t>第四级</a:t>
             </a:r>
-            <a:endParaRPr lang="zh-CN" altLang="en-US"/>
           </a:p>
           <a:p>
             <a:pPr lvl="4"/>
@@ -945,7 +926,6 @@
               <a:rPr lang="zh-CN" altLang="en-US"/>
               <a:t>第五级</a:t>
             </a:r>
-            <a:endParaRPr lang="zh-CN" altLang="en-US"/>
           </a:p>
         </p:txBody>
       </p:sp>
@@ -1002,7 +982,6 @@
               <a:rPr lang="zh-CN" altLang="en-US"/>
               <a:t>单击此处编辑母版标题样式</a:t>
             </a:r>
-            <a:endParaRPr lang="zh-CN" altLang="en-US"/>
           </a:p>
         </p:txBody>
       </p:sp>
@@ -1122,7 +1101,6 @@
               <a:rPr lang="zh-CN" altLang="en-US"/>
               <a:t>编辑母版文本样式</a:t>
             </a:r>
-            <a:endParaRPr lang="zh-CN" altLang="en-US"/>
           </a:p>
         </p:txBody>
       </p:sp>
@@ -1170,7 +1148,6 @@
               <a:rPr lang="zh-CN" altLang="en-US"/>
               <a:t>单击此处编辑母版标题样式</a:t>
             </a:r>
-            <a:endParaRPr lang="zh-CN" altLang="en-US"/>
           </a:p>
         </p:txBody>
       </p:sp>
@@ -1199,7 +1176,6 @@
               <a:rPr lang="zh-CN" altLang="en-US"/>
               <a:t>编辑母版文本样式</a:t>
             </a:r>
-            <a:endParaRPr lang="zh-CN" altLang="en-US"/>
           </a:p>
           <a:p>
             <a:pPr lvl="1"/>
@@ -1207,7 +1183,6 @@
               <a:rPr lang="zh-CN" altLang="en-US"/>
               <a:t>第二级</a:t>
             </a:r>
-            <a:endParaRPr lang="zh-CN" altLang="en-US"/>
           </a:p>
           <a:p>
             <a:pPr lvl="2"/>
@@ -1215,7 +1190,6 @@
               <a:rPr lang="zh-CN" altLang="en-US"/>
               <a:t>第三级</a:t>
             </a:r>
-            <a:endParaRPr lang="zh-CN" altLang="en-US"/>
           </a:p>
           <a:p>
             <a:pPr lvl="3"/>
@@ -1223,7 +1197,6 @@
               <a:rPr lang="zh-CN" altLang="en-US"/>
               <a:t>第四级</a:t>
             </a:r>
-            <a:endParaRPr lang="zh-CN" altLang="en-US"/>
           </a:p>
           <a:p>
             <a:pPr lvl="4"/>
@@ -1231,7 +1204,6 @@
               <a:rPr lang="zh-CN" altLang="en-US"/>
               <a:t>第五级</a:t>
             </a:r>
-            <a:endParaRPr lang="zh-CN" altLang="en-US"/>
           </a:p>
         </p:txBody>
       </p:sp>
@@ -1260,7 +1232,6 @@
               <a:rPr lang="zh-CN" altLang="en-US"/>
               <a:t>编辑母版文本样式</a:t>
             </a:r>
-            <a:endParaRPr lang="zh-CN" altLang="en-US"/>
           </a:p>
           <a:p>
             <a:pPr lvl="1"/>
@@ -1268,7 +1239,6 @@
               <a:rPr lang="zh-CN" altLang="en-US"/>
               <a:t>第二级</a:t>
             </a:r>
-            <a:endParaRPr lang="zh-CN" altLang="en-US"/>
           </a:p>
           <a:p>
             <a:pPr lvl="2"/>
@@ -1276,7 +1246,6 @@
               <a:rPr lang="zh-CN" altLang="en-US"/>
               <a:t>第三级</a:t>
             </a:r>
-            <a:endParaRPr lang="zh-CN" altLang="en-US"/>
           </a:p>
           <a:p>
             <a:pPr lvl="3"/>
@@ -1284,7 +1253,6 @@
               <a:rPr lang="zh-CN" altLang="en-US"/>
               <a:t>第四级</a:t>
             </a:r>
-            <a:endParaRPr lang="zh-CN" altLang="en-US"/>
           </a:p>
           <a:p>
             <a:pPr lvl="4"/>
@@ -1292,7 +1260,6 @@
               <a:rPr lang="zh-CN" altLang="en-US"/>
               <a:t>第五级</a:t>
             </a:r>
-            <a:endParaRPr lang="zh-CN" altLang="en-US"/>
           </a:p>
         </p:txBody>
       </p:sp>
@@ -1345,7 +1312,6 @@
               <a:rPr lang="zh-CN" altLang="en-US"/>
               <a:t>单击此处编辑母版标题样式</a:t>
             </a:r>
-            <a:endParaRPr lang="zh-CN" altLang="en-US"/>
           </a:p>
         </p:txBody>
       </p:sp>
@@ -1411,7 +1377,6 @@
               <a:rPr lang="zh-CN" altLang="en-US"/>
               <a:t>编辑母版文本样式</a:t>
             </a:r>
-            <a:endParaRPr lang="zh-CN" altLang="en-US"/>
           </a:p>
         </p:txBody>
       </p:sp>
@@ -1440,7 +1405,6 @@
               <a:rPr lang="zh-CN" altLang="en-US"/>
               <a:t>编辑母版文本样式</a:t>
             </a:r>
-            <a:endParaRPr lang="zh-CN" altLang="en-US"/>
           </a:p>
           <a:p>
             <a:pPr lvl="1"/>
@@ -1448,7 +1412,6 @@
               <a:rPr lang="zh-CN" altLang="en-US"/>
               <a:t>第二级</a:t>
             </a:r>
-            <a:endParaRPr lang="zh-CN" altLang="en-US"/>
           </a:p>
           <a:p>
             <a:pPr lvl="2"/>
@@ -1456,7 +1419,6 @@
               <a:rPr lang="zh-CN" altLang="en-US"/>
               <a:t>第三级</a:t>
             </a:r>
-            <a:endParaRPr lang="zh-CN" altLang="en-US"/>
           </a:p>
           <a:p>
             <a:pPr lvl="3"/>
@@ -1464,7 +1426,6 @@
               <a:rPr lang="zh-CN" altLang="en-US"/>
               <a:t>第四级</a:t>
             </a:r>
-            <a:endParaRPr lang="zh-CN" altLang="en-US"/>
           </a:p>
           <a:p>
             <a:pPr lvl="4"/>
@@ -1472,7 +1433,6 @@
               <a:rPr lang="zh-CN" altLang="en-US"/>
               <a:t>第五级</a:t>
             </a:r>
-            <a:endParaRPr lang="zh-CN" altLang="en-US"/>
           </a:p>
         </p:txBody>
       </p:sp>
@@ -1538,7 +1498,6 @@
               <a:rPr lang="zh-CN" altLang="en-US"/>
               <a:t>编辑母版文本样式</a:t>
             </a:r>
-            <a:endParaRPr lang="zh-CN" altLang="en-US"/>
           </a:p>
         </p:txBody>
       </p:sp>
@@ -1567,7 +1526,6 @@
               <a:rPr lang="zh-CN" altLang="en-US"/>
               <a:t>编辑母版文本样式</a:t>
             </a:r>
-            <a:endParaRPr lang="zh-CN" altLang="en-US"/>
           </a:p>
           <a:p>
             <a:pPr lvl="1"/>
@@ -1575,7 +1533,6 @@
               <a:rPr lang="zh-CN" altLang="en-US"/>
               <a:t>第二级</a:t>
             </a:r>
-            <a:endParaRPr lang="zh-CN" altLang="en-US"/>
           </a:p>
           <a:p>
             <a:pPr lvl="2"/>
@@ -1583,7 +1540,6 @@
               <a:rPr lang="zh-CN" altLang="en-US"/>
               <a:t>第三级</a:t>
             </a:r>
-            <a:endParaRPr lang="zh-CN" altLang="en-US"/>
           </a:p>
           <a:p>
             <a:pPr lvl="3"/>
@@ -1591,7 +1547,6 @@
               <a:rPr lang="zh-CN" altLang="en-US"/>
               <a:t>第四级</a:t>
             </a:r>
-            <a:endParaRPr lang="zh-CN" altLang="en-US"/>
           </a:p>
           <a:p>
             <a:pPr lvl="4"/>
@@ -1599,7 +1554,6 @@
               <a:rPr lang="zh-CN" altLang="en-US"/>
               <a:t>第五级</a:t>
             </a:r>
-            <a:endParaRPr lang="zh-CN" altLang="en-US"/>
           </a:p>
         </p:txBody>
       </p:sp>
@@ -1647,7 +1601,6 @@
               <a:rPr lang="zh-CN" altLang="en-US"/>
               <a:t>单击此处编辑母版标题样式</a:t>
             </a:r>
-            <a:endParaRPr lang="zh-CN" altLang="en-US"/>
           </a:p>
         </p:txBody>
       </p:sp>
@@ -1729,7 +1682,6 @@
               <a:rPr lang="zh-CN" altLang="en-US"/>
               <a:t>单击此处编辑母版标题样式</a:t>
             </a:r>
-            <a:endParaRPr lang="zh-CN" altLang="en-US"/>
           </a:p>
         </p:txBody>
       </p:sp>
@@ -1786,7 +1738,6 @@
               <a:rPr lang="zh-CN" altLang="en-US"/>
               <a:t>编辑母版文本样式</a:t>
             </a:r>
-            <a:endParaRPr lang="zh-CN" altLang="en-US"/>
           </a:p>
           <a:p>
             <a:pPr lvl="1"/>
@@ -1794,7 +1745,6 @@
               <a:rPr lang="zh-CN" altLang="en-US"/>
               <a:t>第二级</a:t>
             </a:r>
-            <a:endParaRPr lang="zh-CN" altLang="en-US"/>
           </a:p>
           <a:p>
             <a:pPr lvl="2"/>
@@ -1802,7 +1752,6 @@
               <a:rPr lang="zh-CN" altLang="en-US"/>
               <a:t>第三级</a:t>
             </a:r>
-            <a:endParaRPr lang="zh-CN" altLang="en-US"/>
           </a:p>
           <a:p>
             <a:pPr lvl="3"/>
@@ -1810,7 +1759,6 @@
               <a:rPr lang="zh-CN" altLang="en-US"/>
               <a:t>第四级</a:t>
             </a:r>
-            <a:endParaRPr lang="zh-CN" altLang="en-US"/>
           </a:p>
           <a:p>
             <a:pPr lvl="4"/>
@@ -1818,7 +1766,6 @@
               <a:rPr lang="zh-CN" altLang="en-US"/>
               <a:t>第五级</a:t>
             </a:r>
-            <a:endParaRPr lang="zh-CN" altLang="en-US"/>
           </a:p>
         </p:txBody>
       </p:sp>
@@ -1884,7 +1831,6 @@
               <a:rPr lang="zh-CN" altLang="en-US"/>
               <a:t>编辑母版文本样式</a:t>
             </a:r>
-            <a:endParaRPr lang="zh-CN" altLang="en-US"/>
           </a:p>
         </p:txBody>
       </p:sp>
@@ -1941,7 +1887,6 @@
               <a:rPr lang="zh-CN" altLang="en-US"/>
               <a:t>单击此处编辑母版标题样式</a:t>
             </a:r>
-            <a:endParaRPr lang="zh-CN" altLang="en-US"/>
           </a:p>
         </p:txBody>
       </p:sp>
@@ -2006,7 +1951,6 @@
               <a:rPr lang="zh-CN" altLang="en-US"/>
               <a:t>单击图标添加图片</a:t>
             </a:r>
-            <a:endParaRPr lang="zh-CN" altLang="en-US"/>
           </a:p>
         </p:txBody>
       </p:sp>
@@ -2072,7 +2016,6 @@
               <a:rPr lang="zh-CN" altLang="en-US"/>
               <a:t>编辑母版文本样式</a:t>
             </a:r>
-            <a:endParaRPr lang="zh-CN" altLang="en-US"/>
           </a:p>
         </p:txBody>
       </p:sp>
@@ -2135,7 +2078,6 @@
               <a:rPr lang="zh-CN" altLang="en-US"/>
               <a:t>单击此处编辑母版标题样式</a:t>
             </a:r>
-            <a:endParaRPr lang="zh-CN" altLang="en-US"/>
           </a:p>
         </p:txBody>
       </p:sp>
@@ -2169,7 +2111,6 @@
               <a:rPr lang="zh-CN" altLang="en-US" dirty="0"/>
               <a:t>编辑母版文本样式</a:t>
             </a:r>
-            <a:endParaRPr lang="zh-CN" altLang="en-US" dirty="0"/>
           </a:p>
           <a:p>
             <a:pPr lvl="1"/>
@@ -2177,7 +2118,6 @@
               <a:rPr lang="zh-CN" altLang="en-US" dirty="0"/>
               <a:t>第二级</a:t>
             </a:r>
-            <a:endParaRPr lang="zh-CN" altLang="en-US" dirty="0"/>
           </a:p>
           <a:p>
             <a:pPr lvl="2"/>
@@ -2185,7 +2125,6 @@
               <a:rPr lang="zh-CN" altLang="en-US" dirty="0"/>
               <a:t>第三级</a:t>
             </a:r>
-            <a:endParaRPr lang="zh-CN" altLang="en-US" dirty="0"/>
           </a:p>
           <a:p>
             <a:pPr lvl="3"/>
@@ -2193,7 +2132,6 @@
               <a:rPr lang="zh-CN" altLang="en-US" dirty="0"/>
               <a:t>第四级</a:t>
             </a:r>
-            <a:endParaRPr lang="zh-CN" altLang="en-US" dirty="0"/>
           </a:p>
           <a:p>
             <a:pPr lvl="4"/>
@@ -2201,7 +2139,6 @@
               <a:rPr lang="zh-CN" altLang="en-US" dirty="0"/>
               <a:t>第五级</a:t>
             </a:r>
-            <a:endParaRPr lang="zh-CN" altLang="en-US" dirty="0"/>
           </a:p>
         </p:txBody>
       </p:sp>
@@ -2694,13 +2631,6 @@
               </a:rPr>
               <a:t>}</a:t>
             </a:r>
-            <a:endParaRPr kumimoji="1" lang="en-US" altLang="zh-CN" sz="1600" dirty="0">
-              <a:solidFill>
-                <a:sysClr val="windowText" lastClr="000000"/>
-              </a:solidFill>
-              <a:latin typeface="等线" panose="02010600030101010101" pitchFamily="2" charset="-122"/>
-              <a:ea typeface="等线" panose="02010600030101010101" pitchFamily="2" charset="-122"/>
-            </a:endParaRPr>
           </a:p>
           <a:p>
             <a:pPr algn="ctr"/>
@@ -2735,13 +2665,6 @@
               </a:rPr>
               <a:t>${personName}</a:t>
             </a:r>
-            <a:endParaRPr kumimoji="1" lang="en-US" altLang="zh-CN" sz="1600" dirty="0">
-              <a:solidFill>
-                <a:sysClr val="windowText" lastClr="000000"/>
-              </a:solidFill>
-              <a:latin typeface="等线" panose="02010600030101010101" pitchFamily="2" charset="-122"/>
-              <a:ea typeface="等线" panose="02010600030101010101" pitchFamily="2" charset="-122"/>
-            </a:endParaRPr>
           </a:p>
           <a:p>
             <a:pPr algn="ctr"/>
@@ -2851,6 +2774,7 @@
         </p:style>
         <p:txBody>
           <a:bodyPr rtlCol="0" anchor="ctr"/>
+          <a:lstStyle/>
           <a:p>
             <a:pPr algn="ctr"/>
             <a:endParaRPr lang="en-US">
@@ -2893,7 +2817,7 @@
           <p:nvPr/>
         </p:nvGrpSpPr>
         <p:grpSpPr>
-          <a:xfrm rot="0">
+          <a:xfrm>
             <a:off x="2003425" y="2854325"/>
             <a:ext cx="2977515" cy="1159510"/>
             <a:chOff x="1488974" y="3906297"/>
@@ -3055,13 +2979,6 @@
                 </a:rPr>
                 <a:t>${personId1}</a:t>
               </a:r>
-              <a:endParaRPr kumimoji="1" lang="en-US" altLang="zh-CN" sz="1600" dirty="0">
-                <a:solidFill>
-                  <a:sysClr val="windowText" lastClr="000000"/>
-                </a:solidFill>
-                <a:latin typeface="等线" panose="02010600030101010101" pitchFamily="2" charset="-122"/>
-                <a:ea typeface="等线" panose="02010600030101010101" pitchFamily="2" charset="-122"/>
-              </a:endParaRPr>
             </a:p>
           </p:txBody>
         </p:sp>
@@ -3216,7 +3133,7 @@
           <p:nvPr/>
         </p:nvGrpSpPr>
         <p:grpSpPr>
-          <a:xfrm rot="0">
+          <a:xfrm>
             <a:off x="7513320" y="2849245"/>
             <a:ext cx="2977515" cy="1159510"/>
             <a:chOff x="1488974" y="3906297"/>
@@ -3399,13 +3316,6 @@
                 </a:rPr>
                 <a:t>}</a:t>
               </a:r>
-              <a:endParaRPr kumimoji="1" lang="en-US" altLang="zh-CN" sz="1600" dirty="0">
-                <a:solidFill>
-                  <a:sysClr val="windowText" lastClr="000000"/>
-                </a:solidFill>
-                <a:latin typeface="等线" panose="02010600030101010101" pitchFamily="2" charset="-122"/>
-                <a:ea typeface="等线" panose="02010600030101010101" pitchFamily="2" charset="-122"/>
-              </a:endParaRPr>
             </a:p>
           </p:txBody>
         </p:sp>
@@ -3579,13 +3489,6 @@
               </a:rPr>
               <a:t>${companyId1}</a:t>
             </a:r>
-            <a:endParaRPr kumimoji="1" lang="en-US" altLang="zh-CN" sz="1600" dirty="0">
-              <a:solidFill>
-                <a:sysClr val="windowText" lastClr="000000"/>
-              </a:solidFill>
-              <a:latin typeface="等线" panose="02010600030101010101" pitchFamily="2" charset="-122"/>
-              <a:ea typeface="等线" panose="02010600030101010101" pitchFamily="2" charset="-122"/>
-            </a:endParaRPr>
           </a:p>
         </p:txBody>
       </p:sp>
@@ -3845,13 +3748,6 @@
               </a:rPr>
               <a:t>}</a:t>
             </a:r>
-            <a:endParaRPr kumimoji="1" lang="en-US" altLang="zh-CN" sz="1600" dirty="0">
-              <a:solidFill>
-                <a:sysClr val="windowText" lastClr="000000"/>
-              </a:solidFill>
-              <a:latin typeface="等线" panose="02010600030101010101" pitchFamily="2" charset="-122"/>
-              <a:ea typeface="等线" panose="02010600030101010101" pitchFamily="2" charset="-122"/>
-            </a:endParaRPr>
           </a:p>
         </p:txBody>
       </p:sp>
@@ -3954,6 +3850,7 @@
         </p:style>
         <p:txBody>
           <a:bodyPr rtlCol="0" anchor="ctr"/>
+          <a:lstStyle/>
           <a:p>
             <a:pPr algn="ctr"/>
             <a:r>
@@ -4019,6 +3916,7 @@
         </p:style>
         <p:txBody>
           <a:bodyPr rtlCol="0" anchor="ctr"/>
+          <a:lstStyle/>
           <a:p>
             <a:pPr algn="ctr"/>
             <a:r>
@@ -4069,7 +3967,7 @@
           <p:nvPr/>
         </p:nvGrpSpPr>
         <p:grpSpPr>
-          <a:xfrm rot="0">
+          <a:xfrm>
             <a:off x="2003425" y="2854325"/>
             <a:ext cx="2977515" cy="1159510"/>
             <a:chOff x="1488974" y="3906297"/>
@@ -4251,13 +4149,6 @@
                 </a:rPr>
                 <a:t>}</a:t>
               </a:r>
-              <a:endParaRPr kumimoji="1" lang="en-US" altLang="zh-CN" sz="1600" dirty="0">
-                <a:solidFill>
-                  <a:sysClr val="windowText" lastClr="000000"/>
-                </a:solidFill>
-                <a:latin typeface="等线" panose="02010600030101010101" pitchFamily="2" charset="-122"/>
-                <a:ea typeface="等线" panose="02010600030101010101" pitchFamily="2" charset="-122"/>
-              </a:endParaRPr>
             </a:p>
           </p:txBody>
         </p:sp>
@@ -4474,7 +4365,7 @@
           <p:nvPr/>
         </p:nvGrpSpPr>
         <p:grpSpPr>
-          <a:xfrm rot="0">
+          <a:xfrm>
             <a:off x="7513320" y="2849245"/>
             <a:ext cx="2977515" cy="1159510"/>
             <a:chOff x="1488974" y="3906297"/>
@@ -4658,13 +4549,6 @@
                 </a:rPr>
                 <a:t>}</a:t>
               </a:r>
-              <a:endParaRPr kumimoji="1" lang="en-US" altLang="zh-CN" sz="1600" dirty="0">
-                <a:solidFill>
-                  <a:sysClr val="windowText" lastClr="000000"/>
-                </a:solidFill>
-                <a:latin typeface="等线" panose="02010600030101010101" pitchFamily="2" charset="-122"/>
-                <a:ea typeface="等线" panose="02010600030101010101" pitchFamily="2" charset="-122"/>
-              </a:endParaRPr>
             </a:p>
           </p:txBody>
         </p:sp>
@@ -4753,7 +4637,7 @@
           <p:nvPr/>
         </p:nvGrpSpPr>
         <p:grpSpPr>
-          <a:xfrm rot="0">
+          <a:xfrm>
             <a:off x="2003425" y="2854325"/>
             <a:ext cx="2977515" cy="1159510"/>
             <a:chOff x="1488974" y="3906297"/>
@@ -4935,13 +4819,6 @@
                 </a:rPr>
                 <a:t>}</a:t>
               </a:r>
-              <a:endParaRPr kumimoji="1" lang="en-US" altLang="zh-CN" sz="1600" dirty="0">
-                <a:solidFill>
-                  <a:sysClr val="windowText" lastClr="000000"/>
-                </a:solidFill>
-                <a:latin typeface="等线" panose="02010600030101010101" pitchFamily="2" charset="-122"/>
-                <a:ea typeface="等线" panose="02010600030101010101" pitchFamily="2" charset="-122"/>
-              </a:endParaRPr>
             </a:p>
           </p:txBody>
         </p:sp>
@@ -5157,7 +5034,7 @@
           <p:nvPr/>
         </p:nvGrpSpPr>
         <p:grpSpPr>
-          <a:xfrm rot="0">
+          <a:xfrm>
             <a:off x="7513320" y="2849245"/>
             <a:ext cx="2977515" cy="1159510"/>
             <a:chOff x="1488974" y="3906297"/>
@@ -5341,13 +5218,6 @@
                 </a:rPr>
                 <a:t>}</a:t>
               </a:r>
-              <a:endParaRPr kumimoji="1" lang="en-US" altLang="zh-CN" sz="1600" dirty="0">
-                <a:solidFill>
-                  <a:sysClr val="windowText" lastClr="000000"/>
-                </a:solidFill>
-                <a:latin typeface="等线" panose="02010600030101010101" pitchFamily="2" charset="-122"/>
-                <a:ea typeface="等线" panose="02010600030101010101" pitchFamily="2" charset="-122"/>
-              </a:endParaRPr>
             </a:p>
           </p:txBody>
         </p:sp>
@@ -5436,7 +5306,7 @@
           <p:nvPr/>
         </p:nvGrpSpPr>
         <p:grpSpPr>
-          <a:xfrm rot="0">
+          <a:xfrm>
             <a:off x="1833880" y="3102610"/>
             <a:ext cx="2977515" cy="1159510"/>
             <a:chOff x="1488974" y="3906297"/>
@@ -5618,13 +5488,6 @@
                 </a:rPr>
                 <a:t>}</a:t>
               </a:r>
-              <a:endParaRPr kumimoji="1" lang="en-US" altLang="zh-CN" sz="1600" dirty="0">
-                <a:solidFill>
-                  <a:sysClr val="windowText" lastClr="000000"/>
-                </a:solidFill>
-                <a:latin typeface="等线" panose="02010600030101010101" pitchFamily="2" charset="-122"/>
-                <a:ea typeface="等线" panose="02010600030101010101" pitchFamily="2" charset="-122"/>
-              </a:endParaRPr>
             </a:p>
           </p:txBody>
         </p:sp>
@@ -5840,7 +5703,7 @@
           <p:nvPr/>
         </p:nvGrpSpPr>
         <p:grpSpPr>
-          <a:xfrm rot="0">
+          <a:xfrm>
             <a:off x="7343775" y="3097530"/>
             <a:ext cx="2977515" cy="1159510"/>
             <a:chOff x="1488974" y="3906297"/>
@@ -6022,13 +5885,6 @@
                 </a:rPr>
                 <a:t>}</a:t>
               </a:r>
-              <a:endParaRPr kumimoji="1" lang="en-US" altLang="zh-CN" sz="1600" dirty="0">
-                <a:solidFill>
-                  <a:sysClr val="windowText" lastClr="000000"/>
-                </a:solidFill>
-                <a:latin typeface="等线" panose="02010600030101010101" pitchFamily="2" charset="-122"/>
-                <a:ea typeface="等线" panose="02010600030101010101" pitchFamily="2" charset="-122"/>
-              </a:endParaRPr>
             </a:p>
           </p:txBody>
         </p:sp>
@@ -6117,7 +5973,7 @@
           <p:nvPr/>
         </p:nvGrpSpPr>
         <p:grpSpPr>
-          <a:xfrm rot="0">
+          <a:xfrm>
             <a:off x="7575550" y="3102610"/>
             <a:ext cx="2977515" cy="1159510"/>
             <a:chOff x="1488974" y="3906297"/>
@@ -6299,13 +6155,6 @@
                 </a:rPr>
                 <a:t>}</a:t>
               </a:r>
-              <a:endParaRPr kumimoji="1" lang="en-US" altLang="zh-CN" sz="1600" dirty="0">
-                <a:solidFill>
-                  <a:sysClr val="windowText" lastClr="000000"/>
-                </a:solidFill>
-                <a:latin typeface="等线" panose="02010600030101010101" pitchFamily="2" charset="-122"/>
-                <a:ea typeface="等线" panose="02010600030101010101" pitchFamily="2" charset="-122"/>
-              </a:endParaRPr>
             </a:p>
           </p:txBody>
         </p:sp>
@@ -6522,7 +6371,7 @@
           <p:nvPr/>
         </p:nvGrpSpPr>
         <p:grpSpPr>
-          <a:xfrm rot="0">
+          <a:xfrm>
             <a:off x="1586865" y="3102610"/>
             <a:ext cx="2977515" cy="1159510"/>
             <a:chOff x="1488974" y="3906297"/>
@@ -6704,13 +6553,6 @@
                 </a:rPr>
                 <a:t>}</a:t>
               </a:r>
-              <a:endParaRPr kumimoji="1" lang="en-US" altLang="zh-CN" sz="1600" dirty="0">
-                <a:solidFill>
-                  <a:sysClr val="windowText" lastClr="000000"/>
-                </a:solidFill>
-                <a:latin typeface="等线" panose="02010600030101010101" pitchFamily="2" charset="-122"/>
-                <a:ea typeface="等线" panose="02010600030101010101" pitchFamily="2" charset="-122"/>
-              </a:endParaRPr>
             </a:p>
           </p:txBody>
         </p:sp>
@@ -6799,7 +6641,7 @@
           <p:nvPr/>
         </p:nvGrpSpPr>
         <p:grpSpPr>
-          <a:xfrm rot="0">
+          <a:xfrm>
             <a:off x="7617460" y="3004185"/>
             <a:ext cx="2977515" cy="1064895"/>
             <a:chOff x="1488974" y="3906297"/>
@@ -6997,13 +6839,6 @@
                 </a:rPr>
                 <a:t>}</a:t>
               </a:r>
-              <a:endParaRPr kumimoji="1" lang="en-US" altLang="zh-CN" sz="1600" dirty="0">
-                <a:solidFill>
-                  <a:sysClr val="windowText" lastClr="000000"/>
-                </a:solidFill>
-                <a:latin typeface="等线" panose="02010600030101010101" pitchFamily="2" charset="-122"/>
-                <a:ea typeface="等线" panose="02010600030101010101" pitchFamily="2" charset="-122"/>
-              </a:endParaRPr>
             </a:p>
           </p:txBody>
         </p:sp>
@@ -7183,13 +7018,6 @@
               </a:rPr>
               <a:t>}</a:t>
             </a:r>
-            <a:endParaRPr kumimoji="1" lang="en-US" altLang="zh-CN" sz="1600" dirty="0">
-              <a:solidFill>
-                <a:sysClr val="windowText" lastClr="000000"/>
-              </a:solidFill>
-              <a:latin typeface="等线" panose="02010600030101010101" pitchFamily="2" charset="-122"/>
-              <a:ea typeface="等线" panose="02010600030101010101" pitchFamily="2" charset="-122"/>
-            </a:endParaRPr>
           </a:p>
         </p:txBody>
       </p:sp>
@@ -7553,7 +7381,7 @@
           <p:nvPr/>
         </p:nvGrpSpPr>
         <p:grpSpPr>
-          <a:xfrm rot="0">
+          <a:xfrm>
             <a:off x="5040630" y="2877185"/>
             <a:ext cx="1618615" cy="868680"/>
             <a:chOff x="2789712" y="3039762"/>
@@ -7715,11 +7543,6 @@
                 </a:rPr>
                 <a:t>Account</a:t>
               </a:r>
-              <a:endParaRPr lang="en-US" altLang="zh-CN" b="1" dirty="0">
-                <a:solidFill>
-                  <a:schemeClr val="tx1"/>
-                </a:solidFill>
-              </a:endParaRPr>
             </a:p>
           </p:txBody>
         </p:sp>
@@ -7854,7 +7677,6 @@
               <a:rPr lang="en-US" altLang="zh-CN" sz="1400" b="1" dirty="0"/>
               <a:t>own</a:t>
             </a:r>
-            <a:endParaRPr lang="en-US" altLang="zh-CN" sz="1400" b="1" dirty="0"/>
           </a:p>
         </p:txBody>
       </p:sp>
@@ -7884,7 +7706,6 @@
               <a:rPr lang="en-US" altLang="zh-CN" sz="1400" b="1" dirty="0" err="1"/>
               <a:t>signIn</a:t>
             </a:r>
-            <a:endParaRPr lang="en-US" altLang="zh-CN" sz="1400" b="1" dirty="0" err="1"/>
           </a:p>
         </p:txBody>
       </p:sp>
@@ -8015,7 +7836,6 @@
               <a:rPr lang="en-US" altLang="zh-CN" sz="1400" b="1" dirty="0"/>
               <a:t>deposit</a:t>
             </a:r>
-            <a:endParaRPr lang="en-US" altLang="zh-CN" sz="1400" b="1" dirty="0"/>
           </a:p>
         </p:txBody>
       </p:sp>
@@ -8083,7 +7903,6 @@
               <a:rPr lang="en-US" altLang="zh-CN" sz="1400" b="1" dirty="0"/>
               <a:t>repay</a:t>
             </a:r>
-            <a:endParaRPr lang="en-US" altLang="zh-CN" sz="1400" b="1" dirty="0"/>
           </a:p>
         </p:txBody>
       </p:sp>
@@ -8113,7 +7932,6 @@
               <a:rPr lang="en-US" altLang="zh-CN" sz="1400" b="1" dirty="0"/>
               <a:t>transfer</a:t>
             </a:r>
-            <a:endParaRPr lang="en-US" altLang="zh-CN" sz="1400" b="1" dirty="0"/>
           </a:p>
         </p:txBody>
       </p:sp>
@@ -8143,7 +7961,6 @@
               <a:rPr lang="en-US" altLang="zh-CN" sz="1400" dirty="0"/>
               <a:t>or</a:t>
             </a:r>
-            <a:endParaRPr lang="en-US" altLang="zh-CN" sz="1400" dirty="0"/>
           </a:p>
         </p:txBody>
       </p:sp>
@@ -8173,7 +7990,6 @@
               <a:rPr lang="en-US" altLang="zh-CN" sz="1400" b="1" dirty="0"/>
               <a:t>withdraw</a:t>
             </a:r>
-            <a:endParaRPr lang="en-US" altLang="zh-CN" sz="1400" b="1" dirty="0"/>
           </a:p>
         </p:txBody>
       </p:sp>
@@ -8815,6 +8631,261 @@
       </p:grpSpPr>
       <p:sp>
         <p:nvSpPr>
+          <p:cNvPr id="6" name="矩形 5"/>
+          <p:cNvSpPr/>
+          <p:nvPr/>
+        </p:nvSpPr>
+        <p:spPr>
+          <a:xfrm>
+            <a:off x="4607560" y="3034665"/>
+            <a:ext cx="2977515" cy="849630"/>
+          </a:xfrm>
+          <a:prstGeom prst="rect">
+            <a:avLst/>
+          </a:prstGeom>
+          <a:noFill/>
+          <a:ln w="25400">
+            <a:solidFill>
+              <a:schemeClr val="tx1"/>
+            </a:solidFill>
+          </a:ln>
+        </p:spPr>
+        <p:style>
+          <a:lnRef idx="2">
+            <a:schemeClr val="accent2">
+              <a:shade val="50000"/>
+            </a:schemeClr>
+          </a:lnRef>
+          <a:fillRef idx="1">
+            <a:schemeClr val="accent2"/>
+          </a:fillRef>
+          <a:effectRef idx="0">
+            <a:schemeClr val="accent2"/>
+          </a:effectRef>
+          <a:fontRef idx="minor">
+            <a:schemeClr val="lt1"/>
+          </a:fontRef>
+        </p:style>
+        <p:txBody>
+          <a:bodyPr rtlCol="0" anchor="ctr"/>
+          <a:lstStyle/>
+          <a:p>
+            <a:pPr algn="ctr"/>
+            <a:r>
+              <a:rPr kumimoji="1" lang="en-US" altLang="zh-CN" sz="1600" dirty="0" err="1">
+                <a:solidFill>
+                  <a:sysClr val="windowText" lastClr="000000"/>
+                </a:solidFill>
+                <a:latin typeface="等线" panose="02010600030101010101" pitchFamily="2" charset="-122"/>
+                <a:ea typeface="等线" panose="02010600030101010101" pitchFamily="2" charset="-122"/>
+              </a:rPr>
+              <a:t>id</a:t>
+            </a:r>
+            <a:r>
+              <a:rPr kumimoji="1" lang="zh-CN" altLang="en-US" sz="1600" dirty="0">
+                <a:solidFill>
+                  <a:sysClr val="windowText" lastClr="000000"/>
+                </a:solidFill>
+                <a:latin typeface="等线" panose="02010600030101010101" pitchFamily="2" charset="-122"/>
+                <a:ea typeface="等线" panose="02010600030101010101" pitchFamily="2" charset="-122"/>
+              </a:rPr>
+              <a:t> </a:t>
+            </a:r>
+            <a:r>
+              <a:rPr kumimoji="1" lang="en-US" altLang="zh-CN" sz="1600" dirty="0">
+                <a:solidFill>
+                  <a:sysClr val="windowText" lastClr="000000"/>
+                </a:solidFill>
+                <a:latin typeface="等线" panose="02010600030101010101" pitchFamily="2" charset="-122"/>
+                <a:ea typeface="等线" panose="02010600030101010101" pitchFamily="2" charset="-122"/>
+              </a:rPr>
+              <a:t>=</a:t>
+            </a:r>
+            <a:r>
+              <a:rPr kumimoji="1" lang="zh-CN" altLang="en-US" sz="1600" dirty="0">
+                <a:solidFill>
+                  <a:sysClr val="windowText" lastClr="000000"/>
+                </a:solidFill>
+                <a:latin typeface="等线" panose="02010600030101010101" pitchFamily="2" charset="-122"/>
+                <a:ea typeface="等线" panose="02010600030101010101" pitchFamily="2" charset="-122"/>
+              </a:rPr>
+              <a:t> </a:t>
+            </a:r>
+            <a:r>
+              <a:rPr kumimoji="1" lang="en-US" altLang="zh-CN" sz="1600" dirty="0">
+                <a:solidFill>
+                  <a:sysClr val="windowText" lastClr="000000"/>
+                </a:solidFill>
+                <a:latin typeface="等线" panose="02010600030101010101" pitchFamily="2" charset="-122"/>
+                <a:ea typeface="等线" panose="02010600030101010101" pitchFamily="2" charset="-122"/>
+              </a:rPr>
+              <a:t>${</a:t>
+            </a:r>
+            <a:r>
+              <a:rPr kumimoji="1" lang="en-US" altLang="zh-CN" sz="1600" dirty="0" err="1">
+                <a:solidFill>
+                  <a:sysClr val="windowText" lastClr="000000"/>
+                </a:solidFill>
+                <a:latin typeface="等线" panose="02010600030101010101" pitchFamily="2" charset="-122"/>
+                <a:ea typeface="等线" panose="02010600030101010101" pitchFamily="2" charset="-122"/>
+              </a:rPr>
+              <a:t>accountId</a:t>
+            </a:r>
+            <a:r>
+              <a:rPr kumimoji="1" lang="en-US" altLang="zh-CN" sz="1600" dirty="0">
+                <a:solidFill>
+                  <a:sysClr val="windowText" lastClr="000000"/>
+                </a:solidFill>
+                <a:latin typeface="等线" panose="02010600030101010101" pitchFamily="2" charset="-122"/>
+                <a:ea typeface="等线" panose="02010600030101010101" pitchFamily="2" charset="-122"/>
+              </a:rPr>
+              <a:t>}</a:t>
+            </a:r>
+          </a:p>
+          <a:p>
+            <a:pPr algn="ctr"/>
+            <a:r>
+              <a:rPr kumimoji="1" lang="en-US" altLang="zh-CN" sz="1600" dirty="0" err="1">
+                <a:solidFill>
+                  <a:sysClr val="windowText" lastClr="000000"/>
+                </a:solidFill>
+                <a:latin typeface="等线" panose="02010600030101010101" pitchFamily="2" charset="-122"/>
+                <a:ea typeface="等线" panose="02010600030101010101" pitchFamily="2" charset="-122"/>
+              </a:rPr>
+              <a:t>isBlocked</a:t>
+            </a:r>
+            <a:r>
+              <a:rPr kumimoji="1" lang="zh-CN" altLang="en-US" sz="1600" dirty="0">
+                <a:solidFill>
+                  <a:sysClr val="windowText" lastClr="000000"/>
+                </a:solidFill>
+                <a:latin typeface="等线" panose="02010600030101010101" pitchFamily="2" charset="-122"/>
+                <a:ea typeface="等线" panose="02010600030101010101" pitchFamily="2" charset="-122"/>
+              </a:rPr>
+              <a:t> </a:t>
+            </a:r>
+            <a:r>
+              <a:rPr kumimoji="1" lang="en-US" altLang="zh-CN" sz="1600" dirty="0">
+                <a:solidFill>
+                  <a:sysClr val="windowText" lastClr="000000"/>
+                </a:solidFill>
+                <a:latin typeface="等线" panose="02010600030101010101" pitchFamily="2" charset="-122"/>
+                <a:ea typeface="等线" panose="02010600030101010101" pitchFamily="2" charset="-122"/>
+                <a:sym typeface="+mn-ea"/>
+              </a:rPr>
+              <a:t>&lt;- </a:t>
+            </a:r>
+            <a:r>
+              <a:rPr kumimoji="1" lang="en-US" sz="1600" dirty="0">
+                <a:solidFill>
+                  <a:sysClr val="windowText" lastClr="000000"/>
+                </a:solidFill>
+                <a:latin typeface="等线" panose="02010600030101010101" pitchFamily="2" charset="-122"/>
+                <a:ea typeface="等线" panose="02010600030101010101" pitchFamily="2" charset="-122"/>
+              </a:rPr>
+              <a:t>true</a:t>
+            </a:r>
+            <a:endParaRPr kumimoji="1" lang="en-US" altLang="zh-CN" sz="1600" b="1" dirty="0">
+              <a:solidFill>
+                <a:sysClr val="windowText" lastClr="000000"/>
+              </a:solidFill>
+              <a:latin typeface="等线" panose="02010600030101010101" pitchFamily="2" charset="-122"/>
+              <a:ea typeface="等线" panose="02010600030101010101" pitchFamily="2" charset="-122"/>
+            </a:endParaRPr>
+          </a:p>
+        </p:txBody>
+      </p:sp>
+      <p:sp>
+        <p:nvSpPr>
+          <p:cNvPr id="4" name="矩形 3"/>
+          <p:cNvSpPr/>
+          <p:nvPr>
+            <p:custDataLst>
+              <p:tags r:id="rId1"/>
+            </p:custDataLst>
+          </p:nvPr>
+        </p:nvSpPr>
+        <p:spPr>
+          <a:xfrm>
+            <a:off x="4607560" y="2411095"/>
+            <a:ext cx="2978150" cy="623570"/>
+          </a:xfrm>
+          <a:prstGeom prst="rect">
+            <a:avLst/>
+          </a:prstGeom>
+          <a:solidFill>
+            <a:srgbClr val="9DC3E7"/>
+          </a:solidFill>
+          <a:ln w="25400">
+            <a:solidFill>
+              <a:schemeClr val="tx1"/>
+            </a:solidFill>
+          </a:ln>
+        </p:spPr>
+        <p:style>
+          <a:lnRef idx="2">
+            <a:schemeClr val="accent2">
+              <a:shade val="50000"/>
+            </a:schemeClr>
+          </a:lnRef>
+          <a:fillRef idx="1">
+            <a:schemeClr val="accent2"/>
+          </a:fillRef>
+          <a:effectRef idx="0">
+            <a:schemeClr val="accent2"/>
+          </a:effectRef>
+          <a:fontRef idx="minor">
+            <a:schemeClr val="lt1"/>
+          </a:fontRef>
+        </p:style>
+        <p:txBody>
+          <a:bodyPr rtlCol="0" anchor="ctr"/>
+          <a:lstStyle/>
+          <a:p>
+            <a:pPr algn="ctr"/>
+            <a:r>
+              <a:rPr kumimoji="1" lang="en-US" altLang="zh-CN" b="1" dirty="0">
+                <a:solidFill>
+                  <a:sysClr val="windowText" lastClr="000000"/>
+                </a:solidFill>
+              </a:rPr>
+              <a:t>Account</a:t>
+            </a:r>
+            <a:endParaRPr kumimoji="1" lang="zh-CN" altLang="en-US" sz="1600" b="1" dirty="0">
+              <a:solidFill>
+                <a:sysClr val="windowText" lastClr="000000"/>
+              </a:solidFill>
+            </a:endParaRPr>
+          </a:p>
+        </p:txBody>
+      </p:sp>
+    </p:spTree>
+  </p:cSld>
+  <p:clrMapOvr>
+    <a:masterClrMapping/>
+  </p:clrMapOvr>
+</p:sld>
+</file>
+
+<file path=ppt/slides/slide19.xml><?xml version="1.0" encoding="utf-8"?>
+<p:sld xmlns:a="http://schemas.openxmlformats.org/drawingml/2006/main" xmlns:r="http://schemas.openxmlformats.org/officeDocument/2006/relationships" xmlns:p="http://schemas.openxmlformats.org/presentationml/2006/main">
+  <p:cSld>
+    <p:spTree>
+      <p:nvGrpSpPr>
+        <p:cNvPr id="1" name=""/>
+        <p:cNvGrpSpPr/>
+        <p:nvPr/>
+      </p:nvGrpSpPr>
+      <p:grpSpPr>
+        <a:xfrm>
+          <a:off x="0" y="0"/>
+          <a:ext cx="0" cy="0"/>
+          <a:chOff x="0" y="0"/>
+          <a:chExt cx="0" cy="0"/>
+        </a:xfrm>
+      </p:grpSpPr>
+      <p:sp>
+        <p:nvSpPr>
           <p:cNvPr id="5" name="矩形 4"/>
           <p:cNvSpPr/>
           <p:nvPr/>
@@ -8985,13 +9056,6 @@
               </a:rPr>
               <a:t>}</a:t>
             </a:r>
-            <a:endParaRPr kumimoji="1" lang="en-US" altLang="zh-CN" sz="1600" dirty="0">
-              <a:solidFill>
-                <a:sysClr val="windowText" lastClr="000000"/>
-              </a:solidFill>
-              <a:latin typeface="等线" panose="02010600030101010101" pitchFamily="2" charset="-122"/>
-              <a:ea typeface="等线" panose="02010600030101010101" pitchFamily="2" charset="-122"/>
-            </a:endParaRPr>
           </a:p>
           <a:p>
             <a:pPr algn="ctr"/>
@@ -9042,269 +9106,6 @@
               </a:solidFill>
               <a:latin typeface="等线" panose="02010600030101010101" pitchFamily="2" charset="-122"/>
               <a:ea typeface="等线" panose="02010600030101010101" pitchFamily="2" charset="-122"/>
-            </a:endParaRPr>
-          </a:p>
-        </p:txBody>
-      </p:sp>
-    </p:spTree>
-  </p:cSld>
-  <p:clrMapOvr>
-    <a:masterClrMapping/>
-  </p:clrMapOvr>
-</p:sld>
-</file>
-
-<file path=ppt/slides/slide19.xml><?xml version="1.0" encoding="utf-8"?>
-<p:sld xmlns:a="http://schemas.openxmlformats.org/drawingml/2006/main" xmlns:r="http://schemas.openxmlformats.org/officeDocument/2006/relationships" xmlns:p="http://schemas.openxmlformats.org/presentationml/2006/main">
-  <p:cSld>
-    <p:spTree>
-      <p:nvGrpSpPr>
-        <p:cNvPr id="1" name=""/>
-        <p:cNvGrpSpPr/>
-        <p:nvPr/>
-      </p:nvGrpSpPr>
-      <p:grpSpPr>
-        <a:xfrm>
-          <a:off x="0" y="0"/>
-          <a:ext cx="0" cy="0"/>
-          <a:chOff x="0" y="0"/>
-          <a:chExt cx="0" cy="0"/>
-        </a:xfrm>
-      </p:grpSpPr>
-      <p:sp>
-        <p:nvSpPr>
-          <p:cNvPr id="6" name="矩形 5"/>
-          <p:cNvSpPr/>
-          <p:nvPr/>
-        </p:nvSpPr>
-        <p:spPr>
-          <a:xfrm>
-            <a:off x="4607560" y="3034665"/>
-            <a:ext cx="2977515" cy="849630"/>
-          </a:xfrm>
-          <a:prstGeom prst="rect">
-            <a:avLst/>
-          </a:prstGeom>
-          <a:noFill/>
-          <a:ln w="25400">
-            <a:solidFill>
-              <a:schemeClr val="tx1"/>
-            </a:solidFill>
-          </a:ln>
-        </p:spPr>
-        <p:style>
-          <a:lnRef idx="2">
-            <a:schemeClr val="accent2">
-              <a:shade val="50000"/>
-            </a:schemeClr>
-          </a:lnRef>
-          <a:fillRef idx="1">
-            <a:schemeClr val="accent2"/>
-          </a:fillRef>
-          <a:effectRef idx="0">
-            <a:schemeClr val="accent2"/>
-          </a:effectRef>
-          <a:fontRef idx="minor">
-            <a:schemeClr val="lt1"/>
-          </a:fontRef>
-        </p:style>
-        <p:txBody>
-          <a:bodyPr rtlCol="0" anchor="ctr"/>
-          <a:lstStyle/>
-          <a:p>
-            <a:pPr algn="ctr"/>
-            <a:r>
-              <a:rPr kumimoji="1" lang="en-US" altLang="zh-CN" sz="1600" dirty="0" err="1">
-                <a:solidFill>
-                  <a:sysClr val="windowText" lastClr="000000"/>
-                </a:solidFill>
-                <a:latin typeface="等线" panose="02010600030101010101" pitchFamily="2" charset="-122"/>
-                <a:ea typeface="等线" panose="02010600030101010101" pitchFamily="2" charset="-122"/>
-              </a:rPr>
-              <a:t>id</a:t>
-            </a:r>
-            <a:r>
-              <a:rPr kumimoji="1" lang="zh-CN" altLang="en-US" sz="1600" dirty="0">
-                <a:solidFill>
-                  <a:sysClr val="windowText" lastClr="000000"/>
-                </a:solidFill>
-                <a:latin typeface="等线" panose="02010600030101010101" pitchFamily="2" charset="-122"/>
-                <a:ea typeface="等线" panose="02010600030101010101" pitchFamily="2" charset="-122"/>
-              </a:rPr>
-              <a:t> </a:t>
-            </a:r>
-            <a:r>
-              <a:rPr kumimoji="1" lang="en-US" altLang="zh-CN" sz="1600" dirty="0">
-                <a:solidFill>
-                  <a:sysClr val="windowText" lastClr="000000"/>
-                </a:solidFill>
-                <a:latin typeface="等线" panose="02010600030101010101" pitchFamily="2" charset="-122"/>
-                <a:ea typeface="等线" panose="02010600030101010101" pitchFamily="2" charset="-122"/>
-              </a:rPr>
-              <a:t>=</a:t>
-            </a:r>
-            <a:r>
-              <a:rPr kumimoji="1" lang="zh-CN" altLang="en-US" sz="1600" dirty="0">
-                <a:solidFill>
-                  <a:sysClr val="windowText" lastClr="000000"/>
-                </a:solidFill>
-                <a:latin typeface="等线" panose="02010600030101010101" pitchFamily="2" charset="-122"/>
-                <a:ea typeface="等线" panose="02010600030101010101" pitchFamily="2" charset="-122"/>
-              </a:rPr>
-              <a:t> </a:t>
-            </a:r>
-            <a:r>
-              <a:rPr kumimoji="1" lang="en-US" altLang="zh-CN" sz="1600" dirty="0">
-                <a:solidFill>
-                  <a:sysClr val="windowText" lastClr="000000"/>
-                </a:solidFill>
-                <a:latin typeface="等线" panose="02010600030101010101" pitchFamily="2" charset="-122"/>
-                <a:ea typeface="等线" panose="02010600030101010101" pitchFamily="2" charset="-122"/>
-              </a:rPr>
-              <a:t>${</a:t>
-            </a:r>
-            <a:r>
-              <a:rPr kumimoji="1" lang="en-US" altLang="zh-CN" sz="1600" dirty="0" err="1">
-                <a:solidFill>
-                  <a:sysClr val="windowText" lastClr="000000"/>
-                </a:solidFill>
-                <a:latin typeface="等线" panose="02010600030101010101" pitchFamily="2" charset="-122"/>
-                <a:ea typeface="等线" panose="02010600030101010101" pitchFamily="2" charset="-122"/>
-              </a:rPr>
-              <a:t>companyId</a:t>
-            </a:r>
-            <a:r>
-              <a:rPr kumimoji="1" lang="en-US" altLang="zh-CN" sz="1600" dirty="0">
-                <a:solidFill>
-                  <a:sysClr val="windowText" lastClr="000000"/>
-                </a:solidFill>
-                <a:latin typeface="等线" panose="02010600030101010101" pitchFamily="2" charset="-122"/>
-                <a:ea typeface="等线" panose="02010600030101010101" pitchFamily="2" charset="-122"/>
-              </a:rPr>
-              <a:t>}</a:t>
-            </a:r>
-            <a:endParaRPr kumimoji="1" lang="en-US" altLang="zh-CN" sz="1600" dirty="0">
-              <a:solidFill>
-                <a:sysClr val="windowText" lastClr="000000"/>
-              </a:solidFill>
-              <a:latin typeface="等线" panose="02010600030101010101" pitchFamily="2" charset="-122"/>
-              <a:ea typeface="等线" panose="02010600030101010101" pitchFamily="2" charset="-122"/>
-            </a:endParaRPr>
-          </a:p>
-          <a:p>
-            <a:pPr algn="ctr"/>
-            <a:r>
-              <a:rPr kumimoji="1" lang="en-US" altLang="zh-CN" sz="1600" dirty="0" err="1">
-                <a:solidFill>
-                  <a:sysClr val="windowText" lastClr="000000"/>
-                </a:solidFill>
-                <a:latin typeface="等线" panose="02010600030101010101" pitchFamily="2" charset="-122"/>
-                <a:ea typeface="等线" panose="02010600030101010101" pitchFamily="2" charset="-122"/>
-              </a:rPr>
-              <a:t>isBlocked</a:t>
-            </a:r>
-            <a:r>
-              <a:rPr kumimoji="1" lang="zh-CN" altLang="en-US" sz="1600" dirty="0">
-                <a:solidFill>
-                  <a:sysClr val="windowText" lastClr="000000"/>
-                </a:solidFill>
-                <a:latin typeface="等线" panose="02010600030101010101" pitchFamily="2" charset="-122"/>
-                <a:ea typeface="等线" panose="02010600030101010101" pitchFamily="2" charset="-122"/>
-              </a:rPr>
-              <a:t> </a:t>
-            </a:r>
-            <a:r>
-              <a:rPr kumimoji="1" lang="en-US" altLang="zh-CN" sz="1600" dirty="0">
-                <a:solidFill>
-                  <a:sysClr val="windowText" lastClr="000000"/>
-                </a:solidFill>
-                <a:latin typeface="等线" panose="02010600030101010101" pitchFamily="2" charset="-122"/>
-                <a:ea typeface="等线" panose="02010600030101010101" pitchFamily="2" charset="-122"/>
-                <a:sym typeface="+mn-ea"/>
-              </a:rPr>
-              <a:t>&lt;- </a:t>
-            </a:r>
-            <a:r>
-              <a:rPr kumimoji="1" lang="en-US" sz="1600" dirty="0">
-                <a:solidFill>
-                  <a:sysClr val="windowText" lastClr="000000"/>
-                </a:solidFill>
-                <a:latin typeface="等线" panose="02010600030101010101" pitchFamily="2" charset="-122"/>
-                <a:ea typeface="等线" panose="02010600030101010101" pitchFamily="2" charset="-122"/>
-              </a:rPr>
-              <a:t>true</a:t>
-            </a:r>
-            <a:endParaRPr kumimoji="1" lang="en-US" altLang="zh-CN" sz="1600" b="1" dirty="0">
-              <a:solidFill>
-                <a:sysClr val="windowText" lastClr="000000"/>
-              </a:solidFill>
-              <a:latin typeface="等线" panose="02010600030101010101" pitchFamily="2" charset="-122"/>
-              <a:ea typeface="等线" panose="02010600030101010101" pitchFamily="2" charset="-122"/>
-            </a:endParaRPr>
-          </a:p>
-        </p:txBody>
-      </p:sp>
-      <p:sp>
-        <p:nvSpPr>
-          <p:cNvPr id="4" name="矩形 3"/>
-          <p:cNvSpPr/>
-          <p:nvPr>
-            <p:custDataLst>
-              <p:tags r:id="rId1"/>
-            </p:custDataLst>
-          </p:nvPr>
-        </p:nvSpPr>
-        <p:spPr>
-          <a:xfrm>
-            <a:off x="4607560" y="2411095"/>
-            <a:ext cx="2978150" cy="623570"/>
-          </a:xfrm>
-          <a:prstGeom prst="rect">
-            <a:avLst/>
-          </a:prstGeom>
-          <a:solidFill>
-            <a:srgbClr val="FF0000">
-              <a:alpha val="30000"/>
-            </a:srgbClr>
-          </a:solidFill>
-          <a:ln w="25400">
-            <a:solidFill>
-              <a:schemeClr val="tx1"/>
-            </a:solidFill>
-          </a:ln>
-        </p:spPr>
-        <p:style>
-          <a:lnRef idx="2">
-            <a:schemeClr val="accent2">
-              <a:shade val="50000"/>
-            </a:schemeClr>
-          </a:lnRef>
-          <a:fillRef idx="1">
-            <a:schemeClr val="accent2"/>
-          </a:fillRef>
-          <a:effectRef idx="0">
-            <a:schemeClr val="accent2"/>
-          </a:effectRef>
-          <a:fontRef idx="minor">
-            <a:schemeClr val="lt1"/>
-          </a:fontRef>
-        </p:style>
-        <p:txBody>
-          <a:bodyPr rtlCol="0" anchor="ctr"/>
-          <a:p>
-            <a:pPr algn="ctr"/>
-            <a:r>
-              <a:rPr kumimoji="1" lang="en-US" altLang="zh-CN" b="1" dirty="0">
-                <a:solidFill>
-                  <a:sysClr val="windowText" lastClr="000000"/>
-                </a:solidFill>
-              </a:rPr>
-              <a:t>Company</a:t>
-            </a:r>
-            <a:endParaRPr kumimoji="1" lang="zh-CN" altLang="en-US" sz="1600" b="1" dirty="0">
-              <a:solidFill>
-                <a:sysClr val="windowText" lastClr="000000"/>
-              </a:solidFill>
             </a:endParaRPr>
           </a:p>
         </p:txBody>
@@ -9429,19 +9230,64 @@
                 <a:latin typeface="等线" panose="02010600030101010101" pitchFamily="2" charset="-122"/>
                 <a:ea typeface="等线" panose="02010600030101010101" pitchFamily="2" charset="-122"/>
               </a:rPr>
+              <a:t>companyId</a:t>
+            </a:r>
+            <a:r>
+              <a:rPr kumimoji="1" lang="en-US" altLang="zh-CN" sz="1600" dirty="0">
+                <a:solidFill>
+                  <a:sysClr val="windowText" lastClr="000000"/>
+                </a:solidFill>
+                <a:latin typeface="等线" panose="02010600030101010101" pitchFamily="2" charset="-122"/>
+                <a:ea typeface="等线" panose="02010600030101010101" pitchFamily="2" charset="-122"/>
+              </a:rPr>
+              <a:t>}</a:t>
+            </a:r>
+          </a:p>
+          <a:p>
+            <a:pPr algn="ctr"/>
+            <a:r>
+              <a:rPr kumimoji="1" lang="en-US" altLang="zh-CN" sz="1600" dirty="0">
+                <a:solidFill>
+                  <a:sysClr val="windowText" lastClr="000000"/>
+                </a:solidFill>
+                <a:latin typeface="等线" panose="02010600030101010101" pitchFamily="2" charset="-122"/>
+                <a:ea typeface="等线" panose="02010600030101010101" pitchFamily="2" charset="-122"/>
+              </a:rPr>
+              <a:t>name </a:t>
+            </a:r>
+            <a:r>
+              <a:rPr kumimoji="1" lang="en-US" altLang="zh-CN" sz="1600" dirty="0">
+                <a:solidFill>
+                  <a:sysClr val="windowText" lastClr="000000"/>
+                </a:solidFill>
+                <a:latin typeface="等线" panose="02010600030101010101" pitchFamily="2" charset="-122"/>
+                <a:ea typeface="等线" panose="02010600030101010101" pitchFamily="2" charset="-122"/>
+                <a:sym typeface="+mn-ea"/>
+              </a:rPr>
+              <a:t>&lt;- </a:t>
+            </a:r>
+            <a:r>
+              <a:rPr kumimoji="1" lang="en-US" altLang="zh-CN" sz="1600" dirty="0">
+                <a:solidFill>
+                  <a:sysClr val="windowText" lastClr="000000"/>
+                </a:solidFill>
+                <a:latin typeface="等线" panose="02010600030101010101" pitchFamily="2" charset="-122"/>
+                <a:ea typeface="等线" panose="02010600030101010101" pitchFamily="2" charset="-122"/>
+              </a:rPr>
+              <a:t>${</a:t>
+            </a:r>
+            <a:r>
+              <a:rPr kumimoji="1" lang="en-US" altLang="zh-CN" sz="1600" dirty="0" err="1">
+                <a:solidFill>
+                  <a:sysClr val="windowText" lastClr="000000"/>
+                </a:solidFill>
+                <a:latin typeface="等线" panose="02010600030101010101" pitchFamily="2" charset="-122"/>
+                <a:ea typeface="等线" panose="02010600030101010101" pitchFamily="2" charset="-122"/>
+                <a:sym typeface="+mn-ea"/>
+              </a:rPr>
               <a:t>company</a:t>
             </a:r>
             <a:r>
-              <a:rPr kumimoji="1" lang="en-US" altLang="zh-CN" sz="1600" dirty="0" err="1">
-                <a:solidFill>
-                  <a:sysClr val="windowText" lastClr="000000"/>
-                </a:solidFill>
-                <a:latin typeface="等线" panose="02010600030101010101" pitchFamily="2" charset="-122"/>
-                <a:ea typeface="等线" panose="02010600030101010101" pitchFamily="2" charset="-122"/>
-              </a:rPr>
-              <a:t>Id</a:t>
-            </a:r>
-            <a:r>
               <a:rPr kumimoji="1" lang="en-US" altLang="zh-CN" sz="1600" dirty="0">
                 <a:solidFill>
                   <a:sysClr val="windowText" lastClr="000000"/>
@@ -9449,77 +9295,8 @@
                 <a:latin typeface="等线" panose="02010600030101010101" pitchFamily="2" charset="-122"/>
                 <a:ea typeface="等线" panose="02010600030101010101" pitchFamily="2" charset="-122"/>
               </a:rPr>
-              <a:t>}</a:t>
-            </a:r>
-            <a:endParaRPr kumimoji="1" lang="en-US" altLang="zh-CN" sz="1600" dirty="0">
-              <a:solidFill>
-                <a:sysClr val="windowText" lastClr="000000"/>
-              </a:solidFill>
-              <a:latin typeface="等线" panose="02010600030101010101" pitchFamily="2" charset="-122"/>
-              <a:ea typeface="等线" panose="02010600030101010101" pitchFamily="2" charset="-122"/>
-            </a:endParaRPr>
-          </a:p>
-          <a:p>
-            <a:pPr algn="ctr"/>
-            <a:r>
-              <a:rPr kumimoji="1" lang="en-US" altLang="zh-CN" sz="1600" dirty="0">
-                <a:solidFill>
-                  <a:sysClr val="windowText" lastClr="000000"/>
-                </a:solidFill>
-                <a:latin typeface="等线" panose="02010600030101010101" pitchFamily="2" charset="-122"/>
-                <a:ea typeface="等线" panose="02010600030101010101" pitchFamily="2" charset="-122"/>
-              </a:rPr>
-              <a:t>name </a:t>
-            </a:r>
-            <a:r>
-              <a:rPr kumimoji="1" lang="en-US" altLang="zh-CN" sz="1600" dirty="0">
-                <a:solidFill>
-                  <a:sysClr val="windowText" lastClr="000000"/>
-                </a:solidFill>
-                <a:latin typeface="等线" panose="02010600030101010101" pitchFamily="2" charset="-122"/>
-                <a:ea typeface="等线" panose="02010600030101010101" pitchFamily="2" charset="-122"/>
-                <a:sym typeface="+mn-ea"/>
-              </a:rPr>
-              <a:t>&lt;- </a:t>
-            </a:r>
-            <a:r>
-              <a:rPr kumimoji="1" lang="en-US" altLang="zh-CN" sz="1600" dirty="0">
-                <a:solidFill>
-                  <a:sysClr val="windowText" lastClr="000000"/>
-                </a:solidFill>
-                <a:latin typeface="等线" panose="02010600030101010101" pitchFamily="2" charset="-122"/>
-                <a:ea typeface="等线" panose="02010600030101010101" pitchFamily="2" charset="-122"/>
-              </a:rPr>
-              <a:t>${</a:t>
-            </a:r>
-            <a:r>
-              <a:rPr kumimoji="1" lang="en-US" altLang="zh-CN" sz="1600" dirty="0" err="1">
-                <a:solidFill>
-                  <a:sysClr val="windowText" lastClr="000000"/>
-                </a:solidFill>
-                <a:latin typeface="等线" panose="02010600030101010101" pitchFamily="2" charset="-122"/>
-                <a:ea typeface="等线" panose="02010600030101010101" pitchFamily="2" charset="-122"/>
-                <a:sym typeface="+mn-ea"/>
-              </a:rPr>
-              <a:t>company</a:t>
-            </a:r>
-            <a:r>
-              <a:rPr kumimoji="1" lang="en-US" altLang="zh-CN" sz="1600" dirty="0">
-                <a:solidFill>
-                  <a:sysClr val="windowText" lastClr="000000"/>
-                </a:solidFill>
-                <a:latin typeface="等线" panose="02010600030101010101" pitchFamily="2" charset="-122"/>
-                <a:ea typeface="等线" panose="02010600030101010101" pitchFamily="2" charset="-122"/>
-              </a:rPr>
               <a:t>Name}</a:t>
             </a:r>
-            <a:endParaRPr kumimoji="1" lang="en-US" altLang="zh-CN" sz="1600" dirty="0">
-              <a:solidFill>
-                <a:sysClr val="windowText" lastClr="000000"/>
-              </a:solidFill>
-              <a:latin typeface="等线" panose="02010600030101010101" pitchFamily="2" charset="-122"/>
-              <a:ea typeface="等线" panose="02010600030101010101" pitchFamily="2" charset="-122"/>
-            </a:endParaRPr>
           </a:p>
           <a:p>
             <a:pPr algn="ctr"/>
@@ -9631,6 +9408,7 @@
         </p:style>
         <p:txBody>
           <a:bodyPr rtlCol="0" anchor="ctr"/>
+          <a:lstStyle/>
           <a:p>
             <a:pPr algn="ctr"/>
             <a:r>
@@ -9694,6 +9472,7 @@
         </p:style>
         <p:txBody>
           <a:bodyPr rtlCol="0" anchor="ctr"/>
+          <a:lstStyle/>
           <a:p>
             <a:pPr algn="ctr"/>
             <a:endParaRPr lang="en-US">
@@ -10100,10 +9879,6 @@
               </a:rPr>
               <a:t>above</a:t>
             </a:r>
-            <a:endParaRPr kumimoji="1" lang="en-US" altLang="zh-CN" sz="1200" b="1" dirty="0">
-              <a:latin typeface="等线" panose="02010600030101010101" pitchFamily="2" charset="-122"/>
-              <a:ea typeface="等线" panose="02010600030101010101" pitchFamily="2" charset="-122"/>
-            </a:endParaRPr>
           </a:p>
           <a:p>
             <a:r>
@@ -10141,10 +9916,6 @@
               </a:rPr>
               <a:t>12</a:t>
             </a:r>
-            <a:endParaRPr kumimoji="1" lang="en-US" altLang="zh-CN" sz="1200" b="1" dirty="0">
-              <a:latin typeface="等线" panose="02010600030101010101" pitchFamily="2" charset="-122"/>
-              <a:ea typeface="等线" panose="02010600030101010101" pitchFamily="2" charset="-122"/>
-            </a:endParaRPr>
           </a:p>
           <a:p>
             <a:r>
@@ -10182,10 +9953,6 @@
               </a:rPr>
               <a:t>2pt</a:t>
             </a:r>
-            <a:endParaRPr kumimoji="1" lang="en-US" altLang="zh-CN" sz="1200" b="1" dirty="0">
-              <a:latin typeface="等线" panose="02010600030101010101" pitchFamily="2" charset="-122"/>
-              <a:ea typeface="等线" panose="02010600030101010101" pitchFamily="2" charset="-122"/>
-            </a:endParaRPr>
           </a:p>
           <a:p>
             <a:r>
@@ -10251,10 +10018,6 @@
               </a:rPr>
               <a:t>bold</a:t>
             </a:r>
-            <a:endParaRPr kumimoji="1" lang="en-US" altLang="zh-CN" sz="1200" b="1" dirty="0">
-              <a:latin typeface="等线" panose="02010600030101010101" pitchFamily="2" charset="-122"/>
-              <a:ea typeface="等线" panose="02010600030101010101" pitchFamily="2" charset="-122"/>
-            </a:endParaRPr>
           </a:p>
           <a:p>
             <a:r>
@@ -10327,10 +10090,6 @@
               </a:rPr>
               <a:t>bold</a:t>
             </a:r>
-            <a:endParaRPr kumimoji="1" lang="en-US" altLang="zh-CN" sz="1200" b="1" dirty="0">
-              <a:latin typeface="等线" panose="02010600030101010101" pitchFamily="2" charset="-122"/>
-              <a:ea typeface="等线" panose="02010600030101010101" pitchFamily="2" charset="-122"/>
-            </a:endParaRPr>
           </a:p>
         </p:txBody>
       </p:sp>
@@ -10469,11 +10228,6 @@
                   </a:rPr>
                   <a:t>${{id}</a:t>
                 </a:r>
-                <a:endParaRPr lang="en-US" altLang="zh-CN" sz="1400" dirty="0">
-                  <a:solidFill>
-                    <a:schemeClr val="tx1"/>
-                  </a:solidFill>
-                </a:endParaRPr>
               </a:p>
             </p:txBody>
           </p:sp>
@@ -11081,7 +10835,6 @@
                 <a:rPr lang="en-US" altLang="zh-CN" sz="1400" dirty="0"/>
                 <a:t>or</a:t>
               </a:r>
-              <a:endParaRPr lang="en-US" altLang="zh-CN" sz="1400" dirty="0"/>
             </a:p>
           </p:txBody>
         </p:sp>
@@ -11499,13 +11252,6 @@
                 </a:rPr>
                 <a:t>True</a:t>
               </a:r>
-              <a:endParaRPr kumimoji="1" lang="en-US" altLang="zh-CN" sz="1600" b="1" dirty="0">
-                <a:solidFill>
-                  <a:sysClr val="windowText" lastClr="000000"/>
-                </a:solidFill>
-                <a:latin typeface="等线" panose="02010600030101010101" pitchFamily="2" charset="-122"/>
-                <a:ea typeface="等线" panose="02010600030101010101" pitchFamily="2" charset="-122"/>
-              </a:endParaRPr>
             </a:p>
           </p:txBody>
         </p:sp>
@@ -11698,13 +11444,6 @@
               </a:rPr>
               <a:t>}</a:t>
             </a:r>
-            <a:endParaRPr kumimoji="1" lang="en-US" altLang="zh-CN" sz="1600" dirty="0">
-              <a:solidFill>
-                <a:sysClr val="windowText" lastClr="000000"/>
-              </a:solidFill>
-              <a:latin typeface="等线" panose="02010600030101010101" pitchFamily="2" charset="-122"/>
-              <a:ea typeface="等线" panose="02010600030101010101" pitchFamily="2" charset="-122"/>
-            </a:endParaRPr>
           </a:p>
           <a:p>
             <a:pPr algn="ctr"/>
@@ -11817,6 +11556,7 @@
         </p:style>
         <p:txBody>
           <a:bodyPr rtlCol="0" anchor="ctr"/>
+          <a:lstStyle/>
           <a:p>
             <a:pPr algn="ctr"/>
             <a:r>
@@ -11880,6 +11620,7 @@
         </p:style>
         <p:txBody>
           <a:bodyPr rtlCol="0" anchor="ctr"/>
+          <a:lstStyle/>
           <a:p>
             <a:pPr algn="ctr"/>
             <a:endParaRPr lang="en-US">
@@ -11936,7 +11677,7 @@
             <p:nvPr/>
           </p:nvGrpSpPr>
           <p:grpSpPr>
-            <a:xfrm rot="0">
+            <a:xfrm>
               <a:off x="11832" y="3432"/>
               <a:ext cx="4689" cy="3025"/>
               <a:chOff x="1488974" y="3906297"/>
@@ -12119,13 +11860,6 @@
                   </a:rPr>
                   <a:t>}</a:t>
                 </a:r>
-                <a:endParaRPr kumimoji="1" lang="en-US" altLang="zh-CN" sz="1600" dirty="0">
-                  <a:solidFill>
-                    <a:sysClr val="windowText" lastClr="000000"/>
-                  </a:solidFill>
-                  <a:latin typeface="等线" panose="02010600030101010101" pitchFamily="2" charset="-122"/>
-                  <a:ea typeface="等线" panose="02010600030101010101" pitchFamily="2" charset="-122"/>
-                </a:endParaRPr>
               </a:p>
               <a:p>
                 <a:pPr algn="ctr"/>
@@ -12170,13 +11904,6 @@
                   </a:rPr>
                   <a:t>${time}</a:t>
                 </a:r>
-                <a:endParaRPr kumimoji="1" lang="en-US" altLang="zh-CN" sz="1600" dirty="0">
-                  <a:solidFill>
-                    <a:sysClr val="windowText" lastClr="000000"/>
-                  </a:solidFill>
-                  <a:latin typeface="等线" panose="02010600030101010101" pitchFamily="2" charset="-122"/>
-                  <a:ea typeface="等线" panose="02010600030101010101" pitchFamily="2" charset="-122"/>
-                </a:endParaRPr>
               </a:p>
               <a:p>
                 <a:pPr algn="ctr"/>
@@ -12241,13 +11968,6 @@
                   </a:rPr>
                   <a:t>}</a:t>
                 </a:r>
-                <a:endParaRPr kumimoji="1" lang="en-US" altLang="zh-CN" sz="1600" dirty="0">
-                  <a:solidFill>
-                    <a:sysClr val="windowText" lastClr="000000"/>
-                  </a:solidFill>
-                  <a:latin typeface="等线" panose="02010600030101010101" pitchFamily="2" charset="-122"/>
-                  <a:ea typeface="等线" panose="02010600030101010101" pitchFamily="2" charset="-122"/>
-                </a:endParaRPr>
               </a:p>
               <a:p>
                 <a:pPr algn="ctr"/>
@@ -12312,13 +12032,6 @@
                   </a:rPr>
                   <a:t>}</a:t>
                 </a:r>
-                <a:endParaRPr kumimoji="1" lang="en-US" altLang="zh-CN" sz="1600" dirty="0">
-                  <a:solidFill>
-                    <a:sysClr val="windowText" lastClr="000000"/>
-                  </a:solidFill>
-                  <a:latin typeface="等线" panose="02010600030101010101" pitchFamily="2" charset="-122"/>
-                  <a:ea typeface="等线" panose="02010600030101010101" pitchFamily="2" charset="-122"/>
-                </a:endParaRPr>
               </a:p>
               <a:p>
                 <a:pPr algn="ctr"/>
@@ -12340,7 +12053,7 @@
             <p:nvPr/>
           </p:nvGrpSpPr>
           <p:grpSpPr>
-            <a:xfrm rot="0">
+            <a:xfrm>
               <a:off x="2679" y="3432"/>
               <a:ext cx="4306" cy="1960"/>
               <a:chOff x="9132408" y="3125108"/>
@@ -12522,13 +12235,6 @@
                   </a:rPr>
                   <a:t>}</a:t>
                 </a:r>
-                <a:endParaRPr kumimoji="1" lang="en-US" altLang="zh-CN" sz="1600" dirty="0">
-                  <a:solidFill>
-                    <a:sysClr val="windowText" lastClr="000000"/>
-                  </a:solidFill>
-                  <a:latin typeface="等线" panose="02010600030101010101" pitchFamily="2" charset="-122"/>
-                  <a:ea typeface="等线" panose="02010600030101010101" pitchFamily="2" charset="-122"/>
-                </a:endParaRPr>
               </a:p>
             </p:txBody>
           </p:sp>
@@ -12748,7 +12454,7 @@
           <p:nvPr/>
         </p:nvGrpSpPr>
         <p:grpSpPr>
-          <a:xfrm rot="0">
+          <a:xfrm>
             <a:off x="7513320" y="2179320"/>
             <a:ext cx="2977515" cy="1920875"/>
             <a:chOff x="1488974" y="3906297"/>
@@ -12901,18 +12607,7 @@
                   <a:ea typeface="等线" panose="02010600030101010101" pitchFamily="2" charset="-122"/>
                   <a:sym typeface="+mn-ea"/>
                 </a:rPr>
-                <a:t>&lt;- </a:t>
-              </a:r>
-              <a:r>
-                <a:rPr kumimoji="1" lang="en-US" altLang="zh-CN" sz="1600" dirty="0">
-                  <a:solidFill>
-                    <a:sysClr val="windowText" lastClr="000000"/>
-                  </a:solidFill>
-                  <a:latin typeface="等线" panose="02010600030101010101" pitchFamily="2" charset="-122"/>
-                  <a:ea typeface="等线" panose="02010600030101010101" pitchFamily="2" charset="-122"/>
-                  <a:sym typeface="+mn-ea"/>
-                </a:rPr>
-                <a:t>${</a:t>
+                <a:t>&lt;- ${</a:t>
               </a:r>
               <a:r>
                 <a:rPr kumimoji="1" lang="en-US" altLang="zh-CN" sz="1600" dirty="0" err="1">
@@ -12977,18 +12672,7 @@
                   <a:ea typeface="等线" panose="02010600030101010101" pitchFamily="2" charset="-122"/>
                   <a:sym typeface="+mn-ea"/>
                 </a:rPr>
-                <a:t>&lt;- </a:t>
-              </a:r>
-              <a:r>
-                <a:rPr kumimoji="1" lang="en-US" altLang="zh-CN" sz="1600" dirty="0">
-                  <a:solidFill>
-                    <a:sysClr val="windowText" lastClr="000000"/>
-                  </a:solidFill>
-                  <a:latin typeface="等线" panose="02010600030101010101" pitchFamily="2" charset="-122"/>
-                  <a:ea typeface="等线" panose="02010600030101010101" pitchFamily="2" charset="-122"/>
-                  <a:sym typeface="+mn-ea"/>
-                </a:rPr>
-                <a:t>${time}</a:t>
+                <a:t>&lt;- ${time}</a:t>
               </a:r>
               <a:endParaRPr kumimoji="1" lang="en-US" altLang="zh-CN" sz="1600" dirty="0">
                 <a:solidFill>
@@ -13031,18 +12715,7 @@
                   <a:ea typeface="等线" panose="02010600030101010101" pitchFamily="2" charset="-122"/>
                   <a:sym typeface="+mn-ea"/>
                 </a:rPr>
-                <a:t>&lt;- </a:t>
-              </a:r>
-              <a:r>
-                <a:rPr kumimoji="1" lang="en-US" altLang="zh-CN" sz="1600" dirty="0">
-                  <a:solidFill>
-                    <a:sysClr val="windowText" lastClr="000000"/>
-                  </a:solidFill>
-                  <a:latin typeface="等线" panose="02010600030101010101" pitchFamily="2" charset="-122"/>
-                  <a:ea typeface="等线" panose="02010600030101010101" pitchFamily="2" charset="-122"/>
-                  <a:sym typeface="+mn-ea"/>
-                </a:rPr>
-                <a:t>${</a:t>
+                <a:t>&lt;- ${</a:t>
               </a:r>
               <a:r>
                 <a:rPr kumimoji="1" lang="en-US" altLang="zh-CN" sz="1600" dirty="0" err="1">
@@ -13107,18 +12780,7 @@
                   <a:ea typeface="等线" panose="02010600030101010101" pitchFamily="2" charset="-122"/>
                   <a:sym typeface="+mn-ea"/>
                 </a:rPr>
-                <a:t>&lt;- </a:t>
-              </a:r>
-              <a:r>
-                <a:rPr kumimoji="1" lang="en-US" altLang="zh-CN" sz="1600" dirty="0">
-                  <a:solidFill>
-                    <a:sysClr val="windowText" lastClr="000000"/>
-                  </a:solidFill>
-                  <a:latin typeface="等线" panose="02010600030101010101" pitchFamily="2" charset="-122"/>
-                  <a:ea typeface="等线" panose="02010600030101010101" pitchFamily="2" charset="-122"/>
-                  <a:sym typeface="+mn-ea"/>
-                </a:rPr>
-                <a:t>${</a:t>
+                <a:t>&lt;- ${</a:t>
               </a:r>
               <a:r>
                 <a:rPr kumimoji="1" lang="en-US" altLang="zh-CN" sz="1600" dirty="0" err="1">
@@ -13170,7 +12832,7 @@
           <p:nvPr/>
         </p:nvGrpSpPr>
         <p:grpSpPr>
-          <a:xfrm rot="0">
+          <a:xfrm>
             <a:off x="1701165" y="2179320"/>
             <a:ext cx="2734310" cy="1244600"/>
             <a:chOff x="9132408" y="3125108"/>
@@ -13351,13 +13013,6 @@
                 </a:rPr>
                 <a:t>}</a:t>
               </a:r>
-              <a:endParaRPr kumimoji="1" lang="en-US" altLang="zh-CN" sz="1600" dirty="0">
-                <a:solidFill>
-                  <a:sysClr val="windowText" lastClr="000000"/>
-                </a:solidFill>
-                <a:latin typeface="等线" panose="02010600030101010101" pitchFamily="2" charset="-122"/>
-                <a:ea typeface="等线" panose="02010600030101010101" pitchFamily="2" charset="-122"/>
-              </a:endParaRPr>
             </a:p>
           </p:txBody>
         </p:sp>
@@ -13744,13 +13399,6 @@
               </a:rPr>
               <a:t>}</a:t>
             </a:r>
-            <a:endParaRPr kumimoji="1" lang="en-US" altLang="zh-CN" sz="1600" dirty="0">
-              <a:solidFill>
-                <a:sysClr val="windowText" lastClr="000000"/>
-              </a:solidFill>
-              <a:latin typeface="等线" panose="02010600030101010101" pitchFamily="2" charset="-122"/>
-              <a:ea typeface="等线" panose="02010600030101010101" pitchFamily="2" charset="-122"/>
-            </a:endParaRPr>
           </a:p>
           <a:p>
             <a:pPr algn="ctr"/>
@@ -13804,13 +13452,6 @@
               </a:rPr>
               <a:t>${loanAmount}</a:t>
             </a:r>
-            <a:endParaRPr kumimoji="1" lang="en-US" altLang="zh-CN" sz="1600" dirty="0">
-              <a:solidFill>
-                <a:sysClr val="windowText" lastClr="000000"/>
-              </a:solidFill>
-              <a:latin typeface="等线" panose="02010600030101010101" pitchFamily="2" charset="-122"/>
-              <a:ea typeface="等线" panose="02010600030101010101" pitchFamily="2" charset="-122"/>
-            </a:endParaRPr>
           </a:p>
           <a:p>
             <a:pPr algn="ctr"/>
@@ -13824,13 +13465,6 @@
               </a:rPr>
               <a:t>balance &lt;- ${balance}</a:t>
             </a:r>
-            <a:endParaRPr kumimoji="1" lang="en-US" altLang="zh-CN" sz="1600" dirty="0">
-              <a:solidFill>
-                <a:sysClr val="windowText" lastClr="000000"/>
-              </a:solidFill>
-              <a:latin typeface="等线" panose="02010600030101010101" pitchFamily="2" charset="-122"/>
-              <a:ea typeface="等线" panose="02010600030101010101" pitchFamily="2" charset="-122"/>
-            </a:endParaRPr>
           </a:p>
         </p:txBody>
       </p:sp>
@@ -13967,10 +13601,6 @@
               </a:rPr>
               <a:t>${time}</a:t>
             </a:r>
-            <a:endParaRPr kumimoji="1" lang="en-US" altLang="zh-CN" sz="1400" dirty="0">
-              <a:latin typeface="等线" panose="02010600030101010101" pitchFamily="2" charset="-122"/>
-              <a:ea typeface="等线" panose="02010600030101010101" pitchFamily="2" charset="-122"/>
-            </a:endParaRPr>
           </a:p>
         </p:txBody>
       </p:sp>
@@ -13981,7 +13611,7 @@
           <p:nvPr/>
         </p:nvGrpSpPr>
         <p:grpSpPr>
-          <a:xfrm rot="0">
+          <a:xfrm>
             <a:off x="1729740" y="2831465"/>
             <a:ext cx="2977515" cy="1159510"/>
             <a:chOff x="1488974" y="3906297"/>
@@ -14163,13 +13793,6 @@
                 </a:rPr>
                 <a:t>}</a:t>
               </a:r>
-              <a:endParaRPr kumimoji="1" lang="en-US" altLang="zh-CN" sz="1600" dirty="0">
-                <a:solidFill>
-                  <a:sysClr val="windowText" lastClr="000000"/>
-                </a:solidFill>
-                <a:latin typeface="等线" panose="02010600030101010101" pitchFamily="2" charset="-122"/>
-                <a:ea typeface="等线" panose="02010600030101010101" pitchFamily="2" charset="-122"/>
-              </a:endParaRPr>
             </a:p>
           </p:txBody>
         </p:sp>
@@ -14478,13 +14101,6 @@
               </a:rPr>
               <a:t>}</a:t>
             </a:r>
-            <a:endParaRPr kumimoji="1" lang="en-US" altLang="zh-CN" sz="1600" dirty="0">
-              <a:solidFill>
-                <a:sysClr val="windowText" lastClr="000000"/>
-              </a:solidFill>
-              <a:latin typeface="等线" panose="02010600030101010101" pitchFamily="2" charset="-122"/>
-              <a:ea typeface="等线" panose="02010600030101010101" pitchFamily="2" charset="-122"/>
-            </a:endParaRPr>
           </a:p>
           <a:p>
             <a:pPr algn="ctr"/>
@@ -14538,13 +14154,6 @@
               </a:rPr>
               <a:t>${loanAmount}</a:t>
             </a:r>
-            <a:endParaRPr kumimoji="1" lang="en-US" altLang="zh-CN" sz="1600" dirty="0">
-              <a:solidFill>
-                <a:sysClr val="windowText" lastClr="000000"/>
-              </a:solidFill>
-              <a:latin typeface="等线" panose="02010600030101010101" pitchFamily="2" charset="-122"/>
-              <a:ea typeface="等线" panose="02010600030101010101" pitchFamily="2" charset="-122"/>
-            </a:endParaRPr>
           </a:p>
           <a:p>
             <a:pPr algn="ctr"/>
@@ -14558,13 +14167,6 @@
               </a:rPr>
               <a:t>balance &lt;- ${balance}</a:t>
             </a:r>
-            <a:endParaRPr kumimoji="1" lang="en-US" altLang="zh-CN" sz="1600" dirty="0">
-              <a:solidFill>
-                <a:sysClr val="windowText" lastClr="000000"/>
-              </a:solidFill>
-              <a:latin typeface="等线" panose="02010600030101010101" pitchFamily="2" charset="-122"/>
-              <a:ea typeface="等线" panose="02010600030101010101" pitchFamily="2" charset="-122"/>
-            </a:endParaRPr>
           </a:p>
         </p:txBody>
       </p:sp>
@@ -14701,10 +14303,6 @@
               </a:rPr>
               <a:t>${time}</a:t>
             </a:r>
-            <a:endParaRPr kumimoji="1" lang="en-US" altLang="zh-CN" sz="1400" dirty="0">
-              <a:latin typeface="等线" panose="02010600030101010101" pitchFamily="2" charset="-122"/>
-              <a:ea typeface="等线" panose="02010600030101010101" pitchFamily="2" charset="-122"/>
-            </a:endParaRPr>
           </a:p>
         </p:txBody>
       </p:sp>
@@ -14820,13 +14418,6 @@
               </a:rPr>
               <a:t>}</a:t>
             </a:r>
-            <a:endParaRPr kumimoji="1" lang="en-US" altLang="zh-CN" sz="1600" dirty="0">
-              <a:solidFill>
-                <a:sysClr val="windowText" lastClr="000000"/>
-              </a:solidFill>
-              <a:latin typeface="等线" panose="02010600030101010101" pitchFamily="2" charset="-122"/>
-              <a:ea typeface="等线" panose="02010600030101010101" pitchFamily="2" charset="-122"/>
-            </a:endParaRPr>
           </a:p>
         </p:txBody>
       </p:sp>
@@ -14981,6 +14572,7 @@
         </p:style>
         <p:txBody>
           <a:bodyPr rtlCol="0" anchor="ctr"/>
+          <a:lstStyle/>
           <a:p>
             <a:pPr algn="ctr"/>
             <a:r>
@@ -15071,6 +14663,7 @@
         </p:style>
         <p:txBody>
           <a:bodyPr rtlCol="0" anchor="ctr"/>
+          <a:lstStyle/>
           <a:p>
             <a:pPr algn="ctr"/>
             <a:r>
@@ -15201,13 +14794,6 @@
               </a:rPr>
               <a:t>}</a:t>
             </a:r>
-            <a:endParaRPr kumimoji="1" lang="en-US" altLang="zh-CN" sz="1600" dirty="0">
-              <a:solidFill>
-                <a:sysClr val="windowText" lastClr="000000"/>
-              </a:solidFill>
-              <a:latin typeface="等线" panose="02010600030101010101" pitchFamily="2" charset="-122"/>
-              <a:ea typeface="等线" panose="02010600030101010101" pitchFamily="2" charset="-122"/>
-            </a:endParaRPr>
           </a:p>
         </p:txBody>
       </p:sp>
@@ -15344,10 +14930,6 @@
               </a:rPr>
               <a:t>${time}</a:t>
             </a:r>
-            <a:endParaRPr kumimoji="1" lang="en-US" altLang="zh-CN" sz="1400" dirty="0">
-              <a:latin typeface="等线" panose="02010600030101010101" pitchFamily="2" charset="-122"/>
-              <a:ea typeface="等线" panose="02010600030101010101" pitchFamily="2" charset="-122"/>
-            </a:endParaRPr>
           </a:p>
           <a:p>
             <a:pPr algn="ctr"/>
@@ -15358,10 +14940,6 @@
               </a:rPr>
               <a:t>ratio &lt;- ${ratio}</a:t>
             </a:r>
-            <a:endParaRPr kumimoji="1" lang="en-US" altLang="zh-CN" sz="1400" dirty="0">
-              <a:latin typeface="等线" panose="02010600030101010101" pitchFamily="2" charset="-122"/>
-              <a:ea typeface="等线" panose="02010600030101010101" pitchFamily="2" charset="-122"/>
-            </a:endParaRPr>
           </a:p>
         </p:txBody>
       </p:sp>
@@ -15372,7 +14950,7 @@
           <p:nvPr/>
         </p:nvGrpSpPr>
         <p:grpSpPr>
-          <a:xfrm rot="0">
+          <a:xfrm>
             <a:off x="1729740" y="2831465"/>
             <a:ext cx="2977515" cy="1159510"/>
             <a:chOff x="1488974" y="3906297"/>
@@ -15554,13 +15132,6 @@
                 </a:rPr>
                 <a:t>}</a:t>
               </a:r>
-              <a:endParaRPr kumimoji="1" lang="en-US" altLang="zh-CN" sz="1600" dirty="0">
-                <a:solidFill>
-                  <a:sysClr val="windowText" lastClr="000000"/>
-                </a:solidFill>
-                <a:latin typeface="等线" panose="02010600030101010101" pitchFamily="2" charset="-122"/>
-                <a:ea typeface="等线" panose="02010600030101010101" pitchFamily="2" charset="-122"/>
-              </a:endParaRPr>
             </a:p>
           </p:txBody>
         </p:sp>
@@ -15689,6 +15260,7 @@
         </p:style>
         <p:txBody>
           <a:bodyPr rtlCol="0" anchor="ctr"/>
+          <a:lstStyle/>
           <a:p>
             <a:pPr algn="ctr"/>
             <a:r>
@@ -15819,13 +15391,6 @@
               </a:rPr>
               <a:t>}</a:t>
             </a:r>
-            <a:endParaRPr kumimoji="1" lang="en-US" altLang="zh-CN" sz="1600" dirty="0">
-              <a:solidFill>
-                <a:sysClr val="windowText" lastClr="000000"/>
-              </a:solidFill>
-              <a:latin typeface="等线" panose="02010600030101010101" pitchFamily="2" charset="-122"/>
-              <a:ea typeface="等线" panose="02010600030101010101" pitchFamily="2" charset="-122"/>
-            </a:endParaRPr>
           </a:p>
         </p:txBody>
       </p:sp>
@@ -15962,10 +15527,6 @@
               </a:rPr>
               <a:t>${time}</a:t>
             </a:r>
-            <a:endParaRPr kumimoji="1" lang="en-US" altLang="zh-CN" sz="1400" dirty="0">
-              <a:latin typeface="等线" panose="02010600030101010101" pitchFamily="2" charset="-122"/>
-              <a:ea typeface="等线" panose="02010600030101010101" pitchFamily="2" charset="-122"/>
-            </a:endParaRPr>
           </a:p>
           <a:p>
             <a:pPr algn="ctr"/>
@@ -15976,10 +15537,6 @@
               </a:rPr>
               <a:t>ratio &lt;- ${ratio}</a:t>
             </a:r>
-            <a:endParaRPr kumimoji="1" lang="en-US" altLang="zh-CN" sz="1400" dirty="0">
-              <a:latin typeface="等线" panose="02010600030101010101" pitchFamily="2" charset="-122"/>
-              <a:ea typeface="等线" panose="02010600030101010101" pitchFamily="2" charset="-122"/>
-            </a:endParaRPr>
           </a:p>
         </p:txBody>
       </p:sp>
@@ -16096,13 +15653,6 @@
               </a:rPr>
               <a:t>}</a:t>
             </a:r>
-            <a:endParaRPr kumimoji="1" lang="en-US" altLang="zh-CN" sz="1600" dirty="0">
-              <a:solidFill>
-                <a:sysClr val="windowText" lastClr="000000"/>
-              </a:solidFill>
-              <a:latin typeface="等线" panose="02010600030101010101" pitchFamily="2" charset="-122"/>
-              <a:ea typeface="等线" panose="02010600030101010101" pitchFamily="2" charset="-122"/>
-            </a:endParaRPr>
           </a:p>
         </p:txBody>
       </p:sp>
@@ -16205,6 +15755,7 @@
         </p:style>
         <p:txBody>
           <a:bodyPr rtlCol="0" anchor="ctr"/>
+          <a:lstStyle/>
           <a:p>
             <a:pPr algn="ctr"/>
             <a:r>
@@ -16232,92 +15783,92 @@
 </file>
 
 <file path=ppt/tags/tag1.xml><?xml version="1.0" encoding="utf-8"?>
-<p:tagLst xmlns:p="http://schemas.openxmlformats.org/presentationml/2006/main">
-  <p:tag name="KSO_WM_BEAUTIFY_FLAG" val=""/>
+<p:tagLst xmlns:a="http://schemas.openxmlformats.org/drawingml/2006/main" xmlns:r="http://schemas.openxmlformats.org/officeDocument/2006/relationships" xmlns:p="http://schemas.openxmlformats.org/presentationml/2006/main">
+  <p:tag name="KSO_WPP_MARK_KEY" val="e5407a5c-3aa7-4a3f-8c63-acb26ca22cb2"/>
+  <p:tag name="COMMONDATA" val="eyJoZGlkIjoiY2UzZmQ1NDYyMTk1MjkyNjAxNzY5ZmQ2ZjBmNmY2NWYifQ=="/>
 </p:tagLst>
 </file>
 
 <file path=ppt/tags/tag10.xml><?xml version="1.0" encoding="utf-8"?>
-<p:tagLst xmlns:p="http://schemas.openxmlformats.org/presentationml/2006/main">
+<p:tagLst xmlns:a="http://schemas.openxmlformats.org/drawingml/2006/main" xmlns:r="http://schemas.openxmlformats.org/officeDocument/2006/relationships" xmlns:p="http://schemas.openxmlformats.org/presentationml/2006/main">
   <p:tag name="KSO_WM_BEAUTIFY_FLAG" val=""/>
 </p:tagLst>
 </file>
 
 <file path=ppt/tags/tag11.xml><?xml version="1.0" encoding="utf-8"?>
-<p:tagLst xmlns:p="http://schemas.openxmlformats.org/presentationml/2006/main">
+<p:tagLst xmlns:a="http://schemas.openxmlformats.org/drawingml/2006/main" xmlns:r="http://schemas.openxmlformats.org/officeDocument/2006/relationships" xmlns:p="http://schemas.openxmlformats.org/presentationml/2006/main">
   <p:tag name="KSO_WM_BEAUTIFY_FLAG" val=""/>
 </p:tagLst>
 </file>
 
 <file path=ppt/tags/tag12.xml><?xml version="1.0" encoding="utf-8"?>
-<p:tagLst xmlns:p="http://schemas.openxmlformats.org/presentationml/2006/main">
+<p:tagLst xmlns:a="http://schemas.openxmlformats.org/drawingml/2006/main" xmlns:r="http://schemas.openxmlformats.org/officeDocument/2006/relationships" xmlns:p="http://schemas.openxmlformats.org/presentationml/2006/main">
   <p:tag name="KSO_WM_BEAUTIFY_FLAG" val=""/>
 </p:tagLst>
 </file>
 
 <file path=ppt/tags/tag13.xml><?xml version="1.0" encoding="utf-8"?>
-<p:tagLst xmlns:p="http://schemas.openxmlformats.org/presentationml/2006/main">
+<p:tagLst xmlns:a="http://schemas.openxmlformats.org/drawingml/2006/main" xmlns:r="http://schemas.openxmlformats.org/officeDocument/2006/relationships" xmlns:p="http://schemas.openxmlformats.org/presentationml/2006/main">
   <p:tag name="KSO_WM_BEAUTIFY_FLAG" val=""/>
 </p:tagLst>
 </file>
 
 <file path=ppt/tags/tag14.xml><?xml version="1.0" encoding="utf-8"?>
-<p:tagLst xmlns:p="http://schemas.openxmlformats.org/presentationml/2006/main">
+<p:tagLst xmlns:a="http://schemas.openxmlformats.org/drawingml/2006/main" xmlns:r="http://schemas.openxmlformats.org/officeDocument/2006/relationships" xmlns:p="http://schemas.openxmlformats.org/presentationml/2006/main">
   <p:tag name="KSO_WM_BEAUTIFY_FLAG" val=""/>
 </p:tagLst>
 </file>
 
 <file path=ppt/tags/tag15.xml><?xml version="1.0" encoding="utf-8"?>
-<p:tagLst xmlns:p="http://schemas.openxmlformats.org/presentationml/2006/main">
-  <p:tag name="KSO_WPP_MARK_KEY" val="e5407a5c-3aa7-4a3f-8c63-acb26ca22cb2"/>
-  <p:tag name="COMMONDATA" val="eyJoZGlkIjoiY2UzZmQ1NDYyMTk1MjkyNjAxNzY5ZmQ2ZjBmNmY2NWYifQ=="/>
+<p:tagLst xmlns:a="http://schemas.openxmlformats.org/drawingml/2006/main" xmlns:r="http://schemas.openxmlformats.org/officeDocument/2006/relationships" xmlns:p="http://schemas.openxmlformats.org/presentationml/2006/main">
+  <p:tag name="KSO_WM_BEAUTIFY_FLAG" val=""/>
 </p:tagLst>
 </file>
 
 <file path=ppt/tags/tag2.xml><?xml version="1.0" encoding="utf-8"?>
-<p:tagLst xmlns:p="http://schemas.openxmlformats.org/presentationml/2006/main">
+<p:tagLst xmlns:a="http://schemas.openxmlformats.org/drawingml/2006/main" xmlns:r="http://schemas.openxmlformats.org/officeDocument/2006/relationships" xmlns:p="http://schemas.openxmlformats.org/presentationml/2006/main">
   <p:tag name="KSO_WM_BEAUTIFY_FLAG" val=""/>
 </p:tagLst>
 </file>
 
 <file path=ppt/tags/tag3.xml><?xml version="1.0" encoding="utf-8"?>
-<p:tagLst xmlns:p="http://schemas.openxmlformats.org/presentationml/2006/main">
+<p:tagLst xmlns:a="http://schemas.openxmlformats.org/drawingml/2006/main" xmlns:r="http://schemas.openxmlformats.org/officeDocument/2006/relationships" xmlns:p="http://schemas.openxmlformats.org/presentationml/2006/main">
   <p:tag name="KSO_WM_BEAUTIFY_FLAG" val=""/>
 </p:tagLst>
 </file>
 
 <file path=ppt/tags/tag4.xml><?xml version="1.0" encoding="utf-8"?>
-<p:tagLst xmlns:p="http://schemas.openxmlformats.org/presentationml/2006/main">
+<p:tagLst xmlns:a="http://schemas.openxmlformats.org/drawingml/2006/main" xmlns:r="http://schemas.openxmlformats.org/officeDocument/2006/relationships" xmlns:p="http://schemas.openxmlformats.org/presentationml/2006/main">
   <p:tag name="KSO_WM_BEAUTIFY_FLAG" val=""/>
 </p:tagLst>
 </file>
 
 <file path=ppt/tags/tag5.xml><?xml version="1.0" encoding="utf-8"?>
-<p:tagLst xmlns:p="http://schemas.openxmlformats.org/presentationml/2006/main">
+<p:tagLst xmlns:a="http://schemas.openxmlformats.org/drawingml/2006/main" xmlns:r="http://schemas.openxmlformats.org/officeDocument/2006/relationships" xmlns:p="http://schemas.openxmlformats.org/presentationml/2006/main">
   <p:tag name="KSO_WM_BEAUTIFY_FLAG" val=""/>
 </p:tagLst>
 </file>
 
 <file path=ppt/tags/tag6.xml><?xml version="1.0" encoding="utf-8"?>
-<p:tagLst xmlns:p="http://schemas.openxmlformats.org/presentationml/2006/main">
+<p:tagLst xmlns:a="http://schemas.openxmlformats.org/drawingml/2006/main" xmlns:r="http://schemas.openxmlformats.org/officeDocument/2006/relationships" xmlns:p="http://schemas.openxmlformats.org/presentationml/2006/main">
   <p:tag name="KSO_WM_BEAUTIFY_FLAG" val=""/>
 </p:tagLst>
 </file>
 
 <file path=ppt/tags/tag7.xml><?xml version="1.0" encoding="utf-8"?>
-<p:tagLst xmlns:p="http://schemas.openxmlformats.org/presentationml/2006/main">
+<p:tagLst xmlns:a="http://schemas.openxmlformats.org/drawingml/2006/main" xmlns:r="http://schemas.openxmlformats.org/officeDocument/2006/relationships" xmlns:p="http://schemas.openxmlformats.org/presentationml/2006/main">
   <p:tag name="KSO_WM_BEAUTIFY_FLAG" val=""/>
 </p:tagLst>
 </file>
 
 <file path=ppt/tags/tag8.xml><?xml version="1.0" encoding="utf-8"?>
-<p:tagLst xmlns:p="http://schemas.openxmlformats.org/presentationml/2006/main">
+<p:tagLst xmlns:a="http://schemas.openxmlformats.org/drawingml/2006/main" xmlns:r="http://schemas.openxmlformats.org/officeDocument/2006/relationships" xmlns:p="http://schemas.openxmlformats.org/presentationml/2006/main">
   <p:tag name="KSO_WM_BEAUTIFY_FLAG" val=""/>
 </p:tagLst>
 </file>
 
 <file path=ppt/tags/tag9.xml><?xml version="1.0" encoding="utf-8"?>
-<p:tagLst xmlns:p="http://schemas.openxmlformats.org/presentationml/2006/main">
+<p:tagLst xmlns:a="http://schemas.openxmlformats.org/drawingml/2006/main" xmlns:r="http://schemas.openxmlformats.org/officeDocument/2006/relationships" xmlns:p="http://schemas.openxmlformats.org/presentationml/2006/main">
   <p:tag name="KSO_WM_BEAUTIFY_FLAG" val=""/>
 </p:tagLst>
 </file>
@@ -16573,6 +16124,8 @@
       </a:bgFillStyleLst>
     </a:fmtScheme>
   </a:themeElements>
+  <a:objectDefaults/>
+  <a:extraClrSchemeLst/>
   <a:extLst>
     <a:ext uri="{05A4C25C-085E-4340-85A3-A5531E510DB2}">
       <thm15:themeFamily xmlns:thm15="http://schemas.microsoft.com/office/thememl/2012/main" name="Office Theme" id="{62F939B6-93AF-4DB8-9C6B-D6C7DFDC589F}" vid="{4A3C46E8-61CC-4603-A589-7422A47A8E4A}"/>
@@ -16832,6 +16385,8 @@
       </a:bgFillStyleLst>
     </a:fmtScheme>
   </a:themeElements>
+  <a:objectDefaults/>
+  <a:extraClrSchemeLst/>
   <a:extLst>
     <a:ext uri="{05A4C25C-085E-4340-85A3-A5531E510DB2}">
       <thm15:themeFamily xmlns:thm15="http://schemas.microsoft.com/office/thememl/2012/main" name="Office Theme" id="{62F939B6-93AF-4DB8-9C6B-D6C7DFDC589F}" vid="{4A3C46E8-61CC-4603-A589-7422A47A8E4A}"/>
